--- a/it.unibo.issLabStart/userDocs/BoundaryProblem.pptx
+++ b/it.unibo.issLabStart/userDocs/BoundaryProblem.pptx
@@ -5,12 +5,13 @@
     <p:sldMasterId id="2147483648" r:id="rId1"/>
   </p:sldMasterIdLst>
   <p:sldIdLst>
-    <p:sldId id="268" r:id="rId2"/>
-    <p:sldId id="269" r:id="rId3"/>
-    <p:sldId id="262" r:id="rId4"/>
-    <p:sldId id="263" r:id="rId5"/>
-    <p:sldId id="265" r:id="rId6"/>
-    <p:sldId id="267" r:id="rId7"/>
+    <p:sldId id="359" r:id="rId2"/>
+    <p:sldId id="268" r:id="rId3"/>
+    <p:sldId id="269" r:id="rId4"/>
+    <p:sldId id="262" r:id="rId5"/>
+    <p:sldId id="263" r:id="rId6"/>
+    <p:sldId id="265" r:id="rId7"/>
+    <p:sldId id="267" r:id="rId8"/>
   </p:sldIdLst>
   <p:sldSz cx="12192000" cy="6858000"/>
   <p:notesSz cx="6858000" cy="9144000"/>
@@ -1452,7 +1453,7 @@
             <a:fld id="{E1625027-F480-45BE-98EB-E4ABD50F7C43}" type="datetime1">
               <a:rPr lang="en-US"/>
               <a:pPr lvl="0"/>
-              <a:t>2/19/2021</a:t>
+              <a:t>2/20/2021</a:t>
             </a:fld>
             <a:endParaRPr lang="en-US"/>
           </a:p>
@@ -1515,7 +1516,7 @@
           <a:p>
             <a:pPr lvl="0"/>
             <a:fld id="{FEBEED23-3CB0-4314-8E77-F77AE33DDC27}" type="slidenum">
-              <a:t>‹N›</a:t>
+              <a:t>‹#›</a:t>
             </a:fld>
             <a:endParaRPr lang="en-US"/>
           </a:p>
@@ -1657,7 +1658,7 @@
             <a:fld id="{2B127D2E-5ADA-4DDC-9F1A-AD6A016AA88A}" type="datetime1">
               <a:rPr lang="en-US"/>
               <a:pPr lvl="0"/>
-              <a:t>2/19/2021</a:t>
+              <a:t>2/20/2021</a:t>
             </a:fld>
             <a:endParaRPr lang="en-US"/>
           </a:p>
@@ -1720,7 +1721,7 @@
           <a:p>
             <a:pPr lvl="0"/>
             <a:fld id="{C85F89E6-E841-433D-9226-E1980481D595}" type="slidenum">
-              <a:t>‹N›</a:t>
+              <a:t>‹#›</a:t>
             </a:fld>
             <a:endParaRPr lang="en-US"/>
           </a:p>
@@ -1907,7 +1908,7 @@
             <a:fld id="{DC8D2D60-A35A-4E29-90AF-F462F3828E68}" type="datetime1">
               <a:rPr lang="en-US"/>
               <a:pPr lvl="0"/>
-              <a:t>2/19/2021</a:t>
+              <a:t>2/20/2021</a:t>
             </a:fld>
             <a:endParaRPr lang="en-US"/>
           </a:p>
@@ -1970,7 +1971,7 @@
           <a:p>
             <a:pPr lvl="0"/>
             <a:fld id="{25E8B9DC-1601-4E89-9BF3-67798058929C}" type="slidenum">
-              <a:t>‹N›</a:t>
+              <a:t>‹#›</a:t>
             </a:fld>
             <a:endParaRPr lang="en-US"/>
           </a:p>
@@ -2245,7 +2246,7 @@
             <a:fld id="{28219253-5FC5-4A40-8333-D1B15AC5878A}" type="datetime1">
               <a:rPr lang="en-US"/>
               <a:pPr lvl="0"/>
-              <a:t>2/19/2021</a:t>
+              <a:t>2/20/2021</a:t>
             </a:fld>
             <a:endParaRPr lang="en-US"/>
           </a:p>
@@ -2308,7 +2309,7 @@
           <a:p>
             <a:pPr lvl="0"/>
             <a:fld id="{86011E27-E238-48D1-8B6B-308E3305A798}" type="slidenum">
-              <a:t>‹N›</a:t>
+              <a:t>‹#›</a:t>
             </a:fld>
             <a:endParaRPr lang="en-US"/>
           </a:p>
@@ -2495,7 +2496,7 @@
             <a:fld id="{33CA4D83-3349-4ABB-88EE-6E4E7B0BB022}" type="datetime1">
               <a:rPr lang="en-US"/>
               <a:pPr lvl="0"/>
-              <a:t>2/19/2021</a:t>
+              <a:t>2/20/2021</a:t>
             </a:fld>
             <a:endParaRPr lang="en-US"/>
           </a:p>
@@ -2558,7 +2559,7 @@
           <a:p>
             <a:pPr lvl="0"/>
             <a:fld id="{3838CB40-8488-4632-BEE4-1726605F46A2}" type="slidenum">
-              <a:t>‹N›</a:t>
+              <a:t>‹#›</a:t>
             </a:fld>
             <a:endParaRPr lang="en-US"/>
           </a:p>
@@ -2875,7 +2876,7 @@
             <a:fld id="{2FB5C852-7CCC-490C-814F-DFECD5F43B20}" type="datetime1">
               <a:rPr lang="en-US"/>
               <a:pPr lvl="0"/>
-              <a:t>2/19/2021</a:t>
+              <a:t>2/20/2021</a:t>
             </a:fld>
             <a:endParaRPr lang="en-US"/>
           </a:p>
@@ -2938,7 +2939,7 @@
           <a:p>
             <a:pPr lvl="0"/>
             <a:fld id="{DF155DDB-B265-4385-85EB-9BB6F96920F3}" type="slidenum">
-              <a:t>‹N›</a:t>
+              <a:t>‹#›</a:t>
             </a:fld>
             <a:endParaRPr lang="en-US"/>
           </a:p>
@@ -3109,7 +3110,7 @@
             <a:fld id="{7B2A1F4C-93D8-43D7-8339-D733494904AF}" type="datetime1">
               <a:rPr lang="en-US"/>
               <a:pPr lvl="0"/>
-              <a:t>2/19/2021</a:t>
+              <a:t>2/20/2021</a:t>
             </a:fld>
             <a:endParaRPr lang="en-US"/>
           </a:p>
@@ -3172,7 +3173,7 @@
           <a:p>
             <a:pPr lvl="0"/>
             <a:fld id="{AFBA4CC0-DF28-4594-B397-0B69C273FCC7}" type="slidenum">
-              <a:t>‹N›</a:t>
+              <a:t>‹#›</a:t>
             </a:fld>
             <a:endParaRPr lang="en-US"/>
           </a:p>
@@ -3353,7 +3354,7 @@
             <a:fld id="{77885217-A614-4057-B794-FF8AEFCE0435}" type="datetime1">
               <a:rPr lang="en-US"/>
               <a:pPr lvl="0"/>
-              <a:t>2/19/2021</a:t>
+              <a:t>2/20/2021</a:t>
             </a:fld>
             <a:endParaRPr lang="en-US"/>
           </a:p>
@@ -3416,7 +3417,7 @@
           <a:p>
             <a:pPr lvl="0"/>
             <a:fld id="{EFAAD9BC-2D0C-483F-8155-9F1E48F77017}" type="slidenum">
-              <a:t>‹N›</a:t>
+              <a:t>‹#›</a:t>
             </a:fld>
             <a:endParaRPr lang="en-US"/>
           </a:p>
@@ -3587,7 +3588,7 @@
             <a:fld id="{D0DACD68-29B9-4EF3-AEDA-C2F359F2DD76}" type="datetime1">
               <a:rPr lang="en-US"/>
               <a:pPr lvl="0"/>
-              <a:t>2/19/2021</a:t>
+              <a:t>2/20/2021</a:t>
             </a:fld>
             <a:endParaRPr lang="en-US"/>
           </a:p>
@@ -3650,7 +3651,7 @@
           <a:p>
             <a:pPr lvl="0"/>
             <a:fld id="{7548A338-ED36-4B02-8A7A-B62AA2999902}" type="slidenum">
-              <a:t>‹N›</a:t>
+              <a:t>‹#›</a:t>
             </a:fld>
             <a:endParaRPr lang="en-US"/>
           </a:p>
@@ -3796,7 +3797,7 @@
             <a:fld id="{06E0725F-6EB9-4ECD-B0CE-1D38B1127686}" type="datetime1">
               <a:rPr lang="en-US"/>
               <a:pPr lvl="0"/>
-              <a:t>2/19/2021</a:t>
+              <a:t>2/20/2021</a:t>
             </a:fld>
             <a:endParaRPr lang="en-US"/>
           </a:p>
@@ -3859,7 +3860,7 @@
           <a:p>
             <a:pPr lvl="0"/>
             <a:fld id="{864A4FA9-6AAC-4551-B51D-2A8210D0C5CC}" type="slidenum">
-              <a:t>‹N›</a:t>
+              <a:t>‹#›</a:t>
             </a:fld>
             <a:endParaRPr lang="en-US"/>
           </a:p>
@@ -4113,7 +4114,7 @@
             <a:fld id="{4C942382-4B6B-45E1-9E36-EC8B67CEA045}" type="datetime1">
               <a:rPr lang="en-US"/>
               <a:pPr lvl="0"/>
-              <a:t>2/19/2021</a:t>
+              <a:t>2/20/2021</a:t>
             </a:fld>
             <a:endParaRPr lang="en-US"/>
           </a:p>
@@ -4176,7 +4177,7 @@
           <a:p>
             <a:pPr lvl="0"/>
             <a:fld id="{3B82688E-5447-4477-9F70-BCD59116F07E}" type="slidenum">
-              <a:t>‹N›</a:t>
+              <a:t>‹#›</a:t>
             </a:fld>
             <a:endParaRPr lang="en-US"/>
           </a:p>
@@ -4512,7 +4513,7 @@
             <a:fld id="{7D3D84F2-FEA2-4427-96E5-10B973ED4870}" type="datetime1">
               <a:rPr lang="en-US"/>
               <a:pPr lvl="0"/>
-              <a:t>2/19/2021</a:t>
+              <a:t>2/20/2021</a:t>
             </a:fld>
             <a:endParaRPr lang="en-US"/>
           </a:p>
@@ -4575,7 +4576,7 @@
           <a:p>
             <a:pPr lvl="0"/>
             <a:fld id="{CB2E60DC-FEE2-4D8E-B96B-62896C0CB29E}" type="slidenum">
-              <a:t>‹N›</a:t>
+              <a:t>‹#›</a:t>
             </a:fld>
             <a:endParaRPr lang="en-US"/>
           </a:p>
@@ -4673,7 +4674,7 @@
             <a:fld id="{B7AF3369-AE36-4F4C-A2F2-CD9A19A2C3F5}" type="datetime1">
               <a:rPr lang="en-US"/>
               <a:pPr lvl="0"/>
-              <a:t>2/19/2021</a:t>
+              <a:t>2/20/2021</a:t>
             </a:fld>
             <a:endParaRPr lang="en-US"/>
           </a:p>
@@ -4736,7 +4737,7 @@
           <a:p>
             <a:pPr lvl="0"/>
             <a:fld id="{89A43199-AD0E-4750-B27B-4C1D93A2EA32}" type="slidenum">
-              <a:t>‹N›</a:t>
+              <a:t>‹#›</a:t>
             </a:fld>
             <a:endParaRPr lang="en-US"/>
           </a:p>
@@ -4802,7 +4803,7 @@
             <a:fld id="{1DBFF290-4D61-45AA-9912-220341DCFF82}" type="datetime1">
               <a:rPr lang="en-US"/>
               <a:pPr lvl="0"/>
-              <a:t>2/19/2021</a:t>
+              <a:t>2/20/2021</a:t>
             </a:fld>
             <a:endParaRPr lang="en-US"/>
           </a:p>
@@ -4865,7 +4866,7 @@
           <a:p>
             <a:pPr lvl="0"/>
             <a:fld id="{1770E780-0E85-498B-B658-B69898171ACB}" type="slidenum">
-              <a:t>‹N›</a:t>
+              <a:t>‹#›</a:t>
             </a:fld>
             <a:endParaRPr lang="en-US"/>
           </a:p>
@@ -5085,7 +5086,7 @@
             <a:fld id="{394810FF-4C92-4868-8A78-69B7E79AAD23}" type="datetime1">
               <a:rPr lang="en-US"/>
               <a:pPr lvl="0"/>
-              <a:t>2/19/2021</a:t>
+              <a:t>2/20/2021</a:t>
             </a:fld>
             <a:endParaRPr lang="en-US"/>
           </a:p>
@@ -5148,7 +5149,7 @@
           <a:p>
             <a:pPr lvl="0"/>
             <a:fld id="{7AC017E1-2DD0-4D42-9E09-06ADDE3F63D7}" type="slidenum">
-              <a:t>‹N›</a:t>
+              <a:t>‹#›</a:t>
             </a:fld>
             <a:endParaRPr lang="en-US"/>
           </a:p>
@@ -5329,7 +5330,7 @@
             <a:fld id="{5EEF1104-63C8-41E5-ADC2-4624C67A1313}" type="datetime1">
               <a:rPr lang="en-US"/>
               <a:pPr lvl="0"/>
-              <a:t>2/19/2021</a:t>
+              <a:t>2/20/2021</a:t>
             </a:fld>
             <a:endParaRPr lang="en-US"/>
           </a:p>
@@ -5392,7 +5393,7 @@
           <a:p>
             <a:pPr lvl="0"/>
             <a:fld id="{3B62C8DE-7929-43A8-9BA2-34E07DFC7D3C}" type="slidenum">
-              <a:t>‹N›</a:t>
+              <a:t>‹#›</a:t>
             </a:fld>
             <a:endParaRPr lang="en-US"/>
           </a:p>
@@ -6815,7 +6816,7 @@
             <a:fld id="{3431AD46-0528-4BA3-9348-B3C09F91749D}" type="datetime1">
               <a:rPr lang="en-US"/>
               <a:pPr lvl="0"/>
-              <a:t>2/19/2021</a:t>
+              <a:t>2/20/2021</a:t>
             </a:fld>
             <a:endParaRPr lang="en-US"/>
           </a:p>
@@ -6940,7 +6941,7 @@
           <a:p>
             <a:pPr lvl="0"/>
             <a:fld id="{5FDB0281-6497-4923-A6A9-684DC7375417}" type="slidenum">
-              <a:t>‹N›</a:t>
+              <a:t>‹#›</a:t>
             </a:fld>
             <a:endParaRPr lang="en-US"/>
           </a:p>
@@ -7307,6 +7308,650 @@
       </p:grpSpPr>
       <p:sp>
         <p:nvSpPr>
+          <p:cNvPr id="2" name="Segnaposto piè di pagina 1">
+            <a:extLst>
+              <a:ext uri="{FF2B5EF4-FFF2-40B4-BE49-F238E27FC236}">
+                <a16:creationId xmlns:a16="http://schemas.microsoft.com/office/drawing/2014/main" id="{A9BA4050-221D-4B3F-A651-C94962B74327}"/>
+              </a:ext>
+            </a:extLst>
+          </p:cNvPr>
+          <p:cNvSpPr>
+            <a:spLocks noGrp="1"/>
+          </p:cNvSpPr>
+          <p:nvPr>
+            <p:ph type="ftr" sz="quarter" idx="11"/>
+          </p:nvPr>
+        </p:nvSpPr>
+        <p:spPr>
+          <a:xfrm>
+            <a:off x="3124200" y="6356350"/>
+            <a:ext cx="2895600" cy="365125"/>
+          </a:xfrm>
+          <a:prstGeom prst="rect">
+            <a:avLst/>
+          </a:prstGeom>
+        </p:spPr>
+        <p:txBody>
+          <a:bodyPr vert="horz" lIns="91440" tIns="45720" rIns="91440" bIns="45720" rtlCol="0" anchor="ctr"/>
+          <a:lstStyle>
+            <a:defPPr>
+              <a:defRPr lang="en-US"/>
+            </a:defPPr>
+            <a:lvl1pPr marL="0" algn="ctr" defTabSz="914400" rtl="0" eaLnBrk="1" latinLnBrk="0" hangingPunct="1">
+              <a:defRPr sz="1200" kern="1200">
+                <a:solidFill>
+                  <a:schemeClr val="tx1">
+                    <a:tint val="75%"/>
+                  </a:schemeClr>
+                </a:solidFill>
+                <a:latin typeface="+mn-lt"/>
+                <a:ea typeface="+mn-ea"/>
+                <a:cs typeface="+mn-cs"/>
+              </a:defRPr>
+            </a:lvl1pPr>
+            <a:lvl2pPr marL="457200" algn="l" defTabSz="914400" rtl="0" eaLnBrk="1" latinLnBrk="0" hangingPunct="1">
+              <a:defRPr sz="1800" kern="1200">
+                <a:solidFill>
+                  <a:schemeClr val="tx1"/>
+                </a:solidFill>
+                <a:latin typeface="+mn-lt"/>
+                <a:ea typeface="+mn-ea"/>
+                <a:cs typeface="+mn-cs"/>
+              </a:defRPr>
+            </a:lvl2pPr>
+            <a:lvl3pPr marL="914400" algn="l" defTabSz="914400" rtl="0" eaLnBrk="1" latinLnBrk="0" hangingPunct="1">
+              <a:defRPr sz="1800" kern="1200">
+                <a:solidFill>
+                  <a:schemeClr val="tx1"/>
+                </a:solidFill>
+                <a:latin typeface="+mn-lt"/>
+                <a:ea typeface="+mn-ea"/>
+                <a:cs typeface="+mn-cs"/>
+              </a:defRPr>
+            </a:lvl3pPr>
+            <a:lvl4pPr marL="1371600" algn="l" defTabSz="914400" rtl="0" eaLnBrk="1" latinLnBrk="0" hangingPunct="1">
+              <a:defRPr sz="1800" kern="1200">
+                <a:solidFill>
+                  <a:schemeClr val="tx1"/>
+                </a:solidFill>
+                <a:latin typeface="+mn-lt"/>
+                <a:ea typeface="+mn-ea"/>
+                <a:cs typeface="+mn-cs"/>
+              </a:defRPr>
+            </a:lvl4pPr>
+            <a:lvl5pPr marL="1828800" algn="l" defTabSz="914400" rtl="0" eaLnBrk="1" latinLnBrk="0" hangingPunct="1">
+              <a:defRPr sz="1800" kern="1200">
+                <a:solidFill>
+                  <a:schemeClr val="tx1"/>
+                </a:solidFill>
+                <a:latin typeface="+mn-lt"/>
+                <a:ea typeface="+mn-ea"/>
+                <a:cs typeface="+mn-cs"/>
+              </a:defRPr>
+            </a:lvl5pPr>
+            <a:lvl6pPr marL="2286000" algn="l" defTabSz="914400" rtl="0" eaLnBrk="1" latinLnBrk="0" hangingPunct="1">
+              <a:defRPr sz="1800" kern="1200">
+                <a:solidFill>
+                  <a:schemeClr val="tx1"/>
+                </a:solidFill>
+                <a:latin typeface="+mn-lt"/>
+                <a:ea typeface="+mn-ea"/>
+                <a:cs typeface="+mn-cs"/>
+              </a:defRPr>
+            </a:lvl6pPr>
+            <a:lvl7pPr marL="2743200" algn="l" defTabSz="914400" rtl="0" eaLnBrk="1" latinLnBrk="0" hangingPunct="1">
+              <a:defRPr sz="1800" kern="1200">
+                <a:solidFill>
+                  <a:schemeClr val="tx1"/>
+                </a:solidFill>
+                <a:latin typeface="+mn-lt"/>
+                <a:ea typeface="+mn-ea"/>
+                <a:cs typeface="+mn-cs"/>
+              </a:defRPr>
+            </a:lvl7pPr>
+            <a:lvl8pPr marL="3200400" algn="l" defTabSz="914400" rtl="0" eaLnBrk="1" latinLnBrk="0" hangingPunct="1">
+              <a:defRPr sz="1800" kern="1200">
+                <a:solidFill>
+                  <a:schemeClr val="tx1"/>
+                </a:solidFill>
+                <a:latin typeface="+mn-lt"/>
+                <a:ea typeface="+mn-ea"/>
+                <a:cs typeface="+mn-cs"/>
+              </a:defRPr>
+            </a:lvl8pPr>
+            <a:lvl9pPr marL="3657600" algn="l" defTabSz="914400" rtl="0" eaLnBrk="1" latinLnBrk="0" hangingPunct="1">
+              <a:defRPr sz="1800" kern="1200">
+                <a:solidFill>
+                  <a:schemeClr val="tx1"/>
+                </a:solidFill>
+                <a:latin typeface="+mn-lt"/>
+                <a:ea typeface="+mn-ea"/>
+                <a:cs typeface="+mn-cs"/>
+              </a:defRPr>
+            </a:lvl9pPr>
+          </a:lstStyle>
+          <a:p>
+            <a:r>
+              <a:rPr lang="it-IT"/>
+              <a:t>ANatali  - DISI - ISSM2020  Univeristy of Bologna</a:t>
+            </a:r>
+            <a:endParaRPr lang="en-GB"/>
+          </a:p>
+        </p:txBody>
+      </p:sp>
+      <p:sp>
+        <p:nvSpPr>
+          <p:cNvPr id="3" name="Segnaposto numero diapositiva 2">
+            <a:extLst>
+              <a:ext uri="{FF2B5EF4-FFF2-40B4-BE49-F238E27FC236}">
+                <a16:creationId xmlns:a16="http://schemas.microsoft.com/office/drawing/2014/main" id="{DEB67B38-8D7B-4C41-BAB5-73CE2B32205A}"/>
+              </a:ext>
+            </a:extLst>
+          </p:cNvPr>
+          <p:cNvSpPr>
+            <a:spLocks noGrp="1"/>
+          </p:cNvSpPr>
+          <p:nvPr>
+            <p:ph type="sldNum" sz="quarter" idx="12"/>
+          </p:nvPr>
+        </p:nvSpPr>
+        <p:spPr>
+          <a:xfrm>
+            <a:off x="6553200" y="6356350"/>
+            <a:ext cx="2133600" cy="365125"/>
+          </a:xfrm>
+          <a:prstGeom prst="rect">
+            <a:avLst/>
+          </a:prstGeom>
+        </p:spPr>
+        <p:txBody>
+          <a:bodyPr vert="horz" lIns="91440" tIns="45720" rIns="91440" bIns="45720" rtlCol="0" anchor="ctr"/>
+          <a:lstStyle>
+            <a:defPPr>
+              <a:defRPr lang="en-US"/>
+            </a:defPPr>
+            <a:lvl1pPr marL="0" algn="r" defTabSz="914400" rtl="0" eaLnBrk="1" latinLnBrk="0" hangingPunct="1">
+              <a:defRPr sz="1200" kern="1200">
+                <a:solidFill>
+                  <a:schemeClr val="tx1">
+                    <a:tint val="75%"/>
+                  </a:schemeClr>
+                </a:solidFill>
+                <a:latin typeface="+mn-lt"/>
+                <a:ea typeface="+mn-ea"/>
+                <a:cs typeface="+mn-cs"/>
+              </a:defRPr>
+            </a:lvl1pPr>
+            <a:lvl2pPr marL="457200" algn="l" defTabSz="914400" rtl="0" eaLnBrk="1" latinLnBrk="0" hangingPunct="1">
+              <a:defRPr sz="1800" kern="1200">
+                <a:solidFill>
+                  <a:schemeClr val="tx1"/>
+                </a:solidFill>
+                <a:latin typeface="+mn-lt"/>
+                <a:ea typeface="+mn-ea"/>
+                <a:cs typeface="+mn-cs"/>
+              </a:defRPr>
+            </a:lvl2pPr>
+            <a:lvl3pPr marL="914400" algn="l" defTabSz="914400" rtl="0" eaLnBrk="1" latinLnBrk="0" hangingPunct="1">
+              <a:defRPr sz="1800" kern="1200">
+                <a:solidFill>
+                  <a:schemeClr val="tx1"/>
+                </a:solidFill>
+                <a:latin typeface="+mn-lt"/>
+                <a:ea typeface="+mn-ea"/>
+                <a:cs typeface="+mn-cs"/>
+              </a:defRPr>
+            </a:lvl3pPr>
+            <a:lvl4pPr marL="1371600" algn="l" defTabSz="914400" rtl="0" eaLnBrk="1" latinLnBrk="0" hangingPunct="1">
+              <a:defRPr sz="1800" kern="1200">
+                <a:solidFill>
+                  <a:schemeClr val="tx1"/>
+                </a:solidFill>
+                <a:latin typeface="+mn-lt"/>
+                <a:ea typeface="+mn-ea"/>
+                <a:cs typeface="+mn-cs"/>
+              </a:defRPr>
+            </a:lvl4pPr>
+            <a:lvl5pPr marL="1828800" algn="l" defTabSz="914400" rtl="0" eaLnBrk="1" latinLnBrk="0" hangingPunct="1">
+              <a:defRPr sz="1800" kern="1200">
+                <a:solidFill>
+                  <a:schemeClr val="tx1"/>
+                </a:solidFill>
+                <a:latin typeface="+mn-lt"/>
+                <a:ea typeface="+mn-ea"/>
+                <a:cs typeface="+mn-cs"/>
+              </a:defRPr>
+            </a:lvl5pPr>
+            <a:lvl6pPr marL="2286000" algn="l" defTabSz="914400" rtl="0" eaLnBrk="1" latinLnBrk="0" hangingPunct="1">
+              <a:defRPr sz="1800" kern="1200">
+                <a:solidFill>
+                  <a:schemeClr val="tx1"/>
+                </a:solidFill>
+                <a:latin typeface="+mn-lt"/>
+                <a:ea typeface="+mn-ea"/>
+                <a:cs typeface="+mn-cs"/>
+              </a:defRPr>
+            </a:lvl6pPr>
+            <a:lvl7pPr marL="2743200" algn="l" defTabSz="914400" rtl="0" eaLnBrk="1" latinLnBrk="0" hangingPunct="1">
+              <a:defRPr sz="1800" kern="1200">
+                <a:solidFill>
+                  <a:schemeClr val="tx1"/>
+                </a:solidFill>
+                <a:latin typeface="+mn-lt"/>
+                <a:ea typeface="+mn-ea"/>
+                <a:cs typeface="+mn-cs"/>
+              </a:defRPr>
+            </a:lvl7pPr>
+            <a:lvl8pPr marL="3200400" algn="l" defTabSz="914400" rtl="0" eaLnBrk="1" latinLnBrk="0" hangingPunct="1">
+              <a:defRPr sz="1800" kern="1200">
+                <a:solidFill>
+                  <a:schemeClr val="tx1"/>
+                </a:solidFill>
+                <a:latin typeface="+mn-lt"/>
+                <a:ea typeface="+mn-ea"/>
+                <a:cs typeface="+mn-cs"/>
+              </a:defRPr>
+            </a:lvl8pPr>
+            <a:lvl9pPr marL="3657600" algn="l" defTabSz="914400" rtl="0" eaLnBrk="1" latinLnBrk="0" hangingPunct="1">
+              <a:defRPr sz="1800" kern="1200">
+                <a:solidFill>
+                  <a:schemeClr val="tx1"/>
+                </a:solidFill>
+                <a:latin typeface="+mn-lt"/>
+                <a:ea typeface="+mn-ea"/>
+                <a:cs typeface="+mn-cs"/>
+              </a:defRPr>
+            </a:lvl9pPr>
+          </a:lstStyle>
+          <a:p>
+            <a:fld id="{6F6A5AB3-AF76-4EC9-853D-D4C335162C13}" type="slidenum">
+              <a:rPr lang="en-GB" smtClean="0"/>
+              <a:pPr/>
+              <a:t>1</a:t>
+            </a:fld>
+            <a:endParaRPr lang="en-GB"/>
+          </a:p>
+        </p:txBody>
+      </p:sp>
+      <p:grpSp>
+        <p:nvGrpSpPr>
+          <p:cNvPr id="4" name="Group 3">
+            <a:extLst>
+              <a:ext uri="{FF2B5EF4-FFF2-40B4-BE49-F238E27FC236}">
+                <a16:creationId xmlns:a16="http://schemas.microsoft.com/office/drawing/2014/main" id="{2B9695A4-5B31-46C5-BC95-2386E014DB05}"/>
+              </a:ext>
+            </a:extLst>
+          </p:cNvPr>
+          <p:cNvGrpSpPr/>
+          <p:nvPr/>
+        </p:nvGrpSpPr>
+        <p:grpSpPr>
+          <a:xfrm>
+            <a:off x="374441" y="272950"/>
+            <a:ext cx="3798137" cy="2804403"/>
+            <a:chOff x="4196932" y="2026799"/>
+            <a:chExt cx="3798137" cy="2804403"/>
+          </a:xfrm>
+        </p:grpSpPr>
+        <p:pic>
+          <p:nvPicPr>
+            <p:cNvPr id="5" name="Immagine 4">
+              <a:extLst>
+                <a:ext uri="{FF2B5EF4-FFF2-40B4-BE49-F238E27FC236}">
+                  <a16:creationId xmlns:a16="http://schemas.microsoft.com/office/drawing/2014/main" id="{574FE7A6-52B2-415D-879E-7E0F88A39B4D}"/>
+                </a:ext>
+              </a:extLst>
+            </p:cNvPr>
+            <p:cNvPicPr>
+              <a:picLocks noChangeAspect="1"/>
+            </p:cNvPicPr>
+            <p:nvPr/>
+          </p:nvPicPr>
+          <p:blipFill>
+            <a:blip r:embed="rId2">
+              <a:extLst>
+                <a:ext uri="{28A0092B-C50C-407E-A947-70E740481C1C}">
+                  <a14:useLocalDpi xmlns:a14="http://schemas.microsoft.com/office/drawing/2010/main" val="0"/>
+                </a:ext>
+              </a:extLst>
+            </a:blip>
+            <a:stretch>
+              <a:fillRect/>
+            </a:stretch>
+          </p:blipFill>
+          <p:spPr>
+            <a:xfrm>
+              <a:off x="4196932" y="2026799"/>
+              <a:ext cx="3798137" cy="2804403"/>
+            </a:xfrm>
+            <a:prstGeom prst="rect">
+              <a:avLst/>
+            </a:prstGeom>
+          </p:spPr>
+        </p:pic>
+        <p:pic>
+          <p:nvPicPr>
+            <p:cNvPr id="6" name="Immagine 5" descr="Immagine che contiene testo, dilegno&#10;&#10;Descrizione generata automaticamente">
+              <a:extLst>
+                <a:ext uri="{FF2B5EF4-FFF2-40B4-BE49-F238E27FC236}">
+                  <a16:creationId xmlns:a16="http://schemas.microsoft.com/office/drawing/2014/main" id="{74855E0E-1DF0-41C3-B13C-07BC233B3A50}"/>
+                </a:ext>
+              </a:extLst>
+            </p:cNvPr>
+            <p:cNvPicPr>
+              <a:picLocks noChangeAspect="1"/>
+            </p:cNvPicPr>
+            <p:nvPr/>
+          </p:nvPicPr>
+          <p:blipFill>
+            <a:blip r:embed="rId3" cstate="print">
+              <a:extLst>
+                <a:ext uri="{28A0092B-C50C-407E-A947-70E740481C1C}">
+                  <a14:useLocalDpi xmlns:a14="http://schemas.microsoft.com/office/drawing/2010/main" val="0"/>
+                </a:ext>
+              </a:extLst>
+            </a:blip>
+            <a:stretch>
+              <a:fillRect/>
+            </a:stretch>
+          </p:blipFill>
+          <p:spPr>
+            <a:xfrm>
+              <a:off x="4196932" y="2348881"/>
+              <a:ext cx="602925" cy="602925"/>
+            </a:xfrm>
+            <a:prstGeom prst="rect">
+              <a:avLst/>
+            </a:prstGeom>
+          </p:spPr>
+        </p:pic>
+      </p:grpSp>
+      <p:grpSp>
+        <p:nvGrpSpPr>
+          <p:cNvPr id="16" name="Group 15">
+            <a:extLst>
+              <a:ext uri="{FF2B5EF4-FFF2-40B4-BE49-F238E27FC236}">
+                <a16:creationId xmlns:a16="http://schemas.microsoft.com/office/drawing/2014/main" id="{754FCC06-6467-4905-9B28-78A9EE6C0EBD}"/>
+              </a:ext>
+            </a:extLst>
+          </p:cNvPr>
+          <p:cNvGrpSpPr/>
+          <p:nvPr/>
+        </p:nvGrpSpPr>
+        <p:grpSpPr>
+          <a:xfrm>
+            <a:off x="4757737" y="2376487"/>
+            <a:ext cx="2676525" cy="2105025"/>
+            <a:chOff x="4757737" y="2376487"/>
+            <a:chExt cx="2676525" cy="2105025"/>
+          </a:xfrm>
+        </p:grpSpPr>
+        <p:pic>
+          <p:nvPicPr>
+            <p:cNvPr id="14" name="Picture 13" descr="Diagram&#10;&#10;Description automatically generated">
+              <a:extLst>
+                <a:ext uri="{FF2B5EF4-FFF2-40B4-BE49-F238E27FC236}">
+                  <a16:creationId xmlns:a16="http://schemas.microsoft.com/office/drawing/2014/main" id="{22203EAE-0CF9-42D7-BBB6-E3E4FA212413}"/>
+                </a:ext>
+              </a:extLst>
+            </p:cNvPr>
+            <p:cNvPicPr>
+              <a:picLocks noChangeAspect="1"/>
+            </p:cNvPicPr>
+            <p:nvPr/>
+          </p:nvPicPr>
+          <p:blipFill>
+            <a:blip r:embed="rId4">
+              <a:extLst>
+                <a:ext uri="{28A0092B-C50C-407E-A947-70E740481C1C}">
+                  <a14:useLocalDpi xmlns:a14="http://schemas.microsoft.com/office/drawing/2010/main" val="0"/>
+                </a:ext>
+              </a:extLst>
+            </a:blip>
+            <a:stretch>
+              <a:fillRect/>
+            </a:stretch>
+          </p:blipFill>
+          <p:spPr>
+            <a:xfrm>
+              <a:off x="4757737" y="2376487"/>
+              <a:ext cx="2676525" cy="2105025"/>
+            </a:xfrm>
+            <a:prstGeom prst="rect">
+              <a:avLst/>
+            </a:prstGeom>
+          </p:spPr>
+        </p:pic>
+        <p:sp>
+          <p:nvSpPr>
+            <p:cNvPr id="15" name="TextBox 14">
+              <a:extLst>
+                <a:ext uri="{FF2B5EF4-FFF2-40B4-BE49-F238E27FC236}">
+                  <a16:creationId xmlns:a16="http://schemas.microsoft.com/office/drawing/2014/main" id="{C884F587-4CB9-4612-9B24-9516DE17B69A}"/>
+                </a:ext>
+              </a:extLst>
+            </p:cNvPr>
+            <p:cNvSpPr txBox="1"/>
+            <p:nvPr/>
+          </p:nvSpPr>
+          <p:spPr>
+            <a:xfrm>
+              <a:off x="5924317" y="3297836"/>
+              <a:ext cx="343364" cy="369332"/>
+            </a:xfrm>
+            <a:prstGeom prst="rect">
+              <a:avLst/>
+            </a:prstGeom>
+            <a:noFill/>
+          </p:spPr>
+          <p:txBody>
+            <a:bodyPr wrap="none" rtlCol="0">
+              <a:spAutoFit/>
+            </a:bodyPr>
+            <a:lstStyle/>
+            <a:p>
+              <a:r>
+                <a:rPr lang="en-US" dirty="0"/>
+                <a:t>…</a:t>
+              </a:r>
+            </a:p>
+          </p:txBody>
+        </p:sp>
+      </p:grpSp>
+      <p:cxnSp>
+        <p:nvCxnSpPr>
+          <p:cNvPr id="18" name="Straight Connector 17">
+            <a:extLst>
+              <a:ext uri="{FF2B5EF4-FFF2-40B4-BE49-F238E27FC236}">
+                <a16:creationId xmlns:a16="http://schemas.microsoft.com/office/drawing/2014/main" id="{5A63B0E4-2B65-460F-A428-A0D1B6C58E68}"/>
+              </a:ext>
+            </a:extLst>
+          </p:cNvPr>
+          <p:cNvCxnSpPr>
+            <a:cxnSpLocks/>
+          </p:cNvCxnSpPr>
+          <p:nvPr/>
+        </p:nvCxnSpPr>
+        <p:spPr>
+          <a:xfrm>
+            <a:off x="4826833" y="2376487"/>
+            <a:ext cx="0" cy="388144"/>
+          </a:xfrm>
+          <a:prstGeom prst="line">
+            <a:avLst/>
+          </a:prstGeom>
+          <a:ln>
+            <a:solidFill>
+              <a:srgbClr val="FFC000"/>
+            </a:solidFill>
+          </a:ln>
+        </p:spPr>
+        <p:style>
+          <a:lnRef idx="1">
+            <a:schemeClr val="accent1"/>
+          </a:lnRef>
+          <a:fillRef idx="0">
+            <a:schemeClr val="accent1"/>
+          </a:fillRef>
+          <a:effectRef idx="0">
+            <a:schemeClr val="accent1"/>
+          </a:effectRef>
+          <a:fontRef idx="minor">
+            <a:schemeClr val="tx1"/>
+          </a:fontRef>
+        </p:style>
+      </p:cxnSp>
+      <p:cxnSp>
+        <p:nvCxnSpPr>
+          <p:cNvPr id="23" name="Straight Connector 22">
+            <a:extLst>
+              <a:ext uri="{FF2B5EF4-FFF2-40B4-BE49-F238E27FC236}">
+                <a16:creationId xmlns:a16="http://schemas.microsoft.com/office/drawing/2014/main" id="{37C39238-1D35-4358-9ADA-408D2064E3EE}"/>
+              </a:ext>
+            </a:extLst>
+          </p:cNvPr>
+          <p:cNvCxnSpPr>
+            <a:cxnSpLocks/>
+          </p:cNvCxnSpPr>
+          <p:nvPr/>
+        </p:nvCxnSpPr>
+        <p:spPr>
+          <a:xfrm>
+            <a:off x="5650746" y="2376487"/>
+            <a:ext cx="0" cy="388144"/>
+          </a:xfrm>
+          <a:prstGeom prst="line">
+            <a:avLst/>
+          </a:prstGeom>
+          <a:ln>
+            <a:solidFill>
+              <a:srgbClr val="FFC000"/>
+            </a:solidFill>
+          </a:ln>
+        </p:spPr>
+        <p:style>
+          <a:lnRef idx="1">
+            <a:schemeClr val="accent1"/>
+          </a:lnRef>
+          <a:fillRef idx="0">
+            <a:schemeClr val="accent1"/>
+          </a:fillRef>
+          <a:effectRef idx="0">
+            <a:schemeClr val="accent1"/>
+          </a:effectRef>
+          <a:fontRef idx="minor">
+            <a:schemeClr val="tx1"/>
+          </a:fontRef>
+        </p:style>
+      </p:cxnSp>
+      <p:cxnSp>
+        <p:nvCxnSpPr>
+          <p:cNvPr id="24" name="Straight Connector 23">
+            <a:extLst>
+              <a:ext uri="{FF2B5EF4-FFF2-40B4-BE49-F238E27FC236}">
+                <a16:creationId xmlns:a16="http://schemas.microsoft.com/office/drawing/2014/main" id="{B2D958B2-C63A-4120-8B84-9A288B4348D6}"/>
+              </a:ext>
+            </a:extLst>
+          </p:cNvPr>
+          <p:cNvCxnSpPr>
+            <a:cxnSpLocks/>
+          </p:cNvCxnSpPr>
+          <p:nvPr/>
+        </p:nvCxnSpPr>
+        <p:spPr>
+          <a:xfrm>
+            <a:off x="6534150" y="2376487"/>
+            <a:ext cx="0" cy="388144"/>
+          </a:xfrm>
+          <a:prstGeom prst="line">
+            <a:avLst/>
+          </a:prstGeom>
+        </p:spPr>
+        <p:style>
+          <a:lnRef idx="1">
+            <a:schemeClr val="accent1"/>
+          </a:lnRef>
+          <a:fillRef idx="0">
+            <a:schemeClr val="accent1"/>
+          </a:fillRef>
+          <a:effectRef idx="0">
+            <a:schemeClr val="accent1"/>
+          </a:effectRef>
+          <a:fontRef idx="minor">
+            <a:schemeClr val="tx1"/>
+          </a:fontRef>
+        </p:style>
+      </p:cxnSp>
+      <p:cxnSp>
+        <p:nvCxnSpPr>
+          <p:cNvPr id="25" name="Straight Connector 24">
+            <a:extLst>
+              <a:ext uri="{FF2B5EF4-FFF2-40B4-BE49-F238E27FC236}">
+                <a16:creationId xmlns:a16="http://schemas.microsoft.com/office/drawing/2014/main" id="{054B2555-FB2A-4400-A313-2FCE59B177EE}"/>
+              </a:ext>
+            </a:extLst>
+          </p:cNvPr>
+          <p:cNvCxnSpPr>
+            <a:cxnSpLocks/>
+          </p:cNvCxnSpPr>
+          <p:nvPr/>
+        </p:nvCxnSpPr>
+        <p:spPr>
+          <a:xfrm>
+            <a:off x="7360484" y="2376487"/>
+            <a:ext cx="0" cy="388144"/>
+          </a:xfrm>
+          <a:prstGeom prst="line">
+            <a:avLst/>
+          </a:prstGeom>
+        </p:spPr>
+        <p:style>
+          <a:lnRef idx="1">
+            <a:schemeClr val="accent1"/>
+          </a:lnRef>
+          <a:fillRef idx="0">
+            <a:schemeClr val="accent1"/>
+          </a:fillRef>
+          <a:effectRef idx="0">
+            <a:schemeClr val="accent1"/>
+          </a:effectRef>
+          <a:fontRef idx="minor">
+            <a:schemeClr val="tx1"/>
+          </a:fontRef>
+        </p:style>
+      </p:cxnSp>
+    </p:spTree>
+    <p:extLst>
+      <p:ext uri="{BB962C8B-B14F-4D97-AF65-F5344CB8AC3E}">
+        <p14:creationId xmlns:p14="http://schemas.microsoft.com/office/powerpoint/2010/main" val="2720012451"/>
+      </p:ext>
+    </p:extLst>
+  </p:cSld>
+  <p:clrMapOvr>
+    <a:masterClrMapping/>
+  </p:clrMapOvr>
+</p:sld>
+</file>
+
+<file path=ppt/slides/slide2.xml><?xml version="1.0" encoding="utf-8"?>
+<p:sld xmlns:a="http://purl.oclc.org/ooxml/drawingml/main" xmlns:r="http://purl.oclc.org/ooxml/officeDocument/relationships" xmlns:p="http://purl.oclc.org/ooxml/presentationml/main">
+  <p:cSld>
+    <p:spTree>
+      <p:nvGrpSpPr>
+        <p:cNvPr id="1" name=""/>
+        <p:cNvGrpSpPr/>
+        <p:nvPr/>
+      </p:nvGrpSpPr>
+      <p:grpSpPr>
+        <a:xfrm>
+          <a:off x="0" y="0"/>
+          <a:ext cx="0" cy="0"/>
+          <a:chOff x="0" y="0"/>
+          <a:chExt cx="0" cy="0"/>
+        </a:xfrm>
+      </p:grpSpPr>
+      <p:sp>
+        <p:nvSpPr>
           <p:cNvPr id="3" name="Segnaposto piè di pagina 1">
             <a:extLst>
               <a:ext uri="{FF2B5EF4-FFF2-40B4-BE49-F238E27FC236}">
@@ -9747,7 +10392,7 @@
 </p:sld>
 </file>
 
-<file path=ppt/slides/slide2.xml><?xml version="1.0" encoding="utf-8"?>
+<file path=ppt/slides/slide3.xml><?xml version="1.0" encoding="utf-8"?>
 <p:sld xmlns:a="http://purl.oclc.org/ooxml/drawingml/main" xmlns:r="http://purl.oclc.org/ooxml/officeDocument/relationships" xmlns:p="http://purl.oclc.org/ooxml/presentationml/main">
   <p:cSld>
     <p:spTree>
@@ -10822,7 +11467,7 @@
 </p:sld>
 </file>
 
-<file path=ppt/slides/slide3.xml><?xml version="1.0" encoding="utf-8"?>
+<file path=ppt/slides/slide4.xml><?xml version="1.0" encoding="utf-8"?>
 <p:sld xmlns:a="http://purl.oclc.org/ooxml/drawingml/main" xmlns:r="http://purl.oclc.org/ooxml/officeDocument/relationships" xmlns:p="http://purl.oclc.org/ooxml/presentationml/main">
   <p:cSld name="Slide7">
     <p:spTree>
@@ -11107,7 +11752,7 @@
 </p:sld>
 </file>
 
-<file path=ppt/slides/slide4.xml><?xml version="1.0" encoding="utf-8"?>
+<file path=ppt/slides/slide5.xml><?xml version="1.0" encoding="utf-8"?>
 <p:sld xmlns:a="http://purl.oclc.org/ooxml/drawingml/main" xmlns:r="http://purl.oclc.org/ooxml/officeDocument/relationships" xmlns:p="http://purl.oclc.org/ooxml/presentationml/main">
   <p:cSld name="Slide8">
     <p:spTree>
@@ -11574,7 +12219,7 @@
 </p:sld>
 </file>
 
-<file path=ppt/slides/slide5.xml><?xml version="1.0" encoding="utf-8"?>
+<file path=ppt/slides/slide6.xml><?xml version="1.0" encoding="utf-8"?>
 <p:sld xmlns:a="http://purl.oclc.org/ooxml/drawingml/main" xmlns:r="http://purl.oclc.org/ooxml/officeDocument/relationships" xmlns:p="http://purl.oclc.org/ooxml/presentationml/main">
   <p:cSld name="Slide10">
     <p:spTree>
@@ -12093,7 +12738,7 @@
 </p:sld>
 </file>
 
-<file path=ppt/slides/slide6.xml><?xml version="1.0" encoding="utf-8"?>
+<file path=ppt/slides/slide7.xml><?xml version="1.0" encoding="utf-8"?>
 <p:sld xmlns:a="http://purl.oclc.org/ooxml/drawingml/main" xmlns:r="http://purl.oclc.org/ooxml/officeDocument/relationships" xmlns:p="http://purl.oclc.org/ooxml/presentationml/main">
   <p:cSld name="Slide12">
     <p:spTree>

--- a/it.unibo.issLabStart/userDocs/BoundaryProblem.pptx
+++ b/it.unibo.issLabStart/userDocs/BoundaryProblem.pptx
@@ -8,10 +8,11 @@
     <p:sldId id="359" r:id="rId2"/>
     <p:sldId id="268" r:id="rId3"/>
     <p:sldId id="269" r:id="rId4"/>
-    <p:sldId id="262" r:id="rId5"/>
-    <p:sldId id="263" r:id="rId6"/>
-    <p:sldId id="265" r:id="rId7"/>
-    <p:sldId id="267" r:id="rId8"/>
+    <p:sldId id="360" r:id="rId5"/>
+    <p:sldId id="262" r:id="rId6"/>
+    <p:sldId id="263" r:id="rId7"/>
+    <p:sldId id="265" r:id="rId8"/>
+    <p:sldId id="267" r:id="rId9"/>
   </p:sldIdLst>
   <p:sldSz cx="12192000" cy="6858000"/>
   <p:notesSz cx="6858000" cy="9144000"/>
@@ -11469,6 +11470,66 @@
 
 <file path=ppt/slides/slide4.xml><?xml version="1.0" encoding="utf-8"?>
 <p:sld xmlns:a="http://purl.oclc.org/ooxml/drawingml/main" xmlns:r="http://purl.oclc.org/ooxml/officeDocument/relationships" xmlns:p="http://purl.oclc.org/ooxml/presentationml/main">
+  <p:cSld>
+    <p:spTree>
+      <p:nvGrpSpPr>
+        <p:cNvPr id="1" name=""/>
+        <p:cNvGrpSpPr/>
+        <p:nvPr/>
+      </p:nvGrpSpPr>
+      <p:grpSpPr>
+        <a:xfrm>
+          <a:off x="0" y="0"/>
+          <a:ext cx="0" cy="0"/>
+          <a:chOff x="0" y="0"/>
+          <a:chExt cx="0" cy="0"/>
+        </a:xfrm>
+      </p:grpSpPr>
+      <p:pic>
+        <p:nvPicPr>
+          <p:cNvPr id="3" name="Picture 2">
+            <a:extLst>
+              <a:ext uri="{FF2B5EF4-FFF2-40B4-BE49-F238E27FC236}">
+                <a16:creationId xmlns:a16="http://schemas.microsoft.com/office/drawing/2014/main" id="{443BEC3A-8779-462E-AFC2-4544575C92B7}"/>
+              </a:ext>
+            </a:extLst>
+          </p:cNvPr>
+          <p:cNvPicPr>
+            <a:picLocks noChangeAspect="1"/>
+          </p:cNvPicPr>
+          <p:nvPr/>
+        </p:nvPicPr>
+        <p:blipFill>
+          <a:blip r:embed="rId2"/>
+          <a:stretch>
+            <a:fillRect/>
+          </a:stretch>
+        </p:blipFill>
+        <p:spPr>
+          <a:xfrm>
+            <a:off x="0" y="2101041"/>
+            <a:ext cx="12192000" cy="4756959"/>
+          </a:xfrm>
+          <a:prstGeom prst="rect">
+            <a:avLst/>
+          </a:prstGeom>
+        </p:spPr>
+      </p:pic>
+    </p:spTree>
+    <p:extLst>
+      <p:ext uri="{BB962C8B-B14F-4D97-AF65-F5344CB8AC3E}">
+        <p14:creationId xmlns:p14="http://schemas.microsoft.com/office/powerpoint/2010/main" val="1123288018"/>
+      </p:ext>
+    </p:extLst>
+  </p:cSld>
+  <p:clrMapOvr>
+    <a:masterClrMapping/>
+  </p:clrMapOvr>
+</p:sld>
+</file>
+
+<file path=ppt/slides/slide5.xml><?xml version="1.0" encoding="utf-8"?>
+<p:sld xmlns:a="http://purl.oclc.org/ooxml/drawingml/main" xmlns:r="http://purl.oclc.org/ooxml/officeDocument/relationships" xmlns:p="http://purl.oclc.org/ooxml/presentationml/main">
   <p:cSld name="Slide7">
     <p:spTree>
       <p:nvGrpSpPr>
@@ -11484,6 +11545,36 @@
           <a:chExt cx="0" cy="0"/>
         </a:xfrm>
       </p:grpSpPr>
+      <p:pic>
+        <p:nvPicPr>
+          <p:cNvPr id="5" name="Picture 4">
+            <a:extLst>
+              <a:ext uri="{FF2B5EF4-FFF2-40B4-BE49-F238E27FC236}">
+                <a16:creationId xmlns:a16="http://schemas.microsoft.com/office/drawing/2014/main" id="{0E65A0B7-0AFA-4666-9750-9D559374B699}"/>
+              </a:ext>
+            </a:extLst>
+          </p:cNvPr>
+          <p:cNvPicPr>
+            <a:picLocks noChangeAspect="1"/>
+          </p:cNvPicPr>
+          <p:nvPr/>
+        </p:nvPicPr>
+        <p:blipFill>
+          <a:blip r:embed="rId2"/>
+          <a:stretch>
+            <a:fillRect/>
+          </a:stretch>
+        </p:blipFill>
+        <p:spPr>
+          <a:xfrm>
+            <a:off x="0" y="2101041"/>
+            <a:ext cx="12192000" cy="4756959"/>
+          </a:xfrm>
+          <a:prstGeom prst="rect">
+            <a:avLst/>
+          </a:prstGeom>
+        </p:spPr>
+      </p:pic>
       <p:sp>
         <p:nvSpPr>
           <p:cNvPr id="2" name="Title 1">
@@ -11507,9 +11598,14 @@
           <a:p>
             <a:pPr lvl="0"/>
             <a:r>
-              <a:rPr lang="en-US"/>
-              <a:t>Moving the virtual robot</a:t>
-            </a:r>
+              <a:rPr lang="en-US" dirty="0"/>
+              <a:t>Create a project with </a:t>
+            </a:r>
+            <a:r>
+              <a:rPr lang="en-US" dirty="0" err="1"/>
+              <a:t>gradle</a:t>
+            </a:r>
+            <a:endParaRPr lang="en-US" dirty="0"/>
           </a:p>
         </p:txBody>
       </p:sp>
@@ -11710,40 +11806,6 @@
           </a:p>
         </p:txBody>
       </p:sp>
-      <p:pic>
-        <p:nvPicPr>
-          <p:cNvPr id="4" name="Picture 5" descr="Graphical user interface, application, table&#10;&#10;Description automatically generated">
-            <a:extLst>
-              <a:ext uri="{FF2B5EF4-FFF2-40B4-BE49-F238E27FC236}">
-                <a16:creationId xmlns:a16="http://schemas.microsoft.com/office/drawing/2014/main" id="{F5EB0AFA-E483-4316-8093-6821F69CE0F0}"/>
-              </a:ext>
-            </a:extLst>
-          </p:cNvPr>
-          <p:cNvPicPr>
-            <a:picLocks noChangeAspect="1"/>
-          </p:cNvPicPr>
-          <p:nvPr/>
-        </p:nvPicPr>
-        <p:blipFill>
-          <a:blip r:embed="rId2"/>
-          <a:stretch>
-            <a:fillRect/>
-          </a:stretch>
-        </p:blipFill>
-        <p:spPr>
-          <a:xfrm>
-            <a:off x="267224" y="2472912"/>
-            <a:ext cx="10603281" cy="4396499"/>
-          </a:xfrm>
-          <a:prstGeom prst="rect">
-            <a:avLst/>
-          </a:prstGeom>
-          <a:noFill/>
-          <a:ln cap="flat">
-            <a:noFill/>
-          </a:ln>
-        </p:spPr>
-      </p:pic>
     </p:spTree>
   </p:cSld>
   <p:clrMapOvr>
@@ -11752,7 +11814,7 @@
 </p:sld>
 </file>
 
-<file path=ppt/slides/slide5.xml><?xml version="1.0" encoding="utf-8"?>
+<file path=ppt/slides/slide6.xml><?xml version="1.0" encoding="utf-8"?>
 <p:sld xmlns:a="http://purl.oclc.org/ooxml/drawingml/main" xmlns:r="http://purl.oclc.org/ooxml/officeDocument/relationships" xmlns:p="http://purl.oclc.org/ooxml/presentationml/main">
   <p:cSld name="Slide8">
     <p:spTree>
@@ -12219,7 +12281,7 @@
 </p:sld>
 </file>
 
-<file path=ppt/slides/slide6.xml><?xml version="1.0" encoding="utf-8"?>
+<file path=ppt/slides/slide7.xml><?xml version="1.0" encoding="utf-8"?>
 <p:sld xmlns:a="http://purl.oclc.org/ooxml/drawingml/main" xmlns:r="http://purl.oclc.org/ooxml/officeDocument/relationships" xmlns:p="http://purl.oclc.org/ooxml/presentationml/main">
   <p:cSld name="Slide10">
     <p:spTree>
@@ -12738,7 +12800,7 @@
 </p:sld>
 </file>
 
-<file path=ppt/slides/slide7.xml><?xml version="1.0" encoding="utf-8"?>
+<file path=ppt/slides/slide8.xml><?xml version="1.0" encoding="utf-8"?>
 <p:sld xmlns:a="http://purl.oclc.org/ooxml/drawingml/main" xmlns:r="http://purl.oclc.org/ooxml/officeDocument/relationships" xmlns:p="http://purl.oclc.org/ooxml/presentationml/main">
   <p:cSld name="Slide12">
     <p:spTree>

--- a/it.unibo.issLabStart/userDocs/BoundaryProblem.pptx
+++ b/it.unibo.issLabStart/userDocs/BoundaryProblem.pptx
@@ -8,11 +8,10 @@
     <p:sldId id="359" r:id="rId2"/>
     <p:sldId id="268" r:id="rId3"/>
     <p:sldId id="269" r:id="rId4"/>
-    <p:sldId id="360" r:id="rId5"/>
-    <p:sldId id="262" r:id="rId6"/>
-    <p:sldId id="263" r:id="rId7"/>
-    <p:sldId id="265" r:id="rId8"/>
-    <p:sldId id="267" r:id="rId9"/>
+    <p:sldId id="262" r:id="rId5"/>
+    <p:sldId id="263" r:id="rId6"/>
+    <p:sldId id="265" r:id="rId7"/>
+    <p:sldId id="267" r:id="rId8"/>
   </p:sldIdLst>
   <p:sldSz cx="12192000" cy="6858000"/>
   <p:notesSz cx="6858000" cy="9144000"/>
@@ -1454,7 +1453,7 @@
             <a:fld id="{E1625027-F480-45BE-98EB-E4ABD50F7C43}" type="datetime1">
               <a:rPr lang="en-US"/>
               <a:pPr lvl="0"/>
-              <a:t>2/20/2021</a:t>
+              <a:t>2/21/2021</a:t>
             </a:fld>
             <a:endParaRPr lang="en-US"/>
           </a:p>
@@ -1659,7 +1658,7 @@
             <a:fld id="{2B127D2E-5ADA-4DDC-9F1A-AD6A016AA88A}" type="datetime1">
               <a:rPr lang="en-US"/>
               <a:pPr lvl="0"/>
-              <a:t>2/20/2021</a:t>
+              <a:t>2/21/2021</a:t>
             </a:fld>
             <a:endParaRPr lang="en-US"/>
           </a:p>
@@ -1909,7 +1908,7 @@
             <a:fld id="{DC8D2D60-A35A-4E29-90AF-F462F3828E68}" type="datetime1">
               <a:rPr lang="en-US"/>
               <a:pPr lvl="0"/>
-              <a:t>2/20/2021</a:t>
+              <a:t>2/21/2021</a:t>
             </a:fld>
             <a:endParaRPr lang="en-US"/>
           </a:p>
@@ -2247,7 +2246,7 @@
             <a:fld id="{28219253-5FC5-4A40-8333-D1B15AC5878A}" type="datetime1">
               <a:rPr lang="en-US"/>
               <a:pPr lvl="0"/>
-              <a:t>2/20/2021</a:t>
+              <a:t>2/21/2021</a:t>
             </a:fld>
             <a:endParaRPr lang="en-US"/>
           </a:p>
@@ -2497,7 +2496,7 @@
             <a:fld id="{33CA4D83-3349-4ABB-88EE-6E4E7B0BB022}" type="datetime1">
               <a:rPr lang="en-US"/>
               <a:pPr lvl="0"/>
-              <a:t>2/20/2021</a:t>
+              <a:t>2/21/2021</a:t>
             </a:fld>
             <a:endParaRPr lang="en-US"/>
           </a:p>
@@ -2877,7 +2876,7 @@
             <a:fld id="{2FB5C852-7CCC-490C-814F-DFECD5F43B20}" type="datetime1">
               <a:rPr lang="en-US"/>
               <a:pPr lvl="0"/>
-              <a:t>2/20/2021</a:t>
+              <a:t>2/21/2021</a:t>
             </a:fld>
             <a:endParaRPr lang="en-US"/>
           </a:p>
@@ -3111,7 +3110,7 @@
             <a:fld id="{7B2A1F4C-93D8-43D7-8339-D733494904AF}" type="datetime1">
               <a:rPr lang="en-US"/>
               <a:pPr lvl="0"/>
-              <a:t>2/20/2021</a:t>
+              <a:t>2/21/2021</a:t>
             </a:fld>
             <a:endParaRPr lang="en-US"/>
           </a:p>
@@ -3355,7 +3354,7 @@
             <a:fld id="{77885217-A614-4057-B794-FF8AEFCE0435}" type="datetime1">
               <a:rPr lang="en-US"/>
               <a:pPr lvl="0"/>
-              <a:t>2/20/2021</a:t>
+              <a:t>2/21/2021</a:t>
             </a:fld>
             <a:endParaRPr lang="en-US"/>
           </a:p>
@@ -3589,7 +3588,7 @@
             <a:fld id="{D0DACD68-29B9-4EF3-AEDA-C2F359F2DD76}" type="datetime1">
               <a:rPr lang="en-US"/>
               <a:pPr lvl="0"/>
-              <a:t>2/20/2021</a:t>
+              <a:t>2/21/2021</a:t>
             </a:fld>
             <a:endParaRPr lang="en-US"/>
           </a:p>
@@ -3798,7 +3797,7 @@
             <a:fld id="{06E0725F-6EB9-4ECD-B0CE-1D38B1127686}" type="datetime1">
               <a:rPr lang="en-US"/>
               <a:pPr lvl="0"/>
-              <a:t>2/20/2021</a:t>
+              <a:t>2/21/2021</a:t>
             </a:fld>
             <a:endParaRPr lang="en-US"/>
           </a:p>
@@ -4115,7 +4114,7 @@
             <a:fld id="{4C942382-4B6B-45E1-9E36-EC8B67CEA045}" type="datetime1">
               <a:rPr lang="en-US"/>
               <a:pPr lvl="0"/>
-              <a:t>2/20/2021</a:t>
+              <a:t>2/21/2021</a:t>
             </a:fld>
             <a:endParaRPr lang="en-US"/>
           </a:p>
@@ -4514,7 +4513,7 @@
             <a:fld id="{7D3D84F2-FEA2-4427-96E5-10B973ED4870}" type="datetime1">
               <a:rPr lang="en-US"/>
               <a:pPr lvl="0"/>
-              <a:t>2/20/2021</a:t>
+              <a:t>2/21/2021</a:t>
             </a:fld>
             <a:endParaRPr lang="en-US"/>
           </a:p>
@@ -4675,7 +4674,7 @@
             <a:fld id="{B7AF3369-AE36-4F4C-A2F2-CD9A19A2C3F5}" type="datetime1">
               <a:rPr lang="en-US"/>
               <a:pPr lvl="0"/>
-              <a:t>2/20/2021</a:t>
+              <a:t>2/21/2021</a:t>
             </a:fld>
             <a:endParaRPr lang="en-US"/>
           </a:p>
@@ -4804,7 +4803,7 @@
             <a:fld id="{1DBFF290-4D61-45AA-9912-220341DCFF82}" type="datetime1">
               <a:rPr lang="en-US"/>
               <a:pPr lvl="0"/>
-              <a:t>2/20/2021</a:t>
+              <a:t>2/21/2021</a:t>
             </a:fld>
             <a:endParaRPr lang="en-US"/>
           </a:p>
@@ -5087,7 +5086,7 @@
             <a:fld id="{394810FF-4C92-4868-8A78-69B7E79AAD23}" type="datetime1">
               <a:rPr lang="en-US"/>
               <a:pPr lvl="0"/>
-              <a:t>2/20/2021</a:t>
+              <a:t>2/21/2021</a:t>
             </a:fld>
             <a:endParaRPr lang="en-US"/>
           </a:p>
@@ -5331,7 +5330,7 @@
             <a:fld id="{5EEF1104-63C8-41E5-ADC2-4624C67A1313}" type="datetime1">
               <a:rPr lang="en-US"/>
               <a:pPr lvl="0"/>
-              <a:t>2/20/2021</a:t>
+              <a:t>2/21/2021</a:t>
             </a:fld>
             <a:endParaRPr lang="en-US"/>
           </a:p>
@@ -6817,7 +6816,7 @@
             <a:fld id="{3431AD46-0528-4BA3-9348-B3C09F91749D}" type="datetime1">
               <a:rPr lang="en-US"/>
               <a:pPr lvl="0"/>
-              <a:t>2/20/2021</a:t>
+              <a:t>2/21/2021</a:t>
             </a:fld>
             <a:endParaRPr lang="en-US"/>
           </a:p>
@@ -11470,66 +11469,6 @@
 
 <file path=ppt/slides/slide4.xml><?xml version="1.0" encoding="utf-8"?>
 <p:sld xmlns:a="http://purl.oclc.org/ooxml/drawingml/main" xmlns:r="http://purl.oclc.org/ooxml/officeDocument/relationships" xmlns:p="http://purl.oclc.org/ooxml/presentationml/main">
-  <p:cSld>
-    <p:spTree>
-      <p:nvGrpSpPr>
-        <p:cNvPr id="1" name=""/>
-        <p:cNvGrpSpPr/>
-        <p:nvPr/>
-      </p:nvGrpSpPr>
-      <p:grpSpPr>
-        <a:xfrm>
-          <a:off x="0" y="0"/>
-          <a:ext cx="0" cy="0"/>
-          <a:chOff x="0" y="0"/>
-          <a:chExt cx="0" cy="0"/>
-        </a:xfrm>
-      </p:grpSpPr>
-      <p:pic>
-        <p:nvPicPr>
-          <p:cNvPr id="3" name="Picture 2">
-            <a:extLst>
-              <a:ext uri="{FF2B5EF4-FFF2-40B4-BE49-F238E27FC236}">
-                <a16:creationId xmlns:a16="http://schemas.microsoft.com/office/drawing/2014/main" id="{443BEC3A-8779-462E-AFC2-4544575C92B7}"/>
-              </a:ext>
-            </a:extLst>
-          </p:cNvPr>
-          <p:cNvPicPr>
-            <a:picLocks noChangeAspect="1"/>
-          </p:cNvPicPr>
-          <p:nvPr/>
-        </p:nvPicPr>
-        <p:blipFill>
-          <a:blip r:embed="rId2"/>
-          <a:stretch>
-            <a:fillRect/>
-          </a:stretch>
-        </p:blipFill>
-        <p:spPr>
-          <a:xfrm>
-            <a:off x="0" y="2101041"/>
-            <a:ext cx="12192000" cy="4756959"/>
-          </a:xfrm>
-          <a:prstGeom prst="rect">
-            <a:avLst/>
-          </a:prstGeom>
-        </p:spPr>
-      </p:pic>
-    </p:spTree>
-    <p:extLst>
-      <p:ext uri="{BB962C8B-B14F-4D97-AF65-F5344CB8AC3E}">
-        <p14:creationId xmlns:p14="http://schemas.microsoft.com/office/powerpoint/2010/main" val="1123288018"/>
-      </p:ext>
-    </p:extLst>
-  </p:cSld>
-  <p:clrMapOvr>
-    <a:masterClrMapping/>
-  </p:clrMapOvr>
-</p:sld>
-</file>
-
-<file path=ppt/slides/slide5.xml><?xml version="1.0" encoding="utf-8"?>
-<p:sld xmlns:a="http://purl.oclc.org/ooxml/drawingml/main" xmlns:r="http://purl.oclc.org/ooxml/officeDocument/relationships" xmlns:p="http://purl.oclc.org/ooxml/presentationml/main">
   <p:cSld name="Slide7">
     <p:spTree>
       <p:nvGrpSpPr>
@@ -11545,36 +11484,6 @@
           <a:chExt cx="0" cy="0"/>
         </a:xfrm>
       </p:grpSpPr>
-      <p:pic>
-        <p:nvPicPr>
-          <p:cNvPr id="5" name="Picture 4">
-            <a:extLst>
-              <a:ext uri="{FF2B5EF4-FFF2-40B4-BE49-F238E27FC236}">
-                <a16:creationId xmlns:a16="http://schemas.microsoft.com/office/drawing/2014/main" id="{0E65A0B7-0AFA-4666-9750-9D559374B699}"/>
-              </a:ext>
-            </a:extLst>
-          </p:cNvPr>
-          <p:cNvPicPr>
-            <a:picLocks noChangeAspect="1"/>
-          </p:cNvPicPr>
-          <p:nvPr/>
-        </p:nvPicPr>
-        <p:blipFill>
-          <a:blip r:embed="rId2"/>
-          <a:stretch>
-            <a:fillRect/>
-          </a:stretch>
-        </p:blipFill>
-        <p:spPr>
-          <a:xfrm>
-            <a:off x="0" y="2101041"/>
-            <a:ext cx="12192000" cy="4756959"/>
-          </a:xfrm>
-          <a:prstGeom prst="rect">
-            <a:avLst/>
-          </a:prstGeom>
-        </p:spPr>
-      </p:pic>
       <p:sp>
         <p:nvSpPr>
           <p:cNvPr id="2" name="Title 1">
@@ -11806,6 +11715,36 @@
           </a:p>
         </p:txBody>
       </p:sp>
+      <p:pic>
+        <p:nvPicPr>
+          <p:cNvPr id="6" name="Picture 5">
+            <a:extLst>
+              <a:ext uri="{FF2B5EF4-FFF2-40B4-BE49-F238E27FC236}">
+                <a16:creationId xmlns:a16="http://schemas.microsoft.com/office/drawing/2014/main" id="{C381F887-AE65-4634-A20A-88FBDCEF06B8}"/>
+              </a:ext>
+            </a:extLst>
+          </p:cNvPr>
+          <p:cNvPicPr>
+            <a:picLocks noChangeAspect="1"/>
+          </p:cNvPicPr>
+          <p:nvPr/>
+        </p:nvPicPr>
+        <p:blipFill>
+          <a:blip r:embed="rId2"/>
+          <a:stretch>
+            <a:fillRect/>
+          </a:stretch>
+        </p:blipFill>
+        <p:spPr>
+          <a:xfrm>
+            <a:off x="677332" y="2478956"/>
+            <a:ext cx="7473816" cy="4403178"/>
+          </a:xfrm>
+          <a:prstGeom prst="rect">
+            <a:avLst/>
+          </a:prstGeom>
+        </p:spPr>
+      </p:pic>
     </p:spTree>
   </p:cSld>
   <p:clrMapOvr>
@@ -11814,7 +11753,7 @@
 </p:sld>
 </file>
 
-<file path=ppt/slides/slide6.xml><?xml version="1.0" encoding="utf-8"?>
+<file path=ppt/slides/slide5.xml><?xml version="1.0" encoding="utf-8"?>
 <p:sld xmlns:a="http://purl.oclc.org/ooxml/drawingml/main" xmlns:r="http://purl.oclc.org/ooxml/officeDocument/relationships" xmlns:p="http://purl.oclc.org/ooxml/presentationml/main">
   <p:cSld name="Slide8">
     <p:spTree>
@@ -11831,53 +11770,12 @@
           <a:chExt cx="0" cy="0"/>
         </a:xfrm>
       </p:grpSpPr>
-      <p:sp>
-        <p:nvSpPr>
-          <p:cNvPr id="2" name="Title 1">
-            <a:extLst>
-              <a:ext uri="{FF2B5EF4-FFF2-40B4-BE49-F238E27FC236}">
-                <a16:creationId xmlns:a16="http://schemas.microsoft.com/office/drawing/2014/main" id="{01C40EAB-320A-49C4-AE6E-FF3CA546D03D}"/>
-              </a:ext>
-            </a:extLst>
-          </p:cNvPr>
-          <p:cNvSpPr txBox="1">
-            <a:spLocks noGrp="1"/>
-          </p:cNvSpPr>
-          <p:nvPr>
-            <p:ph type="title"/>
-          </p:nvPr>
-        </p:nvSpPr>
-        <p:spPr/>
-        <p:txBody>
-          <a:bodyPr/>
-          <a:lstStyle/>
-          <a:p>
-            <a:pPr lvl="0"/>
-            <a:r>
-              <a:rPr lang="en-US"/>
-              <a:t>The project </a:t>
-            </a:r>
-            <a:r>
-              <a:rPr lang="en-US">
-                <a:latin typeface="Calibri"/>
-                <a:cs typeface="Calibri"/>
-              </a:rPr>
-              <a:t>it.unibo.wenvusage</a:t>
-            </a:r>
-            <a:endParaRPr lang="en-US"/>
-          </a:p>
-          <a:p>
-            <a:pPr lvl="0"/>
-            <a:endParaRPr lang="en-US"/>
-          </a:p>
-        </p:txBody>
-      </p:sp>
       <p:pic>
         <p:nvPicPr>
-          <p:cNvPr id="3" name="Picture 3" descr="Graphical user interface, text, application, email&#10;&#10;Description automatically generated">
-            <a:extLst>
-              <a:ext uri="{FF2B5EF4-FFF2-40B4-BE49-F238E27FC236}">
-                <a16:creationId xmlns:a16="http://schemas.microsoft.com/office/drawing/2014/main" id="{EE9B40DD-EBF7-40CC-9BDA-2E9FB450193E}"/>
+          <p:cNvPr id="6" name="Picture 5">
+            <a:extLst>
+              <a:ext uri="{FF2B5EF4-FFF2-40B4-BE49-F238E27FC236}">
+                <a16:creationId xmlns:a16="http://schemas.microsoft.com/office/drawing/2014/main" id="{9568D3C6-D784-4978-9BCB-5F8DF37AA083}"/>
               </a:ext>
             </a:extLst>
           </p:cNvPr>
@@ -11894,18 +11792,55 @@
         </p:blipFill>
         <p:spPr>
           <a:xfrm>
-            <a:off x="27139" y="1211927"/>
-            <a:ext cx="9893469" cy="5644984"/>
+            <a:off x="0" y="1121546"/>
+            <a:ext cx="8511540" cy="5711457"/>
           </a:xfrm>
           <a:prstGeom prst="rect">
             <a:avLst/>
           </a:prstGeom>
-          <a:noFill/>
-          <a:ln cap="flat">
-            <a:noFill/>
-          </a:ln>
         </p:spPr>
       </p:pic>
+      <p:sp>
+        <p:nvSpPr>
+          <p:cNvPr id="2" name="Title 1">
+            <a:extLst>
+              <a:ext uri="{FF2B5EF4-FFF2-40B4-BE49-F238E27FC236}">
+                <a16:creationId xmlns:a16="http://schemas.microsoft.com/office/drawing/2014/main" id="{01C40EAB-320A-49C4-AE6E-FF3CA546D03D}"/>
+              </a:ext>
+            </a:extLst>
+          </p:cNvPr>
+          <p:cNvSpPr txBox="1">
+            <a:spLocks noGrp="1"/>
+          </p:cNvSpPr>
+          <p:nvPr>
+            <p:ph type="title"/>
+          </p:nvPr>
+        </p:nvSpPr>
+        <p:spPr/>
+        <p:txBody>
+          <a:bodyPr/>
+          <a:lstStyle/>
+          <a:p>
+            <a:pPr lvl="0"/>
+            <a:r>
+              <a:rPr lang="en-US"/>
+              <a:t>The project </a:t>
+            </a:r>
+            <a:r>
+              <a:rPr lang="en-US">
+                <a:latin typeface="Calibri"/>
+                <a:cs typeface="Calibri"/>
+              </a:rPr>
+              <a:t>it.unibo.wenvusage</a:t>
+            </a:r>
+            <a:endParaRPr lang="en-US"/>
+          </a:p>
+          <a:p>
+            <a:pPr lvl="0"/>
+            <a:endParaRPr lang="en-US"/>
+          </a:p>
+        </p:txBody>
+      </p:sp>
       <p:sp>
         <p:nvSpPr>
           <p:cNvPr id="4" name="TextBox 3">
@@ -12281,7 +12216,7 @@
 </p:sld>
 </file>
 
-<file path=ppt/slides/slide7.xml><?xml version="1.0" encoding="utf-8"?>
+<file path=ppt/slides/slide6.xml><?xml version="1.0" encoding="utf-8"?>
 <p:sld xmlns:a="http://purl.oclc.org/ooxml/drawingml/main" xmlns:r="http://purl.oclc.org/ooxml/officeDocument/relationships" xmlns:p="http://purl.oclc.org/ooxml/presentationml/main">
   <p:cSld name="Slide10">
     <p:spTree>
@@ -12800,7 +12735,7 @@
 </p:sld>
 </file>
 
-<file path=ppt/slides/slide8.xml><?xml version="1.0" encoding="utf-8"?>
+<file path=ppt/slides/slide7.xml><?xml version="1.0" encoding="utf-8"?>
 <p:sld xmlns:a="http://purl.oclc.org/ooxml/drawingml/main" xmlns:r="http://purl.oclc.org/ooxml/officeDocument/relationships" xmlns:p="http://purl.oclc.org/ooxml/presentationml/main">
   <p:cSld name="Slide12">
     <p:spTree>

--- a/it.unibo.issLabStart/userDocs/BoundaryProblem.pptx
+++ b/it.unibo.issLabStart/userDocs/BoundaryProblem.pptx
@@ -1453,7 +1453,7 @@
             <a:fld id="{E1625027-F480-45BE-98EB-E4ABD50F7C43}" type="datetime1">
               <a:rPr lang="en-US"/>
               <a:pPr lvl="0"/>
-              <a:t>2/21/2021</a:t>
+              <a:t>2/27/2021</a:t>
             </a:fld>
             <a:endParaRPr lang="en-US"/>
           </a:p>
@@ -1516,7 +1516,7 @@
           <a:p>
             <a:pPr lvl="0"/>
             <a:fld id="{FEBEED23-3CB0-4314-8E77-F77AE33DDC27}" type="slidenum">
-              <a:t>‹#›</a:t>
+              <a:t>‹N›</a:t>
             </a:fld>
             <a:endParaRPr lang="en-US"/>
           </a:p>
@@ -1658,7 +1658,7 @@
             <a:fld id="{2B127D2E-5ADA-4DDC-9F1A-AD6A016AA88A}" type="datetime1">
               <a:rPr lang="en-US"/>
               <a:pPr lvl="0"/>
-              <a:t>2/21/2021</a:t>
+              <a:t>2/27/2021</a:t>
             </a:fld>
             <a:endParaRPr lang="en-US"/>
           </a:p>
@@ -1721,7 +1721,7 @@
           <a:p>
             <a:pPr lvl="0"/>
             <a:fld id="{C85F89E6-E841-433D-9226-E1980481D595}" type="slidenum">
-              <a:t>‹#›</a:t>
+              <a:t>‹N›</a:t>
             </a:fld>
             <a:endParaRPr lang="en-US"/>
           </a:p>
@@ -1908,7 +1908,7 @@
             <a:fld id="{DC8D2D60-A35A-4E29-90AF-F462F3828E68}" type="datetime1">
               <a:rPr lang="en-US"/>
               <a:pPr lvl="0"/>
-              <a:t>2/21/2021</a:t>
+              <a:t>2/27/2021</a:t>
             </a:fld>
             <a:endParaRPr lang="en-US"/>
           </a:p>
@@ -1971,7 +1971,7 @@
           <a:p>
             <a:pPr lvl="0"/>
             <a:fld id="{25E8B9DC-1601-4E89-9BF3-67798058929C}" type="slidenum">
-              <a:t>‹#›</a:t>
+              <a:t>‹N›</a:t>
             </a:fld>
             <a:endParaRPr lang="en-US"/>
           </a:p>
@@ -2246,7 +2246,7 @@
             <a:fld id="{28219253-5FC5-4A40-8333-D1B15AC5878A}" type="datetime1">
               <a:rPr lang="en-US"/>
               <a:pPr lvl="0"/>
-              <a:t>2/21/2021</a:t>
+              <a:t>2/27/2021</a:t>
             </a:fld>
             <a:endParaRPr lang="en-US"/>
           </a:p>
@@ -2309,7 +2309,7 @@
           <a:p>
             <a:pPr lvl="0"/>
             <a:fld id="{86011E27-E238-48D1-8B6B-308E3305A798}" type="slidenum">
-              <a:t>‹#›</a:t>
+              <a:t>‹N›</a:t>
             </a:fld>
             <a:endParaRPr lang="en-US"/>
           </a:p>
@@ -2496,7 +2496,7 @@
             <a:fld id="{33CA4D83-3349-4ABB-88EE-6E4E7B0BB022}" type="datetime1">
               <a:rPr lang="en-US"/>
               <a:pPr lvl="0"/>
-              <a:t>2/21/2021</a:t>
+              <a:t>2/27/2021</a:t>
             </a:fld>
             <a:endParaRPr lang="en-US"/>
           </a:p>
@@ -2559,7 +2559,7 @@
           <a:p>
             <a:pPr lvl="0"/>
             <a:fld id="{3838CB40-8488-4632-BEE4-1726605F46A2}" type="slidenum">
-              <a:t>‹#›</a:t>
+              <a:t>‹N›</a:t>
             </a:fld>
             <a:endParaRPr lang="en-US"/>
           </a:p>
@@ -2876,7 +2876,7 @@
             <a:fld id="{2FB5C852-7CCC-490C-814F-DFECD5F43B20}" type="datetime1">
               <a:rPr lang="en-US"/>
               <a:pPr lvl="0"/>
-              <a:t>2/21/2021</a:t>
+              <a:t>2/27/2021</a:t>
             </a:fld>
             <a:endParaRPr lang="en-US"/>
           </a:p>
@@ -2939,7 +2939,7 @@
           <a:p>
             <a:pPr lvl="0"/>
             <a:fld id="{DF155DDB-B265-4385-85EB-9BB6F96920F3}" type="slidenum">
-              <a:t>‹#›</a:t>
+              <a:t>‹N›</a:t>
             </a:fld>
             <a:endParaRPr lang="en-US"/>
           </a:p>
@@ -3110,7 +3110,7 @@
             <a:fld id="{7B2A1F4C-93D8-43D7-8339-D733494904AF}" type="datetime1">
               <a:rPr lang="en-US"/>
               <a:pPr lvl="0"/>
-              <a:t>2/21/2021</a:t>
+              <a:t>2/27/2021</a:t>
             </a:fld>
             <a:endParaRPr lang="en-US"/>
           </a:p>
@@ -3173,7 +3173,7 @@
           <a:p>
             <a:pPr lvl="0"/>
             <a:fld id="{AFBA4CC0-DF28-4594-B397-0B69C273FCC7}" type="slidenum">
-              <a:t>‹#›</a:t>
+              <a:t>‹N›</a:t>
             </a:fld>
             <a:endParaRPr lang="en-US"/>
           </a:p>
@@ -3354,7 +3354,7 @@
             <a:fld id="{77885217-A614-4057-B794-FF8AEFCE0435}" type="datetime1">
               <a:rPr lang="en-US"/>
               <a:pPr lvl="0"/>
-              <a:t>2/21/2021</a:t>
+              <a:t>2/27/2021</a:t>
             </a:fld>
             <a:endParaRPr lang="en-US"/>
           </a:p>
@@ -3417,7 +3417,7 @@
           <a:p>
             <a:pPr lvl="0"/>
             <a:fld id="{EFAAD9BC-2D0C-483F-8155-9F1E48F77017}" type="slidenum">
-              <a:t>‹#›</a:t>
+              <a:t>‹N›</a:t>
             </a:fld>
             <a:endParaRPr lang="en-US"/>
           </a:p>
@@ -3588,7 +3588,7 @@
             <a:fld id="{D0DACD68-29B9-4EF3-AEDA-C2F359F2DD76}" type="datetime1">
               <a:rPr lang="en-US"/>
               <a:pPr lvl="0"/>
-              <a:t>2/21/2021</a:t>
+              <a:t>2/27/2021</a:t>
             </a:fld>
             <a:endParaRPr lang="en-US"/>
           </a:p>
@@ -3651,7 +3651,7 @@
           <a:p>
             <a:pPr lvl="0"/>
             <a:fld id="{7548A338-ED36-4B02-8A7A-B62AA2999902}" type="slidenum">
-              <a:t>‹#›</a:t>
+              <a:t>‹N›</a:t>
             </a:fld>
             <a:endParaRPr lang="en-US"/>
           </a:p>
@@ -3797,7 +3797,7 @@
             <a:fld id="{06E0725F-6EB9-4ECD-B0CE-1D38B1127686}" type="datetime1">
               <a:rPr lang="en-US"/>
               <a:pPr lvl="0"/>
-              <a:t>2/21/2021</a:t>
+              <a:t>2/27/2021</a:t>
             </a:fld>
             <a:endParaRPr lang="en-US"/>
           </a:p>
@@ -3860,7 +3860,7 @@
           <a:p>
             <a:pPr lvl="0"/>
             <a:fld id="{864A4FA9-6AAC-4551-B51D-2A8210D0C5CC}" type="slidenum">
-              <a:t>‹#›</a:t>
+              <a:t>‹N›</a:t>
             </a:fld>
             <a:endParaRPr lang="en-US"/>
           </a:p>
@@ -4114,7 +4114,7 @@
             <a:fld id="{4C942382-4B6B-45E1-9E36-EC8B67CEA045}" type="datetime1">
               <a:rPr lang="en-US"/>
               <a:pPr lvl="0"/>
-              <a:t>2/21/2021</a:t>
+              <a:t>2/27/2021</a:t>
             </a:fld>
             <a:endParaRPr lang="en-US"/>
           </a:p>
@@ -4177,7 +4177,7 @@
           <a:p>
             <a:pPr lvl="0"/>
             <a:fld id="{3B82688E-5447-4477-9F70-BCD59116F07E}" type="slidenum">
-              <a:t>‹#›</a:t>
+              <a:t>‹N›</a:t>
             </a:fld>
             <a:endParaRPr lang="en-US"/>
           </a:p>
@@ -4513,7 +4513,7 @@
             <a:fld id="{7D3D84F2-FEA2-4427-96E5-10B973ED4870}" type="datetime1">
               <a:rPr lang="en-US"/>
               <a:pPr lvl="0"/>
-              <a:t>2/21/2021</a:t>
+              <a:t>2/27/2021</a:t>
             </a:fld>
             <a:endParaRPr lang="en-US"/>
           </a:p>
@@ -4576,7 +4576,7 @@
           <a:p>
             <a:pPr lvl="0"/>
             <a:fld id="{CB2E60DC-FEE2-4D8E-B96B-62896C0CB29E}" type="slidenum">
-              <a:t>‹#›</a:t>
+              <a:t>‹N›</a:t>
             </a:fld>
             <a:endParaRPr lang="en-US"/>
           </a:p>
@@ -4674,7 +4674,7 @@
             <a:fld id="{B7AF3369-AE36-4F4C-A2F2-CD9A19A2C3F5}" type="datetime1">
               <a:rPr lang="en-US"/>
               <a:pPr lvl="0"/>
-              <a:t>2/21/2021</a:t>
+              <a:t>2/27/2021</a:t>
             </a:fld>
             <a:endParaRPr lang="en-US"/>
           </a:p>
@@ -4737,7 +4737,7 @@
           <a:p>
             <a:pPr lvl="0"/>
             <a:fld id="{89A43199-AD0E-4750-B27B-4C1D93A2EA32}" type="slidenum">
-              <a:t>‹#›</a:t>
+              <a:t>‹N›</a:t>
             </a:fld>
             <a:endParaRPr lang="en-US"/>
           </a:p>
@@ -4803,7 +4803,7 @@
             <a:fld id="{1DBFF290-4D61-45AA-9912-220341DCFF82}" type="datetime1">
               <a:rPr lang="en-US"/>
               <a:pPr lvl="0"/>
-              <a:t>2/21/2021</a:t>
+              <a:t>2/27/2021</a:t>
             </a:fld>
             <a:endParaRPr lang="en-US"/>
           </a:p>
@@ -4866,7 +4866,7 @@
           <a:p>
             <a:pPr lvl="0"/>
             <a:fld id="{1770E780-0E85-498B-B658-B69898171ACB}" type="slidenum">
-              <a:t>‹#›</a:t>
+              <a:t>‹N›</a:t>
             </a:fld>
             <a:endParaRPr lang="en-US"/>
           </a:p>
@@ -5086,7 +5086,7 @@
             <a:fld id="{394810FF-4C92-4868-8A78-69B7E79AAD23}" type="datetime1">
               <a:rPr lang="en-US"/>
               <a:pPr lvl="0"/>
-              <a:t>2/21/2021</a:t>
+              <a:t>2/27/2021</a:t>
             </a:fld>
             <a:endParaRPr lang="en-US"/>
           </a:p>
@@ -5149,7 +5149,7 @@
           <a:p>
             <a:pPr lvl="0"/>
             <a:fld id="{7AC017E1-2DD0-4D42-9E09-06ADDE3F63D7}" type="slidenum">
-              <a:t>‹#›</a:t>
+              <a:t>‹N›</a:t>
             </a:fld>
             <a:endParaRPr lang="en-US"/>
           </a:p>
@@ -5330,7 +5330,7 @@
             <a:fld id="{5EEF1104-63C8-41E5-ADC2-4624C67A1313}" type="datetime1">
               <a:rPr lang="en-US"/>
               <a:pPr lvl="0"/>
-              <a:t>2/21/2021</a:t>
+              <a:t>2/27/2021</a:t>
             </a:fld>
             <a:endParaRPr lang="en-US"/>
           </a:p>
@@ -5393,7 +5393,7 @@
           <a:p>
             <a:pPr lvl="0"/>
             <a:fld id="{3B62C8DE-7929-43A8-9BA2-34E07DFC7D3C}" type="slidenum">
-              <a:t>‹#›</a:t>
+              <a:t>‹N›</a:t>
             </a:fld>
             <a:endParaRPr lang="en-US"/>
           </a:p>
@@ -6816,7 +6816,7 @@
             <a:fld id="{3431AD46-0528-4BA3-9348-B3C09F91749D}" type="datetime1">
               <a:rPr lang="en-US"/>
               <a:pPr lvl="0"/>
-              <a:t>2/21/2021</a:t>
+              <a:t>2/27/2021</a:t>
             </a:fld>
             <a:endParaRPr lang="en-US"/>
           </a:p>
@@ -6941,7 +6941,7 @@
           <a:p>
             <a:pPr lvl="0"/>
             <a:fld id="{5FDB0281-6497-4923-A6A9-684DC7375417}" type="slidenum">
-              <a:t>‹#›</a:t>
+              <a:t>‹N›</a:t>
             </a:fld>
             <a:endParaRPr lang="en-US"/>
           </a:p>
@@ -10423,7 +10423,7 @@
         </p:nvGrpSpPr>
         <p:grpSpPr>
           <a:xfrm>
-            <a:off x="6786618" y="1162846"/>
+            <a:off x="6521923" y="400846"/>
             <a:ext cx="1248110" cy="1213095"/>
             <a:chOff x="565700" y="4940367"/>
             <a:chExt cx="805955" cy="772447"/>
@@ -10544,7 +10544,7 @@
         </p:nvSpPr>
         <p:spPr>
           <a:xfrm>
-            <a:off x="6250898" y="1386591"/>
+            <a:off x="5986203" y="624591"/>
             <a:ext cx="914400" cy="314793"/>
           </a:xfrm>
           <a:prstGeom prst="rect">
@@ -10605,7 +10605,7 @@
         </p:nvSpPr>
         <p:spPr>
           <a:xfrm>
-            <a:off x="6922250" y="2148592"/>
+            <a:off x="6657555" y="1386592"/>
             <a:ext cx="914400" cy="314793"/>
           </a:xfrm>
           <a:prstGeom prst="rect">
@@ -10666,7 +10666,7 @@
         </p:nvSpPr>
         <p:spPr>
           <a:xfrm>
-            <a:off x="2439670" y="1480670"/>
+            <a:off x="2174975" y="718670"/>
             <a:ext cx="1829996" cy="972723"/>
           </a:xfrm>
           <a:custGeom>
@@ -10960,8 +10960,8 @@
         </p:nvSpPr>
         <p:spPr>
           <a:xfrm>
-            <a:off x="4408929" y="856387"/>
-            <a:ext cx="1215333" cy="646331"/>
+            <a:off x="3691891" y="334511"/>
+            <a:ext cx="2125069" cy="369332"/>
           </a:xfrm>
           <a:prstGeom prst="rect">
             <a:avLst/>
@@ -10977,14 +10977,7 @@
             <a:pPr algn="ctr"/>
             <a:r>
               <a:rPr lang="en-US" dirty="0"/>
-              <a:t>HTTP POST</a:t>
-            </a:r>
-          </a:p>
-          <a:p>
-            <a:pPr algn="ctr"/>
-            <a:r>
-              <a:rPr lang="en-US" dirty="0"/>
-              <a:t>(request)</a:t>
+              <a:t>HTTP POST (request)</a:t>
             </a:r>
           </a:p>
         </p:txBody>
@@ -11003,7 +10996,7 @@
         </p:nvGrpSpPr>
         <p:grpSpPr>
           <a:xfrm>
-            <a:off x="5433584" y="1500770"/>
+            <a:off x="5168889" y="738770"/>
             <a:ext cx="787334" cy="86434"/>
             <a:chOff x="3452446" y="4176616"/>
             <a:chExt cx="787334" cy="86434"/>
@@ -11116,7 +11109,7 @@
         </p:nvCxnSpPr>
         <p:spPr>
           <a:xfrm flipH="1" flipV="1">
-            <a:off x="3982834" y="1537023"/>
+            <a:off x="3718139" y="775023"/>
             <a:ext cx="1563527" cy="6758"/>
           </a:xfrm>
           <a:prstGeom prst="line">
@@ -11158,7 +11151,7 @@
         </p:nvCxnSpPr>
         <p:spPr>
           <a:xfrm>
-            <a:off x="4005583" y="2284694"/>
+            <a:off x="3740888" y="1522694"/>
             <a:ext cx="2848851" cy="34511"/>
           </a:xfrm>
           <a:prstGeom prst="straightConnector1">
@@ -11202,8 +11195,8 @@
         </p:nvSpPr>
         <p:spPr>
           <a:xfrm>
-            <a:off x="4374278" y="2271684"/>
-            <a:ext cx="1114279" cy="646331"/>
+            <a:off x="3824657" y="1543988"/>
+            <a:ext cx="2663358" cy="369332"/>
           </a:xfrm>
           <a:prstGeom prst="rect">
             <a:avLst/>
@@ -11219,14 +11212,7 @@
             <a:pPr algn="ctr"/>
             <a:r>
               <a:rPr lang="en-US" dirty="0"/>
-              <a:t>send</a:t>
-            </a:r>
-          </a:p>
-          <a:p>
-            <a:pPr algn="ctr"/>
-            <a:r>
-              <a:rPr lang="en-US" dirty="0"/>
-              <a:t>(dispatch)</a:t>
+              <a:t>Request – Reply (dispatch)</a:t>
             </a:r>
           </a:p>
         </p:txBody>
@@ -11245,7 +11231,7 @@
         </p:nvSpPr>
         <p:spPr>
           <a:xfrm>
-            <a:off x="7773839" y="2121322"/>
+            <a:off x="7509144" y="1359322"/>
             <a:ext cx="781944" cy="369332"/>
           </a:xfrm>
           <a:prstGeom prst="rect">
@@ -11281,7 +11267,7 @@
         </p:nvSpPr>
         <p:spPr>
           <a:xfrm flipH="1">
-            <a:off x="7135507" y="1580959"/>
+            <a:off x="6870812" y="818959"/>
             <a:ext cx="1312854" cy="369332"/>
           </a:xfrm>
           <a:prstGeom prst="rect">
@@ -11317,7 +11303,7 @@
         </p:nvGrpSpPr>
         <p:grpSpPr>
           <a:xfrm>
-            <a:off x="4161355" y="1625604"/>
+            <a:off x="3896660" y="863604"/>
             <a:ext cx="914400" cy="128062"/>
             <a:chOff x="4592177" y="4419530"/>
             <a:chExt cx="666895" cy="86434"/>
@@ -11428,7 +11414,7 @@
         </p:nvCxnSpPr>
         <p:spPr>
           <a:xfrm flipH="1" flipV="1">
-            <a:off x="4687371" y="1689394"/>
+            <a:off x="4422676" y="927394"/>
             <a:ext cx="1563527" cy="6758"/>
           </a:xfrm>
           <a:prstGeom prst="line">
@@ -11454,6 +11440,1111 @@
           </a:fontRef>
         </p:style>
       </p:cxnSp>
+      <p:grpSp>
+        <p:nvGrpSpPr>
+          <p:cNvPr id="21" name="Gruppo 6">
+            <a:extLst>
+              <a:ext uri="{FF2B5EF4-FFF2-40B4-BE49-F238E27FC236}">
+                <a16:creationId xmlns:a16="http://schemas.microsoft.com/office/drawing/2014/main" id="{C47A266E-6230-467D-83FB-FFCD05FA8F3C}"/>
+              </a:ext>
+            </a:extLst>
+          </p:cNvPr>
+          <p:cNvGrpSpPr/>
+          <p:nvPr/>
+        </p:nvGrpSpPr>
+        <p:grpSpPr>
+          <a:xfrm>
+            <a:off x="6072853" y="3015639"/>
+            <a:ext cx="1248110" cy="1213095"/>
+            <a:chOff x="565700" y="4940367"/>
+            <a:chExt cx="805955" cy="772447"/>
+          </a:xfrm>
+        </p:grpSpPr>
+        <p:sp>
+          <p:nvSpPr>
+            <p:cNvPr id="22" name="Ovale 31">
+              <a:extLst>
+                <a:ext uri="{FF2B5EF4-FFF2-40B4-BE49-F238E27FC236}">
+                  <a16:creationId xmlns:a16="http://schemas.microsoft.com/office/drawing/2014/main" id="{C77013FD-B7D8-470A-838F-21C8FA683AE6}"/>
+                </a:ext>
+              </a:extLst>
+            </p:cNvPr>
+            <p:cNvSpPr/>
+            <p:nvPr/>
+          </p:nvSpPr>
+          <p:spPr>
+            <a:xfrm>
+              <a:off x="565700" y="4983583"/>
+              <a:ext cx="805955" cy="729231"/>
+            </a:xfrm>
+            <a:prstGeom prst="ellipse">
+              <a:avLst/>
+            </a:prstGeom>
+            <a:ln/>
+          </p:spPr>
+          <p:style>
+            <a:lnRef idx="1">
+              <a:schemeClr val="accent4"/>
+            </a:lnRef>
+            <a:fillRef idx="2">
+              <a:schemeClr val="accent4"/>
+            </a:fillRef>
+            <a:effectRef idx="1">
+              <a:schemeClr val="accent4"/>
+            </a:effectRef>
+            <a:fontRef idx="minor">
+              <a:schemeClr val="dk1"/>
+            </a:fontRef>
+          </p:style>
+          <p:txBody>
+            <a:bodyPr rtlCol="0" anchor="ctr"/>
+            <a:lstStyle/>
+            <a:p>
+              <a:pPr algn="ctr"/>
+              <a:r>
+                <a:rPr lang="en-GB" sz="1200" dirty="0"/>
+                <a:t> </a:t>
+              </a:r>
+            </a:p>
+          </p:txBody>
+        </p:sp>
+        <p:sp>
+          <p:nvSpPr>
+            <p:cNvPr id="23" name="Triangolo isoscele 34">
+              <a:extLst>
+                <a:ext uri="{FF2B5EF4-FFF2-40B4-BE49-F238E27FC236}">
+                  <a16:creationId xmlns:a16="http://schemas.microsoft.com/office/drawing/2014/main" id="{F4C4A41B-7F78-4EED-A370-26F75148F5FA}"/>
+                </a:ext>
+              </a:extLst>
+            </p:cNvPr>
+            <p:cNvSpPr/>
+            <p:nvPr/>
+          </p:nvSpPr>
+          <p:spPr>
+            <a:xfrm rot="16200000">
+              <a:off x="905299" y="4913952"/>
+              <a:ext cx="86434" cy="139263"/>
+            </a:xfrm>
+            <a:prstGeom prst="triangle">
+              <a:avLst/>
+            </a:prstGeom>
+            <a:solidFill>
+              <a:srgbClr val="C00000"/>
+            </a:solidFill>
+            <a:ln/>
+          </p:spPr>
+          <p:style>
+            <a:lnRef idx="1">
+              <a:schemeClr val="accent5"/>
+            </a:lnRef>
+            <a:fillRef idx="2">
+              <a:schemeClr val="accent5"/>
+            </a:fillRef>
+            <a:effectRef idx="1">
+              <a:schemeClr val="accent5"/>
+            </a:effectRef>
+            <a:fontRef idx="minor">
+              <a:schemeClr val="dk1"/>
+            </a:fontRef>
+          </p:style>
+          <p:txBody>
+            <a:bodyPr rtlCol="0" anchor="ctr"/>
+            <a:lstStyle/>
+            <a:p>
+              <a:pPr algn="ctr"/>
+              <a:endParaRPr lang="en-GB" sz="1200">
+                <a:solidFill>
+                  <a:schemeClr val="dk1"/>
+                </a:solidFill>
+              </a:endParaRPr>
+            </a:p>
+          </p:txBody>
+        </p:sp>
+      </p:grpSp>
+      <p:sp>
+        <p:nvSpPr>
+          <p:cNvPr id="24" name="Rectangle 4">
+            <a:extLst>
+              <a:ext uri="{FF2B5EF4-FFF2-40B4-BE49-F238E27FC236}">
+                <a16:creationId xmlns:a16="http://schemas.microsoft.com/office/drawing/2014/main" id="{F30DE67A-22B2-4BCB-9855-B771B0290261}"/>
+              </a:ext>
+            </a:extLst>
+          </p:cNvPr>
+          <p:cNvSpPr/>
+          <p:nvPr/>
+        </p:nvSpPr>
+        <p:spPr>
+          <a:xfrm>
+            <a:off x="5537133" y="3239384"/>
+            <a:ext cx="914400" cy="314793"/>
+          </a:xfrm>
+          <a:prstGeom prst="rect">
+            <a:avLst/>
+          </a:prstGeom>
+          <a:solidFill>
+            <a:srgbClr val="CCFFFF"/>
+          </a:solidFill>
+          <a:ln>
+            <a:solidFill>
+              <a:schemeClr val="tx1"/>
+            </a:solidFill>
+          </a:ln>
+        </p:spPr>
+        <p:style>
+          <a:lnRef idx="2">
+            <a:schemeClr val="accent1">
+              <a:shade val="50%"/>
+            </a:schemeClr>
+          </a:lnRef>
+          <a:fillRef idx="1">
+            <a:schemeClr val="accent1"/>
+          </a:fillRef>
+          <a:effectRef idx="0">
+            <a:schemeClr val="accent1"/>
+          </a:effectRef>
+          <a:fontRef idx="minor">
+            <a:schemeClr val="lt1"/>
+          </a:fontRef>
+        </p:style>
+        <p:txBody>
+          <a:bodyPr rtlCol="0" anchor="ctr"/>
+          <a:lstStyle/>
+          <a:p>
+            <a:pPr algn="ctr"/>
+            <a:r>
+              <a:rPr lang="en-US" dirty="0">
+                <a:solidFill>
+                  <a:schemeClr val="tx1"/>
+                </a:solidFill>
+              </a:rPr>
+              <a:t>8090</a:t>
+            </a:r>
+          </a:p>
+        </p:txBody>
+      </p:sp>
+      <p:sp>
+        <p:nvSpPr>
+          <p:cNvPr id="26" name="Rectangle 5">
+            <a:extLst>
+              <a:ext uri="{FF2B5EF4-FFF2-40B4-BE49-F238E27FC236}">
+                <a16:creationId xmlns:a16="http://schemas.microsoft.com/office/drawing/2014/main" id="{16C34372-1A6F-4145-825A-0B598901577C}"/>
+              </a:ext>
+            </a:extLst>
+          </p:cNvPr>
+          <p:cNvSpPr/>
+          <p:nvPr/>
+        </p:nvSpPr>
+        <p:spPr>
+          <a:xfrm>
+            <a:off x="6208485" y="4001385"/>
+            <a:ext cx="914400" cy="314793"/>
+          </a:xfrm>
+          <a:prstGeom prst="rect">
+            <a:avLst/>
+          </a:prstGeom>
+          <a:solidFill>
+            <a:srgbClr val="CCFFFF"/>
+          </a:solidFill>
+          <a:ln>
+            <a:solidFill>
+              <a:schemeClr val="tx1"/>
+            </a:solidFill>
+          </a:ln>
+        </p:spPr>
+        <p:style>
+          <a:lnRef idx="2">
+            <a:schemeClr val="accent1">
+              <a:shade val="50%"/>
+            </a:schemeClr>
+          </a:lnRef>
+          <a:fillRef idx="1">
+            <a:schemeClr val="accent1"/>
+          </a:fillRef>
+          <a:effectRef idx="0">
+            <a:schemeClr val="accent1"/>
+          </a:effectRef>
+          <a:fontRef idx="minor">
+            <a:schemeClr val="lt1"/>
+          </a:fontRef>
+        </p:style>
+        <p:txBody>
+          <a:bodyPr rtlCol="0" anchor="ctr"/>
+          <a:lstStyle/>
+          <a:p>
+            <a:pPr algn="ctr"/>
+            <a:r>
+              <a:rPr lang="en-US" dirty="0">
+                <a:solidFill>
+                  <a:schemeClr val="tx1"/>
+                </a:solidFill>
+              </a:rPr>
+              <a:t>8091</a:t>
+            </a:r>
+          </a:p>
+        </p:txBody>
+      </p:sp>
+      <p:sp>
+        <p:nvSpPr>
+          <p:cNvPr id="29" name="TextBox 11">
+            <a:extLst>
+              <a:ext uri="{FF2B5EF4-FFF2-40B4-BE49-F238E27FC236}">
+                <a16:creationId xmlns:a16="http://schemas.microsoft.com/office/drawing/2014/main" id="{8E6B8FD8-2BAB-4146-9B2C-6CE8FCBEB511}"/>
+              </a:ext>
+            </a:extLst>
+          </p:cNvPr>
+          <p:cNvSpPr txBox="1"/>
+          <p:nvPr/>
+        </p:nvSpPr>
+        <p:spPr>
+          <a:xfrm>
+            <a:off x="3312453" y="2898842"/>
+            <a:ext cx="2125069" cy="369332"/>
+          </a:xfrm>
+          <a:prstGeom prst="rect">
+            <a:avLst/>
+          </a:prstGeom>
+          <a:noFill/>
+        </p:spPr>
+        <p:txBody>
+          <a:bodyPr wrap="none" rtlCol="0">
+            <a:spAutoFit/>
+          </a:bodyPr>
+          <a:lstStyle/>
+          <a:p>
+            <a:pPr algn="ctr"/>
+            <a:r>
+              <a:rPr lang="en-US" dirty="0"/>
+              <a:t>HTTP POST (request)</a:t>
+            </a:r>
+          </a:p>
+        </p:txBody>
+      </p:sp>
+      <p:grpSp>
+        <p:nvGrpSpPr>
+          <p:cNvPr id="31" name="Gruppo 7">
+            <a:extLst>
+              <a:ext uri="{FF2B5EF4-FFF2-40B4-BE49-F238E27FC236}">
+                <a16:creationId xmlns:a16="http://schemas.microsoft.com/office/drawing/2014/main" id="{8BAC595F-B4DC-4206-8650-D6869AABF7E8}"/>
+              </a:ext>
+            </a:extLst>
+          </p:cNvPr>
+          <p:cNvGrpSpPr/>
+          <p:nvPr/>
+        </p:nvGrpSpPr>
+        <p:grpSpPr>
+          <a:xfrm>
+            <a:off x="4719819" y="3353563"/>
+            <a:ext cx="787334" cy="86434"/>
+            <a:chOff x="3452446" y="4176616"/>
+            <a:chExt cx="787334" cy="86434"/>
+          </a:xfrm>
+        </p:grpSpPr>
+        <p:sp>
+          <p:nvSpPr>
+            <p:cNvPr id="35" name="Triangolo isoscele 55">
+              <a:extLst>
+                <a:ext uri="{FF2B5EF4-FFF2-40B4-BE49-F238E27FC236}">
+                  <a16:creationId xmlns:a16="http://schemas.microsoft.com/office/drawing/2014/main" id="{A949ADE1-41E5-4452-92A9-E3E4FDA14553}"/>
+                </a:ext>
+              </a:extLst>
+            </p:cNvPr>
+            <p:cNvSpPr/>
+            <p:nvPr/>
+          </p:nvSpPr>
+          <p:spPr>
+            <a:xfrm rot="5400000" flipH="1">
+              <a:off x="4126932" y="4150201"/>
+              <a:ext cx="86434" cy="139263"/>
+            </a:xfrm>
+            <a:prstGeom prst="triangle">
+              <a:avLst/>
+            </a:prstGeom>
+            <a:ln w="28575">
+              <a:headEnd type="none" w="med" len="med"/>
+              <a:tailEnd type="none" w="med" len="med"/>
+            </a:ln>
+          </p:spPr>
+          <p:style>
+            <a:lnRef idx="1">
+              <a:schemeClr val="accent1"/>
+            </a:lnRef>
+            <a:fillRef idx="0">
+              <a:schemeClr val="accent1"/>
+            </a:fillRef>
+            <a:effectRef idx="0">
+              <a:schemeClr val="accent1"/>
+            </a:effectRef>
+            <a:fontRef idx="minor">
+              <a:schemeClr val="tx1"/>
+            </a:fontRef>
+          </p:style>
+          <p:txBody>
+            <a:bodyPr rtlCol="0" anchor="ctr"/>
+            <a:lstStyle/>
+            <a:p>
+              <a:pPr algn="ctr"/>
+              <a:endParaRPr lang="en-GB" sz="1200"/>
+            </a:p>
+          </p:txBody>
+        </p:sp>
+        <p:cxnSp>
+          <p:nvCxnSpPr>
+            <p:cNvPr id="36" name="Connettore 1 56">
+              <a:extLst>
+                <a:ext uri="{FF2B5EF4-FFF2-40B4-BE49-F238E27FC236}">
+                  <a16:creationId xmlns:a16="http://schemas.microsoft.com/office/drawing/2014/main" id="{FFEAB256-74A3-49E5-B04A-BF20A0D18084}"/>
+                </a:ext>
+              </a:extLst>
+            </p:cNvPr>
+            <p:cNvCxnSpPr>
+              <a:endCxn id="35" idx="3"/>
+            </p:cNvCxnSpPr>
+            <p:nvPr/>
+          </p:nvCxnSpPr>
+          <p:spPr>
+            <a:xfrm>
+              <a:off x="3452446" y="4219627"/>
+              <a:ext cx="648072" cy="206"/>
+            </a:xfrm>
+            <a:prstGeom prst="line">
+              <a:avLst/>
+            </a:prstGeom>
+            <a:ln w="28575">
+              <a:headEnd type="none" w="med" len="med"/>
+              <a:tailEnd type="none" w="med" len="med"/>
+            </a:ln>
+          </p:spPr>
+          <p:style>
+            <a:lnRef idx="1">
+              <a:schemeClr val="accent1"/>
+            </a:lnRef>
+            <a:fillRef idx="0">
+              <a:schemeClr val="accent1"/>
+            </a:fillRef>
+            <a:effectRef idx="0">
+              <a:schemeClr val="accent1"/>
+            </a:effectRef>
+            <a:fontRef idx="minor">
+              <a:schemeClr val="tx1"/>
+            </a:fontRef>
+          </p:style>
+        </p:cxnSp>
+      </p:grpSp>
+      <p:cxnSp>
+        <p:nvCxnSpPr>
+          <p:cNvPr id="37" name="Straight Connector 16">
+            <a:extLst>
+              <a:ext uri="{FF2B5EF4-FFF2-40B4-BE49-F238E27FC236}">
+                <a16:creationId xmlns:a16="http://schemas.microsoft.com/office/drawing/2014/main" id="{3B8C6FE8-35AF-4EC1-9304-8C39B0435A21}"/>
+              </a:ext>
+            </a:extLst>
+          </p:cNvPr>
+          <p:cNvCxnSpPr>
+            <a:cxnSpLocks/>
+          </p:cNvCxnSpPr>
+          <p:nvPr/>
+        </p:nvCxnSpPr>
+        <p:spPr>
+          <a:xfrm flipH="1" flipV="1">
+            <a:off x="3269069" y="3389816"/>
+            <a:ext cx="1563527" cy="6758"/>
+          </a:xfrm>
+          <a:prstGeom prst="line">
+            <a:avLst/>
+          </a:prstGeom>
+          <a:ln w="28575">
+            <a:headEnd type="none" w="med" len="med"/>
+            <a:tailEnd type="none" w="med" len="med"/>
+          </a:ln>
+        </p:spPr>
+        <p:style>
+          <a:lnRef idx="1">
+            <a:schemeClr val="accent1"/>
+          </a:lnRef>
+          <a:fillRef idx="0">
+            <a:schemeClr val="accent1"/>
+          </a:fillRef>
+          <a:effectRef idx="0">
+            <a:schemeClr val="accent1"/>
+          </a:effectRef>
+          <a:fontRef idx="minor">
+            <a:schemeClr val="tx1"/>
+          </a:fontRef>
+        </p:style>
+      </p:cxnSp>
+      <p:cxnSp>
+        <p:nvCxnSpPr>
+          <p:cNvPr id="38" name="Connettore 2 52">
+            <a:extLst>
+              <a:ext uri="{FF2B5EF4-FFF2-40B4-BE49-F238E27FC236}">
+                <a16:creationId xmlns:a16="http://schemas.microsoft.com/office/drawing/2014/main" id="{AA9B069C-7AF8-4DA7-BC1D-E370A316A837}"/>
+              </a:ext>
+            </a:extLst>
+          </p:cNvPr>
+          <p:cNvCxnSpPr>
+            <a:cxnSpLocks/>
+          </p:cNvCxnSpPr>
+          <p:nvPr/>
+        </p:nvCxnSpPr>
+        <p:spPr>
+          <a:xfrm>
+            <a:off x="3291818" y="4137487"/>
+            <a:ext cx="2848851" cy="34511"/>
+          </a:xfrm>
+          <a:prstGeom prst="straightConnector1">
+            <a:avLst/>
+          </a:prstGeom>
+          <a:ln w="28575">
+            <a:solidFill>
+              <a:srgbClr val="C00000"/>
+            </a:solidFill>
+            <a:prstDash val="solid"/>
+            <a:headEnd type="triangle" w="med" len="med"/>
+            <a:tailEnd type="triangle" w="med" len="med"/>
+          </a:ln>
+        </p:spPr>
+        <p:style>
+          <a:lnRef idx="1">
+            <a:schemeClr val="accent1"/>
+          </a:lnRef>
+          <a:fillRef idx="0">
+            <a:schemeClr val="accent1"/>
+          </a:fillRef>
+          <a:effectRef idx="0">
+            <a:schemeClr val="accent1"/>
+          </a:effectRef>
+          <a:fontRef idx="minor">
+            <a:schemeClr val="tx1"/>
+          </a:fontRef>
+        </p:style>
+      </p:cxnSp>
+      <p:sp>
+        <p:nvSpPr>
+          <p:cNvPr id="39" name="TextBox 24">
+            <a:extLst>
+              <a:ext uri="{FF2B5EF4-FFF2-40B4-BE49-F238E27FC236}">
+                <a16:creationId xmlns:a16="http://schemas.microsoft.com/office/drawing/2014/main" id="{03E5DBDE-43D2-4DCE-8708-00AA12F8BA74}"/>
+              </a:ext>
+            </a:extLst>
+          </p:cNvPr>
+          <p:cNvSpPr txBox="1"/>
+          <p:nvPr/>
+        </p:nvSpPr>
+        <p:spPr>
+          <a:xfrm>
+            <a:off x="7014815" y="6039041"/>
+            <a:ext cx="1114279" cy="646331"/>
+          </a:xfrm>
+          <a:prstGeom prst="rect">
+            <a:avLst/>
+          </a:prstGeom>
+          <a:noFill/>
+        </p:spPr>
+        <p:txBody>
+          <a:bodyPr wrap="none" rtlCol="0">
+            <a:spAutoFit/>
+          </a:bodyPr>
+          <a:lstStyle/>
+          <a:p>
+            <a:pPr algn="ctr"/>
+            <a:r>
+              <a:rPr lang="en-US" dirty="0"/>
+              <a:t>send</a:t>
+            </a:r>
+          </a:p>
+          <a:p>
+            <a:pPr algn="ctr"/>
+            <a:r>
+              <a:rPr lang="en-US" dirty="0"/>
+              <a:t>(dispatch)</a:t>
+            </a:r>
+          </a:p>
+        </p:txBody>
+      </p:sp>
+      <p:sp>
+        <p:nvSpPr>
+          <p:cNvPr id="41" name="TextBox 26">
+            <a:extLst>
+              <a:ext uri="{FF2B5EF4-FFF2-40B4-BE49-F238E27FC236}">
+                <a16:creationId xmlns:a16="http://schemas.microsoft.com/office/drawing/2014/main" id="{6BF69858-7D38-41FE-8B22-F6771BB18D76}"/>
+              </a:ext>
+            </a:extLst>
+          </p:cNvPr>
+          <p:cNvSpPr txBox="1"/>
+          <p:nvPr/>
+        </p:nvSpPr>
+        <p:spPr>
+          <a:xfrm>
+            <a:off x="7060074" y="3974115"/>
+            <a:ext cx="781944" cy="369332"/>
+          </a:xfrm>
+          <a:prstGeom prst="rect">
+            <a:avLst/>
+          </a:prstGeom>
+          <a:noFill/>
+        </p:spPr>
+        <p:txBody>
+          <a:bodyPr wrap="none" rtlCol="0">
+            <a:spAutoFit/>
+          </a:bodyPr>
+          <a:lstStyle/>
+          <a:p>
+            <a:pPr algn="ctr"/>
+            <a:r>
+              <a:rPr lang="en-US" dirty="0"/>
+              <a:t>socket</a:t>
+            </a:r>
+          </a:p>
+        </p:txBody>
+      </p:sp>
+      <p:sp>
+        <p:nvSpPr>
+          <p:cNvPr id="42" name="TextBox 29">
+            <a:extLst>
+              <a:ext uri="{FF2B5EF4-FFF2-40B4-BE49-F238E27FC236}">
+                <a16:creationId xmlns:a16="http://schemas.microsoft.com/office/drawing/2014/main" id="{DEAD1A44-7C95-410D-9B91-662F331EBF98}"/>
+              </a:ext>
+            </a:extLst>
+          </p:cNvPr>
+          <p:cNvSpPr txBox="1"/>
+          <p:nvPr/>
+        </p:nvSpPr>
+        <p:spPr>
+          <a:xfrm flipH="1">
+            <a:off x="6421742" y="3433752"/>
+            <a:ext cx="1312854" cy="369332"/>
+          </a:xfrm>
+          <a:prstGeom prst="rect">
+            <a:avLst/>
+          </a:prstGeom>
+          <a:noFill/>
+        </p:spPr>
+        <p:txBody>
+          <a:bodyPr wrap="square" rtlCol="0">
+            <a:spAutoFit/>
+          </a:bodyPr>
+          <a:lstStyle/>
+          <a:p>
+            <a:r>
+              <a:rPr lang="en-US" dirty="0" err="1"/>
+              <a:t>WEnv</a:t>
+            </a:r>
+            <a:endParaRPr lang="en-US" dirty="0"/>
+          </a:p>
+        </p:txBody>
+      </p:sp>
+      <p:grpSp>
+        <p:nvGrpSpPr>
+          <p:cNvPr id="43" name="Gruppo 48">
+            <a:extLst>
+              <a:ext uri="{FF2B5EF4-FFF2-40B4-BE49-F238E27FC236}">
+                <a16:creationId xmlns:a16="http://schemas.microsoft.com/office/drawing/2014/main" id="{D92BD61A-58B7-4432-8D62-15F879B91F64}"/>
+              </a:ext>
+            </a:extLst>
+          </p:cNvPr>
+          <p:cNvGrpSpPr/>
+          <p:nvPr/>
+        </p:nvGrpSpPr>
+        <p:grpSpPr>
+          <a:xfrm>
+            <a:off x="3447590" y="3478397"/>
+            <a:ext cx="914400" cy="128062"/>
+            <a:chOff x="4592177" y="4419530"/>
+            <a:chExt cx="666895" cy="86434"/>
+          </a:xfrm>
+        </p:grpSpPr>
+        <p:cxnSp>
+          <p:nvCxnSpPr>
+            <p:cNvPr id="44" name="Connettore 1 49">
+              <a:extLst>
+                <a:ext uri="{FF2B5EF4-FFF2-40B4-BE49-F238E27FC236}">
+                  <a16:creationId xmlns:a16="http://schemas.microsoft.com/office/drawing/2014/main" id="{23B32A1C-EF90-4500-BB0B-184CA398B3AF}"/>
+                </a:ext>
+              </a:extLst>
+            </p:cNvPr>
+            <p:cNvCxnSpPr/>
+            <p:nvPr/>
+          </p:nvCxnSpPr>
+          <p:spPr>
+            <a:xfrm>
+              <a:off x="4611000" y="4462747"/>
+              <a:ext cx="648072" cy="0"/>
+            </a:xfrm>
+            <a:prstGeom prst="line">
+              <a:avLst/>
+            </a:prstGeom>
+            <a:ln w="28575">
+              <a:headEnd type="none" w="med" len="med"/>
+              <a:tailEnd type="none" w="med" len="med"/>
+            </a:ln>
+          </p:spPr>
+          <p:style>
+            <a:lnRef idx="1">
+              <a:schemeClr val="accent1"/>
+            </a:lnRef>
+            <a:fillRef idx="0">
+              <a:schemeClr val="accent1"/>
+            </a:fillRef>
+            <a:effectRef idx="0">
+              <a:schemeClr val="accent1"/>
+            </a:effectRef>
+            <a:fontRef idx="minor">
+              <a:schemeClr val="tx1"/>
+            </a:fontRef>
+          </p:style>
+        </p:cxnSp>
+        <p:sp>
+          <p:nvSpPr>
+            <p:cNvPr id="45" name="Triangolo isoscele 50">
+              <a:extLst>
+                <a:ext uri="{FF2B5EF4-FFF2-40B4-BE49-F238E27FC236}">
+                  <a16:creationId xmlns:a16="http://schemas.microsoft.com/office/drawing/2014/main" id="{FA980404-C410-4D17-8511-F57CC045235F}"/>
+                </a:ext>
+              </a:extLst>
+            </p:cNvPr>
+            <p:cNvSpPr/>
+            <p:nvPr/>
+          </p:nvSpPr>
+          <p:spPr>
+            <a:xfrm rot="16200000">
+              <a:off x="4618592" y="4393115"/>
+              <a:ext cx="86434" cy="139263"/>
+            </a:xfrm>
+            <a:prstGeom prst="triangle">
+              <a:avLst/>
+            </a:prstGeom>
+            <a:ln w="28575">
+              <a:headEnd type="none" w="med" len="med"/>
+              <a:tailEnd type="none" w="med" len="med"/>
+            </a:ln>
+          </p:spPr>
+          <p:style>
+            <a:lnRef idx="1">
+              <a:schemeClr val="accent1"/>
+            </a:lnRef>
+            <a:fillRef idx="0">
+              <a:schemeClr val="accent1"/>
+            </a:fillRef>
+            <a:effectRef idx="0">
+              <a:schemeClr val="accent1"/>
+            </a:effectRef>
+            <a:fontRef idx="minor">
+              <a:schemeClr val="tx1"/>
+            </a:fontRef>
+          </p:style>
+          <p:txBody>
+            <a:bodyPr rtlCol="0" anchor="ctr"/>
+            <a:lstStyle/>
+            <a:p>
+              <a:pPr algn="ctr"/>
+              <a:endParaRPr lang="en-GB" sz="1200"/>
+            </a:p>
+          </p:txBody>
+        </p:sp>
+      </p:grpSp>
+      <p:cxnSp>
+        <p:nvCxnSpPr>
+          <p:cNvPr id="46" name="Straight Connector 39">
+            <a:extLst>
+              <a:ext uri="{FF2B5EF4-FFF2-40B4-BE49-F238E27FC236}">
+                <a16:creationId xmlns:a16="http://schemas.microsoft.com/office/drawing/2014/main" id="{8F402B35-6597-452D-9C50-6EE6DD97AE9F}"/>
+              </a:ext>
+            </a:extLst>
+          </p:cNvPr>
+          <p:cNvCxnSpPr>
+            <a:cxnSpLocks/>
+          </p:cNvCxnSpPr>
+          <p:nvPr/>
+        </p:nvCxnSpPr>
+        <p:spPr>
+          <a:xfrm flipH="1" flipV="1">
+            <a:off x="3973606" y="3542187"/>
+            <a:ext cx="1563527" cy="6758"/>
+          </a:xfrm>
+          <a:prstGeom prst="line">
+            <a:avLst/>
+          </a:prstGeom>
+          <a:ln w="28575">
+            <a:headEnd type="none" w="med" len="med"/>
+            <a:tailEnd type="none" w="med" len="med"/>
+          </a:ln>
+        </p:spPr>
+        <p:style>
+          <a:lnRef idx="1">
+            <a:schemeClr val="accent1"/>
+          </a:lnRef>
+          <a:fillRef idx="0">
+            <a:schemeClr val="accent1"/>
+          </a:fillRef>
+          <a:effectRef idx="0">
+            <a:schemeClr val="accent1"/>
+          </a:effectRef>
+          <a:fontRef idx="minor">
+            <a:schemeClr val="tx1"/>
+          </a:fontRef>
+        </p:style>
+      </p:cxnSp>
+      <p:sp>
+        <p:nvSpPr>
+          <p:cNvPr id="47" name="Ovale 43">
+            <a:extLst>
+              <a:ext uri="{FF2B5EF4-FFF2-40B4-BE49-F238E27FC236}">
+                <a16:creationId xmlns:a16="http://schemas.microsoft.com/office/drawing/2014/main" id="{366BB749-E0AE-4AC4-8F03-A2DD00867624}"/>
+              </a:ext>
+            </a:extLst>
+          </p:cNvPr>
+          <p:cNvSpPr/>
+          <p:nvPr/>
+        </p:nvSpPr>
+        <p:spPr>
+          <a:xfrm>
+            <a:off x="889730" y="2601586"/>
+            <a:ext cx="2473396" cy="2341556"/>
+          </a:xfrm>
+          <a:prstGeom prst="ellipse">
+            <a:avLst/>
+          </a:prstGeom>
+          <a:ln/>
+        </p:spPr>
+        <p:style>
+          <a:lnRef idx="1">
+            <a:schemeClr val="accent5"/>
+          </a:lnRef>
+          <a:fillRef idx="2">
+            <a:schemeClr val="accent5"/>
+          </a:fillRef>
+          <a:effectRef idx="1">
+            <a:schemeClr val="accent5"/>
+          </a:effectRef>
+          <a:fontRef idx="minor">
+            <a:schemeClr val="dk1"/>
+          </a:fontRef>
+        </p:style>
+        <p:txBody>
+          <a:bodyPr rtlCol="0" anchor="ctr"/>
+          <a:lstStyle/>
+          <a:p>
+            <a:pPr algn="ctr"/>
+            <a:r>
+              <a:rPr lang="en-GB" sz="1200" dirty="0"/>
+              <a:t> </a:t>
+            </a:r>
+          </a:p>
+        </p:txBody>
+      </p:sp>
+      <p:cxnSp>
+        <p:nvCxnSpPr>
+          <p:cNvPr id="48" name="Connettore 2 126">
+            <a:extLst>
+              <a:ext uri="{FF2B5EF4-FFF2-40B4-BE49-F238E27FC236}">
+                <a16:creationId xmlns:a16="http://schemas.microsoft.com/office/drawing/2014/main" id="{268C92D2-4037-4E3C-B268-2029A34A53A8}"/>
+              </a:ext>
+            </a:extLst>
+          </p:cNvPr>
+          <p:cNvCxnSpPr>
+            <a:cxnSpLocks/>
+          </p:cNvCxnSpPr>
+          <p:nvPr/>
+        </p:nvCxnSpPr>
+        <p:spPr>
+          <a:xfrm flipH="1">
+            <a:off x="1119121" y="3125805"/>
+            <a:ext cx="2607" cy="1273345"/>
+          </a:xfrm>
+          <a:prstGeom prst="straightConnector1">
+            <a:avLst/>
+          </a:prstGeom>
+          <a:ln w="28575">
+            <a:solidFill>
+              <a:srgbClr val="C00000"/>
+            </a:solidFill>
+            <a:tailEnd type="arrow"/>
+          </a:ln>
+        </p:spPr>
+        <p:style>
+          <a:lnRef idx="1">
+            <a:schemeClr val="accent1"/>
+          </a:lnRef>
+          <a:fillRef idx="0">
+            <a:schemeClr val="accent1"/>
+          </a:fillRef>
+          <a:effectRef idx="0">
+            <a:schemeClr val="accent1"/>
+          </a:effectRef>
+          <a:fontRef idx="minor">
+            <a:schemeClr val="tx1"/>
+          </a:fontRef>
+        </p:style>
+      </p:cxnSp>
+      <p:sp>
+        <p:nvSpPr>
+          <p:cNvPr id="49" name="CasellaDiTesto 48">
+            <a:extLst>
+              <a:ext uri="{FF2B5EF4-FFF2-40B4-BE49-F238E27FC236}">
+                <a16:creationId xmlns:a16="http://schemas.microsoft.com/office/drawing/2014/main" id="{1D919158-8AF3-4884-8D79-892E3031B146}"/>
+              </a:ext>
+            </a:extLst>
+          </p:cNvPr>
+          <p:cNvSpPr txBox="1"/>
+          <p:nvPr/>
+        </p:nvSpPr>
+        <p:spPr>
+          <a:xfrm>
+            <a:off x="1407315" y="4850378"/>
+            <a:ext cx="1608257" cy="369332"/>
+          </a:xfrm>
+          <a:prstGeom prst="rect">
+            <a:avLst/>
+          </a:prstGeom>
+          <a:noFill/>
+        </p:spPr>
+        <p:txBody>
+          <a:bodyPr wrap="square">
+            <a:spAutoFit/>
+          </a:bodyPr>
+          <a:lstStyle/>
+          <a:p>
+            <a:r>
+              <a:rPr lang="en-GB" dirty="0" err="1">
+                <a:solidFill>
+                  <a:schemeClr val="tx1"/>
+                </a:solidFill>
+              </a:rPr>
+              <a:t>boundaryWalk</a:t>
+            </a:r>
+            <a:endParaRPr lang="it-IT" dirty="0"/>
+          </a:p>
+        </p:txBody>
+      </p:sp>
+      <p:sp>
+        <p:nvSpPr>
+          <p:cNvPr id="11" name="Rettangolo con angoli arrotondati 10">
+            <a:extLst>
+              <a:ext uri="{FF2B5EF4-FFF2-40B4-BE49-F238E27FC236}">
+                <a16:creationId xmlns:a16="http://schemas.microsoft.com/office/drawing/2014/main" id="{4B523E88-999D-43D1-9E14-B63F5712904C}"/>
+              </a:ext>
+            </a:extLst>
+          </p:cNvPr>
+          <p:cNvSpPr/>
+          <p:nvPr/>
+        </p:nvSpPr>
+        <p:spPr>
+          <a:xfrm>
+            <a:off x="1253299" y="3132636"/>
+            <a:ext cx="1859225" cy="401342"/>
+          </a:xfrm>
+          <a:prstGeom prst="roundRect">
+            <a:avLst/>
+          </a:prstGeom>
+          <a:solidFill>
+            <a:schemeClr val="accent4">
+              <a:lumMod val="20%"/>
+              <a:lumOff val="80%"/>
+            </a:schemeClr>
+          </a:solidFill>
+        </p:spPr>
+        <p:style>
+          <a:lnRef idx="2">
+            <a:schemeClr val="accent1">
+              <a:shade val="50%"/>
+            </a:schemeClr>
+          </a:lnRef>
+          <a:fillRef idx="1">
+            <a:schemeClr val="accent1"/>
+          </a:fillRef>
+          <a:effectRef idx="0">
+            <a:schemeClr val="accent1"/>
+          </a:effectRef>
+          <a:fontRef idx="minor">
+            <a:schemeClr val="lt1"/>
+          </a:fontRef>
+        </p:style>
+        <p:txBody>
+          <a:bodyPr rtlCol="0" anchor="ctr"/>
+          <a:lstStyle/>
+          <a:p>
+            <a:pPr algn="ctr"/>
+            <a:r>
+              <a:rPr lang="it-IT" sz="1400" dirty="0">
+                <a:solidFill>
+                  <a:schemeClr val="tx1"/>
+                </a:solidFill>
+              </a:rPr>
+              <a:t>Application Layer</a:t>
+            </a:r>
+          </a:p>
+        </p:txBody>
+      </p:sp>
+      <p:sp>
+        <p:nvSpPr>
+          <p:cNvPr id="50" name="Rettangolo con angoli arrotondati 49">
+            <a:extLst>
+              <a:ext uri="{FF2B5EF4-FFF2-40B4-BE49-F238E27FC236}">
+                <a16:creationId xmlns:a16="http://schemas.microsoft.com/office/drawing/2014/main" id="{C423730D-3BC5-4935-94BA-7D34DB78826F}"/>
+              </a:ext>
+            </a:extLst>
+          </p:cNvPr>
+          <p:cNvSpPr/>
+          <p:nvPr/>
+        </p:nvSpPr>
+        <p:spPr>
+          <a:xfrm>
+            <a:off x="1253299" y="3568932"/>
+            <a:ext cx="1859225" cy="387092"/>
+          </a:xfrm>
+          <a:prstGeom prst="roundRect">
+            <a:avLst/>
+          </a:prstGeom>
+          <a:solidFill>
+            <a:schemeClr val="accent4">
+              <a:lumMod val="20%"/>
+              <a:lumOff val="80%"/>
+            </a:schemeClr>
+          </a:solidFill>
+        </p:spPr>
+        <p:style>
+          <a:lnRef idx="2">
+            <a:schemeClr val="accent1">
+              <a:shade val="50%"/>
+            </a:schemeClr>
+          </a:lnRef>
+          <a:fillRef idx="1">
+            <a:schemeClr val="accent1"/>
+          </a:fillRef>
+          <a:effectRef idx="0">
+            <a:schemeClr val="accent1"/>
+          </a:effectRef>
+          <a:fontRef idx="minor">
+            <a:schemeClr val="lt1"/>
+          </a:fontRef>
+        </p:style>
+        <p:txBody>
+          <a:bodyPr rtlCol="0" anchor="ctr"/>
+          <a:lstStyle/>
+          <a:p>
+            <a:pPr algn="ctr"/>
+            <a:r>
+              <a:rPr lang="it-IT" sz="1400" dirty="0" err="1">
+                <a:solidFill>
+                  <a:schemeClr val="tx1"/>
+                </a:solidFill>
+              </a:rPr>
+              <a:t>RobotSupport</a:t>
+            </a:r>
+            <a:r>
+              <a:rPr lang="it-IT" sz="1400" dirty="0">
+                <a:solidFill>
+                  <a:schemeClr val="tx1"/>
+                </a:solidFill>
+              </a:rPr>
+              <a:t> Layer</a:t>
+            </a:r>
+          </a:p>
+        </p:txBody>
+      </p:sp>
+      <p:sp>
+        <p:nvSpPr>
+          <p:cNvPr id="51" name="Rettangolo con angoli arrotondati 50">
+            <a:extLst>
+              <a:ext uri="{FF2B5EF4-FFF2-40B4-BE49-F238E27FC236}">
+                <a16:creationId xmlns:a16="http://schemas.microsoft.com/office/drawing/2014/main" id="{7F97C135-BB0F-44BC-9653-EFFC4E06DF22}"/>
+              </a:ext>
+            </a:extLst>
+          </p:cNvPr>
+          <p:cNvSpPr/>
+          <p:nvPr/>
+        </p:nvSpPr>
+        <p:spPr>
+          <a:xfrm>
+            <a:off x="1253299" y="4001385"/>
+            <a:ext cx="1859225" cy="388620"/>
+          </a:xfrm>
+          <a:prstGeom prst="roundRect">
+            <a:avLst/>
+          </a:prstGeom>
+          <a:solidFill>
+            <a:schemeClr val="accent4">
+              <a:lumMod val="20%"/>
+              <a:lumOff val="80%"/>
+            </a:schemeClr>
+          </a:solidFill>
+        </p:spPr>
+        <p:style>
+          <a:lnRef idx="2">
+            <a:schemeClr val="accent1">
+              <a:shade val="50%"/>
+            </a:schemeClr>
+          </a:lnRef>
+          <a:fillRef idx="1">
+            <a:schemeClr val="accent1"/>
+          </a:fillRef>
+          <a:effectRef idx="0">
+            <a:schemeClr val="accent1"/>
+          </a:effectRef>
+          <a:fontRef idx="minor">
+            <a:schemeClr val="lt1"/>
+          </a:fontRef>
+        </p:style>
+        <p:txBody>
+          <a:bodyPr rtlCol="0" anchor="ctr"/>
+          <a:lstStyle/>
+          <a:p>
+            <a:pPr algn="ctr"/>
+            <a:r>
+              <a:rPr lang="it-IT" sz="1400" dirty="0" err="1">
+                <a:solidFill>
+                  <a:schemeClr val="tx1"/>
+                </a:solidFill>
+              </a:rPr>
+              <a:t>Communication</a:t>
+            </a:r>
+            <a:r>
+              <a:rPr lang="it-IT" sz="1400" dirty="0">
+                <a:solidFill>
+                  <a:schemeClr val="tx1"/>
+                </a:solidFill>
+              </a:rPr>
+              <a:t> Layer</a:t>
+            </a:r>
+          </a:p>
+        </p:txBody>
+      </p:sp>
+      <p:sp>
+        <p:nvSpPr>
+          <p:cNvPr id="52" name="TextBox 24">
+            <a:extLst>
+              <a:ext uri="{FF2B5EF4-FFF2-40B4-BE49-F238E27FC236}">
+                <a16:creationId xmlns:a16="http://schemas.microsoft.com/office/drawing/2014/main" id="{80374572-D720-4FC2-9780-F6C5F87EDBD9}"/>
+              </a:ext>
+            </a:extLst>
+          </p:cNvPr>
+          <p:cNvSpPr txBox="1"/>
+          <p:nvPr/>
+        </p:nvSpPr>
+        <p:spPr>
+          <a:xfrm>
+            <a:off x="3386310" y="4131512"/>
+            <a:ext cx="2663358" cy="369332"/>
+          </a:xfrm>
+          <a:prstGeom prst="rect">
+            <a:avLst/>
+          </a:prstGeom>
+          <a:noFill/>
+        </p:spPr>
+        <p:txBody>
+          <a:bodyPr wrap="none" rtlCol="0">
+            <a:spAutoFit/>
+          </a:bodyPr>
+          <a:lstStyle/>
+          <a:p>
+            <a:pPr algn="ctr"/>
+            <a:r>
+              <a:rPr lang="en-US" dirty="0"/>
+              <a:t>Request – Reply (dispatch)</a:t>
+            </a:r>
+          </a:p>
+        </p:txBody>
+      </p:sp>
     </p:spTree>
     <p:extLst>
       <p:ext uri="{BB962C8B-B14F-4D97-AF65-F5344CB8AC3E}">

--- a/it.unibo.issLabStart/userDocs/BoundaryProblem.pptx
+++ b/it.unibo.issLabStart/userDocs/BoundaryProblem.pptx
@@ -1453,7 +1453,7 @@
             <a:fld id="{E1625027-F480-45BE-98EB-E4ABD50F7C43}" type="datetime1">
               <a:rPr lang="en-US"/>
               <a:pPr lvl="0"/>
-              <a:t>2/27/2021</a:t>
+              <a:t>2/28/2021</a:t>
             </a:fld>
             <a:endParaRPr lang="en-US"/>
           </a:p>
@@ -1658,7 +1658,7 @@
             <a:fld id="{2B127D2E-5ADA-4DDC-9F1A-AD6A016AA88A}" type="datetime1">
               <a:rPr lang="en-US"/>
               <a:pPr lvl="0"/>
-              <a:t>2/27/2021</a:t>
+              <a:t>2/28/2021</a:t>
             </a:fld>
             <a:endParaRPr lang="en-US"/>
           </a:p>
@@ -1908,7 +1908,7 @@
             <a:fld id="{DC8D2D60-A35A-4E29-90AF-F462F3828E68}" type="datetime1">
               <a:rPr lang="en-US"/>
               <a:pPr lvl="0"/>
-              <a:t>2/27/2021</a:t>
+              <a:t>2/28/2021</a:t>
             </a:fld>
             <a:endParaRPr lang="en-US"/>
           </a:p>
@@ -2246,7 +2246,7 @@
             <a:fld id="{28219253-5FC5-4A40-8333-D1B15AC5878A}" type="datetime1">
               <a:rPr lang="en-US"/>
               <a:pPr lvl="0"/>
-              <a:t>2/27/2021</a:t>
+              <a:t>2/28/2021</a:t>
             </a:fld>
             <a:endParaRPr lang="en-US"/>
           </a:p>
@@ -2496,7 +2496,7 @@
             <a:fld id="{33CA4D83-3349-4ABB-88EE-6E4E7B0BB022}" type="datetime1">
               <a:rPr lang="en-US"/>
               <a:pPr lvl="0"/>
-              <a:t>2/27/2021</a:t>
+              <a:t>2/28/2021</a:t>
             </a:fld>
             <a:endParaRPr lang="en-US"/>
           </a:p>
@@ -2876,7 +2876,7 @@
             <a:fld id="{2FB5C852-7CCC-490C-814F-DFECD5F43B20}" type="datetime1">
               <a:rPr lang="en-US"/>
               <a:pPr lvl="0"/>
-              <a:t>2/27/2021</a:t>
+              <a:t>2/28/2021</a:t>
             </a:fld>
             <a:endParaRPr lang="en-US"/>
           </a:p>
@@ -3110,7 +3110,7 @@
             <a:fld id="{7B2A1F4C-93D8-43D7-8339-D733494904AF}" type="datetime1">
               <a:rPr lang="en-US"/>
               <a:pPr lvl="0"/>
-              <a:t>2/27/2021</a:t>
+              <a:t>2/28/2021</a:t>
             </a:fld>
             <a:endParaRPr lang="en-US"/>
           </a:p>
@@ -3354,7 +3354,7 @@
             <a:fld id="{77885217-A614-4057-B794-FF8AEFCE0435}" type="datetime1">
               <a:rPr lang="en-US"/>
               <a:pPr lvl="0"/>
-              <a:t>2/27/2021</a:t>
+              <a:t>2/28/2021</a:t>
             </a:fld>
             <a:endParaRPr lang="en-US"/>
           </a:p>
@@ -3588,7 +3588,7 @@
             <a:fld id="{D0DACD68-29B9-4EF3-AEDA-C2F359F2DD76}" type="datetime1">
               <a:rPr lang="en-US"/>
               <a:pPr lvl="0"/>
-              <a:t>2/27/2021</a:t>
+              <a:t>2/28/2021</a:t>
             </a:fld>
             <a:endParaRPr lang="en-US"/>
           </a:p>
@@ -3797,7 +3797,7 @@
             <a:fld id="{06E0725F-6EB9-4ECD-B0CE-1D38B1127686}" type="datetime1">
               <a:rPr lang="en-US"/>
               <a:pPr lvl="0"/>
-              <a:t>2/27/2021</a:t>
+              <a:t>2/28/2021</a:t>
             </a:fld>
             <a:endParaRPr lang="en-US"/>
           </a:p>
@@ -4114,7 +4114,7 @@
             <a:fld id="{4C942382-4B6B-45E1-9E36-EC8B67CEA045}" type="datetime1">
               <a:rPr lang="en-US"/>
               <a:pPr lvl="0"/>
-              <a:t>2/27/2021</a:t>
+              <a:t>2/28/2021</a:t>
             </a:fld>
             <a:endParaRPr lang="en-US"/>
           </a:p>
@@ -4513,7 +4513,7 @@
             <a:fld id="{7D3D84F2-FEA2-4427-96E5-10B973ED4870}" type="datetime1">
               <a:rPr lang="en-US"/>
               <a:pPr lvl="0"/>
-              <a:t>2/27/2021</a:t>
+              <a:t>2/28/2021</a:t>
             </a:fld>
             <a:endParaRPr lang="en-US"/>
           </a:p>
@@ -4674,7 +4674,7 @@
             <a:fld id="{B7AF3369-AE36-4F4C-A2F2-CD9A19A2C3F5}" type="datetime1">
               <a:rPr lang="en-US"/>
               <a:pPr lvl="0"/>
-              <a:t>2/27/2021</a:t>
+              <a:t>2/28/2021</a:t>
             </a:fld>
             <a:endParaRPr lang="en-US"/>
           </a:p>
@@ -4803,7 +4803,7 @@
             <a:fld id="{1DBFF290-4D61-45AA-9912-220341DCFF82}" type="datetime1">
               <a:rPr lang="en-US"/>
               <a:pPr lvl="0"/>
-              <a:t>2/27/2021</a:t>
+              <a:t>2/28/2021</a:t>
             </a:fld>
             <a:endParaRPr lang="en-US"/>
           </a:p>
@@ -5086,7 +5086,7 @@
             <a:fld id="{394810FF-4C92-4868-8A78-69B7E79AAD23}" type="datetime1">
               <a:rPr lang="en-US"/>
               <a:pPr lvl="0"/>
-              <a:t>2/27/2021</a:t>
+              <a:t>2/28/2021</a:t>
             </a:fld>
             <a:endParaRPr lang="en-US"/>
           </a:p>
@@ -5330,7 +5330,7 @@
             <a:fld id="{5EEF1104-63C8-41E5-ADC2-4624C67A1313}" type="datetime1">
               <a:rPr lang="en-US"/>
               <a:pPr lvl="0"/>
-              <a:t>2/27/2021</a:t>
+              <a:t>2/28/2021</a:t>
             </a:fld>
             <a:endParaRPr lang="en-US"/>
           </a:p>
@@ -6816,7 +6816,7 @@
             <a:fld id="{3431AD46-0528-4BA3-9348-B3C09F91749D}" type="datetime1">
               <a:rPr lang="en-US"/>
               <a:pPr lvl="0"/>
-              <a:t>2/27/2021</a:t>
+              <a:t>2/28/2021</a:t>
             </a:fld>
             <a:endParaRPr lang="en-US"/>
           </a:p>
@@ -10423,7 +10423,7 @@
         </p:nvGrpSpPr>
         <p:grpSpPr>
           <a:xfrm>
-            <a:off x="6521923" y="400846"/>
+            <a:off x="6521923" y="135003"/>
             <a:ext cx="1248110" cy="1213095"/>
             <a:chOff x="565700" y="4940367"/>
             <a:chExt cx="805955" cy="772447"/>
@@ -10544,7 +10544,7 @@
         </p:nvSpPr>
         <p:spPr>
           <a:xfrm>
-            <a:off x="5986203" y="624591"/>
+            <a:off x="5986203" y="358748"/>
             <a:ext cx="914400" cy="314793"/>
           </a:xfrm>
           <a:prstGeom prst="rect">
@@ -10605,7 +10605,7 @@
         </p:nvSpPr>
         <p:spPr>
           <a:xfrm>
-            <a:off x="6657555" y="1386592"/>
+            <a:off x="6657555" y="1120749"/>
             <a:ext cx="914400" cy="314793"/>
           </a:xfrm>
           <a:prstGeom prst="rect">
@@ -10666,7 +10666,7 @@
         </p:nvSpPr>
         <p:spPr>
           <a:xfrm>
-            <a:off x="2174975" y="718670"/>
+            <a:off x="2174975" y="452827"/>
             <a:ext cx="1829996" cy="972723"/>
           </a:xfrm>
           <a:custGeom>
@@ -10960,7 +10960,7 @@
         </p:nvSpPr>
         <p:spPr>
           <a:xfrm>
-            <a:off x="3691891" y="334511"/>
+            <a:off x="3691891" y="68668"/>
             <a:ext cx="2125069" cy="369332"/>
           </a:xfrm>
           <a:prstGeom prst="rect">
@@ -10996,7 +10996,7 @@
         </p:nvGrpSpPr>
         <p:grpSpPr>
           <a:xfrm>
-            <a:off x="5168889" y="738770"/>
+            <a:off x="5168889" y="472927"/>
             <a:ext cx="787334" cy="86434"/>
             <a:chOff x="3452446" y="4176616"/>
             <a:chExt cx="787334" cy="86434"/>
@@ -11109,7 +11109,7 @@
         </p:nvCxnSpPr>
         <p:spPr>
           <a:xfrm flipH="1" flipV="1">
-            <a:off x="3718139" y="775023"/>
+            <a:off x="3718139" y="509180"/>
             <a:ext cx="1563527" cy="6758"/>
           </a:xfrm>
           <a:prstGeom prst="line">
@@ -11151,7 +11151,7 @@
         </p:nvCxnSpPr>
         <p:spPr>
           <a:xfrm>
-            <a:off x="3740888" y="1522694"/>
+            <a:off x="3740888" y="1256851"/>
             <a:ext cx="2848851" cy="34511"/>
           </a:xfrm>
           <a:prstGeom prst="straightConnector1">
@@ -11195,7 +11195,7 @@
         </p:nvSpPr>
         <p:spPr>
           <a:xfrm>
-            <a:off x="3824657" y="1543988"/>
+            <a:off x="3824657" y="1278145"/>
             <a:ext cx="2663358" cy="369332"/>
           </a:xfrm>
           <a:prstGeom prst="rect">
@@ -11231,7 +11231,7 @@
         </p:nvSpPr>
         <p:spPr>
           <a:xfrm>
-            <a:off x="7509144" y="1359322"/>
+            <a:off x="7509144" y="1093479"/>
             <a:ext cx="781944" cy="369332"/>
           </a:xfrm>
           <a:prstGeom prst="rect">
@@ -11267,7 +11267,7 @@
         </p:nvSpPr>
         <p:spPr>
           <a:xfrm flipH="1">
-            <a:off x="6870812" y="818959"/>
+            <a:off x="6870812" y="553116"/>
             <a:ext cx="1312854" cy="369332"/>
           </a:xfrm>
           <a:prstGeom prst="rect">
@@ -11303,7 +11303,7 @@
         </p:nvGrpSpPr>
         <p:grpSpPr>
           <a:xfrm>
-            <a:off x="3896660" y="863604"/>
+            <a:off x="3896660" y="597761"/>
             <a:ext cx="914400" cy="128062"/>
             <a:chOff x="4592177" y="4419530"/>
             <a:chExt cx="666895" cy="86434"/>
@@ -11414,7 +11414,7 @@
         </p:nvCxnSpPr>
         <p:spPr>
           <a:xfrm flipH="1" flipV="1">
-            <a:off x="4422676" y="927394"/>
+            <a:off x="4422676" y="661551"/>
             <a:ext cx="1563527" cy="6758"/>
           </a:xfrm>
           <a:prstGeom prst="line">
@@ -11454,7 +11454,7 @@
         </p:nvGrpSpPr>
         <p:grpSpPr>
           <a:xfrm>
-            <a:off x="6072853" y="3015639"/>
+            <a:off x="6121400" y="2171882"/>
             <a:ext cx="1248110" cy="1213095"/>
             <a:chOff x="565700" y="4940367"/>
             <a:chExt cx="805955" cy="772447"/>
@@ -11575,7 +11575,7 @@
         </p:nvSpPr>
         <p:spPr>
           <a:xfrm>
-            <a:off x="5537133" y="3239384"/>
+            <a:off x="5585680" y="2395627"/>
             <a:ext cx="914400" cy="314793"/>
           </a:xfrm>
           <a:prstGeom prst="rect">
@@ -11636,7 +11636,7 @@
         </p:nvSpPr>
         <p:spPr>
           <a:xfrm>
-            <a:off x="6208485" y="4001385"/>
+            <a:off x="6257032" y="3157628"/>
             <a:ext cx="914400" cy="314793"/>
           </a:xfrm>
           <a:prstGeom prst="rect">
@@ -11697,7 +11697,7 @@
         </p:nvSpPr>
         <p:spPr>
           <a:xfrm>
-            <a:off x="3312453" y="2898842"/>
+            <a:off x="3361000" y="2055085"/>
             <a:ext cx="2125069" cy="369332"/>
           </a:xfrm>
           <a:prstGeom prst="rect">
@@ -11733,7 +11733,7 @@
         </p:nvGrpSpPr>
         <p:grpSpPr>
           <a:xfrm>
-            <a:off x="4719819" y="3353563"/>
+            <a:off x="4768366" y="2509806"/>
             <a:ext cx="787334" cy="86434"/>
             <a:chOff x="3452446" y="4176616"/>
             <a:chExt cx="787334" cy="86434"/>
@@ -11846,7 +11846,7 @@
         </p:nvCxnSpPr>
         <p:spPr>
           <a:xfrm flipH="1" flipV="1">
-            <a:off x="3269069" y="3389816"/>
+            <a:off x="3317616" y="2546059"/>
             <a:ext cx="1563527" cy="6758"/>
           </a:xfrm>
           <a:prstGeom prst="line">
@@ -11888,7 +11888,7 @@
         </p:nvCxnSpPr>
         <p:spPr>
           <a:xfrm>
-            <a:off x="3291818" y="4137487"/>
+            <a:off x="3340365" y="3293730"/>
             <a:ext cx="2848851" cy="34511"/>
           </a:xfrm>
           <a:prstGeom prst="straightConnector1">
@@ -11932,7 +11932,7 @@
         </p:nvSpPr>
         <p:spPr>
           <a:xfrm>
-            <a:off x="7014815" y="6039041"/>
+            <a:off x="9459885" y="1475062"/>
             <a:ext cx="1114279" cy="646331"/>
           </a:xfrm>
           <a:prstGeom prst="rect">
@@ -11975,7 +11975,7 @@
         </p:nvSpPr>
         <p:spPr>
           <a:xfrm>
-            <a:off x="7060074" y="3974115"/>
+            <a:off x="7108621" y="3130358"/>
             <a:ext cx="781944" cy="369332"/>
           </a:xfrm>
           <a:prstGeom prst="rect">
@@ -12011,7 +12011,7 @@
         </p:nvSpPr>
         <p:spPr>
           <a:xfrm flipH="1">
-            <a:off x="6421742" y="3433752"/>
+            <a:off x="6470289" y="2589995"/>
             <a:ext cx="1312854" cy="369332"/>
           </a:xfrm>
           <a:prstGeom prst="rect">
@@ -12047,7 +12047,7 @@
         </p:nvGrpSpPr>
         <p:grpSpPr>
           <a:xfrm>
-            <a:off x="3447590" y="3478397"/>
+            <a:off x="3496137" y="2634640"/>
             <a:ext cx="914400" cy="128062"/>
             <a:chOff x="4592177" y="4419530"/>
             <a:chExt cx="666895" cy="86434"/>
@@ -12158,7 +12158,7 @@
         </p:nvCxnSpPr>
         <p:spPr>
           <a:xfrm flipH="1" flipV="1">
-            <a:off x="3973606" y="3542187"/>
+            <a:off x="4022153" y="2698430"/>
             <a:ext cx="1563527" cy="6758"/>
           </a:xfrm>
           <a:prstGeom prst="line">
@@ -12198,7 +12198,796 @@
         </p:nvSpPr>
         <p:spPr>
           <a:xfrm>
-            <a:off x="889730" y="2601586"/>
+            <a:off x="1682090" y="2034625"/>
+            <a:ext cx="1653394" cy="1624930"/>
+          </a:xfrm>
+          <a:prstGeom prst="ellipse">
+            <a:avLst/>
+          </a:prstGeom>
+          <a:ln/>
+        </p:spPr>
+        <p:style>
+          <a:lnRef idx="1">
+            <a:schemeClr val="accent5"/>
+          </a:lnRef>
+          <a:fillRef idx="2">
+            <a:schemeClr val="accent5"/>
+          </a:fillRef>
+          <a:effectRef idx="1">
+            <a:schemeClr val="accent5"/>
+          </a:effectRef>
+          <a:fontRef idx="minor">
+            <a:schemeClr val="dk1"/>
+          </a:fontRef>
+        </p:style>
+        <p:txBody>
+          <a:bodyPr rtlCol="0" anchor="ctr"/>
+          <a:lstStyle/>
+          <a:p>
+            <a:pPr algn="ctr"/>
+            <a:r>
+              <a:rPr lang="en-GB" sz="1200" dirty="0"/>
+              <a:t> </a:t>
+            </a:r>
+          </a:p>
+        </p:txBody>
+      </p:sp>
+      <p:sp>
+        <p:nvSpPr>
+          <p:cNvPr id="49" name="CasellaDiTesto 48">
+            <a:extLst>
+              <a:ext uri="{FF2B5EF4-FFF2-40B4-BE49-F238E27FC236}">
+                <a16:creationId xmlns:a16="http://schemas.microsoft.com/office/drawing/2014/main" id="{1D919158-8AF3-4884-8D79-892E3031B146}"/>
+              </a:ext>
+            </a:extLst>
+          </p:cNvPr>
+          <p:cNvSpPr txBox="1"/>
+          <p:nvPr/>
+        </p:nvSpPr>
+        <p:spPr>
+          <a:xfrm>
+            <a:off x="1727227" y="3565381"/>
+            <a:ext cx="1608257" cy="369332"/>
+          </a:xfrm>
+          <a:prstGeom prst="rect">
+            <a:avLst/>
+          </a:prstGeom>
+          <a:noFill/>
+        </p:spPr>
+        <p:txBody>
+          <a:bodyPr wrap="square">
+            <a:spAutoFit/>
+          </a:bodyPr>
+          <a:lstStyle/>
+          <a:p>
+            <a:r>
+              <a:rPr lang="en-GB" dirty="0" err="1">
+                <a:solidFill>
+                  <a:schemeClr val="tx1"/>
+                </a:solidFill>
+              </a:rPr>
+              <a:t>boundaryWalk</a:t>
+            </a:r>
+            <a:endParaRPr lang="it-IT" dirty="0"/>
+          </a:p>
+        </p:txBody>
+      </p:sp>
+      <p:sp>
+        <p:nvSpPr>
+          <p:cNvPr id="52" name="TextBox 24">
+            <a:extLst>
+              <a:ext uri="{FF2B5EF4-FFF2-40B4-BE49-F238E27FC236}">
+                <a16:creationId xmlns:a16="http://schemas.microsoft.com/office/drawing/2014/main" id="{80374572-D720-4FC2-9780-F6C5F87EDBD9}"/>
+              </a:ext>
+            </a:extLst>
+          </p:cNvPr>
+          <p:cNvSpPr txBox="1"/>
+          <p:nvPr/>
+        </p:nvSpPr>
+        <p:spPr>
+          <a:xfrm>
+            <a:off x="3434857" y="3287755"/>
+            <a:ext cx="2663358" cy="369332"/>
+          </a:xfrm>
+          <a:prstGeom prst="rect">
+            <a:avLst/>
+          </a:prstGeom>
+          <a:noFill/>
+        </p:spPr>
+        <p:txBody>
+          <a:bodyPr wrap="none" rtlCol="0">
+            <a:spAutoFit/>
+          </a:bodyPr>
+          <a:lstStyle/>
+          <a:p>
+            <a:pPr algn="ctr"/>
+            <a:r>
+              <a:rPr lang="en-US" dirty="0"/>
+              <a:t>Request – Reply (dispatch)</a:t>
+            </a:r>
+          </a:p>
+        </p:txBody>
+      </p:sp>
+      <p:grpSp>
+        <p:nvGrpSpPr>
+          <p:cNvPr id="53" name="Gruppo 6">
+            <a:extLst>
+              <a:ext uri="{FF2B5EF4-FFF2-40B4-BE49-F238E27FC236}">
+                <a16:creationId xmlns:a16="http://schemas.microsoft.com/office/drawing/2014/main" id="{6C718E58-C99D-4D55-83BD-2E86DA8E85CA}"/>
+              </a:ext>
+            </a:extLst>
+          </p:cNvPr>
+          <p:cNvGrpSpPr/>
+          <p:nvPr/>
+        </p:nvGrpSpPr>
+        <p:grpSpPr>
+          <a:xfrm>
+            <a:off x="5734398" y="4497626"/>
+            <a:ext cx="1248110" cy="1213095"/>
+            <a:chOff x="565700" y="4940367"/>
+            <a:chExt cx="805955" cy="772447"/>
+          </a:xfrm>
+        </p:grpSpPr>
+        <p:sp>
+          <p:nvSpPr>
+            <p:cNvPr id="54" name="Ovale 31">
+              <a:extLst>
+                <a:ext uri="{FF2B5EF4-FFF2-40B4-BE49-F238E27FC236}">
+                  <a16:creationId xmlns:a16="http://schemas.microsoft.com/office/drawing/2014/main" id="{FDB9863F-4511-4694-B9C7-5DDDCA41E2DA}"/>
+                </a:ext>
+              </a:extLst>
+            </p:cNvPr>
+            <p:cNvSpPr/>
+            <p:nvPr/>
+          </p:nvSpPr>
+          <p:spPr>
+            <a:xfrm>
+              <a:off x="565700" y="4983583"/>
+              <a:ext cx="805955" cy="729231"/>
+            </a:xfrm>
+            <a:prstGeom prst="ellipse">
+              <a:avLst/>
+            </a:prstGeom>
+            <a:ln/>
+          </p:spPr>
+          <p:style>
+            <a:lnRef idx="1">
+              <a:schemeClr val="accent4"/>
+            </a:lnRef>
+            <a:fillRef idx="2">
+              <a:schemeClr val="accent4"/>
+            </a:fillRef>
+            <a:effectRef idx="1">
+              <a:schemeClr val="accent4"/>
+            </a:effectRef>
+            <a:fontRef idx="minor">
+              <a:schemeClr val="dk1"/>
+            </a:fontRef>
+          </p:style>
+          <p:txBody>
+            <a:bodyPr rtlCol="0" anchor="ctr"/>
+            <a:lstStyle/>
+            <a:p>
+              <a:pPr algn="ctr"/>
+              <a:r>
+                <a:rPr lang="en-GB" sz="1200" dirty="0"/>
+                <a:t> </a:t>
+              </a:r>
+            </a:p>
+          </p:txBody>
+        </p:sp>
+        <p:sp>
+          <p:nvSpPr>
+            <p:cNvPr id="55" name="Triangolo isoscele 34">
+              <a:extLst>
+                <a:ext uri="{FF2B5EF4-FFF2-40B4-BE49-F238E27FC236}">
+                  <a16:creationId xmlns:a16="http://schemas.microsoft.com/office/drawing/2014/main" id="{E790EFF3-9763-4284-ACE3-9A3AE8281C32}"/>
+                </a:ext>
+              </a:extLst>
+            </p:cNvPr>
+            <p:cNvSpPr/>
+            <p:nvPr/>
+          </p:nvSpPr>
+          <p:spPr>
+            <a:xfrm rot="16200000">
+              <a:off x="905299" y="4913952"/>
+              <a:ext cx="86434" cy="139263"/>
+            </a:xfrm>
+            <a:prstGeom prst="triangle">
+              <a:avLst/>
+            </a:prstGeom>
+            <a:solidFill>
+              <a:srgbClr val="C00000"/>
+            </a:solidFill>
+            <a:ln/>
+          </p:spPr>
+          <p:style>
+            <a:lnRef idx="1">
+              <a:schemeClr val="accent5"/>
+            </a:lnRef>
+            <a:fillRef idx="2">
+              <a:schemeClr val="accent5"/>
+            </a:fillRef>
+            <a:effectRef idx="1">
+              <a:schemeClr val="accent5"/>
+            </a:effectRef>
+            <a:fontRef idx="minor">
+              <a:schemeClr val="dk1"/>
+            </a:fontRef>
+          </p:style>
+          <p:txBody>
+            <a:bodyPr rtlCol="0" anchor="ctr"/>
+            <a:lstStyle/>
+            <a:p>
+              <a:pPr algn="ctr"/>
+              <a:endParaRPr lang="en-GB" sz="1200">
+                <a:solidFill>
+                  <a:schemeClr val="dk1"/>
+                </a:solidFill>
+              </a:endParaRPr>
+            </a:p>
+          </p:txBody>
+        </p:sp>
+      </p:grpSp>
+      <p:sp>
+        <p:nvSpPr>
+          <p:cNvPr id="56" name="Rectangle 4">
+            <a:extLst>
+              <a:ext uri="{FF2B5EF4-FFF2-40B4-BE49-F238E27FC236}">
+                <a16:creationId xmlns:a16="http://schemas.microsoft.com/office/drawing/2014/main" id="{06FFFBD0-816A-41BD-867B-6E0F8C08C855}"/>
+              </a:ext>
+            </a:extLst>
+          </p:cNvPr>
+          <p:cNvSpPr/>
+          <p:nvPr/>
+        </p:nvSpPr>
+        <p:spPr>
+          <a:xfrm>
+            <a:off x="5851014" y="5523826"/>
+            <a:ext cx="710596" cy="198515"/>
+          </a:xfrm>
+          <a:prstGeom prst="rect">
+            <a:avLst/>
+          </a:prstGeom>
+          <a:solidFill>
+            <a:srgbClr val="CCFFFF"/>
+          </a:solidFill>
+          <a:ln>
+            <a:solidFill>
+              <a:schemeClr val="tx1"/>
+            </a:solidFill>
+          </a:ln>
+        </p:spPr>
+        <p:style>
+          <a:lnRef idx="2">
+            <a:schemeClr val="accent1">
+              <a:shade val="50%"/>
+            </a:schemeClr>
+          </a:lnRef>
+          <a:fillRef idx="1">
+            <a:schemeClr val="accent1"/>
+          </a:fillRef>
+          <a:effectRef idx="0">
+            <a:schemeClr val="accent1"/>
+          </a:effectRef>
+          <a:fontRef idx="minor">
+            <a:schemeClr val="lt1"/>
+          </a:fontRef>
+        </p:style>
+        <p:txBody>
+          <a:bodyPr rtlCol="0" anchor="ctr"/>
+          <a:lstStyle/>
+          <a:p>
+            <a:pPr algn="ctr"/>
+            <a:r>
+              <a:rPr lang="en-US" sz="1200" dirty="0">
+                <a:solidFill>
+                  <a:schemeClr val="tx1"/>
+                </a:solidFill>
+              </a:rPr>
+              <a:t>8090</a:t>
+            </a:r>
+          </a:p>
+        </p:txBody>
+      </p:sp>
+      <p:sp>
+        <p:nvSpPr>
+          <p:cNvPr id="57" name="Rectangle 5">
+            <a:extLst>
+              <a:ext uri="{FF2B5EF4-FFF2-40B4-BE49-F238E27FC236}">
+                <a16:creationId xmlns:a16="http://schemas.microsoft.com/office/drawing/2014/main" id="{98E04E9A-D727-4D88-B44F-D253C816E4CD}"/>
+              </a:ext>
+            </a:extLst>
+          </p:cNvPr>
+          <p:cNvSpPr/>
+          <p:nvPr/>
+        </p:nvSpPr>
+        <p:spPr>
+          <a:xfrm>
+            <a:off x="5860280" y="5893835"/>
+            <a:ext cx="710596" cy="198515"/>
+          </a:xfrm>
+          <a:prstGeom prst="rect">
+            <a:avLst/>
+          </a:prstGeom>
+          <a:solidFill>
+            <a:srgbClr val="CCFFFF"/>
+          </a:solidFill>
+          <a:ln>
+            <a:solidFill>
+              <a:schemeClr val="tx1"/>
+            </a:solidFill>
+          </a:ln>
+        </p:spPr>
+        <p:style>
+          <a:lnRef idx="2">
+            <a:schemeClr val="accent1">
+              <a:shade val="50%"/>
+            </a:schemeClr>
+          </a:lnRef>
+          <a:fillRef idx="1">
+            <a:schemeClr val="accent1"/>
+          </a:fillRef>
+          <a:effectRef idx="0">
+            <a:schemeClr val="accent1"/>
+          </a:effectRef>
+          <a:fontRef idx="minor">
+            <a:schemeClr val="lt1"/>
+          </a:fontRef>
+        </p:style>
+        <p:txBody>
+          <a:bodyPr rtlCol="0" anchor="ctr"/>
+          <a:lstStyle/>
+          <a:p>
+            <a:pPr algn="ctr"/>
+            <a:r>
+              <a:rPr lang="en-US" sz="1200" dirty="0">
+                <a:solidFill>
+                  <a:schemeClr val="tx1"/>
+                </a:solidFill>
+              </a:rPr>
+              <a:t>8091</a:t>
+            </a:r>
+          </a:p>
+        </p:txBody>
+      </p:sp>
+      <p:sp>
+        <p:nvSpPr>
+          <p:cNvPr id="58" name="TextBox 11">
+            <a:extLst>
+              <a:ext uri="{FF2B5EF4-FFF2-40B4-BE49-F238E27FC236}">
+                <a16:creationId xmlns:a16="http://schemas.microsoft.com/office/drawing/2014/main" id="{F3ACB199-D8DE-4C40-A47B-6E8677602221}"/>
+              </a:ext>
+            </a:extLst>
+          </p:cNvPr>
+          <p:cNvSpPr txBox="1"/>
+          <p:nvPr/>
+        </p:nvSpPr>
+        <p:spPr>
+          <a:xfrm>
+            <a:off x="3643280" y="5655895"/>
+            <a:ext cx="1480405" cy="276999"/>
+          </a:xfrm>
+          <a:prstGeom prst="rect">
+            <a:avLst/>
+          </a:prstGeom>
+          <a:noFill/>
+        </p:spPr>
+        <p:txBody>
+          <a:bodyPr wrap="none" rtlCol="0">
+            <a:spAutoFit/>
+          </a:bodyPr>
+          <a:lstStyle/>
+          <a:p>
+            <a:pPr algn="ctr"/>
+            <a:r>
+              <a:rPr lang="en-US" sz="1200" dirty="0"/>
+              <a:t>HTTP POST (request)</a:t>
+            </a:r>
+          </a:p>
+        </p:txBody>
+      </p:sp>
+      <p:grpSp>
+        <p:nvGrpSpPr>
+          <p:cNvPr id="59" name="Gruppo 7">
+            <a:extLst>
+              <a:ext uri="{FF2B5EF4-FFF2-40B4-BE49-F238E27FC236}">
+                <a16:creationId xmlns:a16="http://schemas.microsoft.com/office/drawing/2014/main" id="{F390749E-2FE1-489A-BD6A-AABEA4BB795A}"/>
+              </a:ext>
+            </a:extLst>
+          </p:cNvPr>
+          <p:cNvGrpSpPr/>
+          <p:nvPr/>
+        </p:nvGrpSpPr>
+        <p:grpSpPr>
+          <a:xfrm>
+            <a:off x="4725918" y="5645648"/>
+            <a:ext cx="787334" cy="86434"/>
+            <a:chOff x="3452446" y="4176616"/>
+            <a:chExt cx="787334" cy="86434"/>
+          </a:xfrm>
+        </p:grpSpPr>
+        <p:sp>
+          <p:nvSpPr>
+            <p:cNvPr id="60" name="Triangolo isoscele 55">
+              <a:extLst>
+                <a:ext uri="{FF2B5EF4-FFF2-40B4-BE49-F238E27FC236}">
+                  <a16:creationId xmlns:a16="http://schemas.microsoft.com/office/drawing/2014/main" id="{BD258ADE-B135-4990-9C58-2CD6269E37E6}"/>
+                </a:ext>
+              </a:extLst>
+            </p:cNvPr>
+            <p:cNvSpPr/>
+            <p:nvPr/>
+          </p:nvSpPr>
+          <p:spPr>
+            <a:xfrm rot="5400000" flipH="1">
+              <a:off x="4126932" y="4150201"/>
+              <a:ext cx="86434" cy="139263"/>
+            </a:xfrm>
+            <a:prstGeom prst="triangle">
+              <a:avLst/>
+            </a:prstGeom>
+            <a:ln w="28575">
+              <a:headEnd type="none" w="med" len="med"/>
+              <a:tailEnd type="none" w="med" len="med"/>
+            </a:ln>
+          </p:spPr>
+          <p:style>
+            <a:lnRef idx="1">
+              <a:schemeClr val="accent1"/>
+            </a:lnRef>
+            <a:fillRef idx="0">
+              <a:schemeClr val="accent1"/>
+            </a:fillRef>
+            <a:effectRef idx="0">
+              <a:schemeClr val="accent1"/>
+            </a:effectRef>
+            <a:fontRef idx="minor">
+              <a:schemeClr val="tx1"/>
+            </a:fontRef>
+          </p:style>
+          <p:txBody>
+            <a:bodyPr rtlCol="0" anchor="ctr"/>
+            <a:lstStyle/>
+            <a:p>
+              <a:pPr algn="ctr"/>
+              <a:endParaRPr lang="en-GB" sz="1200"/>
+            </a:p>
+          </p:txBody>
+        </p:sp>
+        <p:cxnSp>
+          <p:nvCxnSpPr>
+            <p:cNvPr id="61" name="Connettore 1 56">
+              <a:extLst>
+                <a:ext uri="{FF2B5EF4-FFF2-40B4-BE49-F238E27FC236}">
+                  <a16:creationId xmlns:a16="http://schemas.microsoft.com/office/drawing/2014/main" id="{73DE4B0C-1FC9-418A-9680-169E9E02705E}"/>
+                </a:ext>
+              </a:extLst>
+            </p:cNvPr>
+            <p:cNvCxnSpPr>
+              <a:endCxn id="60" idx="3"/>
+            </p:cNvCxnSpPr>
+            <p:nvPr/>
+          </p:nvCxnSpPr>
+          <p:spPr>
+            <a:xfrm>
+              <a:off x="3452446" y="4219627"/>
+              <a:ext cx="648072" cy="206"/>
+            </a:xfrm>
+            <a:prstGeom prst="line">
+              <a:avLst/>
+            </a:prstGeom>
+            <a:ln w="28575">
+              <a:headEnd type="none" w="med" len="med"/>
+              <a:tailEnd type="none" w="med" len="med"/>
+            </a:ln>
+          </p:spPr>
+          <p:style>
+            <a:lnRef idx="1">
+              <a:schemeClr val="accent1"/>
+            </a:lnRef>
+            <a:fillRef idx="0">
+              <a:schemeClr val="accent1"/>
+            </a:fillRef>
+            <a:effectRef idx="0">
+              <a:schemeClr val="accent1"/>
+            </a:effectRef>
+            <a:fontRef idx="minor">
+              <a:schemeClr val="tx1"/>
+            </a:fontRef>
+          </p:style>
+        </p:cxnSp>
+      </p:grpSp>
+      <p:cxnSp>
+        <p:nvCxnSpPr>
+          <p:cNvPr id="62" name="Straight Connector 16">
+            <a:extLst>
+              <a:ext uri="{FF2B5EF4-FFF2-40B4-BE49-F238E27FC236}">
+                <a16:creationId xmlns:a16="http://schemas.microsoft.com/office/drawing/2014/main" id="{BD40DF20-006D-4746-923E-0CAA434DC059}"/>
+              </a:ext>
+            </a:extLst>
+          </p:cNvPr>
+          <p:cNvCxnSpPr>
+            <a:cxnSpLocks/>
+          </p:cNvCxnSpPr>
+          <p:nvPr/>
+        </p:nvCxnSpPr>
+        <p:spPr>
+          <a:xfrm flipH="1" flipV="1">
+            <a:off x="3276150" y="5688659"/>
+            <a:ext cx="1563527" cy="6758"/>
+          </a:xfrm>
+          <a:prstGeom prst="line">
+            <a:avLst/>
+          </a:prstGeom>
+          <a:ln w="28575">
+            <a:headEnd type="none" w="med" len="med"/>
+            <a:tailEnd type="none" w="med" len="med"/>
+          </a:ln>
+        </p:spPr>
+        <p:style>
+          <a:lnRef idx="1">
+            <a:schemeClr val="accent1"/>
+          </a:lnRef>
+          <a:fillRef idx="0">
+            <a:schemeClr val="accent1"/>
+          </a:fillRef>
+          <a:effectRef idx="0">
+            <a:schemeClr val="accent1"/>
+          </a:effectRef>
+          <a:fontRef idx="minor">
+            <a:schemeClr val="tx1"/>
+          </a:fontRef>
+        </p:style>
+      </p:cxnSp>
+      <p:cxnSp>
+        <p:nvCxnSpPr>
+          <p:cNvPr id="63" name="Connettore 2 52">
+            <a:extLst>
+              <a:ext uri="{FF2B5EF4-FFF2-40B4-BE49-F238E27FC236}">
+                <a16:creationId xmlns:a16="http://schemas.microsoft.com/office/drawing/2014/main" id="{C92F2016-855B-41ED-8732-2DEE7A208EF7}"/>
+              </a:ext>
+            </a:extLst>
+          </p:cNvPr>
+          <p:cNvCxnSpPr>
+            <a:cxnSpLocks/>
+          </p:cNvCxnSpPr>
+          <p:nvPr/>
+        </p:nvCxnSpPr>
+        <p:spPr>
+          <a:xfrm>
+            <a:off x="2906221" y="6018133"/>
+            <a:ext cx="2848851" cy="34511"/>
+          </a:xfrm>
+          <a:prstGeom prst="straightConnector1">
+            <a:avLst/>
+          </a:prstGeom>
+          <a:ln w="28575">
+            <a:solidFill>
+              <a:srgbClr val="C00000"/>
+            </a:solidFill>
+            <a:prstDash val="solid"/>
+            <a:headEnd type="triangle" w="med" len="med"/>
+            <a:tailEnd type="triangle" w="med" len="med"/>
+          </a:ln>
+        </p:spPr>
+        <p:style>
+          <a:lnRef idx="1">
+            <a:schemeClr val="accent1"/>
+          </a:lnRef>
+          <a:fillRef idx="0">
+            <a:schemeClr val="accent1"/>
+          </a:fillRef>
+          <a:effectRef idx="0">
+            <a:schemeClr val="accent1"/>
+          </a:effectRef>
+          <a:fontRef idx="minor">
+            <a:schemeClr val="tx1"/>
+          </a:fontRef>
+        </p:style>
+      </p:cxnSp>
+      <p:sp>
+        <p:nvSpPr>
+          <p:cNvPr id="65" name="TextBox 29">
+            <a:extLst>
+              <a:ext uri="{FF2B5EF4-FFF2-40B4-BE49-F238E27FC236}">
+                <a16:creationId xmlns:a16="http://schemas.microsoft.com/office/drawing/2014/main" id="{A6659FE6-98D7-49C8-AE88-94806461A15D}"/>
+              </a:ext>
+            </a:extLst>
+          </p:cNvPr>
+          <p:cNvSpPr txBox="1"/>
+          <p:nvPr/>
+        </p:nvSpPr>
+        <p:spPr>
+          <a:xfrm flipH="1">
+            <a:off x="6083287" y="4915739"/>
+            <a:ext cx="1312854" cy="369332"/>
+          </a:xfrm>
+          <a:prstGeom prst="rect">
+            <a:avLst/>
+          </a:prstGeom>
+          <a:noFill/>
+        </p:spPr>
+        <p:txBody>
+          <a:bodyPr wrap="square" rtlCol="0">
+            <a:spAutoFit/>
+          </a:bodyPr>
+          <a:lstStyle/>
+          <a:p>
+            <a:r>
+              <a:rPr lang="en-US" dirty="0" err="1"/>
+              <a:t>WEnv</a:t>
+            </a:r>
+            <a:endParaRPr lang="en-US" dirty="0"/>
+          </a:p>
+        </p:txBody>
+      </p:sp>
+      <p:grpSp>
+        <p:nvGrpSpPr>
+          <p:cNvPr id="66" name="Gruppo 48">
+            <a:extLst>
+              <a:ext uri="{FF2B5EF4-FFF2-40B4-BE49-F238E27FC236}">
+                <a16:creationId xmlns:a16="http://schemas.microsoft.com/office/drawing/2014/main" id="{0B4CC4D3-C370-431F-85A6-3956A9525107}"/>
+              </a:ext>
+            </a:extLst>
+          </p:cNvPr>
+          <p:cNvGrpSpPr/>
+          <p:nvPr/>
+        </p:nvGrpSpPr>
+        <p:grpSpPr>
+          <a:xfrm>
+            <a:off x="3321934" y="5822393"/>
+            <a:ext cx="914400" cy="128062"/>
+            <a:chOff x="4592177" y="4419530"/>
+            <a:chExt cx="666895" cy="86434"/>
+          </a:xfrm>
+        </p:grpSpPr>
+        <p:cxnSp>
+          <p:nvCxnSpPr>
+            <p:cNvPr id="67" name="Connettore 1 49">
+              <a:extLst>
+                <a:ext uri="{FF2B5EF4-FFF2-40B4-BE49-F238E27FC236}">
+                  <a16:creationId xmlns:a16="http://schemas.microsoft.com/office/drawing/2014/main" id="{B1DF645D-DEF0-4908-A0E9-60B9268A177A}"/>
+                </a:ext>
+              </a:extLst>
+            </p:cNvPr>
+            <p:cNvCxnSpPr/>
+            <p:nvPr/>
+          </p:nvCxnSpPr>
+          <p:spPr>
+            <a:xfrm>
+              <a:off x="4611000" y="4462747"/>
+              <a:ext cx="648072" cy="0"/>
+            </a:xfrm>
+            <a:prstGeom prst="line">
+              <a:avLst/>
+            </a:prstGeom>
+            <a:ln w="28575">
+              <a:headEnd type="none" w="med" len="med"/>
+              <a:tailEnd type="none" w="med" len="med"/>
+            </a:ln>
+          </p:spPr>
+          <p:style>
+            <a:lnRef idx="1">
+              <a:schemeClr val="accent1"/>
+            </a:lnRef>
+            <a:fillRef idx="0">
+              <a:schemeClr val="accent1"/>
+            </a:fillRef>
+            <a:effectRef idx="0">
+              <a:schemeClr val="accent1"/>
+            </a:effectRef>
+            <a:fontRef idx="minor">
+              <a:schemeClr val="tx1"/>
+            </a:fontRef>
+          </p:style>
+        </p:cxnSp>
+        <p:sp>
+          <p:nvSpPr>
+            <p:cNvPr id="68" name="Triangolo isoscele 50">
+              <a:extLst>
+                <a:ext uri="{FF2B5EF4-FFF2-40B4-BE49-F238E27FC236}">
+                  <a16:creationId xmlns:a16="http://schemas.microsoft.com/office/drawing/2014/main" id="{CC6CB39F-7E38-4702-B445-D5048B38948F}"/>
+                </a:ext>
+              </a:extLst>
+            </p:cNvPr>
+            <p:cNvSpPr/>
+            <p:nvPr/>
+          </p:nvSpPr>
+          <p:spPr>
+            <a:xfrm rot="16200000">
+              <a:off x="4618592" y="4393115"/>
+              <a:ext cx="86434" cy="139263"/>
+            </a:xfrm>
+            <a:prstGeom prst="triangle">
+              <a:avLst/>
+            </a:prstGeom>
+            <a:ln w="28575">
+              <a:headEnd type="none" w="med" len="med"/>
+              <a:tailEnd type="none" w="med" len="med"/>
+            </a:ln>
+          </p:spPr>
+          <p:style>
+            <a:lnRef idx="1">
+              <a:schemeClr val="accent1"/>
+            </a:lnRef>
+            <a:fillRef idx="0">
+              <a:schemeClr val="accent1"/>
+            </a:fillRef>
+            <a:effectRef idx="0">
+              <a:schemeClr val="accent1"/>
+            </a:effectRef>
+            <a:fontRef idx="minor">
+              <a:schemeClr val="tx1"/>
+            </a:fontRef>
+          </p:style>
+          <p:txBody>
+            <a:bodyPr rtlCol="0" anchor="ctr"/>
+            <a:lstStyle/>
+            <a:p>
+              <a:pPr algn="ctr"/>
+              <a:endParaRPr lang="en-GB" sz="1200"/>
+            </a:p>
+          </p:txBody>
+        </p:sp>
+      </p:grpSp>
+      <p:cxnSp>
+        <p:nvCxnSpPr>
+          <p:cNvPr id="69" name="Straight Connector 39">
+            <a:extLst>
+              <a:ext uri="{FF2B5EF4-FFF2-40B4-BE49-F238E27FC236}">
+                <a16:creationId xmlns:a16="http://schemas.microsoft.com/office/drawing/2014/main" id="{8661C336-5C83-43A3-A670-1DC68B6113FE}"/>
+              </a:ext>
+            </a:extLst>
+          </p:cNvPr>
+          <p:cNvCxnSpPr>
+            <a:cxnSpLocks/>
+          </p:cNvCxnSpPr>
+          <p:nvPr/>
+        </p:nvCxnSpPr>
+        <p:spPr>
+          <a:xfrm flipH="1" flipV="1">
+            <a:off x="3904818" y="5886424"/>
+            <a:ext cx="1563527" cy="6758"/>
+          </a:xfrm>
+          <a:prstGeom prst="line">
+            <a:avLst/>
+          </a:prstGeom>
+          <a:ln w="28575">
+            <a:headEnd type="none" w="med" len="med"/>
+            <a:tailEnd type="none" w="med" len="med"/>
+          </a:ln>
+        </p:spPr>
+        <p:style>
+          <a:lnRef idx="1">
+            <a:schemeClr val="accent1"/>
+          </a:lnRef>
+          <a:fillRef idx="0">
+            <a:schemeClr val="accent1"/>
+          </a:fillRef>
+          <a:effectRef idx="0">
+            <a:schemeClr val="accent1"/>
+          </a:effectRef>
+          <a:fontRef idx="minor">
+            <a:schemeClr val="tx1"/>
+          </a:fontRef>
+        </p:style>
+      </p:cxnSp>
+      <p:sp>
+        <p:nvSpPr>
+          <p:cNvPr id="70" name="Ovale 43">
+            <a:extLst>
+              <a:ext uri="{FF2B5EF4-FFF2-40B4-BE49-F238E27FC236}">
+                <a16:creationId xmlns:a16="http://schemas.microsoft.com/office/drawing/2014/main" id="{5C31EC73-D322-4AC5-9C0C-E4F580ACF6F2}"/>
+              </a:ext>
+            </a:extLst>
+          </p:cNvPr>
+          <p:cNvSpPr/>
+          <p:nvPr/>
+        </p:nvSpPr>
+        <p:spPr>
+          <a:xfrm>
+            <a:off x="551275" y="4083573"/>
             <a:ext cx="2473396" cy="2341556"/>
           </a:xfrm>
           <a:prstGeom prst="ellipse">
@@ -12234,10 +13023,10 @@
       </p:sp>
       <p:cxnSp>
         <p:nvCxnSpPr>
-          <p:cNvPr id="48" name="Connettore 2 126">
-            <a:extLst>
-              <a:ext uri="{FF2B5EF4-FFF2-40B4-BE49-F238E27FC236}">
-                <a16:creationId xmlns:a16="http://schemas.microsoft.com/office/drawing/2014/main" id="{268C92D2-4037-4E3C-B268-2029A34A53A8}"/>
+          <p:cNvPr id="71" name="Connettore 2 126">
+            <a:extLst>
+              <a:ext uri="{FF2B5EF4-FFF2-40B4-BE49-F238E27FC236}">
+                <a16:creationId xmlns:a16="http://schemas.microsoft.com/office/drawing/2014/main" id="{FA86FB2F-D8ED-4F4C-B8D7-F3A4E1A4A552}"/>
               </a:ext>
             </a:extLst>
           </p:cNvPr>
@@ -12248,7 +13037,7 @@
         </p:nvCxnSpPr>
         <p:spPr>
           <a:xfrm flipH="1">
-            <a:off x="1119121" y="3125805"/>
+            <a:off x="780666" y="4607792"/>
             <a:ext cx="2607" cy="1273345"/>
           </a:xfrm>
           <a:prstGeom prst="straightConnector1">
@@ -12278,10 +13067,10 @@
       </p:cxnSp>
       <p:sp>
         <p:nvSpPr>
-          <p:cNvPr id="49" name="CasellaDiTesto 48">
-            <a:extLst>
-              <a:ext uri="{FF2B5EF4-FFF2-40B4-BE49-F238E27FC236}">
-                <a16:creationId xmlns:a16="http://schemas.microsoft.com/office/drawing/2014/main" id="{1D919158-8AF3-4884-8D79-892E3031B146}"/>
+          <p:cNvPr id="72" name="CasellaDiTesto 71">
+            <a:extLst>
+              <a:ext uri="{FF2B5EF4-FFF2-40B4-BE49-F238E27FC236}">
+                <a16:creationId xmlns:a16="http://schemas.microsoft.com/office/drawing/2014/main" id="{3D4AC693-DB5F-4189-9F0B-8F933AF7E4A7}"/>
               </a:ext>
             </a:extLst>
           </p:cNvPr>
@@ -12290,7 +13079,7 @@
         </p:nvSpPr>
         <p:spPr>
           <a:xfrm>
-            <a:off x="1407315" y="4850378"/>
+            <a:off x="1068860" y="6332365"/>
             <a:ext cx="1608257" cy="369332"/>
           </a:xfrm>
           <a:prstGeom prst="rect">
@@ -12318,10 +13107,10 @@
       </p:sp>
       <p:sp>
         <p:nvSpPr>
-          <p:cNvPr id="11" name="Rettangolo con angoli arrotondati 10">
-            <a:extLst>
-              <a:ext uri="{FF2B5EF4-FFF2-40B4-BE49-F238E27FC236}">
-                <a16:creationId xmlns:a16="http://schemas.microsoft.com/office/drawing/2014/main" id="{4B523E88-999D-43D1-9E14-B63F5712904C}"/>
+          <p:cNvPr id="73" name="Rettangolo con angoli arrotondati 72">
+            <a:extLst>
+              <a:ext uri="{FF2B5EF4-FFF2-40B4-BE49-F238E27FC236}">
+                <a16:creationId xmlns:a16="http://schemas.microsoft.com/office/drawing/2014/main" id="{2D1F3BCA-CE1F-4717-B45E-822EBD50BE66}"/>
               </a:ext>
             </a:extLst>
           </p:cNvPr>
@@ -12330,8 +13119,8 @@
         </p:nvSpPr>
         <p:spPr>
           <a:xfrm>
-            <a:off x="1253299" y="3132636"/>
-            <a:ext cx="1859225" cy="401342"/>
+            <a:off x="889181" y="4407121"/>
+            <a:ext cx="1870261" cy="401342"/>
           </a:xfrm>
           <a:prstGeom prst="roundRect">
             <a:avLst/>
@@ -12377,10 +13166,10 @@
       </p:sp>
       <p:sp>
         <p:nvSpPr>
-          <p:cNvPr id="50" name="Rettangolo con angoli arrotondati 49">
-            <a:extLst>
-              <a:ext uri="{FF2B5EF4-FFF2-40B4-BE49-F238E27FC236}">
-                <a16:creationId xmlns:a16="http://schemas.microsoft.com/office/drawing/2014/main" id="{C423730D-3BC5-4935-94BA-7D34DB78826F}"/>
+          <p:cNvPr id="74" name="Rettangolo con angoli arrotondati 73">
+            <a:extLst>
+              <a:ext uri="{FF2B5EF4-FFF2-40B4-BE49-F238E27FC236}">
+                <a16:creationId xmlns:a16="http://schemas.microsoft.com/office/drawing/2014/main" id="{ECF13CB4-E5B7-4C9B-B629-825612FE906B}"/>
               </a:ext>
             </a:extLst>
           </p:cNvPr>
@@ -12389,8 +13178,8 @@
         </p:nvSpPr>
         <p:spPr>
           <a:xfrm>
-            <a:off x="1253299" y="3568932"/>
-            <a:ext cx="1859225" cy="387092"/>
+            <a:off x="889181" y="4994098"/>
+            <a:ext cx="1870261" cy="387092"/>
           </a:xfrm>
           <a:prstGeom prst="roundRect">
             <a:avLst/>
@@ -12444,10 +13233,10 @@
       </p:sp>
       <p:sp>
         <p:nvSpPr>
-          <p:cNvPr id="51" name="Rettangolo con angoli arrotondati 50">
-            <a:extLst>
-              <a:ext uri="{FF2B5EF4-FFF2-40B4-BE49-F238E27FC236}">
-                <a16:creationId xmlns:a16="http://schemas.microsoft.com/office/drawing/2014/main" id="{7F97C135-BB0F-44BC-9653-EFFC4E06DF22}"/>
+          <p:cNvPr id="75" name="Rettangolo con angoli arrotondati 74">
+            <a:extLst>
+              <a:ext uri="{FF2B5EF4-FFF2-40B4-BE49-F238E27FC236}">
+                <a16:creationId xmlns:a16="http://schemas.microsoft.com/office/drawing/2014/main" id="{E1D59D6E-3FD9-47D4-9669-7B81D723EA08}"/>
               </a:ext>
             </a:extLst>
           </p:cNvPr>
@@ -12456,8 +13245,8 @@
         </p:nvSpPr>
         <p:spPr>
           <a:xfrm>
-            <a:off x="1253299" y="4001385"/>
-            <a:ext cx="1859225" cy="388620"/>
+            <a:off x="889181" y="5631124"/>
+            <a:ext cx="1870261" cy="388620"/>
           </a:xfrm>
           <a:prstGeom prst="roundRect">
             <a:avLst/>
@@ -12511,10 +13300,10 @@
       </p:sp>
       <p:sp>
         <p:nvSpPr>
-          <p:cNvPr id="52" name="TextBox 24">
-            <a:extLst>
-              <a:ext uri="{FF2B5EF4-FFF2-40B4-BE49-F238E27FC236}">
-                <a16:creationId xmlns:a16="http://schemas.microsoft.com/office/drawing/2014/main" id="{80374572-D720-4FC2-9780-F6C5F87EDBD9}"/>
+          <p:cNvPr id="76" name="TextBox 24">
+            <a:extLst>
+              <a:ext uri="{FF2B5EF4-FFF2-40B4-BE49-F238E27FC236}">
+                <a16:creationId xmlns:a16="http://schemas.microsoft.com/office/drawing/2014/main" id="{2FE5FB2A-238E-4E16-B37D-ED9AD15CCACE}"/>
               </a:ext>
             </a:extLst>
           </p:cNvPr>
@@ -12523,8 +13312,8 @@
         </p:nvSpPr>
         <p:spPr>
           <a:xfrm>
-            <a:off x="3386310" y="4131512"/>
-            <a:ext cx="2663358" cy="369332"/>
+            <a:off x="3434857" y="6034735"/>
+            <a:ext cx="1831784" cy="276999"/>
           </a:xfrm>
           <a:prstGeom prst="rect">
             <a:avLst/>
@@ -12539,12 +13328,190 @@
           <a:p>
             <a:pPr algn="ctr"/>
             <a:r>
-              <a:rPr lang="en-US" dirty="0"/>
+              <a:rPr lang="en-US" sz="1200" dirty="0"/>
               <a:t>Request – Reply (dispatch)</a:t>
             </a:r>
           </a:p>
         </p:txBody>
       </p:sp>
+      <p:cxnSp>
+        <p:nvCxnSpPr>
+          <p:cNvPr id="77" name="Connettore 2 126">
+            <a:extLst>
+              <a:ext uri="{FF2B5EF4-FFF2-40B4-BE49-F238E27FC236}">
+                <a16:creationId xmlns:a16="http://schemas.microsoft.com/office/drawing/2014/main" id="{BCE9A07E-96C2-4611-88F2-054E35B3C2F6}"/>
+              </a:ext>
+            </a:extLst>
+          </p:cNvPr>
+          <p:cNvCxnSpPr>
+            <a:cxnSpLocks/>
+          </p:cNvCxnSpPr>
+          <p:nvPr/>
+        </p:nvCxnSpPr>
+        <p:spPr>
+          <a:xfrm flipH="1">
+            <a:off x="2497558" y="2205226"/>
+            <a:ext cx="2607" cy="1273345"/>
+          </a:xfrm>
+          <a:prstGeom prst="straightConnector1">
+            <a:avLst/>
+          </a:prstGeom>
+          <a:ln w="28575">
+            <a:solidFill>
+              <a:srgbClr val="C00000"/>
+            </a:solidFill>
+            <a:tailEnd type="arrow"/>
+          </a:ln>
+        </p:spPr>
+        <p:style>
+          <a:lnRef idx="1">
+            <a:schemeClr val="accent1"/>
+          </a:lnRef>
+          <a:fillRef idx="0">
+            <a:schemeClr val="accent1"/>
+          </a:fillRef>
+          <a:effectRef idx="0">
+            <a:schemeClr val="accent1"/>
+          </a:effectRef>
+          <a:fontRef idx="minor">
+            <a:schemeClr val="tx1"/>
+          </a:fontRef>
+        </p:style>
+      </p:cxnSp>
+      <p:grpSp>
+        <p:nvGrpSpPr>
+          <p:cNvPr id="78" name="Group 3">
+            <a:extLst>
+              <a:ext uri="{FF2B5EF4-FFF2-40B4-BE49-F238E27FC236}">
+                <a16:creationId xmlns:a16="http://schemas.microsoft.com/office/drawing/2014/main" id="{6454DFAB-BA18-4A6B-B126-EAA0E3A86DF3}"/>
+              </a:ext>
+            </a:extLst>
+          </p:cNvPr>
+          <p:cNvGrpSpPr/>
+          <p:nvPr/>
+        </p:nvGrpSpPr>
+        <p:grpSpPr>
+          <a:xfrm>
+            <a:off x="6818536" y="4835288"/>
+            <a:ext cx="1265181" cy="987103"/>
+            <a:chOff x="4196932" y="2026799"/>
+            <a:chExt cx="3798137" cy="2804403"/>
+          </a:xfrm>
+        </p:grpSpPr>
+        <p:pic>
+          <p:nvPicPr>
+            <p:cNvPr id="79" name="Immagine 78">
+              <a:extLst>
+                <a:ext uri="{FF2B5EF4-FFF2-40B4-BE49-F238E27FC236}">
+                  <a16:creationId xmlns:a16="http://schemas.microsoft.com/office/drawing/2014/main" id="{705A0E88-9A18-41A7-BE91-A1A6048F771E}"/>
+                </a:ext>
+              </a:extLst>
+            </p:cNvPr>
+            <p:cNvPicPr>
+              <a:picLocks noChangeAspect="1"/>
+            </p:cNvPicPr>
+            <p:nvPr/>
+          </p:nvPicPr>
+          <p:blipFill>
+            <a:blip r:embed="rId2">
+              <a:extLst>
+                <a:ext uri="{28A0092B-C50C-407E-A947-70E740481C1C}">
+                  <a14:useLocalDpi xmlns:a14="http://schemas.microsoft.com/office/drawing/2010/main" val="0"/>
+                </a:ext>
+              </a:extLst>
+            </a:blip>
+            <a:stretch>
+              <a:fillRect/>
+            </a:stretch>
+          </p:blipFill>
+          <p:spPr>
+            <a:xfrm>
+              <a:off x="4196932" y="2026799"/>
+              <a:ext cx="3798137" cy="2804403"/>
+            </a:xfrm>
+            <a:prstGeom prst="rect">
+              <a:avLst/>
+            </a:prstGeom>
+          </p:spPr>
+        </p:pic>
+        <p:pic>
+          <p:nvPicPr>
+            <p:cNvPr id="80" name="Immagine 79" descr="Immagine che contiene testo, dilegno&#10;&#10;Descrizione generata automaticamente">
+              <a:extLst>
+                <a:ext uri="{FF2B5EF4-FFF2-40B4-BE49-F238E27FC236}">
+                  <a16:creationId xmlns:a16="http://schemas.microsoft.com/office/drawing/2014/main" id="{6E89F920-D9F2-47F2-A8DE-F2126D0DF791}"/>
+                </a:ext>
+              </a:extLst>
+            </p:cNvPr>
+            <p:cNvPicPr>
+              <a:picLocks noChangeAspect="1"/>
+            </p:cNvPicPr>
+            <p:nvPr/>
+          </p:nvPicPr>
+          <p:blipFill>
+            <a:blip r:embed="rId3" cstate="print">
+              <a:extLst>
+                <a:ext uri="{28A0092B-C50C-407E-A947-70E740481C1C}">
+                  <a14:useLocalDpi xmlns:a14="http://schemas.microsoft.com/office/drawing/2010/main" val="0"/>
+                </a:ext>
+              </a:extLst>
+            </a:blip>
+            <a:stretch>
+              <a:fillRect/>
+            </a:stretch>
+          </p:blipFill>
+          <p:spPr>
+            <a:xfrm>
+              <a:off x="4196932" y="2348881"/>
+              <a:ext cx="602925" cy="602925"/>
+            </a:xfrm>
+            <a:prstGeom prst="rect">
+              <a:avLst/>
+            </a:prstGeom>
+          </p:spPr>
+        </p:pic>
+      </p:grpSp>
+      <p:cxnSp>
+        <p:nvCxnSpPr>
+          <p:cNvPr id="9" name="Connettore diritto 8">
+            <a:extLst>
+              <a:ext uri="{FF2B5EF4-FFF2-40B4-BE49-F238E27FC236}">
+                <a16:creationId xmlns:a16="http://schemas.microsoft.com/office/drawing/2014/main" id="{D943A444-7D05-4BE6-A971-33232E577DA2}"/>
+              </a:ext>
+            </a:extLst>
+          </p:cNvPr>
+          <p:cNvCxnSpPr>
+            <a:cxnSpLocks/>
+          </p:cNvCxnSpPr>
+          <p:nvPr/>
+        </p:nvCxnSpPr>
+        <p:spPr>
+          <a:xfrm>
+            <a:off x="903526" y="5442247"/>
+            <a:ext cx="5547385" cy="24786"/>
+          </a:xfrm>
+          <a:prstGeom prst="line">
+            <a:avLst/>
+          </a:prstGeom>
+          <a:ln>
+            <a:prstDash val="lgDashDot"/>
+          </a:ln>
+        </p:spPr>
+        <p:style>
+          <a:lnRef idx="1">
+            <a:schemeClr val="accent1"/>
+          </a:lnRef>
+          <a:fillRef idx="0">
+            <a:schemeClr val="accent1"/>
+          </a:fillRef>
+          <a:effectRef idx="0">
+            <a:schemeClr val="accent1"/>
+          </a:effectRef>
+          <a:fontRef idx="minor">
+            <a:schemeClr val="tx1"/>
+          </a:fontRef>
+        </p:style>
+      </p:cxnSp>
     </p:spTree>
     <p:extLst>
       <p:ext uri="{BB962C8B-B14F-4D97-AF65-F5344CB8AC3E}">

--- a/it.unibo.issLabStart/userDocs/BoundaryProblem.pptx
+++ b/it.unibo.issLabStart/userDocs/BoundaryProblem.pptx
@@ -8,10 +8,11 @@
     <p:sldId id="359" r:id="rId2"/>
     <p:sldId id="268" r:id="rId3"/>
     <p:sldId id="269" r:id="rId4"/>
-    <p:sldId id="262" r:id="rId5"/>
-    <p:sldId id="263" r:id="rId6"/>
-    <p:sldId id="265" r:id="rId7"/>
-    <p:sldId id="267" r:id="rId8"/>
+    <p:sldId id="360" r:id="rId5"/>
+    <p:sldId id="262" r:id="rId6"/>
+    <p:sldId id="263" r:id="rId7"/>
+    <p:sldId id="265" r:id="rId8"/>
+    <p:sldId id="267" r:id="rId9"/>
   </p:sldIdLst>
   <p:sldSz cx="12192000" cy="6858000"/>
   <p:notesSz cx="6858000" cy="9144000"/>
@@ -1453,7 +1454,7 @@
             <a:fld id="{E1625027-F480-45BE-98EB-E4ABD50F7C43}" type="datetime1">
               <a:rPr lang="en-US"/>
               <a:pPr lvl="0"/>
-              <a:t>2/28/2021</a:t>
+              <a:t>3/1/2021</a:t>
             </a:fld>
             <a:endParaRPr lang="en-US"/>
           </a:p>
@@ -1658,7 +1659,7 @@
             <a:fld id="{2B127D2E-5ADA-4DDC-9F1A-AD6A016AA88A}" type="datetime1">
               <a:rPr lang="en-US"/>
               <a:pPr lvl="0"/>
-              <a:t>2/28/2021</a:t>
+              <a:t>3/1/2021</a:t>
             </a:fld>
             <a:endParaRPr lang="en-US"/>
           </a:p>
@@ -1908,7 +1909,7 @@
             <a:fld id="{DC8D2D60-A35A-4E29-90AF-F462F3828E68}" type="datetime1">
               <a:rPr lang="en-US"/>
               <a:pPr lvl="0"/>
-              <a:t>2/28/2021</a:t>
+              <a:t>3/1/2021</a:t>
             </a:fld>
             <a:endParaRPr lang="en-US"/>
           </a:p>
@@ -2246,7 +2247,7 @@
             <a:fld id="{28219253-5FC5-4A40-8333-D1B15AC5878A}" type="datetime1">
               <a:rPr lang="en-US"/>
               <a:pPr lvl="0"/>
-              <a:t>2/28/2021</a:t>
+              <a:t>3/1/2021</a:t>
             </a:fld>
             <a:endParaRPr lang="en-US"/>
           </a:p>
@@ -2496,7 +2497,7 @@
             <a:fld id="{33CA4D83-3349-4ABB-88EE-6E4E7B0BB022}" type="datetime1">
               <a:rPr lang="en-US"/>
               <a:pPr lvl="0"/>
-              <a:t>2/28/2021</a:t>
+              <a:t>3/1/2021</a:t>
             </a:fld>
             <a:endParaRPr lang="en-US"/>
           </a:p>
@@ -2876,7 +2877,7 @@
             <a:fld id="{2FB5C852-7CCC-490C-814F-DFECD5F43B20}" type="datetime1">
               <a:rPr lang="en-US"/>
               <a:pPr lvl="0"/>
-              <a:t>2/28/2021</a:t>
+              <a:t>3/1/2021</a:t>
             </a:fld>
             <a:endParaRPr lang="en-US"/>
           </a:p>
@@ -3110,7 +3111,7 @@
             <a:fld id="{7B2A1F4C-93D8-43D7-8339-D733494904AF}" type="datetime1">
               <a:rPr lang="en-US"/>
               <a:pPr lvl="0"/>
-              <a:t>2/28/2021</a:t>
+              <a:t>3/1/2021</a:t>
             </a:fld>
             <a:endParaRPr lang="en-US"/>
           </a:p>
@@ -3354,7 +3355,7 @@
             <a:fld id="{77885217-A614-4057-B794-FF8AEFCE0435}" type="datetime1">
               <a:rPr lang="en-US"/>
               <a:pPr lvl="0"/>
-              <a:t>2/28/2021</a:t>
+              <a:t>3/1/2021</a:t>
             </a:fld>
             <a:endParaRPr lang="en-US"/>
           </a:p>
@@ -3588,7 +3589,7 @@
             <a:fld id="{D0DACD68-29B9-4EF3-AEDA-C2F359F2DD76}" type="datetime1">
               <a:rPr lang="en-US"/>
               <a:pPr lvl="0"/>
-              <a:t>2/28/2021</a:t>
+              <a:t>3/1/2021</a:t>
             </a:fld>
             <a:endParaRPr lang="en-US"/>
           </a:p>
@@ -3797,7 +3798,7 @@
             <a:fld id="{06E0725F-6EB9-4ECD-B0CE-1D38B1127686}" type="datetime1">
               <a:rPr lang="en-US"/>
               <a:pPr lvl="0"/>
-              <a:t>2/28/2021</a:t>
+              <a:t>3/1/2021</a:t>
             </a:fld>
             <a:endParaRPr lang="en-US"/>
           </a:p>
@@ -4114,7 +4115,7 @@
             <a:fld id="{4C942382-4B6B-45E1-9E36-EC8B67CEA045}" type="datetime1">
               <a:rPr lang="en-US"/>
               <a:pPr lvl="0"/>
-              <a:t>2/28/2021</a:t>
+              <a:t>3/1/2021</a:t>
             </a:fld>
             <a:endParaRPr lang="en-US"/>
           </a:p>
@@ -4513,7 +4514,7 @@
             <a:fld id="{7D3D84F2-FEA2-4427-96E5-10B973ED4870}" type="datetime1">
               <a:rPr lang="en-US"/>
               <a:pPr lvl="0"/>
-              <a:t>2/28/2021</a:t>
+              <a:t>3/1/2021</a:t>
             </a:fld>
             <a:endParaRPr lang="en-US"/>
           </a:p>
@@ -4674,7 +4675,7 @@
             <a:fld id="{B7AF3369-AE36-4F4C-A2F2-CD9A19A2C3F5}" type="datetime1">
               <a:rPr lang="en-US"/>
               <a:pPr lvl="0"/>
-              <a:t>2/28/2021</a:t>
+              <a:t>3/1/2021</a:t>
             </a:fld>
             <a:endParaRPr lang="en-US"/>
           </a:p>
@@ -4803,7 +4804,7 @@
             <a:fld id="{1DBFF290-4D61-45AA-9912-220341DCFF82}" type="datetime1">
               <a:rPr lang="en-US"/>
               <a:pPr lvl="0"/>
-              <a:t>2/28/2021</a:t>
+              <a:t>3/1/2021</a:t>
             </a:fld>
             <a:endParaRPr lang="en-US"/>
           </a:p>
@@ -5086,7 +5087,7 @@
             <a:fld id="{394810FF-4C92-4868-8A78-69B7E79AAD23}" type="datetime1">
               <a:rPr lang="en-US"/>
               <a:pPr lvl="0"/>
-              <a:t>2/28/2021</a:t>
+              <a:t>3/1/2021</a:t>
             </a:fld>
             <a:endParaRPr lang="en-US"/>
           </a:p>
@@ -5330,7 +5331,7 @@
             <a:fld id="{5EEF1104-63C8-41E5-ADC2-4624C67A1313}" type="datetime1">
               <a:rPr lang="en-US"/>
               <a:pPr lvl="0"/>
-              <a:t>2/28/2021</a:t>
+              <a:t>3/1/2021</a:t>
             </a:fld>
             <a:endParaRPr lang="en-US"/>
           </a:p>
@@ -6816,7 +6817,7 @@
             <a:fld id="{3431AD46-0528-4BA3-9348-B3C09F91749D}" type="datetime1">
               <a:rPr lang="en-US"/>
               <a:pPr lvl="0"/>
-              <a:t>2/28/2021</a:t>
+              <a:t>3/1/2021</a:t>
             </a:fld>
             <a:endParaRPr lang="en-US"/>
           </a:p>
@@ -11454,7 +11455,7 @@
         </p:nvGrpSpPr>
         <p:grpSpPr>
           <a:xfrm>
-            <a:off x="6121400" y="2171882"/>
+            <a:off x="6133432" y="2833619"/>
             <a:ext cx="1248110" cy="1213095"/>
             <a:chOff x="565700" y="4940367"/>
             <a:chExt cx="805955" cy="772447"/>
@@ -11575,7 +11576,7 @@
         </p:nvSpPr>
         <p:spPr>
           <a:xfrm>
-            <a:off x="5585680" y="2395627"/>
+            <a:off x="5597712" y="3057364"/>
             <a:ext cx="914400" cy="314793"/>
           </a:xfrm>
           <a:prstGeom prst="rect">
@@ -11636,7 +11637,7 @@
         </p:nvSpPr>
         <p:spPr>
           <a:xfrm>
-            <a:off x="6257032" y="3157628"/>
+            <a:off x="6269064" y="3819365"/>
             <a:ext cx="914400" cy="314793"/>
           </a:xfrm>
           <a:prstGeom prst="rect">
@@ -11697,7 +11698,7 @@
         </p:nvSpPr>
         <p:spPr>
           <a:xfrm>
-            <a:off x="3361000" y="2055085"/>
+            <a:off x="3373032" y="2716822"/>
             <a:ext cx="2125069" cy="369332"/>
           </a:xfrm>
           <a:prstGeom prst="rect">
@@ -11733,7 +11734,7 @@
         </p:nvGrpSpPr>
         <p:grpSpPr>
           <a:xfrm>
-            <a:off x="4768366" y="2509806"/>
+            <a:off x="4780398" y="3171543"/>
             <a:ext cx="787334" cy="86434"/>
             <a:chOff x="3452446" y="4176616"/>
             <a:chExt cx="787334" cy="86434"/>
@@ -11846,7 +11847,7 @@
         </p:nvCxnSpPr>
         <p:spPr>
           <a:xfrm flipH="1" flipV="1">
-            <a:off x="3317616" y="2546059"/>
+            <a:off x="3329648" y="3207796"/>
             <a:ext cx="1563527" cy="6758"/>
           </a:xfrm>
           <a:prstGeom prst="line">
@@ -11888,7 +11889,7 @@
         </p:nvCxnSpPr>
         <p:spPr>
           <a:xfrm>
-            <a:off x="3340365" y="3293730"/>
+            <a:off x="3352397" y="3955467"/>
             <a:ext cx="2848851" cy="34511"/>
           </a:xfrm>
           <a:prstGeom prst="straightConnector1">
@@ -11975,7 +11976,7 @@
         </p:nvSpPr>
         <p:spPr>
           <a:xfrm>
-            <a:off x="7108621" y="3130358"/>
+            <a:off x="7120653" y="3792095"/>
             <a:ext cx="781944" cy="369332"/>
           </a:xfrm>
           <a:prstGeom prst="rect">
@@ -12011,7 +12012,7 @@
         </p:nvSpPr>
         <p:spPr>
           <a:xfrm flipH="1">
-            <a:off x="6470289" y="2589995"/>
+            <a:off x="6482321" y="3251732"/>
             <a:ext cx="1312854" cy="369332"/>
           </a:xfrm>
           <a:prstGeom prst="rect">
@@ -12047,7 +12048,7 @@
         </p:nvGrpSpPr>
         <p:grpSpPr>
           <a:xfrm>
-            <a:off x="3496137" y="2634640"/>
+            <a:off x="3508169" y="3296377"/>
             <a:ext cx="914400" cy="128062"/>
             <a:chOff x="4592177" y="4419530"/>
             <a:chExt cx="666895" cy="86434"/>
@@ -12158,7 +12159,7 @@
         </p:nvCxnSpPr>
         <p:spPr>
           <a:xfrm flipH="1" flipV="1">
-            <a:off x="4022153" y="2698430"/>
+            <a:off x="4034185" y="3360167"/>
             <a:ext cx="1563527" cy="6758"/>
           </a:xfrm>
           <a:prstGeom prst="line">
@@ -12198,7 +12199,7 @@
         </p:nvSpPr>
         <p:spPr>
           <a:xfrm>
-            <a:off x="1682090" y="2034625"/>
+            <a:off x="1694122" y="2696362"/>
             <a:ext cx="1653394" cy="1624930"/>
           </a:xfrm>
           <a:prstGeom prst="ellipse">
@@ -12246,7 +12247,7 @@
         </p:nvSpPr>
         <p:spPr>
           <a:xfrm>
-            <a:off x="1727227" y="3565381"/>
+            <a:off x="1739259" y="4227118"/>
             <a:ext cx="1608257" cy="369332"/>
           </a:xfrm>
           <a:prstGeom prst="rect">
@@ -12286,7 +12287,7 @@
         </p:nvSpPr>
         <p:spPr>
           <a:xfrm>
-            <a:off x="3434857" y="3287755"/>
+            <a:off x="3446889" y="3949492"/>
             <a:ext cx="2663358" cy="369332"/>
           </a:xfrm>
           <a:prstGeom prst="rect">
@@ -12308,6 +12309,80 @@
           </a:p>
         </p:txBody>
       </p:sp>
+      <p:cxnSp>
+        <p:nvCxnSpPr>
+          <p:cNvPr id="77" name="Connettore 2 126">
+            <a:extLst>
+              <a:ext uri="{FF2B5EF4-FFF2-40B4-BE49-F238E27FC236}">
+                <a16:creationId xmlns:a16="http://schemas.microsoft.com/office/drawing/2014/main" id="{BCE9A07E-96C2-4611-88F2-054E35B3C2F6}"/>
+              </a:ext>
+            </a:extLst>
+          </p:cNvPr>
+          <p:cNvCxnSpPr>
+            <a:cxnSpLocks/>
+          </p:cNvCxnSpPr>
+          <p:nvPr/>
+        </p:nvCxnSpPr>
+        <p:spPr>
+          <a:xfrm flipH="1">
+            <a:off x="2509590" y="2866963"/>
+            <a:ext cx="2607" cy="1273345"/>
+          </a:xfrm>
+          <a:prstGeom prst="straightConnector1">
+            <a:avLst/>
+          </a:prstGeom>
+          <a:ln w="28575">
+            <a:solidFill>
+              <a:srgbClr val="C00000"/>
+            </a:solidFill>
+            <a:tailEnd type="arrow"/>
+          </a:ln>
+        </p:spPr>
+        <p:style>
+          <a:lnRef idx="1">
+            <a:schemeClr val="accent1"/>
+          </a:lnRef>
+          <a:fillRef idx="0">
+            <a:schemeClr val="accent1"/>
+          </a:fillRef>
+          <a:effectRef idx="0">
+            <a:schemeClr val="accent1"/>
+          </a:effectRef>
+          <a:fontRef idx="minor">
+            <a:schemeClr val="tx1"/>
+          </a:fontRef>
+        </p:style>
+      </p:cxnSp>
+    </p:spTree>
+    <p:extLst>
+      <p:ext uri="{BB962C8B-B14F-4D97-AF65-F5344CB8AC3E}">
+        <p14:creationId xmlns:p14="http://schemas.microsoft.com/office/powerpoint/2010/main" val="39547432"/>
+      </p:ext>
+    </p:extLst>
+  </p:cSld>
+  <p:clrMapOvr>
+    <a:masterClrMapping/>
+  </p:clrMapOvr>
+</p:sld>
+</file>
+
+<file path=ppt/slides/slide4.xml><?xml version="1.0" encoding="utf-8"?>
+<p:sld xmlns:a="http://purl.oclc.org/ooxml/drawingml/main" xmlns:r="http://purl.oclc.org/ooxml/officeDocument/relationships" xmlns:p="http://purl.oclc.org/ooxml/presentationml/main">
+  <p:cSld>
+    <p:spTree>
+      <p:nvGrpSpPr>
+        <p:cNvPr id="1" name=""/>
+        <p:cNvGrpSpPr/>
+        <p:nvPr/>
+      </p:nvGrpSpPr>
+      <p:grpSpPr>
+        <a:xfrm>
+          <a:off x="0" y="0"/>
+          <a:ext cx="0" cy="0"/>
+          <a:chOff x="0" y="0"/>
+          <a:chExt cx="0" cy="0"/>
+        </a:xfrm>
+      </p:grpSpPr>
       <p:grpSp>
         <p:nvGrpSpPr>
           <p:cNvPr id="53" name="Gruppo 6">
@@ -13334,50 +13409,6 @@
           </a:p>
         </p:txBody>
       </p:sp>
-      <p:cxnSp>
-        <p:nvCxnSpPr>
-          <p:cNvPr id="77" name="Connettore 2 126">
-            <a:extLst>
-              <a:ext uri="{FF2B5EF4-FFF2-40B4-BE49-F238E27FC236}">
-                <a16:creationId xmlns:a16="http://schemas.microsoft.com/office/drawing/2014/main" id="{BCE9A07E-96C2-4611-88F2-054E35B3C2F6}"/>
-              </a:ext>
-            </a:extLst>
-          </p:cNvPr>
-          <p:cNvCxnSpPr>
-            <a:cxnSpLocks/>
-          </p:cNvCxnSpPr>
-          <p:nvPr/>
-        </p:nvCxnSpPr>
-        <p:spPr>
-          <a:xfrm flipH="1">
-            <a:off x="2497558" y="2205226"/>
-            <a:ext cx="2607" cy="1273345"/>
-          </a:xfrm>
-          <a:prstGeom prst="straightConnector1">
-            <a:avLst/>
-          </a:prstGeom>
-          <a:ln w="28575">
-            <a:solidFill>
-              <a:srgbClr val="C00000"/>
-            </a:solidFill>
-            <a:tailEnd type="arrow"/>
-          </a:ln>
-        </p:spPr>
-        <p:style>
-          <a:lnRef idx="1">
-            <a:schemeClr val="accent1"/>
-          </a:lnRef>
-          <a:fillRef idx="0">
-            <a:schemeClr val="accent1"/>
-          </a:fillRef>
-          <a:effectRef idx="0">
-            <a:schemeClr val="accent1"/>
-          </a:effectRef>
-          <a:fontRef idx="minor">
-            <a:schemeClr val="tx1"/>
-          </a:fontRef>
-        </p:style>
-      </p:cxnSp>
       <p:grpSp>
         <p:nvGrpSpPr>
           <p:cNvPr id="78" name="Group 3">
@@ -13512,10 +13543,1130 @@
           </a:fontRef>
         </p:style>
       </p:cxnSp>
+      <p:sp>
+        <p:nvSpPr>
+          <p:cNvPr id="81" name="Rettangolo con angoli arrotondati 80">
+            <a:extLst>
+              <a:ext uri="{FF2B5EF4-FFF2-40B4-BE49-F238E27FC236}">
+                <a16:creationId xmlns:a16="http://schemas.microsoft.com/office/drawing/2014/main" id="{467D8E2F-B2CB-4F71-8E18-510E17EBF763}"/>
+              </a:ext>
+            </a:extLst>
+          </p:cNvPr>
+          <p:cNvSpPr/>
+          <p:nvPr/>
+        </p:nvSpPr>
+        <p:spPr>
+          <a:xfrm>
+            <a:off x="288448" y="2405502"/>
+            <a:ext cx="2002695" cy="387092"/>
+          </a:xfrm>
+          <a:prstGeom prst="roundRect">
+            <a:avLst/>
+          </a:prstGeom>
+          <a:solidFill>
+            <a:schemeClr val="accent4">
+              <a:lumMod val="20%"/>
+              <a:lumOff val="80%"/>
+            </a:schemeClr>
+          </a:solidFill>
+        </p:spPr>
+        <p:style>
+          <a:lnRef idx="2">
+            <a:schemeClr val="accent1">
+              <a:shade val="50%"/>
+            </a:schemeClr>
+          </a:lnRef>
+          <a:fillRef idx="1">
+            <a:schemeClr val="accent1"/>
+          </a:fillRef>
+          <a:effectRef idx="0">
+            <a:schemeClr val="accent1"/>
+          </a:effectRef>
+          <a:fontRef idx="minor">
+            <a:schemeClr val="lt1"/>
+          </a:fontRef>
+        </p:style>
+        <p:txBody>
+          <a:bodyPr rtlCol="0" anchor="ctr"/>
+          <a:lstStyle/>
+          <a:p>
+            <a:pPr algn="ctr"/>
+            <a:r>
+              <a:rPr lang="it-IT" sz="1400" dirty="0" err="1">
+                <a:solidFill>
+                  <a:schemeClr val="tx1"/>
+                </a:solidFill>
+              </a:rPr>
+              <a:t>IssVirtualRobotSupport</a:t>
+            </a:r>
+            <a:endParaRPr lang="it-IT" sz="1400" dirty="0">
+              <a:solidFill>
+                <a:schemeClr val="tx1"/>
+              </a:solidFill>
+            </a:endParaRPr>
+          </a:p>
+        </p:txBody>
+      </p:sp>
+      <p:sp>
+        <p:nvSpPr>
+          <p:cNvPr id="82" name="Rettangolo con angoli arrotondati 81">
+            <a:extLst>
+              <a:ext uri="{FF2B5EF4-FFF2-40B4-BE49-F238E27FC236}">
+                <a16:creationId xmlns:a16="http://schemas.microsoft.com/office/drawing/2014/main" id="{7F8B1409-8FFA-4CBC-BEEA-F092B41A10DF}"/>
+              </a:ext>
+            </a:extLst>
+          </p:cNvPr>
+          <p:cNvSpPr/>
+          <p:nvPr/>
+        </p:nvSpPr>
+        <p:spPr>
+          <a:xfrm>
+            <a:off x="2682257" y="413137"/>
+            <a:ext cx="1393339" cy="388620"/>
+          </a:xfrm>
+          <a:prstGeom prst="roundRect">
+            <a:avLst/>
+          </a:prstGeom>
+          <a:solidFill>
+            <a:schemeClr val="accent4">
+              <a:lumMod val="20%"/>
+              <a:lumOff val="80%"/>
+            </a:schemeClr>
+          </a:solidFill>
+        </p:spPr>
+        <p:style>
+          <a:lnRef idx="2">
+            <a:schemeClr val="accent1">
+              <a:shade val="50%"/>
+            </a:schemeClr>
+          </a:lnRef>
+          <a:fillRef idx="1">
+            <a:schemeClr val="accent1"/>
+          </a:fillRef>
+          <a:effectRef idx="0">
+            <a:schemeClr val="accent1"/>
+          </a:effectRef>
+          <a:fontRef idx="minor">
+            <a:schemeClr val="lt1"/>
+          </a:fontRef>
+        </p:style>
+        <p:txBody>
+          <a:bodyPr rtlCol="0" anchor="ctr"/>
+          <a:lstStyle/>
+          <a:p>
+            <a:pPr algn="ctr"/>
+            <a:r>
+              <a:rPr lang="it-IT" sz="1400" dirty="0" err="1">
+                <a:solidFill>
+                  <a:schemeClr val="tx1"/>
+                </a:solidFill>
+              </a:rPr>
+              <a:t>IssWsSupport</a:t>
+            </a:r>
+            <a:endParaRPr lang="it-IT" sz="1400" dirty="0">
+              <a:solidFill>
+                <a:schemeClr val="tx1"/>
+              </a:solidFill>
+            </a:endParaRPr>
+          </a:p>
+        </p:txBody>
+      </p:sp>
+      <p:sp>
+        <p:nvSpPr>
+          <p:cNvPr id="83" name="Rettangolo con angoli arrotondati 82">
+            <a:extLst>
+              <a:ext uri="{FF2B5EF4-FFF2-40B4-BE49-F238E27FC236}">
+                <a16:creationId xmlns:a16="http://schemas.microsoft.com/office/drawing/2014/main" id="{4FB29576-36F6-4042-B4AF-298AC3AE01B6}"/>
+              </a:ext>
+            </a:extLst>
+          </p:cNvPr>
+          <p:cNvSpPr/>
+          <p:nvPr/>
+        </p:nvSpPr>
+        <p:spPr>
+          <a:xfrm>
+            <a:off x="1114186" y="415414"/>
+            <a:ext cx="1393339" cy="388620"/>
+          </a:xfrm>
+          <a:prstGeom prst="roundRect">
+            <a:avLst/>
+          </a:prstGeom>
+          <a:solidFill>
+            <a:schemeClr val="accent4">
+              <a:lumMod val="20%"/>
+              <a:lumOff val="80%"/>
+            </a:schemeClr>
+          </a:solidFill>
+        </p:spPr>
+        <p:style>
+          <a:lnRef idx="2">
+            <a:schemeClr val="accent1">
+              <a:shade val="50%"/>
+            </a:schemeClr>
+          </a:lnRef>
+          <a:fillRef idx="1">
+            <a:schemeClr val="accent1"/>
+          </a:fillRef>
+          <a:effectRef idx="0">
+            <a:schemeClr val="accent1"/>
+          </a:effectRef>
+          <a:fontRef idx="minor">
+            <a:schemeClr val="lt1"/>
+          </a:fontRef>
+        </p:style>
+        <p:txBody>
+          <a:bodyPr rtlCol="0" anchor="ctr"/>
+          <a:lstStyle/>
+          <a:p>
+            <a:pPr algn="ctr"/>
+            <a:r>
+              <a:rPr lang="it-IT" sz="1400" dirty="0" err="1">
+                <a:solidFill>
+                  <a:schemeClr val="tx1"/>
+                </a:solidFill>
+              </a:rPr>
+              <a:t>IssHttpSupport</a:t>
+            </a:r>
+            <a:endParaRPr lang="it-IT" sz="1400" dirty="0">
+              <a:solidFill>
+                <a:schemeClr val="tx1"/>
+              </a:solidFill>
+            </a:endParaRPr>
+          </a:p>
+        </p:txBody>
+      </p:sp>
+      <p:cxnSp>
+        <p:nvCxnSpPr>
+          <p:cNvPr id="28" name="Connettore a gomito 27">
+            <a:extLst>
+              <a:ext uri="{FF2B5EF4-FFF2-40B4-BE49-F238E27FC236}">
+                <a16:creationId xmlns:a16="http://schemas.microsoft.com/office/drawing/2014/main" id="{0C71361B-DD82-42D1-80F1-D77443165257}"/>
+              </a:ext>
+            </a:extLst>
+          </p:cNvPr>
+          <p:cNvCxnSpPr>
+            <a:cxnSpLocks/>
+            <a:stCxn id="81" idx="3"/>
+          </p:cNvCxnSpPr>
+          <p:nvPr/>
+        </p:nvCxnSpPr>
+        <p:spPr>
+          <a:xfrm>
+            <a:off x="2291143" y="2599048"/>
+            <a:ext cx="553790" cy="304140"/>
+          </a:xfrm>
+          <a:prstGeom prst="bentConnector3">
+            <a:avLst>
+              <a:gd name="adj1" fmla="val 50000"/>
+            </a:avLst>
+          </a:prstGeom>
+          <a:ln>
+            <a:tailEnd type="triangle"/>
+          </a:ln>
+        </p:spPr>
+        <p:style>
+          <a:lnRef idx="1">
+            <a:schemeClr val="accent1"/>
+          </a:lnRef>
+          <a:fillRef idx="0">
+            <a:schemeClr val="accent1"/>
+          </a:fillRef>
+          <a:effectRef idx="0">
+            <a:schemeClr val="accent1"/>
+          </a:effectRef>
+          <a:fontRef idx="minor">
+            <a:schemeClr val="tx1"/>
+          </a:fontRef>
+        </p:style>
+      </p:cxnSp>
+      <p:pic>
+        <p:nvPicPr>
+          <p:cNvPr id="1029" name="Picture 5" descr="Class diagram - Wikipedia">
+            <a:extLst>
+              <a:ext uri="{FF2B5EF4-FFF2-40B4-BE49-F238E27FC236}">
+                <a16:creationId xmlns:a16="http://schemas.microsoft.com/office/drawing/2014/main" id="{1AA6F953-8BBD-449A-9894-7BBD8CE59B2F}"/>
+              </a:ext>
+            </a:extLst>
+          </p:cNvPr>
+          <p:cNvPicPr>
+            <a:picLocks noChangeAspect="1" noChangeArrowheads="1"/>
+          </p:cNvPicPr>
+          <p:nvPr/>
+        </p:nvPicPr>
+        <p:blipFill>
+          <a:blip r:embed="rId4">
+            <a:extLst>
+              <a:ext uri="{28A0092B-C50C-407E-A947-70E740481C1C}">
+                <a14:useLocalDpi xmlns:a14="http://schemas.microsoft.com/office/drawing/2010/main" val="0"/>
+              </a:ext>
+            </a:extLst>
+          </a:blip>
+          <a:srcRect/>
+          <a:stretch>
+            <a:fillRect/>
+          </a:stretch>
+        </p:blipFill>
+        <p:spPr bwMode="auto">
+          <a:xfrm>
+            <a:off x="4283217" y="258090"/>
+            <a:ext cx="2120184" cy="1413456"/>
+          </a:xfrm>
+          <a:prstGeom prst="rect">
+            <a:avLst/>
+          </a:prstGeom>
+          <a:noFill/>
+          <a:extLst>
+            <a:ext uri="{909E8E84-426E-40DD-AFC4-6F175D3DCCD1}">
+              <a14:hiddenFill xmlns:a14="http://schemas.microsoft.com/office/drawing/2010/main">
+                <a:solidFill>
+                  <a:srgbClr val="FFFFFF"/>
+                </a:solidFill>
+              </a14:hiddenFill>
+            </a:ext>
+          </a:extLst>
+        </p:spPr>
+      </p:pic>
+      <p:cxnSp>
+        <p:nvCxnSpPr>
+          <p:cNvPr id="86" name="Connettore a gomito 85">
+            <a:extLst>
+              <a:ext uri="{FF2B5EF4-FFF2-40B4-BE49-F238E27FC236}">
+                <a16:creationId xmlns:a16="http://schemas.microsoft.com/office/drawing/2014/main" id="{7F241BA3-E6CC-40E3-9512-4604FCFF151D}"/>
+              </a:ext>
+            </a:extLst>
+          </p:cNvPr>
+          <p:cNvCxnSpPr>
+            <a:cxnSpLocks/>
+            <a:stCxn id="111" idx="3"/>
+            <a:endCxn id="83" idx="2"/>
+          </p:cNvCxnSpPr>
+          <p:nvPr/>
+        </p:nvCxnSpPr>
+        <p:spPr>
+          <a:xfrm rot="16200000" flipV="1">
+            <a:off x="2072201" y="542690"/>
+            <a:ext cx="254413" cy="777101"/>
+          </a:xfrm>
+          <a:prstGeom prst="bentConnector3">
+            <a:avLst>
+              <a:gd name="adj1" fmla="val 50000"/>
+            </a:avLst>
+          </a:prstGeom>
+          <a:ln>
+            <a:prstDash val="lgDash"/>
+          </a:ln>
+        </p:spPr>
+        <p:style>
+          <a:lnRef idx="1">
+            <a:schemeClr val="accent1"/>
+          </a:lnRef>
+          <a:fillRef idx="0">
+            <a:schemeClr val="accent1"/>
+          </a:fillRef>
+          <a:effectRef idx="0">
+            <a:schemeClr val="accent1"/>
+          </a:effectRef>
+          <a:fontRef idx="minor">
+            <a:schemeClr val="tx1"/>
+          </a:fontRef>
+        </p:style>
+      </p:cxnSp>
+      <p:cxnSp>
+        <p:nvCxnSpPr>
+          <p:cNvPr id="89" name="Connettore a gomito 88">
+            <a:extLst>
+              <a:ext uri="{FF2B5EF4-FFF2-40B4-BE49-F238E27FC236}">
+                <a16:creationId xmlns:a16="http://schemas.microsoft.com/office/drawing/2014/main" id="{DC84B962-6951-4E5E-A2BE-C02377A24CD5}"/>
+              </a:ext>
+            </a:extLst>
+          </p:cNvPr>
+          <p:cNvCxnSpPr>
+            <a:cxnSpLocks/>
+            <a:stCxn id="82" idx="2"/>
+            <a:endCxn id="111" idx="3"/>
+          </p:cNvCxnSpPr>
+          <p:nvPr/>
+        </p:nvCxnSpPr>
+        <p:spPr>
+          <a:xfrm rot="5400000">
+            <a:off x="2855097" y="534617"/>
+            <a:ext cx="256690" cy="790970"/>
+          </a:xfrm>
+          <a:prstGeom prst="bentConnector3">
+            <a:avLst>
+              <a:gd name="adj1" fmla="val 50000"/>
+            </a:avLst>
+          </a:prstGeom>
+          <a:ln>
+            <a:prstDash val="lgDash"/>
+          </a:ln>
+        </p:spPr>
+        <p:style>
+          <a:lnRef idx="1">
+            <a:schemeClr val="accent1"/>
+          </a:lnRef>
+          <a:fillRef idx="0">
+            <a:schemeClr val="accent1"/>
+          </a:fillRef>
+          <a:effectRef idx="0">
+            <a:schemeClr val="accent1"/>
+          </a:effectRef>
+          <a:fontRef idx="minor">
+            <a:schemeClr val="tx1"/>
+          </a:fontRef>
+        </p:style>
+      </p:cxnSp>
+      <p:sp>
+        <p:nvSpPr>
+          <p:cNvPr id="93" name="CasellaDiTesto 92">
+            <a:extLst>
+              <a:ext uri="{FF2B5EF4-FFF2-40B4-BE49-F238E27FC236}">
+                <a16:creationId xmlns:a16="http://schemas.microsoft.com/office/drawing/2014/main" id="{08DDF832-8907-46F2-AADA-96485CCE87F5}"/>
+              </a:ext>
+            </a:extLst>
+          </p:cNvPr>
+          <p:cNvSpPr txBox="1"/>
+          <p:nvPr/>
+        </p:nvSpPr>
+        <p:spPr>
+          <a:xfrm>
+            <a:off x="4490025" y="28506"/>
+            <a:ext cx="950901" cy="261610"/>
+          </a:xfrm>
+          <a:prstGeom prst="rect">
+            <a:avLst/>
+          </a:prstGeom>
+        </p:spPr>
+        <p:style>
+          <a:lnRef idx="1">
+            <a:schemeClr val="accent3"/>
+          </a:lnRef>
+          <a:fillRef idx="2">
+            <a:schemeClr val="accent3"/>
+          </a:fillRef>
+          <a:effectRef idx="1">
+            <a:schemeClr val="accent3"/>
+          </a:effectRef>
+          <a:fontRef idx="minor">
+            <a:schemeClr val="dk1"/>
+          </a:fontRef>
+        </p:style>
+        <p:txBody>
+          <a:bodyPr wrap="none" rtlCol="0">
+            <a:spAutoFit/>
+          </a:bodyPr>
+          <a:lstStyle/>
+          <a:p>
+            <a:r>
+              <a:rPr lang="it-IT" sz="1100" dirty="0"/>
+              <a:t>UML symbols</a:t>
+            </a:r>
+          </a:p>
+        </p:txBody>
+      </p:sp>
+      <p:sp>
+        <p:nvSpPr>
+          <p:cNvPr id="96" name="Rettangolo con angoli arrotondati 95">
+            <a:extLst>
+              <a:ext uri="{FF2B5EF4-FFF2-40B4-BE49-F238E27FC236}">
+                <a16:creationId xmlns:a16="http://schemas.microsoft.com/office/drawing/2014/main" id="{E7857673-F970-483A-8C4D-41014B3EBDE8}"/>
+              </a:ext>
+            </a:extLst>
+          </p:cNvPr>
+          <p:cNvSpPr/>
+          <p:nvPr/>
+        </p:nvSpPr>
+        <p:spPr>
+          <a:xfrm>
+            <a:off x="288447" y="2183876"/>
+            <a:ext cx="2002695" cy="216638"/>
+          </a:xfrm>
+          <a:prstGeom prst="roundRect">
+            <a:avLst/>
+          </a:prstGeom>
+          <a:solidFill>
+            <a:srgbClr val="CCFF99"/>
+          </a:solidFill>
+        </p:spPr>
+        <p:style>
+          <a:lnRef idx="2">
+            <a:schemeClr val="accent1">
+              <a:shade val="50%"/>
+            </a:schemeClr>
+          </a:lnRef>
+          <a:fillRef idx="1">
+            <a:schemeClr val="accent1"/>
+          </a:fillRef>
+          <a:effectRef idx="0">
+            <a:schemeClr val="accent1"/>
+          </a:effectRef>
+          <a:fontRef idx="minor">
+            <a:schemeClr val="lt1"/>
+          </a:fontRef>
+        </p:style>
+        <p:txBody>
+          <a:bodyPr rtlCol="0" anchor="ctr"/>
+          <a:lstStyle/>
+          <a:p>
+            <a:pPr algn="ctr"/>
+            <a:r>
+              <a:rPr lang="it-IT" sz="1400" dirty="0" err="1">
+                <a:solidFill>
+                  <a:schemeClr val="tx1"/>
+                </a:solidFill>
+              </a:rPr>
+              <a:t>IssOperations</a:t>
+            </a:r>
+            <a:r>
+              <a:rPr lang="it-IT" sz="1400" dirty="0">
+                <a:solidFill>
+                  <a:schemeClr val="tx1"/>
+                </a:solidFill>
+              </a:rPr>
+              <a:t> </a:t>
+            </a:r>
+            <a:r>
+              <a:rPr lang="it-IT" sz="1100" dirty="0" err="1">
+                <a:solidFill>
+                  <a:schemeClr val="tx1"/>
+                </a:solidFill>
+              </a:rPr>
+              <a:t>interface</a:t>
+            </a:r>
+            <a:endParaRPr lang="it-IT" sz="1100" dirty="0">
+              <a:solidFill>
+                <a:schemeClr val="tx1"/>
+              </a:solidFill>
+            </a:endParaRPr>
+          </a:p>
+        </p:txBody>
+      </p:sp>
+      <p:sp>
+        <p:nvSpPr>
+          <p:cNvPr id="110" name="Rettangolo con angoli arrotondati 109">
+            <a:extLst>
+              <a:ext uri="{FF2B5EF4-FFF2-40B4-BE49-F238E27FC236}">
+                <a16:creationId xmlns:a16="http://schemas.microsoft.com/office/drawing/2014/main" id="{4D28F89C-2483-442D-BB9E-019620B18D56}"/>
+              </a:ext>
+            </a:extLst>
+          </p:cNvPr>
+          <p:cNvSpPr/>
+          <p:nvPr/>
+        </p:nvSpPr>
+        <p:spPr>
+          <a:xfrm>
+            <a:off x="1563059" y="1243854"/>
+            <a:ext cx="2002695" cy="207772"/>
+          </a:xfrm>
+          <a:prstGeom prst="roundRect">
+            <a:avLst/>
+          </a:prstGeom>
+          <a:solidFill>
+            <a:srgbClr val="CCFF99"/>
+          </a:solidFill>
+        </p:spPr>
+        <p:style>
+          <a:lnRef idx="2">
+            <a:schemeClr val="accent1">
+              <a:shade val="50%"/>
+            </a:schemeClr>
+          </a:lnRef>
+          <a:fillRef idx="1">
+            <a:schemeClr val="accent1"/>
+          </a:fillRef>
+          <a:effectRef idx="0">
+            <a:schemeClr val="accent1"/>
+          </a:effectRef>
+          <a:fontRef idx="minor">
+            <a:schemeClr val="lt1"/>
+          </a:fontRef>
+        </p:style>
+        <p:txBody>
+          <a:bodyPr rtlCol="0" anchor="ctr"/>
+          <a:lstStyle/>
+          <a:p>
+            <a:pPr algn="ctr"/>
+            <a:r>
+              <a:rPr lang="it-IT" sz="1400" dirty="0" err="1">
+                <a:solidFill>
+                  <a:schemeClr val="tx1"/>
+                </a:solidFill>
+              </a:rPr>
+              <a:t>IssOperations</a:t>
+            </a:r>
+            <a:r>
+              <a:rPr lang="it-IT" sz="1400" dirty="0">
+                <a:solidFill>
+                  <a:schemeClr val="tx1"/>
+                </a:solidFill>
+              </a:rPr>
+              <a:t> </a:t>
+            </a:r>
+            <a:r>
+              <a:rPr lang="it-IT" sz="1100" dirty="0" err="1">
+                <a:solidFill>
+                  <a:schemeClr val="tx1"/>
+                </a:solidFill>
+              </a:rPr>
+              <a:t>interface</a:t>
+            </a:r>
+            <a:endParaRPr lang="it-IT" sz="1100" dirty="0">
+              <a:solidFill>
+                <a:schemeClr val="tx1"/>
+              </a:solidFill>
+            </a:endParaRPr>
+          </a:p>
+        </p:txBody>
+      </p:sp>
+      <p:sp>
+        <p:nvSpPr>
+          <p:cNvPr id="111" name="Triangolo isoscele 110">
+            <a:extLst>
+              <a:ext uri="{FF2B5EF4-FFF2-40B4-BE49-F238E27FC236}">
+                <a16:creationId xmlns:a16="http://schemas.microsoft.com/office/drawing/2014/main" id="{C0B378C6-D6D4-4EB8-8320-26DEA553D1E9}"/>
+              </a:ext>
+            </a:extLst>
+          </p:cNvPr>
+          <p:cNvSpPr/>
+          <p:nvPr/>
+        </p:nvSpPr>
+        <p:spPr>
+          <a:xfrm flipV="1">
+            <a:off x="2528320" y="1058447"/>
+            <a:ext cx="119274" cy="152643"/>
+          </a:xfrm>
+          <a:prstGeom prst="triangle">
+            <a:avLst/>
+          </a:prstGeom>
+          <a:solidFill>
+            <a:schemeClr val="bg1"/>
+          </a:solidFill>
+        </p:spPr>
+        <p:style>
+          <a:lnRef idx="2">
+            <a:schemeClr val="accent1">
+              <a:shade val="50%"/>
+            </a:schemeClr>
+          </a:lnRef>
+          <a:fillRef idx="1">
+            <a:schemeClr val="accent1"/>
+          </a:fillRef>
+          <a:effectRef idx="0">
+            <a:schemeClr val="accent1"/>
+          </a:effectRef>
+          <a:fontRef idx="minor">
+            <a:schemeClr val="lt1"/>
+          </a:fontRef>
+        </p:style>
+        <p:txBody>
+          <a:bodyPr rtlCol="0" anchor="ctr"/>
+          <a:lstStyle/>
+          <a:p>
+            <a:pPr algn="ctr"/>
+            <a:endParaRPr lang="it-IT"/>
+          </a:p>
+        </p:txBody>
+      </p:sp>
+      <p:sp>
+        <p:nvSpPr>
+          <p:cNvPr id="116" name="Rettangolo con angoli arrotondati 115">
+            <a:extLst>
+              <a:ext uri="{FF2B5EF4-FFF2-40B4-BE49-F238E27FC236}">
+                <a16:creationId xmlns:a16="http://schemas.microsoft.com/office/drawing/2014/main" id="{F3302A11-3CD7-49C8-8EF7-4B621E30DE7D}"/>
+              </a:ext>
+            </a:extLst>
+          </p:cNvPr>
+          <p:cNvSpPr/>
+          <p:nvPr/>
+        </p:nvSpPr>
+        <p:spPr>
+          <a:xfrm>
+            <a:off x="3551635" y="2180092"/>
+            <a:ext cx="1876779" cy="387092"/>
+          </a:xfrm>
+          <a:prstGeom prst="roundRect">
+            <a:avLst/>
+          </a:prstGeom>
+          <a:solidFill>
+            <a:schemeClr val="accent4">
+              <a:lumMod val="20%"/>
+              <a:lumOff val="80%"/>
+            </a:schemeClr>
+          </a:solidFill>
+        </p:spPr>
+        <p:style>
+          <a:lnRef idx="2">
+            <a:schemeClr val="accent1">
+              <a:shade val="50%"/>
+            </a:schemeClr>
+          </a:lnRef>
+          <a:fillRef idx="1">
+            <a:schemeClr val="accent1"/>
+          </a:fillRef>
+          <a:effectRef idx="0">
+            <a:schemeClr val="accent1"/>
+          </a:effectRef>
+          <a:fontRef idx="minor">
+            <a:schemeClr val="lt1"/>
+          </a:fontRef>
+        </p:style>
+        <p:txBody>
+          <a:bodyPr rtlCol="0" anchor="ctr"/>
+          <a:lstStyle/>
+          <a:p>
+            <a:pPr algn="ctr"/>
+            <a:r>
+              <a:rPr lang="it-IT" sz="1200" dirty="0" err="1">
+                <a:solidFill>
+                  <a:schemeClr val="tx1"/>
+                </a:solidFill>
+              </a:rPr>
+              <a:t>IssCommsFactory</a:t>
+            </a:r>
+            <a:endParaRPr lang="it-IT" sz="1200" dirty="0">
+              <a:solidFill>
+                <a:schemeClr val="tx1"/>
+              </a:solidFill>
+            </a:endParaRPr>
+          </a:p>
+        </p:txBody>
+      </p:sp>
+      <p:sp>
+        <p:nvSpPr>
+          <p:cNvPr id="118" name="Rectangle 7">
+            <a:extLst>
+              <a:ext uri="{FF2B5EF4-FFF2-40B4-BE49-F238E27FC236}">
+                <a16:creationId xmlns:a16="http://schemas.microsoft.com/office/drawing/2014/main" id="{4139603A-9DA5-4C8F-A362-1128F849689F}"/>
+              </a:ext>
+            </a:extLst>
+          </p:cNvPr>
+          <p:cNvSpPr>
+            <a:spLocks noChangeArrowheads="1"/>
+          </p:cNvSpPr>
+          <p:nvPr/>
+        </p:nvSpPr>
+        <p:spPr bwMode="auto">
+          <a:xfrm>
+            <a:off x="5468344" y="1995136"/>
+            <a:ext cx="4373487" cy="830997"/>
+          </a:xfrm>
+          <a:prstGeom prst="rect">
+            <a:avLst/>
+          </a:prstGeom>
+          <a:solidFill>
+            <a:srgbClr val="FFFFFF"/>
+          </a:solidFill>
+          <a:ln>
+            <a:noFill/>
+          </a:ln>
+          <a:effectLst/>
+          <a:extLst>
+            <a:ext uri="{91240B29-F687-4F45-9708-019B960494DF}">
+              <a14:hiddenLine xmlns:a14="http://schemas.microsoft.com/office/drawing/2010/main" w="9525">
+                <a:solidFill>
+                  <a:schemeClr val="tx1"/>
+                </a:solidFill>
+                <a:miter lim="800%"/>
+                <a:headEnd/>
+                <a:tailEnd/>
+              </a14:hiddenLine>
+            </a:ext>
+            <a:ext uri="{AF507438-7753-43E0-B8FC-AC1667EBCBE1}">
+              <a14:hiddenEffects xmlns:a14="http://schemas.microsoft.com/office/drawing/2010/main">
+                <a:effectLst>
+                  <a:outerShdw dist="35921" dir="2700000" algn="ctr" rotWithShape="0">
+                    <a:schemeClr val="bg2"/>
+                  </a:outerShdw>
+                </a:effectLst>
+              </a14:hiddenEffects>
+            </a:ext>
+          </a:extLst>
+        </p:spPr>
+        <p:txBody>
+          <a:bodyPr vert="horz" wrap="square" lIns="91440" tIns="45720" rIns="91440" bIns="45720" numCol="1" anchor="ctr" anchorCtr="0" compatLnSpc="1">
+            <a:prstTxWarp prst="textNoShape">
+              <a:avLst/>
+            </a:prstTxWarp>
+            <a:spAutoFit/>
+          </a:bodyPr>
+          <a:lstStyle/>
+          <a:p>
+            <a:pPr marL="0" marR="0" lvl="0" indent="0" algn="l" defTabSz="914400" rtl="0" eaLnBrk="0" fontAlgn="base" latinLnBrk="0" hangingPunct="0">
+              <a:lnSpc>
+                <a:spcPct val="100%"/>
+              </a:lnSpc>
+              <a:spcBef>
+                <a:spcPct val="0%"/>
+              </a:spcBef>
+              <a:spcAft>
+                <a:spcPct val="0%"/>
+              </a:spcAft>
+              <a:buClrTx/>
+              <a:buSzTx/>
+              <a:buFontTx/>
+              <a:buNone/>
+              <a:tabLst/>
+            </a:pPr>
+            <a:r>
+              <a:rPr kumimoji="0" lang="it-IT" altLang="it-IT" sz="1200" b="0" i="0" u="none" strike="noStrike" cap="none" normalizeH="0" baseline="0%" dirty="0">
+                <a:ln>
+                  <a:noFill/>
+                </a:ln>
+                <a:solidFill>
+                  <a:srgbClr val="0033B3"/>
+                </a:solidFill>
+                <a:effectLst/>
+                <a:latin typeface="JetBrains Mono"/>
+              </a:rPr>
+              <a:t>public </a:t>
+            </a:r>
+            <a:r>
+              <a:rPr kumimoji="0" lang="it-IT" altLang="it-IT" sz="1200" b="0" i="0" u="none" strike="noStrike" cap="none" normalizeH="0" baseline="0%" dirty="0" err="1">
+                <a:ln>
+                  <a:noFill/>
+                </a:ln>
+                <a:solidFill>
+                  <a:srgbClr val="0033B3"/>
+                </a:solidFill>
+                <a:effectLst/>
+                <a:latin typeface="JetBrains Mono"/>
+              </a:rPr>
+              <a:t>static</a:t>
+            </a:r>
+            <a:r>
+              <a:rPr kumimoji="0" lang="it-IT" altLang="it-IT" sz="1200" b="0" i="0" u="none" strike="noStrike" cap="none" normalizeH="0" baseline="0%" dirty="0">
+                <a:ln>
+                  <a:noFill/>
+                </a:ln>
+                <a:solidFill>
+                  <a:srgbClr val="0033B3"/>
+                </a:solidFill>
+                <a:effectLst/>
+                <a:latin typeface="JetBrains Mono"/>
+              </a:rPr>
+              <a:t> </a:t>
+            </a:r>
+            <a:r>
+              <a:rPr kumimoji="0" lang="it-IT" altLang="it-IT" sz="1200" b="0" i="0" u="none" strike="noStrike" cap="none" normalizeH="0" baseline="0%" dirty="0" err="1">
+                <a:ln>
+                  <a:noFill/>
+                </a:ln>
+                <a:solidFill>
+                  <a:srgbClr val="000000"/>
+                </a:solidFill>
+                <a:effectLst/>
+                <a:latin typeface="JetBrains Mono"/>
+              </a:rPr>
+              <a:t>IssOperations</a:t>
+            </a:r>
+            <a:r>
+              <a:rPr kumimoji="0" lang="it-IT" altLang="it-IT" sz="1200" b="0" i="0" u="none" strike="noStrike" cap="none" normalizeH="0" baseline="0%" dirty="0">
+                <a:ln>
+                  <a:noFill/>
+                </a:ln>
+                <a:solidFill>
+                  <a:srgbClr val="000000"/>
+                </a:solidFill>
+                <a:effectLst/>
+                <a:latin typeface="JetBrains Mono"/>
+              </a:rPr>
+              <a:t> </a:t>
+            </a:r>
+            <a:r>
+              <a:rPr kumimoji="0" lang="it-IT" altLang="it-IT" sz="1200" b="0" i="0" u="none" strike="noStrike" cap="none" normalizeH="0" baseline="0%" dirty="0">
+                <a:ln>
+                  <a:noFill/>
+                </a:ln>
+                <a:solidFill>
+                  <a:srgbClr val="00627A"/>
+                </a:solidFill>
+                <a:effectLst/>
+                <a:latin typeface="JetBrains Mono"/>
+              </a:rPr>
+              <a:t>create</a:t>
+            </a:r>
+            <a:r>
+              <a:rPr kumimoji="0" lang="it-IT" altLang="it-IT" sz="1200" b="0" i="0" u="none" strike="noStrike" cap="none" normalizeH="0" baseline="0%" dirty="0">
+                <a:ln>
+                  <a:noFill/>
+                </a:ln>
+                <a:solidFill>
+                  <a:srgbClr val="080808"/>
+                </a:solidFill>
+                <a:effectLst/>
+                <a:latin typeface="JetBrains Mono"/>
+              </a:rPr>
+              <a:t>( </a:t>
+            </a:r>
+            <a:r>
+              <a:rPr kumimoji="0" lang="it-IT" altLang="it-IT" sz="1200" b="0" i="0" u="none" strike="noStrike" cap="none" normalizeH="0" baseline="0%" dirty="0">
+                <a:ln>
+                  <a:noFill/>
+                </a:ln>
+                <a:solidFill>
+                  <a:srgbClr val="000000"/>
+                </a:solidFill>
+                <a:effectLst/>
+                <a:latin typeface="JetBrains Mono"/>
+              </a:rPr>
+              <a:t>Object </a:t>
+            </a:r>
+            <a:r>
+              <a:rPr kumimoji="0" lang="it-IT" altLang="it-IT" sz="1200" b="0" i="0" u="none" strike="noStrike" cap="none" normalizeH="0" baseline="0%" dirty="0" err="1">
+                <a:ln>
+                  <a:noFill/>
+                </a:ln>
+                <a:solidFill>
+                  <a:srgbClr val="080808"/>
+                </a:solidFill>
+                <a:effectLst/>
+                <a:latin typeface="JetBrains Mono"/>
+              </a:rPr>
+              <a:t>obj</a:t>
+            </a:r>
+            <a:r>
+              <a:rPr kumimoji="0" lang="it-IT" altLang="it-IT" sz="1200" b="0" i="0" u="none" strike="noStrike" cap="none" normalizeH="0" baseline="0%" dirty="0">
+                <a:ln>
+                  <a:noFill/>
+                </a:ln>
+                <a:solidFill>
+                  <a:srgbClr val="080808"/>
+                </a:solidFill>
+                <a:effectLst/>
+                <a:latin typeface="JetBrains Mono"/>
+              </a:rPr>
+              <a:t> ){</a:t>
+            </a:r>
+            <a:br>
+              <a:rPr kumimoji="0" lang="it-IT" altLang="it-IT" sz="1200" b="0" i="0" u="none" strike="noStrike" cap="none" normalizeH="0" baseline="0%" dirty="0">
+                <a:ln>
+                  <a:noFill/>
+                </a:ln>
+                <a:solidFill>
+                  <a:srgbClr val="080808"/>
+                </a:solidFill>
+                <a:effectLst/>
+                <a:latin typeface="JetBrains Mono"/>
+              </a:rPr>
+            </a:br>
+            <a:r>
+              <a:rPr kumimoji="0" lang="it-IT" altLang="it-IT" sz="1200" b="0" i="0" u="none" strike="noStrike" cap="none" normalizeH="0" baseline="0%" dirty="0">
+                <a:ln>
+                  <a:noFill/>
+                </a:ln>
+                <a:solidFill>
+                  <a:srgbClr val="080808"/>
+                </a:solidFill>
+                <a:effectLst/>
+                <a:latin typeface="JetBrains Mono"/>
+              </a:rPr>
+              <a:t>    </a:t>
+            </a:r>
+            <a:r>
+              <a:rPr kumimoji="0" lang="it-IT" altLang="it-IT" sz="1200" b="0" i="0" u="none" strike="noStrike" cap="none" normalizeH="0" baseline="0%" dirty="0" err="1">
+                <a:ln>
+                  <a:noFill/>
+                </a:ln>
+                <a:solidFill>
+                  <a:srgbClr val="000000"/>
+                </a:solidFill>
+                <a:effectLst/>
+                <a:latin typeface="JetBrains Mono"/>
+              </a:rPr>
+              <a:t>ProtocolInfo</a:t>
+            </a:r>
+            <a:r>
+              <a:rPr kumimoji="0" lang="it-IT" altLang="it-IT" sz="1200" b="0" i="0" u="none" strike="noStrike" cap="none" normalizeH="0" baseline="0%" dirty="0">
+                <a:ln>
+                  <a:noFill/>
+                </a:ln>
+                <a:solidFill>
+                  <a:srgbClr val="000000"/>
+                </a:solidFill>
+                <a:effectLst/>
+                <a:latin typeface="JetBrains Mono"/>
+              </a:rPr>
+              <a:t> </a:t>
+            </a:r>
+            <a:r>
+              <a:rPr kumimoji="0" lang="it-IT" altLang="it-IT" sz="1200" b="0" i="0" u="none" strike="noStrike" cap="none" normalizeH="0" baseline="0%" dirty="0" err="1">
+                <a:ln>
+                  <a:noFill/>
+                </a:ln>
+                <a:solidFill>
+                  <a:srgbClr val="000000"/>
+                </a:solidFill>
+                <a:effectLst/>
+                <a:latin typeface="JetBrains Mono"/>
+              </a:rPr>
+              <a:t>protocolInfo</a:t>
+            </a:r>
+            <a:r>
+              <a:rPr kumimoji="0" lang="it-IT" altLang="it-IT" sz="1200" b="0" i="0" u="none" strike="noStrike" cap="none" normalizeH="0" baseline="0%" dirty="0">
+                <a:ln>
+                  <a:noFill/>
+                </a:ln>
+                <a:solidFill>
+                  <a:srgbClr val="000000"/>
+                </a:solidFill>
+                <a:effectLst/>
+                <a:latin typeface="JetBrains Mono"/>
+              </a:rPr>
+              <a:t> </a:t>
+            </a:r>
+            <a:r>
+              <a:rPr kumimoji="0" lang="it-IT" altLang="it-IT" sz="1200" b="0" i="0" u="none" strike="noStrike" cap="none" normalizeH="0" baseline="0%" dirty="0">
+                <a:ln>
+                  <a:noFill/>
+                </a:ln>
+                <a:solidFill>
+                  <a:srgbClr val="080808"/>
+                </a:solidFill>
+                <a:effectLst/>
+                <a:latin typeface="JetBrains Mono"/>
+              </a:rPr>
+              <a:t>= </a:t>
+            </a:r>
+            <a:r>
+              <a:rPr kumimoji="0" lang="it-IT" altLang="it-IT" sz="1200" b="1" i="0" u="none" strike="noStrike" cap="none" normalizeH="0" baseline="0%" dirty="0" err="1">
+                <a:ln>
+                  <a:noFill/>
+                </a:ln>
+                <a:solidFill>
+                  <a:srgbClr val="7030A0"/>
+                </a:solidFill>
+                <a:effectLst/>
+                <a:latin typeface="JetBrains Mono"/>
+              </a:rPr>
+              <a:t>IssAnnotationUtil.</a:t>
+            </a:r>
+            <a:r>
+              <a:rPr kumimoji="0" lang="it-IT" altLang="it-IT" sz="1200" b="1" i="1" u="none" strike="noStrike" cap="none" normalizeH="0" baseline="0%" dirty="0" err="1">
+                <a:ln>
+                  <a:noFill/>
+                </a:ln>
+                <a:solidFill>
+                  <a:srgbClr val="7030A0"/>
+                </a:solidFill>
+                <a:effectLst/>
+                <a:latin typeface="JetBrains Mono"/>
+              </a:rPr>
+              <a:t>getProtocol</a:t>
+            </a:r>
+            <a:r>
+              <a:rPr kumimoji="0" lang="it-IT" altLang="it-IT" sz="1200" b="1" i="0" u="none" strike="noStrike" cap="none" normalizeH="0" baseline="0%" dirty="0">
+                <a:ln>
+                  <a:noFill/>
+                </a:ln>
+                <a:solidFill>
+                  <a:srgbClr val="7030A0"/>
+                </a:solidFill>
+                <a:effectLst/>
+                <a:latin typeface="JetBrains Mono"/>
+              </a:rPr>
+              <a:t>(</a:t>
+            </a:r>
+            <a:r>
+              <a:rPr kumimoji="0" lang="it-IT" altLang="it-IT" sz="1200" b="1" i="0" u="none" strike="noStrike" cap="none" normalizeH="0" baseline="0%" dirty="0" err="1">
+                <a:ln>
+                  <a:noFill/>
+                </a:ln>
+                <a:solidFill>
+                  <a:srgbClr val="7030A0"/>
+                </a:solidFill>
+                <a:effectLst/>
+                <a:latin typeface="JetBrains Mono"/>
+              </a:rPr>
+              <a:t>obj</a:t>
+            </a:r>
+            <a:r>
+              <a:rPr kumimoji="0" lang="it-IT" altLang="it-IT" sz="1200" b="1" i="0" u="none" strike="noStrike" cap="none" normalizeH="0" baseline="0%" dirty="0">
+                <a:ln>
+                  <a:noFill/>
+                </a:ln>
+                <a:solidFill>
+                  <a:srgbClr val="7030A0"/>
+                </a:solidFill>
+                <a:effectLst/>
+                <a:latin typeface="JetBrains Mono"/>
+              </a:rPr>
+              <a:t>);</a:t>
+            </a:r>
+          </a:p>
+          <a:p>
+            <a:pPr marL="0" marR="0" lvl="0" indent="0" algn="l" defTabSz="914400" rtl="0" eaLnBrk="0" fontAlgn="base" latinLnBrk="0" hangingPunct="0">
+              <a:lnSpc>
+                <a:spcPct val="100%"/>
+              </a:lnSpc>
+              <a:spcBef>
+                <a:spcPct val="0%"/>
+              </a:spcBef>
+              <a:spcAft>
+                <a:spcPct val="0%"/>
+              </a:spcAft>
+              <a:buClrTx/>
+              <a:buSzTx/>
+              <a:buFontTx/>
+              <a:buNone/>
+              <a:tabLst/>
+            </a:pPr>
+            <a:r>
+              <a:rPr lang="it-IT" altLang="it-IT" sz="1200" dirty="0">
+                <a:solidFill>
+                  <a:srgbClr val="080808"/>
+                </a:solidFill>
+                <a:latin typeface="JetBrains Mono"/>
+              </a:rPr>
+              <a:t>    …</a:t>
+            </a:r>
+          </a:p>
+          <a:p>
+            <a:pPr marL="0" marR="0" lvl="0" indent="0" algn="l" defTabSz="914400" rtl="0" eaLnBrk="0" fontAlgn="base" latinLnBrk="0" hangingPunct="0">
+              <a:lnSpc>
+                <a:spcPct val="100%"/>
+              </a:lnSpc>
+              <a:spcBef>
+                <a:spcPct val="0%"/>
+              </a:spcBef>
+              <a:spcAft>
+                <a:spcPct val="0%"/>
+              </a:spcAft>
+              <a:buClrTx/>
+              <a:buSzTx/>
+              <a:buFontTx/>
+              <a:buNone/>
+              <a:tabLst/>
+            </a:pPr>
+            <a:r>
+              <a:rPr kumimoji="0" lang="it-IT" altLang="it-IT" sz="1200" b="0" i="0" u="none" strike="noStrike" cap="none" normalizeH="0" baseline="0%" dirty="0">
+                <a:ln>
+                  <a:noFill/>
+                </a:ln>
+                <a:solidFill>
+                  <a:srgbClr val="080808"/>
+                </a:solidFill>
+                <a:effectLst/>
+                <a:latin typeface="JetBrains Mono"/>
+              </a:rPr>
+              <a:t>}</a:t>
+            </a:r>
+            <a:endParaRPr kumimoji="0" lang="it-IT" altLang="it-IT" sz="1200" b="0" i="0" u="none" strike="noStrike" cap="none" normalizeH="0" baseline="0%" dirty="0">
+              <a:ln>
+                <a:noFill/>
+              </a:ln>
+              <a:solidFill>
+                <a:schemeClr val="tx1"/>
+              </a:solidFill>
+              <a:effectLst/>
+              <a:latin typeface="Arial" panose="020B0604020202020204" pitchFamily="34" charset="0"/>
+            </a:endParaRPr>
+          </a:p>
+        </p:txBody>
+      </p:sp>
     </p:spTree>
     <p:extLst>
       <p:ext uri="{BB962C8B-B14F-4D97-AF65-F5344CB8AC3E}">
-        <p14:creationId xmlns:p14="http://schemas.microsoft.com/office/powerpoint/2010/main" val="39547432"/>
+        <p14:creationId xmlns:p14="http://schemas.microsoft.com/office/powerpoint/2010/main" val="1416119389"/>
       </p:ext>
     </p:extLst>
   </p:cSld>
@@ -13525,7 +14676,7 @@
 </p:sld>
 </file>
 
-<file path=ppt/slides/slide4.xml><?xml version="1.0" encoding="utf-8"?>
+<file path=ppt/slides/slide5.xml><?xml version="1.0" encoding="utf-8"?>
 <p:sld xmlns:a="http://purl.oclc.org/ooxml/drawingml/main" xmlns:r="http://purl.oclc.org/ooxml/officeDocument/relationships" xmlns:p="http://purl.oclc.org/ooxml/presentationml/main">
   <p:cSld name="Slide7">
     <p:spTree>
@@ -13811,7 +14962,7 @@
 </p:sld>
 </file>
 
-<file path=ppt/slides/slide5.xml><?xml version="1.0" encoding="utf-8"?>
+<file path=ppt/slides/slide6.xml><?xml version="1.0" encoding="utf-8"?>
 <p:sld xmlns:a="http://purl.oclc.org/ooxml/drawingml/main" xmlns:r="http://purl.oclc.org/ooxml/officeDocument/relationships" xmlns:p="http://purl.oclc.org/ooxml/presentationml/main">
   <p:cSld name="Slide8">
     <p:spTree>
@@ -14274,7 +15425,7 @@
 </p:sld>
 </file>
 
-<file path=ppt/slides/slide6.xml><?xml version="1.0" encoding="utf-8"?>
+<file path=ppt/slides/slide7.xml><?xml version="1.0" encoding="utf-8"?>
 <p:sld xmlns:a="http://purl.oclc.org/ooxml/drawingml/main" xmlns:r="http://purl.oclc.org/ooxml/officeDocument/relationships" xmlns:p="http://purl.oclc.org/ooxml/presentationml/main">
   <p:cSld name="Slide10">
     <p:spTree>
@@ -14793,7 +15944,7 @@
 </p:sld>
 </file>
 
-<file path=ppt/slides/slide7.xml><?xml version="1.0" encoding="utf-8"?>
+<file path=ppt/slides/slide8.xml><?xml version="1.0" encoding="utf-8"?>
 <p:sld xmlns:a="http://purl.oclc.org/ooxml/drawingml/main" xmlns:r="http://purl.oclc.org/ooxml/officeDocument/relationships" xmlns:p="http://purl.oclc.org/ooxml/presentationml/main">
   <p:cSld name="Slide12">
     <p:spTree>

--- a/it.unibo.issLabStart/userDocs/BoundaryProblem.pptx
+++ b/it.unibo.issLabStart/userDocs/BoundaryProblem.pptx
@@ -12353,6 +12353,99 @@
           </a:fontRef>
         </p:style>
       </p:cxnSp>
+      <p:grpSp>
+        <p:nvGrpSpPr>
+          <p:cNvPr id="48" name="Group 3">
+            <a:extLst>
+              <a:ext uri="{FF2B5EF4-FFF2-40B4-BE49-F238E27FC236}">
+                <a16:creationId xmlns:a16="http://schemas.microsoft.com/office/drawing/2014/main" id="{B6862F9B-E20C-4EC4-8A41-87C7F4DBF895}"/>
+              </a:ext>
+            </a:extLst>
+          </p:cNvPr>
+          <p:cNvGrpSpPr/>
+          <p:nvPr/>
+        </p:nvGrpSpPr>
+        <p:grpSpPr>
+          <a:xfrm>
+            <a:off x="7222588" y="2832262"/>
+            <a:ext cx="1265181" cy="987103"/>
+            <a:chOff x="4196932" y="2026799"/>
+            <a:chExt cx="3798137" cy="2804403"/>
+          </a:xfrm>
+        </p:grpSpPr>
+        <p:pic>
+          <p:nvPicPr>
+            <p:cNvPr id="50" name="Immagine 49">
+              <a:extLst>
+                <a:ext uri="{FF2B5EF4-FFF2-40B4-BE49-F238E27FC236}">
+                  <a16:creationId xmlns:a16="http://schemas.microsoft.com/office/drawing/2014/main" id="{23818A11-ACFC-4E04-BBA0-C3828F2249D3}"/>
+                </a:ext>
+              </a:extLst>
+            </p:cNvPr>
+            <p:cNvPicPr>
+              <a:picLocks noChangeAspect="1"/>
+            </p:cNvPicPr>
+            <p:nvPr/>
+          </p:nvPicPr>
+          <p:blipFill>
+            <a:blip r:embed="rId2">
+              <a:extLst>
+                <a:ext uri="{28A0092B-C50C-407E-A947-70E740481C1C}">
+                  <a14:useLocalDpi xmlns:a14="http://schemas.microsoft.com/office/drawing/2010/main" val="0"/>
+                </a:ext>
+              </a:extLst>
+            </a:blip>
+            <a:stretch>
+              <a:fillRect/>
+            </a:stretch>
+          </p:blipFill>
+          <p:spPr>
+            <a:xfrm>
+              <a:off x="4196932" y="2026799"/>
+              <a:ext cx="3798137" cy="2804403"/>
+            </a:xfrm>
+            <a:prstGeom prst="rect">
+              <a:avLst/>
+            </a:prstGeom>
+          </p:spPr>
+        </p:pic>
+        <p:pic>
+          <p:nvPicPr>
+            <p:cNvPr id="51" name="Immagine 50" descr="Immagine che contiene testo, dilegno&#10;&#10;Descrizione generata automaticamente">
+              <a:extLst>
+                <a:ext uri="{FF2B5EF4-FFF2-40B4-BE49-F238E27FC236}">
+                  <a16:creationId xmlns:a16="http://schemas.microsoft.com/office/drawing/2014/main" id="{2D998E95-C53C-4E6B-BB1F-70382DF3ED66}"/>
+                </a:ext>
+              </a:extLst>
+            </p:cNvPr>
+            <p:cNvPicPr>
+              <a:picLocks noChangeAspect="1"/>
+            </p:cNvPicPr>
+            <p:nvPr/>
+          </p:nvPicPr>
+          <p:blipFill>
+            <a:blip r:embed="rId3" cstate="print">
+              <a:extLst>
+                <a:ext uri="{28A0092B-C50C-407E-A947-70E740481C1C}">
+                  <a14:useLocalDpi xmlns:a14="http://schemas.microsoft.com/office/drawing/2010/main" val="0"/>
+                </a:ext>
+              </a:extLst>
+            </a:blip>
+            <a:stretch>
+              <a:fillRect/>
+            </a:stretch>
+          </p:blipFill>
+          <p:spPr>
+            <a:xfrm>
+              <a:off x="4196932" y="2348881"/>
+              <a:ext cx="602925" cy="602925"/>
+            </a:xfrm>
+            <a:prstGeom prst="rect">
+              <a:avLst/>
+            </a:prstGeom>
+          </p:spPr>
+        </p:pic>
+      </p:grpSp>
     </p:spTree>
     <p:extLst>
       <p:ext uri="{BB962C8B-B14F-4D97-AF65-F5344CB8AC3E}">
@@ -13557,7 +13650,7 @@
         </p:nvSpPr>
         <p:spPr>
           <a:xfrm>
-            <a:off x="288448" y="2405502"/>
+            <a:off x="1114187" y="2434399"/>
             <a:ext cx="2002695" cy="387092"/>
           </a:xfrm>
           <a:prstGeom prst="roundRect">
@@ -13746,19 +13839,18 @@
           </p:cNvPr>
           <p:cNvCxnSpPr>
             <a:cxnSpLocks/>
-            <a:stCxn id="81" idx="3"/>
+            <a:stCxn id="42" idx="3"/>
+            <a:endCxn id="96" idx="0"/>
           </p:cNvCxnSpPr>
           <p:nvPr/>
         </p:nvCxnSpPr>
         <p:spPr>
           <a:xfrm>
-            <a:off x="2291143" y="2599048"/>
-            <a:ext cx="553790" cy="304140"/>
+            <a:off x="1563059" y="1833430"/>
+            <a:ext cx="552475" cy="379343"/>
           </a:xfrm>
-          <a:prstGeom prst="bentConnector3">
-            <a:avLst>
-              <a:gd name="adj1" fmla="val 50000"/>
-            </a:avLst>
+          <a:prstGeom prst="bentConnector2">
+            <a:avLst/>
           </a:prstGeom>
           <a:ln>
             <a:tailEnd type="triangle"/>
@@ -13978,7 +14070,7 @@
         </p:nvSpPr>
         <p:spPr>
           <a:xfrm>
-            <a:off x="288447" y="2183876"/>
+            <a:off x="1114186" y="2212773"/>
             <a:ext cx="2002695" cy="216638"/>
           </a:xfrm>
           <a:prstGeom prst="roundRect">
@@ -14181,7 +14273,7 @@
         </p:nvSpPr>
         <p:spPr>
           <a:xfrm>
-            <a:off x="3551635" y="2180092"/>
+            <a:off x="5320277" y="2208837"/>
             <a:ext cx="1876779" cy="387092"/>
           </a:xfrm>
           <a:prstGeom prst="roundRect">
@@ -14247,7 +14339,7 @@
         </p:nvSpPr>
         <p:spPr bwMode="auto">
           <a:xfrm>
-            <a:off x="5468344" y="1995136"/>
+            <a:off x="7236986" y="2023881"/>
             <a:ext cx="4373487" cy="830997"/>
           </a:xfrm>
           <a:prstGeom prst="rect">
@@ -14660,6 +14752,364 @@
               <a:effectLst/>
               <a:latin typeface="Arial" panose="020B0604020202020204" pitchFamily="34" charset="0"/>
             </a:endParaRPr>
+          </a:p>
+        </p:txBody>
+      </p:sp>
+      <p:sp>
+        <p:nvSpPr>
+          <p:cNvPr id="42" name="Rettangolo con angoli arrotondati 41">
+            <a:extLst>
+              <a:ext uri="{FF2B5EF4-FFF2-40B4-BE49-F238E27FC236}">
+                <a16:creationId xmlns:a16="http://schemas.microsoft.com/office/drawing/2014/main" id="{2C75E362-CDD1-457D-8047-A80AA79173CD}"/>
+              </a:ext>
+            </a:extLst>
+          </p:cNvPr>
+          <p:cNvSpPr/>
+          <p:nvPr/>
+        </p:nvSpPr>
+        <p:spPr>
+          <a:xfrm>
+            <a:off x="294675" y="1639884"/>
+            <a:ext cx="1268384" cy="387092"/>
+          </a:xfrm>
+          <a:prstGeom prst="roundRect">
+            <a:avLst/>
+          </a:prstGeom>
+          <a:solidFill>
+            <a:schemeClr val="accent4">
+              <a:lumMod val="20%"/>
+              <a:lumOff val="80%"/>
+            </a:schemeClr>
+          </a:solidFill>
+        </p:spPr>
+        <p:style>
+          <a:lnRef idx="2">
+            <a:schemeClr val="accent1">
+              <a:shade val="50%"/>
+            </a:schemeClr>
+          </a:lnRef>
+          <a:fillRef idx="1">
+            <a:schemeClr val="accent1"/>
+          </a:fillRef>
+          <a:effectRef idx="0">
+            <a:schemeClr val="accent1"/>
+          </a:effectRef>
+          <a:fontRef idx="minor">
+            <a:schemeClr val="lt1"/>
+          </a:fontRef>
+        </p:style>
+        <p:txBody>
+          <a:bodyPr rtlCol="0" anchor="ctr"/>
+          <a:lstStyle/>
+          <a:p>
+            <a:pPr algn="ctr"/>
+            <a:r>
+              <a:rPr lang="it-IT" sz="1200" dirty="0" err="1">
+                <a:solidFill>
+                  <a:schemeClr val="tx1"/>
+                </a:solidFill>
+              </a:rPr>
+              <a:t>UseRobotAril</a:t>
+            </a:r>
+            <a:endParaRPr lang="it-IT" sz="1200" dirty="0">
+              <a:solidFill>
+                <a:schemeClr val="tx1"/>
+              </a:solidFill>
+            </a:endParaRPr>
+          </a:p>
+        </p:txBody>
+      </p:sp>
+      <p:sp>
+        <p:nvSpPr>
+          <p:cNvPr id="46" name="Rettangolo con angoli arrotondati 45">
+            <a:extLst>
+              <a:ext uri="{FF2B5EF4-FFF2-40B4-BE49-F238E27FC236}">
+                <a16:creationId xmlns:a16="http://schemas.microsoft.com/office/drawing/2014/main" id="{F3F2B286-02FB-4099-8D17-3E017CC3CD1A}"/>
+              </a:ext>
+            </a:extLst>
+          </p:cNvPr>
+          <p:cNvSpPr/>
+          <p:nvPr/>
+        </p:nvSpPr>
+        <p:spPr>
+          <a:xfrm>
+            <a:off x="1177144" y="3338927"/>
+            <a:ext cx="1876779" cy="387092"/>
+          </a:xfrm>
+          <a:prstGeom prst="roundRect">
+            <a:avLst/>
+          </a:prstGeom>
+          <a:solidFill>
+            <a:schemeClr val="accent4">
+              <a:lumMod val="20%"/>
+              <a:lumOff val="80%"/>
+            </a:schemeClr>
+          </a:solidFill>
+        </p:spPr>
+        <p:style>
+          <a:lnRef idx="2">
+            <a:schemeClr val="accent1">
+              <a:shade val="50%"/>
+            </a:schemeClr>
+          </a:lnRef>
+          <a:fillRef idx="1">
+            <a:schemeClr val="accent1"/>
+          </a:fillRef>
+          <a:effectRef idx="0">
+            <a:schemeClr val="accent1"/>
+          </a:effectRef>
+          <a:fontRef idx="minor">
+            <a:schemeClr val="lt1"/>
+          </a:fontRef>
+        </p:style>
+        <p:txBody>
+          <a:bodyPr rtlCol="0" anchor="ctr"/>
+          <a:lstStyle/>
+          <a:p>
+            <a:pPr algn="ctr"/>
+            <a:r>
+              <a:rPr lang="it-IT" sz="1200" dirty="0" err="1">
+                <a:solidFill>
+                  <a:schemeClr val="tx1"/>
+                </a:solidFill>
+              </a:rPr>
+              <a:t>commsSupport</a:t>
+            </a:r>
+            <a:endParaRPr lang="it-IT" sz="1200" dirty="0">
+              <a:solidFill>
+                <a:schemeClr val="tx1"/>
+              </a:solidFill>
+            </a:endParaRPr>
+          </a:p>
+        </p:txBody>
+      </p:sp>
+      <p:sp>
+        <p:nvSpPr>
+          <p:cNvPr id="49" name="Rettangolo con angoli arrotondati 48">
+            <a:extLst>
+              <a:ext uri="{FF2B5EF4-FFF2-40B4-BE49-F238E27FC236}">
+                <a16:creationId xmlns:a16="http://schemas.microsoft.com/office/drawing/2014/main" id="{0D4D8BAE-69C5-4AB4-842C-FD51BC3EA7EA}"/>
+              </a:ext>
+            </a:extLst>
+          </p:cNvPr>
+          <p:cNvSpPr/>
+          <p:nvPr/>
+        </p:nvSpPr>
+        <p:spPr>
+          <a:xfrm>
+            <a:off x="1152868" y="3103413"/>
+            <a:ext cx="1901055" cy="252859"/>
+          </a:xfrm>
+          <a:prstGeom prst="roundRect">
+            <a:avLst/>
+          </a:prstGeom>
+          <a:solidFill>
+            <a:srgbClr val="CCFF99"/>
+          </a:solidFill>
+        </p:spPr>
+        <p:style>
+          <a:lnRef idx="2">
+            <a:schemeClr val="accent1">
+              <a:shade val="50%"/>
+            </a:schemeClr>
+          </a:lnRef>
+          <a:fillRef idx="1">
+            <a:schemeClr val="accent1"/>
+          </a:fillRef>
+          <a:effectRef idx="0">
+            <a:schemeClr val="accent1"/>
+          </a:effectRef>
+          <a:fontRef idx="minor">
+            <a:schemeClr val="lt1"/>
+          </a:fontRef>
+        </p:style>
+        <p:txBody>
+          <a:bodyPr rtlCol="0" anchor="ctr"/>
+          <a:lstStyle/>
+          <a:p>
+            <a:pPr algn="ctr"/>
+            <a:r>
+              <a:rPr lang="it-IT" sz="1400" dirty="0" err="1">
+                <a:solidFill>
+                  <a:schemeClr val="tx1"/>
+                </a:solidFill>
+              </a:rPr>
+              <a:t>IssOperations</a:t>
+            </a:r>
+            <a:r>
+              <a:rPr lang="it-IT" sz="1400" dirty="0">
+                <a:solidFill>
+                  <a:schemeClr val="tx1"/>
+                </a:solidFill>
+              </a:rPr>
+              <a:t> </a:t>
+            </a:r>
+            <a:r>
+              <a:rPr lang="it-IT" sz="1100" dirty="0" err="1">
+                <a:solidFill>
+                  <a:schemeClr val="tx1"/>
+                </a:solidFill>
+              </a:rPr>
+              <a:t>interface</a:t>
+            </a:r>
+            <a:endParaRPr lang="it-IT" sz="1100" dirty="0">
+              <a:solidFill>
+                <a:schemeClr val="tx1"/>
+              </a:solidFill>
+            </a:endParaRPr>
+          </a:p>
+        </p:txBody>
+      </p:sp>
+      <p:cxnSp>
+        <p:nvCxnSpPr>
+          <p:cNvPr id="51" name="Connettore a gomito 50">
+            <a:extLst>
+              <a:ext uri="{FF2B5EF4-FFF2-40B4-BE49-F238E27FC236}">
+                <a16:creationId xmlns:a16="http://schemas.microsoft.com/office/drawing/2014/main" id="{F6E75875-3A98-4380-9D75-49B196487828}"/>
+              </a:ext>
+            </a:extLst>
+          </p:cNvPr>
+          <p:cNvCxnSpPr>
+            <a:cxnSpLocks/>
+            <a:stCxn id="81" idx="2"/>
+            <a:endCxn id="49" idx="0"/>
+          </p:cNvCxnSpPr>
+          <p:nvPr/>
+        </p:nvCxnSpPr>
+        <p:spPr>
+          <a:xfrm rot="5400000">
+            <a:off x="1968505" y="2956383"/>
+            <a:ext cx="281922" cy="12139"/>
+          </a:xfrm>
+          <a:prstGeom prst="bentConnector3">
+            <a:avLst>
+              <a:gd name="adj1" fmla="val 50000"/>
+            </a:avLst>
+          </a:prstGeom>
+          <a:ln>
+            <a:tailEnd type="triangle"/>
+          </a:ln>
+        </p:spPr>
+        <p:style>
+          <a:lnRef idx="1">
+            <a:schemeClr val="accent1"/>
+          </a:lnRef>
+          <a:fillRef idx="0">
+            <a:schemeClr val="accent1"/>
+          </a:fillRef>
+          <a:effectRef idx="0">
+            <a:schemeClr val="accent1"/>
+          </a:effectRef>
+          <a:fontRef idx="minor">
+            <a:schemeClr val="tx1"/>
+          </a:fontRef>
+        </p:style>
+      </p:cxnSp>
+      <p:sp>
+        <p:nvSpPr>
+          <p:cNvPr id="11" name="CasellaDiTesto 10">
+            <a:extLst>
+              <a:ext uri="{FF2B5EF4-FFF2-40B4-BE49-F238E27FC236}">
+                <a16:creationId xmlns:a16="http://schemas.microsoft.com/office/drawing/2014/main" id="{848C2B8C-AE54-4036-91E5-BBF812FD1CB3}"/>
+              </a:ext>
+            </a:extLst>
+          </p:cNvPr>
+          <p:cNvSpPr txBox="1"/>
+          <p:nvPr/>
+        </p:nvSpPr>
+        <p:spPr>
+          <a:xfrm>
+            <a:off x="3294461" y="3237847"/>
+            <a:ext cx="802399" cy="307777"/>
+          </a:xfrm>
+          <a:prstGeom prst="rect">
+            <a:avLst/>
+          </a:prstGeom>
+          <a:noFill/>
+        </p:spPr>
+        <p:txBody>
+          <a:bodyPr wrap="none" rtlCol="0">
+            <a:spAutoFit/>
+          </a:bodyPr>
+          <a:lstStyle/>
+          <a:p>
+            <a:r>
+              <a:rPr lang="it-IT" sz="1400" dirty="0" err="1"/>
+              <a:t>cril-level</a:t>
+            </a:r>
+            <a:endParaRPr lang="it-IT" sz="1400" dirty="0"/>
+          </a:p>
+        </p:txBody>
+      </p:sp>
+      <p:sp>
+        <p:nvSpPr>
+          <p:cNvPr id="64" name="CasellaDiTesto 63">
+            <a:extLst>
+              <a:ext uri="{FF2B5EF4-FFF2-40B4-BE49-F238E27FC236}">
+                <a16:creationId xmlns:a16="http://schemas.microsoft.com/office/drawing/2014/main" id="{DED617B4-77C9-4A0B-8A7D-8BBCC332E668}"/>
+              </a:ext>
+            </a:extLst>
+          </p:cNvPr>
+          <p:cNvSpPr txBox="1"/>
+          <p:nvPr/>
+        </p:nvSpPr>
+        <p:spPr>
+          <a:xfrm>
+            <a:off x="3276150" y="2424533"/>
+            <a:ext cx="813621" cy="307777"/>
+          </a:xfrm>
+          <a:prstGeom prst="rect">
+            <a:avLst/>
+          </a:prstGeom>
+          <a:noFill/>
+        </p:spPr>
+        <p:txBody>
+          <a:bodyPr wrap="none" rtlCol="0">
+            <a:spAutoFit/>
+          </a:bodyPr>
+          <a:lstStyle/>
+          <a:p>
+            <a:r>
+              <a:rPr lang="it-IT" sz="1400" dirty="0" err="1"/>
+              <a:t>aril-level</a:t>
+            </a:r>
+            <a:endParaRPr lang="it-IT" sz="1400" dirty="0"/>
+          </a:p>
+        </p:txBody>
+      </p:sp>
+      <p:sp>
+        <p:nvSpPr>
+          <p:cNvPr id="77" name="CasellaDiTesto 76">
+            <a:extLst>
+              <a:ext uri="{FF2B5EF4-FFF2-40B4-BE49-F238E27FC236}">
+                <a16:creationId xmlns:a16="http://schemas.microsoft.com/office/drawing/2014/main" id="{7C207DF5-5A33-4BFF-930C-982C5ED7D373}"/>
+              </a:ext>
+            </a:extLst>
+          </p:cNvPr>
+          <p:cNvSpPr txBox="1"/>
+          <p:nvPr/>
+        </p:nvSpPr>
+        <p:spPr>
+          <a:xfrm>
+            <a:off x="2733019" y="1666707"/>
+            <a:ext cx="1390765" cy="307777"/>
+          </a:xfrm>
+          <a:prstGeom prst="rect">
+            <a:avLst/>
+          </a:prstGeom>
+          <a:noFill/>
+        </p:spPr>
+        <p:txBody>
+          <a:bodyPr wrap="none" rtlCol="0">
+            <a:spAutoFit/>
+          </a:bodyPr>
+          <a:lstStyle/>
+          <a:p>
+            <a:r>
+              <a:rPr lang="it-IT" sz="1400" dirty="0" err="1"/>
+              <a:t>application-level</a:t>
+            </a:r>
+            <a:endParaRPr lang="it-IT" sz="1400" dirty="0"/>
           </a:p>
         </p:txBody>
       </p:sp>

--- a/it.unibo.issLabStart/userDocs/BoundaryProblem.pptx
+++ b/it.unibo.issLabStart/userDocs/BoundaryProblem.pptx
@@ -1454,7 +1454,7 @@
             <a:fld id="{E1625027-F480-45BE-98EB-E4ABD50F7C43}" type="datetime1">
               <a:rPr lang="en-US"/>
               <a:pPr lvl="0"/>
-              <a:t>3/1/2021</a:t>
+              <a:t>3/2/2021</a:t>
             </a:fld>
             <a:endParaRPr lang="en-US"/>
           </a:p>
@@ -1517,7 +1517,7 @@
           <a:p>
             <a:pPr lvl="0"/>
             <a:fld id="{FEBEED23-3CB0-4314-8E77-F77AE33DDC27}" type="slidenum">
-              <a:t>‹N›</a:t>
+              <a:t>‹#›</a:t>
             </a:fld>
             <a:endParaRPr lang="en-US"/>
           </a:p>
@@ -1659,7 +1659,7 @@
             <a:fld id="{2B127D2E-5ADA-4DDC-9F1A-AD6A016AA88A}" type="datetime1">
               <a:rPr lang="en-US"/>
               <a:pPr lvl="0"/>
-              <a:t>3/1/2021</a:t>
+              <a:t>3/2/2021</a:t>
             </a:fld>
             <a:endParaRPr lang="en-US"/>
           </a:p>
@@ -1722,7 +1722,7 @@
           <a:p>
             <a:pPr lvl="0"/>
             <a:fld id="{C85F89E6-E841-433D-9226-E1980481D595}" type="slidenum">
-              <a:t>‹N›</a:t>
+              <a:t>‹#›</a:t>
             </a:fld>
             <a:endParaRPr lang="en-US"/>
           </a:p>
@@ -1909,7 +1909,7 @@
             <a:fld id="{DC8D2D60-A35A-4E29-90AF-F462F3828E68}" type="datetime1">
               <a:rPr lang="en-US"/>
               <a:pPr lvl="0"/>
-              <a:t>3/1/2021</a:t>
+              <a:t>3/2/2021</a:t>
             </a:fld>
             <a:endParaRPr lang="en-US"/>
           </a:p>
@@ -1972,7 +1972,7 @@
           <a:p>
             <a:pPr lvl="0"/>
             <a:fld id="{25E8B9DC-1601-4E89-9BF3-67798058929C}" type="slidenum">
-              <a:t>‹N›</a:t>
+              <a:t>‹#›</a:t>
             </a:fld>
             <a:endParaRPr lang="en-US"/>
           </a:p>
@@ -2247,7 +2247,7 @@
             <a:fld id="{28219253-5FC5-4A40-8333-D1B15AC5878A}" type="datetime1">
               <a:rPr lang="en-US"/>
               <a:pPr lvl="0"/>
-              <a:t>3/1/2021</a:t>
+              <a:t>3/2/2021</a:t>
             </a:fld>
             <a:endParaRPr lang="en-US"/>
           </a:p>
@@ -2310,7 +2310,7 @@
           <a:p>
             <a:pPr lvl="0"/>
             <a:fld id="{86011E27-E238-48D1-8B6B-308E3305A798}" type="slidenum">
-              <a:t>‹N›</a:t>
+              <a:t>‹#›</a:t>
             </a:fld>
             <a:endParaRPr lang="en-US"/>
           </a:p>
@@ -2497,7 +2497,7 @@
             <a:fld id="{33CA4D83-3349-4ABB-88EE-6E4E7B0BB022}" type="datetime1">
               <a:rPr lang="en-US"/>
               <a:pPr lvl="0"/>
-              <a:t>3/1/2021</a:t>
+              <a:t>3/2/2021</a:t>
             </a:fld>
             <a:endParaRPr lang="en-US"/>
           </a:p>
@@ -2560,7 +2560,7 @@
           <a:p>
             <a:pPr lvl="0"/>
             <a:fld id="{3838CB40-8488-4632-BEE4-1726605F46A2}" type="slidenum">
-              <a:t>‹N›</a:t>
+              <a:t>‹#›</a:t>
             </a:fld>
             <a:endParaRPr lang="en-US"/>
           </a:p>
@@ -2877,7 +2877,7 @@
             <a:fld id="{2FB5C852-7CCC-490C-814F-DFECD5F43B20}" type="datetime1">
               <a:rPr lang="en-US"/>
               <a:pPr lvl="0"/>
-              <a:t>3/1/2021</a:t>
+              <a:t>3/2/2021</a:t>
             </a:fld>
             <a:endParaRPr lang="en-US"/>
           </a:p>
@@ -2940,7 +2940,7 @@
           <a:p>
             <a:pPr lvl="0"/>
             <a:fld id="{DF155DDB-B265-4385-85EB-9BB6F96920F3}" type="slidenum">
-              <a:t>‹N›</a:t>
+              <a:t>‹#›</a:t>
             </a:fld>
             <a:endParaRPr lang="en-US"/>
           </a:p>
@@ -3111,7 +3111,7 @@
             <a:fld id="{7B2A1F4C-93D8-43D7-8339-D733494904AF}" type="datetime1">
               <a:rPr lang="en-US"/>
               <a:pPr lvl="0"/>
-              <a:t>3/1/2021</a:t>
+              <a:t>3/2/2021</a:t>
             </a:fld>
             <a:endParaRPr lang="en-US"/>
           </a:p>
@@ -3174,7 +3174,7 @@
           <a:p>
             <a:pPr lvl="0"/>
             <a:fld id="{AFBA4CC0-DF28-4594-B397-0B69C273FCC7}" type="slidenum">
-              <a:t>‹N›</a:t>
+              <a:t>‹#›</a:t>
             </a:fld>
             <a:endParaRPr lang="en-US"/>
           </a:p>
@@ -3355,7 +3355,7 @@
             <a:fld id="{77885217-A614-4057-B794-FF8AEFCE0435}" type="datetime1">
               <a:rPr lang="en-US"/>
               <a:pPr lvl="0"/>
-              <a:t>3/1/2021</a:t>
+              <a:t>3/2/2021</a:t>
             </a:fld>
             <a:endParaRPr lang="en-US"/>
           </a:p>
@@ -3418,7 +3418,7 @@
           <a:p>
             <a:pPr lvl="0"/>
             <a:fld id="{EFAAD9BC-2D0C-483F-8155-9F1E48F77017}" type="slidenum">
-              <a:t>‹N›</a:t>
+              <a:t>‹#›</a:t>
             </a:fld>
             <a:endParaRPr lang="en-US"/>
           </a:p>
@@ -3589,7 +3589,7 @@
             <a:fld id="{D0DACD68-29B9-4EF3-AEDA-C2F359F2DD76}" type="datetime1">
               <a:rPr lang="en-US"/>
               <a:pPr lvl="0"/>
-              <a:t>3/1/2021</a:t>
+              <a:t>3/2/2021</a:t>
             </a:fld>
             <a:endParaRPr lang="en-US"/>
           </a:p>
@@ -3652,7 +3652,7 @@
           <a:p>
             <a:pPr lvl="0"/>
             <a:fld id="{7548A338-ED36-4B02-8A7A-B62AA2999902}" type="slidenum">
-              <a:t>‹N›</a:t>
+              <a:t>‹#›</a:t>
             </a:fld>
             <a:endParaRPr lang="en-US"/>
           </a:p>
@@ -3798,7 +3798,7 @@
             <a:fld id="{06E0725F-6EB9-4ECD-B0CE-1D38B1127686}" type="datetime1">
               <a:rPr lang="en-US"/>
               <a:pPr lvl="0"/>
-              <a:t>3/1/2021</a:t>
+              <a:t>3/2/2021</a:t>
             </a:fld>
             <a:endParaRPr lang="en-US"/>
           </a:p>
@@ -3861,7 +3861,7 @@
           <a:p>
             <a:pPr lvl="0"/>
             <a:fld id="{864A4FA9-6AAC-4551-B51D-2A8210D0C5CC}" type="slidenum">
-              <a:t>‹N›</a:t>
+              <a:t>‹#›</a:t>
             </a:fld>
             <a:endParaRPr lang="en-US"/>
           </a:p>
@@ -4115,7 +4115,7 @@
             <a:fld id="{4C942382-4B6B-45E1-9E36-EC8B67CEA045}" type="datetime1">
               <a:rPr lang="en-US"/>
               <a:pPr lvl="0"/>
-              <a:t>3/1/2021</a:t>
+              <a:t>3/2/2021</a:t>
             </a:fld>
             <a:endParaRPr lang="en-US"/>
           </a:p>
@@ -4178,7 +4178,7 @@
           <a:p>
             <a:pPr lvl="0"/>
             <a:fld id="{3B82688E-5447-4477-9F70-BCD59116F07E}" type="slidenum">
-              <a:t>‹N›</a:t>
+              <a:t>‹#›</a:t>
             </a:fld>
             <a:endParaRPr lang="en-US"/>
           </a:p>
@@ -4514,7 +4514,7 @@
             <a:fld id="{7D3D84F2-FEA2-4427-96E5-10B973ED4870}" type="datetime1">
               <a:rPr lang="en-US"/>
               <a:pPr lvl="0"/>
-              <a:t>3/1/2021</a:t>
+              <a:t>3/2/2021</a:t>
             </a:fld>
             <a:endParaRPr lang="en-US"/>
           </a:p>
@@ -4577,7 +4577,7 @@
           <a:p>
             <a:pPr lvl="0"/>
             <a:fld id="{CB2E60DC-FEE2-4D8E-B96B-62896C0CB29E}" type="slidenum">
-              <a:t>‹N›</a:t>
+              <a:t>‹#›</a:t>
             </a:fld>
             <a:endParaRPr lang="en-US"/>
           </a:p>
@@ -4675,7 +4675,7 @@
             <a:fld id="{B7AF3369-AE36-4F4C-A2F2-CD9A19A2C3F5}" type="datetime1">
               <a:rPr lang="en-US"/>
               <a:pPr lvl="0"/>
-              <a:t>3/1/2021</a:t>
+              <a:t>3/2/2021</a:t>
             </a:fld>
             <a:endParaRPr lang="en-US"/>
           </a:p>
@@ -4738,7 +4738,7 @@
           <a:p>
             <a:pPr lvl="0"/>
             <a:fld id="{89A43199-AD0E-4750-B27B-4C1D93A2EA32}" type="slidenum">
-              <a:t>‹N›</a:t>
+              <a:t>‹#›</a:t>
             </a:fld>
             <a:endParaRPr lang="en-US"/>
           </a:p>
@@ -4804,7 +4804,7 @@
             <a:fld id="{1DBFF290-4D61-45AA-9912-220341DCFF82}" type="datetime1">
               <a:rPr lang="en-US"/>
               <a:pPr lvl="0"/>
-              <a:t>3/1/2021</a:t>
+              <a:t>3/2/2021</a:t>
             </a:fld>
             <a:endParaRPr lang="en-US"/>
           </a:p>
@@ -4867,7 +4867,7 @@
           <a:p>
             <a:pPr lvl="0"/>
             <a:fld id="{1770E780-0E85-498B-B658-B69898171ACB}" type="slidenum">
-              <a:t>‹N›</a:t>
+              <a:t>‹#›</a:t>
             </a:fld>
             <a:endParaRPr lang="en-US"/>
           </a:p>
@@ -5087,7 +5087,7 @@
             <a:fld id="{394810FF-4C92-4868-8A78-69B7E79AAD23}" type="datetime1">
               <a:rPr lang="en-US"/>
               <a:pPr lvl="0"/>
-              <a:t>3/1/2021</a:t>
+              <a:t>3/2/2021</a:t>
             </a:fld>
             <a:endParaRPr lang="en-US"/>
           </a:p>
@@ -5150,7 +5150,7 @@
           <a:p>
             <a:pPr lvl="0"/>
             <a:fld id="{7AC017E1-2DD0-4D42-9E09-06ADDE3F63D7}" type="slidenum">
-              <a:t>‹N›</a:t>
+              <a:t>‹#›</a:t>
             </a:fld>
             <a:endParaRPr lang="en-US"/>
           </a:p>
@@ -5331,7 +5331,7 @@
             <a:fld id="{5EEF1104-63C8-41E5-ADC2-4624C67A1313}" type="datetime1">
               <a:rPr lang="en-US"/>
               <a:pPr lvl="0"/>
-              <a:t>3/1/2021</a:t>
+              <a:t>3/2/2021</a:t>
             </a:fld>
             <a:endParaRPr lang="en-US"/>
           </a:p>
@@ -5394,7 +5394,7 @@
           <a:p>
             <a:pPr lvl="0"/>
             <a:fld id="{3B62C8DE-7929-43A8-9BA2-34E07DFC7D3C}" type="slidenum">
-              <a:t>‹N›</a:t>
+              <a:t>‹#›</a:t>
             </a:fld>
             <a:endParaRPr lang="en-US"/>
           </a:p>
@@ -6817,7 +6817,7 @@
             <a:fld id="{3431AD46-0528-4BA3-9348-B3C09F91749D}" type="datetime1">
               <a:rPr lang="en-US"/>
               <a:pPr lvl="0"/>
-              <a:t>3/1/2021</a:t>
+              <a:t>3/2/2021</a:t>
             </a:fld>
             <a:endParaRPr lang="en-US"/>
           </a:p>
@@ -6942,7 +6942,7 @@
           <a:p>
             <a:pPr lvl="0"/>
             <a:fld id="{5FDB0281-6497-4923-A6A9-684DC7375417}" type="slidenum">
-              <a:t>‹N›</a:t>
+              <a:t>‹#›</a:t>
             </a:fld>
             <a:endParaRPr lang="en-US"/>
           </a:p>
@@ -7967,7 +7967,7 @@
         </p:nvSpPr>
         <p:spPr>
           <a:xfrm>
-            <a:off x="3124199" y="6356350"/>
+            <a:off x="8318291" y="6393728"/>
             <a:ext cx="4940505" cy="365125"/>
           </a:xfrm>
           <a:prstGeom prst="rect">
@@ -10380,6 +10380,847 @@
           </p:style>
         </p:cxnSp>
       </p:grpSp>
+      <p:sp>
+        <p:nvSpPr>
+          <p:cNvPr id="49" name="CasellaDiTesto 65">
+            <a:extLst>
+              <a:ext uri="{FF2B5EF4-FFF2-40B4-BE49-F238E27FC236}">
+                <a16:creationId xmlns:a16="http://schemas.microsoft.com/office/drawing/2014/main" id="{C75E478B-AC66-4BF5-976C-24B2B59E0FE0}"/>
+              </a:ext>
+            </a:extLst>
+          </p:cNvPr>
+          <p:cNvSpPr txBox="1"/>
+          <p:nvPr/>
+        </p:nvSpPr>
+        <p:spPr>
+          <a:xfrm>
+            <a:off x="7727532" y="866917"/>
+            <a:ext cx="1561453" cy="400110"/>
+          </a:xfrm>
+          <a:prstGeom prst="rect">
+            <a:avLst/>
+          </a:prstGeom>
+          <a:noFill/>
+        </p:spPr>
+        <p:txBody>
+          <a:bodyPr wrap="none" rtlCol="0">
+            <a:spAutoFit/>
+          </a:bodyPr>
+          <a:lstStyle/>
+          <a:p>
+            <a:r>
+              <a:rPr lang="it-IT" sz="2000" dirty="0"/>
+              <a:t>Procedure</a:t>
+            </a:r>
+            <a:r>
+              <a:rPr lang="it-IT" sz="1600" dirty="0"/>
+              <a:t> </a:t>
+            </a:r>
+            <a:r>
+              <a:rPr lang="it-IT" sz="2000" dirty="0"/>
+              <a:t>Call</a:t>
+            </a:r>
+            <a:endParaRPr lang="en-GB" sz="2000" dirty="0"/>
+          </a:p>
+        </p:txBody>
+      </p:sp>
+      <p:cxnSp>
+        <p:nvCxnSpPr>
+          <p:cNvPr id="50" name="Connettore 2 9">
+            <a:extLst>
+              <a:ext uri="{FF2B5EF4-FFF2-40B4-BE49-F238E27FC236}">
+                <a16:creationId xmlns:a16="http://schemas.microsoft.com/office/drawing/2014/main" id="{B250C45B-6F46-470D-A77B-F64B729E3B97}"/>
+              </a:ext>
+            </a:extLst>
+          </p:cNvPr>
+          <p:cNvCxnSpPr/>
+          <p:nvPr/>
+        </p:nvCxnSpPr>
+        <p:spPr>
+          <a:xfrm>
+            <a:off x="6900348" y="1067023"/>
+            <a:ext cx="699082" cy="0"/>
+          </a:xfrm>
+          <a:prstGeom prst="straightConnector1">
+            <a:avLst/>
+          </a:prstGeom>
+          <a:ln>
+            <a:tailEnd type="arrow"/>
+          </a:ln>
+        </p:spPr>
+        <p:style>
+          <a:lnRef idx="1">
+            <a:schemeClr val="accent1"/>
+          </a:lnRef>
+          <a:fillRef idx="0">
+            <a:schemeClr val="accent1"/>
+          </a:fillRef>
+          <a:effectRef idx="0">
+            <a:schemeClr val="accent1"/>
+          </a:effectRef>
+          <a:fontRef idx="minor">
+            <a:schemeClr val="tx1"/>
+          </a:fontRef>
+        </p:style>
+      </p:cxnSp>
+      <p:grpSp>
+        <p:nvGrpSpPr>
+          <p:cNvPr id="51" name="Gruppo 40">
+            <a:extLst>
+              <a:ext uri="{FF2B5EF4-FFF2-40B4-BE49-F238E27FC236}">
+                <a16:creationId xmlns:a16="http://schemas.microsoft.com/office/drawing/2014/main" id="{B8089382-D385-431F-8043-6DE1953C7B86}"/>
+              </a:ext>
+            </a:extLst>
+          </p:cNvPr>
+          <p:cNvGrpSpPr/>
+          <p:nvPr/>
+        </p:nvGrpSpPr>
+        <p:grpSpPr>
+          <a:xfrm>
+            <a:off x="6947248" y="2449519"/>
+            <a:ext cx="592487" cy="258092"/>
+            <a:chOff x="5133975" y="5295900"/>
+            <a:chExt cx="342900" cy="238125"/>
+          </a:xfrm>
+        </p:grpSpPr>
+        <p:sp>
+          <p:nvSpPr>
+            <p:cNvPr id="52" name="Figura a mano libera 41">
+              <a:extLst>
+                <a:ext uri="{FF2B5EF4-FFF2-40B4-BE49-F238E27FC236}">
+                  <a16:creationId xmlns:a16="http://schemas.microsoft.com/office/drawing/2014/main" id="{CE20E73D-C095-485E-B324-B3B2131A88CA}"/>
+                </a:ext>
+              </a:extLst>
+            </p:cNvPr>
+            <p:cNvSpPr/>
+            <p:nvPr/>
+          </p:nvSpPr>
+          <p:spPr>
+            <a:xfrm>
+              <a:off x="5133975" y="5295900"/>
+              <a:ext cx="342900" cy="238125"/>
+            </a:xfrm>
+            <a:custGeom>
+              <a:avLst/>
+              <a:gdLst>
+                <a:gd name="connsiteX0" fmla="*/ 0 w 342900"/>
+                <a:gd name="connsiteY0" fmla="*/ 142875 h 238125"/>
+                <a:gd name="connsiteX1" fmla="*/ 28575 w 342900"/>
+                <a:gd name="connsiteY1" fmla="*/ 38100 h 238125"/>
+                <a:gd name="connsiteX2" fmla="*/ 47625 w 342900"/>
+                <a:gd name="connsiteY2" fmla="*/ 9525 h 238125"/>
+                <a:gd name="connsiteX3" fmla="*/ 76200 w 342900"/>
+                <a:gd name="connsiteY3" fmla="*/ 0 h 238125"/>
+                <a:gd name="connsiteX4" fmla="*/ 104775 w 342900"/>
+                <a:gd name="connsiteY4" fmla="*/ 9525 h 238125"/>
+                <a:gd name="connsiteX5" fmla="*/ 142875 w 342900"/>
+                <a:gd name="connsiteY5" fmla="*/ 95250 h 238125"/>
+                <a:gd name="connsiteX6" fmla="*/ 161925 w 342900"/>
+                <a:gd name="connsiteY6" fmla="*/ 152400 h 238125"/>
+                <a:gd name="connsiteX7" fmla="*/ 171450 w 342900"/>
+                <a:gd name="connsiteY7" fmla="*/ 180975 h 238125"/>
+                <a:gd name="connsiteX8" fmla="*/ 209550 w 342900"/>
+                <a:gd name="connsiteY8" fmla="*/ 238125 h 238125"/>
+                <a:gd name="connsiteX9" fmla="*/ 238125 w 342900"/>
+                <a:gd name="connsiteY9" fmla="*/ 180975 h 238125"/>
+                <a:gd name="connsiteX10" fmla="*/ 266700 w 342900"/>
+                <a:gd name="connsiteY10" fmla="*/ 104775 h 238125"/>
+                <a:gd name="connsiteX11" fmla="*/ 342900 w 342900"/>
+                <a:gd name="connsiteY11" fmla="*/ 85725 h 238125"/>
+              </a:gdLst>
+              <a:ahLst/>
+              <a:cxnLst>
+                <a:cxn ang="0">
+                  <a:pos x="connsiteX0" y="connsiteY0"/>
+                </a:cxn>
+                <a:cxn ang="0">
+                  <a:pos x="connsiteX1" y="connsiteY1"/>
+                </a:cxn>
+                <a:cxn ang="0">
+                  <a:pos x="connsiteX2" y="connsiteY2"/>
+                </a:cxn>
+                <a:cxn ang="0">
+                  <a:pos x="connsiteX3" y="connsiteY3"/>
+                </a:cxn>
+                <a:cxn ang="0">
+                  <a:pos x="connsiteX4" y="connsiteY4"/>
+                </a:cxn>
+                <a:cxn ang="0">
+                  <a:pos x="connsiteX5" y="connsiteY5"/>
+                </a:cxn>
+                <a:cxn ang="0">
+                  <a:pos x="connsiteX6" y="connsiteY6"/>
+                </a:cxn>
+                <a:cxn ang="0">
+                  <a:pos x="connsiteX7" y="connsiteY7"/>
+                </a:cxn>
+                <a:cxn ang="0">
+                  <a:pos x="connsiteX8" y="connsiteY8"/>
+                </a:cxn>
+                <a:cxn ang="0">
+                  <a:pos x="connsiteX9" y="connsiteY9"/>
+                </a:cxn>
+                <a:cxn ang="0">
+                  <a:pos x="connsiteX10" y="connsiteY10"/>
+                </a:cxn>
+                <a:cxn ang="0">
+                  <a:pos x="connsiteX11" y="connsiteY11"/>
+                </a:cxn>
+              </a:cxnLst>
+              <a:rect l="l" t="t" r="r" b="b"/>
+              <a:pathLst>
+                <a:path w="342900" h="238125">
+                  <a:moveTo>
+                    <a:pt x="0" y="142875"/>
+                  </a:moveTo>
+                  <a:cubicBezTo>
+                    <a:pt x="5112" y="117315"/>
+                    <a:pt x="14764" y="58817"/>
+                    <a:pt x="28575" y="38100"/>
+                  </a:cubicBezTo>
+                  <a:cubicBezTo>
+                    <a:pt x="34925" y="28575"/>
+                    <a:pt x="38686" y="16676"/>
+                    <a:pt x="47625" y="9525"/>
+                  </a:cubicBezTo>
+                  <a:cubicBezTo>
+                    <a:pt x="55465" y="3253"/>
+                    <a:pt x="66675" y="3175"/>
+                    <a:pt x="76200" y="0"/>
+                  </a:cubicBezTo>
+                  <a:cubicBezTo>
+                    <a:pt x="85725" y="3175"/>
+                    <a:pt x="96935" y="3253"/>
+                    <a:pt x="104775" y="9525"/>
+                  </a:cubicBezTo>
+                  <a:cubicBezTo>
+                    <a:pt x="125358" y="25992"/>
+                    <a:pt x="137054" y="77787"/>
+                    <a:pt x="142875" y="95250"/>
+                  </a:cubicBezTo>
+                  <a:lnTo>
+                    <a:pt x="161925" y="152400"/>
+                  </a:lnTo>
+                  <a:cubicBezTo>
+                    <a:pt x="165100" y="161925"/>
+                    <a:pt x="169481" y="171130"/>
+                    <a:pt x="171450" y="180975"/>
+                  </a:cubicBezTo>
+                  <a:cubicBezTo>
+                    <a:pt x="182944" y="238445"/>
+                    <a:pt x="165616" y="223480"/>
+                    <a:pt x="209550" y="238125"/>
+                  </a:cubicBezTo>
+                  <a:cubicBezTo>
+                    <a:pt x="228174" y="210189"/>
+                    <a:pt x="230238" y="212523"/>
+                    <a:pt x="238125" y="180975"/>
+                  </a:cubicBezTo>
+                  <a:cubicBezTo>
+                    <a:pt x="243105" y="161054"/>
+                    <a:pt x="243471" y="119293"/>
+                    <a:pt x="266700" y="104775"/>
+                  </a:cubicBezTo>
+                  <a:cubicBezTo>
+                    <a:pt x="300393" y="83717"/>
+                    <a:pt x="313092" y="85725"/>
+                    <a:pt x="342900" y="85725"/>
+                  </a:cubicBezTo>
+                </a:path>
+              </a:pathLst>
+            </a:custGeom>
+            <a:noFill/>
+            <a:ln>
+              <a:solidFill>
+                <a:srgbClr val="C00000"/>
+              </a:solidFill>
+            </a:ln>
+          </p:spPr>
+          <p:style>
+            <a:lnRef idx="2">
+              <a:schemeClr val="accent1">
+                <a:shade val="50%"/>
+              </a:schemeClr>
+            </a:lnRef>
+            <a:fillRef idx="1">
+              <a:schemeClr val="accent1"/>
+            </a:fillRef>
+            <a:effectRef idx="0">
+              <a:schemeClr val="accent1"/>
+            </a:effectRef>
+            <a:fontRef idx="minor">
+              <a:schemeClr val="lt1"/>
+            </a:fontRef>
+          </p:style>
+          <p:txBody>
+            <a:bodyPr rtlCol="0" anchor="ctr"/>
+            <a:lstStyle/>
+            <a:p>
+              <a:pPr algn="ctr"/>
+              <a:endParaRPr lang="it-IT"/>
+            </a:p>
+          </p:txBody>
+        </p:sp>
+        <p:sp>
+          <p:nvSpPr>
+            <p:cNvPr id="53" name="Figura a mano libera 42">
+              <a:extLst>
+                <a:ext uri="{FF2B5EF4-FFF2-40B4-BE49-F238E27FC236}">
+                  <a16:creationId xmlns:a16="http://schemas.microsoft.com/office/drawing/2014/main" id="{B7A8CFB4-56F0-4758-BFE2-ED1467265006}"/>
+                </a:ext>
+              </a:extLst>
+            </p:cNvPr>
+            <p:cNvSpPr/>
+            <p:nvPr/>
+          </p:nvSpPr>
+          <p:spPr>
+            <a:xfrm>
+              <a:off x="5400675" y="5353050"/>
+              <a:ext cx="66675" cy="38100"/>
+            </a:xfrm>
+            <a:custGeom>
+              <a:avLst/>
+              <a:gdLst>
+                <a:gd name="connsiteX0" fmla="*/ 66675 w 66675"/>
+                <a:gd name="connsiteY0" fmla="*/ 38100 h 38100"/>
+                <a:gd name="connsiteX1" fmla="*/ 0 w 66675"/>
+                <a:gd name="connsiteY1" fmla="*/ 0 h 38100"/>
+              </a:gdLst>
+              <a:ahLst/>
+              <a:cxnLst>
+                <a:cxn ang="0">
+                  <a:pos x="connsiteX0" y="connsiteY0"/>
+                </a:cxn>
+                <a:cxn ang="0">
+                  <a:pos x="connsiteX1" y="connsiteY1"/>
+                </a:cxn>
+              </a:cxnLst>
+              <a:rect l="l" t="t" r="r" b="b"/>
+              <a:pathLst>
+                <a:path w="66675" h="38100">
+                  <a:moveTo>
+                    <a:pt x="66675" y="38100"/>
+                  </a:moveTo>
+                  <a:cubicBezTo>
+                    <a:pt x="12962" y="5872"/>
+                    <a:pt x="35609" y="17804"/>
+                    <a:pt x="0" y="0"/>
+                  </a:cubicBezTo>
+                </a:path>
+              </a:pathLst>
+            </a:custGeom>
+            <a:noFill/>
+            <a:ln>
+              <a:solidFill>
+                <a:srgbClr val="C00000"/>
+              </a:solidFill>
+            </a:ln>
+          </p:spPr>
+          <p:style>
+            <a:lnRef idx="2">
+              <a:schemeClr val="accent1">
+                <a:shade val="50%"/>
+              </a:schemeClr>
+            </a:lnRef>
+            <a:fillRef idx="1">
+              <a:schemeClr val="accent1"/>
+            </a:fillRef>
+            <a:effectRef idx="0">
+              <a:schemeClr val="accent1"/>
+            </a:effectRef>
+            <a:fontRef idx="minor">
+              <a:schemeClr val="lt1"/>
+            </a:fontRef>
+          </p:style>
+          <p:txBody>
+            <a:bodyPr rtlCol="0" anchor="ctr"/>
+            <a:lstStyle/>
+            <a:p>
+              <a:pPr algn="ctr"/>
+              <a:endParaRPr lang="it-IT"/>
+            </a:p>
+          </p:txBody>
+        </p:sp>
+        <p:sp>
+          <p:nvSpPr>
+            <p:cNvPr id="54" name="Figura a mano libera 44">
+              <a:extLst>
+                <a:ext uri="{FF2B5EF4-FFF2-40B4-BE49-F238E27FC236}">
+                  <a16:creationId xmlns:a16="http://schemas.microsoft.com/office/drawing/2014/main" id="{9DC3D2E4-78DA-4874-9162-101F8BC37A52}"/>
+                </a:ext>
+              </a:extLst>
+            </p:cNvPr>
+            <p:cNvSpPr/>
+            <p:nvPr/>
+          </p:nvSpPr>
+          <p:spPr>
+            <a:xfrm>
+              <a:off x="5419725" y="5381625"/>
+              <a:ext cx="47625" cy="57150"/>
+            </a:xfrm>
+            <a:custGeom>
+              <a:avLst/>
+              <a:gdLst>
+                <a:gd name="connsiteX0" fmla="*/ 47625 w 47625"/>
+                <a:gd name="connsiteY0" fmla="*/ 0 h 57150"/>
+                <a:gd name="connsiteX1" fmla="*/ 0 w 47625"/>
+                <a:gd name="connsiteY1" fmla="*/ 57150 h 57150"/>
+              </a:gdLst>
+              <a:ahLst/>
+              <a:cxnLst>
+                <a:cxn ang="0">
+                  <a:pos x="connsiteX0" y="connsiteY0"/>
+                </a:cxn>
+                <a:cxn ang="0">
+                  <a:pos x="connsiteX1" y="connsiteY1"/>
+                </a:cxn>
+              </a:cxnLst>
+              <a:rect l="l" t="t" r="r" b="b"/>
+              <a:pathLst>
+                <a:path w="47625" h="57150">
+                  <a:moveTo>
+                    <a:pt x="47625" y="0"/>
+                  </a:moveTo>
+                  <a:cubicBezTo>
+                    <a:pt x="15397" y="53713"/>
+                    <a:pt x="35609" y="39346"/>
+                    <a:pt x="0" y="57150"/>
+                  </a:cubicBezTo>
+                </a:path>
+              </a:pathLst>
+            </a:custGeom>
+            <a:noFill/>
+            <a:ln>
+              <a:solidFill>
+                <a:srgbClr val="C00000"/>
+              </a:solidFill>
+            </a:ln>
+          </p:spPr>
+          <p:style>
+            <a:lnRef idx="2">
+              <a:schemeClr val="accent1">
+                <a:shade val="50%"/>
+              </a:schemeClr>
+            </a:lnRef>
+            <a:fillRef idx="1">
+              <a:schemeClr val="accent1"/>
+            </a:fillRef>
+            <a:effectRef idx="0">
+              <a:schemeClr val="accent1"/>
+            </a:effectRef>
+            <a:fontRef idx="minor">
+              <a:schemeClr val="lt1"/>
+            </a:fontRef>
+          </p:style>
+          <p:txBody>
+            <a:bodyPr rtlCol="0" anchor="ctr"/>
+            <a:lstStyle/>
+            <a:p>
+              <a:pPr algn="ctr"/>
+              <a:endParaRPr lang="it-IT"/>
+            </a:p>
+          </p:txBody>
+        </p:sp>
+      </p:grpSp>
+      <p:sp>
+        <p:nvSpPr>
+          <p:cNvPr id="55" name="CasellaDiTesto 45">
+            <a:extLst>
+              <a:ext uri="{FF2B5EF4-FFF2-40B4-BE49-F238E27FC236}">
+                <a16:creationId xmlns:a16="http://schemas.microsoft.com/office/drawing/2014/main" id="{C364AD4C-2F9C-43F8-A264-BAACE782B62D}"/>
+              </a:ext>
+            </a:extLst>
+          </p:cNvPr>
+          <p:cNvSpPr txBox="1"/>
+          <p:nvPr/>
+        </p:nvSpPr>
+        <p:spPr>
+          <a:xfrm>
+            <a:off x="8028725" y="2423711"/>
+            <a:ext cx="714939" cy="400110"/>
+          </a:xfrm>
+          <a:prstGeom prst="rect">
+            <a:avLst/>
+          </a:prstGeom>
+          <a:noFill/>
+        </p:spPr>
+        <p:txBody>
+          <a:bodyPr wrap="none" rtlCol="0">
+            <a:spAutoFit/>
+          </a:bodyPr>
+          <a:lstStyle/>
+          <a:p>
+            <a:r>
+              <a:rPr lang="it-IT" sz="2000" dirty="0" err="1"/>
+              <a:t>Event</a:t>
+            </a:r>
+            <a:endParaRPr lang="en-GB" sz="2000" dirty="0"/>
+          </a:p>
+        </p:txBody>
+      </p:sp>
+      <p:sp>
+        <p:nvSpPr>
+          <p:cNvPr id="56" name="CasellaDiTesto 46">
+            <a:extLst>
+              <a:ext uri="{FF2B5EF4-FFF2-40B4-BE49-F238E27FC236}">
+                <a16:creationId xmlns:a16="http://schemas.microsoft.com/office/drawing/2014/main" id="{243F3458-25C8-4BFD-BEDC-DB878C44E175}"/>
+              </a:ext>
+            </a:extLst>
+          </p:cNvPr>
+          <p:cNvSpPr txBox="1"/>
+          <p:nvPr/>
+        </p:nvSpPr>
+        <p:spPr>
+          <a:xfrm>
+            <a:off x="7786520" y="1217598"/>
+            <a:ext cx="995209" cy="400110"/>
+          </a:xfrm>
+          <a:prstGeom prst="rect">
+            <a:avLst/>
+          </a:prstGeom>
+          <a:noFill/>
+        </p:spPr>
+        <p:txBody>
+          <a:bodyPr wrap="none" rtlCol="0">
+            <a:spAutoFit/>
+          </a:bodyPr>
+          <a:lstStyle/>
+          <a:p>
+            <a:r>
+              <a:rPr lang="it-IT" sz="2000" dirty="0" err="1"/>
+              <a:t>Dispatch</a:t>
+            </a:r>
+            <a:endParaRPr lang="en-GB" sz="2000" dirty="0"/>
+          </a:p>
+        </p:txBody>
+      </p:sp>
+      <p:sp>
+        <p:nvSpPr>
+          <p:cNvPr id="57" name="CasellaDiTesto 47">
+            <a:extLst>
+              <a:ext uri="{FF2B5EF4-FFF2-40B4-BE49-F238E27FC236}">
+                <a16:creationId xmlns:a16="http://schemas.microsoft.com/office/drawing/2014/main" id="{0A5FD366-C76F-4376-BBB7-D3AFA339A5E0}"/>
+              </a:ext>
+            </a:extLst>
+          </p:cNvPr>
+          <p:cNvSpPr txBox="1"/>
+          <p:nvPr/>
+        </p:nvSpPr>
+        <p:spPr>
+          <a:xfrm>
+            <a:off x="7756449" y="1622023"/>
+            <a:ext cx="933269" cy="400110"/>
+          </a:xfrm>
+          <a:prstGeom prst="rect">
+            <a:avLst/>
+          </a:prstGeom>
+          <a:noFill/>
+        </p:spPr>
+        <p:txBody>
+          <a:bodyPr wrap="none" rtlCol="0">
+            <a:spAutoFit/>
+          </a:bodyPr>
+          <a:lstStyle/>
+          <a:p>
+            <a:r>
+              <a:rPr lang="it-IT" sz="2000" dirty="0" err="1"/>
+              <a:t>Request</a:t>
+            </a:r>
+            <a:endParaRPr lang="en-GB" sz="2000" dirty="0"/>
+          </a:p>
+        </p:txBody>
+      </p:sp>
+      <p:grpSp>
+        <p:nvGrpSpPr>
+          <p:cNvPr id="58" name="Gruppo 48">
+            <a:extLst>
+              <a:ext uri="{FF2B5EF4-FFF2-40B4-BE49-F238E27FC236}">
+                <a16:creationId xmlns:a16="http://schemas.microsoft.com/office/drawing/2014/main" id="{052D6EC3-8494-4782-8871-9E81F84A9237}"/>
+              </a:ext>
+            </a:extLst>
+          </p:cNvPr>
+          <p:cNvGrpSpPr/>
+          <p:nvPr/>
+        </p:nvGrpSpPr>
+        <p:grpSpPr>
+          <a:xfrm>
+            <a:off x="6932535" y="2009942"/>
+            <a:ext cx="666895" cy="86434"/>
+            <a:chOff x="4592177" y="4419530"/>
+            <a:chExt cx="666895" cy="86434"/>
+          </a:xfrm>
+        </p:grpSpPr>
+        <p:cxnSp>
+          <p:nvCxnSpPr>
+            <p:cNvPr id="59" name="Connettore 1 49">
+              <a:extLst>
+                <a:ext uri="{FF2B5EF4-FFF2-40B4-BE49-F238E27FC236}">
+                  <a16:creationId xmlns:a16="http://schemas.microsoft.com/office/drawing/2014/main" id="{11A56531-B12B-43B6-9923-CBB167E167D8}"/>
+                </a:ext>
+              </a:extLst>
+            </p:cNvPr>
+            <p:cNvCxnSpPr/>
+            <p:nvPr/>
+          </p:nvCxnSpPr>
+          <p:spPr>
+            <a:xfrm>
+              <a:off x="4611000" y="4462747"/>
+              <a:ext cx="648072" cy="0"/>
+            </a:xfrm>
+            <a:prstGeom prst="line">
+              <a:avLst/>
+            </a:prstGeom>
+            <a:ln>
+              <a:prstDash val="dash"/>
+            </a:ln>
+          </p:spPr>
+          <p:style>
+            <a:lnRef idx="1">
+              <a:schemeClr val="accent1"/>
+            </a:lnRef>
+            <a:fillRef idx="0">
+              <a:schemeClr val="accent1"/>
+            </a:fillRef>
+            <a:effectRef idx="0">
+              <a:schemeClr val="accent1"/>
+            </a:effectRef>
+            <a:fontRef idx="minor">
+              <a:schemeClr val="tx1"/>
+            </a:fontRef>
+          </p:style>
+        </p:cxnSp>
+        <p:sp>
+          <p:nvSpPr>
+            <p:cNvPr id="60" name="Triangolo isoscele 50">
+              <a:extLst>
+                <a:ext uri="{FF2B5EF4-FFF2-40B4-BE49-F238E27FC236}">
+                  <a16:creationId xmlns:a16="http://schemas.microsoft.com/office/drawing/2014/main" id="{DAD2E45E-4C7D-48A1-BBBD-5E0B01CB0675}"/>
+                </a:ext>
+              </a:extLst>
+            </p:cNvPr>
+            <p:cNvSpPr/>
+            <p:nvPr/>
+          </p:nvSpPr>
+          <p:spPr>
+            <a:xfrm rot="16200000">
+              <a:off x="4618592" y="4393115"/>
+              <a:ext cx="86434" cy="139263"/>
+            </a:xfrm>
+            <a:prstGeom prst="triangle">
+              <a:avLst/>
+            </a:prstGeom>
+            <a:solidFill>
+              <a:schemeClr val="bg1"/>
+            </a:solidFill>
+            <a:ln/>
+          </p:spPr>
+          <p:style>
+            <a:lnRef idx="1">
+              <a:schemeClr val="accent5"/>
+            </a:lnRef>
+            <a:fillRef idx="2">
+              <a:schemeClr val="accent5"/>
+            </a:fillRef>
+            <a:effectRef idx="1">
+              <a:schemeClr val="accent5"/>
+            </a:effectRef>
+            <a:fontRef idx="minor">
+              <a:schemeClr val="dk1"/>
+            </a:fontRef>
+          </p:style>
+          <p:txBody>
+            <a:bodyPr rtlCol="0" anchor="ctr"/>
+            <a:lstStyle/>
+            <a:p>
+              <a:pPr algn="ctr"/>
+              <a:endParaRPr lang="en-GB" sz="1200"/>
+            </a:p>
+          </p:txBody>
+        </p:sp>
+      </p:grpSp>
+      <p:sp>
+        <p:nvSpPr>
+          <p:cNvPr id="61" name="CasellaDiTesto 51">
+            <a:extLst>
+              <a:ext uri="{FF2B5EF4-FFF2-40B4-BE49-F238E27FC236}">
+                <a16:creationId xmlns:a16="http://schemas.microsoft.com/office/drawing/2014/main" id="{7763A4A9-F88E-4678-AE69-C251E38FED6B}"/>
+              </a:ext>
+            </a:extLst>
+          </p:cNvPr>
+          <p:cNvSpPr txBox="1"/>
+          <p:nvPr/>
+        </p:nvSpPr>
+        <p:spPr>
+          <a:xfrm>
+            <a:off x="7782872" y="1865295"/>
+            <a:ext cx="721351" cy="400110"/>
+          </a:xfrm>
+          <a:prstGeom prst="rect">
+            <a:avLst/>
+          </a:prstGeom>
+          <a:noFill/>
+        </p:spPr>
+        <p:txBody>
+          <a:bodyPr wrap="none" rtlCol="0">
+            <a:spAutoFit/>
+          </a:bodyPr>
+          <a:lstStyle/>
+          <a:p>
+            <a:r>
+              <a:rPr lang="it-IT" sz="2000" dirty="0" err="1"/>
+              <a:t>Reply</a:t>
+            </a:r>
+            <a:endParaRPr lang="en-GB" sz="2000" dirty="0"/>
+          </a:p>
+        </p:txBody>
+      </p:sp>
+      <p:cxnSp>
+        <p:nvCxnSpPr>
+          <p:cNvPr id="62" name="Connettore 2 52">
+            <a:extLst>
+              <a:ext uri="{FF2B5EF4-FFF2-40B4-BE49-F238E27FC236}">
+                <a16:creationId xmlns:a16="http://schemas.microsoft.com/office/drawing/2014/main" id="{A8E91C20-0C63-4351-9BFB-4B62D7BB97FE}"/>
+              </a:ext>
+            </a:extLst>
+          </p:cNvPr>
+          <p:cNvCxnSpPr/>
+          <p:nvPr/>
+        </p:nvCxnSpPr>
+        <p:spPr>
+          <a:xfrm>
+            <a:off x="6889135" y="1423689"/>
+            <a:ext cx="783259" cy="0"/>
+          </a:xfrm>
+          <a:prstGeom prst="straightConnector1">
+            <a:avLst/>
+          </a:prstGeom>
+          <a:ln>
+            <a:prstDash val="lgDash"/>
+            <a:tailEnd type="arrow"/>
+          </a:ln>
+        </p:spPr>
+        <p:style>
+          <a:lnRef idx="1">
+            <a:schemeClr val="accent1"/>
+          </a:lnRef>
+          <a:fillRef idx="0">
+            <a:schemeClr val="accent1"/>
+          </a:fillRef>
+          <a:effectRef idx="0">
+            <a:schemeClr val="accent1"/>
+          </a:effectRef>
+          <a:fontRef idx="minor">
+            <a:schemeClr val="tx1"/>
+          </a:fontRef>
+        </p:style>
+      </p:cxnSp>
+      <p:grpSp>
+        <p:nvGrpSpPr>
+          <p:cNvPr id="63" name="Gruppo 7">
+            <a:extLst>
+              <a:ext uri="{FF2B5EF4-FFF2-40B4-BE49-F238E27FC236}">
+                <a16:creationId xmlns:a16="http://schemas.microsoft.com/office/drawing/2014/main" id="{3E2F7F71-927E-494A-8AA6-FD4F25ACEBBA}"/>
+              </a:ext>
+            </a:extLst>
+          </p:cNvPr>
+          <p:cNvGrpSpPr/>
+          <p:nvPr/>
+        </p:nvGrpSpPr>
+        <p:grpSpPr>
+          <a:xfrm>
+            <a:off x="6926898" y="1778861"/>
+            <a:ext cx="787334" cy="86434"/>
+            <a:chOff x="3452446" y="4176616"/>
+            <a:chExt cx="787334" cy="86434"/>
+          </a:xfrm>
+        </p:grpSpPr>
+        <p:sp>
+          <p:nvSpPr>
+            <p:cNvPr id="64" name="Triangolo isoscele 55">
+              <a:extLst>
+                <a:ext uri="{FF2B5EF4-FFF2-40B4-BE49-F238E27FC236}">
+                  <a16:creationId xmlns:a16="http://schemas.microsoft.com/office/drawing/2014/main" id="{462E778C-5D3E-4383-B865-9FFC9CE1458A}"/>
+                </a:ext>
+              </a:extLst>
+            </p:cNvPr>
+            <p:cNvSpPr/>
+            <p:nvPr/>
+          </p:nvSpPr>
+          <p:spPr>
+            <a:xfrm rot="5400000" flipH="1">
+              <a:off x="4126932" y="4150201"/>
+              <a:ext cx="86434" cy="139263"/>
+            </a:xfrm>
+            <a:prstGeom prst="triangle">
+              <a:avLst/>
+            </a:prstGeom>
+            <a:solidFill>
+              <a:schemeClr val="bg1"/>
+            </a:solidFill>
+            <a:ln/>
+          </p:spPr>
+          <p:style>
+            <a:lnRef idx="1">
+              <a:schemeClr val="accent5"/>
+            </a:lnRef>
+            <a:fillRef idx="2">
+              <a:schemeClr val="accent5"/>
+            </a:fillRef>
+            <a:effectRef idx="1">
+              <a:schemeClr val="accent5"/>
+            </a:effectRef>
+            <a:fontRef idx="minor">
+              <a:schemeClr val="dk1"/>
+            </a:fontRef>
+          </p:style>
+          <p:txBody>
+            <a:bodyPr rtlCol="0" anchor="ctr"/>
+            <a:lstStyle/>
+            <a:p>
+              <a:pPr algn="ctr"/>
+              <a:endParaRPr lang="en-GB" sz="1200"/>
+            </a:p>
+          </p:txBody>
+        </p:sp>
+        <p:cxnSp>
+          <p:nvCxnSpPr>
+            <p:cNvPr id="65" name="Connettore 1 56">
+              <a:extLst>
+                <a:ext uri="{FF2B5EF4-FFF2-40B4-BE49-F238E27FC236}">
+                  <a16:creationId xmlns:a16="http://schemas.microsoft.com/office/drawing/2014/main" id="{A8BA98DC-F197-42C7-877B-AAC5035623ED}"/>
+                </a:ext>
+              </a:extLst>
+            </p:cNvPr>
+            <p:cNvCxnSpPr>
+              <a:endCxn id="64" idx="3"/>
+            </p:cNvCxnSpPr>
+            <p:nvPr/>
+          </p:nvCxnSpPr>
+          <p:spPr>
+            <a:xfrm>
+              <a:off x="3452446" y="4219627"/>
+              <a:ext cx="648072" cy="206"/>
+            </a:xfrm>
+            <a:prstGeom prst="line">
+              <a:avLst/>
+            </a:prstGeom>
+          </p:spPr>
+          <p:style>
+            <a:lnRef idx="1">
+              <a:schemeClr val="accent1"/>
+            </a:lnRef>
+            <a:fillRef idx="0">
+              <a:schemeClr val="accent1"/>
+            </a:fillRef>
+            <a:effectRef idx="0">
+              <a:schemeClr val="accent1"/>
+            </a:effectRef>
+            <a:fontRef idx="minor">
+              <a:schemeClr val="tx1"/>
+            </a:fontRef>
+          </p:style>
+        </p:cxnSp>
+      </p:grpSp>
     </p:spTree>
     <p:extLst>
       <p:ext uri="{BB962C8B-B14F-4D97-AF65-F5344CB8AC3E}">

--- a/it.unibo.issLabStart/userDocs/BoundaryProblem.pptx
+++ b/it.unibo.issLabStart/userDocs/BoundaryProblem.pptx
@@ -9,10 +9,11 @@
     <p:sldId id="268" r:id="rId3"/>
     <p:sldId id="269" r:id="rId4"/>
     <p:sldId id="360" r:id="rId5"/>
-    <p:sldId id="262" r:id="rId6"/>
-    <p:sldId id="263" r:id="rId7"/>
-    <p:sldId id="265" r:id="rId8"/>
-    <p:sldId id="267" r:id="rId9"/>
+    <p:sldId id="361" r:id="rId6"/>
+    <p:sldId id="262" r:id="rId7"/>
+    <p:sldId id="263" r:id="rId8"/>
+    <p:sldId id="265" r:id="rId9"/>
+    <p:sldId id="267" r:id="rId10"/>
   </p:sldIdLst>
   <p:sldSz cx="12192000" cy="6858000"/>
   <p:notesSz cx="6858000" cy="9144000"/>
@@ -1454,7 +1455,7 @@
             <a:fld id="{E1625027-F480-45BE-98EB-E4ABD50F7C43}" type="datetime1">
               <a:rPr lang="en-US"/>
               <a:pPr lvl="0"/>
-              <a:t>3/1/2021</a:t>
+              <a:t>3/2/2021</a:t>
             </a:fld>
             <a:endParaRPr lang="en-US"/>
           </a:p>
@@ -1659,7 +1660,7 @@
             <a:fld id="{2B127D2E-5ADA-4DDC-9F1A-AD6A016AA88A}" type="datetime1">
               <a:rPr lang="en-US"/>
               <a:pPr lvl="0"/>
-              <a:t>3/1/2021</a:t>
+              <a:t>3/2/2021</a:t>
             </a:fld>
             <a:endParaRPr lang="en-US"/>
           </a:p>
@@ -1909,7 +1910,7 @@
             <a:fld id="{DC8D2D60-A35A-4E29-90AF-F462F3828E68}" type="datetime1">
               <a:rPr lang="en-US"/>
               <a:pPr lvl="0"/>
-              <a:t>3/1/2021</a:t>
+              <a:t>3/2/2021</a:t>
             </a:fld>
             <a:endParaRPr lang="en-US"/>
           </a:p>
@@ -2247,7 +2248,7 @@
             <a:fld id="{28219253-5FC5-4A40-8333-D1B15AC5878A}" type="datetime1">
               <a:rPr lang="en-US"/>
               <a:pPr lvl="0"/>
-              <a:t>3/1/2021</a:t>
+              <a:t>3/2/2021</a:t>
             </a:fld>
             <a:endParaRPr lang="en-US"/>
           </a:p>
@@ -2497,7 +2498,7 @@
             <a:fld id="{33CA4D83-3349-4ABB-88EE-6E4E7B0BB022}" type="datetime1">
               <a:rPr lang="en-US"/>
               <a:pPr lvl="0"/>
-              <a:t>3/1/2021</a:t>
+              <a:t>3/2/2021</a:t>
             </a:fld>
             <a:endParaRPr lang="en-US"/>
           </a:p>
@@ -2877,7 +2878,7 @@
             <a:fld id="{2FB5C852-7CCC-490C-814F-DFECD5F43B20}" type="datetime1">
               <a:rPr lang="en-US"/>
               <a:pPr lvl="0"/>
-              <a:t>3/1/2021</a:t>
+              <a:t>3/2/2021</a:t>
             </a:fld>
             <a:endParaRPr lang="en-US"/>
           </a:p>
@@ -3111,7 +3112,7 @@
             <a:fld id="{7B2A1F4C-93D8-43D7-8339-D733494904AF}" type="datetime1">
               <a:rPr lang="en-US"/>
               <a:pPr lvl="0"/>
-              <a:t>3/1/2021</a:t>
+              <a:t>3/2/2021</a:t>
             </a:fld>
             <a:endParaRPr lang="en-US"/>
           </a:p>
@@ -3355,7 +3356,7 @@
             <a:fld id="{77885217-A614-4057-B794-FF8AEFCE0435}" type="datetime1">
               <a:rPr lang="en-US"/>
               <a:pPr lvl="0"/>
-              <a:t>3/1/2021</a:t>
+              <a:t>3/2/2021</a:t>
             </a:fld>
             <a:endParaRPr lang="en-US"/>
           </a:p>
@@ -3589,7 +3590,7 @@
             <a:fld id="{D0DACD68-29B9-4EF3-AEDA-C2F359F2DD76}" type="datetime1">
               <a:rPr lang="en-US"/>
               <a:pPr lvl="0"/>
-              <a:t>3/1/2021</a:t>
+              <a:t>3/2/2021</a:t>
             </a:fld>
             <a:endParaRPr lang="en-US"/>
           </a:p>
@@ -3798,7 +3799,7 @@
             <a:fld id="{06E0725F-6EB9-4ECD-B0CE-1D38B1127686}" type="datetime1">
               <a:rPr lang="en-US"/>
               <a:pPr lvl="0"/>
-              <a:t>3/1/2021</a:t>
+              <a:t>3/2/2021</a:t>
             </a:fld>
             <a:endParaRPr lang="en-US"/>
           </a:p>
@@ -4115,7 +4116,7 @@
             <a:fld id="{4C942382-4B6B-45E1-9E36-EC8B67CEA045}" type="datetime1">
               <a:rPr lang="en-US"/>
               <a:pPr lvl="0"/>
-              <a:t>3/1/2021</a:t>
+              <a:t>3/2/2021</a:t>
             </a:fld>
             <a:endParaRPr lang="en-US"/>
           </a:p>
@@ -4514,7 +4515,7 @@
             <a:fld id="{7D3D84F2-FEA2-4427-96E5-10B973ED4870}" type="datetime1">
               <a:rPr lang="en-US"/>
               <a:pPr lvl="0"/>
-              <a:t>3/1/2021</a:t>
+              <a:t>3/2/2021</a:t>
             </a:fld>
             <a:endParaRPr lang="en-US"/>
           </a:p>
@@ -4675,7 +4676,7 @@
             <a:fld id="{B7AF3369-AE36-4F4C-A2F2-CD9A19A2C3F5}" type="datetime1">
               <a:rPr lang="en-US"/>
               <a:pPr lvl="0"/>
-              <a:t>3/1/2021</a:t>
+              <a:t>3/2/2021</a:t>
             </a:fld>
             <a:endParaRPr lang="en-US"/>
           </a:p>
@@ -4804,7 +4805,7 @@
             <a:fld id="{1DBFF290-4D61-45AA-9912-220341DCFF82}" type="datetime1">
               <a:rPr lang="en-US"/>
               <a:pPr lvl="0"/>
-              <a:t>3/1/2021</a:t>
+              <a:t>3/2/2021</a:t>
             </a:fld>
             <a:endParaRPr lang="en-US"/>
           </a:p>
@@ -5087,7 +5088,7 @@
             <a:fld id="{394810FF-4C92-4868-8A78-69B7E79AAD23}" type="datetime1">
               <a:rPr lang="en-US"/>
               <a:pPr lvl="0"/>
-              <a:t>3/1/2021</a:t>
+              <a:t>3/2/2021</a:t>
             </a:fld>
             <a:endParaRPr lang="en-US"/>
           </a:p>
@@ -5331,7 +5332,7 @@
             <a:fld id="{5EEF1104-63C8-41E5-ADC2-4624C67A1313}" type="datetime1">
               <a:rPr lang="en-US"/>
               <a:pPr lvl="0"/>
-              <a:t>3/1/2021</a:t>
+              <a:t>3/2/2021</a:t>
             </a:fld>
             <a:endParaRPr lang="en-US"/>
           </a:p>
@@ -6817,7 +6818,7 @@
             <a:fld id="{3431AD46-0528-4BA3-9348-B3C09F91749D}" type="datetime1">
               <a:rPr lang="en-US"/>
               <a:pPr lvl="0"/>
-              <a:t>3/1/2021</a:t>
+              <a:t>3/2/2021</a:t>
             </a:fld>
             <a:endParaRPr lang="en-US"/>
           </a:p>
@@ -12476,6 +12477,2032 @@
           <a:chExt cx="0" cy="0"/>
         </a:xfrm>
       </p:grpSpPr>
+      <p:sp>
+        <p:nvSpPr>
+          <p:cNvPr id="81" name="Rettangolo con angoli arrotondati 80">
+            <a:extLst>
+              <a:ext uri="{FF2B5EF4-FFF2-40B4-BE49-F238E27FC236}">
+                <a16:creationId xmlns:a16="http://schemas.microsoft.com/office/drawing/2014/main" id="{467D8E2F-B2CB-4F71-8E18-510E17EBF763}"/>
+              </a:ext>
+            </a:extLst>
+          </p:cNvPr>
+          <p:cNvSpPr/>
+          <p:nvPr/>
+        </p:nvSpPr>
+        <p:spPr>
+          <a:xfrm>
+            <a:off x="364219" y="3832021"/>
+            <a:ext cx="2002695" cy="387092"/>
+          </a:xfrm>
+          <a:prstGeom prst="roundRect">
+            <a:avLst/>
+          </a:prstGeom>
+          <a:solidFill>
+            <a:schemeClr val="accent4">
+              <a:lumMod val="20%"/>
+              <a:lumOff val="80%"/>
+            </a:schemeClr>
+          </a:solidFill>
+        </p:spPr>
+        <p:style>
+          <a:lnRef idx="2">
+            <a:schemeClr val="accent1">
+              <a:shade val="50%"/>
+            </a:schemeClr>
+          </a:lnRef>
+          <a:fillRef idx="1">
+            <a:schemeClr val="accent1"/>
+          </a:fillRef>
+          <a:effectRef idx="0">
+            <a:schemeClr val="accent1"/>
+          </a:effectRef>
+          <a:fontRef idx="minor">
+            <a:schemeClr val="lt1"/>
+          </a:fontRef>
+        </p:style>
+        <p:txBody>
+          <a:bodyPr rtlCol="0" anchor="ctr"/>
+          <a:lstStyle/>
+          <a:p>
+            <a:pPr algn="ctr"/>
+            <a:r>
+              <a:rPr lang="it-IT" sz="1400" dirty="0" err="1">
+                <a:solidFill>
+                  <a:schemeClr val="tx1"/>
+                </a:solidFill>
+              </a:rPr>
+              <a:t>IssVirtualRobotSupport</a:t>
+            </a:r>
+            <a:endParaRPr lang="it-IT" sz="1400" dirty="0">
+              <a:solidFill>
+                <a:schemeClr val="tx1"/>
+              </a:solidFill>
+            </a:endParaRPr>
+          </a:p>
+        </p:txBody>
+      </p:sp>
+      <p:sp>
+        <p:nvSpPr>
+          <p:cNvPr id="82" name="Rettangolo con angoli arrotondati 81">
+            <a:extLst>
+              <a:ext uri="{FF2B5EF4-FFF2-40B4-BE49-F238E27FC236}">
+                <a16:creationId xmlns:a16="http://schemas.microsoft.com/office/drawing/2014/main" id="{7F8B1409-8FFA-4CBC-BEEA-F092B41A10DF}"/>
+              </a:ext>
+            </a:extLst>
+          </p:cNvPr>
+          <p:cNvSpPr/>
+          <p:nvPr/>
+        </p:nvSpPr>
+        <p:spPr>
+          <a:xfrm>
+            <a:off x="2682257" y="413137"/>
+            <a:ext cx="1393339" cy="388620"/>
+          </a:xfrm>
+          <a:prstGeom prst="roundRect">
+            <a:avLst/>
+          </a:prstGeom>
+          <a:solidFill>
+            <a:schemeClr val="accent4">
+              <a:lumMod val="20%"/>
+              <a:lumOff val="80%"/>
+            </a:schemeClr>
+          </a:solidFill>
+        </p:spPr>
+        <p:style>
+          <a:lnRef idx="2">
+            <a:schemeClr val="accent1">
+              <a:shade val="50%"/>
+            </a:schemeClr>
+          </a:lnRef>
+          <a:fillRef idx="1">
+            <a:schemeClr val="accent1"/>
+          </a:fillRef>
+          <a:effectRef idx="0">
+            <a:schemeClr val="accent1"/>
+          </a:effectRef>
+          <a:fontRef idx="minor">
+            <a:schemeClr val="lt1"/>
+          </a:fontRef>
+        </p:style>
+        <p:txBody>
+          <a:bodyPr rtlCol="0" anchor="ctr"/>
+          <a:lstStyle/>
+          <a:p>
+            <a:pPr algn="ctr"/>
+            <a:r>
+              <a:rPr lang="it-IT" sz="1400" dirty="0" err="1">
+                <a:solidFill>
+                  <a:schemeClr val="tx1"/>
+                </a:solidFill>
+              </a:rPr>
+              <a:t>IssWsSupport</a:t>
+            </a:r>
+            <a:endParaRPr lang="it-IT" sz="1400" dirty="0">
+              <a:solidFill>
+                <a:schemeClr val="tx1"/>
+              </a:solidFill>
+            </a:endParaRPr>
+          </a:p>
+        </p:txBody>
+      </p:sp>
+      <p:sp>
+        <p:nvSpPr>
+          <p:cNvPr id="83" name="Rettangolo con angoli arrotondati 82">
+            <a:extLst>
+              <a:ext uri="{FF2B5EF4-FFF2-40B4-BE49-F238E27FC236}">
+                <a16:creationId xmlns:a16="http://schemas.microsoft.com/office/drawing/2014/main" id="{4FB29576-36F6-4042-B4AF-298AC3AE01B6}"/>
+              </a:ext>
+            </a:extLst>
+          </p:cNvPr>
+          <p:cNvSpPr/>
+          <p:nvPr/>
+        </p:nvSpPr>
+        <p:spPr>
+          <a:xfrm>
+            <a:off x="1114186" y="415414"/>
+            <a:ext cx="1393339" cy="388620"/>
+          </a:xfrm>
+          <a:prstGeom prst="roundRect">
+            <a:avLst/>
+          </a:prstGeom>
+          <a:solidFill>
+            <a:schemeClr val="accent4">
+              <a:lumMod val="20%"/>
+              <a:lumOff val="80%"/>
+            </a:schemeClr>
+          </a:solidFill>
+        </p:spPr>
+        <p:style>
+          <a:lnRef idx="2">
+            <a:schemeClr val="accent1">
+              <a:shade val="50%"/>
+            </a:schemeClr>
+          </a:lnRef>
+          <a:fillRef idx="1">
+            <a:schemeClr val="accent1"/>
+          </a:fillRef>
+          <a:effectRef idx="0">
+            <a:schemeClr val="accent1"/>
+          </a:effectRef>
+          <a:fontRef idx="minor">
+            <a:schemeClr val="lt1"/>
+          </a:fontRef>
+        </p:style>
+        <p:txBody>
+          <a:bodyPr rtlCol="0" anchor="ctr"/>
+          <a:lstStyle/>
+          <a:p>
+            <a:pPr algn="ctr"/>
+            <a:r>
+              <a:rPr lang="it-IT" sz="1400" dirty="0" err="1">
+                <a:solidFill>
+                  <a:schemeClr val="tx1"/>
+                </a:solidFill>
+              </a:rPr>
+              <a:t>IssHttpSupport</a:t>
+            </a:r>
+            <a:endParaRPr lang="it-IT" sz="1400" dirty="0">
+              <a:solidFill>
+                <a:schemeClr val="tx1"/>
+              </a:solidFill>
+            </a:endParaRPr>
+          </a:p>
+        </p:txBody>
+      </p:sp>
+      <p:cxnSp>
+        <p:nvCxnSpPr>
+          <p:cNvPr id="28" name="Connettore a gomito 27">
+            <a:extLst>
+              <a:ext uri="{FF2B5EF4-FFF2-40B4-BE49-F238E27FC236}">
+                <a16:creationId xmlns:a16="http://schemas.microsoft.com/office/drawing/2014/main" id="{0C71361B-DD82-42D1-80F1-D77443165257}"/>
+              </a:ext>
+            </a:extLst>
+          </p:cNvPr>
+          <p:cNvCxnSpPr>
+            <a:cxnSpLocks/>
+            <a:stCxn id="42" idx="2"/>
+            <a:endCxn id="96" idx="0"/>
+          </p:cNvCxnSpPr>
+          <p:nvPr/>
+        </p:nvCxnSpPr>
+        <p:spPr>
+          <a:xfrm rot="16200000" flipH="1">
+            <a:off x="1239228" y="3484057"/>
+            <a:ext cx="240536" cy="12139"/>
+          </a:xfrm>
+          <a:prstGeom prst="bentConnector3">
+            <a:avLst>
+              <a:gd name="adj1" fmla="val 50000"/>
+            </a:avLst>
+          </a:prstGeom>
+          <a:ln>
+            <a:tailEnd type="triangle"/>
+          </a:ln>
+        </p:spPr>
+        <p:style>
+          <a:lnRef idx="1">
+            <a:schemeClr val="accent1"/>
+          </a:lnRef>
+          <a:fillRef idx="0">
+            <a:schemeClr val="accent1"/>
+          </a:fillRef>
+          <a:effectRef idx="0">
+            <a:schemeClr val="accent1"/>
+          </a:effectRef>
+          <a:fontRef idx="minor">
+            <a:schemeClr val="tx1"/>
+          </a:fontRef>
+        </p:style>
+      </p:cxnSp>
+      <p:pic>
+        <p:nvPicPr>
+          <p:cNvPr id="1029" name="Picture 5" descr="Class diagram - Wikipedia">
+            <a:extLst>
+              <a:ext uri="{FF2B5EF4-FFF2-40B4-BE49-F238E27FC236}">
+                <a16:creationId xmlns:a16="http://schemas.microsoft.com/office/drawing/2014/main" id="{1AA6F953-8BBD-449A-9894-7BBD8CE59B2F}"/>
+              </a:ext>
+            </a:extLst>
+          </p:cNvPr>
+          <p:cNvPicPr>
+            <a:picLocks noChangeAspect="1" noChangeArrowheads="1"/>
+          </p:cNvPicPr>
+          <p:nvPr/>
+        </p:nvPicPr>
+        <p:blipFill>
+          <a:blip r:embed="rId2">
+            <a:extLst>
+              <a:ext uri="{28A0092B-C50C-407E-A947-70E740481C1C}">
+                <a14:useLocalDpi xmlns:a14="http://schemas.microsoft.com/office/drawing/2010/main" val="0"/>
+              </a:ext>
+            </a:extLst>
+          </a:blip>
+          <a:srcRect/>
+          <a:stretch>
+            <a:fillRect/>
+          </a:stretch>
+        </p:blipFill>
+        <p:spPr bwMode="auto">
+          <a:xfrm>
+            <a:off x="4283217" y="258090"/>
+            <a:ext cx="2120184" cy="1413456"/>
+          </a:xfrm>
+          <a:prstGeom prst="rect">
+            <a:avLst/>
+          </a:prstGeom>
+          <a:noFill/>
+          <a:extLst>
+            <a:ext uri="{909E8E84-426E-40DD-AFC4-6F175D3DCCD1}">
+              <a14:hiddenFill xmlns:a14="http://schemas.microsoft.com/office/drawing/2010/main">
+                <a:solidFill>
+                  <a:srgbClr val="FFFFFF"/>
+                </a:solidFill>
+              </a14:hiddenFill>
+            </a:ext>
+          </a:extLst>
+        </p:spPr>
+      </p:pic>
+      <p:cxnSp>
+        <p:nvCxnSpPr>
+          <p:cNvPr id="86" name="Connettore a gomito 85">
+            <a:extLst>
+              <a:ext uri="{FF2B5EF4-FFF2-40B4-BE49-F238E27FC236}">
+                <a16:creationId xmlns:a16="http://schemas.microsoft.com/office/drawing/2014/main" id="{7F241BA3-E6CC-40E3-9512-4604FCFF151D}"/>
+              </a:ext>
+            </a:extLst>
+          </p:cNvPr>
+          <p:cNvCxnSpPr>
+            <a:cxnSpLocks/>
+            <a:stCxn id="111" idx="3"/>
+            <a:endCxn id="83" idx="2"/>
+          </p:cNvCxnSpPr>
+          <p:nvPr/>
+        </p:nvCxnSpPr>
+        <p:spPr>
+          <a:xfrm rot="16200000" flipV="1">
+            <a:off x="2072201" y="542690"/>
+            <a:ext cx="254413" cy="777101"/>
+          </a:xfrm>
+          <a:prstGeom prst="bentConnector3">
+            <a:avLst>
+              <a:gd name="adj1" fmla="val 50000"/>
+            </a:avLst>
+          </a:prstGeom>
+          <a:ln>
+            <a:prstDash val="lgDash"/>
+          </a:ln>
+        </p:spPr>
+        <p:style>
+          <a:lnRef idx="1">
+            <a:schemeClr val="accent1"/>
+          </a:lnRef>
+          <a:fillRef idx="0">
+            <a:schemeClr val="accent1"/>
+          </a:fillRef>
+          <a:effectRef idx="0">
+            <a:schemeClr val="accent1"/>
+          </a:effectRef>
+          <a:fontRef idx="minor">
+            <a:schemeClr val="tx1"/>
+          </a:fontRef>
+        </p:style>
+      </p:cxnSp>
+      <p:cxnSp>
+        <p:nvCxnSpPr>
+          <p:cNvPr id="89" name="Connettore a gomito 88">
+            <a:extLst>
+              <a:ext uri="{FF2B5EF4-FFF2-40B4-BE49-F238E27FC236}">
+                <a16:creationId xmlns:a16="http://schemas.microsoft.com/office/drawing/2014/main" id="{DC84B962-6951-4E5E-A2BE-C02377A24CD5}"/>
+              </a:ext>
+            </a:extLst>
+          </p:cNvPr>
+          <p:cNvCxnSpPr>
+            <a:cxnSpLocks/>
+            <a:stCxn id="82" idx="2"/>
+            <a:endCxn id="111" idx="3"/>
+          </p:cNvCxnSpPr>
+          <p:nvPr/>
+        </p:nvCxnSpPr>
+        <p:spPr>
+          <a:xfrm rot="5400000">
+            <a:off x="2855097" y="534617"/>
+            <a:ext cx="256690" cy="790970"/>
+          </a:xfrm>
+          <a:prstGeom prst="bentConnector3">
+            <a:avLst>
+              <a:gd name="adj1" fmla="val 50000"/>
+            </a:avLst>
+          </a:prstGeom>
+          <a:ln>
+            <a:prstDash val="lgDash"/>
+          </a:ln>
+        </p:spPr>
+        <p:style>
+          <a:lnRef idx="1">
+            <a:schemeClr val="accent1"/>
+          </a:lnRef>
+          <a:fillRef idx="0">
+            <a:schemeClr val="accent1"/>
+          </a:fillRef>
+          <a:effectRef idx="0">
+            <a:schemeClr val="accent1"/>
+          </a:effectRef>
+          <a:fontRef idx="minor">
+            <a:schemeClr val="tx1"/>
+          </a:fontRef>
+        </p:style>
+      </p:cxnSp>
+      <p:sp>
+        <p:nvSpPr>
+          <p:cNvPr id="93" name="CasellaDiTesto 92">
+            <a:extLst>
+              <a:ext uri="{FF2B5EF4-FFF2-40B4-BE49-F238E27FC236}">
+                <a16:creationId xmlns:a16="http://schemas.microsoft.com/office/drawing/2014/main" id="{08DDF832-8907-46F2-AADA-96485CCE87F5}"/>
+              </a:ext>
+            </a:extLst>
+          </p:cNvPr>
+          <p:cNvSpPr txBox="1"/>
+          <p:nvPr/>
+        </p:nvSpPr>
+        <p:spPr>
+          <a:xfrm>
+            <a:off x="4490025" y="28506"/>
+            <a:ext cx="950901" cy="261610"/>
+          </a:xfrm>
+          <a:prstGeom prst="rect">
+            <a:avLst/>
+          </a:prstGeom>
+        </p:spPr>
+        <p:style>
+          <a:lnRef idx="1">
+            <a:schemeClr val="accent3"/>
+          </a:lnRef>
+          <a:fillRef idx="2">
+            <a:schemeClr val="accent3"/>
+          </a:fillRef>
+          <a:effectRef idx="1">
+            <a:schemeClr val="accent3"/>
+          </a:effectRef>
+          <a:fontRef idx="minor">
+            <a:schemeClr val="dk1"/>
+          </a:fontRef>
+        </p:style>
+        <p:txBody>
+          <a:bodyPr wrap="none" rtlCol="0">
+            <a:spAutoFit/>
+          </a:bodyPr>
+          <a:lstStyle/>
+          <a:p>
+            <a:r>
+              <a:rPr lang="it-IT" sz="1100" dirty="0"/>
+              <a:t>UML symbols</a:t>
+            </a:r>
+          </a:p>
+        </p:txBody>
+      </p:sp>
+      <p:sp>
+        <p:nvSpPr>
+          <p:cNvPr id="96" name="Rettangolo con angoli arrotondati 95">
+            <a:extLst>
+              <a:ext uri="{FF2B5EF4-FFF2-40B4-BE49-F238E27FC236}">
+                <a16:creationId xmlns:a16="http://schemas.microsoft.com/office/drawing/2014/main" id="{E7857673-F970-483A-8C4D-41014B3EBDE8}"/>
+              </a:ext>
+            </a:extLst>
+          </p:cNvPr>
+          <p:cNvSpPr/>
+          <p:nvPr/>
+        </p:nvSpPr>
+        <p:spPr>
+          <a:xfrm>
+            <a:off x="364218" y="3610395"/>
+            <a:ext cx="2002695" cy="216638"/>
+          </a:xfrm>
+          <a:prstGeom prst="roundRect">
+            <a:avLst/>
+          </a:prstGeom>
+          <a:solidFill>
+            <a:srgbClr val="CCFF99"/>
+          </a:solidFill>
+        </p:spPr>
+        <p:style>
+          <a:lnRef idx="2">
+            <a:schemeClr val="accent1">
+              <a:shade val="50%"/>
+            </a:schemeClr>
+          </a:lnRef>
+          <a:fillRef idx="1">
+            <a:schemeClr val="accent1"/>
+          </a:fillRef>
+          <a:effectRef idx="0">
+            <a:schemeClr val="accent1"/>
+          </a:effectRef>
+          <a:fontRef idx="minor">
+            <a:schemeClr val="lt1"/>
+          </a:fontRef>
+        </p:style>
+        <p:txBody>
+          <a:bodyPr rtlCol="0" anchor="ctr"/>
+          <a:lstStyle/>
+          <a:p>
+            <a:pPr algn="ctr"/>
+            <a:r>
+              <a:rPr lang="it-IT" sz="1400" dirty="0" err="1">
+                <a:solidFill>
+                  <a:schemeClr val="tx1"/>
+                </a:solidFill>
+              </a:rPr>
+              <a:t>IssOperations</a:t>
+            </a:r>
+            <a:r>
+              <a:rPr lang="it-IT" sz="1400" dirty="0">
+                <a:solidFill>
+                  <a:schemeClr val="tx1"/>
+                </a:solidFill>
+              </a:rPr>
+              <a:t> </a:t>
+            </a:r>
+            <a:r>
+              <a:rPr lang="it-IT" sz="1100" dirty="0" err="1">
+                <a:solidFill>
+                  <a:schemeClr val="tx1"/>
+                </a:solidFill>
+              </a:rPr>
+              <a:t>interface</a:t>
+            </a:r>
+            <a:endParaRPr lang="it-IT" sz="1100" dirty="0">
+              <a:solidFill>
+                <a:schemeClr val="tx1"/>
+              </a:solidFill>
+            </a:endParaRPr>
+          </a:p>
+        </p:txBody>
+      </p:sp>
+      <p:sp>
+        <p:nvSpPr>
+          <p:cNvPr id="110" name="Rettangolo con angoli arrotondati 109">
+            <a:extLst>
+              <a:ext uri="{FF2B5EF4-FFF2-40B4-BE49-F238E27FC236}">
+                <a16:creationId xmlns:a16="http://schemas.microsoft.com/office/drawing/2014/main" id="{4D28F89C-2483-442D-BB9E-019620B18D56}"/>
+              </a:ext>
+            </a:extLst>
+          </p:cNvPr>
+          <p:cNvSpPr/>
+          <p:nvPr/>
+        </p:nvSpPr>
+        <p:spPr>
+          <a:xfrm>
+            <a:off x="1563059" y="1243854"/>
+            <a:ext cx="2002695" cy="207772"/>
+          </a:xfrm>
+          <a:prstGeom prst="roundRect">
+            <a:avLst/>
+          </a:prstGeom>
+          <a:solidFill>
+            <a:srgbClr val="CCFF99"/>
+          </a:solidFill>
+        </p:spPr>
+        <p:style>
+          <a:lnRef idx="2">
+            <a:schemeClr val="accent1">
+              <a:shade val="50%"/>
+            </a:schemeClr>
+          </a:lnRef>
+          <a:fillRef idx="1">
+            <a:schemeClr val="accent1"/>
+          </a:fillRef>
+          <a:effectRef idx="0">
+            <a:schemeClr val="accent1"/>
+          </a:effectRef>
+          <a:fontRef idx="minor">
+            <a:schemeClr val="lt1"/>
+          </a:fontRef>
+        </p:style>
+        <p:txBody>
+          <a:bodyPr rtlCol="0" anchor="ctr"/>
+          <a:lstStyle/>
+          <a:p>
+            <a:pPr algn="ctr"/>
+            <a:r>
+              <a:rPr lang="it-IT" sz="1400" dirty="0" err="1">
+                <a:solidFill>
+                  <a:schemeClr val="tx1"/>
+                </a:solidFill>
+              </a:rPr>
+              <a:t>IssOperations</a:t>
+            </a:r>
+            <a:r>
+              <a:rPr lang="it-IT" sz="1400" dirty="0">
+                <a:solidFill>
+                  <a:schemeClr val="tx1"/>
+                </a:solidFill>
+              </a:rPr>
+              <a:t> </a:t>
+            </a:r>
+            <a:r>
+              <a:rPr lang="it-IT" sz="1100" dirty="0" err="1">
+                <a:solidFill>
+                  <a:schemeClr val="tx1"/>
+                </a:solidFill>
+              </a:rPr>
+              <a:t>interface</a:t>
+            </a:r>
+            <a:endParaRPr lang="it-IT" sz="1100" dirty="0">
+              <a:solidFill>
+                <a:schemeClr val="tx1"/>
+              </a:solidFill>
+            </a:endParaRPr>
+          </a:p>
+        </p:txBody>
+      </p:sp>
+      <p:sp>
+        <p:nvSpPr>
+          <p:cNvPr id="111" name="Triangolo isoscele 110">
+            <a:extLst>
+              <a:ext uri="{FF2B5EF4-FFF2-40B4-BE49-F238E27FC236}">
+                <a16:creationId xmlns:a16="http://schemas.microsoft.com/office/drawing/2014/main" id="{C0B378C6-D6D4-4EB8-8320-26DEA553D1E9}"/>
+              </a:ext>
+            </a:extLst>
+          </p:cNvPr>
+          <p:cNvSpPr/>
+          <p:nvPr/>
+        </p:nvSpPr>
+        <p:spPr>
+          <a:xfrm flipV="1">
+            <a:off x="2528320" y="1058447"/>
+            <a:ext cx="119274" cy="152643"/>
+          </a:xfrm>
+          <a:prstGeom prst="triangle">
+            <a:avLst/>
+          </a:prstGeom>
+          <a:solidFill>
+            <a:schemeClr val="bg1"/>
+          </a:solidFill>
+        </p:spPr>
+        <p:style>
+          <a:lnRef idx="2">
+            <a:schemeClr val="accent1">
+              <a:shade val="50%"/>
+            </a:schemeClr>
+          </a:lnRef>
+          <a:fillRef idx="1">
+            <a:schemeClr val="accent1"/>
+          </a:fillRef>
+          <a:effectRef idx="0">
+            <a:schemeClr val="accent1"/>
+          </a:effectRef>
+          <a:fontRef idx="minor">
+            <a:schemeClr val="lt1"/>
+          </a:fontRef>
+        </p:style>
+        <p:txBody>
+          <a:bodyPr rtlCol="0" anchor="ctr"/>
+          <a:lstStyle/>
+          <a:p>
+            <a:pPr algn="ctr"/>
+            <a:endParaRPr lang="it-IT"/>
+          </a:p>
+        </p:txBody>
+      </p:sp>
+      <p:sp>
+        <p:nvSpPr>
+          <p:cNvPr id="116" name="Rettangolo con angoli arrotondati 115">
+            <a:extLst>
+              <a:ext uri="{FF2B5EF4-FFF2-40B4-BE49-F238E27FC236}">
+                <a16:creationId xmlns:a16="http://schemas.microsoft.com/office/drawing/2014/main" id="{F3302A11-3CD7-49C8-8EF7-4B621E30DE7D}"/>
+              </a:ext>
+            </a:extLst>
+          </p:cNvPr>
+          <p:cNvSpPr/>
+          <p:nvPr/>
+        </p:nvSpPr>
+        <p:spPr>
+          <a:xfrm>
+            <a:off x="3073976" y="2024928"/>
+            <a:ext cx="1876779" cy="387092"/>
+          </a:xfrm>
+          <a:prstGeom prst="roundRect">
+            <a:avLst/>
+          </a:prstGeom>
+          <a:solidFill>
+            <a:schemeClr val="accent4">
+              <a:lumMod val="20%"/>
+              <a:lumOff val="80%"/>
+            </a:schemeClr>
+          </a:solidFill>
+        </p:spPr>
+        <p:style>
+          <a:lnRef idx="2">
+            <a:schemeClr val="accent1">
+              <a:shade val="50%"/>
+            </a:schemeClr>
+          </a:lnRef>
+          <a:fillRef idx="1">
+            <a:schemeClr val="accent1"/>
+          </a:fillRef>
+          <a:effectRef idx="0">
+            <a:schemeClr val="accent1"/>
+          </a:effectRef>
+          <a:fontRef idx="minor">
+            <a:schemeClr val="lt1"/>
+          </a:fontRef>
+        </p:style>
+        <p:txBody>
+          <a:bodyPr rtlCol="0" anchor="ctr"/>
+          <a:lstStyle/>
+          <a:p>
+            <a:pPr algn="ctr"/>
+            <a:r>
+              <a:rPr lang="it-IT" sz="1200" dirty="0" err="1">
+                <a:solidFill>
+                  <a:schemeClr val="tx1"/>
+                </a:solidFill>
+              </a:rPr>
+              <a:t>IssCommsFactory</a:t>
+            </a:r>
+            <a:endParaRPr lang="it-IT" sz="1200" dirty="0">
+              <a:solidFill>
+                <a:schemeClr val="tx1"/>
+              </a:solidFill>
+            </a:endParaRPr>
+          </a:p>
+        </p:txBody>
+      </p:sp>
+      <p:sp>
+        <p:nvSpPr>
+          <p:cNvPr id="118" name="Rectangle 7">
+            <a:extLst>
+              <a:ext uri="{FF2B5EF4-FFF2-40B4-BE49-F238E27FC236}">
+                <a16:creationId xmlns:a16="http://schemas.microsoft.com/office/drawing/2014/main" id="{4139603A-9DA5-4C8F-A362-1128F849689F}"/>
+              </a:ext>
+            </a:extLst>
+          </p:cNvPr>
+          <p:cNvSpPr>
+            <a:spLocks noChangeArrowheads="1"/>
+          </p:cNvSpPr>
+          <p:nvPr/>
+        </p:nvSpPr>
+        <p:spPr bwMode="auto">
+          <a:xfrm>
+            <a:off x="5115012" y="1945265"/>
+            <a:ext cx="4373487" cy="830997"/>
+          </a:xfrm>
+          <a:prstGeom prst="rect">
+            <a:avLst/>
+          </a:prstGeom>
+          <a:solidFill>
+            <a:srgbClr val="FFFFFF"/>
+          </a:solidFill>
+          <a:ln>
+            <a:noFill/>
+          </a:ln>
+          <a:effectLst/>
+          <a:extLst>
+            <a:ext uri="{91240B29-F687-4F45-9708-019B960494DF}">
+              <a14:hiddenLine xmlns:a14="http://schemas.microsoft.com/office/drawing/2010/main" w="9525">
+                <a:solidFill>
+                  <a:schemeClr val="tx1"/>
+                </a:solidFill>
+                <a:miter lim="800%"/>
+                <a:headEnd/>
+                <a:tailEnd/>
+              </a14:hiddenLine>
+            </a:ext>
+            <a:ext uri="{AF507438-7753-43E0-B8FC-AC1667EBCBE1}">
+              <a14:hiddenEffects xmlns:a14="http://schemas.microsoft.com/office/drawing/2010/main">
+                <a:effectLst>
+                  <a:outerShdw dist="35921" dir="2700000" algn="ctr" rotWithShape="0">
+                    <a:schemeClr val="bg2"/>
+                  </a:outerShdw>
+                </a:effectLst>
+              </a14:hiddenEffects>
+            </a:ext>
+          </a:extLst>
+        </p:spPr>
+        <p:txBody>
+          <a:bodyPr vert="horz" wrap="square" lIns="91440" tIns="45720" rIns="91440" bIns="45720" numCol="1" anchor="ctr" anchorCtr="0" compatLnSpc="1">
+            <a:prstTxWarp prst="textNoShape">
+              <a:avLst/>
+            </a:prstTxWarp>
+            <a:spAutoFit/>
+          </a:bodyPr>
+          <a:lstStyle/>
+          <a:p>
+            <a:pPr marL="0" marR="0" lvl="0" indent="0" algn="l" defTabSz="914400" rtl="0" eaLnBrk="0" fontAlgn="base" latinLnBrk="0" hangingPunct="0">
+              <a:lnSpc>
+                <a:spcPct val="100%"/>
+              </a:lnSpc>
+              <a:spcBef>
+                <a:spcPct val="0%"/>
+              </a:spcBef>
+              <a:spcAft>
+                <a:spcPct val="0%"/>
+              </a:spcAft>
+              <a:buClrTx/>
+              <a:buSzTx/>
+              <a:buFontTx/>
+              <a:buNone/>
+              <a:tabLst/>
+            </a:pPr>
+            <a:r>
+              <a:rPr kumimoji="0" lang="it-IT" altLang="it-IT" sz="1200" b="0" i="0" u="none" strike="noStrike" cap="none" normalizeH="0" baseline="0%" dirty="0">
+                <a:ln>
+                  <a:noFill/>
+                </a:ln>
+                <a:solidFill>
+                  <a:srgbClr val="0033B3"/>
+                </a:solidFill>
+                <a:effectLst/>
+                <a:latin typeface="JetBrains Mono"/>
+              </a:rPr>
+              <a:t>public </a:t>
+            </a:r>
+            <a:r>
+              <a:rPr kumimoji="0" lang="it-IT" altLang="it-IT" sz="1200" b="0" i="0" u="none" strike="noStrike" cap="none" normalizeH="0" baseline="0%" dirty="0" err="1">
+                <a:ln>
+                  <a:noFill/>
+                </a:ln>
+                <a:solidFill>
+                  <a:srgbClr val="0033B3"/>
+                </a:solidFill>
+                <a:effectLst/>
+                <a:latin typeface="JetBrains Mono"/>
+              </a:rPr>
+              <a:t>static</a:t>
+            </a:r>
+            <a:r>
+              <a:rPr kumimoji="0" lang="it-IT" altLang="it-IT" sz="1200" b="0" i="0" u="none" strike="noStrike" cap="none" normalizeH="0" baseline="0%" dirty="0">
+                <a:ln>
+                  <a:noFill/>
+                </a:ln>
+                <a:solidFill>
+                  <a:srgbClr val="0033B3"/>
+                </a:solidFill>
+                <a:effectLst/>
+                <a:latin typeface="JetBrains Mono"/>
+              </a:rPr>
+              <a:t> </a:t>
+            </a:r>
+            <a:r>
+              <a:rPr kumimoji="0" lang="it-IT" altLang="it-IT" sz="1200" b="0" i="0" u="none" strike="noStrike" cap="none" normalizeH="0" baseline="0%" dirty="0" err="1">
+                <a:ln>
+                  <a:noFill/>
+                </a:ln>
+                <a:solidFill>
+                  <a:srgbClr val="000000"/>
+                </a:solidFill>
+                <a:effectLst/>
+                <a:latin typeface="JetBrains Mono"/>
+              </a:rPr>
+              <a:t>IssOperations</a:t>
+            </a:r>
+            <a:r>
+              <a:rPr kumimoji="0" lang="it-IT" altLang="it-IT" sz="1200" b="0" i="0" u="none" strike="noStrike" cap="none" normalizeH="0" baseline="0%" dirty="0">
+                <a:ln>
+                  <a:noFill/>
+                </a:ln>
+                <a:solidFill>
+                  <a:srgbClr val="000000"/>
+                </a:solidFill>
+                <a:effectLst/>
+                <a:latin typeface="JetBrains Mono"/>
+              </a:rPr>
+              <a:t> </a:t>
+            </a:r>
+            <a:r>
+              <a:rPr kumimoji="0" lang="it-IT" altLang="it-IT" sz="1200" b="0" i="0" u="none" strike="noStrike" cap="none" normalizeH="0" baseline="0%" dirty="0">
+                <a:ln>
+                  <a:noFill/>
+                </a:ln>
+                <a:solidFill>
+                  <a:srgbClr val="00627A"/>
+                </a:solidFill>
+                <a:effectLst/>
+                <a:latin typeface="JetBrains Mono"/>
+              </a:rPr>
+              <a:t>create</a:t>
+            </a:r>
+            <a:r>
+              <a:rPr kumimoji="0" lang="it-IT" altLang="it-IT" sz="1200" b="0" i="0" u="none" strike="noStrike" cap="none" normalizeH="0" baseline="0%" dirty="0">
+                <a:ln>
+                  <a:noFill/>
+                </a:ln>
+                <a:solidFill>
+                  <a:srgbClr val="080808"/>
+                </a:solidFill>
+                <a:effectLst/>
+                <a:latin typeface="JetBrains Mono"/>
+              </a:rPr>
+              <a:t>( </a:t>
+            </a:r>
+            <a:r>
+              <a:rPr kumimoji="0" lang="it-IT" altLang="it-IT" sz="1200" b="0" i="0" u="none" strike="noStrike" cap="none" normalizeH="0" baseline="0%" dirty="0">
+                <a:ln>
+                  <a:noFill/>
+                </a:ln>
+                <a:solidFill>
+                  <a:srgbClr val="000000"/>
+                </a:solidFill>
+                <a:effectLst/>
+                <a:latin typeface="JetBrains Mono"/>
+              </a:rPr>
+              <a:t>Object </a:t>
+            </a:r>
+            <a:r>
+              <a:rPr kumimoji="0" lang="it-IT" altLang="it-IT" sz="1200" b="0" i="0" u="none" strike="noStrike" cap="none" normalizeH="0" baseline="0%" dirty="0" err="1">
+                <a:ln>
+                  <a:noFill/>
+                </a:ln>
+                <a:solidFill>
+                  <a:srgbClr val="080808"/>
+                </a:solidFill>
+                <a:effectLst/>
+                <a:latin typeface="JetBrains Mono"/>
+              </a:rPr>
+              <a:t>obj</a:t>
+            </a:r>
+            <a:r>
+              <a:rPr kumimoji="0" lang="it-IT" altLang="it-IT" sz="1200" b="0" i="0" u="none" strike="noStrike" cap="none" normalizeH="0" baseline="0%" dirty="0">
+                <a:ln>
+                  <a:noFill/>
+                </a:ln>
+                <a:solidFill>
+                  <a:srgbClr val="080808"/>
+                </a:solidFill>
+                <a:effectLst/>
+                <a:latin typeface="JetBrains Mono"/>
+              </a:rPr>
+              <a:t> ){</a:t>
+            </a:r>
+            <a:br>
+              <a:rPr kumimoji="0" lang="it-IT" altLang="it-IT" sz="1200" b="0" i="0" u="none" strike="noStrike" cap="none" normalizeH="0" baseline="0%" dirty="0">
+                <a:ln>
+                  <a:noFill/>
+                </a:ln>
+                <a:solidFill>
+                  <a:srgbClr val="080808"/>
+                </a:solidFill>
+                <a:effectLst/>
+                <a:latin typeface="JetBrains Mono"/>
+              </a:rPr>
+            </a:br>
+            <a:r>
+              <a:rPr kumimoji="0" lang="it-IT" altLang="it-IT" sz="1200" b="0" i="0" u="none" strike="noStrike" cap="none" normalizeH="0" baseline="0%" dirty="0">
+                <a:ln>
+                  <a:noFill/>
+                </a:ln>
+                <a:solidFill>
+                  <a:srgbClr val="080808"/>
+                </a:solidFill>
+                <a:effectLst/>
+                <a:latin typeface="JetBrains Mono"/>
+              </a:rPr>
+              <a:t>    </a:t>
+            </a:r>
+            <a:r>
+              <a:rPr kumimoji="0" lang="it-IT" altLang="it-IT" sz="1200" b="0" i="0" u="none" strike="noStrike" cap="none" normalizeH="0" baseline="0%" dirty="0" err="1">
+                <a:ln>
+                  <a:noFill/>
+                </a:ln>
+                <a:solidFill>
+                  <a:srgbClr val="000000"/>
+                </a:solidFill>
+                <a:effectLst/>
+                <a:latin typeface="JetBrains Mono"/>
+              </a:rPr>
+              <a:t>ProtocolInfo</a:t>
+            </a:r>
+            <a:r>
+              <a:rPr kumimoji="0" lang="it-IT" altLang="it-IT" sz="1200" b="0" i="0" u="none" strike="noStrike" cap="none" normalizeH="0" baseline="0%" dirty="0">
+                <a:ln>
+                  <a:noFill/>
+                </a:ln>
+                <a:solidFill>
+                  <a:srgbClr val="000000"/>
+                </a:solidFill>
+                <a:effectLst/>
+                <a:latin typeface="JetBrains Mono"/>
+              </a:rPr>
+              <a:t> </a:t>
+            </a:r>
+            <a:r>
+              <a:rPr kumimoji="0" lang="it-IT" altLang="it-IT" sz="1200" b="0" i="0" u="none" strike="noStrike" cap="none" normalizeH="0" baseline="0%" dirty="0" err="1">
+                <a:ln>
+                  <a:noFill/>
+                </a:ln>
+                <a:solidFill>
+                  <a:srgbClr val="000000"/>
+                </a:solidFill>
+                <a:effectLst/>
+                <a:latin typeface="JetBrains Mono"/>
+              </a:rPr>
+              <a:t>protocolInfo</a:t>
+            </a:r>
+            <a:r>
+              <a:rPr kumimoji="0" lang="it-IT" altLang="it-IT" sz="1200" b="0" i="0" u="none" strike="noStrike" cap="none" normalizeH="0" baseline="0%" dirty="0">
+                <a:ln>
+                  <a:noFill/>
+                </a:ln>
+                <a:solidFill>
+                  <a:srgbClr val="000000"/>
+                </a:solidFill>
+                <a:effectLst/>
+                <a:latin typeface="JetBrains Mono"/>
+              </a:rPr>
+              <a:t> </a:t>
+            </a:r>
+            <a:r>
+              <a:rPr kumimoji="0" lang="it-IT" altLang="it-IT" sz="1200" b="0" i="0" u="none" strike="noStrike" cap="none" normalizeH="0" baseline="0%" dirty="0">
+                <a:ln>
+                  <a:noFill/>
+                </a:ln>
+                <a:solidFill>
+                  <a:srgbClr val="080808"/>
+                </a:solidFill>
+                <a:effectLst/>
+                <a:latin typeface="JetBrains Mono"/>
+              </a:rPr>
+              <a:t>= </a:t>
+            </a:r>
+            <a:r>
+              <a:rPr kumimoji="0" lang="it-IT" altLang="it-IT" sz="1200" b="1" i="0" u="none" strike="noStrike" cap="none" normalizeH="0" baseline="0%" dirty="0" err="1">
+                <a:ln>
+                  <a:noFill/>
+                </a:ln>
+                <a:solidFill>
+                  <a:srgbClr val="7030A0"/>
+                </a:solidFill>
+                <a:effectLst/>
+                <a:latin typeface="JetBrains Mono"/>
+              </a:rPr>
+              <a:t>IssAnnotationUtil.</a:t>
+            </a:r>
+            <a:r>
+              <a:rPr kumimoji="0" lang="it-IT" altLang="it-IT" sz="1200" b="1" i="1" u="none" strike="noStrike" cap="none" normalizeH="0" baseline="0%" dirty="0" err="1">
+                <a:ln>
+                  <a:noFill/>
+                </a:ln>
+                <a:solidFill>
+                  <a:srgbClr val="7030A0"/>
+                </a:solidFill>
+                <a:effectLst/>
+                <a:latin typeface="JetBrains Mono"/>
+              </a:rPr>
+              <a:t>getProtocol</a:t>
+            </a:r>
+            <a:r>
+              <a:rPr kumimoji="0" lang="it-IT" altLang="it-IT" sz="1200" b="1" i="0" u="none" strike="noStrike" cap="none" normalizeH="0" baseline="0%" dirty="0">
+                <a:ln>
+                  <a:noFill/>
+                </a:ln>
+                <a:solidFill>
+                  <a:srgbClr val="7030A0"/>
+                </a:solidFill>
+                <a:effectLst/>
+                <a:latin typeface="JetBrains Mono"/>
+              </a:rPr>
+              <a:t>(</a:t>
+            </a:r>
+            <a:r>
+              <a:rPr kumimoji="0" lang="it-IT" altLang="it-IT" sz="1200" b="1" i="0" u="none" strike="noStrike" cap="none" normalizeH="0" baseline="0%" dirty="0" err="1">
+                <a:ln>
+                  <a:noFill/>
+                </a:ln>
+                <a:solidFill>
+                  <a:srgbClr val="7030A0"/>
+                </a:solidFill>
+                <a:effectLst/>
+                <a:latin typeface="JetBrains Mono"/>
+              </a:rPr>
+              <a:t>obj</a:t>
+            </a:r>
+            <a:r>
+              <a:rPr kumimoji="0" lang="it-IT" altLang="it-IT" sz="1200" b="1" i="0" u="none" strike="noStrike" cap="none" normalizeH="0" baseline="0%" dirty="0">
+                <a:ln>
+                  <a:noFill/>
+                </a:ln>
+                <a:solidFill>
+                  <a:srgbClr val="7030A0"/>
+                </a:solidFill>
+                <a:effectLst/>
+                <a:latin typeface="JetBrains Mono"/>
+              </a:rPr>
+              <a:t>);</a:t>
+            </a:r>
+          </a:p>
+          <a:p>
+            <a:pPr marL="0" marR="0" lvl="0" indent="0" algn="l" defTabSz="914400" rtl="0" eaLnBrk="0" fontAlgn="base" latinLnBrk="0" hangingPunct="0">
+              <a:lnSpc>
+                <a:spcPct val="100%"/>
+              </a:lnSpc>
+              <a:spcBef>
+                <a:spcPct val="0%"/>
+              </a:spcBef>
+              <a:spcAft>
+                <a:spcPct val="0%"/>
+              </a:spcAft>
+              <a:buClrTx/>
+              <a:buSzTx/>
+              <a:buFontTx/>
+              <a:buNone/>
+              <a:tabLst/>
+            </a:pPr>
+            <a:r>
+              <a:rPr lang="it-IT" altLang="it-IT" sz="1200" dirty="0">
+                <a:solidFill>
+                  <a:srgbClr val="080808"/>
+                </a:solidFill>
+                <a:latin typeface="JetBrains Mono"/>
+              </a:rPr>
+              <a:t>    …</a:t>
+            </a:r>
+          </a:p>
+          <a:p>
+            <a:pPr marL="0" marR="0" lvl="0" indent="0" algn="l" defTabSz="914400" rtl="0" eaLnBrk="0" fontAlgn="base" latinLnBrk="0" hangingPunct="0">
+              <a:lnSpc>
+                <a:spcPct val="100%"/>
+              </a:lnSpc>
+              <a:spcBef>
+                <a:spcPct val="0%"/>
+              </a:spcBef>
+              <a:spcAft>
+                <a:spcPct val="0%"/>
+              </a:spcAft>
+              <a:buClrTx/>
+              <a:buSzTx/>
+              <a:buFontTx/>
+              <a:buNone/>
+              <a:tabLst/>
+            </a:pPr>
+            <a:r>
+              <a:rPr kumimoji="0" lang="it-IT" altLang="it-IT" sz="1200" b="0" i="0" u="none" strike="noStrike" cap="none" normalizeH="0" baseline="0%" dirty="0">
+                <a:ln>
+                  <a:noFill/>
+                </a:ln>
+                <a:solidFill>
+                  <a:srgbClr val="080808"/>
+                </a:solidFill>
+                <a:effectLst/>
+                <a:latin typeface="JetBrains Mono"/>
+              </a:rPr>
+              <a:t>}</a:t>
+            </a:r>
+            <a:endParaRPr kumimoji="0" lang="it-IT" altLang="it-IT" sz="1200" b="0" i="0" u="none" strike="noStrike" cap="none" normalizeH="0" baseline="0%" dirty="0">
+              <a:ln>
+                <a:noFill/>
+              </a:ln>
+              <a:solidFill>
+                <a:schemeClr val="tx1"/>
+              </a:solidFill>
+              <a:effectLst/>
+              <a:latin typeface="Arial" panose="020B0604020202020204" pitchFamily="34" charset="0"/>
+            </a:endParaRPr>
+          </a:p>
+        </p:txBody>
+      </p:sp>
+      <p:sp>
+        <p:nvSpPr>
+          <p:cNvPr id="42" name="Rettangolo con angoli arrotondati 41">
+            <a:extLst>
+              <a:ext uri="{FF2B5EF4-FFF2-40B4-BE49-F238E27FC236}">
+                <a16:creationId xmlns:a16="http://schemas.microsoft.com/office/drawing/2014/main" id="{2C75E362-CDD1-457D-8047-A80AA79173CD}"/>
+              </a:ext>
+            </a:extLst>
+          </p:cNvPr>
+          <p:cNvSpPr/>
+          <p:nvPr/>
+        </p:nvSpPr>
+        <p:spPr>
+          <a:xfrm>
+            <a:off x="719235" y="2982767"/>
+            <a:ext cx="1268384" cy="387092"/>
+          </a:xfrm>
+          <a:prstGeom prst="roundRect">
+            <a:avLst/>
+          </a:prstGeom>
+          <a:solidFill>
+            <a:schemeClr val="accent4">
+              <a:lumMod val="20%"/>
+              <a:lumOff val="80%"/>
+            </a:schemeClr>
+          </a:solidFill>
+        </p:spPr>
+        <p:style>
+          <a:lnRef idx="2">
+            <a:schemeClr val="accent1">
+              <a:shade val="50%"/>
+            </a:schemeClr>
+          </a:lnRef>
+          <a:fillRef idx="1">
+            <a:schemeClr val="accent1"/>
+          </a:fillRef>
+          <a:effectRef idx="0">
+            <a:schemeClr val="accent1"/>
+          </a:effectRef>
+          <a:fontRef idx="minor">
+            <a:schemeClr val="lt1"/>
+          </a:fontRef>
+        </p:style>
+        <p:txBody>
+          <a:bodyPr rtlCol="0" anchor="ctr"/>
+          <a:lstStyle/>
+          <a:p>
+            <a:pPr algn="ctr"/>
+            <a:r>
+              <a:rPr lang="it-IT" sz="1200" dirty="0" err="1">
+                <a:solidFill>
+                  <a:schemeClr val="tx1"/>
+                </a:solidFill>
+              </a:rPr>
+              <a:t>UseRobotAril</a:t>
+            </a:r>
+            <a:endParaRPr lang="it-IT" sz="1200" dirty="0">
+              <a:solidFill>
+                <a:schemeClr val="tx1"/>
+              </a:solidFill>
+            </a:endParaRPr>
+          </a:p>
+        </p:txBody>
+      </p:sp>
+      <p:sp>
+        <p:nvSpPr>
+          <p:cNvPr id="46" name="Rettangolo con angoli arrotondati 45">
+            <a:extLst>
+              <a:ext uri="{FF2B5EF4-FFF2-40B4-BE49-F238E27FC236}">
+                <a16:creationId xmlns:a16="http://schemas.microsoft.com/office/drawing/2014/main" id="{F3F2B286-02FB-4099-8D17-3E017CC3CD1A}"/>
+              </a:ext>
+            </a:extLst>
+          </p:cNvPr>
+          <p:cNvSpPr/>
+          <p:nvPr/>
+        </p:nvSpPr>
+        <p:spPr>
+          <a:xfrm>
+            <a:off x="427176" y="4736549"/>
+            <a:ext cx="1876779" cy="387092"/>
+          </a:xfrm>
+          <a:prstGeom prst="roundRect">
+            <a:avLst/>
+          </a:prstGeom>
+          <a:solidFill>
+            <a:schemeClr val="accent4">
+              <a:lumMod val="20%"/>
+              <a:lumOff val="80%"/>
+            </a:schemeClr>
+          </a:solidFill>
+        </p:spPr>
+        <p:style>
+          <a:lnRef idx="2">
+            <a:schemeClr val="accent1">
+              <a:shade val="50%"/>
+            </a:schemeClr>
+          </a:lnRef>
+          <a:fillRef idx="1">
+            <a:schemeClr val="accent1"/>
+          </a:fillRef>
+          <a:effectRef idx="0">
+            <a:schemeClr val="accent1"/>
+          </a:effectRef>
+          <a:fontRef idx="minor">
+            <a:schemeClr val="lt1"/>
+          </a:fontRef>
+        </p:style>
+        <p:txBody>
+          <a:bodyPr rtlCol="0" anchor="ctr"/>
+          <a:lstStyle/>
+          <a:p>
+            <a:pPr algn="ctr"/>
+            <a:r>
+              <a:rPr lang="it-IT" sz="1200" dirty="0" err="1">
+                <a:solidFill>
+                  <a:schemeClr val="tx1"/>
+                </a:solidFill>
+              </a:rPr>
+              <a:t>commsSupport</a:t>
+            </a:r>
+            <a:endParaRPr lang="it-IT" sz="1200" dirty="0">
+              <a:solidFill>
+                <a:schemeClr val="tx1"/>
+              </a:solidFill>
+            </a:endParaRPr>
+          </a:p>
+        </p:txBody>
+      </p:sp>
+      <p:sp>
+        <p:nvSpPr>
+          <p:cNvPr id="49" name="Rettangolo con angoli arrotondati 48">
+            <a:extLst>
+              <a:ext uri="{FF2B5EF4-FFF2-40B4-BE49-F238E27FC236}">
+                <a16:creationId xmlns:a16="http://schemas.microsoft.com/office/drawing/2014/main" id="{0D4D8BAE-69C5-4AB4-842C-FD51BC3EA7EA}"/>
+              </a:ext>
+            </a:extLst>
+          </p:cNvPr>
+          <p:cNvSpPr/>
+          <p:nvPr/>
+        </p:nvSpPr>
+        <p:spPr>
+          <a:xfrm>
+            <a:off x="402900" y="4501035"/>
+            <a:ext cx="1901055" cy="252859"/>
+          </a:xfrm>
+          <a:prstGeom prst="roundRect">
+            <a:avLst/>
+          </a:prstGeom>
+          <a:solidFill>
+            <a:srgbClr val="CCFF99"/>
+          </a:solidFill>
+        </p:spPr>
+        <p:style>
+          <a:lnRef idx="2">
+            <a:schemeClr val="accent1">
+              <a:shade val="50%"/>
+            </a:schemeClr>
+          </a:lnRef>
+          <a:fillRef idx="1">
+            <a:schemeClr val="accent1"/>
+          </a:fillRef>
+          <a:effectRef idx="0">
+            <a:schemeClr val="accent1"/>
+          </a:effectRef>
+          <a:fontRef idx="minor">
+            <a:schemeClr val="lt1"/>
+          </a:fontRef>
+        </p:style>
+        <p:txBody>
+          <a:bodyPr rtlCol="0" anchor="ctr"/>
+          <a:lstStyle/>
+          <a:p>
+            <a:pPr algn="ctr"/>
+            <a:r>
+              <a:rPr lang="it-IT" sz="1400" dirty="0" err="1">
+                <a:solidFill>
+                  <a:schemeClr val="tx1"/>
+                </a:solidFill>
+              </a:rPr>
+              <a:t>IssOperations</a:t>
+            </a:r>
+            <a:r>
+              <a:rPr lang="it-IT" sz="1400" dirty="0">
+                <a:solidFill>
+                  <a:schemeClr val="tx1"/>
+                </a:solidFill>
+              </a:rPr>
+              <a:t> </a:t>
+            </a:r>
+            <a:r>
+              <a:rPr lang="it-IT" sz="1100" dirty="0" err="1">
+                <a:solidFill>
+                  <a:schemeClr val="tx1"/>
+                </a:solidFill>
+              </a:rPr>
+              <a:t>interface</a:t>
+            </a:r>
+            <a:endParaRPr lang="it-IT" sz="1100" dirty="0">
+              <a:solidFill>
+                <a:schemeClr val="tx1"/>
+              </a:solidFill>
+            </a:endParaRPr>
+          </a:p>
+        </p:txBody>
+      </p:sp>
+      <p:cxnSp>
+        <p:nvCxnSpPr>
+          <p:cNvPr id="51" name="Connettore a gomito 50">
+            <a:extLst>
+              <a:ext uri="{FF2B5EF4-FFF2-40B4-BE49-F238E27FC236}">
+                <a16:creationId xmlns:a16="http://schemas.microsoft.com/office/drawing/2014/main" id="{F6E75875-3A98-4380-9D75-49B196487828}"/>
+              </a:ext>
+            </a:extLst>
+          </p:cNvPr>
+          <p:cNvCxnSpPr>
+            <a:cxnSpLocks/>
+            <a:stCxn id="81" idx="2"/>
+            <a:endCxn id="49" idx="0"/>
+          </p:cNvCxnSpPr>
+          <p:nvPr/>
+        </p:nvCxnSpPr>
+        <p:spPr>
+          <a:xfrm rot="5400000">
+            <a:off x="1218537" y="4354005"/>
+            <a:ext cx="281922" cy="12139"/>
+          </a:xfrm>
+          <a:prstGeom prst="bentConnector3">
+            <a:avLst>
+              <a:gd name="adj1" fmla="val 50000"/>
+            </a:avLst>
+          </a:prstGeom>
+          <a:ln>
+            <a:tailEnd type="triangle"/>
+          </a:ln>
+        </p:spPr>
+        <p:style>
+          <a:lnRef idx="1">
+            <a:schemeClr val="accent1"/>
+          </a:lnRef>
+          <a:fillRef idx="0">
+            <a:schemeClr val="accent1"/>
+          </a:fillRef>
+          <a:effectRef idx="0">
+            <a:schemeClr val="accent1"/>
+          </a:effectRef>
+          <a:fontRef idx="minor">
+            <a:schemeClr val="tx1"/>
+          </a:fontRef>
+        </p:style>
+      </p:cxnSp>
+      <p:sp>
+        <p:nvSpPr>
+          <p:cNvPr id="11" name="CasellaDiTesto 10">
+            <a:extLst>
+              <a:ext uri="{FF2B5EF4-FFF2-40B4-BE49-F238E27FC236}">
+                <a16:creationId xmlns:a16="http://schemas.microsoft.com/office/drawing/2014/main" id="{848C2B8C-AE54-4036-91E5-BBF812FD1CB3}"/>
+              </a:ext>
+            </a:extLst>
+          </p:cNvPr>
+          <p:cNvSpPr txBox="1"/>
+          <p:nvPr/>
+        </p:nvSpPr>
+        <p:spPr>
+          <a:xfrm>
+            <a:off x="2451903" y="4551014"/>
+            <a:ext cx="2547492" cy="523220"/>
+          </a:xfrm>
+          <a:prstGeom prst="rect">
+            <a:avLst/>
+          </a:prstGeom>
+          <a:noFill/>
+        </p:spPr>
+        <p:txBody>
+          <a:bodyPr wrap="none" rtlCol="0">
+            <a:spAutoFit/>
+          </a:bodyPr>
+          <a:lstStyle/>
+          <a:p>
+            <a:r>
+              <a:rPr lang="it-IT" sz="1400" dirty="0" err="1"/>
+              <a:t>cril-level</a:t>
+            </a:r>
+            <a:endParaRPr lang="it-IT" sz="1400" dirty="0"/>
+          </a:p>
+          <a:p>
+            <a:r>
+              <a:rPr lang="it-IT" sz="1400" dirty="0">
+                <a:latin typeface="Courier New" panose="02070309020205020404" pitchFamily="49" charset="0"/>
+                <a:cs typeface="Courier New" panose="02070309020205020404" pitchFamily="49" charset="0"/>
+              </a:rPr>
+              <a:t>Payload: </a:t>
+            </a:r>
+            <a:r>
+              <a:rPr lang="it-IT" sz="1400" dirty="0" err="1">
+                <a:latin typeface="Courier New" panose="02070309020205020404" pitchFamily="49" charset="0"/>
+                <a:cs typeface="Courier New" panose="02070309020205020404" pitchFamily="49" charset="0"/>
+              </a:rPr>
+              <a:t>cril</a:t>
+            </a:r>
+            <a:r>
+              <a:rPr lang="it-IT" sz="1400" dirty="0">
+                <a:latin typeface="Courier New" panose="02070309020205020404" pitchFamily="49" charset="0"/>
+                <a:cs typeface="Courier New" panose="02070309020205020404" pitchFamily="49" charset="0"/>
+              </a:rPr>
+              <a:t> </a:t>
+            </a:r>
+            <a:r>
+              <a:rPr lang="it-IT" sz="1400" dirty="0" err="1">
+                <a:latin typeface="Courier New" panose="02070309020205020404" pitchFamily="49" charset="0"/>
+                <a:cs typeface="Courier New" panose="02070309020205020404" pitchFamily="49" charset="0"/>
+              </a:rPr>
+              <a:t>sentence</a:t>
+            </a:r>
+            <a:endParaRPr lang="it-IT" sz="1400" dirty="0"/>
+          </a:p>
+        </p:txBody>
+      </p:sp>
+      <p:sp>
+        <p:nvSpPr>
+          <p:cNvPr id="64" name="CasellaDiTesto 63">
+            <a:extLst>
+              <a:ext uri="{FF2B5EF4-FFF2-40B4-BE49-F238E27FC236}">
+                <a16:creationId xmlns:a16="http://schemas.microsoft.com/office/drawing/2014/main" id="{DED617B4-77C9-4A0B-8A7D-8BBCC332E668}"/>
+              </a:ext>
+            </a:extLst>
+          </p:cNvPr>
+          <p:cNvSpPr txBox="1"/>
+          <p:nvPr/>
+        </p:nvSpPr>
+        <p:spPr>
+          <a:xfrm>
+            <a:off x="2498108" y="3653713"/>
+            <a:ext cx="2694969" cy="492443"/>
+          </a:xfrm>
+          <a:prstGeom prst="rect">
+            <a:avLst/>
+          </a:prstGeom>
+          <a:noFill/>
+        </p:spPr>
+        <p:txBody>
+          <a:bodyPr wrap="none" rtlCol="0">
+            <a:spAutoFit/>
+          </a:bodyPr>
+          <a:lstStyle/>
+          <a:p>
+            <a:r>
+              <a:rPr lang="it-IT" sz="1400" dirty="0" err="1"/>
+              <a:t>aril-level</a:t>
+            </a:r>
+            <a:endParaRPr lang="it-IT" sz="1400" dirty="0"/>
+          </a:p>
+          <a:p>
+            <a:r>
+              <a:rPr lang="it-IT" sz="1200" dirty="0">
+                <a:latin typeface="Courier New" panose="02070309020205020404" pitchFamily="49" charset="0"/>
+                <a:cs typeface="Courier New" panose="02070309020205020404" pitchFamily="49" charset="0"/>
+              </a:rPr>
+              <a:t>Payload: w | s | h | l | r </a:t>
+            </a:r>
+          </a:p>
+        </p:txBody>
+      </p:sp>
+      <p:sp>
+        <p:nvSpPr>
+          <p:cNvPr id="77" name="CasellaDiTesto 76">
+            <a:extLst>
+              <a:ext uri="{FF2B5EF4-FFF2-40B4-BE49-F238E27FC236}">
+                <a16:creationId xmlns:a16="http://schemas.microsoft.com/office/drawing/2014/main" id="{7C207DF5-5A33-4BFF-930C-982C5ED7D373}"/>
+              </a:ext>
+            </a:extLst>
+          </p:cNvPr>
+          <p:cNvSpPr txBox="1"/>
+          <p:nvPr/>
+        </p:nvSpPr>
+        <p:spPr>
+          <a:xfrm>
+            <a:off x="2451903" y="2960668"/>
+            <a:ext cx="3159839" cy="492443"/>
+          </a:xfrm>
+          <a:prstGeom prst="rect">
+            <a:avLst/>
+          </a:prstGeom>
+          <a:noFill/>
+        </p:spPr>
+        <p:txBody>
+          <a:bodyPr wrap="none" rtlCol="0">
+            <a:spAutoFit/>
+          </a:bodyPr>
+          <a:lstStyle/>
+          <a:p>
+            <a:r>
+              <a:rPr lang="it-IT" sz="1400" dirty="0" err="1"/>
+              <a:t>application-level</a:t>
+            </a:r>
+            <a:endParaRPr lang="it-IT" sz="1400" dirty="0"/>
+          </a:p>
+          <a:p>
+            <a:r>
+              <a:rPr lang="it-IT" sz="1200" dirty="0" err="1">
+                <a:latin typeface="Courier New" panose="02070309020205020404" pitchFamily="49" charset="0"/>
+                <a:cs typeface="Courier New" panose="02070309020205020404" pitchFamily="49" charset="0"/>
+              </a:rPr>
+              <a:t>requestSynch</a:t>
+            </a:r>
+            <a:r>
+              <a:rPr lang="it-IT" sz="1200" dirty="0">
+                <a:latin typeface="Courier New" panose="02070309020205020404" pitchFamily="49" charset="0"/>
+                <a:cs typeface="Courier New" panose="02070309020205020404" pitchFamily="49" charset="0"/>
+              </a:rPr>
+              <a:t> / </a:t>
+            </a:r>
+            <a:r>
+              <a:rPr lang="it-IT" sz="1200" dirty="0" err="1">
+                <a:latin typeface="Courier New" panose="02070309020205020404" pitchFamily="49" charset="0"/>
+                <a:cs typeface="Courier New" panose="02070309020205020404" pitchFamily="49" charset="0"/>
+              </a:rPr>
+              <a:t>request</a:t>
+            </a:r>
+            <a:r>
+              <a:rPr lang="it-IT" sz="1200" dirty="0">
+                <a:latin typeface="Courier New" panose="02070309020205020404" pitchFamily="49" charset="0"/>
+                <a:cs typeface="Courier New" panose="02070309020205020404" pitchFamily="49" charset="0"/>
+              </a:rPr>
+              <a:t> / </a:t>
+            </a:r>
+            <a:r>
+              <a:rPr lang="it-IT" sz="1200" dirty="0" err="1">
+                <a:latin typeface="Courier New" panose="02070309020205020404" pitchFamily="49" charset="0"/>
+                <a:cs typeface="Courier New" panose="02070309020205020404" pitchFamily="49" charset="0"/>
+              </a:rPr>
+              <a:t>forward</a:t>
+            </a:r>
+            <a:endParaRPr lang="it-IT" sz="1200" dirty="0">
+              <a:latin typeface="Courier New" panose="02070309020205020404" pitchFamily="49" charset="0"/>
+              <a:cs typeface="Courier New" panose="02070309020205020404" pitchFamily="49" charset="0"/>
+            </a:endParaRPr>
+          </a:p>
+        </p:txBody>
+      </p:sp>
+      <p:sp>
+        <p:nvSpPr>
+          <p:cNvPr id="84" name="Rettangolo con angoli arrotondati 83">
+            <a:extLst>
+              <a:ext uri="{FF2B5EF4-FFF2-40B4-BE49-F238E27FC236}">
+                <a16:creationId xmlns:a16="http://schemas.microsoft.com/office/drawing/2014/main" id="{0592E534-E69C-4972-A1CB-94294E79E508}"/>
+              </a:ext>
+            </a:extLst>
+          </p:cNvPr>
+          <p:cNvSpPr/>
+          <p:nvPr/>
+        </p:nvSpPr>
+        <p:spPr>
+          <a:xfrm>
+            <a:off x="6191259" y="4307489"/>
+            <a:ext cx="2002695" cy="387092"/>
+          </a:xfrm>
+          <a:prstGeom prst="roundRect">
+            <a:avLst/>
+          </a:prstGeom>
+          <a:solidFill>
+            <a:schemeClr val="accent4">
+              <a:lumMod val="20%"/>
+              <a:lumOff val="80%"/>
+            </a:schemeClr>
+          </a:solidFill>
+        </p:spPr>
+        <p:style>
+          <a:lnRef idx="2">
+            <a:schemeClr val="accent1">
+              <a:shade val="50%"/>
+            </a:schemeClr>
+          </a:lnRef>
+          <a:fillRef idx="1">
+            <a:schemeClr val="accent1"/>
+          </a:fillRef>
+          <a:effectRef idx="0">
+            <a:schemeClr val="accent1"/>
+          </a:effectRef>
+          <a:fontRef idx="minor">
+            <a:schemeClr val="lt1"/>
+          </a:fontRef>
+        </p:style>
+        <p:txBody>
+          <a:bodyPr rtlCol="0" anchor="ctr"/>
+          <a:lstStyle/>
+          <a:p>
+            <a:pPr algn="ctr"/>
+            <a:r>
+              <a:rPr lang="it-IT" sz="1400" dirty="0" err="1">
+                <a:solidFill>
+                  <a:schemeClr val="tx1"/>
+                </a:solidFill>
+              </a:rPr>
+              <a:t>IssVirtualRobotSupport</a:t>
+            </a:r>
+            <a:endParaRPr lang="it-IT" sz="1400" dirty="0">
+              <a:solidFill>
+                <a:schemeClr val="tx1"/>
+              </a:solidFill>
+            </a:endParaRPr>
+          </a:p>
+        </p:txBody>
+      </p:sp>
+      <p:cxnSp>
+        <p:nvCxnSpPr>
+          <p:cNvPr id="85" name="Connettore a gomito 84">
+            <a:extLst>
+              <a:ext uri="{FF2B5EF4-FFF2-40B4-BE49-F238E27FC236}">
+                <a16:creationId xmlns:a16="http://schemas.microsoft.com/office/drawing/2014/main" id="{B245351F-F418-4385-8124-ADE5167644C6}"/>
+              </a:ext>
+            </a:extLst>
+          </p:cNvPr>
+          <p:cNvCxnSpPr>
+            <a:cxnSpLocks/>
+            <a:stCxn id="88" idx="2"/>
+            <a:endCxn id="87" idx="0"/>
+          </p:cNvCxnSpPr>
+          <p:nvPr/>
+        </p:nvCxnSpPr>
+        <p:spPr>
+          <a:xfrm rot="16200000" flipH="1">
+            <a:off x="6740435" y="3633691"/>
+            <a:ext cx="892205" cy="12138"/>
+          </a:xfrm>
+          <a:prstGeom prst="bentConnector3">
+            <a:avLst>
+              <a:gd name="adj1" fmla="val 50000"/>
+            </a:avLst>
+          </a:prstGeom>
+          <a:ln>
+            <a:tailEnd type="triangle"/>
+          </a:ln>
+        </p:spPr>
+        <p:style>
+          <a:lnRef idx="1">
+            <a:schemeClr val="accent1"/>
+          </a:lnRef>
+          <a:fillRef idx="0">
+            <a:schemeClr val="accent1"/>
+          </a:fillRef>
+          <a:effectRef idx="0">
+            <a:schemeClr val="accent1"/>
+          </a:effectRef>
+          <a:fontRef idx="minor">
+            <a:schemeClr val="tx1"/>
+          </a:fontRef>
+        </p:style>
+      </p:cxnSp>
+      <p:sp>
+        <p:nvSpPr>
+          <p:cNvPr id="87" name="Rettangolo con angoli arrotondati 86">
+            <a:extLst>
+              <a:ext uri="{FF2B5EF4-FFF2-40B4-BE49-F238E27FC236}">
+                <a16:creationId xmlns:a16="http://schemas.microsoft.com/office/drawing/2014/main" id="{858C47E5-C3EE-46E9-8C05-303271E8576D}"/>
+              </a:ext>
+            </a:extLst>
+          </p:cNvPr>
+          <p:cNvSpPr/>
+          <p:nvPr/>
+        </p:nvSpPr>
+        <p:spPr>
+          <a:xfrm>
+            <a:off x="6191258" y="4085863"/>
+            <a:ext cx="2002695" cy="216638"/>
+          </a:xfrm>
+          <a:prstGeom prst="roundRect">
+            <a:avLst/>
+          </a:prstGeom>
+          <a:solidFill>
+            <a:srgbClr val="CCFF99"/>
+          </a:solidFill>
+        </p:spPr>
+        <p:style>
+          <a:lnRef idx="2">
+            <a:schemeClr val="accent1">
+              <a:shade val="50%"/>
+            </a:schemeClr>
+          </a:lnRef>
+          <a:fillRef idx="1">
+            <a:schemeClr val="accent1"/>
+          </a:fillRef>
+          <a:effectRef idx="0">
+            <a:schemeClr val="accent1"/>
+          </a:effectRef>
+          <a:fontRef idx="minor">
+            <a:schemeClr val="lt1"/>
+          </a:fontRef>
+        </p:style>
+        <p:txBody>
+          <a:bodyPr rtlCol="0" anchor="ctr"/>
+          <a:lstStyle/>
+          <a:p>
+            <a:pPr algn="ctr"/>
+            <a:r>
+              <a:rPr lang="it-IT" sz="1400" dirty="0" err="1">
+                <a:solidFill>
+                  <a:schemeClr val="tx1"/>
+                </a:solidFill>
+              </a:rPr>
+              <a:t>IssOperations</a:t>
+            </a:r>
+            <a:r>
+              <a:rPr lang="it-IT" sz="1400" dirty="0">
+                <a:solidFill>
+                  <a:schemeClr val="tx1"/>
+                </a:solidFill>
+              </a:rPr>
+              <a:t> </a:t>
+            </a:r>
+            <a:r>
+              <a:rPr lang="it-IT" sz="1100" dirty="0" err="1">
+                <a:solidFill>
+                  <a:schemeClr val="tx1"/>
+                </a:solidFill>
+              </a:rPr>
+              <a:t>interface</a:t>
+            </a:r>
+            <a:endParaRPr lang="it-IT" sz="1100" dirty="0">
+              <a:solidFill>
+                <a:schemeClr val="tx1"/>
+              </a:solidFill>
+            </a:endParaRPr>
+          </a:p>
+        </p:txBody>
+      </p:sp>
+      <p:sp>
+        <p:nvSpPr>
+          <p:cNvPr id="88" name="Rettangolo con angoli arrotondati 87">
+            <a:extLst>
+              <a:ext uri="{FF2B5EF4-FFF2-40B4-BE49-F238E27FC236}">
+                <a16:creationId xmlns:a16="http://schemas.microsoft.com/office/drawing/2014/main" id="{4E1A76C5-6FF9-4EEE-9193-BD338CE4F624}"/>
+              </a:ext>
+            </a:extLst>
+          </p:cNvPr>
+          <p:cNvSpPr/>
+          <p:nvPr/>
+        </p:nvSpPr>
+        <p:spPr>
+          <a:xfrm>
+            <a:off x="6546276" y="2806566"/>
+            <a:ext cx="1268384" cy="387092"/>
+          </a:xfrm>
+          <a:prstGeom prst="roundRect">
+            <a:avLst/>
+          </a:prstGeom>
+          <a:solidFill>
+            <a:schemeClr val="accent4">
+              <a:lumMod val="20%"/>
+              <a:lumOff val="80%"/>
+            </a:schemeClr>
+          </a:solidFill>
+        </p:spPr>
+        <p:style>
+          <a:lnRef idx="2">
+            <a:schemeClr val="accent1">
+              <a:shade val="50%"/>
+            </a:schemeClr>
+          </a:lnRef>
+          <a:fillRef idx="1">
+            <a:schemeClr val="accent1"/>
+          </a:fillRef>
+          <a:effectRef idx="0">
+            <a:schemeClr val="accent1"/>
+          </a:effectRef>
+          <a:fontRef idx="minor">
+            <a:schemeClr val="lt1"/>
+          </a:fontRef>
+        </p:style>
+        <p:txBody>
+          <a:bodyPr rtlCol="0" anchor="ctr"/>
+          <a:lstStyle/>
+          <a:p>
+            <a:pPr algn="ctr"/>
+            <a:r>
+              <a:rPr lang="it-IT" sz="1200" dirty="0" err="1">
+                <a:solidFill>
+                  <a:schemeClr val="tx1"/>
+                </a:solidFill>
+              </a:rPr>
+              <a:t>UseRobotApp</a:t>
+            </a:r>
+            <a:endParaRPr lang="it-IT" sz="1200" dirty="0">
+              <a:solidFill>
+                <a:schemeClr val="tx1"/>
+              </a:solidFill>
+            </a:endParaRPr>
+          </a:p>
+        </p:txBody>
+      </p:sp>
+      <p:sp>
+        <p:nvSpPr>
+          <p:cNvPr id="90" name="Rettangolo con angoli arrotondati 89">
+            <a:extLst>
+              <a:ext uri="{FF2B5EF4-FFF2-40B4-BE49-F238E27FC236}">
+                <a16:creationId xmlns:a16="http://schemas.microsoft.com/office/drawing/2014/main" id="{E75BBDC4-A60A-4763-89F5-D714F71A3C55}"/>
+              </a:ext>
+            </a:extLst>
+          </p:cNvPr>
+          <p:cNvSpPr/>
+          <p:nvPr/>
+        </p:nvSpPr>
+        <p:spPr>
+          <a:xfrm>
+            <a:off x="6254216" y="5212017"/>
+            <a:ext cx="1876779" cy="387092"/>
+          </a:xfrm>
+          <a:prstGeom prst="roundRect">
+            <a:avLst/>
+          </a:prstGeom>
+          <a:solidFill>
+            <a:schemeClr val="accent4">
+              <a:lumMod val="20%"/>
+              <a:lumOff val="80%"/>
+            </a:schemeClr>
+          </a:solidFill>
+        </p:spPr>
+        <p:style>
+          <a:lnRef idx="2">
+            <a:schemeClr val="accent1">
+              <a:shade val="50%"/>
+            </a:schemeClr>
+          </a:lnRef>
+          <a:fillRef idx="1">
+            <a:schemeClr val="accent1"/>
+          </a:fillRef>
+          <a:effectRef idx="0">
+            <a:schemeClr val="accent1"/>
+          </a:effectRef>
+          <a:fontRef idx="minor">
+            <a:schemeClr val="lt1"/>
+          </a:fontRef>
+        </p:style>
+        <p:txBody>
+          <a:bodyPr rtlCol="0" anchor="ctr"/>
+          <a:lstStyle/>
+          <a:p>
+            <a:pPr algn="ctr"/>
+            <a:r>
+              <a:rPr lang="it-IT" sz="1200" dirty="0" err="1">
+                <a:solidFill>
+                  <a:schemeClr val="tx1"/>
+                </a:solidFill>
+              </a:rPr>
+              <a:t>commsSupport</a:t>
+            </a:r>
+            <a:endParaRPr lang="it-IT" sz="1200" dirty="0">
+              <a:solidFill>
+                <a:schemeClr val="tx1"/>
+              </a:solidFill>
+            </a:endParaRPr>
+          </a:p>
+        </p:txBody>
+      </p:sp>
+      <p:sp>
+        <p:nvSpPr>
+          <p:cNvPr id="91" name="Rettangolo con angoli arrotondati 90">
+            <a:extLst>
+              <a:ext uri="{FF2B5EF4-FFF2-40B4-BE49-F238E27FC236}">
+                <a16:creationId xmlns:a16="http://schemas.microsoft.com/office/drawing/2014/main" id="{A90B6D95-0D7A-4BA3-A122-5BA7FF626B20}"/>
+              </a:ext>
+            </a:extLst>
+          </p:cNvPr>
+          <p:cNvSpPr/>
+          <p:nvPr/>
+        </p:nvSpPr>
+        <p:spPr>
+          <a:xfrm>
+            <a:off x="6229940" y="4976503"/>
+            <a:ext cx="1901055" cy="252859"/>
+          </a:xfrm>
+          <a:prstGeom prst="roundRect">
+            <a:avLst/>
+          </a:prstGeom>
+          <a:solidFill>
+            <a:srgbClr val="CCFF99"/>
+          </a:solidFill>
+        </p:spPr>
+        <p:style>
+          <a:lnRef idx="2">
+            <a:schemeClr val="accent1">
+              <a:shade val="50%"/>
+            </a:schemeClr>
+          </a:lnRef>
+          <a:fillRef idx="1">
+            <a:schemeClr val="accent1"/>
+          </a:fillRef>
+          <a:effectRef idx="0">
+            <a:schemeClr val="accent1"/>
+          </a:effectRef>
+          <a:fontRef idx="minor">
+            <a:schemeClr val="lt1"/>
+          </a:fontRef>
+        </p:style>
+        <p:txBody>
+          <a:bodyPr rtlCol="0" anchor="ctr"/>
+          <a:lstStyle/>
+          <a:p>
+            <a:pPr algn="ctr"/>
+            <a:r>
+              <a:rPr lang="it-IT" sz="1400" dirty="0" err="1">
+                <a:solidFill>
+                  <a:schemeClr val="tx1"/>
+                </a:solidFill>
+              </a:rPr>
+              <a:t>IssOperations</a:t>
+            </a:r>
+            <a:r>
+              <a:rPr lang="it-IT" sz="1400" dirty="0">
+                <a:solidFill>
+                  <a:schemeClr val="tx1"/>
+                </a:solidFill>
+              </a:rPr>
+              <a:t> </a:t>
+            </a:r>
+            <a:r>
+              <a:rPr lang="it-IT" sz="1100" dirty="0" err="1">
+                <a:solidFill>
+                  <a:schemeClr val="tx1"/>
+                </a:solidFill>
+              </a:rPr>
+              <a:t>interface</a:t>
+            </a:r>
+            <a:endParaRPr lang="it-IT" sz="1100" dirty="0">
+              <a:solidFill>
+                <a:schemeClr val="tx1"/>
+              </a:solidFill>
+            </a:endParaRPr>
+          </a:p>
+        </p:txBody>
+      </p:sp>
+      <p:cxnSp>
+        <p:nvCxnSpPr>
+          <p:cNvPr id="92" name="Connettore a gomito 91">
+            <a:extLst>
+              <a:ext uri="{FF2B5EF4-FFF2-40B4-BE49-F238E27FC236}">
+                <a16:creationId xmlns:a16="http://schemas.microsoft.com/office/drawing/2014/main" id="{B47FCD85-BB98-46E1-A591-2989617285FF}"/>
+              </a:ext>
+            </a:extLst>
+          </p:cNvPr>
+          <p:cNvCxnSpPr>
+            <a:cxnSpLocks/>
+            <a:stCxn id="84" idx="2"/>
+            <a:endCxn id="91" idx="0"/>
+          </p:cNvCxnSpPr>
+          <p:nvPr/>
+        </p:nvCxnSpPr>
+        <p:spPr>
+          <a:xfrm rot="5400000">
+            <a:off x="7045577" y="4829473"/>
+            <a:ext cx="281922" cy="12139"/>
+          </a:xfrm>
+          <a:prstGeom prst="bentConnector3">
+            <a:avLst>
+              <a:gd name="adj1" fmla="val 50000"/>
+            </a:avLst>
+          </a:prstGeom>
+          <a:ln>
+            <a:tailEnd type="triangle"/>
+          </a:ln>
+        </p:spPr>
+        <p:style>
+          <a:lnRef idx="1">
+            <a:schemeClr val="accent1"/>
+          </a:lnRef>
+          <a:fillRef idx="0">
+            <a:schemeClr val="accent1"/>
+          </a:fillRef>
+          <a:effectRef idx="0">
+            <a:schemeClr val="accent1"/>
+          </a:effectRef>
+          <a:fontRef idx="minor">
+            <a:schemeClr val="tx1"/>
+          </a:fontRef>
+        </p:style>
+      </p:cxnSp>
+    </p:spTree>
+    <p:extLst>
+      <p:ext uri="{BB962C8B-B14F-4D97-AF65-F5344CB8AC3E}">
+        <p14:creationId xmlns:p14="http://schemas.microsoft.com/office/powerpoint/2010/main" val="1416119389"/>
+      </p:ext>
+    </p:extLst>
+  </p:cSld>
+  <p:clrMapOvr>
+    <a:masterClrMapping/>
+  </p:clrMapOvr>
+</p:sld>
+</file>
+
+<file path=ppt/slides/slide5.xml><?xml version="1.0" encoding="utf-8"?>
+<p:sld xmlns:a="http://purl.oclc.org/ooxml/drawingml/main" xmlns:r="http://purl.oclc.org/ooxml/officeDocument/relationships" xmlns:p="http://purl.oclc.org/ooxml/presentationml/main">
+  <p:cSld>
+    <p:spTree>
+      <p:nvGrpSpPr>
+        <p:cNvPr id="1" name=""/>
+        <p:cNvGrpSpPr/>
+        <p:nvPr/>
+      </p:nvGrpSpPr>
+      <p:grpSpPr>
+        <a:xfrm>
+          <a:off x="0" y="0"/>
+          <a:ext cx="0" cy="0"/>
+          <a:chOff x="0" y="0"/>
+          <a:chExt cx="0" cy="0"/>
+        </a:xfrm>
+      </p:grpSpPr>
       <p:grpSp>
         <p:nvGrpSpPr>
           <p:cNvPr id="53" name="Gruppo 6">
@@ -14273,7 +16300,7 @@
         </p:nvSpPr>
         <p:spPr>
           <a:xfrm>
-            <a:off x="5320277" y="2208837"/>
+            <a:off x="5187929" y="3444731"/>
             <a:ext cx="1876779" cy="387092"/>
           </a:xfrm>
           <a:prstGeom prst="roundRect">
@@ -14339,7 +16366,7 @@
         </p:nvSpPr>
         <p:spPr bwMode="auto">
           <a:xfrm>
-            <a:off x="7236986" y="2023881"/>
+            <a:off x="7228965" y="3365068"/>
             <a:ext cx="4373487" cy="830997"/>
           </a:xfrm>
           <a:prstGeom prst="rect">
@@ -15116,7 +17143,7 @@
     </p:spTree>
     <p:extLst>
       <p:ext uri="{BB962C8B-B14F-4D97-AF65-F5344CB8AC3E}">
-        <p14:creationId xmlns:p14="http://schemas.microsoft.com/office/powerpoint/2010/main" val="1416119389"/>
+        <p14:creationId xmlns:p14="http://schemas.microsoft.com/office/powerpoint/2010/main" val="842933111"/>
       </p:ext>
     </p:extLst>
   </p:cSld>
@@ -15126,7 +17153,7 @@
 </p:sld>
 </file>
 
-<file path=ppt/slides/slide5.xml><?xml version="1.0" encoding="utf-8"?>
+<file path=ppt/slides/slide6.xml><?xml version="1.0" encoding="utf-8"?>
 <p:sld xmlns:a="http://purl.oclc.org/ooxml/drawingml/main" xmlns:r="http://purl.oclc.org/ooxml/officeDocument/relationships" xmlns:p="http://purl.oclc.org/ooxml/presentationml/main">
   <p:cSld name="Slide7">
     <p:spTree>
@@ -15412,7 +17439,7 @@
 </p:sld>
 </file>
 
-<file path=ppt/slides/slide6.xml><?xml version="1.0" encoding="utf-8"?>
+<file path=ppt/slides/slide7.xml><?xml version="1.0" encoding="utf-8"?>
 <p:sld xmlns:a="http://purl.oclc.org/ooxml/drawingml/main" xmlns:r="http://purl.oclc.org/ooxml/officeDocument/relationships" xmlns:p="http://purl.oclc.org/ooxml/presentationml/main">
   <p:cSld name="Slide8">
     <p:spTree>
@@ -15875,7 +17902,7 @@
 </p:sld>
 </file>
 
-<file path=ppt/slides/slide7.xml><?xml version="1.0" encoding="utf-8"?>
+<file path=ppt/slides/slide8.xml><?xml version="1.0" encoding="utf-8"?>
 <p:sld xmlns:a="http://purl.oclc.org/ooxml/drawingml/main" xmlns:r="http://purl.oclc.org/ooxml/officeDocument/relationships" xmlns:p="http://purl.oclc.org/ooxml/presentationml/main">
   <p:cSld name="Slide10">
     <p:spTree>
@@ -16394,7 +18421,7 @@
 </p:sld>
 </file>
 
-<file path=ppt/slides/slide8.xml><?xml version="1.0" encoding="utf-8"?>
+<file path=ppt/slides/slide9.xml><?xml version="1.0" encoding="utf-8"?>
 <p:sld xmlns:a="http://purl.oclc.org/ooxml/drawingml/main" xmlns:r="http://purl.oclc.org/ooxml/officeDocument/relationships" xmlns:p="http://purl.oclc.org/ooxml/presentationml/main">
   <p:cSld name="Slide12">
     <p:spTree>

--- a/it.unibo.issLabStart/userDocs/BoundaryProblem.pptx
+++ b/it.unibo.issLabStart/userDocs/BoundaryProblem.pptx
@@ -10,10 +10,12 @@
     <p:sldId id="269" r:id="rId4"/>
     <p:sldId id="360" r:id="rId5"/>
     <p:sldId id="361" r:id="rId6"/>
-    <p:sldId id="262" r:id="rId7"/>
-    <p:sldId id="263" r:id="rId8"/>
-    <p:sldId id="265" r:id="rId9"/>
-    <p:sldId id="267" r:id="rId10"/>
+    <p:sldId id="362" r:id="rId7"/>
+    <p:sldId id="363" r:id="rId8"/>
+    <p:sldId id="262" r:id="rId9"/>
+    <p:sldId id="263" r:id="rId10"/>
+    <p:sldId id="265" r:id="rId11"/>
+    <p:sldId id="267" r:id="rId12"/>
   </p:sldIdLst>
   <p:sldSz cx="12192000" cy="6858000"/>
   <p:notesSz cx="6858000" cy="9144000"/>
@@ -1455,7 +1457,7 @@
             <a:fld id="{E1625027-F480-45BE-98EB-E4ABD50F7C43}" type="datetime1">
               <a:rPr lang="en-US"/>
               <a:pPr lvl="0"/>
-              <a:t>3/2/2021</a:t>
+              <a:t>3/3/2021</a:t>
             </a:fld>
             <a:endParaRPr lang="en-US"/>
           </a:p>
@@ -1518,7 +1520,7 @@
           <a:p>
             <a:pPr lvl="0"/>
             <a:fld id="{FEBEED23-3CB0-4314-8E77-F77AE33DDC27}" type="slidenum">
-              <a:t>‹N›</a:t>
+              <a:t>‹#›</a:t>
             </a:fld>
             <a:endParaRPr lang="en-US"/>
           </a:p>
@@ -1660,7 +1662,7 @@
             <a:fld id="{2B127D2E-5ADA-4DDC-9F1A-AD6A016AA88A}" type="datetime1">
               <a:rPr lang="en-US"/>
               <a:pPr lvl="0"/>
-              <a:t>3/2/2021</a:t>
+              <a:t>3/3/2021</a:t>
             </a:fld>
             <a:endParaRPr lang="en-US"/>
           </a:p>
@@ -1723,7 +1725,7 @@
           <a:p>
             <a:pPr lvl="0"/>
             <a:fld id="{C85F89E6-E841-433D-9226-E1980481D595}" type="slidenum">
-              <a:t>‹N›</a:t>
+              <a:t>‹#›</a:t>
             </a:fld>
             <a:endParaRPr lang="en-US"/>
           </a:p>
@@ -1910,7 +1912,7 @@
             <a:fld id="{DC8D2D60-A35A-4E29-90AF-F462F3828E68}" type="datetime1">
               <a:rPr lang="en-US"/>
               <a:pPr lvl="0"/>
-              <a:t>3/2/2021</a:t>
+              <a:t>3/3/2021</a:t>
             </a:fld>
             <a:endParaRPr lang="en-US"/>
           </a:p>
@@ -1973,7 +1975,7 @@
           <a:p>
             <a:pPr lvl="0"/>
             <a:fld id="{25E8B9DC-1601-4E89-9BF3-67798058929C}" type="slidenum">
-              <a:t>‹N›</a:t>
+              <a:t>‹#›</a:t>
             </a:fld>
             <a:endParaRPr lang="en-US"/>
           </a:p>
@@ -2248,7 +2250,7 @@
             <a:fld id="{28219253-5FC5-4A40-8333-D1B15AC5878A}" type="datetime1">
               <a:rPr lang="en-US"/>
               <a:pPr lvl="0"/>
-              <a:t>3/2/2021</a:t>
+              <a:t>3/3/2021</a:t>
             </a:fld>
             <a:endParaRPr lang="en-US"/>
           </a:p>
@@ -2311,7 +2313,7 @@
           <a:p>
             <a:pPr lvl="0"/>
             <a:fld id="{86011E27-E238-48D1-8B6B-308E3305A798}" type="slidenum">
-              <a:t>‹N›</a:t>
+              <a:t>‹#›</a:t>
             </a:fld>
             <a:endParaRPr lang="en-US"/>
           </a:p>
@@ -2498,7 +2500,7 @@
             <a:fld id="{33CA4D83-3349-4ABB-88EE-6E4E7B0BB022}" type="datetime1">
               <a:rPr lang="en-US"/>
               <a:pPr lvl="0"/>
-              <a:t>3/2/2021</a:t>
+              <a:t>3/3/2021</a:t>
             </a:fld>
             <a:endParaRPr lang="en-US"/>
           </a:p>
@@ -2561,7 +2563,7 @@
           <a:p>
             <a:pPr lvl="0"/>
             <a:fld id="{3838CB40-8488-4632-BEE4-1726605F46A2}" type="slidenum">
-              <a:t>‹N›</a:t>
+              <a:t>‹#›</a:t>
             </a:fld>
             <a:endParaRPr lang="en-US"/>
           </a:p>
@@ -2878,7 +2880,7 @@
             <a:fld id="{2FB5C852-7CCC-490C-814F-DFECD5F43B20}" type="datetime1">
               <a:rPr lang="en-US"/>
               <a:pPr lvl="0"/>
-              <a:t>3/2/2021</a:t>
+              <a:t>3/3/2021</a:t>
             </a:fld>
             <a:endParaRPr lang="en-US"/>
           </a:p>
@@ -2941,7 +2943,7 @@
           <a:p>
             <a:pPr lvl="0"/>
             <a:fld id="{DF155DDB-B265-4385-85EB-9BB6F96920F3}" type="slidenum">
-              <a:t>‹N›</a:t>
+              <a:t>‹#›</a:t>
             </a:fld>
             <a:endParaRPr lang="en-US"/>
           </a:p>
@@ -3112,7 +3114,7 @@
             <a:fld id="{7B2A1F4C-93D8-43D7-8339-D733494904AF}" type="datetime1">
               <a:rPr lang="en-US"/>
               <a:pPr lvl="0"/>
-              <a:t>3/2/2021</a:t>
+              <a:t>3/3/2021</a:t>
             </a:fld>
             <a:endParaRPr lang="en-US"/>
           </a:p>
@@ -3175,7 +3177,7 @@
           <a:p>
             <a:pPr lvl="0"/>
             <a:fld id="{AFBA4CC0-DF28-4594-B397-0B69C273FCC7}" type="slidenum">
-              <a:t>‹N›</a:t>
+              <a:t>‹#›</a:t>
             </a:fld>
             <a:endParaRPr lang="en-US"/>
           </a:p>
@@ -3356,7 +3358,7 @@
             <a:fld id="{77885217-A614-4057-B794-FF8AEFCE0435}" type="datetime1">
               <a:rPr lang="en-US"/>
               <a:pPr lvl="0"/>
-              <a:t>3/2/2021</a:t>
+              <a:t>3/3/2021</a:t>
             </a:fld>
             <a:endParaRPr lang="en-US"/>
           </a:p>
@@ -3419,7 +3421,7 @@
           <a:p>
             <a:pPr lvl="0"/>
             <a:fld id="{EFAAD9BC-2D0C-483F-8155-9F1E48F77017}" type="slidenum">
-              <a:t>‹N›</a:t>
+              <a:t>‹#›</a:t>
             </a:fld>
             <a:endParaRPr lang="en-US"/>
           </a:p>
@@ -3590,7 +3592,7 @@
             <a:fld id="{D0DACD68-29B9-4EF3-AEDA-C2F359F2DD76}" type="datetime1">
               <a:rPr lang="en-US"/>
               <a:pPr lvl="0"/>
-              <a:t>3/2/2021</a:t>
+              <a:t>3/3/2021</a:t>
             </a:fld>
             <a:endParaRPr lang="en-US"/>
           </a:p>
@@ -3653,7 +3655,7 @@
           <a:p>
             <a:pPr lvl="0"/>
             <a:fld id="{7548A338-ED36-4B02-8A7A-B62AA2999902}" type="slidenum">
-              <a:t>‹N›</a:t>
+              <a:t>‹#›</a:t>
             </a:fld>
             <a:endParaRPr lang="en-US"/>
           </a:p>
@@ -3799,7 +3801,7 @@
             <a:fld id="{06E0725F-6EB9-4ECD-B0CE-1D38B1127686}" type="datetime1">
               <a:rPr lang="en-US"/>
               <a:pPr lvl="0"/>
-              <a:t>3/2/2021</a:t>
+              <a:t>3/3/2021</a:t>
             </a:fld>
             <a:endParaRPr lang="en-US"/>
           </a:p>
@@ -3862,7 +3864,7 @@
           <a:p>
             <a:pPr lvl="0"/>
             <a:fld id="{864A4FA9-6AAC-4551-B51D-2A8210D0C5CC}" type="slidenum">
-              <a:t>‹N›</a:t>
+              <a:t>‹#›</a:t>
             </a:fld>
             <a:endParaRPr lang="en-US"/>
           </a:p>
@@ -4116,7 +4118,7 @@
             <a:fld id="{4C942382-4B6B-45E1-9E36-EC8B67CEA045}" type="datetime1">
               <a:rPr lang="en-US"/>
               <a:pPr lvl="0"/>
-              <a:t>3/2/2021</a:t>
+              <a:t>3/3/2021</a:t>
             </a:fld>
             <a:endParaRPr lang="en-US"/>
           </a:p>
@@ -4179,7 +4181,7 @@
           <a:p>
             <a:pPr lvl="0"/>
             <a:fld id="{3B82688E-5447-4477-9F70-BCD59116F07E}" type="slidenum">
-              <a:t>‹N›</a:t>
+              <a:t>‹#›</a:t>
             </a:fld>
             <a:endParaRPr lang="en-US"/>
           </a:p>
@@ -4515,7 +4517,7 @@
             <a:fld id="{7D3D84F2-FEA2-4427-96E5-10B973ED4870}" type="datetime1">
               <a:rPr lang="en-US"/>
               <a:pPr lvl="0"/>
-              <a:t>3/2/2021</a:t>
+              <a:t>3/3/2021</a:t>
             </a:fld>
             <a:endParaRPr lang="en-US"/>
           </a:p>
@@ -4578,7 +4580,7 @@
           <a:p>
             <a:pPr lvl="0"/>
             <a:fld id="{CB2E60DC-FEE2-4D8E-B96B-62896C0CB29E}" type="slidenum">
-              <a:t>‹N›</a:t>
+              <a:t>‹#›</a:t>
             </a:fld>
             <a:endParaRPr lang="en-US"/>
           </a:p>
@@ -4676,7 +4678,7 @@
             <a:fld id="{B7AF3369-AE36-4F4C-A2F2-CD9A19A2C3F5}" type="datetime1">
               <a:rPr lang="en-US"/>
               <a:pPr lvl="0"/>
-              <a:t>3/2/2021</a:t>
+              <a:t>3/3/2021</a:t>
             </a:fld>
             <a:endParaRPr lang="en-US"/>
           </a:p>
@@ -4739,7 +4741,7 @@
           <a:p>
             <a:pPr lvl="0"/>
             <a:fld id="{89A43199-AD0E-4750-B27B-4C1D93A2EA32}" type="slidenum">
-              <a:t>‹N›</a:t>
+              <a:t>‹#›</a:t>
             </a:fld>
             <a:endParaRPr lang="en-US"/>
           </a:p>
@@ -4805,7 +4807,7 @@
             <a:fld id="{1DBFF290-4D61-45AA-9912-220341DCFF82}" type="datetime1">
               <a:rPr lang="en-US"/>
               <a:pPr lvl="0"/>
-              <a:t>3/2/2021</a:t>
+              <a:t>3/3/2021</a:t>
             </a:fld>
             <a:endParaRPr lang="en-US"/>
           </a:p>
@@ -4868,7 +4870,7 @@
           <a:p>
             <a:pPr lvl="0"/>
             <a:fld id="{1770E780-0E85-498B-B658-B69898171ACB}" type="slidenum">
-              <a:t>‹N›</a:t>
+              <a:t>‹#›</a:t>
             </a:fld>
             <a:endParaRPr lang="en-US"/>
           </a:p>
@@ -5088,7 +5090,7 @@
             <a:fld id="{394810FF-4C92-4868-8A78-69B7E79AAD23}" type="datetime1">
               <a:rPr lang="en-US"/>
               <a:pPr lvl="0"/>
-              <a:t>3/2/2021</a:t>
+              <a:t>3/3/2021</a:t>
             </a:fld>
             <a:endParaRPr lang="en-US"/>
           </a:p>
@@ -5151,7 +5153,7 @@
           <a:p>
             <a:pPr lvl="0"/>
             <a:fld id="{7AC017E1-2DD0-4D42-9E09-06ADDE3F63D7}" type="slidenum">
-              <a:t>‹N›</a:t>
+              <a:t>‹#›</a:t>
             </a:fld>
             <a:endParaRPr lang="en-US"/>
           </a:p>
@@ -5332,7 +5334,7 @@
             <a:fld id="{5EEF1104-63C8-41E5-ADC2-4624C67A1313}" type="datetime1">
               <a:rPr lang="en-US"/>
               <a:pPr lvl="0"/>
-              <a:t>3/2/2021</a:t>
+              <a:t>3/3/2021</a:t>
             </a:fld>
             <a:endParaRPr lang="en-US"/>
           </a:p>
@@ -5395,7 +5397,7 @@
           <a:p>
             <a:pPr lvl="0"/>
             <a:fld id="{3B62C8DE-7929-43A8-9BA2-34E07DFC7D3C}" type="slidenum">
-              <a:t>‹N›</a:t>
+              <a:t>‹#›</a:t>
             </a:fld>
             <a:endParaRPr lang="en-US"/>
           </a:p>
@@ -6818,7 +6820,7 @@
             <a:fld id="{3431AD46-0528-4BA3-9348-B3C09F91749D}" type="datetime1">
               <a:rPr lang="en-US"/>
               <a:pPr lvl="0"/>
-              <a:t>3/2/2021</a:t>
+              <a:t>3/3/2021</a:t>
             </a:fld>
             <a:endParaRPr lang="en-US"/>
           </a:p>
@@ -6943,7 +6945,7 @@
           <a:p>
             <a:pPr lvl="0"/>
             <a:fld id="{5FDB0281-6497-4923-A6A9-684DC7375417}" type="slidenum">
-              <a:t>‹N›</a:t>
+              <a:t>‹#›</a:t>
             </a:fld>
             <a:endParaRPr lang="en-US"/>
           </a:p>
@@ -7935,6 +7937,939 @@
 </p:sld>
 </file>
 
+<file path=ppt/slides/slide10.xml><?xml version="1.0" encoding="utf-8"?>
+<p:sld xmlns:a="http://purl.oclc.org/ooxml/drawingml/main" xmlns:r="http://purl.oclc.org/ooxml/officeDocument/relationships" xmlns:p="http://purl.oclc.org/ooxml/presentationml/main">
+  <p:cSld name="Slide10">
+    <p:spTree>
+      <p:nvGrpSpPr>
+        <p:cNvPr id="1" name=""/>
+        <p:cNvGrpSpPr/>
+        <p:nvPr/>
+      </p:nvGrpSpPr>
+      <p:grpSpPr>
+        <a:xfrm>
+          <a:off x="0" y="0"/>
+          <a:ext cx="0" cy="0"/>
+          <a:chOff x="0" y="0"/>
+          <a:chExt cx="0" cy="0"/>
+        </a:xfrm>
+      </p:grpSpPr>
+      <p:sp>
+        <p:nvSpPr>
+          <p:cNvPr id="2" name="Title 1">
+            <a:extLst>
+              <a:ext uri="{FF2B5EF4-FFF2-40B4-BE49-F238E27FC236}">
+                <a16:creationId xmlns:a16="http://schemas.microsoft.com/office/drawing/2014/main" id="{492C36A4-1C58-4EFB-B95F-F91FE9068026}"/>
+              </a:ext>
+            </a:extLst>
+          </p:cNvPr>
+          <p:cNvSpPr txBox="1">
+            <a:spLocks noGrp="1"/>
+          </p:cNvSpPr>
+          <p:nvPr>
+            <p:ph type="title"/>
+          </p:nvPr>
+        </p:nvSpPr>
+        <p:spPr>
+          <a:xfrm>
+            <a:off x="677332" y="609603"/>
+            <a:ext cx="8596667" cy="757123"/>
+          </a:xfrm>
+        </p:spPr>
+        <p:txBody>
+          <a:bodyPr/>
+          <a:lstStyle/>
+          <a:p>
+            <a:pPr lvl="0"/>
+            <a:r>
+              <a:rPr lang="en-US"/>
+              <a:t>Define our app and modify build</a:t>
+            </a:r>
+          </a:p>
+        </p:txBody>
+      </p:sp>
+      <p:sp>
+        <p:nvSpPr>
+          <p:cNvPr id="3" name="TextBox 2">
+            <a:extLst>
+              <a:ext uri="{FF2B5EF4-FFF2-40B4-BE49-F238E27FC236}">
+                <a16:creationId xmlns:a16="http://schemas.microsoft.com/office/drawing/2014/main" id="{0994C0C0-A936-4AE4-A8D5-C0A08E4BA080}"/>
+              </a:ext>
+            </a:extLst>
+          </p:cNvPr>
+          <p:cNvSpPr txBox="1"/>
+          <p:nvPr/>
+        </p:nvSpPr>
+        <p:spPr>
+          <a:xfrm>
+            <a:off x="194154" y="1582451"/>
+            <a:ext cx="11803687" cy="2000551"/>
+          </a:xfrm>
+          <a:prstGeom prst="rect">
+            <a:avLst/>
+          </a:prstGeom>
+          <a:noFill/>
+          <a:ln cap="flat">
+            <a:noFill/>
+          </a:ln>
+        </p:spPr>
+        <p:txBody>
+          <a:bodyPr vert="horz" wrap="square" lIns="91440" tIns="45720" rIns="91440" bIns="45720" anchor="t" anchorCtr="0" compatLnSpc="1">
+            <a:spAutoFit/>
+          </a:bodyPr>
+          <a:lstStyle/>
+          <a:p>
+            <a:pPr marL="0" marR="0" lvl="0" indent="0" algn="l" defTabSz="914400" rtl="0" fontAlgn="auto" hangingPunct="1">
+              <a:lnSpc>
+                <a:spcPct val="100%"/>
+              </a:lnSpc>
+              <a:spcBef>
+                <a:spcPts val="0"/>
+              </a:spcBef>
+              <a:spcAft>
+                <a:spcPts val="0"/>
+              </a:spcAft>
+              <a:buNone/>
+              <a:tabLst/>
+              <a:defRPr sz="1800" b="0" i="0" u="none" strike="noStrike" kern="0" cap="none" spc="0" baseline="0%">
+                <a:solidFill>
+                  <a:srgbClr val="000000"/>
+                </a:solidFill>
+                <a:uFillTx/>
+              </a:defRPr>
+            </a:pPr>
+            <a:r>
+              <a:rPr lang="en-US" sz="2400" b="0" i="1" u="none" strike="noStrike" kern="1200" cap="none" spc="0" baseline="0%" dirty="0">
+                <a:solidFill>
+                  <a:srgbClr val="000000"/>
+                </a:solidFill>
+                <a:uFillTx/>
+                <a:latin typeface="Consolas"/>
+              </a:rPr>
+              <a:t>application </a:t>
+            </a:r>
+            <a:r>
+              <a:rPr lang="en-US" sz="2400" b="1" i="0" u="none" strike="noStrike" kern="1200" cap="none" spc="0" baseline="0%" dirty="0">
+                <a:solidFill>
+                  <a:srgbClr val="000000"/>
+                </a:solidFill>
+                <a:uFillTx/>
+                <a:latin typeface="Consolas"/>
+              </a:rPr>
+              <a:t>{</a:t>
+            </a:r>
+            <a:br>
+              <a:rPr lang="en-US" sz="2400" b="1" i="0" u="none" strike="noStrike" kern="1200" cap="none" spc="0" baseline="0%" dirty="0">
+                <a:solidFill>
+                  <a:srgbClr val="000000"/>
+                </a:solidFill>
+                <a:uFillTx/>
+                <a:latin typeface="Consolas"/>
+              </a:rPr>
+            </a:br>
+            <a:r>
+              <a:rPr lang="en-US" sz="2400" b="1" i="0" u="none" strike="noStrike" kern="1200" cap="none" spc="0" baseline="0%" dirty="0">
+                <a:solidFill>
+                  <a:srgbClr val="000000"/>
+                </a:solidFill>
+                <a:uFillTx/>
+                <a:latin typeface="Consolas"/>
+              </a:rPr>
+              <a:t>    </a:t>
+            </a:r>
+            <a:r>
+              <a:rPr lang="en-US" sz="2400" b="0" i="1" u="none" strike="noStrike" kern="1200" cap="none" spc="0" baseline="0%" dirty="0">
+                <a:solidFill>
+                  <a:srgbClr val="000000"/>
+                </a:solidFill>
+                <a:uFillTx/>
+                <a:latin typeface="Consolas"/>
+              </a:rPr>
+              <a:t>// Define the main class for the application.</a:t>
+            </a:r>
+            <a:br>
+              <a:rPr lang="en-US" sz="2400" b="0" i="1" u="none" strike="noStrike" kern="1200" cap="none" spc="0" baseline="0%" dirty="0">
+                <a:solidFill>
+                  <a:srgbClr val="000000"/>
+                </a:solidFill>
+                <a:uFillTx/>
+                <a:latin typeface="Consolas"/>
+              </a:rPr>
+            </a:br>
+            <a:r>
+              <a:rPr lang="en-US" sz="2400" b="0" i="1" u="none" strike="noStrike" kern="1200" cap="none" spc="0" baseline="0%" dirty="0">
+                <a:solidFill>
+                  <a:srgbClr val="000000"/>
+                </a:solidFill>
+                <a:uFillTx/>
+                <a:latin typeface="Consolas"/>
+              </a:rPr>
+              <a:t>    //</a:t>
+            </a:r>
+            <a:r>
+              <a:rPr lang="en-US" sz="2400" b="0" i="1" u="none" strike="noStrike" kern="1200" cap="none" spc="0" baseline="0%" dirty="0" err="1">
+                <a:solidFill>
+                  <a:srgbClr val="000000"/>
+                </a:solidFill>
+                <a:uFillTx/>
+                <a:latin typeface="Consolas"/>
+              </a:rPr>
+              <a:t>mainClass.set</a:t>
+            </a:r>
+            <a:r>
+              <a:rPr lang="en-US" sz="2400" b="0" i="1" u="none" strike="noStrike" kern="1200" cap="none" spc="0" baseline="0%" dirty="0">
+                <a:solidFill>
+                  <a:srgbClr val="000000"/>
+                </a:solidFill>
+                <a:uFillTx/>
+                <a:latin typeface="Consolas"/>
+              </a:rPr>
+              <a:t>("</a:t>
+            </a:r>
+            <a:r>
+              <a:rPr lang="en-US" sz="2400" b="0" i="1" u="none" strike="noStrike" kern="1200" cap="none" spc="0" baseline="0%" dirty="0" err="1">
+                <a:solidFill>
+                  <a:srgbClr val="000000"/>
+                </a:solidFill>
+                <a:uFillTx/>
+                <a:latin typeface="Consolas"/>
+              </a:rPr>
+              <a:t>it.unibo.wenvusage.App</a:t>
+            </a:r>
+            <a:r>
+              <a:rPr lang="en-US" sz="2400" b="0" i="1" u="none" strike="noStrike" kern="1200" cap="none" spc="0" baseline="0%" dirty="0">
+                <a:solidFill>
+                  <a:srgbClr val="000000"/>
+                </a:solidFill>
+                <a:uFillTx/>
+                <a:latin typeface="Consolas"/>
+              </a:rPr>
+              <a:t>")    //ORIGINAL</a:t>
+            </a:r>
+            <a:br>
+              <a:rPr lang="en-US" sz="2400" b="0" i="1" u="none" strike="noStrike" kern="1200" cap="none" spc="0" baseline="0%" dirty="0">
+                <a:solidFill>
+                  <a:srgbClr val="000000"/>
+                </a:solidFill>
+                <a:uFillTx/>
+                <a:latin typeface="Consolas"/>
+              </a:rPr>
+            </a:br>
+            <a:r>
+              <a:rPr lang="en-US" sz="2400" b="0" i="1" u="none" strike="noStrike" kern="1200" cap="none" spc="0" baseline="0%" dirty="0">
+                <a:solidFill>
+                  <a:srgbClr val="000000"/>
+                </a:solidFill>
+                <a:uFillTx/>
+                <a:latin typeface="Consolas"/>
+              </a:rPr>
+              <a:t>    </a:t>
+            </a:r>
+            <a:r>
+              <a:rPr lang="en-US" sz="2800" b="0" i="1" u="none" strike="noStrike" kern="1200" cap="none" spc="0" baseline="0%" dirty="0" err="1">
+                <a:solidFill>
+                  <a:srgbClr val="C00000"/>
+                </a:solidFill>
+                <a:uFillTx/>
+                <a:latin typeface="Consolas"/>
+              </a:rPr>
+              <a:t>mainClass</a:t>
+            </a:r>
+            <a:r>
+              <a:rPr lang="en-US" sz="2800" b="0" i="0" u="none" strike="noStrike" kern="1200" cap="none" spc="0" baseline="0%" dirty="0" err="1">
+                <a:solidFill>
+                  <a:srgbClr val="C00000"/>
+                </a:solidFill>
+                <a:uFillTx/>
+                <a:latin typeface="Consolas"/>
+              </a:rPr>
+              <a:t>.set</a:t>
+            </a:r>
+            <a:r>
+              <a:rPr lang="en-US" sz="2800" b="0" i="0" u="none" strike="noStrike" kern="1200" cap="none" spc="0" baseline="0%" dirty="0">
+                <a:solidFill>
+                  <a:srgbClr val="C00000"/>
+                </a:solidFill>
+                <a:uFillTx/>
+                <a:latin typeface="Consolas"/>
+              </a:rPr>
+              <a:t>("</a:t>
+            </a:r>
+            <a:r>
+              <a:rPr lang="en-US" sz="2800" b="0" i="0" u="none" strike="noStrike" kern="1200" cap="none" spc="0" baseline="0%" dirty="0" err="1">
+                <a:solidFill>
+                  <a:srgbClr val="0070C0"/>
+                </a:solidFill>
+                <a:uFillTx/>
+                <a:latin typeface="Consolas"/>
+              </a:rPr>
+              <a:t>it.unibo.wenvusage.MoveVirtualRobot</a:t>
+            </a:r>
+            <a:r>
+              <a:rPr lang="en-US" sz="2800" b="0" i="0" u="none" strike="noStrike" kern="1200" cap="none" spc="0" baseline="0%" dirty="0">
+                <a:solidFill>
+                  <a:srgbClr val="C00000"/>
+                </a:solidFill>
+                <a:uFillTx/>
+                <a:latin typeface="Consolas"/>
+              </a:rPr>
+              <a:t>") </a:t>
+            </a:r>
+            <a:r>
+              <a:rPr lang="en-US" sz="2400" b="0" i="0" u="none" strike="noStrike" kern="1200" cap="none" spc="0" baseline="0%" dirty="0">
+                <a:solidFill>
+                  <a:srgbClr val="000000"/>
+                </a:solidFill>
+                <a:uFillTx/>
+                <a:latin typeface="Consolas"/>
+              </a:rPr>
+              <a:t>   </a:t>
+            </a:r>
+            <a:endParaRPr lang="en-US" sz="2400" b="0" i="0" u="none" strike="noStrike" kern="1200" cap="none" spc="0" baseline="0%" dirty="0">
+              <a:solidFill>
+                <a:srgbClr val="000000"/>
+              </a:solidFill>
+              <a:uFillTx/>
+              <a:latin typeface="Calibri"/>
+              <a:cs typeface="Calibri"/>
+            </a:endParaRPr>
+          </a:p>
+          <a:p>
+            <a:pPr marL="0" marR="0" lvl="0" indent="0" algn="l" defTabSz="914400" rtl="0" fontAlgn="auto" hangingPunct="1">
+              <a:lnSpc>
+                <a:spcPct val="100%"/>
+              </a:lnSpc>
+              <a:spcBef>
+                <a:spcPts val="0"/>
+              </a:spcBef>
+              <a:spcAft>
+                <a:spcPts val="0"/>
+              </a:spcAft>
+              <a:buNone/>
+              <a:tabLst/>
+              <a:defRPr sz="1800" b="0" i="0" u="none" strike="noStrike" kern="0" cap="none" spc="0" baseline="0%">
+                <a:solidFill>
+                  <a:srgbClr val="000000"/>
+                </a:solidFill>
+                <a:uFillTx/>
+              </a:defRPr>
+            </a:pPr>
+            <a:r>
+              <a:rPr lang="en-US" sz="2400" b="0" i="0" u="none" strike="noStrike" kern="1200" cap="none" spc="0" baseline="0%" dirty="0">
+                <a:solidFill>
+                  <a:srgbClr val="000000"/>
+                </a:solidFill>
+                <a:uFillTx/>
+                <a:latin typeface="Consolas"/>
+              </a:rPr>
+              <a:t> </a:t>
+            </a:r>
+            <a:r>
+              <a:rPr lang="en-US" sz="2400" b="0" i="1" u="none" strike="noStrike" kern="1200" cap="none" spc="0" baseline="0%" dirty="0">
+                <a:solidFill>
+                  <a:srgbClr val="000000"/>
+                </a:solidFill>
+                <a:uFillTx/>
+                <a:latin typeface="Consolas"/>
+              </a:rPr>
+              <a:t>}</a:t>
+            </a:r>
+            <a:endParaRPr lang="en-US" sz="2400" b="0" i="0" u="none" strike="noStrike" kern="1200" cap="none" spc="0" baseline="0%" dirty="0">
+              <a:solidFill>
+                <a:srgbClr val="000000"/>
+              </a:solidFill>
+              <a:uFillTx/>
+              <a:latin typeface="Calibri"/>
+              <a:cs typeface="Calibri"/>
+            </a:endParaRPr>
+          </a:p>
+        </p:txBody>
+      </p:sp>
+      <p:sp>
+        <p:nvSpPr>
+          <p:cNvPr id="4" name="Title 1">
+            <a:extLst>
+              <a:ext uri="{FF2B5EF4-FFF2-40B4-BE49-F238E27FC236}">
+                <a16:creationId xmlns:a16="http://schemas.microsoft.com/office/drawing/2014/main" id="{43F7DBB7-7BE8-4FE5-BB58-17B4E5D5314C}"/>
+              </a:ext>
+            </a:extLst>
+          </p:cNvPr>
+          <p:cNvSpPr txBox="1"/>
+          <p:nvPr/>
+        </p:nvSpPr>
+        <p:spPr>
+          <a:xfrm>
+            <a:off x="495705" y="5229618"/>
+            <a:ext cx="8596667" cy="757123"/>
+          </a:xfrm>
+          <a:prstGeom prst="rect">
+            <a:avLst/>
+          </a:prstGeom>
+          <a:noFill/>
+          <a:ln cap="flat">
+            <a:noFill/>
+          </a:ln>
+        </p:spPr>
+        <p:txBody>
+          <a:bodyPr vert="horz" wrap="square" lIns="91440" tIns="45720" rIns="91440" bIns="45720" anchor="t" anchorCtr="0" compatLnSpc="1">
+            <a:normAutofit/>
+          </a:bodyPr>
+          <a:lstStyle/>
+          <a:p>
+            <a:pPr marL="0" marR="0" lvl="0" indent="0" algn="l" defTabSz="457200" rtl="0" fontAlgn="auto" hangingPunct="1">
+              <a:lnSpc>
+                <a:spcPct val="100%"/>
+              </a:lnSpc>
+              <a:spcBef>
+                <a:spcPts val="0"/>
+              </a:spcBef>
+              <a:spcAft>
+                <a:spcPts val="0"/>
+              </a:spcAft>
+              <a:buNone/>
+              <a:tabLst/>
+              <a:defRPr sz="1800" b="0" i="0" u="none" strike="noStrike" kern="0" cap="none" spc="0" baseline="0%">
+                <a:solidFill>
+                  <a:srgbClr val="000000"/>
+                </a:solidFill>
+                <a:uFillTx/>
+              </a:defRPr>
+            </a:pPr>
+            <a:r>
+              <a:rPr lang="en-US" sz="3600" b="0" i="0" u="none" strike="noStrike" kern="1200" cap="none" spc="0" baseline="0%" dirty="0">
+                <a:solidFill>
+                  <a:srgbClr val="90C226"/>
+                </a:solidFill>
+                <a:uFillTx/>
+                <a:latin typeface="Trebuchet MS"/>
+              </a:rPr>
+              <a:t>Formally define the Test (in JUnit)</a:t>
+            </a:r>
+          </a:p>
+        </p:txBody>
+      </p:sp>
+      <p:sp>
+        <p:nvSpPr>
+          <p:cNvPr id="5" name="Title 1">
+            <a:extLst>
+              <a:ext uri="{FF2B5EF4-FFF2-40B4-BE49-F238E27FC236}">
+                <a16:creationId xmlns:a16="http://schemas.microsoft.com/office/drawing/2014/main" id="{3844F13F-F9FC-434B-A59C-0EBEF2BE2000}"/>
+              </a:ext>
+            </a:extLst>
+          </p:cNvPr>
+          <p:cNvSpPr txBox="1"/>
+          <p:nvPr/>
+        </p:nvSpPr>
+        <p:spPr>
+          <a:xfrm>
+            <a:off x="433068" y="3893515"/>
+            <a:ext cx="8596667" cy="757123"/>
+          </a:xfrm>
+          <a:prstGeom prst="rect">
+            <a:avLst/>
+          </a:prstGeom>
+          <a:noFill/>
+          <a:ln cap="flat">
+            <a:noFill/>
+          </a:ln>
+        </p:spPr>
+        <p:txBody>
+          <a:bodyPr vert="horz" wrap="square" lIns="91440" tIns="45720" rIns="91440" bIns="45720" anchor="t" anchorCtr="0" compatLnSpc="1">
+            <a:normAutofit/>
+          </a:bodyPr>
+          <a:lstStyle/>
+          <a:p>
+            <a:pPr marL="0" marR="0" lvl="0" indent="0" algn="l" defTabSz="457200" rtl="0" fontAlgn="auto" hangingPunct="1">
+              <a:lnSpc>
+                <a:spcPct val="100%"/>
+              </a:lnSpc>
+              <a:spcBef>
+                <a:spcPts val="0"/>
+              </a:spcBef>
+              <a:spcAft>
+                <a:spcPts val="0"/>
+              </a:spcAft>
+              <a:buNone/>
+              <a:tabLst/>
+              <a:defRPr sz="1800" b="0" i="0" u="none" strike="noStrike" kern="0" cap="none" spc="0" baseline="0%">
+                <a:solidFill>
+                  <a:srgbClr val="000000"/>
+                </a:solidFill>
+                <a:uFillTx/>
+              </a:defRPr>
+            </a:pPr>
+            <a:r>
+              <a:rPr lang="en-US" sz="3600" b="0" i="0" u="none" strike="noStrike" kern="0" cap="none" spc="0" baseline="0%" dirty="0">
+                <a:solidFill>
+                  <a:srgbClr val="90C226"/>
+                </a:solidFill>
+                <a:uFillTx/>
+                <a:latin typeface="Trebuchet MS"/>
+              </a:rPr>
+              <a:t>Create the </a:t>
+            </a:r>
+            <a:r>
+              <a:rPr lang="en-US" sz="3600" b="0" i="0" u="none" strike="noStrike" kern="0" cap="none" spc="0" baseline="0%" dirty="0" err="1">
+                <a:solidFill>
+                  <a:srgbClr val="C00000"/>
+                </a:solidFill>
+                <a:uFillTx/>
+                <a:latin typeface="Trebuchet MS"/>
+              </a:rPr>
+              <a:t>userDocs</a:t>
+            </a:r>
+            <a:r>
+              <a:rPr lang="en-US" sz="3600" b="0" i="0" u="none" strike="noStrike" kern="0" cap="none" spc="0" baseline="0%" dirty="0">
+                <a:solidFill>
+                  <a:srgbClr val="C00000"/>
+                </a:solidFill>
+                <a:uFillTx/>
+                <a:latin typeface="Trebuchet MS"/>
+              </a:rPr>
+              <a:t> </a:t>
+            </a:r>
+            <a:r>
+              <a:rPr lang="en-US" sz="3600" b="0" i="0" u="none" strike="noStrike" kern="0" cap="none" spc="0" baseline="0%" dirty="0">
+                <a:solidFill>
+                  <a:srgbClr val="90C226"/>
+                </a:solidFill>
+                <a:uFillTx/>
+                <a:latin typeface="Trebuchet MS"/>
+              </a:rPr>
+              <a:t>folder</a:t>
+            </a:r>
+            <a:endParaRPr lang="en-US" sz="1800" b="0" i="0" u="none" strike="noStrike" kern="0" cap="none" spc="0" baseline="0%" dirty="0">
+              <a:solidFill>
+                <a:srgbClr val="000000"/>
+              </a:solidFill>
+              <a:uFillTx/>
+              <a:latin typeface="Calibri"/>
+            </a:endParaRPr>
+          </a:p>
+        </p:txBody>
+      </p:sp>
+    </p:spTree>
+  </p:cSld>
+  <p:clrMapOvr>
+    <a:masterClrMapping/>
+  </p:clrMapOvr>
+</p:sld>
+</file>
+
+<file path=ppt/slides/slide11.xml><?xml version="1.0" encoding="utf-8"?>
+<p:sld xmlns:a="http://purl.oclc.org/ooxml/drawingml/main" xmlns:r="http://purl.oclc.org/ooxml/officeDocument/relationships" xmlns:p="http://purl.oclc.org/ooxml/presentationml/main">
+  <p:cSld name="Slide12">
+    <p:spTree>
+      <p:nvGrpSpPr>
+        <p:cNvPr id="1" name=""/>
+        <p:cNvGrpSpPr/>
+        <p:nvPr/>
+      </p:nvGrpSpPr>
+      <p:grpSpPr>
+        <a:xfrm>
+          <a:off x="0" y="0"/>
+          <a:ext cx="0" cy="0"/>
+          <a:chOff x="0" y="0"/>
+          <a:chExt cx="0" cy="0"/>
+        </a:xfrm>
+      </p:grpSpPr>
+      <p:pic>
+        <p:nvPicPr>
+          <p:cNvPr id="8" name="Immagine 7">
+            <a:extLst>
+              <a:ext uri="{FF2B5EF4-FFF2-40B4-BE49-F238E27FC236}">
+                <a16:creationId xmlns:a16="http://schemas.microsoft.com/office/drawing/2014/main" id="{895D5B25-ED16-4609-A4CF-6242F0001FE5}"/>
+              </a:ext>
+            </a:extLst>
+          </p:cNvPr>
+          <p:cNvPicPr>
+            <a:picLocks noChangeAspect="1"/>
+          </p:cNvPicPr>
+          <p:nvPr/>
+        </p:nvPicPr>
+        <p:blipFill>
+          <a:blip r:embed="rId2"/>
+          <a:stretch>
+            <a:fillRect/>
+          </a:stretch>
+        </p:blipFill>
+        <p:spPr>
+          <a:xfrm>
+            <a:off x="0" y="1127575"/>
+            <a:ext cx="8748713" cy="5730425"/>
+          </a:xfrm>
+          <a:prstGeom prst="rect">
+            <a:avLst/>
+          </a:prstGeom>
+        </p:spPr>
+      </p:pic>
+      <p:sp>
+        <p:nvSpPr>
+          <p:cNvPr id="3" name="Title 1">
+            <a:extLst>
+              <a:ext uri="{FF2B5EF4-FFF2-40B4-BE49-F238E27FC236}">
+                <a16:creationId xmlns:a16="http://schemas.microsoft.com/office/drawing/2014/main" id="{B94A931B-4235-4BF7-BB11-471A8D493783}"/>
+              </a:ext>
+            </a:extLst>
+          </p:cNvPr>
+          <p:cNvSpPr txBox="1">
+            <a:spLocks noGrp="1"/>
+          </p:cNvSpPr>
+          <p:nvPr>
+            <p:ph type="title"/>
+          </p:nvPr>
+        </p:nvSpPr>
+        <p:spPr/>
+        <p:txBody>
+          <a:bodyPr/>
+          <a:lstStyle/>
+          <a:p>
+            <a:pPr lvl="0"/>
+            <a:r>
+              <a:rPr lang="en-US"/>
+              <a:t>The project </a:t>
+            </a:r>
+            <a:r>
+              <a:rPr lang="en-US">
+                <a:latin typeface="Calibri"/>
+                <a:cs typeface="Calibri"/>
+              </a:rPr>
+              <a:t>it.unibo.wenvusage</a:t>
+            </a:r>
+            <a:endParaRPr lang="en-US"/>
+          </a:p>
+          <a:p>
+            <a:pPr lvl="0"/>
+            <a:endParaRPr lang="en-US"/>
+          </a:p>
+        </p:txBody>
+      </p:sp>
+      <p:sp>
+        <p:nvSpPr>
+          <p:cNvPr id="4" name="TextBox 3">
+            <a:extLst>
+              <a:ext uri="{FF2B5EF4-FFF2-40B4-BE49-F238E27FC236}">
+                <a16:creationId xmlns:a16="http://schemas.microsoft.com/office/drawing/2014/main" id="{25871E50-9EFB-4707-8C53-593D44587027}"/>
+              </a:ext>
+            </a:extLst>
+          </p:cNvPr>
+          <p:cNvSpPr txBox="1"/>
+          <p:nvPr/>
+        </p:nvSpPr>
+        <p:spPr>
+          <a:xfrm>
+            <a:off x="6227530" y="1269296"/>
+            <a:ext cx="5968645" cy="2677655"/>
+          </a:xfrm>
+          <a:prstGeom prst="rect">
+            <a:avLst/>
+          </a:prstGeom>
+          <a:solidFill>
+            <a:srgbClr val="FFFF00"/>
+          </a:solidFill>
+          <a:ln w="9528" cap="flat">
+            <a:solidFill>
+              <a:srgbClr val="0070C0"/>
+            </a:solidFill>
+            <a:prstDash val="solid"/>
+            <a:miter/>
+          </a:ln>
+        </p:spPr>
+        <p:txBody>
+          <a:bodyPr vert="horz" wrap="square" lIns="91440" tIns="45720" rIns="91440" bIns="45720" anchor="t" anchorCtr="0" compatLnSpc="1">
+            <a:spAutoFit/>
+          </a:bodyPr>
+          <a:lstStyle/>
+          <a:p>
+            <a:pPr marL="0" marR="0" lvl="0" indent="0" algn="l" defTabSz="914400" rtl="0" fontAlgn="auto" hangingPunct="1">
+              <a:lnSpc>
+                <a:spcPct val="100%"/>
+              </a:lnSpc>
+              <a:spcBef>
+                <a:spcPts val="0"/>
+              </a:spcBef>
+              <a:spcAft>
+                <a:spcPts val="0"/>
+              </a:spcAft>
+              <a:buNone/>
+              <a:tabLst/>
+              <a:defRPr sz="1800" b="0" i="0" u="none" strike="noStrike" kern="0" cap="none" spc="0" baseline="0%">
+                <a:solidFill>
+                  <a:srgbClr val="000000"/>
+                </a:solidFill>
+                <a:uFillTx/>
+              </a:defRPr>
+            </a:pPr>
+            <a:r>
+              <a:rPr lang="en-US" sz="2800" b="1" i="0" u="none" strike="noStrike" kern="1200" cap="none" spc="0" baseline="0%" dirty="0" err="1">
+                <a:solidFill>
+                  <a:srgbClr val="000000"/>
+                </a:solidFill>
+                <a:uFillTx/>
+                <a:latin typeface="Consolas"/>
+                <a:cs typeface="Calibri"/>
+              </a:rPr>
+              <a:t>gradlew</a:t>
+            </a:r>
+            <a:r>
+              <a:rPr lang="en-US" sz="2800" b="1" i="0" u="none" strike="noStrike" kern="1200" cap="none" spc="0" baseline="0%" dirty="0">
+                <a:solidFill>
+                  <a:srgbClr val="000000"/>
+                </a:solidFill>
+                <a:uFillTx/>
+                <a:latin typeface="Consolas"/>
+                <a:cs typeface="Calibri"/>
+              </a:rPr>
+              <a:t> build</a:t>
+            </a:r>
+            <a:r>
+              <a:rPr lang="en-US" sz="2800" b="1" i="0" u="none" strike="noStrike" kern="0" cap="none" spc="0" baseline="0%" dirty="0">
+                <a:solidFill>
+                  <a:srgbClr val="000000"/>
+                </a:solidFill>
+                <a:uFillTx/>
+                <a:latin typeface="Consolas"/>
+                <a:cs typeface="Calibri"/>
+              </a:rPr>
+              <a:t> -x test</a:t>
+            </a:r>
+          </a:p>
+          <a:p>
+            <a:pPr marL="0" marR="0" lvl="0" indent="0" algn="l" defTabSz="914400" rtl="0" fontAlgn="auto" hangingPunct="1">
+              <a:lnSpc>
+                <a:spcPct val="100%"/>
+              </a:lnSpc>
+              <a:spcBef>
+                <a:spcPts val="0"/>
+              </a:spcBef>
+              <a:spcAft>
+                <a:spcPts val="0"/>
+              </a:spcAft>
+              <a:buNone/>
+              <a:tabLst/>
+              <a:defRPr sz="1800" b="0" i="0" u="none" strike="noStrike" kern="0" cap="none" spc="0" baseline="0%">
+                <a:solidFill>
+                  <a:srgbClr val="000000"/>
+                </a:solidFill>
+                <a:uFillTx/>
+              </a:defRPr>
+            </a:pPr>
+            <a:endParaRPr lang="en-US" sz="2800" b="1" i="0" u="none" strike="noStrike" kern="0" cap="none" spc="0" baseline="0%" dirty="0">
+              <a:solidFill>
+                <a:srgbClr val="000000"/>
+              </a:solidFill>
+              <a:uFillTx/>
+              <a:latin typeface="Consolas"/>
+              <a:cs typeface="Calibri"/>
+            </a:endParaRPr>
+          </a:p>
+          <a:p>
+            <a:pPr marL="0" marR="0" lvl="0" indent="0" algn="l" defTabSz="914400" rtl="0" fontAlgn="auto" hangingPunct="1">
+              <a:lnSpc>
+                <a:spcPct val="100%"/>
+              </a:lnSpc>
+              <a:spcBef>
+                <a:spcPts val="0"/>
+              </a:spcBef>
+              <a:spcAft>
+                <a:spcPts val="0"/>
+              </a:spcAft>
+              <a:buNone/>
+              <a:tabLst/>
+              <a:defRPr sz="1800" b="0" i="0" u="none" strike="noStrike" kern="0" cap="none" spc="0" baseline="0%">
+                <a:solidFill>
+                  <a:srgbClr val="000000"/>
+                </a:solidFill>
+                <a:uFillTx/>
+              </a:defRPr>
+            </a:pPr>
+            <a:r>
+              <a:rPr lang="en-US" sz="2800" b="1" i="0" u="none" strike="noStrike" kern="0" cap="none" spc="0" baseline="0%" dirty="0" err="1">
+                <a:solidFill>
+                  <a:srgbClr val="000000"/>
+                </a:solidFill>
+                <a:uFillTx/>
+                <a:latin typeface="Consolas"/>
+                <a:cs typeface="Calibri"/>
+              </a:rPr>
+              <a:t>gradlew</a:t>
+            </a:r>
+            <a:r>
+              <a:rPr lang="en-US" sz="2800" b="1" i="0" u="none" strike="noStrike" kern="0" cap="none" spc="0" baseline="0%" dirty="0">
+                <a:solidFill>
+                  <a:srgbClr val="000000"/>
+                </a:solidFill>
+                <a:uFillTx/>
+                <a:latin typeface="Consolas"/>
+                <a:cs typeface="Calibri"/>
+              </a:rPr>
+              <a:t> test </a:t>
+            </a:r>
+            <a:r>
+              <a:rPr lang="en-US" sz="2800" b="0" i="1" u="none" strike="noStrike" kern="0" cap="none" spc="0" baseline="0%" dirty="0" err="1">
+                <a:solidFill>
+                  <a:srgbClr val="000000"/>
+                </a:solidFill>
+                <a:uFillTx/>
+                <a:latin typeface="Consolas"/>
+                <a:cs typeface="Calibri"/>
+              </a:rPr>
+              <a:t>jacocoTestReport</a:t>
+            </a:r>
+            <a:endParaRPr lang="en-US" sz="2800" b="1" i="0" u="none" strike="noStrike" kern="0" cap="none" spc="0" baseline="0%" dirty="0">
+              <a:solidFill>
+                <a:srgbClr val="000000"/>
+              </a:solidFill>
+              <a:uFillTx/>
+              <a:latin typeface="Consolas"/>
+              <a:cs typeface="Calibri"/>
+            </a:endParaRPr>
+          </a:p>
+          <a:p>
+            <a:pPr marL="0" marR="0" lvl="0" indent="0" algn="l" defTabSz="914400" rtl="0" fontAlgn="auto" hangingPunct="1">
+              <a:lnSpc>
+                <a:spcPct val="100%"/>
+              </a:lnSpc>
+              <a:spcBef>
+                <a:spcPts val="0"/>
+              </a:spcBef>
+              <a:spcAft>
+                <a:spcPts val="0"/>
+              </a:spcAft>
+              <a:buNone/>
+              <a:tabLst/>
+              <a:defRPr sz="1800" b="0" i="0" u="none" strike="noStrike" kern="0" cap="none" spc="0" baseline="0%">
+                <a:solidFill>
+                  <a:srgbClr val="000000"/>
+                </a:solidFill>
+                <a:uFillTx/>
+              </a:defRPr>
+            </a:pPr>
+            <a:endParaRPr lang="en-US" sz="2800" b="1" i="0" u="none" strike="noStrike" kern="0" cap="none" spc="0" baseline="0%" dirty="0">
+              <a:solidFill>
+                <a:srgbClr val="000000"/>
+              </a:solidFill>
+              <a:uFillTx/>
+              <a:latin typeface="Consolas"/>
+              <a:cs typeface="Calibri"/>
+            </a:endParaRPr>
+          </a:p>
+          <a:p>
+            <a:pPr marL="0" marR="0" lvl="0" indent="0" algn="l" defTabSz="914400" rtl="0" fontAlgn="auto" hangingPunct="1">
+              <a:lnSpc>
+                <a:spcPct val="100%"/>
+              </a:lnSpc>
+              <a:spcBef>
+                <a:spcPts val="0"/>
+              </a:spcBef>
+              <a:spcAft>
+                <a:spcPts val="0"/>
+              </a:spcAft>
+              <a:buNone/>
+              <a:tabLst/>
+              <a:defRPr sz="1800" b="0" i="0" u="none" strike="noStrike" kern="0" cap="none" spc="0" baseline="0%">
+                <a:solidFill>
+                  <a:srgbClr val="000000"/>
+                </a:solidFill>
+                <a:uFillTx/>
+              </a:defRPr>
+            </a:pPr>
+            <a:r>
+              <a:rPr lang="en-US" sz="2800" b="1" i="0" u="none" strike="noStrike" kern="0" cap="none" spc="0" baseline="0%" dirty="0" err="1">
+                <a:solidFill>
+                  <a:srgbClr val="000000"/>
+                </a:solidFill>
+                <a:uFillTx/>
+                <a:latin typeface="Consolas"/>
+                <a:cs typeface="Calibri"/>
+              </a:rPr>
+              <a:t>gradlew</a:t>
+            </a:r>
+            <a:r>
+              <a:rPr lang="en-US" sz="2800" b="1" i="0" u="none" strike="noStrike" kern="0" cap="none" spc="0" baseline="0%" dirty="0">
+                <a:solidFill>
+                  <a:srgbClr val="000000"/>
+                </a:solidFill>
+                <a:uFillTx/>
+                <a:latin typeface="Consolas"/>
+                <a:cs typeface="Calibri"/>
+              </a:rPr>
+              <a:t> run</a:t>
+            </a:r>
+          </a:p>
+          <a:p>
+            <a:pPr marL="0" marR="0" lvl="0" indent="0" algn="l" defTabSz="914400" rtl="0" fontAlgn="auto" hangingPunct="1">
+              <a:lnSpc>
+                <a:spcPct val="100%"/>
+              </a:lnSpc>
+              <a:spcBef>
+                <a:spcPts val="0"/>
+              </a:spcBef>
+              <a:spcAft>
+                <a:spcPts val="0"/>
+              </a:spcAft>
+              <a:buNone/>
+              <a:tabLst/>
+              <a:defRPr sz="1800" b="0" i="0" u="none" strike="noStrike" kern="0" cap="none" spc="0" baseline="0%">
+                <a:solidFill>
+                  <a:srgbClr val="000000"/>
+                </a:solidFill>
+                <a:uFillTx/>
+              </a:defRPr>
+            </a:pPr>
+            <a:endParaRPr lang="en-US" sz="2800" b="1" i="0" u="none" strike="noStrike" kern="0" cap="none" spc="0" baseline="0%" dirty="0">
+              <a:solidFill>
+                <a:srgbClr val="000000"/>
+              </a:solidFill>
+              <a:uFillTx/>
+              <a:latin typeface="Consolas"/>
+              <a:cs typeface="Calibri"/>
+            </a:endParaRPr>
+          </a:p>
+        </p:txBody>
+      </p:sp>
+      <p:pic>
+        <p:nvPicPr>
+          <p:cNvPr id="5" name="Picture 5" descr="Graphical user interface, application&#10;&#10;Description automatically generated">
+            <a:extLst>
+              <a:ext uri="{FF2B5EF4-FFF2-40B4-BE49-F238E27FC236}">
+                <a16:creationId xmlns:a16="http://schemas.microsoft.com/office/drawing/2014/main" id="{AC94F46E-1EDD-49CD-9704-D719CA71AAFA}"/>
+              </a:ext>
+            </a:extLst>
+          </p:cNvPr>
+          <p:cNvPicPr>
+            <a:picLocks noChangeAspect="1"/>
+          </p:cNvPicPr>
+          <p:nvPr/>
+        </p:nvPicPr>
+        <p:blipFill>
+          <a:blip r:embed="rId3"/>
+          <a:stretch>
+            <a:fillRect/>
+          </a:stretch>
+        </p:blipFill>
+        <p:spPr>
+          <a:xfrm>
+            <a:off x="9452975" y="3430581"/>
+            <a:ext cx="2743200" cy="2021875"/>
+          </a:xfrm>
+          <a:prstGeom prst="rect">
+            <a:avLst/>
+          </a:prstGeom>
+          <a:noFill/>
+          <a:ln cap="flat">
+            <a:noFill/>
+          </a:ln>
+        </p:spPr>
+      </p:pic>
+    </p:spTree>
+  </p:cSld>
+  <p:clrMapOvr>
+    <a:masterClrMapping/>
+  </p:clrMapOvr>
+</p:sld>
+</file>
+
 <file path=ppt/slides/slide2.xml><?xml version="1.0" encoding="utf-8"?>
 <p:sld xmlns:a="http://purl.oclc.org/ooxml/drawingml/main" xmlns:r="http://purl.oclc.org/ooxml/officeDocument/relationships" xmlns:p="http://purl.oclc.org/ooxml/presentationml/main">
   <p:cSld>
@@ -11291,135 +12226,24 @@
           </a:p>
         </p:txBody>
       </p:sp>
-      <p:grpSp>
-        <p:nvGrpSpPr>
-          <p:cNvPr id="32" name="Gruppo 48">
-            <a:extLst>
-              <a:ext uri="{FF2B5EF4-FFF2-40B4-BE49-F238E27FC236}">
-                <a16:creationId xmlns:a16="http://schemas.microsoft.com/office/drawing/2014/main" id="{814C79EE-57EC-4F21-B69C-81F9E4FC848D}"/>
-              </a:ext>
-            </a:extLst>
-          </p:cNvPr>
-          <p:cNvGrpSpPr/>
+      <p:sp>
+        <p:nvSpPr>
+          <p:cNvPr id="34" name="Triangolo isoscele 50">
+            <a:extLst>
+              <a:ext uri="{FF2B5EF4-FFF2-40B4-BE49-F238E27FC236}">
+                <a16:creationId xmlns:a16="http://schemas.microsoft.com/office/drawing/2014/main" id="{668F8F56-D20B-42D5-B3D8-2D95E7377105}"/>
+              </a:ext>
+            </a:extLst>
+          </p:cNvPr>
+          <p:cNvSpPr/>
           <p:nvPr/>
-        </p:nvGrpSpPr>
-        <p:grpSpPr>
-          <a:xfrm>
-            <a:off x="3896660" y="597761"/>
-            <a:ext cx="914400" cy="128062"/>
-            <a:chOff x="4592177" y="4419530"/>
-            <a:chExt cx="666895" cy="86434"/>
-          </a:xfrm>
-        </p:grpSpPr>
-        <p:cxnSp>
-          <p:nvCxnSpPr>
-            <p:cNvPr id="33" name="Connettore 1 49">
-              <a:extLst>
-                <a:ext uri="{FF2B5EF4-FFF2-40B4-BE49-F238E27FC236}">
-                  <a16:creationId xmlns:a16="http://schemas.microsoft.com/office/drawing/2014/main" id="{3910F4EB-331F-4DC2-8C1D-B61A9799C9B7}"/>
-                </a:ext>
-              </a:extLst>
-            </p:cNvPr>
-            <p:cNvCxnSpPr/>
-            <p:nvPr/>
-          </p:nvCxnSpPr>
-          <p:spPr>
-            <a:xfrm>
-              <a:off x="4611000" y="4462747"/>
-              <a:ext cx="648072" cy="0"/>
-            </a:xfrm>
-            <a:prstGeom prst="line">
-              <a:avLst/>
-            </a:prstGeom>
-            <a:ln w="28575">
-              <a:headEnd type="none" w="med" len="med"/>
-              <a:tailEnd type="none" w="med" len="med"/>
-            </a:ln>
-          </p:spPr>
-          <p:style>
-            <a:lnRef idx="1">
-              <a:schemeClr val="accent1"/>
-            </a:lnRef>
-            <a:fillRef idx="0">
-              <a:schemeClr val="accent1"/>
-            </a:fillRef>
-            <a:effectRef idx="0">
-              <a:schemeClr val="accent1"/>
-            </a:effectRef>
-            <a:fontRef idx="minor">
-              <a:schemeClr val="tx1"/>
-            </a:fontRef>
-          </p:style>
-        </p:cxnSp>
-        <p:sp>
-          <p:nvSpPr>
-            <p:cNvPr id="34" name="Triangolo isoscele 50">
-              <a:extLst>
-                <a:ext uri="{FF2B5EF4-FFF2-40B4-BE49-F238E27FC236}">
-                  <a16:creationId xmlns:a16="http://schemas.microsoft.com/office/drawing/2014/main" id="{668F8F56-D20B-42D5-B3D8-2D95E7377105}"/>
-                </a:ext>
-              </a:extLst>
-            </p:cNvPr>
-            <p:cNvSpPr/>
-            <p:nvPr/>
-          </p:nvSpPr>
-          <p:spPr>
-            <a:xfrm rot="16200000">
-              <a:off x="4618592" y="4393115"/>
-              <a:ext cx="86434" cy="139263"/>
-            </a:xfrm>
-            <a:prstGeom prst="triangle">
-              <a:avLst/>
-            </a:prstGeom>
-            <a:ln w="28575">
-              <a:headEnd type="none" w="med" len="med"/>
-              <a:tailEnd type="none" w="med" len="med"/>
-            </a:ln>
-          </p:spPr>
-          <p:style>
-            <a:lnRef idx="1">
-              <a:schemeClr val="accent1"/>
-            </a:lnRef>
-            <a:fillRef idx="0">
-              <a:schemeClr val="accent1"/>
-            </a:fillRef>
-            <a:effectRef idx="0">
-              <a:schemeClr val="accent1"/>
-            </a:effectRef>
-            <a:fontRef idx="minor">
-              <a:schemeClr val="tx1"/>
-            </a:fontRef>
-          </p:style>
-          <p:txBody>
-            <a:bodyPr rtlCol="0" anchor="ctr"/>
-            <a:lstStyle/>
-            <a:p>
-              <a:pPr algn="ctr"/>
-              <a:endParaRPr lang="en-GB" sz="1200"/>
-            </a:p>
-          </p:txBody>
-        </p:sp>
-      </p:grpSp>
-      <p:cxnSp>
-        <p:nvCxnSpPr>
-          <p:cNvPr id="40" name="Straight Connector 39">
-            <a:extLst>
-              <a:ext uri="{FF2B5EF4-FFF2-40B4-BE49-F238E27FC236}">
-                <a16:creationId xmlns:a16="http://schemas.microsoft.com/office/drawing/2014/main" id="{0395B789-AF34-421D-9FF1-149AB811F794}"/>
-              </a:ext>
-            </a:extLst>
-          </p:cNvPr>
-          <p:cNvCxnSpPr>
-            <a:cxnSpLocks/>
-          </p:cNvCxnSpPr>
-          <p:nvPr/>
-        </p:nvCxnSpPr>
+        </p:nvSpPr>
         <p:spPr>
-          <a:xfrm flipH="1" flipV="1">
-            <a:off x="4422676" y="661551"/>
-            <a:ext cx="1563527" cy="6758"/>
-          </a:xfrm>
-          <a:prstGeom prst="line">
+          <a:xfrm rot="16200000">
+            <a:off x="3928104" y="566317"/>
+            <a:ext cx="128062" cy="190948"/>
+          </a:xfrm>
+          <a:prstGeom prst="triangle">
             <a:avLst/>
           </a:prstGeom>
           <a:ln w="28575">
@@ -11441,6 +12265,58 @@
             <a:schemeClr val="tx1"/>
           </a:fontRef>
         </p:style>
+        <p:txBody>
+          <a:bodyPr rtlCol="0" anchor="ctr"/>
+          <a:lstStyle/>
+          <a:p>
+            <a:pPr algn="ctr"/>
+            <a:endParaRPr lang="en-GB" sz="1200"/>
+          </a:p>
+        </p:txBody>
+      </p:sp>
+      <p:cxnSp>
+        <p:nvCxnSpPr>
+          <p:cNvPr id="40" name="Straight Connector 39">
+            <a:extLst>
+              <a:ext uri="{FF2B5EF4-FFF2-40B4-BE49-F238E27FC236}">
+                <a16:creationId xmlns:a16="http://schemas.microsoft.com/office/drawing/2014/main" id="{0395B789-AF34-421D-9FF1-149AB811F794}"/>
+              </a:ext>
+            </a:extLst>
+          </p:cNvPr>
+          <p:cNvCxnSpPr>
+            <a:cxnSpLocks/>
+            <a:endCxn id="34" idx="3"/>
+          </p:cNvCxnSpPr>
+          <p:nvPr/>
+        </p:nvCxnSpPr>
+        <p:spPr>
+          <a:xfrm flipH="1" flipV="1">
+            <a:off x="4087609" y="661791"/>
+            <a:ext cx="1898596" cy="6518"/>
+          </a:xfrm>
+          <a:prstGeom prst="line">
+            <a:avLst/>
+          </a:prstGeom>
+          <a:ln w="28575">
+            <a:prstDash val="sysDot"/>
+            <a:headEnd type="none" w="med" len="med"/>
+            <a:tailEnd type="none" w="med" len="med"/>
+          </a:ln>
+        </p:spPr>
+        <p:style>
+          <a:lnRef idx="1">
+            <a:schemeClr val="accent1"/>
+          </a:lnRef>
+          <a:fillRef idx="0">
+            <a:schemeClr val="accent1"/>
+          </a:fillRef>
+          <a:effectRef idx="0">
+            <a:schemeClr val="accent1"/>
+          </a:effectRef>
+          <a:fontRef idx="minor">
+            <a:schemeClr val="tx1"/>
+          </a:fontRef>
+        </p:style>
       </p:cxnSp>
       <p:grpSp>
         <p:nvGrpSpPr>
@@ -11456,7 +12332,7 @@
         </p:nvGrpSpPr>
         <p:grpSpPr>
           <a:xfrm>
-            <a:off x="6133432" y="2833619"/>
+            <a:off x="5863960" y="2258650"/>
             <a:ext cx="1248110" cy="1213095"/>
             <a:chOff x="565700" y="4940367"/>
             <a:chExt cx="805955" cy="772447"/>
@@ -11577,7 +12453,7 @@
         </p:nvSpPr>
         <p:spPr>
           <a:xfrm>
-            <a:off x="5597712" y="3057364"/>
+            <a:off x="5328240" y="2482395"/>
             <a:ext cx="914400" cy="314793"/>
           </a:xfrm>
           <a:prstGeom prst="rect">
@@ -11638,7 +12514,7 @@
         </p:nvSpPr>
         <p:spPr>
           <a:xfrm>
-            <a:off x="6269064" y="3819365"/>
+            <a:off x="5999592" y="3244396"/>
             <a:ext cx="914400" cy="314793"/>
           </a:xfrm>
           <a:prstGeom prst="rect">
@@ -11699,7 +12575,7 @@
         </p:nvSpPr>
         <p:spPr>
           <a:xfrm>
-            <a:off x="3373032" y="2716822"/>
+            <a:off x="3103560" y="2141853"/>
             <a:ext cx="2125069" cy="369332"/>
           </a:xfrm>
           <a:prstGeom prst="rect">
@@ -11735,7 +12611,7 @@
         </p:nvGrpSpPr>
         <p:grpSpPr>
           <a:xfrm>
-            <a:off x="4780398" y="3171543"/>
+            <a:off x="4510926" y="2596574"/>
             <a:ext cx="787334" cy="86434"/>
             <a:chOff x="3452446" y="4176616"/>
             <a:chExt cx="787334" cy="86434"/>
@@ -11848,7 +12724,7 @@
         </p:nvCxnSpPr>
         <p:spPr>
           <a:xfrm flipH="1" flipV="1">
-            <a:off x="3329648" y="3207796"/>
+            <a:off x="3060176" y="2632827"/>
             <a:ext cx="1563527" cy="6758"/>
           </a:xfrm>
           <a:prstGeom prst="line">
@@ -11890,7 +12766,7 @@
         </p:nvCxnSpPr>
         <p:spPr>
           <a:xfrm>
-            <a:off x="3352397" y="3955467"/>
+            <a:off x="3082925" y="3380498"/>
             <a:ext cx="2848851" cy="34511"/>
           </a:xfrm>
           <a:prstGeom prst="straightConnector1">
@@ -11977,7 +12853,7 @@
         </p:nvSpPr>
         <p:spPr>
           <a:xfrm>
-            <a:off x="7120653" y="3792095"/>
+            <a:off x="6851181" y="3217126"/>
             <a:ext cx="781944" cy="369332"/>
           </a:xfrm>
           <a:prstGeom prst="rect">
@@ -12013,7 +12889,7 @@
         </p:nvSpPr>
         <p:spPr>
           <a:xfrm flipH="1">
-            <a:off x="6482321" y="3251732"/>
+            <a:off x="6212849" y="2676763"/>
             <a:ext cx="1312854" cy="369332"/>
           </a:xfrm>
           <a:prstGeom prst="rect">
@@ -12035,135 +12911,24 @@
           </a:p>
         </p:txBody>
       </p:sp>
-      <p:grpSp>
-        <p:nvGrpSpPr>
-          <p:cNvPr id="43" name="Gruppo 48">
-            <a:extLst>
-              <a:ext uri="{FF2B5EF4-FFF2-40B4-BE49-F238E27FC236}">
-                <a16:creationId xmlns:a16="http://schemas.microsoft.com/office/drawing/2014/main" id="{D92BD61A-58B7-4432-8D62-15F879B91F64}"/>
-              </a:ext>
-            </a:extLst>
-          </p:cNvPr>
-          <p:cNvGrpSpPr/>
+      <p:sp>
+        <p:nvSpPr>
+          <p:cNvPr id="45" name="Triangolo isoscele 50">
+            <a:extLst>
+              <a:ext uri="{FF2B5EF4-FFF2-40B4-BE49-F238E27FC236}">
+                <a16:creationId xmlns:a16="http://schemas.microsoft.com/office/drawing/2014/main" id="{FA980404-C410-4D17-8511-F57CC045235F}"/>
+              </a:ext>
+            </a:extLst>
+          </p:cNvPr>
+          <p:cNvSpPr/>
           <p:nvPr/>
-        </p:nvGrpSpPr>
-        <p:grpSpPr>
-          <a:xfrm>
-            <a:off x="3508169" y="3296377"/>
-            <a:ext cx="914400" cy="128062"/>
-            <a:chOff x="4592177" y="4419530"/>
-            <a:chExt cx="666895" cy="86434"/>
-          </a:xfrm>
-        </p:grpSpPr>
-        <p:cxnSp>
-          <p:nvCxnSpPr>
-            <p:cNvPr id="44" name="Connettore 1 49">
-              <a:extLst>
-                <a:ext uri="{FF2B5EF4-FFF2-40B4-BE49-F238E27FC236}">
-                  <a16:creationId xmlns:a16="http://schemas.microsoft.com/office/drawing/2014/main" id="{23B32A1C-EF90-4500-BB0B-184CA398B3AF}"/>
-                </a:ext>
-              </a:extLst>
-            </p:cNvPr>
-            <p:cNvCxnSpPr/>
-            <p:nvPr/>
-          </p:nvCxnSpPr>
-          <p:spPr>
-            <a:xfrm>
-              <a:off x="4611000" y="4462747"/>
-              <a:ext cx="648072" cy="0"/>
-            </a:xfrm>
-            <a:prstGeom prst="line">
-              <a:avLst/>
-            </a:prstGeom>
-            <a:ln w="28575">
-              <a:headEnd type="none" w="med" len="med"/>
-              <a:tailEnd type="none" w="med" len="med"/>
-            </a:ln>
-          </p:spPr>
-          <p:style>
-            <a:lnRef idx="1">
-              <a:schemeClr val="accent1"/>
-            </a:lnRef>
-            <a:fillRef idx="0">
-              <a:schemeClr val="accent1"/>
-            </a:fillRef>
-            <a:effectRef idx="0">
-              <a:schemeClr val="accent1"/>
-            </a:effectRef>
-            <a:fontRef idx="minor">
-              <a:schemeClr val="tx1"/>
-            </a:fontRef>
-          </p:style>
-        </p:cxnSp>
-        <p:sp>
-          <p:nvSpPr>
-            <p:cNvPr id="45" name="Triangolo isoscele 50">
-              <a:extLst>
-                <a:ext uri="{FF2B5EF4-FFF2-40B4-BE49-F238E27FC236}">
-                  <a16:creationId xmlns:a16="http://schemas.microsoft.com/office/drawing/2014/main" id="{FA980404-C410-4D17-8511-F57CC045235F}"/>
-                </a:ext>
-              </a:extLst>
-            </p:cNvPr>
-            <p:cNvSpPr/>
-            <p:nvPr/>
-          </p:nvSpPr>
-          <p:spPr>
-            <a:xfrm rot="16200000">
-              <a:off x="4618592" y="4393115"/>
-              <a:ext cx="86434" cy="139263"/>
-            </a:xfrm>
-            <a:prstGeom prst="triangle">
-              <a:avLst/>
-            </a:prstGeom>
-            <a:ln w="28575">
-              <a:headEnd type="none" w="med" len="med"/>
-              <a:tailEnd type="none" w="med" len="med"/>
-            </a:ln>
-          </p:spPr>
-          <p:style>
-            <a:lnRef idx="1">
-              <a:schemeClr val="accent1"/>
-            </a:lnRef>
-            <a:fillRef idx="0">
-              <a:schemeClr val="accent1"/>
-            </a:fillRef>
-            <a:effectRef idx="0">
-              <a:schemeClr val="accent1"/>
-            </a:effectRef>
-            <a:fontRef idx="minor">
-              <a:schemeClr val="tx1"/>
-            </a:fontRef>
-          </p:style>
-          <p:txBody>
-            <a:bodyPr rtlCol="0" anchor="ctr"/>
-            <a:lstStyle/>
-            <a:p>
-              <a:pPr algn="ctr"/>
-              <a:endParaRPr lang="en-GB" sz="1200"/>
-            </a:p>
-          </p:txBody>
-        </p:sp>
-      </p:grpSp>
-      <p:cxnSp>
-        <p:nvCxnSpPr>
-          <p:cNvPr id="46" name="Straight Connector 39">
-            <a:extLst>
-              <a:ext uri="{FF2B5EF4-FFF2-40B4-BE49-F238E27FC236}">
-                <a16:creationId xmlns:a16="http://schemas.microsoft.com/office/drawing/2014/main" id="{8F402B35-6597-452D-9C50-6EE6DD97AE9F}"/>
-              </a:ext>
-            </a:extLst>
-          </p:cNvPr>
-          <p:cNvCxnSpPr>
-            <a:cxnSpLocks/>
-          </p:cNvCxnSpPr>
-          <p:nvPr/>
-        </p:nvCxnSpPr>
+        </p:nvSpPr>
         <p:spPr>
-          <a:xfrm flipH="1" flipV="1">
-            <a:off x="4034185" y="3360167"/>
-            <a:ext cx="1563527" cy="6758"/>
-          </a:xfrm>
-          <a:prstGeom prst="line">
+          <a:xfrm rot="16200000">
+            <a:off x="3140011" y="2715470"/>
+            <a:ext cx="200178" cy="152355"/>
+          </a:xfrm>
+          <a:prstGeom prst="triangle">
             <a:avLst/>
           </a:prstGeom>
           <a:ln w="28575">
@@ -12185,6 +12950,57 @@
             <a:schemeClr val="tx1"/>
           </a:fontRef>
         </p:style>
+        <p:txBody>
+          <a:bodyPr rtlCol="0" anchor="ctr"/>
+          <a:lstStyle/>
+          <a:p>
+            <a:pPr algn="ctr"/>
+            <a:endParaRPr lang="en-GB" sz="1200"/>
+          </a:p>
+        </p:txBody>
+      </p:sp>
+      <p:cxnSp>
+        <p:nvCxnSpPr>
+          <p:cNvPr id="46" name="Straight Connector 39">
+            <a:extLst>
+              <a:ext uri="{FF2B5EF4-FFF2-40B4-BE49-F238E27FC236}">
+                <a16:creationId xmlns:a16="http://schemas.microsoft.com/office/drawing/2014/main" id="{8F402B35-6597-452D-9C50-6EE6DD97AE9F}"/>
+              </a:ext>
+            </a:extLst>
+          </p:cNvPr>
+          <p:cNvCxnSpPr>
+            <a:cxnSpLocks/>
+          </p:cNvCxnSpPr>
+          <p:nvPr/>
+        </p:nvCxnSpPr>
+        <p:spPr>
+          <a:xfrm flipH="1" flipV="1">
+            <a:off x="3322982" y="2777514"/>
+            <a:ext cx="1933659" cy="14133"/>
+          </a:xfrm>
+          <a:prstGeom prst="line">
+            <a:avLst/>
+          </a:prstGeom>
+          <a:ln w="28575">
+            <a:prstDash val="sysDot"/>
+            <a:headEnd type="none" w="med" len="med"/>
+            <a:tailEnd type="none" w="med" len="med"/>
+          </a:ln>
+        </p:spPr>
+        <p:style>
+          <a:lnRef idx="1">
+            <a:schemeClr val="accent1"/>
+          </a:lnRef>
+          <a:fillRef idx="0">
+            <a:schemeClr val="accent1"/>
+          </a:fillRef>
+          <a:effectRef idx="0">
+            <a:schemeClr val="accent1"/>
+          </a:effectRef>
+          <a:fontRef idx="minor">
+            <a:schemeClr val="tx1"/>
+          </a:fontRef>
+        </p:style>
       </p:cxnSp>
       <p:sp>
         <p:nvSpPr>
@@ -12200,7 +13016,7 @@
         </p:nvSpPr>
         <p:spPr>
           <a:xfrm>
-            <a:off x="1694122" y="2696362"/>
+            <a:off x="1424650" y="2121393"/>
             <a:ext cx="1653394" cy="1624930"/>
           </a:xfrm>
           <a:prstGeom prst="ellipse">
@@ -12248,7 +13064,7 @@
         </p:nvSpPr>
         <p:spPr>
           <a:xfrm>
-            <a:off x="1739259" y="4227118"/>
+            <a:off x="1469787" y="3652149"/>
             <a:ext cx="1608257" cy="369332"/>
           </a:xfrm>
           <a:prstGeom prst="rect">
@@ -12288,7 +13104,7 @@
         </p:nvSpPr>
         <p:spPr>
           <a:xfrm>
-            <a:off x="3446889" y="3949492"/>
+            <a:off x="3177417" y="3374523"/>
             <a:ext cx="2663358" cy="369332"/>
           </a:xfrm>
           <a:prstGeom prst="rect">
@@ -12326,7 +13142,7 @@
         </p:nvCxnSpPr>
         <p:spPr>
           <a:xfrm flipH="1">
-            <a:off x="2509590" y="2866963"/>
+            <a:off x="2240118" y="2291994"/>
             <a:ext cx="2607" cy="1273345"/>
           </a:xfrm>
           <a:prstGeom prst="straightConnector1">
@@ -12368,7 +13184,7 @@
         </p:nvGrpSpPr>
         <p:grpSpPr>
           <a:xfrm>
-            <a:off x="7222588" y="2832262"/>
+            <a:off x="6953116" y="2257293"/>
             <a:ext cx="1265181" cy="987103"/>
             <a:chOff x="4196932" y="2026799"/>
             <a:chExt cx="3798137" cy="2804403"/>
@@ -12447,6 +13263,698 @@
           </p:spPr>
         </p:pic>
       </p:grpSp>
+      <p:grpSp>
+        <p:nvGrpSpPr>
+          <p:cNvPr id="53" name="Gruppo 6">
+            <a:extLst>
+              <a:ext uri="{FF2B5EF4-FFF2-40B4-BE49-F238E27FC236}">
+                <a16:creationId xmlns:a16="http://schemas.microsoft.com/office/drawing/2014/main" id="{5A476221-7CD4-4D98-8D62-00733D44A4BA}"/>
+              </a:ext>
+            </a:extLst>
+          </p:cNvPr>
+          <p:cNvGrpSpPr/>
+          <p:nvPr/>
+        </p:nvGrpSpPr>
+        <p:grpSpPr>
+          <a:xfrm>
+            <a:off x="5887145" y="4658673"/>
+            <a:ext cx="1248110" cy="1213095"/>
+            <a:chOff x="565700" y="4940367"/>
+            <a:chExt cx="805955" cy="772447"/>
+          </a:xfrm>
+        </p:grpSpPr>
+        <p:sp>
+          <p:nvSpPr>
+            <p:cNvPr id="54" name="Ovale 31">
+              <a:extLst>
+                <a:ext uri="{FF2B5EF4-FFF2-40B4-BE49-F238E27FC236}">
+                  <a16:creationId xmlns:a16="http://schemas.microsoft.com/office/drawing/2014/main" id="{226C30A2-0E2C-473E-AB27-F172338D1511}"/>
+                </a:ext>
+              </a:extLst>
+            </p:cNvPr>
+            <p:cNvSpPr/>
+            <p:nvPr/>
+          </p:nvSpPr>
+          <p:spPr>
+            <a:xfrm>
+              <a:off x="565700" y="4983583"/>
+              <a:ext cx="805955" cy="729231"/>
+            </a:xfrm>
+            <a:prstGeom prst="ellipse">
+              <a:avLst/>
+            </a:prstGeom>
+            <a:ln/>
+          </p:spPr>
+          <p:style>
+            <a:lnRef idx="1">
+              <a:schemeClr val="accent4"/>
+            </a:lnRef>
+            <a:fillRef idx="2">
+              <a:schemeClr val="accent4"/>
+            </a:fillRef>
+            <a:effectRef idx="1">
+              <a:schemeClr val="accent4"/>
+            </a:effectRef>
+            <a:fontRef idx="minor">
+              <a:schemeClr val="dk1"/>
+            </a:fontRef>
+          </p:style>
+          <p:txBody>
+            <a:bodyPr rtlCol="0" anchor="ctr"/>
+            <a:lstStyle/>
+            <a:p>
+              <a:pPr algn="ctr"/>
+              <a:r>
+                <a:rPr lang="en-GB" sz="1200" dirty="0"/>
+                <a:t> </a:t>
+              </a:r>
+            </a:p>
+          </p:txBody>
+        </p:sp>
+        <p:sp>
+          <p:nvSpPr>
+            <p:cNvPr id="55" name="Triangolo isoscele 34">
+              <a:extLst>
+                <a:ext uri="{FF2B5EF4-FFF2-40B4-BE49-F238E27FC236}">
+                  <a16:creationId xmlns:a16="http://schemas.microsoft.com/office/drawing/2014/main" id="{C342B46E-B40A-4A28-BB26-142901E65CEF}"/>
+                </a:ext>
+              </a:extLst>
+            </p:cNvPr>
+            <p:cNvSpPr/>
+            <p:nvPr/>
+          </p:nvSpPr>
+          <p:spPr>
+            <a:xfrm rot="16200000">
+              <a:off x="905299" y="4913952"/>
+              <a:ext cx="86434" cy="139263"/>
+            </a:xfrm>
+            <a:prstGeom prst="triangle">
+              <a:avLst/>
+            </a:prstGeom>
+            <a:solidFill>
+              <a:srgbClr val="C00000"/>
+            </a:solidFill>
+            <a:ln/>
+          </p:spPr>
+          <p:style>
+            <a:lnRef idx="1">
+              <a:schemeClr val="accent5"/>
+            </a:lnRef>
+            <a:fillRef idx="2">
+              <a:schemeClr val="accent5"/>
+            </a:fillRef>
+            <a:effectRef idx="1">
+              <a:schemeClr val="accent5"/>
+            </a:effectRef>
+            <a:fontRef idx="minor">
+              <a:schemeClr val="dk1"/>
+            </a:fontRef>
+          </p:style>
+          <p:txBody>
+            <a:bodyPr rtlCol="0" anchor="ctr"/>
+            <a:lstStyle/>
+            <a:p>
+              <a:pPr algn="ctr"/>
+              <a:endParaRPr lang="en-GB" sz="1200">
+                <a:solidFill>
+                  <a:schemeClr val="dk1"/>
+                </a:solidFill>
+              </a:endParaRPr>
+            </a:p>
+          </p:txBody>
+        </p:sp>
+      </p:grpSp>
+      <p:sp>
+        <p:nvSpPr>
+          <p:cNvPr id="58" name="TextBox 11">
+            <a:extLst>
+              <a:ext uri="{FF2B5EF4-FFF2-40B4-BE49-F238E27FC236}">
+                <a16:creationId xmlns:a16="http://schemas.microsoft.com/office/drawing/2014/main" id="{4A7620C3-8F14-424B-978A-1A597786B6C1}"/>
+              </a:ext>
+            </a:extLst>
+          </p:cNvPr>
+          <p:cNvSpPr txBox="1"/>
+          <p:nvPr/>
+        </p:nvSpPr>
+        <p:spPr>
+          <a:xfrm>
+            <a:off x="3387399" y="4478793"/>
+            <a:ext cx="2087944" cy="369332"/>
+          </a:xfrm>
+          <a:prstGeom prst="rect">
+            <a:avLst/>
+          </a:prstGeom>
+          <a:noFill/>
+        </p:spPr>
+        <p:txBody>
+          <a:bodyPr wrap="none" rtlCol="0">
+            <a:spAutoFit/>
+          </a:bodyPr>
+          <a:lstStyle/>
+          <a:p>
+            <a:pPr algn="ctr"/>
+            <a:r>
+              <a:rPr lang="en-US" dirty="0"/>
+              <a:t> command (request)</a:t>
+            </a:r>
+          </a:p>
+        </p:txBody>
+      </p:sp>
+      <p:grpSp>
+        <p:nvGrpSpPr>
+          <p:cNvPr id="59" name="Gruppo 7">
+            <a:extLst>
+              <a:ext uri="{FF2B5EF4-FFF2-40B4-BE49-F238E27FC236}">
+                <a16:creationId xmlns:a16="http://schemas.microsoft.com/office/drawing/2014/main" id="{0C1BBCD3-825B-42A5-8FA1-679BE460D08B}"/>
+              </a:ext>
+            </a:extLst>
+          </p:cNvPr>
+          <p:cNvGrpSpPr/>
+          <p:nvPr/>
+        </p:nvGrpSpPr>
+        <p:grpSpPr>
+          <a:xfrm>
+            <a:off x="4776201" y="4933514"/>
+            <a:ext cx="787334" cy="86434"/>
+            <a:chOff x="3452446" y="4176616"/>
+            <a:chExt cx="787334" cy="86434"/>
+          </a:xfrm>
+        </p:grpSpPr>
+        <p:sp>
+          <p:nvSpPr>
+            <p:cNvPr id="60" name="Triangolo isoscele 55">
+              <a:extLst>
+                <a:ext uri="{FF2B5EF4-FFF2-40B4-BE49-F238E27FC236}">
+                  <a16:creationId xmlns:a16="http://schemas.microsoft.com/office/drawing/2014/main" id="{26AF71AB-5ED9-4B1E-8029-0BE61A4236E0}"/>
+                </a:ext>
+              </a:extLst>
+            </p:cNvPr>
+            <p:cNvSpPr/>
+            <p:nvPr/>
+          </p:nvSpPr>
+          <p:spPr>
+            <a:xfrm rot="5400000" flipH="1">
+              <a:off x="4126932" y="4150201"/>
+              <a:ext cx="86434" cy="139263"/>
+            </a:xfrm>
+            <a:prstGeom prst="triangle">
+              <a:avLst/>
+            </a:prstGeom>
+            <a:ln w="28575">
+              <a:headEnd type="none" w="med" len="med"/>
+              <a:tailEnd type="none" w="med" len="med"/>
+            </a:ln>
+          </p:spPr>
+          <p:style>
+            <a:lnRef idx="1">
+              <a:schemeClr val="accent1"/>
+            </a:lnRef>
+            <a:fillRef idx="0">
+              <a:schemeClr val="accent1"/>
+            </a:fillRef>
+            <a:effectRef idx="0">
+              <a:schemeClr val="accent1"/>
+            </a:effectRef>
+            <a:fontRef idx="minor">
+              <a:schemeClr val="tx1"/>
+            </a:fontRef>
+          </p:style>
+          <p:txBody>
+            <a:bodyPr rtlCol="0" anchor="ctr"/>
+            <a:lstStyle/>
+            <a:p>
+              <a:pPr algn="ctr"/>
+              <a:endParaRPr lang="en-GB" sz="1200"/>
+            </a:p>
+          </p:txBody>
+        </p:sp>
+        <p:cxnSp>
+          <p:nvCxnSpPr>
+            <p:cNvPr id="61" name="Connettore 1 56">
+              <a:extLst>
+                <a:ext uri="{FF2B5EF4-FFF2-40B4-BE49-F238E27FC236}">
+                  <a16:creationId xmlns:a16="http://schemas.microsoft.com/office/drawing/2014/main" id="{0DF0CDB4-CA3E-4839-BF8E-7FAC74DF4877}"/>
+                </a:ext>
+              </a:extLst>
+            </p:cNvPr>
+            <p:cNvCxnSpPr>
+              <a:endCxn id="60" idx="3"/>
+            </p:cNvCxnSpPr>
+            <p:nvPr/>
+          </p:nvCxnSpPr>
+          <p:spPr>
+            <a:xfrm>
+              <a:off x="3452446" y="4219627"/>
+              <a:ext cx="648072" cy="206"/>
+            </a:xfrm>
+            <a:prstGeom prst="line">
+              <a:avLst/>
+            </a:prstGeom>
+            <a:ln w="28575">
+              <a:headEnd type="none" w="med" len="med"/>
+              <a:tailEnd type="none" w="med" len="med"/>
+            </a:ln>
+          </p:spPr>
+          <p:style>
+            <a:lnRef idx="1">
+              <a:schemeClr val="accent1"/>
+            </a:lnRef>
+            <a:fillRef idx="0">
+              <a:schemeClr val="accent1"/>
+            </a:fillRef>
+            <a:effectRef idx="0">
+              <a:schemeClr val="accent1"/>
+            </a:effectRef>
+            <a:fontRef idx="minor">
+              <a:schemeClr val="tx1"/>
+            </a:fontRef>
+          </p:style>
+        </p:cxnSp>
+      </p:grpSp>
+      <p:cxnSp>
+        <p:nvCxnSpPr>
+          <p:cNvPr id="62" name="Straight Connector 16">
+            <a:extLst>
+              <a:ext uri="{FF2B5EF4-FFF2-40B4-BE49-F238E27FC236}">
+                <a16:creationId xmlns:a16="http://schemas.microsoft.com/office/drawing/2014/main" id="{BABB4553-CFF7-4E84-B8DA-E5DDE05AE170}"/>
+              </a:ext>
+            </a:extLst>
+          </p:cNvPr>
+          <p:cNvCxnSpPr>
+            <a:cxnSpLocks/>
+          </p:cNvCxnSpPr>
+          <p:nvPr/>
+        </p:nvCxnSpPr>
+        <p:spPr>
+          <a:xfrm flipH="1" flipV="1">
+            <a:off x="3503973" y="4969767"/>
+            <a:ext cx="1563527" cy="6758"/>
+          </a:xfrm>
+          <a:prstGeom prst="line">
+            <a:avLst/>
+          </a:prstGeom>
+          <a:ln w="28575">
+            <a:headEnd type="none" w="med" len="med"/>
+            <a:tailEnd type="none" w="med" len="med"/>
+          </a:ln>
+        </p:spPr>
+        <p:style>
+          <a:lnRef idx="1">
+            <a:schemeClr val="accent1"/>
+          </a:lnRef>
+          <a:fillRef idx="0">
+            <a:schemeClr val="accent1"/>
+          </a:fillRef>
+          <a:effectRef idx="0">
+            <a:schemeClr val="accent1"/>
+          </a:effectRef>
+          <a:fontRef idx="minor">
+            <a:schemeClr val="tx1"/>
+          </a:fontRef>
+        </p:style>
+      </p:cxnSp>
+      <p:sp>
+        <p:nvSpPr>
+          <p:cNvPr id="65" name="TextBox 29">
+            <a:extLst>
+              <a:ext uri="{FF2B5EF4-FFF2-40B4-BE49-F238E27FC236}">
+                <a16:creationId xmlns:a16="http://schemas.microsoft.com/office/drawing/2014/main" id="{63EEA2FE-4575-40F1-BAF7-491DCAD09F1C}"/>
+              </a:ext>
+            </a:extLst>
+          </p:cNvPr>
+          <p:cNvSpPr txBox="1"/>
+          <p:nvPr/>
+        </p:nvSpPr>
+        <p:spPr>
+          <a:xfrm flipH="1">
+            <a:off x="6236034" y="5076786"/>
+            <a:ext cx="1312854" cy="369332"/>
+          </a:xfrm>
+          <a:prstGeom prst="rect">
+            <a:avLst/>
+          </a:prstGeom>
+          <a:noFill/>
+        </p:spPr>
+        <p:txBody>
+          <a:bodyPr wrap="square" rtlCol="0">
+            <a:spAutoFit/>
+          </a:bodyPr>
+          <a:lstStyle/>
+          <a:p>
+            <a:r>
+              <a:rPr lang="en-US" dirty="0" err="1"/>
+              <a:t>WEnv</a:t>
+            </a:r>
+            <a:endParaRPr lang="en-US" dirty="0"/>
+          </a:p>
+        </p:txBody>
+      </p:sp>
+      <p:sp>
+        <p:nvSpPr>
+          <p:cNvPr id="68" name="Triangolo isoscele 50">
+            <a:extLst>
+              <a:ext uri="{FF2B5EF4-FFF2-40B4-BE49-F238E27FC236}">
+                <a16:creationId xmlns:a16="http://schemas.microsoft.com/office/drawing/2014/main" id="{BEBC963A-3837-45A3-A16D-1D8635EE118A}"/>
+              </a:ext>
+            </a:extLst>
+          </p:cNvPr>
+          <p:cNvSpPr/>
+          <p:nvPr/>
+        </p:nvSpPr>
+        <p:spPr>
+          <a:xfrm rot="16200000">
+            <a:off x="3562993" y="5022566"/>
+            <a:ext cx="128062" cy="190948"/>
+          </a:xfrm>
+          <a:prstGeom prst="triangle">
+            <a:avLst/>
+          </a:prstGeom>
+          <a:ln w="28575">
+            <a:headEnd type="none" w="med" len="med"/>
+            <a:tailEnd type="none" w="med" len="med"/>
+          </a:ln>
+        </p:spPr>
+        <p:style>
+          <a:lnRef idx="1">
+            <a:schemeClr val="accent1"/>
+          </a:lnRef>
+          <a:fillRef idx="0">
+            <a:schemeClr val="accent1"/>
+          </a:fillRef>
+          <a:effectRef idx="0">
+            <a:schemeClr val="accent1"/>
+          </a:effectRef>
+          <a:fontRef idx="minor">
+            <a:schemeClr val="tx1"/>
+          </a:fontRef>
+        </p:style>
+        <p:txBody>
+          <a:bodyPr rtlCol="0" anchor="ctr"/>
+          <a:lstStyle/>
+          <a:p>
+            <a:pPr algn="ctr"/>
+            <a:endParaRPr lang="en-GB" sz="1200"/>
+          </a:p>
+        </p:txBody>
+      </p:sp>
+      <p:cxnSp>
+        <p:nvCxnSpPr>
+          <p:cNvPr id="69" name="Straight Connector 39">
+            <a:extLst>
+              <a:ext uri="{FF2B5EF4-FFF2-40B4-BE49-F238E27FC236}">
+                <a16:creationId xmlns:a16="http://schemas.microsoft.com/office/drawing/2014/main" id="{ABDBE331-3499-45BB-B023-2A162D62EEC3}"/>
+              </a:ext>
+            </a:extLst>
+          </p:cNvPr>
+          <p:cNvCxnSpPr>
+            <a:cxnSpLocks/>
+            <a:endCxn id="68" idx="3"/>
+          </p:cNvCxnSpPr>
+          <p:nvPr/>
+        </p:nvCxnSpPr>
+        <p:spPr>
+          <a:xfrm flipH="1" flipV="1">
+            <a:off x="3722498" y="5118040"/>
+            <a:ext cx="1871020" cy="10858"/>
+          </a:xfrm>
+          <a:prstGeom prst="line">
+            <a:avLst/>
+          </a:prstGeom>
+          <a:ln w="28575">
+            <a:prstDash val="sysDot"/>
+            <a:headEnd type="none" w="med" len="med"/>
+            <a:tailEnd type="none" w="med" len="med"/>
+          </a:ln>
+        </p:spPr>
+        <p:style>
+          <a:lnRef idx="1">
+            <a:schemeClr val="accent1"/>
+          </a:lnRef>
+          <a:fillRef idx="0">
+            <a:schemeClr val="accent1"/>
+          </a:fillRef>
+          <a:effectRef idx="0">
+            <a:schemeClr val="accent1"/>
+          </a:effectRef>
+          <a:fontRef idx="minor">
+            <a:schemeClr val="tx1"/>
+          </a:fontRef>
+        </p:style>
+      </p:cxnSp>
+      <p:sp>
+        <p:nvSpPr>
+          <p:cNvPr id="70" name="Ovale 43">
+            <a:extLst>
+              <a:ext uri="{FF2B5EF4-FFF2-40B4-BE49-F238E27FC236}">
+                <a16:creationId xmlns:a16="http://schemas.microsoft.com/office/drawing/2014/main" id="{5868BDB1-A785-417C-A333-021AE02FBB96}"/>
+              </a:ext>
+            </a:extLst>
+          </p:cNvPr>
+          <p:cNvSpPr/>
+          <p:nvPr/>
+        </p:nvSpPr>
+        <p:spPr>
+          <a:xfrm>
+            <a:off x="1720854" y="4577903"/>
+            <a:ext cx="1492069" cy="1361942"/>
+          </a:xfrm>
+          <a:prstGeom prst="ellipse">
+            <a:avLst/>
+          </a:prstGeom>
+          <a:ln/>
+        </p:spPr>
+        <p:style>
+          <a:lnRef idx="1">
+            <a:schemeClr val="accent5"/>
+          </a:lnRef>
+          <a:fillRef idx="2">
+            <a:schemeClr val="accent5"/>
+          </a:fillRef>
+          <a:effectRef idx="1">
+            <a:schemeClr val="accent5"/>
+          </a:effectRef>
+          <a:fontRef idx="minor">
+            <a:schemeClr val="dk1"/>
+          </a:fontRef>
+        </p:style>
+        <p:txBody>
+          <a:bodyPr rtlCol="0" anchor="ctr"/>
+          <a:lstStyle/>
+          <a:p>
+            <a:pPr algn="ctr"/>
+            <a:r>
+              <a:rPr lang="en-GB" sz="1200" dirty="0"/>
+              <a:t> </a:t>
+            </a:r>
+          </a:p>
+        </p:txBody>
+      </p:sp>
+      <p:sp>
+        <p:nvSpPr>
+          <p:cNvPr id="71" name="CasellaDiTesto 48">
+            <a:extLst>
+              <a:ext uri="{FF2B5EF4-FFF2-40B4-BE49-F238E27FC236}">
+                <a16:creationId xmlns:a16="http://schemas.microsoft.com/office/drawing/2014/main" id="{EBB53B2C-2D3F-4ECC-92A6-1D2B7EDB6722}"/>
+              </a:ext>
+            </a:extLst>
+          </p:cNvPr>
+          <p:cNvSpPr txBox="1"/>
+          <p:nvPr/>
+        </p:nvSpPr>
+        <p:spPr>
+          <a:xfrm>
+            <a:off x="1604667" y="5845671"/>
+            <a:ext cx="1608257" cy="369332"/>
+          </a:xfrm>
+          <a:prstGeom prst="rect">
+            <a:avLst/>
+          </a:prstGeom>
+          <a:noFill/>
+        </p:spPr>
+        <p:txBody>
+          <a:bodyPr wrap="square">
+            <a:spAutoFit/>
+          </a:bodyPr>
+          <a:lstStyle/>
+          <a:p>
+            <a:r>
+              <a:rPr lang="en-GB" dirty="0" err="1">
+                <a:solidFill>
+                  <a:schemeClr val="tx1"/>
+                </a:solidFill>
+              </a:rPr>
+              <a:t>boundaryWalk</a:t>
+            </a:r>
+            <a:endParaRPr lang="it-IT" dirty="0"/>
+          </a:p>
+        </p:txBody>
+      </p:sp>
+      <p:cxnSp>
+        <p:nvCxnSpPr>
+          <p:cNvPr id="73" name="Connettore 2 126">
+            <a:extLst>
+              <a:ext uri="{FF2B5EF4-FFF2-40B4-BE49-F238E27FC236}">
+                <a16:creationId xmlns:a16="http://schemas.microsoft.com/office/drawing/2014/main" id="{B88F6ADD-7588-4200-B86F-C21D0EEBA09D}"/>
+              </a:ext>
+            </a:extLst>
+          </p:cNvPr>
+          <p:cNvCxnSpPr>
+            <a:cxnSpLocks/>
+          </p:cNvCxnSpPr>
+          <p:nvPr/>
+        </p:nvCxnSpPr>
+        <p:spPr>
+          <a:xfrm>
+            <a:off x="2455421" y="4820814"/>
+            <a:ext cx="19784" cy="863827"/>
+          </a:xfrm>
+          <a:prstGeom prst="straightConnector1">
+            <a:avLst/>
+          </a:prstGeom>
+          <a:ln w="28575">
+            <a:solidFill>
+              <a:srgbClr val="C00000"/>
+            </a:solidFill>
+            <a:tailEnd type="arrow"/>
+          </a:ln>
+        </p:spPr>
+        <p:style>
+          <a:lnRef idx="1">
+            <a:schemeClr val="accent1"/>
+          </a:lnRef>
+          <a:fillRef idx="0">
+            <a:schemeClr val="accent1"/>
+          </a:fillRef>
+          <a:effectRef idx="0">
+            <a:schemeClr val="accent1"/>
+          </a:effectRef>
+          <a:fontRef idx="minor">
+            <a:schemeClr val="tx1"/>
+          </a:fontRef>
+        </p:style>
+      </p:cxnSp>
+      <p:sp>
+        <p:nvSpPr>
+          <p:cNvPr id="78" name="TextBox 11">
+            <a:extLst>
+              <a:ext uri="{FF2B5EF4-FFF2-40B4-BE49-F238E27FC236}">
+                <a16:creationId xmlns:a16="http://schemas.microsoft.com/office/drawing/2014/main" id="{35DA76E0-4D7E-40AB-A919-D4702ADA4D1F}"/>
+              </a:ext>
+            </a:extLst>
+          </p:cNvPr>
+          <p:cNvSpPr txBox="1"/>
+          <p:nvPr/>
+        </p:nvSpPr>
+        <p:spPr>
+          <a:xfrm>
+            <a:off x="3646567" y="5165355"/>
+            <a:ext cx="1582677" cy="369332"/>
+          </a:xfrm>
+          <a:prstGeom prst="rect">
+            <a:avLst/>
+          </a:prstGeom>
+          <a:noFill/>
+        </p:spPr>
+        <p:txBody>
+          <a:bodyPr wrap="none" rtlCol="0">
+            <a:spAutoFit/>
+          </a:bodyPr>
+          <a:lstStyle/>
+          <a:p>
+            <a:pPr algn="ctr"/>
+            <a:r>
+              <a:rPr lang="en-US" dirty="0"/>
+              <a:t> answer (reply)</a:t>
+            </a:r>
+          </a:p>
+        </p:txBody>
+      </p:sp>
+      <p:cxnSp>
+        <p:nvCxnSpPr>
+          <p:cNvPr id="79" name="Connettore 2 52">
+            <a:extLst>
+              <a:ext uri="{FF2B5EF4-FFF2-40B4-BE49-F238E27FC236}">
+                <a16:creationId xmlns:a16="http://schemas.microsoft.com/office/drawing/2014/main" id="{28BCE0B8-2DFF-423A-A9C6-F2F4A42C4FC1}"/>
+              </a:ext>
+            </a:extLst>
+          </p:cNvPr>
+          <p:cNvCxnSpPr>
+            <a:cxnSpLocks/>
+          </p:cNvCxnSpPr>
+          <p:nvPr/>
+        </p:nvCxnSpPr>
+        <p:spPr>
+          <a:xfrm flipH="1">
+            <a:off x="3264506" y="5644419"/>
+            <a:ext cx="2599454" cy="0"/>
+          </a:xfrm>
+          <a:prstGeom prst="straightConnector1">
+            <a:avLst/>
+          </a:prstGeom>
+          <a:ln w="28575">
+            <a:prstDash val="lgDash"/>
+            <a:tailEnd type="arrow"/>
+          </a:ln>
+        </p:spPr>
+        <p:style>
+          <a:lnRef idx="1">
+            <a:schemeClr val="accent1"/>
+          </a:lnRef>
+          <a:fillRef idx="0">
+            <a:schemeClr val="accent1"/>
+          </a:fillRef>
+          <a:effectRef idx="0">
+            <a:schemeClr val="accent1"/>
+          </a:effectRef>
+          <a:fontRef idx="minor">
+            <a:schemeClr val="tx1"/>
+          </a:fontRef>
+        </p:style>
+      </p:cxnSp>
+      <p:sp>
+        <p:nvSpPr>
+          <p:cNvPr id="81" name="TextBox 11">
+            <a:extLst>
+              <a:ext uri="{FF2B5EF4-FFF2-40B4-BE49-F238E27FC236}">
+                <a16:creationId xmlns:a16="http://schemas.microsoft.com/office/drawing/2014/main" id="{BEFE9197-0981-4A99-AFDC-D1A5556DE195}"/>
+              </a:ext>
+            </a:extLst>
+          </p:cNvPr>
+          <p:cNvSpPr txBox="1"/>
+          <p:nvPr/>
+        </p:nvSpPr>
+        <p:spPr>
+          <a:xfrm>
+            <a:off x="3395538" y="5668451"/>
+            <a:ext cx="2156168" cy="369332"/>
+          </a:xfrm>
+          <a:prstGeom prst="rect">
+            <a:avLst/>
+          </a:prstGeom>
+          <a:noFill/>
+        </p:spPr>
+        <p:txBody>
+          <a:bodyPr wrap="none" rtlCol="0">
+            <a:spAutoFit/>
+          </a:bodyPr>
+          <a:lstStyle/>
+          <a:p>
+            <a:pPr algn="ctr"/>
+            <a:r>
+              <a:rPr lang="en-US" dirty="0"/>
+              <a:t> </a:t>
+            </a:r>
+            <a:r>
+              <a:rPr lang="en-US" dirty="0" err="1"/>
+              <a:t>sonardata</a:t>
+            </a:r>
+            <a:r>
+              <a:rPr lang="en-US" dirty="0"/>
+              <a:t> (dispatch)</a:t>
+            </a:r>
+          </a:p>
+        </p:txBody>
+      </p:sp>
     </p:spTree>
     <p:extLst>
       <p:ext uri="{BB962C8B-B14F-4D97-AF65-F5344CB8AC3E}">
@@ -12526,18 +14034,13 @@
           <a:p>
             <a:pPr algn="ctr"/>
             <a:r>
-              <a:rPr lang="it-IT" sz="1400" dirty="0" err="1">
+              <a:rPr lang="it-IT" sz="1400" dirty="0">
                 <a:solidFill>
                   <a:schemeClr val="tx1"/>
                 </a:solidFill>
               </a:rPr>
-              <a:t>IssVirtualRobotSupport</a:t>
-            </a:r>
-            <a:endParaRPr lang="it-IT" sz="1400" dirty="0">
-              <a:solidFill>
-                <a:schemeClr val="tx1"/>
-              </a:solidFill>
-            </a:endParaRPr>
+              <a:t>IssArilRobotSupport</a:t>
+            </a:r>
           </a:p>
         </p:txBody>
       </p:sp>
@@ -14051,7 +15554,7 @@
         </p:nvSpPr>
         <p:spPr>
           <a:xfrm>
-            <a:off x="6191259" y="4307489"/>
+            <a:off x="7485804" y="4478270"/>
             <a:ext cx="2002695" cy="387092"/>
           </a:xfrm>
           <a:prstGeom prst="roundRect">
@@ -14086,18 +15589,13 @@
           <a:p>
             <a:pPr algn="ctr"/>
             <a:r>
-              <a:rPr lang="it-IT" sz="1400" dirty="0" err="1">
+              <a:rPr lang="it-IT" sz="1400" dirty="0">
                 <a:solidFill>
                   <a:schemeClr val="tx1"/>
                 </a:solidFill>
               </a:rPr>
-              <a:t>IssVirtualRobotSupport</a:t>
-            </a:r>
-            <a:endParaRPr lang="it-IT" sz="1400" dirty="0">
-              <a:solidFill>
-                <a:schemeClr val="tx1"/>
-              </a:solidFill>
-            </a:endParaRPr>
+              <a:t>IssArilRobotSupport</a:t>
+            </a:r>
           </a:p>
         </p:txBody>
       </p:sp>
@@ -14113,19 +15611,17 @@
           <p:cNvCxnSpPr>
             <a:cxnSpLocks/>
             <a:stCxn id="88" idx="2"/>
-            <a:endCxn id="87" idx="0"/>
+            <a:endCxn id="44" idx="1"/>
           </p:cNvCxnSpPr>
           <p:nvPr/>
         </p:nvCxnSpPr>
         <p:spPr>
           <a:xfrm rot="16200000" flipH="1">
-            <a:off x="6740435" y="3633691"/>
-            <a:ext cx="892205" cy="12138"/>
-          </a:xfrm>
-          <a:prstGeom prst="bentConnector3">
-            <a:avLst>
-              <a:gd name="adj1" fmla="val 50000"/>
-            </a:avLst>
+            <a:off x="6314001" y="3090804"/>
+            <a:ext cx="170002" cy="296822"/>
+          </a:xfrm>
+          <a:prstGeom prst="bentConnector2">
+            <a:avLst/>
           </a:prstGeom>
           <a:ln>
             <a:tailEnd type="triangle"/>
@@ -14160,7 +15656,7 @@
         </p:nvSpPr>
         <p:spPr>
           <a:xfrm>
-            <a:off x="6191258" y="4085863"/>
+            <a:off x="7485803" y="4256644"/>
             <a:ext cx="2002695" cy="216638"/>
           </a:xfrm>
           <a:prstGeom prst="roundRect">
@@ -14237,8 +15733,8 @@
         </p:nvSpPr>
         <p:spPr>
           <a:xfrm>
-            <a:off x="6546276" y="2806566"/>
-            <a:ext cx="1268384" cy="387092"/>
+            <a:off x="5673777" y="2767122"/>
+            <a:ext cx="1153628" cy="387092"/>
           </a:xfrm>
           <a:prstGeom prst="roundRect">
             <a:avLst/>
@@ -14301,7 +15797,7 @@
         </p:nvSpPr>
         <p:spPr>
           <a:xfrm>
-            <a:off x="6254216" y="5212017"/>
+            <a:off x="7548761" y="5382798"/>
             <a:ext cx="1876779" cy="387092"/>
           </a:xfrm>
           <a:prstGeom prst="roundRect">
@@ -14365,7 +15861,7 @@
         </p:nvSpPr>
         <p:spPr>
           <a:xfrm>
-            <a:off x="6229940" y="4976503"/>
+            <a:off x="7524485" y="5147284"/>
             <a:ext cx="1901055" cy="252859"/>
           </a:xfrm>
           <a:prstGeom prst="roundRect">
@@ -14446,7 +15942,7 @@
         </p:nvCxnSpPr>
         <p:spPr>
           <a:xfrm rot="5400000">
-            <a:off x="7045577" y="4829473"/>
+            <a:off x="8340122" y="5000254"/>
             <a:ext cx="281922" cy="12139"/>
           </a:xfrm>
           <a:prstGeom prst="bentConnector3">
@@ -14473,6 +15969,182 @@
           </a:fontRef>
         </p:style>
       </p:cxnSp>
+      <p:sp>
+        <p:nvSpPr>
+          <p:cNvPr id="29" name="Rettangolo con angoli arrotondati 83">
+            <a:extLst>
+              <a:ext uri="{FF2B5EF4-FFF2-40B4-BE49-F238E27FC236}">
+                <a16:creationId xmlns:a16="http://schemas.microsoft.com/office/drawing/2014/main" id="{39C91DE4-CC19-4BD7-9C70-1A96CFB737C6}"/>
+              </a:ext>
+            </a:extLst>
+          </p:cNvPr>
+          <p:cNvSpPr/>
+          <p:nvPr/>
+        </p:nvSpPr>
+        <p:spPr>
+          <a:xfrm>
+            <a:off x="6547413" y="3440676"/>
+            <a:ext cx="2304275" cy="387092"/>
+          </a:xfrm>
+          <a:prstGeom prst="roundRect">
+            <a:avLst/>
+          </a:prstGeom>
+          <a:solidFill>
+            <a:schemeClr val="accent4">
+              <a:lumMod val="20%"/>
+              <a:lumOff val="80%"/>
+            </a:schemeClr>
+          </a:solidFill>
+        </p:spPr>
+        <p:style>
+          <a:lnRef idx="2">
+            <a:schemeClr val="accent1">
+              <a:shade val="50%"/>
+            </a:schemeClr>
+          </a:lnRef>
+          <a:fillRef idx="1">
+            <a:schemeClr val="accent1"/>
+          </a:fillRef>
+          <a:effectRef idx="0">
+            <a:schemeClr val="accent1"/>
+          </a:effectRef>
+          <a:fontRef idx="minor">
+            <a:schemeClr val="lt1"/>
+          </a:fontRef>
+        </p:style>
+        <p:txBody>
+          <a:bodyPr rtlCol="0" anchor="ctr"/>
+          <a:lstStyle/>
+          <a:p>
+            <a:pPr algn="ctr"/>
+            <a:r>
+              <a:rPr lang="it-IT" sz="1400" dirty="0">
+                <a:solidFill>
+                  <a:schemeClr val="tx1"/>
+                </a:solidFill>
+              </a:rPr>
+              <a:t>IssAppRobotSupport</a:t>
+            </a:r>
+          </a:p>
+        </p:txBody>
+      </p:sp>
+      <p:cxnSp>
+        <p:nvCxnSpPr>
+          <p:cNvPr id="33" name="Connettore a gomito 91">
+            <a:extLst>
+              <a:ext uri="{FF2B5EF4-FFF2-40B4-BE49-F238E27FC236}">
+                <a16:creationId xmlns:a16="http://schemas.microsoft.com/office/drawing/2014/main" id="{B0F1EEDF-FBA6-4008-8E3D-8783EBFE4EA5}"/>
+              </a:ext>
+            </a:extLst>
+          </p:cNvPr>
+          <p:cNvCxnSpPr>
+            <a:cxnSpLocks/>
+            <a:stCxn id="29" idx="2"/>
+            <a:endCxn id="87" idx="0"/>
+          </p:cNvCxnSpPr>
+          <p:nvPr/>
+        </p:nvCxnSpPr>
+        <p:spPr>
+          <a:xfrm rot="16200000" flipH="1">
+            <a:off x="7878913" y="3648406"/>
+            <a:ext cx="428876" cy="787600"/>
+          </a:xfrm>
+          <a:prstGeom prst="bentConnector3">
+            <a:avLst>
+              <a:gd name="adj1" fmla="val 50000"/>
+            </a:avLst>
+          </a:prstGeom>
+          <a:ln>
+            <a:tailEnd type="triangle"/>
+          </a:ln>
+        </p:spPr>
+        <p:style>
+          <a:lnRef idx="1">
+            <a:schemeClr val="accent1"/>
+          </a:lnRef>
+          <a:fillRef idx="0">
+            <a:schemeClr val="accent1"/>
+          </a:fillRef>
+          <a:effectRef idx="0">
+            <a:schemeClr val="accent1"/>
+          </a:effectRef>
+          <a:fontRef idx="minor">
+            <a:schemeClr val="tx1"/>
+          </a:fontRef>
+        </p:style>
+      </p:cxnSp>
+      <p:sp>
+        <p:nvSpPr>
+          <p:cNvPr id="44" name="Rettangolo con angoli arrotondati 86">
+            <a:extLst>
+              <a:ext uri="{FF2B5EF4-FFF2-40B4-BE49-F238E27FC236}">
+                <a16:creationId xmlns:a16="http://schemas.microsoft.com/office/drawing/2014/main" id="{FEF95B35-BD17-4D0F-A77D-E8D8C4F9BCBB}"/>
+              </a:ext>
+            </a:extLst>
+          </p:cNvPr>
+          <p:cNvSpPr/>
+          <p:nvPr/>
+        </p:nvSpPr>
+        <p:spPr>
+          <a:xfrm>
+            <a:off x="6547413" y="3212296"/>
+            <a:ext cx="2279999" cy="223839"/>
+          </a:xfrm>
+          <a:prstGeom prst="roundRect">
+            <a:avLst/>
+          </a:prstGeom>
+          <a:solidFill>
+            <a:srgbClr val="CCFF99"/>
+          </a:solidFill>
+        </p:spPr>
+        <p:style>
+          <a:lnRef idx="2">
+            <a:schemeClr val="accent1">
+              <a:shade val="50%"/>
+            </a:schemeClr>
+          </a:lnRef>
+          <a:fillRef idx="1">
+            <a:schemeClr val="accent1"/>
+          </a:fillRef>
+          <a:effectRef idx="0">
+            <a:schemeClr val="accent1"/>
+          </a:effectRef>
+          <a:fontRef idx="minor">
+            <a:schemeClr val="lt1"/>
+          </a:fontRef>
+        </p:style>
+        <p:txBody>
+          <a:bodyPr rtlCol="0" anchor="ctr"/>
+          <a:lstStyle/>
+          <a:p>
+            <a:pPr algn="ctr"/>
+            <a:r>
+              <a:rPr lang="it-IT" sz="1400" dirty="0">
+                <a:solidFill>
+                  <a:srgbClr val="FF0000"/>
+                </a:solidFill>
+              </a:rPr>
+              <a:t>IssAppOperations</a:t>
+            </a:r>
+            <a:r>
+              <a:rPr lang="it-IT" sz="1400" dirty="0">
+                <a:solidFill>
+                  <a:schemeClr val="tx1"/>
+                </a:solidFill>
+              </a:rPr>
+              <a:t> </a:t>
+            </a:r>
+            <a:r>
+              <a:rPr lang="it-IT" sz="1100" dirty="0">
+                <a:solidFill>
+                  <a:schemeClr val="tx1"/>
+                </a:solidFill>
+              </a:rPr>
+              <a:t>interface</a:t>
+            </a:r>
+          </a:p>
+        </p:txBody>
+      </p:sp>
     </p:spTree>
     <p:extLst>
       <p:ext uri="{BB962C8B-B14F-4D97-AF65-F5344CB8AC3E}">
@@ -17155,6 +18827,946 @@
 
 <file path=ppt/slides/slide6.xml><?xml version="1.0" encoding="utf-8"?>
 <p:sld xmlns:a="http://purl.oclc.org/ooxml/drawingml/main" xmlns:r="http://purl.oclc.org/ooxml/officeDocument/relationships" xmlns:p="http://purl.oclc.org/ooxml/presentationml/main">
+  <p:cSld>
+    <p:spTree>
+      <p:nvGrpSpPr>
+        <p:cNvPr id="1" name=""/>
+        <p:cNvGrpSpPr/>
+        <p:nvPr/>
+      </p:nvGrpSpPr>
+      <p:grpSpPr>
+        <a:xfrm>
+          <a:off x="0" y="0"/>
+          <a:ext cx="0" cy="0"/>
+          <a:chOff x="0" y="0"/>
+          <a:chExt cx="0" cy="0"/>
+        </a:xfrm>
+      </p:grpSpPr>
+      <p:pic>
+        <p:nvPicPr>
+          <p:cNvPr id="5" name="Picture 4">
+            <a:extLst>
+              <a:ext uri="{FF2B5EF4-FFF2-40B4-BE49-F238E27FC236}">
+                <a16:creationId xmlns:a16="http://schemas.microsoft.com/office/drawing/2014/main" id="{AFB81088-0FD8-4C1A-A073-21ECCB654BAC}"/>
+              </a:ext>
+            </a:extLst>
+          </p:cNvPr>
+          <p:cNvPicPr>
+            <a:picLocks noChangeAspect="1"/>
+          </p:cNvPicPr>
+          <p:nvPr/>
+        </p:nvPicPr>
+        <p:blipFill>
+          <a:blip r:embed="rId2"/>
+          <a:stretch>
+            <a:fillRect/>
+          </a:stretch>
+        </p:blipFill>
+        <p:spPr>
+          <a:xfrm>
+            <a:off x="553141" y="1907093"/>
+            <a:ext cx="7334297" cy="4890900"/>
+          </a:xfrm>
+          <a:prstGeom prst="rect">
+            <a:avLst/>
+          </a:prstGeom>
+        </p:spPr>
+      </p:pic>
+      <p:sp>
+        <p:nvSpPr>
+          <p:cNvPr id="6" name="TextBox 5">
+            <a:extLst>
+              <a:ext uri="{FF2B5EF4-FFF2-40B4-BE49-F238E27FC236}">
+                <a16:creationId xmlns:a16="http://schemas.microsoft.com/office/drawing/2014/main" id="{C36357A5-CC17-4235-8378-988782E4CF6F}"/>
+              </a:ext>
+            </a:extLst>
+          </p:cNvPr>
+          <p:cNvSpPr txBox="1"/>
+          <p:nvPr/>
+        </p:nvSpPr>
+        <p:spPr>
+          <a:xfrm>
+            <a:off x="6563881" y="2007244"/>
+            <a:ext cx="2036538" cy="923330"/>
+          </a:xfrm>
+          <a:prstGeom prst="rect">
+            <a:avLst/>
+          </a:prstGeom>
+        </p:spPr>
+        <p:style>
+          <a:lnRef idx="3">
+            <a:schemeClr val="lt1"/>
+          </a:lnRef>
+          <a:fillRef idx="1">
+            <a:schemeClr val="accent5"/>
+          </a:fillRef>
+          <a:effectRef idx="1">
+            <a:schemeClr val="accent5"/>
+          </a:effectRef>
+          <a:fontRef idx="minor">
+            <a:schemeClr val="lt1"/>
+          </a:fontRef>
+        </p:style>
+        <p:txBody>
+          <a:bodyPr wrap="square" rtlCol="0">
+            <a:spAutoFit/>
+          </a:bodyPr>
+          <a:lstStyle/>
+          <a:p>
+            <a:r>
+              <a:rPr lang="en-US" dirty="0"/>
+              <a:t>Console updated </a:t>
+            </a:r>
+          </a:p>
+          <a:p>
+            <a:r>
+              <a:rPr lang="en-US" dirty="0"/>
+              <a:t>by scripts loaded in</a:t>
+            </a:r>
+          </a:p>
+          <a:p>
+            <a:r>
+              <a:rPr lang="en-US" dirty="0"/>
+              <a:t>the HTML file</a:t>
+            </a:r>
+          </a:p>
+        </p:txBody>
+      </p:sp>
+      <p:cxnSp>
+        <p:nvCxnSpPr>
+          <p:cNvPr id="8" name="Connector: Elbow 7">
+            <a:extLst>
+              <a:ext uri="{FF2B5EF4-FFF2-40B4-BE49-F238E27FC236}">
+                <a16:creationId xmlns:a16="http://schemas.microsoft.com/office/drawing/2014/main" id="{3D11A2D7-9F4E-4D63-B323-940A510164E2}"/>
+              </a:ext>
+            </a:extLst>
+          </p:cNvPr>
+          <p:cNvCxnSpPr>
+            <a:cxnSpLocks/>
+            <a:stCxn id="6" idx="1"/>
+          </p:cNvCxnSpPr>
+          <p:nvPr/>
+        </p:nvCxnSpPr>
+        <p:spPr>
+          <a:xfrm rot="10800000" flipV="1">
+            <a:off x="5380033" y="2468909"/>
+            <a:ext cx="1183848" cy="1214288"/>
+          </a:xfrm>
+          <a:prstGeom prst="bentConnector2">
+            <a:avLst/>
+          </a:prstGeom>
+          <a:ln w="38100">
+            <a:tailEnd type="triangle"/>
+          </a:ln>
+        </p:spPr>
+        <p:style>
+          <a:lnRef idx="1">
+            <a:schemeClr val="accent1"/>
+          </a:lnRef>
+          <a:fillRef idx="0">
+            <a:schemeClr val="accent1"/>
+          </a:fillRef>
+          <a:effectRef idx="0">
+            <a:schemeClr val="accent1"/>
+          </a:effectRef>
+          <a:fontRef idx="minor">
+            <a:schemeClr val="tx1"/>
+          </a:fontRef>
+        </p:style>
+      </p:cxnSp>
+      <p:pic>
+        <p:nvPicPr>
+          <p:cNvPr id="14" name="Picture 13">
+            <a:extLst>
+              <a:ext uri="{FF2B5EF4-FFF2-40B4-BE49-F238E27FC236}">
+                <a16:creationId xmlns:a16="http://schemas.microsoft.com/office/drawing/2014/main" id="{48BED648-CEEF-40FA-870E-F6B366786F13}"/>
+              </a:ext>
+            </a:extLst>
+          </p:cNvPr>
+          <p:cNvPicPr>
+            <a:picLocks noChangeAspect="1"/>
+          </p:cNvPicPr>
+          <p:nvPr/>
+        </p:nvPicPr>
+        <p:blipFill>
+          <a:blip r:embed="rId3"/>
+          <a:stretch>
+            <a:fillRect/>
+          </a:stretch>
+        </p:blipFill>
+        <p:spPr>
+          <a:xfrm>
+            <a:off x="553141" y="154447"/>
+            <a:ext cx="8416608" cy="1322610"/>
+          </a:xfrm>
+          <a:prstGeom prst="rect">
+            <a:avLst/>
+          </a:prstGeom>
+        </p:spPr>
+      </p:pic>
+      <p:sp>
+        <p:nvSpPr>
+          <p:cNvPr id="17" name="TextBox 16">
+            <a:extLst>
+              <a:ext uri="{FF2B5EF4-FFF2-40B4-BE49-F238E27FC236}">
+                <a16:creationId xmlns:a16="http://schemas.microsoft.com/office/drawing/2014/main" id="{5F6502D7-940A-48F7-A00E-FA8C63C2F084}"/>
+              </a:ext>
+            </a:extLst>
+          </p:cNvPr>
+          <p:cNvSpPr txBox="1"/>
+          <p:nvPr/>
+        </p:nvSpPr>
+        <p:spPr>
+          <a:xfrm>
+            <a:off x="6563881" y="1314062"/>
+            <a:ext cx="2036538" cy="646331"/>
+          </a:xfrm>
+          <a:prstGeom prst="rect">
+            <a:avLst/>
+          </a:prstGeom>
+        </p:spPr>
+        <p:style>
+          <a:lnRef idx="3">
+            <a:schemeClr val="lt1"/>
+          </a:lnRef>
+          <a:fillRef idx="1">
+            <a:schemeClr val="accent5"/>
+          </a:fillRef>
+          <a:effectRef idx="1">
+            <a:schemeClr val="accent5"/>
+          </a:effectRef>
+          <a:fontRef idx="minor">
+            <a:schemeClr val="lt1"/>
+          </a:fontRef>
+        </p:style>
+        <p:txBody>
+          <a:bodyPr wrap="square" rtlCol="0">
+            <a:spAutoFit/>
+          </a:bodyPr>
+          <a:lstStyle/>
+          <a:p>
+            <a:r>
+              <a:rPr lang="en-US" dirty="0"/>
+              <a:t>Console updated </a:t>
+            </a:r>
+          </a:p>
+          <a:p>
+            <a:r>
+              <a:rPr lang="en-US" dirty="0"/>
+              <a:t>by </a:t>
+            </a:r>
+            <a:r>
+              <a:rPr lang="en-US" dirty="0" err="1">
+                <a:solidFill>
+                  <a:srgbClr val="FFFF00"/>
+                </a:solidFill>
+              </a:rPr>
+              <a:t>WebpageServer</a:t>
+            </a:r>
+            <a:endParaRPr lang="en-US" dirty="0">
+              <a:solidFill>
+                <a:srgbClr val="FFFF00"/>
+              </a:solidFill>
+            </a:endParaRPr>
+          </a:p>
+        </p:txBody>
+      </p:sp>
+      <p:cxnSp>
+        <p:nvCxnSpPr>
+          <p:cNvPr id="18" name="Connector: Elbow 17">
+            <a:extLst>
+              <a:ext uri="{FF2B5EF4-FFF2-40B4-BE49-F238E27FC236}">
+                <a16:creationId xmlns:a16="http://schemas.microsoft.com/office/drawing/2014/main" id="{0D85D913-17E4-435F-AD46-D093FA5BB6A0}"/>
+              </a:ext>
+            </a:extLst>
+          </p:cNvPr>
+          <p:cNvCxnSpPr>
+            <a:cxnSpLocks/>
+            <a:stCxn id="17" idx="0"/>
+          </p:cNvCxnSpPr>
+          <p:nvPr/>
+        </p:nvCxnSpPr>
+        <p:spPr>
+          <a:xfrm rot="16200000" flipV="1">
+            <a:off x="6998939" y="730851"/>
+            <a:ext cx="412292" cy="754130"/>
+          </a:xfrm>
+          <a:prstGeom prst="bentConnector2">
+            <a:avLst/>
+          </a:prstGeom>
+          <a:ln w="38100">
+            <a:tailEnd type="triangle"/>
+          </a:ln>
+        </p:spPr>
+        <p:style>
+          <a:lnRef idx="1">
+            <a:schemeClr val="accent1"/>
+          </a:lnRef>
+          <a:fillRef idx="0">
+            <a:schemeClr val="accent1"/>
+          </a:fillRef>
+          <a:effectRef idx="0">
+            <a:schemeClr val="accent1"/>
+          </a:effectRef>
+          <a:fontRef idx="minor">
+            <a:schemeClr val="tx1"/>
+          </a:fontRef>
+        </p:style>
+      </p:cxnSp>
+      <p:pic>
+        <p:nvPicPr>
+          <p:cNvPr id="34" name="Picture 33">
+            <a:extLst>
+              <a:ext uri="{FF2B5EF4-FFF2-40B4-BE49-F238E27FC236}">
+                <a16:creationId xmlns:a16="http://schemas.microsoft.com/office/drawing/2014/main" id="{4DD27EC7-1FD0-4591-A83D-5C0A1A2BE236}"/>
+              </a:ext>
+            </a:extLst>
+          </p:cNvPr>
+          <p:cNvPicPr>
+            <a:picLocks noChangeAspect="1"/>
+          </p:cNvPicPr>
+          <p:nvPr/>
+        </p:nvPicPr>
+        <p:blipFill>
+          <a:blip r:embed="rId4"/>
+          <a:stretch>
+            <a:fillRect/>
+          </a:stretch>
+        </p:blipFill>
+        <p:spPr>
+          <a:xfrm>
+            <a:off x="8184262" y="3878486"/>
+            <a:ext cx="4007738" cy="2979514"/>
+          </a:xfrm>
+          <a:prstGeom prst="rect">
+            <a:avLst/>
+          </a:prstGeom>
+        </p:spPr>
+      </p:pic>
+      <p:sp>
+        <p:nvSpPr>
+          <p:cNvPr id="37" name="TextBox 36">
+            <a:extLst>
+              <a:ext uri="{FF2B5EF4-FFF2-40B4-BE49-F238E27FC236}">
+                <a16:creationId xmlns:a16="http://schemas.microsoft.com/office/drawing/2014/main" id="{8FEE04FE-FBC2-40A5-8ADE-B1612D9ABE73}"/>
+              </a:ext>
+            </a:extLst>
+          </p:cNvPr>
+          <p:cNvSpPr txBox="1"/>
+          <p:nvPr/>
+        </p:nvSpPr>
+        <p:spPr>
+          <a:xfrm>
+            <a:off x="8692234" y="2007244"/>
+            <a:ext cx="2036538" cy="1477328"/>
+          </a:xfrm>
+          <a:prstGeom prst="rect">
+            <a:avLst/>
+          </a:prstGeom>
+        </p:spPr>
+        <p:style>
+          <a:lnRef idx="3">
+            <a:schemeClr val="lt1"/>
+          </a:lnRef>
+          <a:fillRef idx="1">
+            <a:schemeClr val="accent5"/>
+          </a:fillRef>
+          <a:effectRef idx="1">
+            <a:schemeClr val="accent5"/>
+          </a:effectRef>
+          <a:fontRef idx="minor">
+            <a:schemeClr val="lt1"/>
+          </a:fontRef>
+        </p:style>
+        <p:txBody>
+          <a:bodyPr wrap="square" rtlCol="0">
+            <a:spAutoFit/>
+          </a:bodyPr>
+          <a:lstStyle/>
+          <a:p>
+            <a:r>
+              <a:rPr lang="en-US" dirty="0"/>
+              <a:t>Console updated </a:t>
+            </a:r>
+          </a:p>
+          <a:p>
+            <a:r>
+              <a:rPr lang="en-US" dirty="0"/>
+              <a:t>by a client (</a:t>
+            </a:r>
+            <a:r>
+              <a:rPr lang="en-US" dirty="0" err="1"/>
+              <a:t>js</a:t>
+            </a:r>
+            <a:r>
+              <a:rPr lang="en-US" dirty="0"/>
+              <a:t>) that handles messages sent by </a:t>
+            </a:r>
+            <a:r>
+              <a:rPr lang="en-US" dirty="0" err="1"/>
+              <a:t>WEnv</a:t>
+            </a:r>
+            <a:r>
+              <a:rPr lang="en-US" dirty="0"/>
+              <a:t> over websocket-8091</a:t>
+            </a:r>
+          </a:p>
+        </p:txBody>
+      </p:sp>
+      <p:cxnSp>
+        <p:nvCxnSpPr>
+          <p:cNvPr id="38" name="Connector: Elbow 37">
+            <a:extLst>
+              <a:ext uri="{FF2B5EF4-FFF2-40B4-BE49-F238E27FC236}">
+                <a16:creationId xmlns:a16="http://schemas.microsoft.com/office/drawing/2014/main" id="{5FCC73B8-2282-4AC2-AE31-52DA6E085D92}"/>
+              </a:ext>
+            </a:extLst>
+          </p:cNvPr>
+          <p:cNvCxnSpPr>
+            <a:cxnSpLocks/>
+            <a:stCxn id="37" idx="2"/>
+          </p:cNvCxnSpPr>
+          <p:nvPr/>
+        </p:nvCxnSpPr>
+        <p:spPr>
+          <a:xfrm rot="16200000" flipH="1">
+            <a:off x="8754631" y="4440443"/>
+            <a:ext cx="1918095" cy="6351"/>
+          </a:xfrm>
+          <a:prstGeom prst="bentConnector3">
+            <a:avLst>
+              <a:gd name="adj1" fmla="val 50000"/>
+            </a:avLst>
+          </a:prstGeom>
+          <a:ln w="38100">
+            <a:tailEnd type="triangle"/>
+          </a:ln>
+        </p:spPr>
+        <p:style>
+          <a:lnRef idx="1">
+            <a:schemeClr val="accent1"/>
+          </a:lnRef>
+          <a:fillRef idx="0">
+            <a:schemeClr val="accent1"/>
+          </a:fillRef>
+          <a:effectRef idx="0">
+            <a:schemeClr val="accent1"/>
+          </a:effectRef>
+          <a:fontRef idx="minor">
+            <a:schemeClr val="tx1"/>
+          </a:fontRef>
+        </p:style>
+      </p:cxnSp>
+      <p:sp>
+        <p:nvSpPr>
+          <p:cNvPr id="47" name="Oval 46">
+            <a:extLst>
+              <a:ext uri="{FF2B5EF4-FFF2-40B4-BE49-F238E27FC236}">
+                <a16:creationId xmlns:a16="http://schemas.microsoft.com/office/drawing/2014/main" id="{AB216C9E-4A20-4717-B1D5-F8E0EAF4F830}"/>
+              </a:ext>
+            </a:extLst>
+          </p:cNvPr>
+          <p:cNvSpPr/>
+          <p:nvPr/>
+        </p:nvSpPr>
+        <p:spPr>
+          <a:xfrm>
+            <a:off x="2140527" y="2883509"/>
+            <a:ext cx="202367" cy="188774"/>
+          </a:xfrm>
+          <a:prstGeom prst="ellipse">
+            <a:avLst/>
+          </a:prstGeom>
+          <a:solidFill>
+            <a:schemeClr val="tx1"/>
+          </a:solidFill>
+          <a:ln>
+            <a:solidFill>
+              <a:schemeClr val="tx1"/>
+            </a:solidFill>
+          </a:ln>
+        </p:spPr>
+        <p:style>
+          <a:lnRef idx="2">
+            <a:schemeClr val="accent1">
+              <a:shade val="50%"/>
+            </a:schemeClr>
+          </a:lnRef>
+          <a:fillRef idx="1">
+            <a:schemeClr val="accent1"/>
+          </a:fillRef>
+          <a:effectRef idx="0">
+            <a:schemeClr val="accent1"/>
+          </a:effectRef>
+          <a:fontRef idx="minor">
+            <a:schemeClr val="lt1"/>
+          </a:fontRef>
+        </p:style>
+        <p:txBody>
+          <a:bodyPr rtlCol="0" anchor="ctr"/>
+          <a:lstStyle/>
+          <a:p>
+            <a:pPr algn="ctr"/>
+            <a:endParaRPr lang="en-US"/>
+          </a:p>
+        </p:txBody>
+      </p:sp>
+      <p:sp>
+        <p:nvSpPr>
+          <p:cNvPr id="51" name="TextBox 50">
+            <a:extLst>
+              <a:ext uri="{FF2B5EF4-FFF2-40B4-BE49-F238E27FC236}">
+                <a16:creationId xmlns:a16="http://schemas.microsoft.com/office/drawing/2014/main" id="{B632D4FD-96B3-4999-B318-E79DE8A8C866}"/>
+              </a:ext>
+            </a:extLst>
+          </p:cNvPr>
+          <p:cNvSpPr txBox="1"/>
+          <p:nvPr/>
+        </p:nvSpPr>
+        <p:spPr>
+          <a:xfrm>
+            <a:off x="553141" y="1521498"/>
+            <a:ext cx="5827942" cy="369332"/>
+          </a:xfrm>
+          <a:prstGeom prst="rect">
+            <a:avLst/>
+          </a:prstGeom>
+        </p:spPr>
+        <p:style>
+          <a:lnRef idx="1">
+            <a:schemeClr val="accent4"/>
+          </a:lnRef>
+          <a:fillRef idx="2">
+            <a:schemeClr val="accent4"/>
+          </a:fillRef>
+          <a:effectRef idx="1">
+            <a:schemeClr val="accent4"/>
+          </a:effectRef>
+          <a:fontRef idx="minor">
+            <a:schemeClr val="dk1"/>
+          </a:fontRef>
+        </p:style>
+        <p:txBody>
+          <a:bodyPr wrap="none" rtlCol="0">
+            <a:spAutoFit/>
+          </a:bodyPr>
+          <a:lstStyle/>
+          <a:p>
+            <a:r>
+              <a:rPr lang="en-US" dirty="0" err="1"/>
+              <a:t>WebpageServer</a:t>
+            </a:r>
+            <a:r>
+              <a:rPr lang="en-US" dirty="0"/>
+              <a:t> updates the scene by using websocket-8090</a:t>
+            </a:r>
+          </a:p>
+        </p:txBody>
+      </p:sp>
+      <p:cxnSp>
+        <p:nvCxnSpPr>
+          <p:cNvPr id="41" name="Connector: Elbow 40">
+            <a:extLst>
+              <a:ext uri="{FF2B5EF4-FFF2-40B4-BE49-F238E27FC236}">
+                <a16:creationId xmlns:a16="http://schemas.microsoft.com/office/drawing/2014/main" id="{B321E8DE-0DCD-4789-AFF8-610118BD0D85}"/>
+              </a:ext>
+            </a:extLst>
+          </p:cNvPr>
+          <p:cNvCxnSpPr>
+            <a:cxnSpLocks/>
+            <a:endCxn id="47" idx="0"/>
+          </p:cNvCxnSpPr>
+          <p:nvPr/>
+        </p:nvCxnSpPr>
+        <p:spPr>
+          <a:xfrm rot="10800000" flipV="1">
+            <a:off x="2241711" y="1837123"/>
+            <a:ext cx="4330470" cy="1046386"/>
+          </a:xfrm>
+          <a:prstGeom prst="bentConnector2">
+            <a:avLst/>
+          </a:prstGeom>
+          <a:ln w="38100">
+            <a:tailEnd type="triangle"/>
+          </a:ln>
+        </p:spPr>
+        <p:style>
+          <a:lnRef idx="1">
+            <a:schemeClr val="accent1"/>
+          </a:lnRef>
+          <a:fillRef idx="0">
+            <a:schemeClr val="accent1"/>
+          </a:fillRef>
+          <a:effectRef idx="0">
+            <a:schemeClr val="accent1"/>
+          </a:effectRef>
+          <a:fontRef idx="minor">
+            <a:schemeClr val="tx1"/>
+          </a:fontRef>
+        </p:style>
+      </p:cxnSp>
+      <p:sp>
+        <p:nvSpPr>
+          <p:cNvPr id="55" name="TextBox 54">
+            <a:extLst>
+              <a:ext uri="{FF2B5EF4-FFF2-40B4-BE49-F238E27FC236}">
+                <a16:creationId xmlns:a16="http://schemas.microsoft.com/office/drawing/2014/main" id="{9DF16D52-05F1-403E-A5B1-4A994618D5F4}"/>
+              </a:ext>
+            </a:extLst>
+          </p:cNvPr>
+          <p:cNvSpPr txBox="1"/>
+          <p:nvPr/>
+        </p:nvSpPr>
+        <p:spPr>
+          <a:xfrm>
+            <a:off x="595557" y="3044424"/>
+            <a:ext cx="1453155" cy="369332"/>
+          </a:xfrm>
+          <a:prstGeom prst="rect">
+            <a:avLst/>
+          </a:prstGeom>
+        </p:spPr>
+        <p:style>
+          <a:lnRef idx="1">
+            <a:schemeClr val="accent4"/>
+          </a:lnRef>
+          <a:fillRef idx="2">
+            <a:schemeClr val="accent4"/>
+          </a:fillRef>
+          <a:effectRef idx="1">
+            <a:schemeClr val="accent4"/>
+          </a:effectRef>
+          <a:fontRef idx="minor">
+            <a:schemeClr val="dk1"/>
+          </a:fontRef>
+        </p:style>
+        <p:txBody>
+          <a:bodyPr wrap="none" rtlCol="0">
+            <a:spAutoFit/>
+          </a:bodyPr>
+          <a:lstStyle/>
+          <a:p>
+            <a:r>
+              <a:rPr lang="en-US" dirty="0" err="1"/>
+              <a:t>Wenv</a:t>
+            </a:r>
+            <a:r>
+              <a:rPr lang="en-US" dirty="0"/>
+              <a:t> (scene)</a:t>
+            </a:r>
+          </a:p>
+        </p:txBody>
+      </p:sp>
+    </p:spTree>
+    <p:extLst>
+      <p:ext uri="{BB962C8B-B14F-4D97-AF65-F5344CB8AC3E}">
+        <p14:creationId xmlns:p14="http://schemas.microsoft.com/office/powerpoint/2010/main" val="2125638574"/>
+      </p:ext>
+    </p:extLst>
+  </p:cSld>
+  <p:clrMapOvr>
+    <a:masterClrMapping/>
+  </p:clrMapOvr>
+</p:sld>
+</file>
+
+<file path=ppt/slides/slide7.xml><?xml version="1.0" encoding="utf-8"?>
+<p:sld xmlns:a="http://purl.oclc.org/ooxml/drawingml/main" xmlns:r="http://purl.oclc.org/ooxml/officeDocument/relationships" xmlns:p="http://purl.oclc.org/ooxml/presentationml/main">
+  <p:cSld>
+    <p:spTree>
+      <p:nvGrpSpPr>
+        <p:cNvPr id="1" name=""/>
+        <p:cNvGrpSpPr/>
+        <p:nvPr/>
+      </p:nvGrpSpPr>
+      <p:grpSpPr>
+        <a:xfrm>
+          <a:off x="0" y="0"/>
+          <a:ext cx="0" cy="0"/>
+          <a:chOff x="0" y="0"/>
+          <a:chExt cx="0" cy="0"/>
+        </a:xfrm>
+      </p:grpSpPr>
+      <p:pic>
+        <p:nvPicPr>
+          <p:cNvPr id="5" name="Picture 4">
+            <a:extLst>
+              <a:ext uri="{FF2B5EF4-FFF2-40B4-BE49-F238E27FC236}">
+                <a16:creationId xmlns:a16="http://schemas.microsoft.com/office/drawing/2014/main" id="{AFB81088-0FD8-4C1A-A073-21ECCB654BAC}"/>
+              </a:ext>
+            </a:extLst>
+          </p:cNvPr>
+          <p:cNvPicPr>
+            <a:picLocks noChangeAspect="1"/>
+          </p:cNvPicPr>
+          <p:nvPr/>
+        </p:nvPicPr>
+        <p:blipFill>
+          <a:blip r:embed="rId2"/>
+          <a:stretch>
+            <a:fillRect/>
+          </a:stretch>
+        </p:blipFill>
+        <p:spPr>
+          <a:xfrm>
+            <a:off x="718033" y="55808"/>
+            <a:ext cx="7334297" cy="4890900"/>
+          </a:xfrm>
+          <a:prstGeom prst="rect">
+            <a:avLst/>
+          </a:prstGeom>
+        </p:spPr>
+      </p:pic>
+      <p:sp>
+        <p:nvSpPr>
+          <p:cNvPr id="6" name="TextBox 5">
+            <a:extLst>
+              <a:ext uri="{FF2B5EF4-FFF2-40B4-BE49-F238E27FC236}">
+                <a16:creationId xmlns:a16="http://schemas.microsoft.com/office/drawing/2014/main" id="{C36357A5-CC17-4235-8378-988782E4CF6F}"/>
+              </a:ext>
+            </a:extLst>
+          </p:cNvPr>
+          <p:cNvSpPr txBox="1"/>
+          <p:nvPr/>
+        </p:nvSpPr>
+        <p:spPr>
+          <a:xfrm>
+            <a:off x="6728773" y="155959"/>
+            <a:ext cx="2036538" cy="923330"/>
+          </a:xfrm>
+          <a:prstGeom prst="rect">
+            <a:avLst/>
+          </a:prstGeom>
+        </p:spPr>
+        <p:style>
+          <a:lnRef idx="3">
+            <a:schemeClr val="lt1"/>
+          </a:lnRef>
+          <a:fillRef idx="1">
+            <a:schemeClr val="accent5"/>
+          </a:fillRef>
+          <a:effectRef idx="1">
+            <a:schemeClr val="accent5"/>
+          </a:effectRef>
+          <a:fontRef idx="minor">
+            <a:schemeClr val="lt1"/>
+          </a:fontRef>
+        </p:style>
+        <p:txBody>
+          <a:bodyPr wrap="square" rtlCol="0">
+            <a:spAutoFit/>
+          </a:bodyPr>
+          <a:lstStyle/>
+          <a:p>
+            <a:r>
+              <a:rPr lang="en-US" dirty="0"/>
+              <a:t>Console updated </a:t>
+            </a:r>
+          </a:p>
+          <a:p>
+            <a:r>
+              <a:rPr lang="en-US" dirty="0"/>
+              <a:t>by scripts loaded in</a:t>
+            </a:r>
+          </a:p>
+          <a:p>
+            <a:r>
+              <a:rPr lang="en-US" dirty="0"/>
+              <a:t>the HTML file</a:t>
+            </a:r>
+          </a:p>
+        </p:txBody>
+      </p:sp>
+      <p:cxnSp>
+        <p:nvCxnSpPr>
+          <p:cNvPr id="8" name="Connector: Elbow 7">
+            <a:extLst>
+              <a:ext uri="{FF2B5EF4-FFF2-40B4-BE49-F238E27FC236}">
+                <a16:creationId xmlns:a16="http://schemas.microsoft.com/office/drawing/2014/main" id="{3D11A2D7-9F4E-4D63-B323-940A510164E2}"/>
+              </a:ext>
+            </a:extLst>
+          </p:cNvPr>
+          <p:cNvCxnSpPr>
+            <a:cxnSpLocks/>
+            <a:stCxn id="6" idx="1"/>
+          </p:cNvCxnSpPr>
+          <p:nvPr/>
+        </p:nvCxnSpPr>
+        <p:spPr>
+          <a:xfrm rot="10800000" flipV="1">
+            <a:off x="5544925" y="617624"/>
+            <a:ext cx="1183848" cy="1214288"/>
+          </a:xfrm>
+          <a:prstGeom prst="bentConnector2">
+            <a:avLst/>
+          </a:prstGeom>
+          <a:ln w="38100">
+            <a:tailEnd type="triangle"/>
+          </a:ln>
+        </p:spPr>
+        <p:style>
+          <a:lnRef idx="1">
+            <a:schemeClr val="accent1"/>
+          </a:lnRef>
+          <a:fillRef idx="0">
+            <a:schemeClr val="accent1"/>
+          </a:fillRef>
+          <a:effectRef idx="0">
+            <a:schemeClr val="accent1"/>
+          </a:effectRef>
+          <a:fontRef idx="minor">
+            <a:schemeClr val="tx1"/>
+          </a:fontRef>
+        </p:style>
+      </p:cxnSp>
+      <p:pic>
+        <p:nvPicPr>
+          <p:cNvPr id="14" name="Picture 13">
+            <a:extLst>
+              <a:ext uri="{FF2B5EF4-FFF2-40B4-BE49-F238E27FC236}">
+                <a16:creationId xmlns:a16="http://schemas.microsoft.com/office/drawing/2014/main" id="{48BED648-CEEF-40FA-870E-F6B366786F13}"/>
+              </a:ext>
+            </a:extLst>
+          </p:cNvPr>
+          <p:cNvPicPr>
+            <a:picLocks noChangeAspect="1"/>
+          </p:cNvPicPr>
+          <p:nvPr/>
+        </p:nvPicPr>
+        <p:blipFill>
+          <a:blip r:embed="rId3"/>
+          <a:stretch>
+            <a:fillRect/>
+          </a:stretch>
+        </p:blipFill>
+        <p:spPr>
+          <a:xfrm>
+            <a:off x="720028" y="5030273"/>
+            <a:ext cx="8416608" cy="1322610"/>
+          </a:xfrm>
+          <a:prstGeom prst="rect">
+            <a:avLst/>
+          </a:prstGeom>
+        </p:spPr>
+      </p:pic>
+      <p:sp>
+        <p:nvSpPr>
+          <p:cNvPr id="17" name="TextBox 16">
+            <a:extLst>
+              <a:ext uri="{FF2B5EF4-FFF2-40B4-BE49-F238E27FC236}">
+                <a16:creationId xmlns:a16="http://schemas.microsoft.com/office/drawing/2014/main" id="{5F6502D7-940A-48F7-A00E-FA8C63C2F084}"/>
+              </a:ext>
+            </a:extLst>
+          </p:cNvPr>
+          <p:cNvSpPr txBox="1"/>
+          <p:nvPr/>
+        </p:nvSpPr>
+        <p:spPr>
+          <a:xfrm>
+            <a:off x="7747042" y="4216813"/>
+            <a:ext cx="2036538" cy="646331"/>
+          </a:xfrm>
+          <a:prstGeom prst="rect">
+            <a:avLst/>
+          </a:prstGeom>
+        </p:spPr>
+        <p:style>
+          <a:lnRef idx="3">
+            <a:schemeClr val="lt1"/>
+          </a:lnRef>
+          <a:fillRef idx="1">
+            <a:schemeClr val="accent5"/>
+          </a:fillRef>
+          <a:effectRef idx="1">
+            <a:schemeClr val="accent5"/>
+          </a:effectRef>
+          <a:fontRef idx="minor">
+            <a:schemeClr val="lt1"/>
+          </a:fontRef>
+        </p:style>
+        <p:txBody>
+          <a:bodyPr wrap="square" rtlCol="0">
+            <a:spAutoFit/>
+          </a:bodyPr>
+          <a:lstStyle/>
+          <a:p>
+            <a:r>
+              <a:rPr lang="en-US" dirty="0"/>
+              <a:t>Console updated </a:t>
+            </a:r>
+          </a:p>
+          <a:p>
+            <a:r>
+              <a:rPr lang="en-US" dirty="0"/>
+              <a:t>by </a:t>
+            </a:r>
+            <a:r>
+              <a:rPr lang="en-US" dirty="0" err="1"/>
+              <a:t>WebpageServer</a:t>
+            </a:r>
+            <a:endParaRPr lang="en-US" dirty="0"/>
+          </a:p>
+        </p:txBody>
+      </p:sp>
+      <p:cxnSp>
+        <p:nvCxnSpPr>
+          <p:cNvPr id="18" name="Connector: Elbow 17">
+            <a:extLst>
+              <a:ext uri="{FF2B5EF4-FFF2-40B4-BE49-F238E27FC236}">
+                <a16:creationId xmlns:a16="http://schemas.microsoft.com/office/drawing/2014/main" id="{0D85D913-17E4-435F-AD46-D093FA5BB6A0}"/>
+              </a:ext>
+            </a:extLst>
+          </p:cNvPr>
+          <p:cNvCxnSpPr>
+            <a:cxnSpLocks/>
+            <a:stCxn id="17" idx="2"/>
+          </p:cNvCxnSpPr>
+          <p:nvPr/>
+        </p:nvCxnSpPr>
+        <p:spPr>
+          <a:xfrm rot="5400000">
+            <a:off x="8305748" y="5319147"/>
+            <a:ext cx="915567" cy="3560"/>
+          </a:xfrm>
+          <a:prstGeom prst="bentConnector3">
+            <a:avLst>
+              <a:gd name="adj1" fmla="val 50000"/>
+            </a:avLst>
+          </a:prstGeom>
+          <a:ln w="38100">
+            <a:tailEnd type="triangle"/>
+          </a:ln>
+        </p:spPr>
+        <p:style>
+          <a:lnRef idx="1">
+            <a:schemeClr val="accent1"/>
+          </a:lnRef>
+          <a:fillRef idx="0">
+            <a:schemeClr val="accent1"/>
+          </a:fillRef>
+          <a:effectRef idx="0">
+            <a:schemeClr val="accent1"/>
+          </a:effectRef>
+          <a:fontRef idx="minor">
+            <a:schemeClr val="tx1"/>
+          </a:fontRef>
+        </p:style>
+      </p:cxnSp>
+    </p:spTree>
+    <p:extLst>
+      <p:ext uri="{BB962C8B-B14F-4D97-AF65-F5344CB8AC3E}">
+        <p14:creationId xmlns:p14="http://schemas.microsoft.com/office/powerpoint/2010/main" val="2403224497"/>
+      </p:ext>
+    </p:extLst>
+  </p:cSld>
+  <p:clrMapOvr>
+    <a:masterClrMapping/>
+  </p:clrMapOvr>
+</p:sld>
+</file>
+
+<file path=ppt/slides/slide8.xml><?xml version="1.0" encoding="utf-8"?>
+<p:sld xmlns:a="http://purl.oclc.org/ooxml/drawingml/main" xmlns:r="http://purl.oclc.org/ooxml/officeDocument/relationships" xmlns:p="http://purl.oclc.org/ooxml/presentationml/main">
   <p:cSld name="Slide7">
     <p:spTree>
       <p:nvGrpSpPr>
@@ -17439,7 +20051,7 @@
 </p:sld>
 </file>
 
-<file path=ppt/slides/slide7.xml><?xml version="1.0" encoding="utf-8"?>
+<file path=ppt/slides/slide9.xml><?xml version="1.0" encoding="utf-8"?>
 <p:sld xmlns:a="http://purl.oclc.org/ooxml/drawingml/main" xmlns:r="http://purl.oclc.org/ooxml/officeDocument/relationships" xmlns:p="http://purl.oclc.org/ooxml/presentationml/main">
   <p:cSld name="Slide8">
     <p:spTree>
@@ -17894,939 +20506,6 @@
           </a:p>
         </p:txBody>
       </p:sp>
-    </p:spTree>
-  </p:cSld>
-  <p:clrMapOvr>
-    <a:masterClrMapping/>
-  </p:clrMapOvr>
-</p:sld>
-</file>
-
-<file path=ppt/slides/slide8.xml><?xml version="1.0" encoding="utf-8"?>
-<p:sld xmlns:a="http://purl.oclc.org/ooxml/drawingml/main" xmlns:r="http://purl.oclc.org/ooxml/officeDocument/relationships" xmlns:p="http://purl.oclc.org/ooxml/presentationml/main">
-  <p:cSld name="Slide10">
-    <p:spTree>
-      <p:nvGrpSpPr>
-        <p:cNvPr id="1" name=""/>
-        <p:cNvGrpSpPr/>
-        <p:nvPr/>
-      </p:nvGrpSpPr>
-      <p:grpSpPr>
-        <a:xfrm>
-          <a:off x="0" y="0"/>
-          <a:ext cx="0" cy="0"/>
-          <a:chOff x="0" y="0"/>
-          <a:chExt cx="0" cy="0"/>
-        </a:xfrm>
-      </p:grpSpPr>
-      <p:sp>
-        <p:nvSpPr>
-          <p:cNvPr id="2" name="Title 1">
-            <a:extLst>
-              <a:ext uri="{FF2B5EF4-FFF2-40B4-BE49-F238E27FC236}">
-                <a16:creationId xmlns:a16="http://schemas.microsoft.com/office/drawing/2014/main" id="{492C36A4-1C58-4EFB-B95F-F91FE9068026}"/>
-              </a:ext>
-            </a:extLst>
-          </p:cNvPr>
-          <p:cNvSpPr txBox="1">
-            <a:spLocks noGrp="1"/>
-          </p:cNvSpPr>
-          <p:nvPr>
-            <p:ph type="title"/>
-          </p:nvPr>
-        </p:nvSpPr>
-        <p:spPr>
-          <a:xfrm>
-            <a:off x="677332" y="609603"/>
-            <a:ext cx="8596667" cy="757123"/>
-          </a:xfrm>
-        </p:spPr>
-        <p:txBody>
-          <a:bodyPr/>
-          <a:lstStyle/>
-          <a:p>
-            <a:pPr lvl="0"/>
-            <a:r>
-              <a:rPr lang="en-US"/>
-              <a:t>Define our app and modify build</a:t>
-            </a:r>
-          </a:p>
-        </p:txBody>
-      </p:sp>
-      <p:sp>
-        <p:nvSpPr>
-          <p:cNvPr id="3" name="TextBox 2">
-            <a:extLst>
-              <a:ext uri="{FF2B5EF4-FFF2-40B4-BE49-F238E27FC236}">
-                <a16:creationId xmlns:a16="http://schemas.microsoft.com/office/drawing/2014/main" id="{0994C0C0-A936-4AE4-A8D5-C0A08E4BA080}"/>
-              </a:ext>
-            </a:extLst>
-          </p:cNvPr>
-          <p:cNvSpPr txBox="1"/>
-          <p:nvPr/>
-        </p:nvSpPr>
-        <p:spPr>
-          <a:xfrm>
-            <a:off x="194154" y="1582451"/>
-            <a:ext cx="11803687" cy="2000551"/>
-          </a:xfrm>
-          <a:prstGeom prst="rect">
-            <a:avLst/>
-          </a:prstGeom>
-          <a:noFill/>
-          <a:ln cap="flat">
-            <a:noFill/>
-          </a:ln>
-        </p:spPr>
-        <p:txBody>
-          <a:bodyPr vert="horz" wrap="square" lIns="91440" tIns="45720" rIns="91440" bIns="45720" anchor="t" anchorCtr="0" compatLnSpc="1">
-            <a:spAutoFit/>
-          </a:bodyPr>
-          <a:lstStyle/>
-          <a:p>
-            <a:pPr marL="0" marR="0" lvl="0" indent="0" algn="l" defTabSz="914400" rtl="0" fontAlgn="auto" hangingPunct="1">
-              <a:lnSpc>
-                <a:spcPct val="100%"/>
-              </a:lnSpc>
-              <a:spcBef>
-                <a:spcPts val="0"/>
-              </a:spcBef>
-              <a:spcAft>
-                <a:spcPts val="0"/>
-              </a:spcAft>
-              <a:buNone/>
-              <a:tabLst/>
-              <a:defRPr sz="1800" b="0" i="0" u="none" strike="noStrike" kern="0" cap="none" spc="0" baseline="0%">
-                <a:solidFill>
-                  <a:srgbClr val="000000"/>
-                </a:solidFill>
-                <a:uFillTx/>
-              </a:defRPr>
-            </a:pPr>
-            <a:r>
-              <a:rPr lang="en-US" sz="2400" b="0" i="1" u="none" strike="noStrike" kern="1200" cap="none" spc="0" baseline="0%" dirty="0">
-                <a:solidFill>
-                  <a:srgbClr val="000000"/>
-                </a:solidFill>
-                <a:uFillTx/>
-                <a:latin typeface="Consolas"/>
-              </a:rPr>
-              <a:t>application </a:t>
-            </a:r>
-            <a:r>
-              <a:rPr lang="en-US" sz="2400" b="1" i="0" u="none" strike="noStrike" kern="1200" cap="none" spc="0" baseline="0%" dirty="0">
-                <a:solidFill>
-                  <a:srgbClr val="000000"/>
-                </a:solidFill>
-                <a:uFillTx/>
-                <a:latin typeface="Consolas"/>
-              </a:rPr>
-              <a:t>{</a:t>
-            </a:r>
-            <a:br>
-              <a:rPr lang="en-US" sz="2400" b="1" i="0" u="none" strike="noStrike" kern="1200" cap="none" spc="0" baseline="0%" dirty="0">
-                <a:solidFill>
-                  <a:srgbClr val="000000"/>
-                </a:solidFill>
-                <a:uFillTx/>
-                <a:latin typeface="Consolas"/>
-              </a:rPr>
-            </a:br>
-            <a:r>
-              <a:rPr lang="en-US" sz="2400" b="1" i="0" u="none" strike="noStrike" kern="1200" cap="none" spc="0" baseline="0%" dirty="0">
-                <a:solidFill>
-                  <a:srgbClr val="000000"/>
-                </a:solidFill>
-                <a:uFillTx/>
-                <a:latin typeface="Consolas"/>
-              </a:rPr>
-              <a:t>    </a:t>
-            </a:r>
-            <a:r>
-              <a:rPr lang="en-US" sz="2400" b="0" i="1" u="none" strike="noStrike" kern="1200" cap="none" spc="0" baseline="0%" dirty="0">
-                <a:solidFill>
-                  <a:srgbClr val="000000"/>
-                </a:solidFill>
-                <a:uFillTx/>
-                <a:latin typeface="Consolas"/>
-              </a:rPr>
-              <a:t>// Define the main class for the application.</a:t>
-            </a:r>
-            <a:br>
-              <a:rPr lang="en-US" sz="2400" b="0" i="1" u="none" strike="noStrike" kern="1200" cap="none" spc="0" baseline="0%" dirty="0">
-                <a:solidFill>
-                  <a:srgbClr val="000000"/>
-                </a:solidFill>
-                <a:uFillTx/>
-                <a:latin typeface="Consolas"/>
-              </a:rPr>
-            </a:br>
-            <a:r>
-              <a:rPr lang="en-US" sz="2400" b="0" i="1" u="none" strike="noStrike" kern="1200" cap="none" spc="0" baseline="0%" dirty="0">
-                <a:solidFill>
-                  <a:srgbClr val="000000"/>
-                </a:solidFill>
-                <a:uFillTx/>
-                <a:latin typeface="Consolas"/>
-              </a:rPr>
-              <a:t>    //</a:t>
-            </a:r>
-            <a:r>
-              <a:rPr lang="en-US" sz="2400" b="0" i="1" u="none" strike="noStrike" kern="1200" cap="none" spc="0" baseline="0%" dirty="0" err="1">
-                <a:solidFill>
-                  <a:srgbClr val="000000"/>
-                </a:solidFill>
-                <a:uFillTx/>
-                <a:latin typeface="Consolas"/>
-              </a:rPr>
-              <a:t>mainClass.set</a:t>
-            </a:r>
-            <a:r>
-              <a:rPr lang="en-US" sz="2400" b="0" i="1" u="none" strike="noStrike" kern="1200" cap="none" spc="0" baseline="0%" dirty="0">
-                <a:solidFill>
-                  <a:srgbClr val="000000"/>
-                </a:solidFill>
-                <a:uFillTx/>
-                <a:latin typeface="Consolas"/>
-              </a:rPr>
-              <a:t>("</a:t>
-            </a:r>
-            <a:r>
-              <a:rPr lang="en-US" sz="2400" b="0" i="1" u="none" strike="noStrike" kern="1200" cap="none" spc="0" baseline="0%" dirty="0" err="1">
-                <a:solidFill>
-                  <a:srgbClr val="000000"/>
-                </a:solidFill>
-                <a:uFillTx/>
-                <a:latin typeface="Consolas"/>
-              </a:rPr>
-              <a:t>it.unibo.wenvusage.App</a:t>
-            </a:r>
-            <a:r>
-              <a:rPr lang="en-US" sz="2400" b="0" i="1" u="none" strike="noStrike" kern="1200" cap="none" spc="0" baseline="0%" dirty="0">
-                <a:solidFill>
-                  <a:srgbClr val="000000"/>
-                </a:solidFill>
-                <a:uFillTx/>
-                <a:latin typeface="Consolas"/>
-              </a:rPr>
-              <a:t>")    //ORIGINAL</a:t>
-            </a:r>
-            <a:br>
-              <a:rPr lang="en-US" sz="2400" b="0" i="1" u="none" strike="noStrike" kern="1200" cap="none" spc="0" baseline="0%" dirty="0">
-                <a:solidFill>
-                  <a:srgbClr val="000000"/>
-                </a:solidFill>
-                <a:uFillTx/>
-                <a:latin typeface="Consolas"/>
-              </a:rPr>
-            </a:br>
-            <a:r>
-              <a:rPr lang="en-US" sz="2400" b="0" i="1" u="none" strike="noStrike" kern="1200" cap="none" spc="0" baseline="0%" dirty="0">
-                <a:solidFill>
-                  <a:srgbClr val="000000"/>
-                </a:solidFill>
-                <a:uFillTx/>
-                <a:latin typeface="Consolas"/>
-              </a:rPr>
-              <a:t>    </a:t>
-            </a:r>
-            <a:r>
-              <a:rPr lang="en-US" sz="2800" b="0" i="1" u="none" strike="noStrike" kern="1200" cap="none" spc="0" baseline="0%" dirty="0" err="1">
-                <a:solidFill>
-                  <a:srgbClr val="C00000"/>
-                </a:solidFill>
-                <a:uFillTx/>
-                <a:latin typeface="Consolas"/>
-              </a:rPr>
-              <a:t>mainClass</a:t>
-            </a:r>
-            <a:r>
-              <a:rPr lang="en-US" sz="2800" b="0" i="0" u="none" strike="noStrike" kern="1200" cap="none" spc="0" baseline="0%" dirty="0" err="1">
-                <a:solidFill>
-                  <a:srgbClr val="C00000"/>
-                </a:solidFill>
-                <a:uFillTx/>
-                <a:latin typeface="Consolas"/>
-              </a:rPr>
-              <a:t>.set</a:t>
-            </a:r>
-            <a:r>
-              <a:rPr lang="en-US" sz="2800" b="0" i="0" u="none" strike="noStrike" kern="1200" cap="none" spc="0" baseline="0%" dirty="0">
-                <a:solidFill>
-                  <a:srgbClr val="C00000"/>
-                </a:solidFill>
-                <a:uFillTx/>
-                <a:latin typeface="Consolas"/>
-              </a:rPr>
-              <a:t>("</a:t>
-            </a:r>
-            <a:r>
-              <a:rPr lang="en-US" sz="2800" b="0" i="0" u="none" strike="noStrike" kern="1200" cap="none" spc="0" baseline="0%" dirty="0" err="1">
-                <a:solidFill>
-                  <a:srgbClr val="0070C0"/>
-                </a:solidFill>
-                <a:uFillTx/>
-                <a:latin typeface="Consolas"/>
-              </a:rPr>
-              <a:t>it.unibo.wenvusage.MoveVirtualRobot</a:t>
-            </a:r>
-            <a:r>
-              <a:rPr lang="en-US" sz="2800" b="0" i="0" u="none" strike="noStrike" kern="1200" cap="none" spc="0" baseline="0%" dirty="0">
-                <a:solidFill>
-                  <a:srgbClr val="C00000"/>
-                </a:solidFill>
-                <a:uFillTx/>
-                <a:latin typeface="Consolas"/>
-              </a:rPr>
-              <a:t>") </a:t>
-            </a:r>
-            <a:r>
-              <a:rPr lang="en-US" sz="2400" b="0" i="0" u="none" strike="noStrike" kern="1200" cap="none" spc="0" baseline="0%" dirty="0">
-                <a:solidFill>
-                  <a:srgbClr val="000000"/>
-                </a:solidFill>
-                <a:uFillTx/>
-                <a:latin typeface="Consolas"/>
-              </a:rPr>
-              <a:t>   </a:t>
-            </a:r>
-            <a:endParaRPr lang="en-US" sz="2400" b="0" i="0" u="none" strike="noStrike" kern="1200" cap="none" spc="0" baseline="0%" dirty="0">
-              <a:solidFill>
-                <a:srgbClr val="000000"/>
-              </a:solidFill>
-              <a:uFillTx/>
-              <a:latin typeface="Calibri"/>
-              <a:cs typeface="Calibri"/>
-            </a:endParaRPr>
-          </a:p>
-          <a:p>
-            <a:pPr marL="0" marR="0" lvl="0" indent="0" algn="l" defTabSz="914400" rtl="0" fontAlgn="auto" hangingPunct="1">
-              <a:lnSpc>
-                <a:spcPct val="100%"/>
-              </a:lnSpc>
-              <a:spcBef>
-                <a:spcPts val="0"/>
-              </a:spcBef>
-              <a:spcAft>
-                <a:spcPts val="0"/>
-              </a:spcAft>
-              <a:buNone/>
-              <a:tabLst/>
-              <a:defRPr sz="1800" b="0" i="0" u="none" strike="noStrike" kern="0" cap="none" spc="0" baseline="0%">
-                <a:solidFill>
-                  <a:srgbClr val="000000"/>
-                </a:solidFill>
-                <a:uFillTx/>
-              </a:defRPr>
-            </a:pPr>
-            <a:r>
-              <a:rPr lang="en-US" sz="2400" b="0" i="0" u="none" strike="noStrike" kern="1200" cap="none" spc="0" baseline="0%" dirty="0">
-                <a:solidFill>
-                  <a:srgbClr val="000000"/>
-                </a:solidFill>
-                <a:uFillTx/>
-                <a:latin typeface="Consolas"/>
-              </a:rPr>
-              <a:t> </a:t>
-            </a:r>
-            <a:r>
-              <a:rPr lang="en-US" sz="2400" b="0" i="1" u="none" strike="noStrike" kern="1200" cap="none" spc="0" baseline="0%" dirty="0">
-                <a:solidFill>
-                  <a:srgbClr val="000000"/>
-                </a:solidFill>
-                <a:uFillTx/>
-                <a:latin typeface="Consolas"/>
-              </a:rPr>
-              <a:t>}</a:t>
-            </a:r>
-            <a:endParaRPr lang="en-US" sz="2400" b="0" i="0" u="none" strike="noStrike" kern="1200" cap="none" spc="0" baseline="0%" dirty="0">
-              <a:solidFill>
-                <a:srgbClr val="000000"/>
-              </a:solidFill>
-              <a:uFillTx/>
-              <a:latin typeface="Calibri"/>
-              <a:cs typeface="Calibri"/>
-            </a:endParaRPr>
-          </a:p>
-        </p:txBody>
-      </p:sp>
-      <p:sp>
-        <p:nvSpPr>
-          <p:cNvPr id="4" name="Title 1">
-            <a:extLst>
-              <a:ext uri="{FF2B5EF4-FFF2-40B4-BE49-F238E27FC236}">
-                <a16:creationId xmlns:a16="http://schemas.microsoft.com/office/drawing/2014/main" id="{43F7DBB7-7BE8-4FE5-BB58-17B4E5D5314C}"/>
-              </a:ext>
-            </a:extLst>
-          </p:cNvPr>
-          <p:cNvSpPr txBox="1"/>
-          <p:nvPr/>
-        </p:nvSpPr>
-        <p:spPr>
-          <a:xfrm>
-            <a:off x="495705" y="5229618"/>
-            <a:ext cx="8596667" cy="757123"/>
-          </a:xfrm>
-          <a:prstGeom prst="rect">
-            <a:avLst/>
-          </a:prstGeom>
-          <a:noFill/>
-          <a:ln cap="flat">
-            <a:noFill/>
-          </a:ln>
-        </p:spPr>
-        <p:txBody>
-          <a:bodyPr vert="horz" wrap="square" lIns="91440" tIns="45720" rIns="91440" bIns="45720" anchor="t" anchorCtr="0" compatLnSpc="1">
-            <a:normAutofit/>
-          </a:bodyPr>
-          <a:lstStyle/>
-          <a:p>
-            <a:pPr marL="0" marR="0" lvl="0" indent="0" algn="l" defTabSz="457200" rtl="0" fontAlgn="auto" hangingPunct="1">
-              <a:lnSpc>
-                <a:spcPct val="100%"/>
-              </a:lnSpc>
-              <a:spcBef>
-                <a:spcPts val="0"/>
-              </a:spcBef>
-              <a:spcAft>
-                <a:spcPts val="0"/>
-              </a:spcAft>
-              <a:buNone/>
-              <a:tabLst/>
-              <a:defRPr sz="1800" b="0" i="0" u="none" strike="noStrike" kern="0" cap="none" spc="0" baseline="0%">
-                <a:solidFill>
-                  <a:srgbClr val="000000"/>
-                </a:solidFill>
-                <a:uFillTx/>
-              </a:defRPr>
-            </a:pPr>
-            <a:r>
-              <a:rPr lang="en-US" sz="3600" b="0" i="0" u="none" strike="noStrike" kern="1200" cap="none" spc="0" baseline="0%" dirty="0">
-                <a:solidFill>
-                  <a:srgbClr val="90C226"/>
-                </a:solidFill>
-                <a:uFillTx/>
-                <a:latin typeface="Trebuchet MS"/>
-              </a:rPr>
-              <a:t>Formally define the Test (in JUnit)</a:t>
-            </a:r>
-          </a:p>
-        </p:txBody>
-      </p:sp>
-      <p:sp>
-        <p:nvSpPr>
-          <p:cNvPr id="5" name="Title 1">
-            <a:extLst>
-              <a:ext uri="{FF2B5EF4-FFF2-40B4-BE49-F238E27FC236}">
-                <a16:creationId xmlns:a16="http://schemas.microsoft.com/office/drawing/2014/main" id="{3844F13F-F9FC-434B-A59C-0EBEF2BE2000}"/>
-              </a:ext>
-            </a:extLst>
-          </p:cNvPr>
-          <p:cNvSpPr txBox="1"/>
-          <p:nvPr/>
-        </p:nvSpPr>
-        <p:spPr>
-          <a:xfrm>
-            <a:off x="433068" y="3893515"/>
-            <a:ext cx="8596667" cy="757123"/>
-          </a:xfrm>
-          <a:prstGeom prst="rect">
-            <a:avLst/>
-          </a:prstGeom>
-          <a:noFill/>
-          <a:ln cap="flat">
-            <a:noFill/>
-          </a:ln>
-        </p:spPr>
-        <p:txBody>
-          <a:bodyPr vert="horz" wrap="square" lIns="91440" tIns="45720" rIns="91440" bIns="45720" anchor="t" anchorCtr="0" compatLnSpc="1">
-            <a:normAutofit/>
-          </a:bodyPr>
-          <a:lstStyle/>
-          <a:p>
-            <a:pPr marL="0" marR="0" lvl="0" indent="0" algn="l" defTabSz="457200" rtl="0" fontAlgn="auto" hangingPunct="1">
-              <a:lnSpc>
-                <a:spcPct val="100%"/>
-              </a:lnSpc>
-              <a:spcBef>
-                <a:spcPts val="0"/>
-              </a:spcBef>
-              <a:spcAft>
-                <a:spcPts val="0"/>
-              </a:spcAft>
-              <a:buNone/>
-              <a:tabLst/>
-              <a:defRPr sz="1800" b="0" i="0" u="none" strike="noStrike" kern="0" cap="none" spc="0" baseline="0%">
-                <a:solidFill>
-                  <a:srgbClr val="000000"/>
-                </a:solidFill>
-                <a:uFillTx/>
-              </a:defRPr>
-            </a:pPr>
-            <a:r>
-              <a:rPr lang="en-US" sz="3600" b="0" i="0" u="none" strike="noStrike" kern="0" cap="none" spc="0" baseline="0%" dirty="0">
-                <a:solidFill>
-                  <a:srgbClr val="90C226"/>
-                </a:solidFill>
-                <a:uFillTx/>
-                <a:latin typeface="Trebuchet MS"/>
-              </a:rPr>
-              <a:t>Create the </a:t>
-            </a:r>
-            <a:r>
-              <a:rPr lang="en-US" sz="3600" b="0" i="0" u="none" strike="noStrike" kern="0" cap="none" spc="0" baseline="0%" dirty="0" err="1">
-                <a:solidFill>
-                  <a:srgbClr val="C00000"/>
-                </a:solidFill>
-                <a:uFillTx/>
-                <a:latin typeface="Trebuchet MS"/>
-              </a:rPr>
-              <a:t>userDocs</a:t>
-            </a:r>
-            <a:r>
-              <a:rPr lang="en-US" sz="3600" b="0" i="0" u="none" strike="noStrike" kern="0" cap="none" spc="0" baseline="0%" dirty="0">
-                <a:solidFill>
-                  <a:srgbClr val="C00000"/>
-                </a:solidFill>
-                <a:uFillTx/>
-                <a:latin typeface="Trebuchet MS"/>
-              </a:rPr>
-              <a:t> </a:t>
-            </a:r>
-            <a:r>
-              <a:rPr lang="en-US" sz="3600" b="0" i="0" u="none" strike="noStrike" kern="0" cap="none" spc="0" baseline="0%" dirty="0">
-                <a:solidFill>
-                  <a:srgbClr val="90C226"/>
-                </a:solidFill>
-                <a:uFillTx/>
-                <a:latin typeface="Trebuchet MS"/>
-              </a:rPr>
-              <a:t>folder</a:t>
-            </a:r>
-            <a:endParaRPr lang="en-US" sz="1800" b="0" i="0" u="none" strike="noStrike" kern="0" cap="none" spc="0" baseline="0%" dirty="0">
-              <a:solidFill>
-                <a:srgbClr val="000000"/>
-              </a:solidFill>
-              <a:uFillTx/>
-              <a:latin typeface="Calibri"/>
-            </a:endParaRPr>
-          </a:p>
-        </p:txBody>
-      </p:sp>
-    </p:spTree>
-  </p:cSld>
-  <p:clrMapOvr>
-    <a:masterClrMapping/>
-  </p:clrMapOvr>
-</p:sld>
-</file>
-
-<file path=ppt/slides/slide9.xml><?xml version="1.0" encoding="utf-8"?>
-<p:sld xmlns:a="http://purl.oclc.org/ooxml/drawingml/main" xmlns:r="http://purl.oclc.org/ooxml/officeDocument/relationships" xmlns:p="http://purl.oclc.org/ooxml/presentationml/main">
-  <p:cSld name="Slide12">
-    <p:spTree>
-      <p:nvGrpSpPr>
-        <p:cNvPr id="1" name=""/>
-        <p:cNvGrpSpPr/>
-        <p:nvPr/>
-      </p:nvGrpSpPr>
-      <p:grpSpPr>
-        <a:xfrm>
-          <a:off x="0" y="0"/>
-          <a:ext cx="0" cy="0"/>
-          <a:chOff x="0" y="0"/>
-          <a:chExt cx="0" cy="0"/>
-        </a:xfrm>
-      </p:grpSpPr>
-      <p:pic>
-        <p:nvPicPr>
-          <p:cNvPr id="8" name="Immagine 7">
-            <a:extLst>
-              <a:ext uri="{FF2B5EF4-FFF2-40B4-BE49-F238E27FC236}">
-                <a16:creationId xmlns:a16="http://schemas.microsoft.com/office/drawing/2014/main" id="{895D5B25-ED16-4609-A4CF-6242F0001FE5}"/>
-              </a:ext>
-            </a:extLst>
-          </p:cNvPr>
-          <p:cNvPicPr>
-            <a:picLocks noChangeAspect="1"/>
-          </p:cNvPicPr>
-          <p:nvPr/>
-        </p:nvPicPr>
-        <p:blipFill>
-          <a:blip r:embed="rId2"/>
-          <a:stretch>
-            <a:fillRect/>
-          </a:stretch>
-        </p:blipFill>
-        <p:spPr>
-          <a:xfrm>
-            <a:off x="0" y="1127575"/>
-            <a:ext cx="8748713" cy="5730425"/>
-          </a:xfrm>
-          <a:prstGeom prst="rect">
-            <a:avLst/>
-          </a:prstGeom>
-        </p:spPr>
-      </p:pic>
-      <p:sp>
-        <p:nvSpPr>
-          <p:cNvPr id="3" name="Title 1">
-            <a:extLst>
-              <a:ext uri="{FF2B5EF4-FFF2-40B4-BE49-F238E27FC236}">
-                <a16:creationId xmlns:a16="http://schemas.microsoft.com/office/drawing/2014/main" id="{B94A931B-4235-4BF7-BB11-471A8D493783}"/>
-              </a:ext>
-            </a:extLst>
-          </p:cNvPr>
-          <p:cNvSpPr txBox="1">
-            <a:spLocks noGrp="1"/>
-          </p:cNvSpPr>
-          <p:nvPr>
-            <p:ph type="title"/>
-          </p:nvPr>
-        </p:nvSpPr>
-        <p:spPr/>
-        <p:txBody>
-          <a:bodyPr/>
-          <a:lstStyle/>
-          <a:p>
-            <a:pPr lvl="0"/>
-            <a:r>
-              <a:rPr lang="en-US"/>
-              <a:t>The project </a:t>
-            </a:r>
-            <a:r>
-              <a:rPr lang="en-US">
-                <a:latin typeface="Calibri"/>
-                <a:cs typeface="Calibri"/>
-              </a:rPr>
-              <a:t>it.unibo.wenvusage</a:t>
-            </a:r>
-            <a:endParaRPr lang="en-US"/>
-          </a:p>
-          <a:p>
-            <a:pPr lvl="0"/>
-            <a:endParaRPr lang="en-US"/>
-          </a:p>
-        </p:txBody>
-      </p:sp>
-      <p:sp>
-        <p:nvSpPr>
-          <p:cNvPr id="4" name="TextBox 3">
-            <a:extLst>
-              <a:ext uri="{FF2B5EF4-FFF2-40B4-BE49-F238E27FC236}">
-                <a16:creationId xmlns:a16="http://schemas.microsoft.com/office/drawing/2014/main" id="{25871E50-9EFB-4707-8C53-593D44587027}"/>
-              </a:ext>
-            </a:extLst>
-          </p:cNvPr>
-          <p:cNvSpPr txBox="1"/>
-          <p:nvPr/>
-        </p:nvSpPr>
-        <p:spPr>
-          <a:xfrm>
-            <a:off x="6227530" y="1269296"/>
-            <a:ext cx="5968645" cy="2677655"/>
-          </a:xfrm>
-          <a:prstGeom prst="rect">
-            <a:avLst/>
-          </a:prstGeom>
-          <a:solidFill>
-            <a:srgbClr val="FFFF00"/>
-          </a:solidFill>
-          <a:ln w="9528" cap="flat">
-            <a:solidFill>
-              <a:srgbClr val="0070C0"/>
-            </a:solidFill>
-            <a:prstDash val="solid"/>
-            <a:miter/>
-          </a:ln>
-        </p:spPr>
-        <p:txBody>
-          <a:bodyPr vert="horz" wrap="square" lIns="91440" tIns="45720" rIns="91440" bIns="45720" anchor="t" anchorCtr="0" compatLnSpc="1">
-            <a:spAutoFit/>
-          </a:bodyPr>
-          <a:lstStyle/>
-          <a:p>
-            <a:pPr marL="0" marR="0" lvl="0" indent="0" algn="l" defTabSz="914400" rtl="0" fontAlgn="auto" hangingPunct="1">
-              <a:lnSpc>
-                <a:spcPct val="100%"/>
-              </a:lnSpc>
-              <a:spcBef>
-                <a:spcPts val="0"/>
-              </a:spcBef>
-              <a:spcAft>
-                <a:spcPts val="0"/>
-              </a:spcAft>
-              <a:buNone/>
-              <a:tabLst/>
-              <a:defRPr sz="1800" b="0" i="0" u="none" strike="noStrike" kern="0" cap="none" spc="0" baseline="0%">
-                <a:solidFill>
-                  <a:srgbClr val="000000"/>
-                </a:solidFill>
-                <a:uFillTx/>
-              </a:defRPr>
-            </a:pPr>
-            <a:r>
-              <a:rPr lang="en-US" sz="2800" b="1" i="0" u="none" strike="noStrike" kern="1200" cap="none" spc="0" baseline="0%" dirty="0" err="1">
-                <a:solidFill>
-                  <a:srgbClr val="000000"/>
-                </a:solidFill>
-                <a:uFillTx/>
-                <a:latin typeface="Consolas"/>
-                <a:cs typeface="Calibri"/>
-              </a:rPr>
-              <a:t>gradlew</a:t>
-            </a:r>
-            <a:r>
-              <a:rPr lang="en-US" sz="2800" b="1" i="0" u="none" strike="noStrike" kern="1200" cap="none" spc="0" baseline="0%" dirty="0">
-                <a:solidFill>
-                  <a:srgbClr val="000000"/>
-                </a:solidFill>
-                <a:uFillTx/>
-                <a:latin typeface="Consolas"/>
-                <a:cs typeface="Calibri"/>
-              </a:rPr>
-              <a:t> build</a:t>
-            </a:r>
-            <a:r>
-              <a:rPr lang="en-US" sz="2800" b="1" i="0" u="none" strike="noStrike" kern="0" cap="none" spc="0" baseline="0%" dirty="0">
-                <a:solidFill>
-                  <a:srgbClr val="000000"/>
-                </a:solidFill>
-                <a:uFillTx/>
-                <a:latin typeface="Consolas"/>
-                <a:cs typeface="Calibri"/>
-              </a:rPr>
-              <a:t> -x test</a:t>
-            </a:r>
-          </a:p>
-          <a:p>
-            <a:pPr marL="0" marR="0" lvl="0" indent="0" algn="l" defTabSz="914400" rtl="0" fontAlgn="auto" hangingPunct="1">
-              <a:lnSpc>
-                <a:spcPct val="100%"/>
-              </a:lnSpc>
-              <a:spcBef>
-                <a:spcPts val="0"/>
-              </a:spcBef>
-              <a:spcAft>
-                <a:spcPts val="0"/>
-              </a:spcAft>
-              <a:buNone/>
-              <a:tabLst/>
-              <a:defRPr sz="1800" b="0" i="0" u="none" strike="noStrike" kern="0" cap="none" spc="0" baseline="0%">
-                <a:solidFill>
-                  <a:srgbClr val="000000"/>
-                </a:solidFill>
-                <a:uFillTx/>
-              </a:defRPr>
-            </a:pPr>
-            <a:endParaRPr lang="en-US" sz="2800" b="1" i="0" u="none" strike="noStrike" kern="0" cap="none" spc="0" baseline="0%" dirty="0">
-              <a:solidFill>
-                <a:srgbClr val="000000"/>
-              </a:solidFill>
-              <a:uFillTx/>
-              <a:latin typeface="Consolas"/>
-              <a:cs typeface="Calibri"/>
-            </a:endParaRPr>
-          </a:p>
-          <a:p>
-            <a:pPr marL="0" marR="0" lvl="0" indent="0" algn="l" defTabSz="914400" rtl="0" fontAlgn="auto" hangingPunct="1">
-              <a:lnSpc>
-                <a:spcPct val="100%"/>
-              </a:lnSpc>
-              <a:spcBef>
-                <a:spcPts val="0"/>
-              </a:spcBef>
-              <a:spcAft>
-                <a:spcPts val="0"/>
-              </a:spcAft>
-              <a:buNone/>
-              <a:tabLst/>
-              <a:defRPr sz="1800" b="0" i="0" u="none" strike="noStrike" kern="0" cap="none" spc="0" baseline="0%">
-                <a:solidFill>
-                  <a:srgbClr val="000000"/>
-                </a:solidFill>
-                <a:uFillTx/>
-              </a:defRPr>
-            </a:pPr>
-            <a:r>
-              <a:rPr lang="en-US" sz="2800" b="1" i="0" u="none" strike="noStrike" kern="0" cap="none" spc="0" baseline="0%" dirty="0" err="1">
-                <a:solidFill>
-                  <a:srgbClr val="000000"/>
-                </a:solidFill>
-                <a:uFillTx/>
-                <a:latin typeface="Consolas"/>
-                <a:cs typeface="Calibri"/>
-              </a:rPr>
-              <a:t>gradlew</a:t>
-            </a:r>
-            <a:r>
-              <a:rPr lang="en-US" sz="2800" b="1" i="0" u="none" strike="noStrike" kern="0" cap="none" spc="0" baseline="0%" dirty="0">
-                <a:solidFill>
-                  <a:srgbClr val="000000"/>
-                </a:solidFill>
-                <a:uFillTx/>
-                <a:latin typeface="Consolas"/>
-                <a:cs typeface="Calibri"/>
-              </a:rPr>
-              <a:t> test </a:t>
-            </a:r>
-            <a:r>
-              <a:rPr lang="en-US" sz="2800" b="0" i="1" u="none" strike="noStrike" kern="0" cap="none" spc="0" baseline="0%" dirty="0" err="1">
-                <a:solidFill>
-                  <a:srgbClr val="000000"/>
-                </a:solidFill>
-                <a:uFillTx/>
-                <a:latin typeface="Consolas"/>
-                <a:cs typeface="Calibri"/>
-              </a:rPr>
-              <a:t>jacocoTestReport</a:t>
-            </a:r>
-            <a:endParaRPr lang="en-US" sz="2800" b="1" i="0" u="none" strike="noStrike" kern="0" cap="none" spc="0" baseline="0%" dirty="0">
-              <a:solidFill>
-                <a:srgbClr val="000000"/>
-              </a:solidFill>
-              <a:uFillTx/>
-              <a:latin typeface="Consolas"/>
-              <a:cs typeface="Calibri"/>
-            </a:endParaRPr>
-          </a:p>
-          <a:p>
-            <a:pPr marL="0" marR="0" lvl="0" indent="0" algn="l" defTabSz="914400" rtl="0" fontAlgn="auto" hangingPunct="1">
-              <a:lnSpc>
-                <a:spcPct val="100%"/>
-              </a:lnSpc>
-              <a:spcBef>
-                <a:spcPts val="0"/>
-              </a:spcBef>
-              <a:spcAft>
-                <a:spcPts val="0"/>
-              </a:spcAft>
-              <a:buNone/>
-              <a:tabLst/>
-              <a:defRPr sz="1800" b="0" i="0" u="none" strike="noStrike" kern="0" cap="none" spc="0" baseline="0%">
-                <a:solidFill>
-                  <a:srgbClr val="000000"/>
-                </a:solidFill>
-                <a:uFillTx/>
-              </a:defRPr>
-            </a:pPr>
-            <a:endParaRPr lang="en-US" sz="2800" b="1" i="0" u="none" strike="noStrike" kern="0" cap="none" spc="0" baseline="0%" dirty="0">
-              <a:solidFill>
-                <a:srgbClr val="000000"/>
-              </a:solidFill>
-              <a:uFillTx/>
-              <a:latin typeface="Consolas"/>
-              <a:cs typeface="Calibri"/>
-            </a:endParaRPr>
-          </a:p>
-          <a:p>
-            <a:pPr marL="0" marR="0" lvl="0" indent="0" algn="l" defTabSz="914400" rtl="0" fontAlgn="auto" hangingPunct="1">
-              <a:lnSpc>
-                <a:spcPct val="100%"/>
-              </a:lnSpc>
-              <a:spcBef>
-                <a:spcPts val="0"/>
-              </a:spcBef>
-              <a:spcAft>
-                <a:spcPts val="0"/>
-              </a:spcAft>
-              <a:buNone/>
-              <a:tabLst/>
-              <a:defRPr sz="1800" b="0" i="0" u="none" strike="noStrike" kern="0" cap="none" spc="0" baseline="0%">
-                <a:solidFill>
-                  <a:srgbClr val="000000"/>
-                </a:solidFill>
-                <a:uFillTx/>
-              </a:defRPr>
-            </a:pPr>
-            <a:r>
-              <a:rPr lang="en-US" sz="2800" b="1" i="0" u="none" strike="noStrike" kern="0" cap="none" spc="0" baseline="0%" dirty="0" err="1">
-                <a:solidFill>
-                  <a:srgbClr val="000000"/>
-                </a:solidFill>
-                <a:uFillTx/>
-                <a:latin typeface="Consolas"/>
-                <a:cs typeface="Calibri"/>
-              </a:rPr>
-              <a:t>gradlew</a:t>
-            </a:r>
-            <a:r>
-              <a:rPr lang="en-US" sz="2800" b="1" i="0" u="none" strike="noStrike" kern="0" cap="none" spc="0" baseline="0%" dirty="0">
-                <a:solidFill>
-                  <a:srgbClr val="000000"/>
-                </a:solidFill>
-                <a:uFillTx/>
-                <a:latin typeface="Consolas"/>
-                <a:cs typeface="Calibri"/>
-              </a:rPr>
-              <a:t> run</a:t>
-            </a:r>
-          </a:p>
-          <a:p>
-            <a:pPr marL="0" marR="0" lvl="0" indent="0" algn="l" defTabSz="914400" rtl="0" fontAlgn="auto" hangingPunct="1">
-              <a:lnSpc>
-                <a:spcPct val="100%"/>
-              </a:lnSpc>
-              <a:spcBef>
-                <a:spcPts val="0"/>
-              </a:spcBef>
-              <a:spcAft>
-                <a:spcPts val="0"/>
-              </a:spcAft>
-              <a:buNone/>
-              <a:tabLst/>
-              <a:defRPr sz="1800" b="0" i="0" u="none" strike="noStrike" kern="0" cap="none" spc="0" baseline="0%">
-                <a:solidFill>
-                  <a:srgbClr val="000000"/>
-                </a:solidFill>
-                <a:uFillTx/>
-              </a:defRPr>
-            </a:pPr>
-            <a:endParaRPr lang="en-US" sz="2800" b="1" i="0" u="none" strike="noStrike" kern="0" cap="none" spc="0" baseline="0%" dirty="0">
-              <a:solidFill>
-                <a:srgbClr val="000000"/>
-              </a:solidFill>
-              <a:uFillTx/>
-              <a:latin typeface="Consolas"/>
-              <a:cs typeface="Calibri"/>
-            </a:endParaRPr>
-          </a:p>
-        </p:txBody>
-      </p:sp>
-      <p:pic>
-        <p:nvPicPr>
-          <p:cNvPr id="5" name="Picture 5" descr="Graphical user interface, application&#10;&#10;Description automatically generated">
-            <a:extLst>
-              <a:ext uri="{FF2B5EF4-FFF2-40B4-BE49-F238E27FC236}">
-                <a16:creationId xmlns:a16="http://schemas.microsoft.com/office/drawing/2014/main" id="{AC94F46E-1EDD-49CD-9704-D719CA71AAFA}"/>
-              </a:ext>
-            </a:extLst>
-          </p:cNvPr>
-          <p:cNvPicPr>
-            <a:picLocks noChangeAspect="1"/>
-          </p:cNvPicPr>
-          <p:nvPr/>
-        </p:nvPicPr>
-        <p:blipFill>
-          <a:blip r:embed="rId3"/>
-          <a:stretch>
-            <a:fillRect/>
-          </a:stretch>
-        </p:blipFill>
-        <p:spPr>
-          <a:xfrm>
-            <a:off x="9452975" y="3430581"/>
-            <a:ext cx="2743200" cy="2021875"/>
-          </a:xfrm>
-          <a:prstGeom prst="rect">
-            <a:avLst/>
-          </a:prstGeom>
-          <a:noFill/>
-          <a:ln cap="flat">
-            <a:noFill/>
-          </a:ln>
-        </p:spPr>
-      </p:pic>
     </p:spTree>
   </p:cSld>
   <p:clrMapOvr>

--- a/it.unibo.issLabStart/userDocs/BoundaryProblem.pptx
+++ b/it.unibo.issLabStart/userDocs/BoundaryProblem.pptx
@@ -5,7 +5,7 @@
     <p:sldMasterId id="2147483648" r:id="rId1"/>
   </p:sldMasterIdLst>
   <p:notesMasterIdLst>
-    <p:notesMasterId r:id="rId15"/>
+    <p:notesMasterId r:id="rId16"/>
   </p:notesMasterIdLst>
   <p:sldIdLst>
     <p:sldId id="359" r:id="rId2"/>
@@ -15,12 +15,13 @@
     <p:sldId id="361" r:id="rId6"/>
     <p:sldId id="364" r:id="rId7"/>
     <p:sldId id="365" r:id="rId8"/>
-    <p:sldId id="362" r:id="rId9"/>
-    <p:sldId id="363" r:id="rId10"/>
-    <p:sldId id="262" r:id="rId11"/>
-    <p:sldId id="263" r:id="rId12"/>
-    <p:sldId id="265" r:id="rId13"/>
-    <p:sldId id="267" r:id="rId14"/>
+    <p:sldId id="366" r:id="rId9"/>
+    <p:sldId id="362" r:id="rId10"/>
+    <p:sldId id="363" r:id="rId11"/>
+    <p:sldId id="262" r:id="rId12"/>
+    <p:sldId id="263" r:id="rId13"/>
+    <p:sldId id="265" r:id="rId14"/>
+    <p:sldId id="267" r:id="rId15"/>
   </p:sldIdLst>
   <p:sldSz cx="12192000" cy="6858000"/>
   <p:notesSz cx="6858000" cy="9144000"/>
@@ -551,6 +552,90 @@
     <p:extLst>
       <p:ext uri="{BB962C8B-B14F-4D97-AF65-F5344CB8AC3E}">
         <p14:creationId xmlns:p14="http://schemas.microsoft.com/office/powerpoint/2010/main" val="812922200"/>
+      </p:ext>
+    </p:extLst>
+  </p:cSld>
+  <p:clrMapOvr>
+    <a:masterClrMapping/>
+  </p:clrMapOvr>
+</p:notes>
+</file>
+
+<file path=ppt/notesSlides/notesSlide2.xml><?xml version="1.0" encoding="utf-8"?>
+<p:notes xmlns:a="http://purl.oclc.org/ooxml/drawingml/main" xmlns:r="http://purl.oclc.org/ooxml/officeDocument/relationships" xmlns:p="http://purl.oclc.org/ooxml/presentationml/main">
+  <p:cSld>
+    <p:spTree>
+      <p:nvGrpSpPr>
+        <p:cNvPr id="1" name=""/>
+        <p:cNvGrpSpPr/>
+        <p:nvPr/>
+      </p:nvGrpSpPr>
+      <p:grpSpPr>
+        <a:xfrm>
+          <a:off x="0" y="0"/>
+          <a:ext cx="0" cy="0"/>
+          <a:chOff x="0" y="0"/>
+          <a:chExt cx="0" cy="0"/>
+        </a:xfrm>
+      </p:grpSpPr>
+      <p:sp>
+        <p:nvSpPr>
+          <p:cNvPr id="2" name="Slide Image Placeholder 1"/>
+          <p:cNvSpPr>
+            <a:spLocks noGrp="1" noRot="1" noChangeAspect="1"/>
+          </p:cNvSpPr>
+          <p:nvPr>
+            <p:ph type="sldImg"/>
+          </p:nvPr>
+        </p:nvSpPr>
+        <p:spPr/>
+      </p:sp>
+      <p:sp>
+        <p:nvSpPr>
+          <p:cNvPr id="3" name="Notes Placeholder 2"/>
+          <p:cNvSpPr>
+            <a:spLocks noGrp="1"/>
+          </p:cNvSpPr>
+          <p:nvPr>
+            <p:ph type="body" idx="1"/>
+          </p:nvPr>
+        </p:nvSpPr>
+        <p:spPr/>
+        <p:txBody>
+          <a:bodyPr/>
+          <a:lstStyle/>
+          <a:p>
+            <a:endParaRPr lang="en-US" dirty="0"/>
+          </a:p>
+        </p:txBody>
+      </p:sp>
+      <p:sp>
+        <p:nvSpPr>
+          <p:cNvPr id="4" name="Slide Number Placeholder 3"/>
+          <p:cNvSpPr>
+            <a:spLocks noGrp="1"/>
+          </p:cNvSpPr>
+          <p:nvPr>
+            <p:ph type="sldNum" sz="quarter" idx="5"/>
+          </p:nvPr>
+        </p:nvSpPr>
+        <p:spPr/>
+        <p:txBody>
+          <a:bodyPr/>
+          <a:lstStyle/>
+          <a:p>
+            <a:fld id="{28CFC100-3D62-4C71-9355-D1406CF01766}" type="slidenum">
+              <a:rPr lang="en-US" smtClean="0"/>
+              <a:t>8</a:t>
+            </a:fld>
+            <a:endParaRPr lang="en-US"/>
+          </a:p>
+        </p:txBody>
+      </p:sp>
+    </p:spTree>
+    <p:extLst>
+      <p:ext uri="{BB962C8B-B14F-4D97-AF65-F5344CB8AC3E}">
+        <p14:creationId xmlns:p14="http://schemas.microsoft.com/office/powerpoint/2010/main" val="1373432869"/>
       </p:ext>
     </p:extLst>
   </p:cSld>
@@ -8377,6 +8462,301 @@
 
 <file path=ppt/slides/slide10.xml><?xml version="1.0" encoding="utf-8"?>
 <p:sld xmlns:a="http://purl.oclc.org/ooxml/drawingml/main" xmlns:r="http://purl.oclc.org/ooxml/officeDocument/relationships" xmlns:p="http://purl.oclc.org/ooxml/presentationml/main">
+  <p:cSld>
+    <p:spTree>
+      <p:nvGrpSpPr>
+        <p:cNvPr id="1" name=""/>
+        <p:cNvGrpSpPr/>
+        <p:nvPr/>
+      </p:nvGrpSpPr>
+      <p:grpSpPr>
+        <a:xfrm>
+          <a:off x="0" y="0"/>
+          <a:ext cx="0" cy="0"/>
+          <a:chOff x="0" y="0"/>
+          <a:chExt cx="0" cy="0"/>
+        </a:xfrm>
+      </p:grpSpPr>
+      <p:pic>
+        <p:nvPicPr>
+          <p:cNvPr id="5" name="Picture 4">
+            <a:extLst>
+              <a:ext uri="{FF2B5EF4-FFF2-40B4-BE49-F238E27FC236}">
+                <a16:creationId xmlns:a16="http://schemas.microsoft.com/office/drawing/2014/main" id="{AFB81088-0FD8-4C1A-A073-21ECCB654BAC}"/>
+              </a:ext>
+            </a:extLst>
+          </p:cNvPr>
+          <p:cNvPicPr>
+            <a:picLocks noChangeAspect="1"/>
+          </p:cNvPicPr>
+          <p:nvPr/>
+        </p:nvPicPr>
+        <p:blipFill>
+          <a:blip r:embed="rId2"/>
+          <a:stretch>
+            <a:fillRect/>
+          </a:stretch>
+        </p:blipFill>
+        <p:spPr>
+          <a:xfrm>
+            <a:off x="718033" y="55808"/>
+            <a:ext cx="7334297" cy="4890900"/>
+          </a:xfrm>
+          <a:prstGeom prst="rect">
+            <a:avLst/>
+          </a:prstGeom>
+        </p:spPr>
+      </p:pic>
+      <p:sp>
+        <p:nvSpPr>
+          <p:cNvPr id="6" name="TextBox 5">
+            <a:extLst>
+              <a:ext uri="{FF2B5EF4-FFF2-40B4-BE49-F238E27FC236}">
+                <a16:creationId xmlns:a16="http://schemas.microsoft.com/office/drawing/2014/main" id="{C36357A5-CC17-4235-8378-988782E4CF6F}"/>
+              </a:ext>
+            </a:extLst>
+          </p:cNvPr>
+          <p:cNvSpPr txBox="1"/>
+          <p:nvPr/>
+        </p:nvSpPr>
+        <p:spPr>
+          <a:xfrm>
+            <a:off x="6728773" y="155959"/>
+            <a:ext cx="2036538" cy="923330"/>
+          </a:xfrm>
+          <a:prstGeom prst="rect">
+            <a:avLst/>
+          </a:prstGeom>
+        </p:spPr>
+        <p:style>
+          <a:lnRef idx="3">
+            <a:schemeClr val="lt1"/>
+          </a:lnRef>
+          <a:fillRef idx="1">
+            <a:schemeClr val="accent5"/>
+          </a:fillRef>
+          <a:effectRef idx="1">
+            <a:schemeClr val="accent5"/>
+          </a:effectRef>
+          <a:fontRef idx="minor">
+            <a:schemeClr val="lt1"/>
+          </a:fontRef>
+        </p:style>
+        <p:txBody>
+          <a:bodyPr wrap="square" rtlCol="0">
+            <a:spAutoFit/>
+          </a:bodyPr>
+          <a:lstStyle/>
+          <a:p>
+            <a:r>
+              <a:rPr lang="en-US" dirty="0"/>
+              <a:t>Console updated </a:t>
+            </a:r>
+          </a:p>
+          <a:p>
+            <a:r>
+              <a:rPr lang="en-US" dirty="0"/>
+              <a:t>by scripts loaded in</a:t>
+            </a:r>
+          </a:p>
+          <a:p>
+            <a:r>
+              <a:rPr lang="en-US" dirty="0"/>
+              <a:t>the HTML file</a:t>
+            </a:r>
+          </a:p>
+        </p:txBody>
+      </p:sp>
+      <p:cxnSp>
+        <p:nvCxnSpPr>
+          <p:cNvPr id="8" name="Connector: Elbow 7">
+            <a:extLst>
+              <a:ext uri="{FF2B5EF4-FFF2-40B4-BE49-F238E27FC236}">
+                <a16:creationId xmlns:a16="http://schemas.microsoft.com/office/drawing/2014/main" id="{3D11A2D7-9F4E-4D63-B323-940A510164E2}"/>
+              </a:ext>
+            </a:extLst>
+          </p:cNvPr>
+          <p:cNvCxnSpPr>
+            <a:cxnSpLocks/>
+            <a:stCxn id="6" idx="1"/>
+          </p:cNvCxnSpPr>
+          <p:nvPr/>
+        </p:nvCxnSpPr>
+        <p:spPr>
+          <a:xfrm rot="10800000" flipV="1">
+            <a:off x="5544925" y="617624"/>
+            <a:ext cx="1183848" cy="1214288"/>
+          </a:xfrm>
+          <a:prstGeom prst="bentConnector2">
+            <a:avLst/>
+          </a:prstGeom>
+          <a:ln w="38100">
+            <a:tailEnd type="triangle"/>
+          </a:ln>
+        </p:spPr>
+        <p:style>
+          <a:lnRef idx="1">
+            <a:schemeClr val="accent1"/>
+          </a:lnRef>
+          <a:fillRef idx="0">
+            <a:schemeClr val="accent1"/>
+          </a:fillRef>
+          <a:effectRef idx="0">
+            <a:schemeClr val="accent1"/>
+          </a:effectRef>
+          <a:fontRef idx="minor">
+            <a:schemeClr val="tx1"/>
+          </a:fontRef>
+        </p:style>
+      </p:cxnSp>
+      <p:pic>
+        <p:nvPicPr>
+          <p:cNvPr id="14" name="Picture 13">
+            <a:extLst>
+              <a:ext uri="{FF2B5EF4-FFF2-40B4-BE49-F238E27FC236}">
+                <a16:creationId xmlns:a16="http://schemas.microsoft.com/office/drawing/2014/main" id="{48BED648-CEEF-40FA-870E-F6B366786F13}"/>
+              </a:ext>
+            </a:extLst>
+          </p:cNvPr>
+          <p:cNvPicPr>
+            <a:picLocks noChangeAspect="1"/>
+          </p:cNvPicPr>
+          <p:nvPr/>
+        </p:nvPicPr>
+        <p:blipFill>
+          <a:blip r:embed="rId3"/>
+          <a:stretch>
+            <a:fillRect/>
+          </a:stretch>
+        </p:blipFill>
+        <p:spPr>
+          <a:xfrm>
+            <a:off x="720028" y="5030273"/>
+            <a:ext cx="8416608" cy="1322610"/>
+          </a:xfrm>
+          <a:prstGeom prst="rect">
+            <a:avLst/>
+          </a:prstGeom>
+        </p:spPr>
+      </p:pic>
+      <p:sp>
+        <p:nvSpPr>
+          <p:cNvPr id="17" name="TextBox 16">
+            <a:extLst>
+              <a:ext uri="{FF2B5EF4-FFF2-40B4-BE49-F238E27FC236}">
+                <a16:creationId xmlns:a16="http://schemas.microsoft.com/office/drawing/2014/main" id="{5F6502D7-940A-48F7-A00E-FA8C63C2F084}"/>
+              </a:ext>
+            </a:extLst>
+          </p:cNvPr>
+          <p:cNvSpPr txBox="1"/>
+          <p:nvPr/>
+        </p:nvSpPr>
+        <p:spPr>
+          <a:xfrm>
+            <a:off x="7747042" y="4216813"/>
+            <a:ext cx="2036538" cy="646331"/>
+          </a:xfrm>
+          <a:prstGeom prst="rect">
+            <a:avLst/>
+          </a:prstGeom>
+        </p:spPr>
+        <p:style>
+          <a:lnRef idx="3">
+            <a:schemeClr val="lt1"/>
+          </a:lnRef>
+          <a:fillRef idx="1">
+            <a:schemeClr val="accent5"/>
+          </a:fillRef>
+          <a:effectRef idx="1">
+            <a:schemeClr val="accent5"/>
+          </a:effectRef>
+          <a:fontRef idx="minor">
+            <a:schemeClr val="lt1"/>
+          </a:fontRef>
+        </p:style>
+        <p:txBody>
+          <a:bodyPr wrap="square" rtlCol="0">
+            <a:spAutoFit/>
+          </a:bodyPr>
+          <a:lstStyle/>
+          <a:p>
+            <a:r>
+              <a:rPr lang="en-US" dirty="0"/>
+              <a:t>Console updated </a:t>
+            </a:r>
+          </a:p>
+          <a:p>
+            <a:r>
+              <a:rPr lang="en-US" dirty="0"/>
+              <a:t>by </a:t>
+            </a:r>
+            <a:r>
+              <a:rPr lang="en-US" dirty="0" err="1"/>
+              <a:t>WebpageServer</a:t>
+            </a:r>
+            <a:endParaRPr lang="en-US" dirty="0"/>
+          </a:p>
+        </p:txBody>
+      </p:sp>
+      <p:cxnSp>
+        <p:nvCxnSpPr>
+          <p:cNvPr id="18" name="Connector: Elbow 17">
+            <a:extLst>
+              <a:ext uri="{FF2B5EF4-FFF2-40B4-BE49-F238E27FC236}">
+                <a16:creationId xmlns:a16="http://schemas.microsoft.com/office/drawing/2014/main" id="{0D85D913-17E4-435F-AD46-D093FA5BB6A0}"/>
+              </a:ext>
+            </a:extLst>
+          </p:cNvPr>
+          <p:cNvCxnSpPr>
+            <a:cxnSpLocks/>
+            <a:stCxn id="17" idx="2"/>
+          </p:cNvCxnSpPr>
+          <p:nvPr/>
+        </p:nvCxnSpPr>
+        <p:spPr>
+          <a:xfrm rot="5400000">
+            <a:off x="8305748" y="5319147"/>
+            <a:ext cx="915567" cy="3560"/>
+          </a:xfrm>
+          <a:prstGeom prst="bentConnector3">
+            <a:avLst>
+              <a:gd name="adj1" fmla="val 50000"/>
+            </a:avLst>
+          </a:prstGeom>
+          <a:ln w="38100">
+            <a:tailEnd type="triangle"/>
+          </a:ln>
+        </p:spPr>
+        <p:style>
+          <a:lnRef idx="1">
+            <a:schemeClr val="accent1"/>
+          </a:lnRef>
+          <a:fillRef idx="0">
+            <a:schemeClr val="accent1"/>
+          </a:fillRef>
+          <a:effectRef idx="0">
+            <a:schemeClr val="accent1"/>
+          </a:effectRef>
+          <a:fontRef idx="minor">
+            <a:schemeClr val="tx1"/>
+          </a:fontRef>
+        </p:style>
+      </p:cxnSp>
+    </p:spTree>
+    <p:extLst>
+      <p:ext uri="{BB962C8B-B14F-4D97-AF65-F5344CB8AC3E}">
+        <p14:creationId xmlns:p14="http://schemas.microsoft.com/office/powerpoint/2010/main" val="2403224497"/>
+      </p:ext>
+    </p:extLst>
+  </p:cSld>
+  <p:clrMapOvr>
+    <a:masterClrMapping/>
+  </p:clrMapOvr>
+</p:sld>
+</file>
+
+<file path=ppt/slides/slide11.xml><?xml version="1.0" encoding="utf-8"?>
+<p:sld xmlns:a="http://purl.oclc.org/ooxml/drawingml/main" xmlns:r="http://purl.oclc.org/ooxml/officeDocument/relationships" xmlns:p="http://purl.oclc.org/ooxml/presentationml/main">
   <p:cSld name="Slide7">
     <p:spTree>
       <p:nvGrpSpPr>
@@ -8661,7 +9041,7 @@
 </p:sld>
 </file>
 
-<file path=ppt/slides/slide11.xml><?xml version="1.0" encoding="utf-8"?>
+<file path=ppt/slides/slide12.xml><?xml version="1.0" encoding="utf-8"?>
 <p:sld xmlns:a="http://purl.oclc.org/ooxml/drawingml/main" xmlns:r="http://purl.oclc.org/ooxml/officeDocument/relationships" xmlns:p="http://purl.oclc.org/ooxml/presentationml/main">
   <p:cSld name="Slide8">
     <p:spTree>
@@ -9124,7 +9504,7 @@
 </p:sld>
 </file>
 
-<file path=ppt/slides/slide12.xml><?xml version="1.0" encoding="utf-8"?>
+<file path=ppt/slides/slide13.xml><?xml version="1.0" encoding="utf-8"?>
 <p:sld xmlns:a="http://purl.oclc.org/ooxml/drawingml/main" xmlns:r="http://purl.oclc.org/ooxml/officeDocument/relationships" xmlns:p="http://purl.oclc.org/ooxml/presentationml/main">
   <p:cSld name="Slide10">
     <p:spTree>
@@ -9643,7 +10023,7 @@
 </p:sld>
 </file>
 
-<file path=ppt/slides/slide13.xml><?xml version="1.0" encoding="utf-8"?>
+<file path=ppt/slides/slide14.xml><?xml version="1.0" encoding="utf-8"?>
 <p:sld xmlns:a="http://purl.oclc.org/ooxml/drawingml/main" xmlns:r="http://purl.oclc.org/ooxml/officeDocument/relationships" xmlns:p="http://purl.oclc.org/ooxml/presentationml/main">
   <p:cSld name="Slide12">
     <p:spTree>
@@ -29866,7 +30246,7 @@
         </p:nvSpPr>
         <p:spPr>
           <a:xfrm>
-            <a:off x="93856" y="557755"/>
+            <a:off x="64300" y="530190"/>
             <a:ext cx="6362693" cy="3713272"/>
           </a:xfrm>
           <a:prstGeom prst="ellipse">
@@ -31417,14 +31797,98 @@
         </p:blipFill>
         <p:spPr>
           <a:xfrm>
-            <a:off x="6444959" y="3707274"/>
-            <a:ext cx="3295650" cy="3171825"/>
+            <a:off x="9893507" y="4760346"/>
+            <a:ext cx="2306461" cy="2219802"/>
           </a:xfrm>
           <a:prstGeom prst="rect">
             <a:avLst/>
           </a:prstGeom>
         </p:spPr>
       </p:pic>
+      <p:sp>
+        <p:nvSpPr>
+          <p:cNvPr id="64" name="TextBox 63">
+            <a:extLst>
+              <a:ext uri="{FF2B5EF4-FFF2-40B4-BE49-F238E27FC236}">
+                <a16:creationId xmlns:a16="http://schemas.microsoft.com/office/drawing/2014/main" id="{603536E7-A380-495D-B27E-6648D3874648}"/>
+              </a:ext>
+            </a:extLst>
+          </p:cNvPr>
+          <p:cNvSpPr txBox="1"/>
+          <p:nvPr/>
+        </p:nvSpPr>
+        <p:spPr>
+          <a:xfrm>
+            <a:off x="3951410" y="1366138"/>
+            <a:ext cx="714106" cy="307777"/>
+          </a:xfrm>
+          <a:prstGeom prst="rect">
+            <a:avLst/>
+          </a:prstGeom>
+          <a:noFill/>
+        </p:spPr>
+        <p:txBody>
+          <a:bodyPr wrap="none" rtlCol="0">
+            <a:spAutoFit/>
+          </a:bodyPr>
+          <a:lstStyle/>
+          <a:p>
+            <a:r>
+              <a:rPr lang="en-US" sz="1400" dirty="0"/>
+              <a:t>creates</a:t>
+            </a:r>
+          </a:p>
+        </p:txBody>
+      </p:sp>
+      <p:sp>
+        <p:nvSpPr>
+          <p:cNvPr id="66" name="Diamond 65">
+            <a:extLst>
+              <a:ext uri="{FF2B5EF4-FFF2-40B4-BE49-F238E27FC236}">
+                <a16:creationId xmlns:a16="http://schemas.microsoft.com/office/drawing/2014/main" id="{1D75B8B8-09E6-415C-95C9-96F89E46EE89}"/>
+              </a:ext>
+            </a:extLst>
+          </p:cNvPr>
+          <p:cNvSpPr/>
+          <p:nvPr/>
+        </p:nvSpPr>
+        <p:spPr>
+          <a:xfrm flipV="1">
+            <a:off x="1221560" y="2430898"/>
+            <a:ext cx="328135" cy="160650"/>
+          </a:xfrm>
+          <a:prstGeom prst="diamond">
+            <a:avLst/>
+          </a:prstGeom>
+          <a:solidFill>
+            <a:schemeClr val="tx1"/>
+          </a:solidFill>
+        </p:spPr>
+        <p:style>
+          <a:lnRef idx="2">
+            <a:schemeClr val="accent1">
+              <a:shade val="50%"/>
+            </a:schemeClr>
+          </a:lnRef>
+          <a:fillRef idx="1">
+            <a:schemeClr val="accent1"/>
+          </a:fillRef>
+          <a:effectRef idx="0">
+            <a:schemeClr val="accent1"/>
+          </a:effectRef>
+          <a:fontRef idx="minor">
+            <a:schemeClr val="lt1"/>
+          </a:fontRef>
+        </p:style>
+        <p:txBody>
+          <a:bodyPr rtlCol="0" anchor="ctr"/>
+          <a:lstStyle/>
+          <a:p>
+            <a:pPr algn="ctr"/>
+            <a:endParaRPr lang="en-US"/>
+          </a:p>
+        </p:txBody>
+      </p:sp>
     </p:spTree>
     <p:extLst>
       <p:ext uri="{BB962C8B-B14F-4D97-AF65-F5344CB8AC3E}">
@@ -31439,6 +31903,1709 @@
 </file>
 
 <file path=ppt/slides/slide8.xml><?xml version="1.0" encoding="utf-8"?>
+<p:sld xmlns:a="http://purl.oclc.org/ooxml/drawingml/main" xmlns:r="http://purl.oclc.org/ooxml/officeDocument/relationships" xmlns:p="http://purl.oclc.org/ooxml/presentationml/main">
+  <p:cSld>
+    <p:spTree>
+      <p:nvGrpSpPr>
+        <p:cNvPr id="1" name=""/>
+        <p:cNvGrpSpPr/>
+        <p:nvPr/>
+      </p:nvGrpSpPr>
+      <p:grpSpPr>
+        <a:xfrm>
+          <a:off x="0" y="0"/>
+          <a:ext cx="0" cy="0"/>
+          <a:chOff x="0" y="0"/>
+          <a:chExt cx="0" cy="0"/>
+        </a:xfrm>
+      </p:grpSpPr>
+      <p:grpSp>
+        <p:nvGrpSpPr>
+          <p:cNvPr id="53" name="Gruppo 6">
+            <a:extLst>
+              <a:ext uri="{FF2B5EF4-FFF2-40B4-BE49-F238E27FC236}">
+                <a16:creationId xmlns:a16="http://schemas.microsoft.com/office/drawing/2014/main" id="{6C718E58-C99D-4D55-83BD-2E86DA8E85CA}"/>
+              </a:ext>
+            </a:extLst>
+          </p:cNvPr>
+          <p:cNvGrpSpPr/>
+          <p:nvPr/>
+        </p:nvGrpSpPr>
+        <p:grpSpPr>
+          <a:xfrm>
+            <a:off x="9049944" y="1320711"/>
+            <a:ext cx="1248110" cy="1213095"/>
+            <a:chOff x="565700" y="4940367"/>
+            <a:chExt cx="805955" cy="772447"/>
+          </a:xfrm>
+        </p:grpSpPr>
+        <p:sp>
+          <p:nvSpPr>
+            <p:cNvPr id="54" name="Ovale 31">
+              <a:extLst>
+                <a:ext uri="{FF2B5EF4-FFF2-40B4-BE49-F238E27FC236}">
+                  <a16:creationId xmlns:a16="http://schemas.microsoft.com/office/drawing/2014/main" id="{FDB9863F-4511-4694-B9C7-5DDDCA41E2DA}"/>
+                </a:ext>
+              </a:extLst>
+            </p:cNvPr>
+            <p:cNvSpPr/>
+            <p:nvPr/>
+          </p:nvSpPr>
+          <p:spPr>
+            <a:xfrm>
+              <a:off x="565700" y="4983583"/>
+              <a:ext cx="805955" cy="729231"/>
+            </a:xfrm>
+            <a:prstGeom prst="ellipse">
+              <a:avLst/>
+            </a:prstGeom>
+            <a:ln/>
+          </p:spPr>
+          <p:style>
+            <a:lnRef idx="1">
+              <a:schemeClr val="accent4"/>
+            </a:lnRef>
+            <a:fillRef idx="2">
+              <a:schemeClr val="accent4"/>
+            </a:fillRef>
+            <a:effectRef idx="1">
+              <a:schemeClr val="accent4"/>
+            </a:effectRef>
+            <a:fontRef idx="minor">
+              <a:schemeClr val="dk1"/>
+            </a:fontRef>
+          </p:style>
+          <p:txBody>
+            <a:bodyPr rtlCol="0" anchor="ctr"/>
+            <a:lstStyle/>
+            <a:p>
+              <a:pPr algn="ctr"/>
+              <a:r>
+                <a:rPr lang="en-GB" sz="1200" dirty="0"/>
+                <a:t> </a:t>
+              </a:r>
+            </a:p>
+          </p:txBody>
+        </p:sp>
+        <p:sp>
+          <p:nvSpPr>
+            <p:cNvPr id="55" name="Triangolo isoscele 34">
+              <a:extLst>
+                <a:ext uri="{FF2B5EF4-FFF2-40B4-BE49-F238E27FC236}">
+                  <a16:creationId xmlns:a16="http://schemas.microsoft.com/office/drawing/2014/main" id="{E790EFF3-9763-4284-ACE3-9A3AE8281C32}"/>
+                </a:ext>
+              </a:extLst>
+            </p:cNvPr>
+            <p:cNvSpPr/>
+            <p:nvPr/>
+          </p:nvSpPr>
+          <p:spPr>
+            <a:xfrm rot="16200000">
+              <a:off x="905299" y="4913952"/>
+              <a:ext cx="86434" cy="139263"/>
+            </a:xfrm>
+            <a:prstGeom prst="triangle">
+              <a:avLst/>
+            </a:prstGeom>
+            <a:solidFill>
+              <a:srgbClr val="C00000"/>
+            </a:solidFill>
+            <a:ln/>
+          </p:spPr>
+          <p:style>
+            <a:lnRef idx="1">
+              <a:schemeClr val="accent5"/>
+            </a:lnRef>
+            <a:fillRef idx="2">
+              <a:schemeClr val="accent5"/>
+            </a:fillRef>
+            <a:effectRef idx="1">
+              <a:schemeClr val="accent5"/>
+            </a:effectRef>
+            <a:fontRef idx="minor">
+              <a:schemeClr val="dk1"/>
+            </a:fontRef>
+          </p:style>
+          <p:txBody>
+            <a:bodyPr rtlCol="0" anchor="ctr"/>
+            <a:lstStyle/>
+            <a:p>
+              <a:pPr algn="ctr"/>
+              <a:endParaRPr lang="en-GB" sz="1200">
+                <a:solidFill>
+                  <a:schemeClr val="dk1"/>
+                </a:solidFill>
+              </a:endParaRPr>
+            </a:p>
+          </p:txBody>
+        </p:sp>
+      </p:grpSp>
+      <p:sp>
+        <p:nvSpPr>
+          <p:cNvPr id="65" name="TextBox 29">
+            <a:extLst>
+              <a:ext uri="{FF2B5EF4-FFF2-40B4-BE49-F238E27FC236}">
+                <a16:creationId xmlns:a16="http://schemas.microsoft.com/office/drawing/2014/main" id="{A6659FE6-98D7-49C8-AE88-94806461A15D}"/>
+              </a:ext>
+            </a:extLst>
+          </p:cNvPr>
+          <p:cNvSpPr txBox="1"/>
+          <p:nvPr/>
+        </p:nvSpPr>
+        <p:spPr>
+          <a:xfrm flipH="1">
+            <a:off x="9398833" y="1738824"/>
+            <a:ext cx="1312854" cy="369332"/>
+          </a:xfrm>
+          <a:prstGeom prst="rect">
+            <a:avLst/>
+          </a:prstGeom>
+          <a:noFill/>
+        </p:spPr>
+        <p:txBody>
+          <a:bodyPr wrap="square" rtlCol="0">
+            <a:spAutoFit/>
+          </a:bodyPr>
+          <a:lstStyle/>
+          <a:p>
+            <a:r>
+              <a:rPr lang="en-US" dirty="0" err="1"/>
+              <a:t>WEnv</a:t>
+            </a:r>
+            <a:endParaRPr lang="en-US" dirty="0"/>
+          </a:p>
+        </p:txBody>
+      </p:sp>
+      <p:sp>
+        <p:nvSpPr>
+          <p:cNvPr id="70" name="Ovale 43">
+            <a:extLst>
+              <a:ext uri="{FF2B5EF4-FFF2-40B4-BE49-F238E27FC236}">
+                <a16:creationId xmlns:a16="http://schemas.microsoft.com/office/drawing/2014/main" id="{5C31EC73-D322-4AC5-9C0C-E4F580ACF6F2}"/>
+              </a:ext>
+            </a:extLst>
+          </p:cNvPr>
+          <p:cNvSpPr/>
+          <p:nvPr/>
+        </p:nvSpPr>
+        <p:spPr>
+          <a:xfrm>
+            <a:off x="-29048" y="363547"/>
+            <a:ext cx="6362693" cy="3713272"/>
+          </a:xfrm>
+          <a:prstGeom prst="ellipse">
+            <a:avLst/>
+          </a:prstGeom>
+          <a:solidFill>
+            <a:srgbClr val="CCECFF"/>
+          </a:solidFill>
+          <a:ln/>
+        </p:spPr>
+        <p:style>
+          <a:lnRef idx="1">
+            <a:schemeClr val="accent5"/>
+          </a:lnRef>
+          <a:fillRef idx="2">
+            <a:schemeClr val="accent5"/>
+          </a:fillRef>
+          <a:effectRef idx="1">
+            <a:schemeClr val="accent5"/>
+          </a:effectRef>
+          <a:fontRef idx="minor">
+            <a:schemeClr val="dk1"/>
+          </a:fontRef>
+        </p:style>
+        <p:txBody>
+          <a:bodyPr rtlCol="0" anchor="ctr"/>
+          <a:lstStyle/>
+          <a:p>
+            <a:pPr algn="ctr"/>
+            <a:r>
+              <a:rPr lang="en-GB" sz="1200" dirty="0"/>
+              <a:t> </a:t>
+            </a:r>
+          </a:p>
+        </p:txBody>
+      </p:sp>
+      <p:cxnSp>
+        <p:nvCxnSpPr>
+          <p:cNvPr id="71" name="Connettore 2 126">
+            <a:extLst>
+              <a:ext uri="{FF2B5EF4-FFF2-40B4-BE49-F238E27FC236}">
+                <a16:creationId xmlns:a16="http://schemas.microsoft.com/office/drawing/2014/main" id="{FA86FB2F-D8ED-4F4C-B8D7-F3A4E1A4A552}"/>
+              </a:ext>
+            </a:extLst>
+          </p:cNvPr>
+          <p:cNvCxnSpPr>
+            <a:cxnSpLocks/>
+          </p:cNvCxnSpPr>
+          <p:nvPr/>
+        </p:nvCxnSpPr>
+        <p:spPr>
+          <a:xfrm flipH="1">
+            <a:off x="2599995" y="907003"/>
+            <a:ext cx="1" cy="758646"/>
+          </a:xfrm>
+          <a:prstGeom prst="straightConnector1">
+            <a:avLst/>
+          </a:prstGeom>
+          <a:ln w="28575">
+            <a:solidFill>
+              <a:srgbClr val="C00000"/>
+            </a:solidFill>
+            <a:tailEnd type="arrow"/>
+          </a:ln>
+        </p:spPr>
+        <p:style>
+          <a:lnRef idx="1">
+            <a:schemeClr val="accent1"/>
+          </a:lnRef>
+          <a:fillRef idx="0">
+            <a:schemeClr val="accent1"/>
+          </a:fillRef>
+          <a:effectRef idx="0">
+            <a:schemeClr val="accent1"/>
+          </a:effectRef>
+          <a:fontRef idx="minor">
+            <a:schemeClr val="tx1"/>
+          </a:fontRef>
+        </p:style>
+      </p:cxnSp>
+      <p:sp>
+        <p:nvSpPr>
+          <p:cNvPr id="72" name="CasellaDiTesto 71">
+            <a:extLst>
+              <a:ext uri="{FF2B5EF4-FFF2-40B4-BE49-F238E27FC236}">
+                <a16:creationId xmlns:a16="http://schemas.microsoft.com/office/drawing/2014/main" id="{3D4AC693-DB5F-4189-9F0B-8F933AF7E4A7}"/>
+              </a:ext>
+            </a:extLst>
+          </p:cNvPr>
+          <p:cNvSpPr txBox="1"/>
+          <p:nvPr/>
+        </p:nvSpPr>
+        <p:spPr>
+          <a:xfrm>
+            <a:off x="1748963" y="3853609"/>
+            <a:ext cx="3314574" cy="307777"/>
+          </a:xfrm>
+          <a:prstGeom prst="rect">
+            <a:avLst/>
+          </a:prstGeom>
+          <a:solidFill>
+            <a:schemeClr val="bg1">
+              <a:lumMod val="95%"/>
+            </a:schemeClr>
+          </a:solidFill>
+        </p:spPr>
+        <p:txBody>
+          <a:bodyPr wrap="square">
+            <a:spAutoFit/>
+          </a:bodyPr>
+          <a:lstStyle/>
+          <a:p>
+            <a:r>
+              <a:rPr kumimoji="0" lang="en-US" altLang="en-US" sz="1400" b="0" i="0" u="none" strike="noStrike" cap="none" normalizeH="0" baseline="0%" dirty="0" err="1">
+                <a:ln>
+                  <a:noFill/>
+                </a:ln>
+                <a:solidFill>
+                  <a:srgbClr val="000000"/>
+                </a:solidFill>
+                <a:effectLst/>
+                <a:latin typeface="Arial Unicode MS"/>
+              </a:rPr>
+              <a:t>ClientBoundaryWebsockArilAsynch</a:t>
+            </a:r>
+            <a:endParaRPr lang="it-IT" sz="1400" dirty="0"/>
+          </a:p>
+        </p:txBody>
+      </p:sp>
+      <p:sp>
+        <p:nvSpPr>
+          <p:cNvPr id="50" name="Rettangolo con angoli arrotondati 81">
+            <a:extLst>
+              <a:ext uri="{FF2B5EF4-FFF2-40B4-BE49-F238E27FC236}">
+                <a16:creationId xmlns:a16="http://schemas.microsoft.com/office/drawing/2014/main" id="{B0E790B5-EF51-45B9-BAB5-032AB0CED9C5}"/>
+              </a:ext>
+            </a:extLst>
+          </p:cNvPr>
+          <p:cNvSpPr/>
+          <p:nvPr/>
+        </p:nvSpPr>
+        <p:spPr>
+          <a:xfrm>
+            <a:off x="2496319" y="3338075"/>
+            <a:ext cx="2832096" cy="388620"/>
+          </a:xfrm>
+          <a:prstGeom prst="roundRect">
+            <a:avLst/>
+          </a:prstGeom>
+          <a:solidFill>
+            <a:schemeClr val="accent4">
+              <a:lumMod val="20%"/>
+              <a:lumOff val="80%"/>
+            </a:schemeClr>
+          </a:solidFill>
+        </p:spPr>
+        <p:style>
+          <a:lnRef idx="2">
+            <a:schemeClr val="accent1">
+              <a:shade val="50%"/>
+            </a:schemeClr>
+          </a:lnRef>
+          <a:fillRef idx="1">
+            <a:schemeClr val="accent1"/>
+          </a:fillRef>
+          <a:effectRef idx="0">
+            <a:schemeClr val="accent1"/>
+          </a:effectRef>
+          <a:fontRef idx="minor">
+            <a:schemeClr val="lt1"/>
+          </a:fontRef>
+        </p:style>
+        <p:txBody>
+          <a:bodyPr rtlCol="0" anchor="ctr"/>
+          <a:lstStyle/>
+          <a:p>
+            <a:pPr algn="ctr"/>
+            <a:r>
+              <a:rPr lang="it-IT" sz="1400" dirty="0" err="1">
+                <a:solidFill>
+                  <a:schemeClr val="tx1"/>
+                </a:solidFill>
+              </a:rPr>
+              <a:t>IssWsSupport</a:t>
+            </a:r>
+            <a:endParaRPr lang="it-IT" sz="1400" dirty="0">
+              <a:solidFill>
+                <a:schemeClr val="tx1"/>
+              </a:solidFill>
+            </a:endParaRPr>
+          </a:p>
+        </p:txBody>
+      </p:sp>
+      <p:sp>
+        <p:nvSpPr>
+          <p:cNvPr id="87" name="Rettangolo con angoli arrotondati 109">
+            <a:extLst>
+              <a:ext uri="{FF2B5EF4-FFF2-40B4-BE49-F238E27FC236}">
+                <a16:creationId xmlns:a16="http://schemas.microsoft.com/office/drawing/2014/main" id="{F98FED4D-29A1-431A-B2F4-E675D6313E3A}"/>
+              </a:ext>
+            </a:extLst>
+          </p:cNvPr>
+          <p:cNvSpPr/>
+          <p:nvPr/>
+        </p:nvSpPr>
+        <p:spPr>
+          <a:xfrm>
+            <a:off x="2513193" y="2777288"/>
+            <a:ext cx="2832097" cy="261610"/>
+          </a:xfrm>
+          <a:prstGeom prst="roundRect">
+            <a:avLst/>
+          </a:prstGeom>
+          <a:solidFill>
+            <a:srgbClr val="CCFF99"/>
+          </a:solidFill>
+        </p:spPr>
+        <p:style>
+          <a:lnRef idx="2">
+            <a:schemeClr val="accent1">
+              <a:shade val="50%"/>
+            </a:schemeClr>
+          </a:lnRef>
+          <a:fillRef idx="1">
+            <a:schemeClr val="accent1"/>
+          </a:fillRef>
+          <a:effectRef idx="0">
+            <a:schemeClr val="accent1"/>
+          </a:effectRef>
+          <a:fontRef idx="minor">
+            <a:schemeClr val="lt1"/>
+          </a:fontRef>
+        </p:style>
+        <p:txBody>
+          <a:bodyPr rtlCol="0" anchor="ctr"/>
+          <a:lstStyle/>
+          <a:p>
+            <a:pPr algn="ctr"/>
+            <a:r>
+              <a:rPr lang="it-IT" sz="1400" dirty="0">
+                <a:solidFill>
+                  <a:schemeClr val="tx1"/>
+                </a:solidFill>
+              </a:rPr>
+              <a:t>IssCommSupport</a:t>
+            </a:r>
+            <a:endParaRPr lang="it-IT" sz="1100" dirty="0">
+              <a:solidFill>
+                <a:schemeClr val="tx1"/>
+              </a:solidFill>
+            </a:endParaRPr>
+          </a:p>
+        </p:txBody>
+      </p:sp>
+      <p:sp>
+        <p:nvSpPr>
+          <p:cNvPr id="90" name="Rettangolo con angoli arrotondati 109">
+            <a:extLst>
+              <a:ext uri="{FF2B5EF4-FFF2-40B4-BE49-F238E27FC236}">
+                <a16:creationId xmlns:a16="http://schemas.microsoft.com/office/drawing/2014/main" id="{58EA1D35-3121-406B-8596-3AECC297D0A9}"/>
+              </a:ext>
+            </a:extLst>
+          </p:cNvPr>
+          <p:cNvSpPr/>
+          <p:nvPr/>
+        </p:nvSpPr>
+        <p:spPr>
+          <a:xfrm>
+            <a:off x="2520793" y="3063339"/>
+            <a:ext cx="2832096" cy="246339"/>
+          </a:xfrm>
+          <a:prstGeom prst="roundRect">
+            <a:avLst/>
+          </a:prstGeom>
+          <a:solidFill>
+            <a:srgbClr val="CCFF99"/>
+          </a:solidFill>
+        </p:spPr>
+        <p:style>
+          <a:lnRef idx="2">
+            <a:schemeClr val="accent1">
+              <a:shade val="50%"/>
+            </a:schemeClr>
+          </a:lnRef>
+          <a:fillRef idx="1">
+            <a:schemeClr val="accent1"/>
+          </a:fillRef>
+          <a:effectRef idx="0">
+            <a:schemeClr val="accent1"/>
+          </a:effectRef>
+          <a:fontRef idx="minor">
+            <a:schemeClr val="lt1"/>
+          </a:fontRef>
+        </p:style>
+        <p:txBody>
+          <a:bodyPr rtlCol="0" anchor="ctr"/>
+          <a:lstStyle/>
+          <a:p>
+            <a:pPr algn="ctr"/>
+            <a:r>
+              <a:rPr lang="it-IT" sz="1400" dirty="0">
+                <a:solidFill>
+                  <a:schemeClr val="tx1"/>
+                </a:solidFill>
+              </a:rPr>
+              <a:t>IssOperations</a:t>
+            </a:r>
+            <a:endParaRPr lang="it-IT" sz="1100" dirty="0">
+              <a:solidFill>
+                <a:schemeClr val="tx1"/>
+              </a:solidFill>
+            </a:endParaRPr>
+          </a:p>
+        </p:txBody>
+      </p:sp>
+      <p:sp>
+        <p:nvSpPr>
+          <p:cNvPr id="92" name="Rettangolo con angoli arrotondati 82">
+            <a:extLst>
+              <a:ext uri="{FF2B5EF4-FFF2-40B4-BE49-F238E27FC236}">
+                <a16:creationId xmlns:a16="http://schemas.microsoft.com/office/drawing/2014/main" id="{1E6B28D2-1372-4A8D-8C42-A653E0173876}"/>
+              </a:ext>
+            </a:extLst>
+          </p:cNvPr>
+          <p:cNvSpPr/>
+          <p:nvPr/>
+        </p:nvSpPr>
+        <p:spPr>
+          <a:xfrm>
+            <a:off x="2773849" y="1940415"/>
+            <a:ext cx="2327492" cy="388620"/>
+          </a:xfrm>
+          <a:prstGeom prst="roundRect">
+            <a:avLst/>
+          </a:prstGeom>
+          <a:solidFill>
+            <a:schemeClr val="accent4">
+              <a:lumMod val="20%"/>
+              <a:lumOff val="80%"/>
+            </a:schemeClr>
+          </a:solidFill>
+        </p:spPr>
+        <p:style>
+          <a:lnRef idx="2">
+            <a:schemeClr val="accent1">
+              <a:shade val="50%"/>
+            </a:schemeClr>
+          </a:lnRef>
+          <a:fillRef idx="1">
+            <a:schemeClr val="accent1"/>
+          </a:fillRef>
+          <a:effectRef idx="0">
+            <a:schemeClr val="accent1"/>
+          </a:effectRef>
+          <a:fontRef idx="minor">
+            <a:schemeClr val="lt1"/>
+          </a:fontRef>
+        </p:style>
+        <p:txBody>
+          <a:bodyPr rtlCol="0" anchor="ctr"/>
+          <a:lstStyle/>
+          <a:p>
+            <a:pPr algn="ctr"/>
+            <a:r>
+              <a:rPr lang="it-IT" sz="1400" dirty="0">
+                <a:solidFill>
+                  <a:schemeClr val="tx1"/>
+                </a:solidFill>
+              </a:rPr>
+              <a:t>RobotInputController</a:t>
+            </a:r>
+          </a:p>
+        </p:txBody>
+      </p:sp>
+      <p:sp>
+        <p:nvSpPr>
+          <p:cNvPr id="5" name="Diamond 4">
+            <a:extLst>
+              <a:ext uri="{FF2B5EF4-FFF2-40B4-BE49-F238E27FC236}">
+                <a16:creationId xmlns:a16="http://schemas.microsoft.com/office/drawing/2014/main" id="{4D1A6996-F6C1-47F0-8600-37F29C26B3C7}"/>
+              </a:ext>
+            </a:extLst>
+          </p:cNvPr>
+          <p:cNvSpPr/>
+          <p:nvPr/>
+        </p:nvSpPr>
+        <p:spPr>
+          <a:xfrm flipV="1">
+            <a:off x="3765173" y="2341659"/>
+            <a:ext cx="328135" cy="160650"/>
+          </a:xfrm>
+          <a:prstGeom prst="diamond">
+            <a:avLst/>
+          </a:prstGeom>
+          <a:solidFill>
+            <a:schemeClr val="tx1"/>
+          </a:solidFill>
+        </p:spPr>
+        <p:style>
+          <a:lnRef idx="2">
+            <a:schemeClr val="accent1">
+              <a:shade val="50%"/>
+            </a:schemeClr>
+          </a:lnRef>
+          <a:fillRef idx="1">
+            <a:schemeClr val="accent1"/>
+          </a:fillRef>
+          <a:effectRef idx="0">
+            <a:schemeClr val="accent1"/>
+          </a:effectRef>
+          <a:fontRef idx="minor">
+            <a:schemeClr val="lt1"/>
+          </a:fontRef>
+        </p:style>
+        <p:txBody>
+          <a:bodyPr rtlCol="0" anchor="ctr"/>
+          <a:lstStyle/>
+          <a:p>
+            <a:pPr algn="ctr"/>
+            <a:endParaRPr lang="en-US"/>
+          </a:p>
+        </p:txBody>
+      </p:sp>
+      <p:sp>
+        <p:nvSpPr>
+          <p:cNvPr id="94" name="Rettangolo con angoli arrotondati 109">
+            <a:extLst>
+              <a:ext uri="{FF2B5EF4-FFF2-40B4-BE49-F238E27FC236}">
+                <a16:creationId xmlns:a16="http://schemas.microsoft.com/office/drawing/2014/main" id="{91BE2E78-FAED-4D7F-93D9-F0D373341822}"/>
+              </a:ext>
+            </a:extLst>
+          </p:cNvPr>
+          <p:cNvSpPr/>
+          <p:nvPr/>
+        </p:nvSpPr>
+        <p:spPr>
+          <a:xfrm>
+            <a:off x="2773849" y="1665649"/>
+            <a:ext cx="2327492" cy="261610"/>
+          </a:xfrm>
+          <a:prstGeom prst="roundRect">
+            <a:avLst/>
+          </a:prstGeom>
+          <a:solidFill>
+            <a:srgbClr val="CCFF99"/>
+          </a:solidFill>
+        </p:spPr>
+        <p:style>
+          <a:lnRef idx="2">
+            <a:schemeClr val="accent1">
+              <a:shade val="50%"/>
+            </a:schemeClr>
+          </a:lnRef>
+          <a:fillRef idx="1">
+            <a:schemeClr val="accent1"/>
+          </a:fillRef>
+          <a:effectRef idx="0">
+            <a:schemeClr val="accent1"/>
+          </a:effectRef>
+          <a:fontRef idx="minor">
+            <a:schemeClr val="lt1"/>
+          </a:fontRef>
+        </p:style>
+        <p:txBody>
+          <a:bodyPr rtlCol="0" anchor="ctr"/>
+          <a:lstStyle/>
+          <a:p>
+            <a:pPr algn="ctr"/>
+            <a:r>
+              <a:rPr lang="it-IT" sz="1400" dirty="0">
+                <a:solidFill>
+                  <a:schemeClr val="tx1"/>
+                </a:solidFill>
+              </a:rPr>
+              <a:t>IssObserver</a:t>
+            </a:r>
+            <a:endParaRPr lang="it-IT" sz="1100" dirty="0">
+              <a:solidFill>
+                <a:schemeClr val="tx1"/>
+              </a:solidFill>
+            </a:endParaRPr>
+          </a:p>
+        </p:txBody>
+      </p:sp>
+      <p:sp>
+        <p:nvSpPr>
+          <p:cNvPr id="16" name="TextBox 15">
+            <a:extLst>
+              <a:ext uri="{FF2B5EF4-FFF2-40B4-BE49-F238E27FC236}">
+                <a16:creationId xmlns:a16="http://schemas.microsoft.com/office/drawing/2014/main" id="{AE4D04E9-D2F2-46B9-BBEE-9267A6B197FD}"/>
+              </a:ext>
+            </a:extLst>
+          </p:cNvPr>
+          <p:cNvSpPr txBox="1"/>
+          <p:nvPr/>
+        </p:nvSpPr>
+        <p:spPr>
+          <a:xfrm>
+            <a:off x="3936841" y="2478402"/>
+            <a:ext cx="256802" cy="261610"/>
+          </a:xfrm>
+          <a:prstGeom prst="rect">
+            <a:avLst/>
+          </a:prstGeom>
+          <a:noFill/>
+        </p:spPr>
+        <p:txBody>
+          <a:bodyPr wrap="none" rtlCol="0">
+            <a:spAutoFit/>
+          </a:bodyPr>
+          <a:lstStyle/>
+          <a:p>
+            <a:r>
+              <a:rPr lang="en-US" sz="1100" dirty="0"/>
+              <a:t>1</a:t>
+            </a:r>
+          </a:p>
+        </p:txBody>
+      </p:sp>
+      <p:cxnSp>
+        <p:nvCxnSpPr>
+          <p:cNvPr id="6" name="Connector: Elbow 5">
+            <a:extLst>
+              <a:ext uri="{FF2B5EF4-FFF2-40B4-BE49-F238E27FC236}">
+                <a16:creationId xmlns:a16="http://schemas.microsoft.com/office/drawing/2014/main" id="{73B87EA3-034D-4C60-B398-E0B5D5DA0897}"/>
+              </a:ext>
+            </a:extLst>
+          </p:cNvPr>
+          <p:cNvCxnSpPr>
+            <a:cxnSpLocks/>
+            <a:endCxn id="87" idx="0"/>
+          </p:cNvCxnSpPr>
+          <p:nvPr/>
+        </p:nvCxnSpPr>
+        <p:spPr>
+          <a:xfrm rot="16200000" flipH="1">
+            <a:off x="3803972" y="2652018"/>
+            <a:ext cx="250538" cy="2"/>
+          </a:xfrm>
+          <a:prstGeom prst="bentConnector3">
+            <a:avLst>
+              <a:gd name="adj1" fmla="val 50000"/>
+            </a:avLst>
+          </a:prstGeom>
+          <a:ln>
+            <a:tailEnd type="triangle"/>
+          </a:ln>
+        </p:spPr>
+        <p:style>
+          <a:lnRef idx="1">
+            <a:schemeClr val="accent1"/>
+          </a:lnRef>
+          <a:fillRef idx="0">
+            <a:schemeClr val="accent1"/>
+          </a:fillRef>
+          <a:effectRef idx="0">
+            <a:schemeClr val="accent1"/>
+          </a:effectRef>
+          <a:fontRef idx="minor">
+            <a:schemeClr val="tx1"/>
+          </a:fontRef>
+        </p:style>
+      </p:cxnSp>
+      <p:sp>
+        <p:nvSpPr>
+          <p:cNvPr id="95" name="Rettangolo con angoli arrotondati 72">
+            <a:extLst>
+              <a:ext uri="{FF2B5EF4-FFF2-40B4-BE49-F238E27FC236}">
+                <a16:creationId xmlns:a16="http://schemas.microsoft.com/office/drawing/2014/main" id="{F0842374-483C-4384-AC9B-08680CAF8470}"/>
+              </a:ext>
+            </a:extLst>
+          </p:cNvPr>
+          <p:cNvSpPr/>
+          <p:nvPr/>
+        </p:nvSpPr>
+        <p:spPr>
+          <a:xfrm>
+            <a:off x="2811652" y="968139"/>
+            <a:ext cx="2251885" cy="401342"/>
+          </a:xfrm>
+          <a:prstGeom prst="roundRect">
+            <a:avLst/>
+          </a:prstGeom>
+          <a:solidFill>
+            <a:schemeClr val="accent4">
+              <a:lumMod val="20%"/>
+              <a:lumOff val="80%"/>
+            </a:schemeClr>
+          </a:solidFill>
+        </p:spPr>
+        <p:style>
+          <a:lnRef idx="2">
+            <a:schemeClr val="accent1">
+              <a:shade val="50%"/>
+            </a:schemeClr>
+          </a:lnRef>
+          <a:fillRef idx="1">
+            <a:schemeClr val="accent1"/>
+          </a:fillRef>
+          <a:effectRef idx="0">
+            <a:schemeClr val="accent1"/>
+          </a:effectRef>
+          <a:fontRef idx="minor">
+            <a:schemeClr val="lt1"/>
+          </a:fontRef>
+        </p:style>
+        <p:txBody>
+          <a:bodyPr rtlCol="0" anchor="ctr"/>
+          <a:lstStyle/>
+          <a:p>
+            <a:pPr algn="ctr"/>
+            <a:r>
+              <a:rPr lang="it-IT" sz="1400" dirty="0">
+                <a:solidFill>
+                  <a:schemeClr val="tx1"/>
+                </a:solidFill>
+              </a:rPr>
+              <a:t>Application Layer</a:t>
+            </a:r>
+          </a:p>
+        </p:txBody>
+      </p:sp>
+      <p:cxnSp>
+        <p:nvCxnSpPr>
+          <p:cNvPr id="29" name="Straight Arrow Connector 28">
+            <a:extLst>
+              <a:ext uri="{FF2B5EF4-FFF2-40B4-BE49-F238E27FC236}">
+                <a16:creationId xmlns:a16="http://schemas.microsoft.com/office/drawing/2014/main" id="{46420710-1CA3-4CD3-AECD-DA8107696D6D}"/>
+              </a:ext>
+            </a:extLst>
+          </p:cNvPr>
+          <p:cNvCxnSpPr>
+            <a:cxnSpLocks/>
+            <a:stCxn id="95" idx="2"/>
+            <a:endCxn id="94" idx="0"/>
+          </p:cNvCxnSpPr>
+          <p:nvPr/>
+        </p:nvCxnSpPr>
+        <p:spPr>
+          <a:xfrm>
+            <a:off x="3937595" y="1369481"/>
+            <a:ext cx="0" cy="296168"/>
+          </a:xfrm>
+          <a:prstGeom prst="straightConnector1">
+            <a:avLst/>
+          </a:prstGeom>
+          <a:ln>
+            <a:tailEnd type="triangle"/>
+          </a:ln>
+        </p:spPr>
+        <p:style>
+          <a:lnRef idx="1">
+            <a:schemeClr val="accent1"/>
+          </a:lnRef>
+          <a:fillRef idx="0">
+            <a:schemeClr val="accent1"/>
+          </a:fillRef>
+          <a:effectRef idx="0">
+            <a:schemeClr val="accent1"/>
+          </a:effectRef>
+          <a:fontRef idx="minor">
+            <a:schemeClr val="tx1"/>
+          </a:fontRef>
+        </p:style>
+      </p:cxnSp>
+      <p:cxnSp>
+        <p:nvCxnSpPr>
+          <p:cNvPr id="97" name="Connettore 2 126">
+            <a:extLst>
+              <a:ext uri="{FF2B5EF4-FFF2-40B4-BE49-F238E27FC236}">
+                <a16:creationId xmlns:a16="http://schemas.microsoft.com/office/drawing/2014/main" id="{705415E4-3C0D-4D97-A1D0-717F39978D0A}"/>
+              </a:ext>
+            </a:extLst>
+          </p:cNvPr>
+          <p:cNvCxnSpPr>
+            <a:cxnSpLocks/>
+          </p:cNvCxnSpPr>
+          <p:nvPr/>
+        </p:nvCxnSpPr>
+        <p:spPr>
+          <a:xfrm flipH="1">
+            <a:off x="1588976" y="3049677"/>
+            <a:ext cx="1" cy="758646"/>
+          </a:xfrm>
+          <a:prstGeom prst="straightConnector1">
+            <a:avLst/>
+          </a:prstGeom>
+          <a:ln w="28575">
+            <a:solidFill>
+              <a:srgbClr val="C00000"/>
+            </a:solidFill>
+            <a:tailEnd type="arrow"/>
+          </a:ln>
+        </p:spPr>
+        <p:style>
+          <a:lnRef idx="1">
+            <a:schemeClr val="accent1"/>
+          </a:lnRef>
+          <a:fillRef idx="0">
+            <a:schemeClr val="accent1"/>
+          </a:fillRef>
+          <a:effectRef idx="0">
+            <a:schemeClr val="accent1"/>
+          </a:effectRef>
+          <a:fontRef idx="minor">
+            <a:schemeClr val="tx1"/>
+          </a:fontRef>
+        </p:style>
+      </p:cxnSp>
+      <p:sp>
+        <p:nvSpPr>
+          <p:cNvPr id="98" name="TextBox 11">
+            <a:extLst>
+              <a:ext uri="{FF2B5EF4-FFF2-40B4-BE49-F238E27FC236}">
+                <a16:creationId xmlns:a16="http://schemas.microsoft.com/office/drawing/2014/main" id="{C29CF2E6-D854-40D9-849A-1AA117EACCF3}"/>
+              </a:ext>
+            </a:extLst>
+          </p:cNvPr>
+          <p:cNvSpPr txBox="1"/>
+          <p:nvPr/>
+        </p:nvSpPr>
+        <p:spPr>
+          <a:xfrm>
+            <a:off x="6516905" y="1289041"/>
+            <a:ext cx="2087944" cy="369332"/>
+          </a:xfrm>
+          <a:prstGeom prst="rect">
+            <a:avLst/>
+          </a:prstGeom>
+          <a:noFill/>
+        </p:spPr>
+        <p:txBody>
+          <a:bodyPr wrap="none" rtlCol="0">
+            <a:spAutoFit/>
+          </a:bodyPr>
+          <a:lstStyle/>
+          <a:p>
+            <a:pPr algn="ctr"/>
+            <a:r>
+              <a:rPr lang="en-US" dirty="0"/>
+              <a:t> command (request)</a:t>
+            </a:r>
+          </a:p>
+        </p:txBody>
+      </p:sp>
+      <p:grpSp>
+        <p:nvGrpSpPr>
+          <p:cNvPr id="99" name="Gruppo 7">
+            <a:extLst>
+              <a:ext uri="{FF2B5EF4-FFF2-40B4-BE49-F238E27FC236}">
+                <a16:creationId xmlns:a16="http://schemas.microsoft.com/office/drawing/2014/main" id="{D1C1AB0F-F676-4497-A083-953E0F4AF39B}"/>
+              </a:ext>
+            </a:extLst>
+          </p:cNvPr>
+          <p:cNvGrpSpPr/>
+          <p:nvPr/>
+        </p:nvGrpSpPr>
+        <p:grpSpPr>
+          <a:xfrm>
+            <a:off x="8186616" y="1746723"/>
+            <a:ext cx="787334" cy="86434"/>
+            <a:chOff x="3452446" y="4176616"/>
+            <a:chExt cx="787334" cy="86434"/>
+          </a:xfrm>
+        </p:grpSpPr>
+        <p:sp>
+          <p:nvSpPr>
+            <p:cNvPr id="100" name="Triangolo isoscele 55">
+              <a:extLst>
+                <a:ext uri="{FF2B5EF4-FFF2-40B4-BE49-F238E27FC236}">
+                  <a16:creationId xmlns:a16="http://schemas.microsoft.com/office/drawing/2014/main" id="{A2B654BC-86E2-4E38-A5FB-F26D61AE46D0}"/>
+                </a:ext>
+              </a:extLst>
+            </p:cNvPr>
+            <p:cNvSpPr/>
+            <p:nvPr/>
+          </p:nvSpPr>
+          <p:spPr>
+            <a:xfrm rot="5400000" flipH="1">
+              <a:off x="4126932" y="4150201"/>
+              <a:ext cx="86434" cy="139263"/>
+            </a:xfrm>
+            <a:prstGeom prst="triangle">
+              <a:avLst/>
+            </a:prstGeom>
+            <a:ln w="28575">
+              <a:headEnd type="none" w="med" len="med"/>
+              <a:tailEnd type="none" w="med" len="med"/>
+            </a:ln>
+          </p:spPr>
+          <p:style>
+            <a:lnRef idx="1">
+              <a:schemeClr val="accent1"/>
+            </a:lnRef>
+            <a:fillRef idx="0">
+              <a:schemeClr val="accent1"/>
+            </a:fillRef>
+            <a:effectRef idx="0">
+              <a:schemeClr val="accent1"/>
+            </a:effectRef>
+            <a:fontRef idx="minor">
+              <a:schemeClr val="tx1"/>
+            </a:fontRef>
+          </p:style>
+          <p:txBody>
+            <a:bodyPr rtlCol="0" anchor="ctr"/>
+            <a:lstStyle/>
+            <a:p>
+              <a:pPr algn="ctr"/>
+              <a:endParaRPr lang="en-GB" sz="1200"/>
+            </a:p>
+          </p:txBody>
+        </p:sp>
+        <p:cxnSp>
+          <p:nvCxnSpPr>
+            <p:cNvPr id="101" name="Connettore 1 56">
+              <a:extLst>
+                <a:ext uri="{FF2B5EF4-FFF2-40B4-BE49-F238E27FC236}">
+                  <a16:creationId xmlns:a16="http://schemas.microsoft.com/office/drawing/2014/main" id="{136AC8E6-DE34-41AD-9416-4BFD4B33BD95}"/>
+                </a:ext>
+              </a:extLst>
+            </p:cNvPr>
+            <p:cNvCxnSpPr>
+              <a:endCxn id="100" idx="3"/>
+            </p:cNvCxnSpPr>
+            <p:nvPr/>
+          </p:nvCxnSpPr>
+          <p:spPr>
+            <a:xfrm>
+              <a:off x="3452446" y="4219627"/>
+              <a:ext cx="648072" cy="206"/>
+            </a:xfrm>
+            <a:prstGeom prst="line">
+              <a:avLst/>
+            </a:prstGeom>
+            <a:ln w="28575">
+              <a:headEnd type="none" w="med" len="med"/>
+              <a:tailEnd type="none" w="med" len="med"/>
+            </a:ln>
+          </p:spPr>
+          <p:style>
+            <a:lnRef idx="1">
+              <a:schemeClr val="accent1"/>
+            </a:lnRef>
+            <a:fillRef idx="0">
+              <a:schemeClr val="accent1"/>
+            </a:fillRef>
+            <a:effectRef idx="0">
+              <a:schemeClr val="accent1"/>
+            </a:effectRef>
+            <a:fontRef idx="minor">
+              <a:schemeClr val="tx1"/>
+            </a:fontRef>
+          </p:style>
+        </p:cxnSp>
+      </p:grpSp>
+      <p:cxnSp>
+        <p:nvCxnSpPr>
+          <p:cNvPr id="102" name="Straight Connector 16">
+            <a:extLst>
+              <a:ext uri="{FF2B5EF4-FFF2-40B4-BE49-F238E27FC236}">
+                <a16:creationId xmlns:a16="http://schemas.microsoft.com/office/drawing/2014/main" id="{E719644D-9A86-4DAF-8813-C726A7CEA941}"/>
+              </a:ext>
+            </a:extLst>
+          </p:cNvPr>
+          <p:cNvCxnSpPr>
+            <a:cxnSpLocks/>
+          </p:cNvCxnSpPr>
+          <p:nvPr/>
+        </p:nvCxnSpPr>
+        <p:spPr>
+          <a:xfrm flipH="1" flipV="1">
+            <a:off x="6633479" y="1780015"/>
+            <a:ext cx="1563527" cy="6758"/>
+          </a:xfrm>
+          <a:prstGeom prst="line">
+            <a:avLst/>
+          </a:prstGeom>
+          <a:ln w="28575">
+            <a:headEnd type="none" w="med" len="med"/>
+            <a:tailEnd type="none" w="med" len="med"/>
+          </a:ln>
+        </p:spPr>
+        <p:style>
+          <a:lnRef idx="1">
+            <a:schemeClr val="accent1"/>
+          </a:lnRef>
+          <a:fillRef idx="0">
+            <a:schemeClr val="accent1"/>
+          </a:fillRef>
+          <a:effectRef idx="0">
+            <a:schemeClr val="accent1"/>
+          </a:effectRef>
+          <a:fontRef idx="minor">
+            <a:schemeClr val="tx1"/>
+          </a:fontRef>
+        </p:style>
+      </p:cxnSp>
+      <p:sp>
+        <p:nvSpPr>
+          <p:cNvPr id="103" name="Triangolo isoscele 50">
+            <a:extLst>
+              <a:ext uri="{FF2B5EF4-FFF2-40B4-BE49-F238E27FC236}">
+                <a16:creationId xmlns:a16="http://schemas.microsoft.com/office/drawing/2014/main" id="{88DA21BB-CCC5-451E-87EA-2AAC4285731F}"/>
+              </a:ext>
+            </a:extLst>
+          </p:cNvPr>
+          <p:cNvSpPr/>
+          <p:nvPr/>
+        </p:nvSpPr>
+        <p:spPr>
+          <a:xfrm rot="16200000">
+            <a:off x="6692499" y="1832814"/>
+            <a:ext cx="128062" cy="190948"/>
+          </a:xfrm>
+          <a:prstGeom prst="triangle">
+            <a:avLst/>
+          </a:prstGeom>
+          <a:ln w="28575">
+            <a:headEnd type="none" w="med" len="med"/>
+            <a:tailEnd type="none" w="med" len="med"/>
+          </a:ln>
+        </p:spPr>
+        <p:style>
+          <a:lnRef idx="1">
+            <a:schemeClr val="accent1"/>
+          </a:lnRef>
+          <a:fillRef idx="0">
+            <a:schemeClr val="accent1"/>
+          </a:fillRef>
+          <a:effectRef idx="0">
+            <a:schemeClr val="accent1"/>
+          </a:effectRef>
+          <a:fontRef idx="minor">
+            <a:schemeClr val="tx1"/>
+          </a:fontRef>
+        </p:style>
+        <p:txBody>
+          <a:bodyPr rtlCol="0" anchor="ctr"/>
+          <a:lstStyle/>
+          <a:p>
+            <a:pPr algn="ctr"/>
+            <a:endParaRPr lang="en-GB" sz="1200"/>
+          </a:p>
+        </p:txBody>
+      </p:sp>
+      <p:cxnSp>
+        <p:nvCxnSpPr>
+          <p:cNvPr id="104" name="Straight Connector 39">
+            <a:extLst>
+              <a:ext uri="{FF2B5EF4-FFF2-40B4-BE49-F238E27FC236}">
+                <a16:creationId xmlns:a16="http://schemas.microsoft.com/office/drawing/2014/main" id="{F077F454-C2D0-43AF-AE36-0ACEC585E9AA}"/>
+              </a:ext>
+            </a:extLst>
+          </p:cNvPr>
+          <p:cNvCxnSpPr>
+            <a:cxnSpLocks/>
+            <a:endCxn id="103" idx="3"/>
+          </p:cNvCxnSpPr>
+          <p:nvPr/>
+        </p:nvCxnSpPr>
+        <p:spPr>
+          <a:xfrm flipH="1" flipV="1">
+            <a:off x="6852004" y="1928288"/>
+            <a:ext cx="1871020" cy="10858"/>
+          </a:xfrm>
+          <a:prstGeom prst="line">
+            <a:avLst/>
+          </a:prstGeom>
+          <a:ln w="28575">
+            <a:prstDash val="sysDot"/>
+            <a:headEnd type="none" w="med" len="med"/>
+            <a:tailEnd type="none" w="med" len="med"/>
+          </a:ln>
+        </p:spPr>
+        <p:style>
+          <a:lnRef idx="1">
+            <a:schemeClr val="accent1"/>
+          </a:lnRef>
+          <a:fillRef idx="0">
+            <a:schemeClr val="accent1"/>
+          </a:fillRef>
+          <a:effectRef idx="0">
+            <a:schemeClr val="accent1"/>
+          </a:effectRef>
+          <a:fontRef idx="minor">
+            <a:schemeClr val="tx1"/>
+          </a:fontRef>
+        </p:style>
+      </p:cxnSp>
+      <p:sp>
+        <p:nvSpPr>
+          <p:cNvPr id="105" name="TextBox 11">
+            <a:extLst>
+              <a:ext uri="{FF2B5EF4-FFF2-40B4-BE49-F238E27FC236}">
+                <a16:creationId xmlns:a16="http://schemas.microsoft.com/office/drawing/2014/main" id="{2C20F658-704F-4A8B-AEAF-8E4ED4C68662}"/>
+              </a:ext>
+            </a:extLst>
+          </p:cNvPr>
+          <p:cNvSpPr txBox="1"/>
+          <p:nvPr/>
+        </p:nvSpPr>
+        <p:spPr>
+          <a:xfrm>
+            <a:off x="6776073" y="1975603"/>
+            <a:ext cx="1582677" cy="369332"/>
+          </a:xfrm>
+          <a:prstGeom prst="rect">
+            <a:avLst/>
+          </a:prstGeom>
+          <a:noFill/>
+        </p:spPr>
+        <p:txBody>
+          <a:bodyPr wrap="none" rtlCol="0">
+            <a:spAutoFit/>
+          </a:bodyPr>
+          <a:lstStyle/>
+          <a:p>
+            <a:pPr algn="ctr"/>
+            <a:r>
+              <a:rPr lang="en-US" dirty="0"/>
+              <a:t> answer (reply)</a:t>
+            </a:r>
+          </a:p>
+        </p:txBody>
+      </p:sp>
+      <p:cxnSp>
+        <p:nvCxnSpPr>
+          <p:cNvPr id="106" name="Connettore 2 52">
+            <a:extLst>
+              <a:ext uri="{FF2B5EF4-FFF2-40B4-BE49-F238E27FC236}">
+                <a16:creationId xmlns:a16="http://schemas.microsoft.com/office/drawing/2014/main" id="{B6185AD4-2C98-4D72-A730-18F29BD1FB5F}"/>
+              </a:ext>
+            </a:extLst>
+          </p:cNvPr>
+          <p:cNvCxnSpPr>
+            <a:cxnSpLocks/>
+          </p:cNvCxnSpPr>
+          <p:nvPr/>
+        </p:nvCxnSpPr>
+        <p:spPr>
+          <a:xfrm flipH="1">
+            <a:off x="6450490" y="2386826"/>
+            <a:ext cx="2599454" cy="0"/>
+          </a:xfrm>
+          <a:prstGeom prst="straightConnector1">
+            <a:avLst/>
+          </a:prstGeom>
+          <a:ln w="28575">
+            <a:prstDash val="lgDash"/>
+            <a:tailEnd type="arrow"/>
+          </a:ln>
+        </p:spPr>
+        <p:style>
+          <a:lnRef idx="1">
+            <a:schemeClr val="accent1"/>
+          </a:lnRef>
+          <a:fillRef idx="0">
+            <a:schemeClr val="accent1"/>
+          </a:fillRef>
+          <a:effectRef idx="0">
+            <a:schemeClr val="accent1"/>
+          </a:effectRef>
+          <a:fontRef idx="minor">
+            <a:schemeClr val="tx1"/>
+          </a:fontRef>
+        </p:style>
+      </p:cxnSp>
+      <p:sp>
+        <p:nvSpPr>
+          <p:cNvPr id="107" name="TextBox 11">
+            <a:extLst>
+              <a:ext uri="{FF2B5EF4-FFF2-40B4-BE49-F238E27FC236}">
+                <a16:creationId xmlns:a16="http://schemas.microsoft.com/office/drawing/2014/main" id="{B0D9CAAC-8FD0-4116-A1A8-208BEDD8AC94}"/>
+              </a:ext>
+            </a:extLst>
+          </p:cNvPr>
+          <p:cNvSpPr txBox="1"/>
+          <p:nvPr/>
+        </p:nvSpPr>
+        <p:spPr>
+          <a:xfrm>
+            <a:off x="7194596" y="2476643"/>
+            <a:ext cx="1026115" cy="369332"/>
+          </a:xfrm>
+          <a:prstGeom prst="rect">
+            <a:avLst/>
+          </a:prstGeom>
+          <a:noFill/>
+        </p:spPr>
+        <p:txBody>
+          <a:bodyPr wrap="none" rtlCol="0">
+            <a:spAutoFit/>
+          </a:bodyPr>
+          <a:lstStyle/>
+          <a:p>
+            <a:pPr algn="ctr"/>
+            <a:r>
+              <a:rPr lang="en-US" dirty="0"/>
+              <a:t> dispatch</a:t>
+            </a:r>
+          </a:p>
+        </p:txBody>
+      </p:sp>
+      <p:sp>
+        <p:nvSpPr>
+          <p:cNvPr id="38" name="Rettangolo con angoli arrotondati 82">
+            <a:extLst>
+              <a:ext uri="{FF2B5EF4-FFF2-40B4-BE49-F238E27FC236}">
+                <a16:creationId xmlns:a16="http://schemas.microsoft.com/office/drawing/2014/main" id="{6B2A83AC-3E64-46EC-90C0-7B9EBF30BC3C}"/>
+              </a:ext>
+            </a:extLst>
+          </p:cNvPr>
+          <p:cNvSpPr/>
+          <p:nvPr/>
+        </p:nvSpPr>
+        <p:spPr>
+          <a:xfrm>
+            <a:off x="483570" y="1949866"/>
+            <a:ext cx="1864701" cy="388620"/>
+          </a:xfrm>
+          <a:prstGeom prst="roundRect">
+            <a:avLst/>
+          </a:prstGeom>
+          <a:solidFill>
+            <a:schemeClr val="accent4">
+              <a:lumMod val="20%"/>
+              <a:lumOff val="80%"/>
+            </a:schemeClr>
+          </a:solidFill>
+        </p:spPr>
+        <p:style>
+          <a:lnRef idx="2">
+            <a:schemeClr val="accent1">
+              <a:shade val="50%"/>
+            </a:schemeClr>
+          </a:lnRef>
+          <a:fillRef idx="1">
+            <a:schemeClr val="accent1"/>
+          </a:fillRef>
+          <a:effectRef idx="0">
+            <a:schemeClr val="accent1"/>
+          </a:effectRef>
+          <a:fontRef idx="minor">
+            <a:schemeClr val="lt1"/>
+          </a:fontRef>
+        </p:style>
+        <p:txBody>
+          <a:bodyPr rtlCol="0" anchor="ctr"/>
+          <a:lstStyle/>
+          <a:p>
+            <a:pPr algn="ctr"/>
+            <a:r>
+              <a:rPr lang="it-IT" sz="1400" dirty="0">
+                <a:solidFill>
+                  <a:schemeClr val="tx1"/>
+                </a:solidFill>
+              </a:rPr>
+              <a:t>RobotBoundaryLogic</a:t>
+            </a:r>
+          </a:p>
+        </p:txBody>
+      </p:sp>
+      <p:cxnSp>
+        <p:nvCxnSpPr>
+          <p:cNvPr id="8" name="Straight Arrow Connector 7">
+            <a:extLst>
+              <a:ext uri="{FF2B5EF4-FFF2-40B4-BE49-F238E27FC236}">
+                <a16:creationId xmlns:a16="http://schemas.microsoft.com/office/drawing/2014/main" id="{FD3E0DEB-E16D-4E0B-B1A0-30748042A9B1}"/>
+              </a:ext>
+            </a:extLst>
+          </p:cNvPr>
+          <p:cNvCxnSpPr>
+            <a:stCxn id="92" idx="1"/>
+            <a:endCxn id="38" idx="3"/>
+          </p:cNvCxnSpPr>
+          <p:nvPr/>
+        </p:nvCxnSpPr>
+        <p:spPr>
+          <a:xfrm flipH="1">
+            <a:off x="2348271" y="2134725"/>
+            <a:ext cx="425578" cy="9451"/>
+          </a:xfrm>
+          <a:prstGeom prst="straightConnector1">
+            <a:avLst/>
+          </a:prstGeom>
+          <a:ln>
+            <a:tailEnd type="triangle"/>
+          </a:ln>
+        </p:spPr>
+        <p:style>
+          <a:lnRef idx="1">
+            <a:schemeClr val="accent1"/>
+          </a:lnRef>
+          <a:fillRef idx="0">
+            <a:schemeClr val="accent1"/>
+          </a:fillRef>
+          <a:effectRef idx="0">
+            <a:schemeClr val="accent1"/>
+          </a:effectRef>
+          <a:fontRef idx="minor">
+            <a:schemeClr val="tx1"/>
+          </a:fontRef>
+        </p:style>
+      </p:cxnSp>
+      <p:cxnSp>
+        <p:nvCxnSpPr>
+          <p:cNvPr id="11" name="Connector: Elbow 10">
+            <a:extLst>
+              <a:ext uri="{FF2B5EF4-FFF2-40B4-BE49-F238E27FC236}">
+                <a16:creationId xmlns:a16="http://schemas.microsoft.com/office/drawing/2014/main" id="{A28B896F-35D7-4710-B820-039736397F02}"/>
+              </a:ext>
+            </a:extLst>
+          </p:cNvPr>
+          <p:cNvCxnSpPr>
+            <a:cxnSpLocks/>
+            <a:stCxn id="38" idx="2"/>
+            <a:endCxn id="87" idx="1"/>
+          </p:cNvCxnSpPr>
+          <p:nvPr/>
+        </p:nvCxnSpPr>
+        <p:spPr>
+          <a:xfrm rot="16200000" flipH="1">
+            <a:off x="1679754" y="2074653"/>
+            <a:ext cx="569607" cy="1097272"/>
+          </a:xfrm>
+          <a:prstGeom prst="bentConnector2">
+            <a:avLst/>
+          </a:prstGeom>
+          <a:ln>
+            <a:tailEnd type="triangle"/>
+          </a:ln>
+        </p:spPr>
+        <p:style>
+          <a:lnRef idx="1">
+            <a:schemeClr val="accent1"/>
+          </a:lnRef>
+          <a:fillRef idx="0">
+            <a:schemeClr val="accent1"/>
+          </a:fillRef>
+          <a:effectRef idx="0">
+            <a:schemeClr val="accent1"/>
+          </a:effectRef>
+          <a:fontRef idx="minor">
+            <a:schemeClr val="tx1"/>
+          </a:fontRef>
+        </p:style>
+      </p:cxnSp>
+      <p:cxnSp>
+        <p:nvCxnSpPr>
+          <p:cNvPr id="15" name="Connector: Elbow 14">
+            <a:extLst>
+              <a:ext uri="{FF2B5EF4-FFF2-40B4-BE49-F238E27FC236}">
+                <a16:creationId xmlns:a16="http://schemas.microsoft.com/office/drawing/2014/main" id="{7F538935-6F03-4D7B-8A8E-F2CC16369571}"/>
+              </a:ext>
+            </a:extLst>
+          </p:cNvPr>
+          <p:cNvCxnSpPr>
+            <a:cxnSpLocks/>
+            <a:stCxn id="50" idx="3"/>
+            <a:endCxn id="92" idx="3"/>
+          </p:cNvCxnSpPr>
+          <p:nvPr/>
+        </p:nvCxnSpPr>
+        <p:spPr>
+          <a:xfrm flipH="1" flipV="1">
+            <a:off x="5101341" y="2134725"/>
+            <a:ext cx="227074" cy="1397660"/>
+          </a:xfrm>
+          <a:prstGeom prst="bentConnector3">
+            <a:avLst>
+              <a:gd name="adj1" fmla="val -100672"/>
+            </a:avLst>
+          </a:prstGeom>
+          <a:ln>
+            <a:tailEnd type="triangle"/>
+          </a:ln>
+        </p:spPr>
+        <p:style>
+          <a:lnRef idx="1">
+            <a:schemeClr val="accent1"/>
+          </a:lnRef>
+          <a:fillRef idx="0">
+            <a:schemeClr val="accent1"/>
+          </a:fillRef>
+          <a:effectRef idx="0">
+            <a:schemeClr val="accent1"/>
+          </a:effectRef>
+          <a:fontRef idx="minor">
+            <a:schemeClr val="tx1"/>
+          </a:fontRef>
+        </p:style>
+      </p:cxnSp>
+      <p:sp>
+        <p:nvSpPr>
+          <p:cNvPr id="17" name="TextBox 16">
+            <a:extLst>
+              <a:ext uri="{FF2B5EF4-FFF2-40B4-BE49-F238E27FC236}">
+                <a16:creationId xmlns:a16="http://schemas.microsoft.com/office/drawing/2014/main" id="{90330FB7-3EA0-48A8-A168-B13940C47B54}"/>
+              </a:ext>
+            </a:extLst>
+          </p:cNvPr>
+          <p:cNvSpPr txBox="1"/>
+          <p:nvPr/>
+        </p:nvSpPr>
+        <p:spPr>
+          <a:xfrm>
+            <a:off x="5488167" y="2667599"/>
+            <a:ext cx="1371145" cy="307777"/>
+          </a:xfrm>
+          <a:prstGeom prst="rect">
+            <a:avLst/>
+          </a:prstGeom>
+          <a:noFill/>
+        </p:spPr>
+        <p:txBody>
+          <a:bodyPr wrap="none" rtlCol="0">
+            <a:spAutoFit/>
+          </a:bodyPr>
+          <a:lstStyle/>
+          <a:p>
+            <a:r>
+              <a:rPr lang="en-US" sz="1400" dirty="0" err="1"/>
+              <a:t>updateObserver</a:t>
+            </a:r>
+            <a:endParaRPr lang="en-US" sz="1400" dirty="0"/>
+          </a:p>
+        </p:txBody>
+      </p:sp>
+      <p:sp>
+        <p:nvSpPr>
+          <p:cNvPr id="18" name="TextBox 17">
+            <a:extLst>
+              <a:ext uri="{FF2B5EF4-FFF2-40B4-BE49-F238E27FC236}">
+                <a16:creationId xmlns:a16="http://schemas.microsoft.com/office/drawing/2014/main" id="{D11BA25B-3A38-48A6-9449-387DADC54C7B}"/>
+              </a:ext>
+            </a:extLst>
+          </p:cNvPr>
+          <p:cNvSpPr txBox="1"/>
+          <p:nvPr/>
+        </p:nvSpPr>
+        <p:spPr>
+          <a:xfrm>
+            <a:off x="1415921" y="2596253"/>
+            <a:ext cx="760914" cy="307777"/>
+          </a:xfrm>
+          <a:prstGeom prst="rect">
+            <a:avLst/>
+          </a:prstGeom>
+          <a:noFill/>
+        </p:spPr>
+        <p:txBody>
+          <a:bodyPr wrap="none" rtlCol="0">
+            <a:spAutoFit/>
+          </a:bodyPr>
+          <a:lstStyle/>
+          <a:p>
+            <a:r>
+              <a:rPr lang="en-US" sz="1400" dirty="0"/>
+              <a:t>forward</a:t>
+            </a:r>
+          </a:p>
+        </p:txBody>
+      </p:sp>
+      <p:sp>
+        <p:nvSpPr>
+          <p:cNvPr id="51" name="Rettangolo con angoli arrotondati 82">
+            <a:extLst>
+              <a:ext uri="{FF2B5EF4-FFF2-40B4-BE49-F238E27FC236}">
+                <a16:creationId xmlns:a16="http://schemas.microsoft.com/office/drawing/2014/main" id="{390108D2-33A2-4B4B-86DE-D1E8E6360674}"/>
+              </a:ext>
+            </a:extLst>
+          </p:cNvPr>
+          <p:cNvSpPr/>
+          <p:nvPr/>
+        </p:nvSpPr>
+        <p:spPr>
+          <a:xfrm>
+            <a:off x="606788" y="1126400"/>
+            <a:ext cx="1565276" cy="388620"/>
+          </a:xfrm>
+          <a:prstGeom prst="roundRect">
+            <a:avLst/>
+          </a:prstGeom>
+          <a:solidFill>
+            <a:schemeClr val="accent4">
+              <a:lumMod val="20%"/>
+              <a:lumOff val="80%"/>
+            </a:schemeClr>
+          </a:solidFill>
+        </p:spPr>
+        <p:style>
+          <a:lnRef idx="2">
+            <a:schemeClr val="accent1">
+              <a:shade val="50%"/>
+            </a:schemeClr>
+          </a:lnRef>
+          <a:fillRef idx="1">
+            <a:schemeClr val="accent1"/>
+          </a:fillRef>
+          <a:effectRef idx="0">
+            <a:schemeClr val="accent1"/>
+          </a:effectRef>
+          <a:fontRef idx="minor">
+            <a:schemeClr val="lt1"/>
+          </a:fontRef>
+        </p:style>
+        <p:txBody>
+          <a:bodyPr rtlCol="0" anchor="ctr"/>
+          <a:lstStyle/>
+          <a:p>
+            <a:pPr algn="ctr"/>
+            <a:r>
+              <a:rPr lang="it-IT" sz="1400" dirty="0">
+                <a:solidFill>
+                  <a:schemeClr val="tx1"/>
+                </a:solidFill>
+              </a:rPr>
+              <a:t>RobotMovesInfo</a:t>
+            </a:r>
+          </a:p>
+        </p:txBody>
+      </p:sp>
+      <p:cxnSp>
+        <p:nvCxnSpPr>
+          <p:cNvPr id="20" name="Straight Arrow Connector 19">
+            <a:extLst>
+              <a:ext uri="{FF2B5EF4-FFF2-40B4-BE49-F238E27FC236}">
+                <a16:creationId xmlns:a16="http://schemas.microsoft.com/office/drawing/2014/main" id="{DC199BD1-8907-4C74-8A22-5AB03B5FB2EC}"/>
+              </a:ext>
+            </a:extLst>
+          </p:cNvPr>
+          <p:cNvCxnSpPr>
+            <a:cxnSpLocks/>
+            <a:stCxn id="38" idx="0"/>
+            <a:endCxn id="51" idx="2"/>
+          </p:cNvCxnSpPr>
+          <p:nvPr/>
+        </p:nvCxnSpPr>
+        <p:spPr>
+          <a:xfrm flipH="1" flipV="1">
+            <a:off x="1389426" y="1515020"/>
+            <a:ext cx="26495" cy="434846"/>
+          </a:xfrm>
+          <a:prstGeom prst="straightConnector1">
+            <a:avLst/>
+          </a:prstGeom>
+          <a:ln>
+            <a:tailEnd type="triangle"/>
+          </a:ln>
+        </p:spPr>
+        <p:style>
+          <a:lnRef idx="1">
+            <a:schemeClr val="accent1"/>
+          </a:lnRef>
+          <a:fillRef idx="0">
+            <a:schemeClr val="accent1"/>
+          </a:fillRef>
+          <a:effectRef idx="0">
+            <a:schemeClr val="accent1"/>
+          </a:effectRef>
+          <a:fontRef idx="minor">
+            <a:schemeClr val="tx1"/>
+          </a:fontRef>
+        </p:style>
+      </p:cxnSp>
+      <p:sp>
+        <p:nvSpPr>
+          <p:cNvPr id="56" name="TextBox 55">
+            <a:extLst>
+              <a:ext uri="{FF2B5EF4-FFF2-40B4-BE49-F238E27FC236}">
+                <a16:creationId xmlns:a16="http://schemas.microsoft.com/office/drawing/2014/main" id="{09A12578-6AFD-46CF-8C33-C22142509EC5}"/>
+              </a:ext>
+            </a:extLst>
+          </p:cNvPr>
+          <p:cNvSpPr txBox="1"/>
+          <p:nvPr/>
+        </p:nvSpPr>
+        <p:spPr>
+          <a:xfrm>
+            <a:off x="3951410" y="1366138"/>
+            <a:ext cx="714106" cy="307777"/>
+          </a:xfrm>
+          <a:prstGeom prst="rect">
+            <a:avLst/>
+          </a:prstGeom>
+          <a:noFill/>
+        </p:spPr>
+        <p:txBody>
+          <a:bodyPr wrap="none" rtlCol="0">
+            <a:spAutoFit/>
+          </a:bodyPr>
+          <a:lstStyle/>
+          <a:p>
+            <a:r>
+              <a:rPr lang="en-US" sz="1400" dirty="0"/>
+              <a:t>creates</a:t>
+            </a:r>
+          </a:p>
+        </p:txBody>
+      </p:sp>
+    </p:spTree>
+    <p:extLst>
+      <p:ext uri="{BB962C8B-B14F-4D97-AF65-F5344CB8AC3E}">
+        <p14:creationId xmlns:p14="http://schemas.microsoft.com/office/powerpoint/2010/main" val="184124317"/>
+      </p:ext>
+    </p:extLst>
+  </p:cSld>
+  <p:clrMapOvr>
+    <a:masterClrMapping/>
+  </p:clrMapOvr>
+</p:sld>
+</file>
+
+<file path=ppt/slides/slide9.xml><?xml version="1.0" encoding="utf-8"?>
 <p:sld xmlns:a="http://purl.oclc.org/ooxml/drawingml/main" xmlns:r="http://purl.oclc.org/ooxml/officeDocument/relationships" xmlns:p="http://purl.oclc.org/ooxml/presentationml/main">
   <p:cSld>
     <p:spTree>
@@ -32074,301 +34241,6 @@
     <p:extLst>
       <p:ext uri="{BB962C8B-B14F-4D97-AF65-F5344CB8AC3E}">
         <p14:creationId xmlns:p14="http://schemas.microsoft.com/office/powerpoint/2010/main" val="2125638574"/>
-      </p:ext>
-    </p:extLst>
-  </p:cSld>
-  <p:clrMapOvr>
-    <a:masterClrMapping/>
-  </p:clrMapOvr>
-</p:sld>
-</file>
-
-<file path=ppt/slides/slide9.xml><?xml version="1.0" encoding="utf-8"?>
-<p:sld xmlns:a="http://purl.oclc.org/ooxml/drawingml/main" xmlns:r="http://purl.oclc.org/ooxml/officeDocument/relationships" xmlns:p="http://purl.oclc.org/ooxml/presentationml/main">
-  <p:cSld>
-    <p:spTree>
-      <p:nvGrpSpPr>
-        <p:cNvPr id="1" name=""/>
-        <p:cNvGrpSpPr/>
-        <p:nvPr/>
-      </p:nvGrpSpPr>
-      <p:grpSpPr>
-        <a:xfrm>
-          <a:off x="0" y="0"/>
-          <a:ext cx="0" cy="0"/>
-          <a:chOff x="0" y="0"/>
-          <a:chExt cx="0" cy="0"/>
-        </a:xfrm>
-      </p:grpSpPr>
-      <p:pic>
-        <p:nvPicPr>
-          <p:cNvPr id="5" name="Picture 4">
-            <a:extLst>
-              <a:ext uri="{FF2B5EF4-FFF2-40B4-BE49-F238E27FC236}">
-                <a16:creationId xmlns:a16="http://schemas.microsoft.com/office/drawing/2014/main" id="{AFB81088-0FD8-4C1A-A073-21ECCB654BAC}"/>
-              </a:ext>
-            </a:extLst>
-          </p:cNvPr>
-          <p:cNvPicPr>
-            <a:picLocks noChangeAspect="1"/>
-          </p:cNvPicPr>
-          <p:nvPr/>
-        </p:nvPicPr>
-        <p:blipFill>
-          <a:blip r:embed="rId2"/>
-          <a:stretch>
-            <a:fillRect/>
-          </a:stretch>
-        </p:blipFill>
-        <p:spPr>
-          <a:xfrm>
-            <a:off x="718033" y="55808"/>
-            <a:ext cx="7334297" cy="4890900"/>
-          </a:xfrm>
-          <a:prstGeom prst="rect">
-            <a:avLst/>
-          </a:prstGeom>
-        </p:spPr>
-      </p:pic>
-      <p:sp>
-        <p:nvSpPr>
-          <p:cNvPr id="6" name="TextBox 5">
-            <a:extLst>
-              <a:ext uri="{FF2B5EF4-FFF2-40B4-BE49-F238E27FC236}">
-                <a16:creationId xmlns:a16="http://schemas.microsoft.com/office/drawing/2014/main" id="{C36357A5-CC17-4235-8378-988782E4CF6F}"/>
-              </a:ext>
-            </a:extLst>
-          </p:cNvPr>
-          <p:cNvSpPr txBox="1"/>
-          <p:nvPr/>
-        </p:nvSpPr>
-        <p:spPr>
-          <a:xfrm>
-            <a:off x="6728773" y="155959"/>
-            <a:ext cx="2036538" cy="923330"/>
-          </a:xfrm>
-          <a:prstGeom prst="rect">
-            <a:avLst/>
-          </a:prstGeom>
-        </p:spPr>
-        <p:style>
-          <a:lnRef idx="3">
-            <a:schemeClr val="lt1"/>
-          </a:lnRef>
-          <a:fillRef idx="1">
-            <a:schemeClr val="accent5"/>
-          </a:fillRef>
-          <a:effectRef idx="1">
-            <a:schemeClr val="accent5"/>
-          </a:effectRef>
-          <a:fontRef idx="minor">
-            <a:schemeClr val="lt1"/>
-          </a:fontRef>
-        </p:style>
-        <p:txBody>
-          <a:bodyPr wrap="square" rtlCol="0">
-            <a:spAutoFit/>
-          </a:bodyPr>
-          <a:lstStyle/>
-          <a:p>
-            <a:r>
-              <a:rPr lang="en-US" dirty="0"/>
-              <a:t>Console updated </a:t>
-            </a:r>
-          </a:p>
-          <a:p>
-            <a:r>
-              <a:rPr lang="en-US" dirty="0"/>
-              <a:t>by scripts loaded in</a:t>
-            </a:r>
-          </a:p>
-          <a:p>
-            <a:r>
-              <a:rPr lang="en-US" dirty="0"/>
-              <a:t>the HTML file</a:t>
-            </a:r>
-          </a:p>
-        </p:txBody>
-      </p:sp>
-      <p:cxnSp>
-        <p:nvCxnSpPr>
-          <p:cNvPr id="8" name="Connector: Elbow 7">
-            <a:extLst>
-              <a:ext uri="{FF2B5EF4-FFF2-40B4-BE49-F238E27FC236}">
-                <a16:creationId xmlns:a16="http://schemas.microsoft.com/office/drawing/2014/main" id="{3D11A2D7-9F4E-4D63-B323-940A510164E2}"/>
-              </a:ext>
-            </a:extLst>
-          </p:cNvPr>
-          <p:cNvCxnSpPr>
-            <a:cxnSpLocks/>
-            <a:stCxn id="6" idx="1"/>
-          </p:cNvCxnSpPr>
-          <p:nvPr/>
-        </p:nvCxnSpPr>
-        <p:spPr>
-          <a:xfrm rot="10800000" flipV="1">
-            <a:off x="5544925" y="617624"/>
-            <a:ext cx="1183848" cy="1214288"/>
-          </a:xfrm>
-          <a:prstGeom prst="bentConnector2">
-            <a:avLst/>
-          </a:prstGeom>
-          <a:ln w="38100">
-            <a:tailEnd type="triangle"/>
-          </a:ln>
-        </p:spPr>
-        <p:style>
-          <a:lnRef idx="1">
-            <a:schemeClr val="accent1"/>
-          </a:lnRef>
-          <a:fillRef idx="0">
-            <a:schemeClr val="accent1"/>
-          </a:fillRef>
-          <a:effectRef idx="0">
-            <a:schemeClr val="accent1"/>
-          </a:effectRef>
-          <a:fontRef idx="minor">
-            <a:schemeClr val="tx1"/>
-          </a:fontRef>
-        </p:style>
-      </p:cxnSp>
-      <p:pic>
-        <p:nvPicPr>
-          <p:cNvPr id="14" name="Picture 13">
-            <a:extLst>
-              <a:ext uri="{FF2B5EF4-FFF2-40B4-BE49-F238E27FC236}">
-                <a16:creationId xmlns:a16="http://schemas.microsoft.com/office/drawing/2014/main" id="{48BED648-CEEF-40FA-870E-F6B366786F13}"/>
-              </a:ext>
-            </a:extLst>
-          </p:cNvPr>
-          <p:cNvPicPr>
-            <a:picLocks noChangeAspect="1"/>
-          </p:cNvPicPr>
-          <p:nvPr/>
-        </p:nvPicPr>
-        <p:blipFill>
-          <a:blip r:embed="rId3"/>
-          <a:stretch>
-            <a:fillRect/>
-          </a:stretch>
-        </p:blipFill>
-        <p:spPr>
-          <a:xfrm>
-            <a:off x="720028" y="5030273"/>
-            <a:ext cx="8416608" cy="1322610"/>
-          </a:xfrm>
-          <a:prstGeom prst="rect">
-            <a:avLst/>
-          </a:prstGeom>
-        </p:spPr>
-      </p:pic>
-      <p:sp>
-        <p:nvSpPr>
-          <p:cNvPr id="17" name="TextBox 16">
-            <a:extLst>
-              <a:ext uri="{FF2B5EF4-FFF2-40B4-BE49-F238E27FC236}">
-                <a16:creationId xmlns:a16="http://schemas.microsoft.com/office/drawing/2014/main" id="{5F6502D7-940A-48F7-A00E-FA8C63C2F084}"/>
-              </a:ext>
-            </a:extLst>
-          </p:cNvPr>
-          <p:cNvSpPr txBox="1"/>
-          <p:nvPr/>
-        </p:nvSpPr>
-        <p:spPr>
-          <a:xfrm>
-            <a:off x="7747042" y="4216813"/>
-            <a:ext cx="2036538" cy="646331"/>
-          </a:xfrm>
-          <a:prstGeom prst="rect">
-            <a:avLst/>
-          </a:prstGeom>
-        </p:spPr>
-        <p:style>
-          <a:lnRef idx="3">
-            <a:schemeClr val="lt1"/>
-          </a:lnRef>
-          <a:fillRef idx="1">
-            <a:schemeClr val="accent5"/>
-          </a:fillRef>
-          <a:effectRef idx="1">
-            <a:schemeClr val="accent5"/>
-          </a:effectRef>
-          <a:fontRef idx="minor">
-            <a:schemeClr val="lt1"/>
-          </a:fontRef>
-        </p:style>
-        <p:txBody>
-          <a:bodyPr wrap="square" rtlCol="0">
-            <a:spAutoFit/>
-          </a:bodyPr>
-          <a:lstStyle/>
-          <a:p>
-            <a:r>
-              <a:rPr lang="en-US" dirty="0"/>
-              <a:t>Console updated </a:t>
-            </a:r>
-          </a:p>
-          <a:p>
-            <a:r>
-              <a:rPr lang="en-US" dirty="0"/>
-              <a:t>by </a:t>
-            </a:r>
-            <a:r>
-              <a:rPr lang="en-US" dirty="0" err="1"/>
-              <a:t>WebpageServer</a:t>
-            </a:r>
-            <a:endParaRPr lang="en-US" dirty="0"/>
-          </a:p>
-        </p:txBody>
-      </p:sp>
-      <p:cxnSp>
-        <p:nvCxnSpPr>
-          <p:cNvPr id="18" name="Connector: Elbow 17">
-            <a:extLst>
-              <a:ext uri="{FF2B5EF4-FFF2-40B4-BE49-F238E27FC236}">
-                <a16:creationId xmlns:a16="http://schemas.microsoft.com/office/drawing/2014/main" id="{0D85D913-17E4-435F-AD46-D093FA5BB6A0}"/>
-              </a:ext>
-            </a:extLst>
-          </p:cNvPr>
-          <p:cNvCxnSpPr>
-            <a:cxnSpLocks/>
-            <a:stCxn id="17" idx="2"/>
-          </p:cNvCxnSpPr>
-          <p:nvPr/>
-        </p:nvCxnSpPr>
-        <p:spPr>
-          <a:xfrm rot="5400000">
-            <a:off x="8305748" y="5319147"/>
-            <a:ext cx="915567" cy="3560"/>
-          </a:xfrm>
-          <a:prstGeom prst="bentConnector3">
-            <a:avLst>
-              <a:gd name="adj1" fmla="val 50000"/>
-            </a:avLst>
-          </a:prstGeom>
-          <a:ln w="38100">
-            <a:tailEnd type="triangle"/>
-          </a:ln>
-        </p:spPr>
-        <p:style>
-          <a:lnRef idx="1">
-            <a:schemeClr val="accent1"/>
-          </a:lnRef>
-          <a:fillRef idx="0">
-            <a:schemeClr val="accent1"/>
-          </a:fillRef>
-          <a:effectRef idx="0">
-            <a:schemeClr val="accent1"/>
-          </a:effectRef>
-          <a:fontRef idx="minor">
-            <a:schemeClr val="tx1"/>
-          </a:fontRef>
-        </p:style>
-      </p:cxnSp>
-    </p:spTree>
-    <p:extLst>
-      <p:ext uri="{BB962C8B-B14F-4D97-AF65-F5344CB8AC3E}">
-        <p14:creationId xmlns:p14="http://schemas.microsoft.com/office/powerpoint/2010/main" val="2403224497"/>
       </p:ext>
     </p:extLst>
   </p:cSld>

--- a/it.unibo.issLabStart/userDocs/BoundaryProblem.pptx
+++ b/it.unibo.issLabStart/userDocs/BoundaryProblem.pptx
@@ -5,7 +5,7 @@
     <p:sldMasterId id="2147483648" r:id="rId1"/>
   </p:sldMasterIdLst>
   <p:notesMasterIdLst>
-    <p:notesMasterId r:id="rId16"/>
+    <p:notesMasterId r:id="rId17"/>
   </p:notesMasterIdLst>
   <p:sldIdLst>
     <p:sldId id="359" r:id="rId2"/>
@@ -14,14 +14,15 @@
     <p:sldId id="360" r:id="rId5"/>
     <p:sldId id="361" r:id="rId6"/>
     <p:sldId id="364" r:id="rId7"/>
-    <p:sldId id="365" r:id="rId8"/>
-    <p:sldId id="366" r:id="rId9"/>
-    <p:sldId id="362" r:id="rId10"/>
-    <p:sldId id="363" r:id="rId11"/>
-    <p:sldId id="262" r:id="rId12"/>
-    <p:sldId id="263" r:id="rId13"/>
-    <p:sldId id="265" r:id="rId14"/>
-    <p:sldId id="267" r:id="rId15"/>
+    <p:sldId id="366" r:id="rId8"/>
+    <p:sldId id="365" r:id="rId9"/>
+    <p:sldId id="367" r:id="rId10"/>
+    <p:sldId id="362" r:id="rId11"/>
+    <p:sldId id="363" r:id="rId12"/>
+    <p:sldId id="262" r:id="rId13"/>
+    <p:sldId id="263" r:id="rId14"/>
+    <p:sldId id="265" r:id="rId15"/>
+    <p:sldId id="267" r:id="rId16"/>
   </p:sldIdLst>
   <p:sldSz cx="12192000" cy="6858000"/>
   <p:notesSz cx="6858000" cy="9144000"/>
@@ -210,7 +211,7 @@
           <a:p>
             <a:fld id="{942553E1-92AB-4B63-B7B8-8F4E5F5B5F10}" type="datetimeFigureOut">
               <a:rPr lang="en-US" smtClean="0"/>
-              <a:t>3/16/2021</a:t>
+              <a:t>3/22/2021</a:t>
             </a:fld>
             <a:endParaRPr lang="en-US"/>
           </a:p>
@@ -551,7 +552,7 @@
     </p:spTree>
     <p:extLst>
       <p:ext uri="{BB962C8B-B14F-4D97-AF65-F5344CB8AC3E}">
-        <p14:creationId xmlns:p14="http://schemas.microsoft.com/office/powerpoint/2010/main" val="812922200"/>
+        <p14:creationId xmlns:p14="http://schemas.microsoft.com/office/powerpoint/2010/main" val="1373432869"/>
       </p:ext>
     </p:extLst>
   </p:cSld>
@@ -635,7 +636,7 @@
     </p:spTree>
     <p:extLst>
       <p:ext uri="{BB962C8B-B14F-4D97-AF65-F5344CB8AC3E}">
-        <p14:creationId xmlns:p14="http://schemas.microsoft.com/office/powerpoint/2010/main" val="1373432869"/>
+        <p14:creationId xmlns:p14="http://schemas.microsoft.com/office/powerpoint/2010/main" val="812922200"/>
       </p:ext>
     </p:extLst>
   </p:cSld>
@@ -1980,7 +1981,7 @@
             <a:fld id="{E1625027-F480-45BE-98EB-E4ABD50F7C43}" type="datetime1">
               <a:rPr lang="en-US"/>
               <a:pPr lvl="0"/>
-              <a:t>3/14/2021</a:t>
+              <a:t>3/22/2021</a:t>
             </a:fld>
             <a:endParaRPr lang="en-US"/>
           </a:p>
@@ -2185,7 +2186,7 @@
             <a:fld id="{2B127D2E-5ADA-4DDC-9F1A-AD6A016AA88A}" type="datetime1">
               <a:rPr lang="en-US"/>
               <a:pPr lvl="0"/>
-              <a:t>3/14/2021</a:t>
+              <a:t>3/22/2021</a:t>
             </a:fld>
             <a:endParaRPr lang="en-US"/>
           </a:p>
@@ -2435,7 +2436,7 @@
             <a:fld id="{DC8D2D60-A35A-4E29-90AF-F462F3828E68}" type="datetime1">
               <a:rPr lang="en-US"/>
               <a:pPr lvl="0"/>
-              <a:t>3/14/2021</a:t>
+              <a:t>3/22/2021</a:t>
             </a:fld>
             <a:endParaRPr lang="en-US"/>
           </a:p>
@@ -2773,7 +2774,7 @@
             <a:fld id="{28219253-5FC5-4A40-8333-D1B15AC5878A}" type="datetime1">
               <a:rPr lang="en-US"/>
               <a:pPr lvl="0"/>
-              <a:t>3/14/2021</a:t>
+              <a:t>3/22/2021</a:t>
             </a:fld>
             <a:endParaRPr lang="en-US"/>
           </a:p>
@@ -3023,7 +3024,7 @@
             <a:fld id="{33CA4D83-3349-4ABB-88EE-6E4E7B0BB022}" type="datetime1">
               <a:rPr lang="en-US"/>
               <a:pPr lvl="0"/>
-              <a:t>3/14/2021</a:t>
+              <a:t>3/22/2021</a:t>
             </a:fld>
             <a:endParaRPr lang="en-US"/>
           </a:p>
@@ -3403,7 +3404,7 @@
             <a:fld id="{2FB5C852-7CCC-490C-814F-DFECD5F43B20}" type="datetime1">
               <a:rPr lang="en-US"/>
               <a:pPr lvl="0"/>
-              <a:t>3/14/2021</a:t>
+              <a:t>3/22/2021</a:t>
             </a:fld>
             <a:endParaRPr lang="en-US"/>
           </a:p>
@@ -3637,7 +3638,7 @@
             <a:fld id="{7B2A1F4C-93D8-43D7-8339-D733494904AF}" type="datetime1">
               <a:rPr lang="en-US"/>
               <a:pPr lvl="0"/>
-              <a:t>3/14/2021</a:t>
+              <a:t>3/22/2021</a:t>
             </a:fld>
             <a:endParaRPr lang="en-US"/>
           </a:p>
@@ -3881,7 +3882,7 @@
             <a:fld id="{77885217-A614-4057-B794-FF8AEFCE0435}" type="datetime1">
               <a:rPr lang="en-US"/>
               <a:pPr lvl="0"/>
-              <a:t>3/14/2021</a:t>
+              <a:t>3/22/2021</a:t>
             </a:fld>
             <a:endParaRPr lang="en-US"/>
           </a:p>
@@ -4115,7 +4116,7 @@
             <a:fld id="{D0DACD68-29B9-4EF3-AEDA-C2F359F2DD76}" type="datetime1">
               <a:rPr lang="en-US"/>
               <a:pPr lvl="0"/>
-              <a:t>3/14/2021</a:t>
+              <a:t>3/22/2021</a:t>
             </a:fld>
             <a:endParaRPr lang="en-US"/>
           </a:p>
@@ -4324,7 +4325,7 @@
             <a:fld id="{06E0725F-6EB9-4ECD-B0CE-1D38B1127686}" type="datetime1">
               <a:rPr lang="en-US"/>
               <a:pPr lvl="0"/>
-              <a:t>3/14/2021</a:t>
+              <a:t>3/22/2021</a:t>
             </a:fld>
             <a:endParaRPr lang="en-US"/>
           </a:p>
@@ -4641,7 +4642,7 @@
             <a:fld id="{4C942382-4B6B-45E1-9E36-EC8B67CEA045}" type="datetime1">
               <a:rPr lang="en-US"/>
               <a:pPr lvl="0"/>
-              <a:t>3/14/2021</a:t>
+              <a:t>3/22/2021</a:t>
             </a:fld>
             <a:endParaRPr lang="en-US"/>
           </a:p>
@@ -5040,7 +5041,7 @@
             <a:fld id="{7D3D84F2-FEA2-4427-96E5-10B973ED4870}" type="datetime1">
               <a:rPr lang="en-US"/>
               <a:pPr lvl="0"/>
-              <a:t>3/14/2021</a:t>
+              <a:t>3/22/2021</a:t>
             </a:fld>
             <a:endParaRPr lang="en-US"/>
           </a:p>
@@ -5201,7 +5202,7 @@
             <a:fld id="{B7AF3369-AE36-4F4C-A2F2-CD9A19A2C3F5}" type="datetime1">
               <a:rPr lang="en-US"/>
               <a:pPr lvl="0"/>
-              <a:t>3/14/2021</a:t>
+              <a:t>3/22/2021</a:t>
             </a:fld>
             <a:endParaRPr lang="en-US"/>
           </a:p>
@@ -5330,7 +5331,7 @@
             <a:fld id="{1DBFF290-4D61-45AA-9912-220341DCFF82}" type="datetime1">
               <a:rPr lang="en-US"/>
               <a:pPr lvl="0"/>
-              <a:t>3/14/2021</a:t>
+              <a:t>3/22/2021</a:t>
             </a:fld>
             <a:endParaRPr lang="en-US"/>
           </a:p>
@@ -5613,7 +5614,7 @@
             <a:fld id="{394810FF-4C92-4868-8A78-69B7E79AAD23}" type="datetime1">
               <a:rPr lang="en-US"/>
               <a:pPr lvl="0"/>
-              <a:t>3/14/2021</a:t>
+              <a:t>3/22/2021</a:t>
             </a:fld>
             <a:endParaRPr lang="en-US"/>
           </a:p>
@@ -5857,7 +5858,7 @@
             <a:fld id="{5EEF1104-63C8-41E5-ADC2-4624C67A1313}" type="datetime1">
               <a:rPr lang="en-US"/>
               <a:pPr lvl="0"/>
-              <a:t>3/14/2021</a:t>
+              <a:t>3/22/2021</a:t>
             </a:fld>
             <a:endParaRPr lang="en-US"/>
           </a:p>
@@ -7343,7 +7344,7 @@
             <a:fld id="{3431AD46-0528-4BA3-9348-B3C09F91749D}" type="datetime1">
               <a:rPr lang="en-US"/>
               <a:pPr lvl="0"/>
-              <a:t>3/14/2021</a:t>
+              <a:t>3/22/2021</a:t>
             </a:fld>
             <a:endParaRPr lang="en-US"/>
           </a:p>
@@ -8499,7 +8500,7 @@
         </p:blipFill>
         <p:spPr>
           <a:xfrm>
-            <a:off x="718033" y="55808"/>
+            <a:off x="553141" y="1907093"/>
             <a:ext cx="7334297" cy="4890900"/>
           </a:xfrm>
           <a:prstGeom prst="rect">
@@ -8521,7 +8522,7 @@
         </p:nvSpPr>
         <p:spPr>
           <a:xfrm>
-            <a:off x="6728773" y="155959"/>
+            <a:off x="6563881" y="2007244"/>
             <a:ext cx="2036538" cy="923330"/>
           </a:xfrm>
           <a:prstGeom prst="rect">
@@ -8584,7 +8585,7 @@
         </p:nvCxnSpPr>
         <p:spPr>
           <a:xfrm rot="10800000" flipV="1">
-            <a:off x="5544925" y="617624"/>
+            <a:off x="5380033" y="2468909"/>
             <a:ext cx="1183848" cy="1214288"/>
           </a:xfrm>
           <a:prstGeom prst="bentConnector2">
@@ -8631,7 +8632,7 @@
         </p:blipFill>
         <p:spPr>
           <a:xfrm>
-            <a:off x="720028" y="5030273"/>
+            <a:off x="553141" y="154447"/>
             <a:ext cx="8416608" cy="1322610"/>
           </a:xfrm>
           <a:prstGeom prst="rect">
@@ -8653,7 +8654,7 @@
         </p:nvSpPr>
         <p:spPr>
           <a:xfrm>
-            <a:off x="7747042" y="4216813"/>
+            <a:off x="6563881" y="1314062"/>
             <a:ext cx="2036538" cy="646331"/>
           </a:xfrm>
           <a:prstGeom prst="rect">
@@ -8691,6 +8692,651 @@
               <a:t>by </a:t>
             </a:r>
             <a:r>
+              <a:rPr lang="en-US" dirty="0" err="1">
+                <a:solidFill>
+                  <a:srgbClr val="FFFF00"/>
+                </a:solidFill>
+              </a:rPr>
+              <a:t>WebpageServer</a:t>
+            </a:r>
+            <a:endParaRPr lang="en-US" dirty="0">
+              <a:solidFill>
+                <a:srgbClr val="FFFF00"/>
+              </a:solidFill>
+            </a:endParaRPr>
+          </a:p>
+        </p:txBody>
+      </p:sp>
+      <p:cxnSp>
+        <p:nvCxnSpPr>
+          <p:cNvPr id="18" name="Connector: Elbow 17">
+            <a:extLst>
+              <a:ext uri="{FF2B5EF4-FFF2-40B4-BE49-F238E27FC236}">
+                <a16:creationId xmlns:a16="http://schemas.microsoft.com/office/drawing/2014/main" id="{0D85D913-17E4-435F-AD46-D093FA5BB6A0}"/>
+              </a:ext>
+            </a:extLst>
+          </p:cNvPr>
+          <p:cNvCxnSpPr>
+            <a:cxnSpLocks/>
+            <a:stCxn id="17" idx="0"/>
+          </p:cNvCxnSpPr>
+          <p:nvPr/>
+        </p:nvCxnSpPr>
+        <p:spPr>
+          <a:xfrm rot="16200000" flipV="1">
+            <a:off x="6998939" y="730851"/>
+            <a:ext cx="412292" cy="754130"/>
+          </a:xfrm>
+          <a:prstGeom prst="bentConnector2">
+            <a:avLst/>
+          </a:prstGeom>
+          <a:ln w="38100">
+            <a:tailEnd type="triangle"/>
+          </a:ln>
+        </p:spPr>
+        <p:style>
+          <a:lnRef idx="1">
+            <a:schemeClr val="accent1"/>
+          </a:lnRef>
+          <a:fillRef idx="0">
+            <a:schemeClr val="accent1"/>
+          </a:fillRef>
+          <a:effectRef idx="0">
+            <a:schemeClr val="accent1"/>
+          </a:effectRef>
+          <a:fontRef idx="minor">
+            <a:schemeClr val="tx1"/>
+          </a:fontRef>
+        </p:style>
+      </p:cxnSp>
+      <p:pic>
+        <p:nvPicPr>
+          <p:cNvPr id="34" name="Picture 33">
+            <a:extLst>
+              <a:ext uri="{FF2B5EF4-FFF2-40B4-BE49-F238E27FC236}">
+                <a16:creationId xmlns:a16="http://schemas.microsoft.com/office/drawing/2014/main" id="{4DD27EC7-1FD0-4591-A83D-5C0A1A2BE236}"/>
+              </a:ext>
+            </a:extLst>
+          </p:cNvPr>
+          <p:cNvPicPr>
+            <a:picLocks noChangeAspect="1"/>
+          </p:cNvPicPr>
+          <p:nvPr/>
+        </p:nvPicPr>
+        <p:blipFill>
+          <a:blip r:embed="rId4"/>
+          <a:stretch>
+            <a:fillRect/>
+          </a:stretch>
+        </p:blipFill>
+        <p:spPr>
+          <a:xfrm>
+            <a:off x="8184262" y="3878486"/>
+            <a:ext cx="4007738" cy="2979514"/>
+          </a:xfrm>
+          <a:prstGeom prst="rect">
+            <a:avLst/>
+          </a:prstGeom>
+        </p:spPr>
+      </p:pic>
+      <p:sp>
+        <p:nvSpPr>
+          <p:cNvPr id="37" name="TextBox 36">
+            <a:extLst>
+              <a:ext uri="{FF2B5EF4-FFF2-40B4-BE49-F238E27FC236}">
+                <a16:creationId xmlns:a16="http://schemas.microsoft.com/office/drawing/2014/main" id="{8FEE04FE-FBC2-40A5-8ADE-B1612D9ABE73}"/>
+              </a:ext>
+            </a:extLst>
+          </p:cNvPr>
+          <p:cNvSpPr txBox="1"/>
+          <p:nvPr/>
+        </p:nvSpPr>
+        <p:spPr>
+          <a:xfrm>
+            <a:off x="8692234" y="2007244"/>
+            <a:ext cx="2036538" cy="1477328"/>
+          </a:xfrm>
+          <a:prstGeom prst="rect">
+            <a:avLst/>
+          </a:prstGeom>
+        </p:spPr>
+        <p:style>
+          <a:lnRef idx="3">
+            <a:schemeClr val="lt1"/>
+          </a:lnRef>
+          <a:fillRef idx="1">
+            <a:schemeClr val="accent5"/>
+          </a:fillRef>
+          <a:effectRef idx="1">
+            <a:schemeClr val="accent5"/>
+          </a:effectRef>
+          <a:fontRef idx="minor">
+            <a:schemeClr val="lt1"/>
+          </a:fontRef>
+        </p:style>
+        <p:txBody>
+          <a:bodyPr wrap="square" rtlCol="0">
+            <a:spAutoFit/>
+          </a:bodyPr>
+          <a:lstStyle/>
+          <a:p>
+            <a:r>
+              <a:rPr lang="en-US" dirty="0"/>
+              <a:t>Console updated </a:t>
+            </a:r>
+          </a:p>
+          <a:p>
+            <a:r>
+              <a:rPr lang="en-US" dirty="0"/>
+              <a:t>by a client (</a:t>
+            </a:r>
+            <a:r>
+              <a:rPr lang="en-US" dirty="0" err="1"/>
+              <a:t>js</a:t>
+            </a:r>
+            <a:r>
+              <a:rPr lang="en-US" dirty="0"/>
+              <a:t>) that handles messages sent by </a:t>
+            </a:r>
+            <a:r>
+              <a:rPr lang="en-US" dirty="0" err="1"/>
+              <a:t>WEnv</a:t>
+            </a:r>
+            <a:r>
+              <a:rPr lang="en-US" dirty="0"/>
+              <a:t> over websocket-8091</a:t>
+            </a:r>
+          </a:p>
+        </p:txBody>
+      </p:sp>
+      <p:cxnSp>
+        <p:nvCxnSpPr>
+          <p:cNvPr id="38" name="Connector: Elbow 37">
+            <a:extLst>
+              <a:ext uri="{FF2B5EF4-FFF2-40B4-BE49-F238E27FC236}">
+                <a16:creationId xmlns:a16="http://schemas.microsoft.com/office/drawing/2014/main" id="{5FCC73B8-2282-4AC2-AE31-52DA6E085D92}"/>
+              </a:ext>
+            </a:extLst>
+          </p:cNvPr>
+          <p:cNvCxnSpPr>
+            <a:cxnSpLocks/>
+            <a:stCxn id="37" idx="2"/>
+          </p:cNvCxnSpPr>
+          <p:nvPr/>
+        </p:nvCxnSpPr>
+        <p:spPr>
+          <a:xfrm rot="16200000" flipH="1">
+            <a:off x="8754631" y="4440443"/>
+            <a:ext cx="1918095" cy="6351"/>
+          </a:xfrm>
+          <a:prstGeom prst="bentConnector3">
+            <a:avLst>
+              <a:gd name="adj1" fmla="val 50000"/>
+            </a:avLst>
+          </a:prstGeom>
+          <a:ln w="38100">
+            <a:tailEnd type="triangle"/>
+          </a:ln>
+        </p:spPr>
+        <p:style>
+          <a:lnRef idx="1">
+            <a:schemeClr val="accent1"/>
+          </a:lnRef>
+          <a:fillRef idx="0">
+            <a:schemeClr val="accent1"/>
+          </a:fillRef>
+          <a:effectRef idx="0">
+            <a:schemeClr val="accent1"/>
+          </a:effectRef>
+          <a:fontRef idx="minor">
+            <a:schemeClr val="tx1"/>
+          </a:fontRef>
+        </p:style>
+      </p:cxnSp>
+      <p:sp>
+        <p:nvSpPr>
+          <p:cNvPr id="47" name="Oval 46">
+            <a:extLst>
+              <a:ext uri="{FF2B5EF4-FFF2-40B4-BE49-F238E27FC236}">
+                <a16:creationId xmlns:a16="http://schemas.microsoft.com/office/drawing/2014/main" id="{AB216C9E-4A20-4717-B1D5-F8E0EAF4F830}"/>
+              </a:ext>
+            </a:extLst>
+          </p:cNvPr>
+          <p:cNvSpPr/>
+          <p:nvPr/>
+        </p:nvSpPr>
+        <p:spPr>
+          <a:xfrm>
+            <a:off x="2140527" y="2883509"/>
+            <a:ext cx="202367" cy="188774"/>
+          </a:xfrm>
+          <a:prstGeom prst="ellipse">
+            <a:avLst/>
+          </a:prstGeom>
+          <a:solidFill>
+            <a:schemeClr val="tx1"/>
+          </a:solidFill>
+          <a:ln>
+            <a:solidFill>
+              <a:schemeClr val="tx1"/>
+            </a:solidFill>
+          </a:ln>
+        </p:spPr>
+        <p:style>
+          <a:lnRef idx="2">
+            <a:schemeClr val="accent1">
+              <a:shade val="50%"/>
+            </a:schemeClr>
+          </a:lnRef>
+          <a:fillRef idx="1">
+            <a:schemeClr val="accent1"/>
+          </a:fillRef>
+          <a:effectRef idx="0">
+            <a:schemeClr val="accent1"/>
+          </a:effectRef>
+          <a:fontRef idx="minor">
+            <a:schemeClr val="lt1"/>
+          </a:fontRef>
+        </p:style>
+        <p:txBody>
+          <a:bodyPr rtlCol="0" anchor="ctr"/>
+          <a:lstStyle/>
+          <a:p>
+            <a:pPr algn="ctr"/>
+            <a:endParaRPr lang="en-US"/>
+          </a:p>
+        </p:txBody>
+      </p:sp>
+      <p:sp>
+        <p:nvSpPr>
+          <p:cNvPr id="51" name="TextBox 50">
+            <a:extLst>
+              <a:ext uri="{FF2B5EF4-FFF2-40B4-BE49-F238E27FC236}">
+                <a16:creationId xmlns:a16="http://schemas.microsoft.com/office/drawing/2014/main" id="{B632D4FD-96B3-4999-B318-E79DE8A8C866}"/>
+              </a:ext>
+            </a:extLst>
+          </p:cNvPr>
+          <p:cNvSpPr txBox="1"/>
+          <p:nvPr/>
+        </p:nvSpPr>
+        <p:spPr>
+          <a:xfrm>
+            <a:off x="553141" y="1521498"/>
+            <a:ext cx="5827942" cy="369332"/>
+          </a:xfrm>
+          <a:prstGeom prst="rect">
+            <a:avLst/>
+          </a:prstGeom>
+        </p:spPr>
+        <p:style>
+          <a:lnRef idx="1">
+            <a:schemeClr val="accent4"/>
+          </a:lnRef>
+          <a:fillRef idx="2">
+            <a:schemeClr val="accent4"/>
+          </a:fillRef>
+          <a:effectRef idx="1">
+            <a:schemeClr val="accent4"/>
+          </a:effectRef>
+          <a:fontRef idx="minor">
+            <a:schemeClr val="dk1"/>
+          </a:fontRef>
+        </p:style>
+        <p:txBody>
+          <a:bodyPr wrap="none" rtlCol="0">
+            <a:spAutoFit/>
+          </a:bodyPr>
+          <a:lstStyle/>
+          <a:p>
+            <a:r>
+              <a:rPr lang="en-US" dirty="0" err="1"/>
+              <a:t>WebpageServer</a:t>
+            </a:r>
+            <a:r>
+              <a:rPr lang="en-US" dirty="0"/>
+              <a:t> updates the scene by using websocket-8090</a:t>
+            </a:r>
+          </a:p>
+        </p:txBody>
+      </p:sp>
+      <p:cxnSp>
+        <p:nvCxnSpPr>
+          <p:cNvPr id="41" name="Connector: Elbow 40">
+            <a:extLst>
+              <a:ext uri="{FF2B5EF4-FFF2-40B4-BE49-F238E27FC236}">
+                <a16:creationId xmlns:a16="http://schemas.microsoft.com/office/drawing/2014/main" id="{B321E8DE-0DCD-4789-AFF8-610118BD0D85}"/>
+              </a:ext>
+            </a:extLst>
+          </p:cNvPr>
+          <p:cNvCxnSpPr>
+            <a:cxnSpLocks/>
+            <a:endCxn id="47" idx="0"/>
+          </p:cNvCxnSpPr>
+          <p:nvPr/>
+        </p:nvCxnSpPr>
+        <p:spPr>
+          <a:xfrm rot="10800000" flipV="1">
+            <a:off x="2241711" y="1837123"/>
+            <a:ext cx="4330470" cy="1046386"/>
+          </a:xfrm>
+          <a:prstGeom prst="bentConnector2">
+            <a:avLst/>
+          </a:prstGeom>
+          <a:ln w="38100">
+            <a:tailEnd type="triangle"/>
+          </a:ln>
+        </p:spPr>
+        <p:style>
+          <a:lnRef idx="1">
+            <a:schemeClr val="accent1"/>
+          </a:lnRef>
+          <a:fillRef idx="0">
+            <a:schemeClr val="accent1"/>
+          </a:fillRef>
+          <a:effectRef idx="0">
+            <a:schemeClr val="accent1"/>
+          </a:effectRef>
+          <a:fontRef idx="minor">
+            <a:schemeClr val="tx1"/>
+          </a:fontRef>
+        </p:style>
+      </p:cxnSp>
+      <p:sp>
+        <p:nvSpPr>
+          <p:cNvPr id="55" name="TextBox 54">
+            <a:extLst>
+              <a:ext uri="{FF2B5EF4-FFF2-40B4-BE49-F238E27FC236}">
+                <a16:creationId xmlns:a16="http://schemas.microsoft.com/office/drawing/2014/main" id="{9DF16D52-05F1-403E-A5B1-4A994618D5F4}"/>
+              </a:ext>
+            </a:extLst>
+          </p:cNvPr>
+          <p:cNvSpPr txBox="1"/>
+          <p:nvPr/>
+        </p:nvSpPr>
+        <p:spPr>
+          <a:xfrm>
+            <a:off x="595557" y="3044424"/>
+            <a:ext cx="1453155" cy="369332"/>
+          </a:xfrm>
+          <a:prstGeom prst="rect">
+            <a:avLst/>
+          </a:prstGeom>
+        </p:spPr>
+        <p:style>
+          <a:lnRef idx="1">
+            <a:schemeClr val="accent4"/>
+          </a:lnRef>
+          <a:fillRef idx="2">
+            <a:schemeClr val="accent4"/>
+          </a:fillRef>
+          <a:effectRef idx="1">
+            <a:schemeClr val="accent4"/>
+          </a:effectRef>
+          <a:fontRef idx="minor">
+            <a:schemeClr val="dk1"/>
+          </a:fontRef>
+        </p:style>
+        <p:txBody>
+          <a:bodyPr wrap="none" rtlCol="0">
+            <a:spAutoFit/>
+          </a:bodyPr>
+          <a:lstStyle/>
+          <a:p>
+            <a:r>
+              <a:rPr lang="en-US" dirty="0" err="1"/>
+              <a:t>Wenv</a:t>
+            </a:r>
+            <a:r>
+              <a:rPr lang="en-US" dirty="0"/>
+              <a:t> (scene)</a:t>
+            </a:r>
+          </a:p>
+        </p:txBody>
+      </p:sp>
+    </p:spTree>
+    <p:extLst>
+      <p:ext uri="{BB962C8B-B14F-4D97-AF65-F5344CB8AC3E}">
+        <p14:creationId xmlns:p14="http://schemas.microsoft.com/office/powerpoint/2010/main" val="2125638574"/>
+      </p:ext>
+    </p:extLst>
+  </p:cSld>
+  <p:clrMapOvr>
+    <a:masterClrMapping/>
+  </p:clrMapOvr>
+</p:sld>
+</file>
+
+<file path=ppt/slides/slide11.xml><?xml version="1.0" encoding="utf-8"?>
+<p:sld xmlns:a="http://purl.oclc.org/ooxml/drawingml/main" xmlns:r="http://purl.oclc.org/ooxml/officeDocument/relationships" xmlns:p="http://purl.oclc.org/ooxml/presentationml/main">
+  <p:cSld>
+    <p:spTree>
+      <p:nvGrpSpPr>
+        <p:cNvPr id="1" name=""/>
+        <p:cNvGrpSpPr/>
+        <p:nvPr/>
+      </p:nvGrpSpPr>
+      <p:grpSpPr>
+        <a:xfrm>
+          <a:off x="0" y="0"/>
+          <a:ext cx="0" cy="0"/>
+          <a:chOff x="0" y="0"/>
+          <a:chExt cx="0" cy="0"/>
+        </a:xfrm>
+      </p:grpSpPr>
+      <p:pic>
+        <p:nvPicPr>
+          <p:cNvPr id="5" name="Picture 4">
+            <a:extLst>
+              <a:ext uri="{FF2B5EF4-FFF2-40B4-BE49-F238E27FC236}">
+                <a16:creationId xmlns:a16="http://schemas.microsoft.com/office/drawing/2014/main" id="{AFB81088-0FD8-4C1A-A073-21ECCB654BAC}"/>
+              </a:ext>
+            </a:extLst>
+          </p:cNvPr>
+          <p:cNvPicPr>
+            <a:picLocks noChangeAspect="1"/>
+          </p:cNvPicPr>
+          <p:nvPr/>
+        </p:nvPicPr>
+        <p:blipFill>
+          <a:blip r:embed="rId2"/>
+          <a:stretch>
+            <a:fillRect/>
+          </a:stretch>
+        </p:blipFill>
+        <p:spPr>
+          <a:xfrm>
+            <a:off x="718033" y="55808"/>
+            <a:ext cx="7334297" cy="4890900"/>
+          </a:xfrm>
+          <a:prstGeom prst="rect">
+            <a:avLst/>
+          </a:prstGeom>
+        </p:spPr>
+      </p:pic>
+      <p:sp>
+        <p:nvSpPr>
+          <p:cNvPr id="6" name="TextBox 5">
+            <a:extLst>
+              <a:ext uri="{FF2B5EF4-FFF2-40B4-BE49-F238E27FC236}">
+                <a16:creationId xmlns:a16="http://schemas.microsoft.com/office/drawing/2014/main" id="{C36357A5-CC17-4235-8378-988782E4CF6F}"/>
+              </a:ext>
+            </a:extLst>
+          </p:cNvPr>
+          <p:cNvSpPr txBox="1"/>
+          <p:nvPr/>
+        </p:nvSpPr>
+        <p:spPr>
+          <a:xfrm>
+            <a:off x="6728773" y="155959"/>
+            <a:ext cx="2036538" cy="923330"/>
+          </a:xfrm>
+          <a:prstGeom prst="rect">
+            <a:avLst/>
+          </a:prstGeom>
+        </p:spPr>
+        <p:style>
+          <a:lnRef idx="3">
+            <a:schemeClr val="lt1"/>
+          </a:lnRef>
+          <a:fillRef idx="1">
+            <a:schemeClr val="accent5"/>
+          </a:fillRef>
+          <a:effectRef idx="1">
+            <a:schemeClr val="accent5"/>
+          </a:effectRef>
+          <a:fontRef idx="minor">
+            <a:schemeClr val="lt1"/>
+          </a:fontRef>
+        </p:style>
+        <p:txBody>
+          <a:bodyPr wrap="square" rtlCol="0">
+            <a:spAutoFit/>
+          </a:bodyPr>
+          <a:lstStyle/>
+          <a:p>
+            <a:r>
+              <a:rPr lang="en-US" dirty="0"/>
+              <a:t>Console updated </a:t>
+            </a:r>
+          </a:p>
+          <a:p>
+            <a:r>
+              <a:rPr lang="en-US" dirty="0"/>
+              <a:t>by scripts loaded in</a:t>
+            </a:r>
+          </a:p>
+          <a:p>
+            <a:r>
+              <a:rPr lang="en-US" dirty="0"/>
+              <a:t>the HTML file</a:t>
+            </a:r>
+          </a:p>
+        </p:txBody>
+      </p:sp>
+      <p:cxnSp>
+        <p:nvCxnSpPr>
+          <p:cNvPr id="8" name="Connector: Elbow 7">
+            <a:extLst>
+              <a:ext uri="{FF2B5EF4-FFF2-40B4-BE49-F238E27FC236}">
+                <a16:creationId xmlns:a16="http://schemas.microsoft.com/office/drawing/2014/main" id="{3D11A2D7-9F4E-4D63-B323-940A510164E2}"/>
+              </a:ext>
+            </a:extLst>
+          </p:cNvPr>
+          <p:cNvCxnSpPr>
+            <a:cxnSpLocks/>
+            <a:stCxn id="6" idx="1"/>
+          </p:cNvCxnSpPr>
+          <p:nvPr/>
+        </p:nvCxnSpPr>
+        <p:spPr>
+          <a:xfrm rot="10800000" flipV="1">
+            <a:off x="5544925" y="617624"/>
+            <a:ext cx="1183848" cy="1214288"/>
+          </a:xfrm>
+          <a:prstGeom prst="bentConnector2">
+            <a:avLst/>
+          </a:prstGeom>
+          <a:ln w="38100">
+            <a:tailEnd type="triangle"/>
+          </a:ln>
+        </p:spPr>
+        <p:style>
+          <a:lnRef idx="1">
+            <a:schemeClr val="accent1"/>
+          </a:lnRef>
+          <a:fillRef idx="0">
+            <a:schemeClr val="accent1"/>
+          </a:fillRef>
+          <a:effectRef idx="0">
+            <a:schemeClr val="accent1"/>
+          </a:effectRef>
+          <a:fontRef idx="minor">
+            <a:schemeClr val="tx1"/>
+          </a:fontRef>
+        </p:style>
+      </p:cxnSp>
+      <p:pic>
+        <p:nvPicPr>
+          <p:cNvPr id="14" name="Picture 13">
+            <a:extLst>
+              <a:ext uri="{FF2B5EF4-FFF2-40B4-BE49-F238E27FC236}">
+                <a16:creationId xmlns:a16="http://schemas.microsoft.com/office/drawing/2014/main" id="{48BED648-CEEF-40FA-870E-F6B366786F13}"/>
+              </a:ext>
+            </a:extLst>
+          </p:cNvPr>
+          <p:cNvPicPr>
+            <a:picLocks noChangeAspect="1"/>
+          </p:cNvPicPr>
+          <p:nvPr/>
+        </p:nvPicPr>
+        <p:blipFill>
+          <a:blip r:embed="rId3"/>
+          <a:stretch>
+            <a:fillRect/>
+          </a:stretch>
+        </p:blipFill>
+        <p:spPr>
+          <a:xfrm>
+            <a:off x="720028" y="5030273"/>
+            <a:ext cx="8416608" cy="1322610"/>
+          </a:xfrm>
+          <a:prstGeom prst="rect">
+            <a:avLst/>
+          </a:prstGeom>
+        </p:spPr>
+      </p:pic>
+      <p:sp>
+        <p:nvSpPr>
+          <p:cNvPr id="17" name="TextBox 16">
+            <a:extLst>
+              <a:ext uri="{FF2B5EF4-FFF2-40B4-BE49-F238E27FC236}">
+                <a16:creationId xmlns:a16="http://schemas.microsoft.com/office/drawing/2014/main" id="{5F6502D7-940A-48F7-A00E-FA8C63C2F084}"/>
+              </a:ext>
+            </a:extLst>
+          </p:cNvPr>
+          <p:cNvSpPr txBox="1"/>
+          <p:nvPr/>
+        </p:nvSpPr>
+        <p:spPr>
+          <a:xfrm>
+            <a:off x="7747042" y="4216813"/>
+            <a:ext cx="2036538" cy="646331"/>
+          </a:xfrm>
+          <a:prstGeom prst="rect">
+            <a:avLst/>
+          </a:prstGeom>
+        </p:spPr>
+        <p:style>
+          <a:lnRef idx="3">
+            <a:schemeClr val="lt1"/>
+          </a:lnRef>
+          <a:fillRef idx="1">
+            <a:schemeClr val="accent5"/>
+          </a:fillRef>
+          <a:effectRef idx="1">
+            <a:schemeClr val="accent5"/>
+          </a:effectRef>
+          <a:fontRef idx="minor">
+            <a:schemeClr val="lt1"/>
+          </a:fontRef>
+        </p:style>
+        <p:txBody>
+          <a:bodyPr wrap="square" rtlCol="0">
+            <a:spAutoFit/>
+          </a:bodyPr>
+          <a:lstStyle/>
+          <a:p>
+            <a:r>
+              <a:rPr lang="en-US" dirty="0"/>
+              <a:t>Console updated </a:t>
+            </a:r>
+          </a:p>
+          <a:p>
+            <a:r>
+              <a:rPr lang="en-US" dirty="0"/>
+              <a:t>by </a:t>
+            </a:r>
+            <a:r>
               <a:rPr lang="en-US" dirty="0" err="1"/>
               <a:t>WebpageServer</a:t>
             </a:r>
@@ -8755,7 +9401,7 @@
 </p:sld>
 </file>
 
-<file path=ppt/slides/slide11.xml><?xml version="1.0" encoding="utf-8"?>
+<file path=ppt/slides/slide12.xml><?xml version="1.0" encoding="utf-8"?>
 <p:sld xmlns:a="http://purl.oclc.org/ooxml/drawingml/main" xmlns:r="http://purl.oclc.org/ooxml/officeDocument/relationships" xmlns:p="http://purl.oclc.org/ooxml/presentationml/main">
   <p:cSld name="Slide7">
     <p:spTree>
@@ -9041,7 +9687,7 @@
 </p:sld>
 </file>
 
-<file path=ppt/slides/slide12.xml><?xml version="1.0" encoding="utf-8"?>
+<file path=ppt/slides/slide13.xml><?xml version="1.0" encoding="utf-8"?>
 <p:sld xmlns:a="http://purl.oclc.org/ooxml/drawingml/main" xmlns:r="http://purl.oclc.org/ooxml/officeDocument/relationships" xmlns:p="http://purl.oclc.org/ooxml/presentationml/main">
   <p:cSld name="Slide8">
     <p:spTree>
@@ -9504,7 +10150,7 @@
 </p:sld>
 </file>
 
-<file path=ppt/slides/slide13.xml><?xml version="1.0" encoding="utf-8"?>
+<file path=ppt/slides/slide14.xml><?xml version="1.0" encoding="utf-8"?>
 <p:sld xmlns:a="http://purl.oclc.org/ooxml/drawingml/main" xmlns:r="http://purl.oclc.org/ooxml/officeDocument/relationships" xmlns:p="http://purl.oclc.org/ooxml/presentationml/main">
   <p:cSld name="Slide10">
     <p:spTree>
@@ -10023,7 +10669,7 @@
 </p:sld>
 </file>
 
-<file path=ppt/slides/slide14.xml><?xml version="1.0" encoding="utf-8"?>
+<file path=ppt/slides/slide15.xml><?xml version="1.0" encoding="utf-8"?>
 <p:sld xmlns:a="http://purl.oclc.org/ooxml/drawingml/main" xmlns:r="http://purl.oclc.org/ooxml/officeDocument/relationships" xmlns:p="http://purl.oclc.org/ooxml/presentationml/main">
   <p:cSld name="Slide12">
     <p:spTree>
@@ -30246,7 +30892,7 @@
         </p:nvSpPr>
         <p:spPr>
           <a:xfrm>
-            <a:off x="64300" y="530190"/>
+            <a:off x="-29048" y="363547"/>
             <a:ext cx="6362693" cy="3713272"/>
           </a:xfrm>
           <a:prstGeom prst="ellipse">
@@ -30390,8 +31036,8 @@
         </p:nvSpPr>
         <p:spPr>
           <a:xfrm>
-            <a:off x="3967115" y="3320416"/>
-            <a:ext cx="1393339" cy="388620"/>
+            <a:off x="2496319" y="3338075"/>
+            <a:ext cx="2832096" cy="388620"/>
           </a:xfrm>
           <a:prstGeom prst="roundRect">
             <a:avLst/>
@@ -30425,27 +31071,22 @@
           <a:p>
             <a:pPr algn="ctr"/>
             <a:r>
-              <a:rPr lang="it-IT" sz="1400" dirty="0" err="1">
+              <a:rPr lang="it-IT" sz="1400" dirty="0">
                 <a:solidFill>
                   <a:schemeClr val="tx1"/>
                 </a:solidFill>
               </a:rPr>
-              <a:t>IssWsSupport</a:t>
-            </a:r>
-            <a:endParaRPr lang="it-IT" sz="1400" dirty="0">
-              <a:solidFill>
-                <a:schemeClr val="tx1"/>
-              </a:solidFill>
-            </a:endParaRPr>
+              <a:t>IssWsHttpJavaSupport</a:t>
+            </a:r>
           </a:p>
         </p:txBody>
       </p:sp>
       <p:sp>
         <p:nvSpPr>
-          <p:cNvPr id="52" name="Rettangolo con angoli arrotondati 82">
-            <a:extLst>
-              <a:ext uri="{FF2B5EF4-FFF2-40B4-BE49-F238E27FC236}">
-                <a16:creationId xmlns:a16="http://schemas.microsoft.com/office/drawing/2014/main" id="{BEC32454-D6E3-4897-9F5D-D60C654296B7}"/>
+          <p:cNvPr id="87" name="Rettangolo con angoli arrotondati 109">
+            <a:extLst>
+              <a:ext uri="{FF2B5EF4-FFF2-40B4-BE49-F238E27FC236}">
+                <a16:creationId xmlns:a16="http://schemas.microsoft.com/office/drawing/2014/main" id="{F98FED4D-29A1-431A-B2F4-E675D6313E3A}"/>
               </a:ext>
             </a:extLst>
           </p:cNvPr>
@@ -30454,8 +31095,130 @@
         </p:nvSpPr>
         <p:spPr>
           <a:xfrm>
-            <a:off x="2550230" y="3302465"/>
-            <a:ext cx="1393339" cy="388620"/>
+            <a:off x="2513193" y="2777288"/>
+            <a:ext cx="2832097" cy="261610"/>
+          </a:xfrm>
+          <a:prstGeom prst="roundRect">
+            <a:avLst/>
+          </a:prstGeom>
+          <a:solidFill>
+            <a:srgbClr val="CCFF99"/>
+          </a:solidFill>
+        </p:spPr>
+        <p:style>
+          <a:lnRef idx="2">
+            <a:schemeClr val="accent1">
+              <a:shade val="50%"/>
+            </a:schemeClr>
+          </a:lnRef>
+          <a:fillRef idx="1">
+            <a:schemeClr val="accent1"/>
+          </a:fillRef>
+          <a:effectRef idx="0">
+            <a:schemeClr val="accent1"/>
+          </a:effectRef>
+          <a:fontRef idx="minor">
+            <a:schemeClr val="lt1"/>
+          </a:fontRef>
+        </p:style>
+        <p:txBody>
+          <a:bodyPr rtlCol="0" anchor="ctr"/>
+          <a:lstStyle/>
+          <a:p>
+            <a:pPr algn="ctr"/>
+            <a:r>
+              <a:rPr lang="it-IT" sz="1400" dirty="0">
+                <a:solidFill>
+                  <a:schemeClr val="tx1"/>
+                </a:solidFill>
+              </a:rPr>
+              <a:t>IssCommSupport</a:t>
+            </a:r>
+            <a:endParaRPr lang="it-IT" sz="1100" dirty="0">
+              <a:solidFill>
+                <a:schemeClr val="tx1"/>
+              </a:solidFill>
+            </a:endParaRPr>
+          </a:p>
+        </p:txBody>
+      </p:sp>
+      <p:sp>
+        <p:nvSpPr>
+          <p:cNvPr id="90" name="Rettangolo con angoli arrotondati 109">
+            <a:extLst>
+              <a:ext uri="{FF2B5EF4-FFF2-40B4-BE49-F238E27FC236}">
+                <a16:creationId xmlns:a16="http://schemas.microsoft.com/office/drawing/2014/main" id="{58EA1D35-3121-406B-8596-3AECC297D0A9}"/>
+              </a:ext>
+            </a:extLst>
+          </p:cNvPr>
+          <p:cNvSpPr/>
+          <p:nvPr/>
+        </p:nvSpPr>
+        <p:spPr>
+          <a:xfrm>
+            <a:off x="2520793" y="3063339"/>
+            <a:ext cx="2832096" cy="246339"/>
+          </a:xfrm>
+          <a:prstGeom prst="roundRect">
+            <a:avLst/>
+          </a:prstGeom>
+          <a:solidFill>
+            <a:srgbClr val="CCFF99"/>
+          </a:solidFill>
+        </p:spPr>
+        <p:style>
+          <a:lnRef idx="2">
+            <a:schemeClr val="accent1">
+              <a:shade val="50%"/>
+            </a:schemeClr>
+          </a:lnRef>
+          <a:fillRef idx="1">
+            <a:schemeClr val="accent1"/>
+          </a:fillRef>
+          <a:effectRef idx="0">
+            <a:schemeClr val="accent1"/>
+          </a:effectRef>
+          <a:fontRef idx="minor">
+            <a:schemeClr val="lt1"/>
+          </a:fontRef>
+        </p:style>
+        <p:txBody>
+          <a:bodyPr rtlCol="0" anchor="ctr"/>
+          <a:lstStyle/>
+          <a:p>
+            <a:pPr algn="ctr"/>
+            <a:r>
+              <a:rPr lang="it-IT" sz="1400" dirty="0">
+                <a:solidFill>
+                  <a:schemeClr val="tx1"/>
+                </a:solidFill>
+              </a:rPr>
+              <a:t>IssOperations</a:t>
+            </a:r>
+            <a:endParaRPr lang="it-IT" sz="1100" dirty="0">
+              <a:solidFill>
+                <a:schemeClr val="tx1"/>
+              </a:solidFill>
+            </a:endParaRPr>
+          </a:p>
+        </p:txBody>
+      </p:sp>
+      <p:sp>
+        <p:nvSpPr>
+          <p:cNvPr id="92" name="Rettangolo con angoli arrotondati 82">
+            <a:extLst>
+              <a:ext uri="{FF2B5EF4-FFF2-40B4-BE49-F238E27FC236}">
+                <a16:creationId xmlns:a16="http://schemas.microsoft.com/office/drawing/2014/main" id="{1E6B28D2-1372-4A8D-8C42-A653E0173876}"/>
+              </a:ext>
+            </a:extLst>
+          </p:cNvPr>
+          <p:cNvSpPr/>
+          <p:nvPr/>
+        </p:nvSpPr>
+        <p:spPr>
+          <a:xfrm>
+            <a:off x="2773849" y="1940415"/>
+            <a:ext cx="2327492" cy="388620"/>
           </a:xfrm>
           <a:prstGeom prst="roundRect">
             <a:avLst/>
@@ -30489,27 +31252,71 @@
           <a:p>
             <a:pPr algn="ctr"/>
             <a:r>
-              <a:rPr lang="it-IT" sz="1400" dirty="0" err="1">
+              <a:rPr lang="it-IT" sz="1400" dirty="0">
                 <a:solidFill>
                   <a:schemeClr val="tx1"/>
                 </a:solidFill>
               </a:rPr>
-              <a:t>IssHttpSupport</a:t>
-            </a:r>
-            <a:endParaRPr lang="it-IT" sz="1400" dirty="0">
-              <a:solidFill>
-                <a:schemeClr val="tx1"/>
-              </a:solidFill>
-            </a:endParaRPr>
+              <a:t>RobotInputController</a:t>
+            </a:r>
           </a:p>
         </p:txBody>
       </p:sp>
       <p:sp>
         <p:nvSpPr>
-          <p:cNvPr id="87" name="Rettangolo con angoli arrotondati 109">
-            <a:extLst>
-              <a:ext uri="{FF2B5EF4-FFF2-40B4-BE49-F238E27FC236}">
-                <a16:creationId xmlns:a16="http://schemas.microsoft.com/office/drawing/2014/main" id="{F98FED4D-29A1-431A-B2F4-E675D6313E3A}"/>
+          <p:cNvPr id="5" name="Diamond 4">
+            <a:extLst>
+              <a:ext uri="{FF2B5EF4-FFF2-40B4-BE49-F238E27FC236}">
+                <a16:creationId xmlns:a16="http://schemas.microsoft.com/office/drawing/2014/main" id="{4D1A6996-F6C1-47F0-8600-37F29C26B3C7}"/>
+              </a:ext>
+            </a:extLst>
+          </p:cNvPr>
+          <p:cNvSpPr/>
+          <p:nvPr/>
+        </p:nvSpPr>
+        <p:spPr>
+          <a:xfrm flipV="1">
+            <a:off x="3765173" y="2341659"/>
+            <a:ext cx="328135" cy="160650"/>
+          </a:xfrm>
+          <a:prstGeom prst="diamond">
+            <a:avLst/>
+          </a:prstGeom>
+          <a:solidFill>
+            <a:schemeClr val="tx1"/>
+          </a:solidFill>
+        </p:spPr>
+        <p:style>
+          <a:lnRef idx="2">
+            <a:schemeClr val="accent1">
+              <a:shade val="50%"/>
+            </a:schemeClr>
+          </a:lnRef>
+          <a:fillRef idx="1">
+            <a:schemeClr val="accent1"/>
+          </a:fillRef>
+          <a:effectRef idx="0">
+            <a:schemeClr val="accent1"/>
+          </a:effectRef>
+          <a:fontRef idx="minor">
+            <a:schemeClr val="lt1"/>
+          </a:fontRef>
+        </p:style>
+        <p:txBody>
+          <a:bodyPr rtlCol="0" anchor="ctr"/>
+          <a:lstStyle/>
+          <a:p>
+            <a:pPr algn="ctr"/>
+            <a:endParaRPr lang="en-US"/>
+          </a:p>
+        </p:txBody>
+      </p:sp>
+      <p:sp>
+        <p:nvSpPr>
+          <p:cNvPr id="94" name="Rettangolo con angoli arrotondati 109">
+            <a:extLst>
+              <a:ext uri="{FF2B5EF4-FFF2-40B4-BE49-F238E27FC236}">
+                <a16:creationId xmlns:a16="http://schemas.microsoft.com/office/drawing/2014/main" id="{91BE2E78-FAED-4D7F-93D9-F0D373341822}"/>
               </a:ext>
             </a:extLst>
           </p:cNvPr>
@@ -30518,8 +31325,8 @@
         </p:nvSpPr>
         <p:spPr>
           <a:xfrm>
-            <a:off x="2545233" y="2759629"/>
-            <a:ext cx="2832097" cy="261610"/>
+            <a:off x="2773849" y="1665649"/>
+            <a:ext cx="2327492" cy="261610"/>
           </a:xfrm>
           <a:prstGeom prst="roundRect">
             <a:avLst/>
@@ -30555,7 +31362,7 @@
                   <a:schemeClr val="tx1"/>
                 </a:solidFill>
               </a:rPr>
-              <a:t>IssCommSupport</a:t>
+              <a:t>IssObserver</a:t>
             </a:r>
             <a:endParaRPr lang="it-IT" sz="1100" dirty="0">
               <a:solidFill>
@@ -30567,10 +31374,89 @@
       </p:sp>
       <p:sp>
         <p:nvSpPr>
-          <p:cNvPr id="90" name="Rettangolo con angoli arrotondati 109">
-            <a:extLst>
-              <a:ext uri="{FF2B5EF4-FFF2-40B4-BE49-F238E27FC236}">
-                <a16:creationId xmlns:a16="http://schemas.microsoft.com/office/drawing/2014/main" id="{58EA1D35-3121-406B-8596-3AECC297D0A9}"/>
+          <p:cNvPr id="16" name="TextBox 15">
+            <a:extLst>
+              <a:ext uri="{FF2B5EF4-FFF2-40B4-BE49-F238E27FC236}">
+                <a16:creationId xmlns:a16="http://schemas.microsoft.com/office/drawing/2014/main" id="{AE4D04E9-D2F2-46B9-BBEE-9267A6B197FD}"/>
+              </a:ext>
+            </a:extLst>
+          </p:cNvPr>
+          <p:cNvSpPr txBox="1"/>
+          <p:nvPr/>
+        </p:nvSpPr>
+        <p:spPr>
+          <a:xfrm>
+            <a:off x="3936841" y="2478402"/>
+            <a:ext cx="256802" cy="261610"/>
+          </a:xfrm>
+          <a:prstGeom prst="rect">
+            <a:avLst/>
+          </a:prstGeom>
+          <a:noFill/>
+        </p:spPr>
+        <p:txBody>
+          <a:bodyPr wrap="none" rtlCol="0">
+            <a:spAutoFit/>
+          </a:bodyPr>
+          <a:lstStyle/>
+          <a:p>
+            <a:r>
+              <a:rPr lang="en-US" sz="1100" dirty="0"/>
+              <a:t>1</a:t>
+            </a:r>
+          </a:p>
+        </p:txBody>
+      </p:sp>
+      <p:cxnSp>
+        <p:nvCxnSpPr>
+          <p:cNvPr id="6" name="Connector: Elbow 5">
+            <a:extLst>
+              <a:ext uri="{FF2B5EF4-FFF2-40B4-BE49-F238E27FC236}">
+                <a16:creationId xmlns:a16="http://schemas.microsoft.com/office/drawing/2014/main" id="{73B87EA3-034D-4C60-B398-E0B5D5DA0897}"/>
+              </a:ext>
+            </a:extLst>
+          </p:cNvPr>
+          <p:cNvCxnSpPr>
+            <a:cxnSpLocks/>
+            <a:endCxn id="87" idx="0"/>
+          </p:cNvCxnSpPr>
+          <p:nvPr/>
+        </p:nvCxnSpPr>
+        <p:spPr>
+          <a:xfrm rot="16200000" flipH="1">
+            <a:off x="3803972" y="2652018"/>
+            <a:ext cx="250538" cy="2"/>
+          </a:xfrm>
+          <a:prstGeom prst="bentConnector3">
+            <a:avLst>
+              <a:gd name="adj1" fmla="val 50000"/>
+            </a:avLst>
+          </a:prstGeom>
+          <a:ln>
+            <a:tailEnd type="triangle"/>
+          </a:ln>
+        </p:spPr>
+        <p:style>
+          <a:lnRef idx="1">
+            <a:schemeClr val="accent1"/>
+          </a:lnRef>
+          <a:fillRef idx="0">
+            <a:schemeClr val="accent1"/>
+          </a:fillRef>
+          <a:effectRef idx="0">
+            <a:schemeClr val="accent1"/>
+          </a:effectRef>
+          <a:fontRef idx="minor">
+            <a:schemeClr val="tx1"/>
+          </a:fontRef>
+        </p:style>
+      </p:cxnSp>
+      <p:sp>
+        <p:nvSpPr>
+          <p:cNvPr id="95" name="Rettangolo con angoli arrotondati 72">
+            <a:extLst>
+              <a:ext uri="{FF2B5EF4-FFF2-40B4-BE49-F238E27FC236}">
+                <a16:creationId xmlns:a16="http://schemas.microsoft.com/office/drawing/2014/main" id="{F0842374-483C-4384-AC9B-08680CAF8470}"/>
               </a:ext>
             </a:extLst>
           </p:cNvPr>
@@ -30579,69 +31465,8 @@
         </p:nvSpPr>
         <p:spPr>
           <a:xfrm>
-            <a:off x="2552833" y="3045680"/>
-            <a:ext cx="2832096" cy="246339"/>
-          </a:xfrm>
-          <a:prstGeom prst="roundRect">
-            <a:avLst/>
-          </a:prstGeom>
-          <a:solidFill>
-            <a:srgbClr val="CCFF99"/>
-          </a:solidFill>
-        </p:spPr>
-        <p:style>
-          <a:lnRef idx="2">
-            <a:schemeClr val="accent1">
-              <a:shade val="50%"/>
-            </a:schemeClr>
-          </a:lnRef>
-          <a:fillRef idx="1">
-            <a:schemeClr val="accent1"/>
-          </a:fillRef>
-          <a:effectRef idx="0">
-            <a:schemeClr val="accent1"/>
-          </a:effectRef>
-          <a:fontRef idx="minor">
-            <a:schemeClr val="lt1"/>
-          </a:fontRef>
-        </p:style>
-        <p:txBody>
-          <a:bodyPr rtlCol="0" anchor="ctr"/>
-          <a:lstStyle/>
-          <a:p>
-            <a:pPr algn="ctr"/>
-            <a:r>
-              <a:rPr lang="it-IT" sz="1400" dirty="0">
-                <a:solidFill>
-                  <a:schemeClr val="tx1"/>
-                </a:solidFill>
-              </a:rPr>
-              <a:t>IssOperations</a:t>
-            </a:r>
-            <a:endParaRPr lang="it-IT" sz="1100" dirty="0">
-              <a:solidFill>
-                <a:schemeClr val="tx1"/>
-              </a:solidFill>
-            </a:endParaRPr>
-          </a:p>
-        </p:txBody>
-      </p:sp>
-      <p:sp>
-        <p:nvSpPr>
-          <p:cNvPr id="92" name="Rettangolo con angoli arrotondati 82">
-            <a:extLst>
-              <a:ext uri="{FF2B5EF4-FFF2-40B4-BE49-F238E27FC236}">
-                <a16:creationId xmlns:a16="http://schemas.microsoft.com/office/drawing/2014/main" id="{1E6B28D2-1372-4A8D-8C42-A653E0173876}"/>
-              </a:ext>
-            </a:extLst>
-          </p:cNvPr>
-          <p:cNvSpPr/>
-          <p:nvPr/>
-        </p:nvSpPr>
-        <p:spPr>
-          <a:xfrm>
-            <a:off x="2773849" y="1940415"/>
-            <a:ext cx="2327492" cy="388620"/>
+            <a:off x="2811652" y="968139"/>
+            <a:ext cx="2251885" cy="401342"/>
           </a:xfrm>
           <a:prstGeom prst="roundRect">
             <a:avLst/>
@@ -30680,254 +31505,6 @@
                   <a:schemeClr val="tx1"/>
                 </a:solidFill>
               </a:rPr>
-              <a:t>RobotInputController</a:t>
-            </a:r>
-          </a:p>
-        </p:txBody>
-      </p:sp>
-      <p:sp>
-        <p:nvSpPr>
-          <p:cNvPr id="5" name="Diamond 4">
-            <a:extLst>
-              <a:ext uri="{FF2B5EF4-FFF2-40B4-BE49-F238E27FC236}">
-                <a16:creationId xmlns:a16="http://schemas.microsoft.com/office/drawing/2014/main" id="{4D1A6996-F6C1-47F0-8600-37F29C26B3C7}"/>
-              </a:ext>
-            </a:extLst>
-          </p:cNvPr>
-          <p:cNvSpPr/>
-          <p:nvPr/>
-        </p:nvSpPr>
-        <p:spPr>
-          <a:xfrm flipV="1">
-            <a:off x="3797213" y="2324000"/>
-            <a:ext cx="328135" cy="160650"/>
-          </a:xfrm>
-          <a:prstGeom prst="diamond">
-            <a:avLst/>
-          </a:prstGeom>
-          <a:solidFill>
-            <a:schemeClr val="tx1"/>
-          </a:solidFill>
-        </p:spPr>
-        <p:style>
-          <a:lnRef idx="2">
-            <a:schemeClr val="accent1">
-              <a:shade val="50%"/>
-            </a:schemeClr>
-          </a:lnRef>
-          <a:fillRef idx="1">
-            <a:schemeClr val="accent1"/>
-          </a:fillRef>
-          <a:effectRef idx="0">
-            <a:schemeClr val="accent1"/>
-          </a:effectRef>
-          <a:fontRef idx="minor">
-            <a:schemeClr val="lt1"/>
-          </a:fontRef>
-        </p:style>
-        <p:txBody>
-          <a:bodyPr rtlCol="0" anchor="ctr"/>
-          <a:lstStyle/>
-          <a:p>
-            <a:pPr algn="ctr"/>
-            <a:endParaRPr lang="en-US"/>
-          </a:p>
-        </p:txBody>
-      </p:sp>
-      <p:sp>
-        <p:nvSpPr>
-          <p:cNvPr id="94" name="Rettangolo con angoli arrotondati 109">
-            <a:extLst>
-              <a:ext uri="{FF2B5EF4-FFF2-40B4-BE49-F238E27FC236}">
-                <a16:creationId xmlns:a16="http://schemas.microsoft.com/office/drawing/2014/main" id="{91BE2E78-FAED-4D7F-93D9-F0D373341822}"/>
-              </a:ext>
-            </a:extLst>
-          </p:cNvPr>
-          <p:cNvSpPr/>
-          <p:nvPr/>
-        </p:nvSpPr>
-        <p:spPr>
-          <a:xfrm>
-            <a:off x="2773849" y="1665649"/>
-            <a:ext cx="2327492" cy="261610"/>
-          </a:xfrm>
-          <a:prstGeom prst="roundRect">
-            <a:avLst/>
-          </a:prstGeom>
-          <a:solidFill>
-            <a:srgbClr val="CCFF99"/>
-          </a:solidFill>
-        </p:spPr>
-        <p:style>
-          <a:lnRef idx="2">
-            <a:schemeClr val="accent1">
-              <a:shade val="50%"/>
-            </a:schemeClr>
-          </a:lnRef>
-          <a:fillRef idx="1">
-            <a:schemeClr val="accent1"/>
-          </a:fillRef>
-          <a:effectRef idx="0">
-            <a:schemeClr val="accent1"/>
-          </a:effectRef>
-          <a:fontRef idx="minor">
-            <a:schemeClr val="lt1"/>
-          </a:fontRef>
-        </p:style>
-        <p:txBody>
-          <a:bodyPr rtlCol="0" anchor="ctr"/>
-          <a:lstStyle/>
-          <a:p>
-            <a:pPr algn="ctr"/>
-            <a:r>
-              <a:rPr lang="it-IT" sz="1400" dirty="0">
-                <a:solidFill>
-                  <a:schemeClr val="tx1"/>
-                </a:solidFill>
-              </a:rPr>
-              <a:t>IssObserver</a:t>
-            </a:r>
-            <a:endParaRPr lang="it-IT" sz="1100" dirty="0">
-              <a:solidFill>
-                <a:schemeClr val="tx1"/>
-              </a:solidFill>
-            </a:endParaRPr>
-          </a:p>
-        </p:txBody>
-      </p:sp>
-      <p:sp>
-        <p:nvSpPr>
-          <p:cNvPr id="16" name="TextBox 15">
-            <a:extLst>
-              <a:ext uri="{FF2B5EF4-FFF2-40B4-BE49-F238E27FC236}">
-                <a16:creationId xmlns:a16="http://schemas.microsoft.com/office/drawing/2014/main" id="{AE4D04E9-D2F2-46B9-BBEE-9267A6B197FD}"/>
-              </a:ext>
-            </a:extLst>
-          </p:cNvPr>
-          <p:cNvSpPr txBox="1"/>
-          <p:nvPr/>
-        </p:nvSpPr>
-        <p:spPr>
-          <a:xfrm>
-            <a:off x="3968881" y="2460743"/>
-            <a:ext cx="256802" cy="261610"/>
-          </a:xfrm>
-          <a:prstGeom prst="rect">
-            <a:avLst/>
-          </a:prstGeom>
-          <a:noFill/>
-        </p:spPr>
-        <p:txBody>
-          <a:bodyPr wrap="none" rtlCol="0">
-            <a:spAutoFit/>
-          </a:bodyPr>
-          <a:lstStyle/>
-          <a:p>
-            <a:r>
-              <a:rPr lang="en-US" sz="1100" dirty="0"/>
-              <a:t>1</a:t>
-            </a:r>
-          </a:p>
-        </p:txBody>
-      </p:sp>
-      <p:cxnSp>
-        <p:nvCxnSpPr>
-          <p:cNvPr id="6" name="Connector: Elbow 5">
-            <a:extLst>
-              <a:ext uri="{FF2B5EF4-FFF2-40B4-BE49-F238E27FC236}">
-                <a16:creationId xmlns:a16="http://schemas.microsoft.com/office/drawing/2014/main" id="{73B87EA3-034D-4C60-B398-E0B5D5DA0897}"/>
-              </a:ext>
-            </a:extLst>
-          </p:cNvPr>
-          <p:cNvCxnSpPr>
-            <a:cxnSpLocks/>
-            <a:endCxn id="87" idx="0"/>
-          </p:cNvCxnSpPr>
-          <p:nvPr/>
-        </p:nvCxnSpPr>
-        <p:spPr>
-          <a:xfrm rot="16200000" flipH="1">
-            <a:off x="3836012" y="2634359"/>
-            <a:ext cx="250538" cy="2"/>
-          </a:xfrm>
-          <a:prstGeom prst="bentConnector3">
-            <a:avLst>
-              <a:gd name="adj1" fmla="val 50000"/>
-            </a:avLst>
-          </a:prstGeom>
-          <a:ln>
-            <a:tailEnd type="triangle"/>
-          </a:ln>
-        </p:spPr>
-        <p:style>
-          <a:lnRef idx="1">
-            <a:schemeClr val="accent1"/>
-          </a:lnRef>
-          <a:fillRef idx="0">
-            <a:schemeClr val="accent1"/>
-          </a:fillRef>
-          <a:effectRef idx="0">
-            <a:schemeClr val="accent1"/>
-          </a:effectRef>
-          <a:fontRef idx="minor">
-            <a:schemeClr val="tx1"/>
-          </a:fontRef>
-        </p:style>
-      </p:cxnSp>
-      <p:sp>
-        <p:nvSpPr>
-          <p:cNvPr id="95" name="Rettangolo con angoli arrotondati 72">
-            <a:extLst>
-              <a:ext uri="{FF2B5EF4-FFF2-40B4-BE49-F238E27FC236}">
-                <a16:creationId xmlns:a16="http://schemas.microsoft.com/office/drawing/2014/main" id="{F0842374-483C-4384-AC9B-08680CAF8470}"/>
-              </a:ext>
-            </a:extLst>
-          </p:cNvPr>
-          <p:cNvSpPr/>
-          <p:nvPr/>
-        </p:nvSpPr>
-        <p:spPr>
-          <a:xfrm>
-            <a:off x="2811652" y="968139"/>
-            <a:ext cx="2251885" cy="401342"/>
-          </a:xfrm>
-          <a:prstGeom prst="roundRect">
-            <a:avLst/>
-          </a:prstGeom>
-          <a:solidFill>
-            <a:schemeClr val="accent4">
-              <a:lumMod val="20%"/>
-              <a:lumOff val="80%"/>
-            </a:schemeClr>
-          </a:solidFill>
-        </p:spPr>
-        <p:style>
-          <a:lnRef idx="2">
-            <a:schemeClr val="accent1">
-              <a:shade val="50%"/>
-            </a:schemeClr>
-          </a:lnRef>
-          <a:fillRef idx="1">
-            <a:schemeClr val="accent1"/>
-          </a:fillRef>
-          <a:effectRef idx="0">
-            <a:schemeClr val="accent1"/>
-          </a:effectRef>
-          <a:fontRef idx="minor">
-            <a:schemeClr val="lt1"/>
-          </a:fontRef>
-        </p:style>
-        <p:txBody>
-          <a:bodyPr rtlCol="0" anchor="ctr"/>
-          <a:lstStyle/>
-          <a:p>
-            <a:pPr algn="ctr"/>
-            <a:r>
-              <a:rPr lang="it-IT" sz="1400" dirty="0">
-                <a:solidFill>
-                  <a:schemeClr val="tx1"/>
-                </a:solidFill>
-              </a:rPr>
               <a:t>Application Layer</a:t>
             </a:r>
           </a:p>
@@ -30943,6 +31520,7 @@
             </a:extLst>
           </p:cNvPr>
           <p:cNvCxnSpPr>
+            <a:cxnSpLocks/>
             <a:stCxn id="95" idx="2"/>
             <a:endCxn id="94" idx="0"/>
           </p:cNvCxnSpPr>
@@ -31428,7 +32006,7 @@
         </p:nvSpPr>
         <p:spPr>
           <a:xfrm>
-            <a:off x="457076" y="2010346"/>
+            <a:off x="483570" y="1949866"/>
             <a:ext cx="1864701" cy="388620"/>
           </a:xfrm>
           <a:prstGeom prst="roundRect">
@@ -31490,8 +32068,8 @@
         </p:nvCxnSpPr>
         <p:spPr>
           <a:xfrm flipH="1">
-            <a:off x="2321777" y="2134725"/>
-            <a:ext cx="452072" cy="69931"/>
+            <a:off x="2348271" y="2134725"/>
+            <a:ext cx="425578" cy="9451"/>
           </a:xfrm>
           <a:prstGeom prst="straightConnector1">
             <a:avLst/>
@@ -31533,8 +32111,8 @@
         </p:nvCxnSpPr>
         <p:spPr>
           <a:xfrm rot="16200000" flipH="1">
-            <a:off x="1721596" y="2066797"/>
-            <a:ext cx="491468" cy="1155806"/>
+            <a:off x="1679754" y="2074653"/>
+            <a:ext cx="569607" cy="1097272"/>
           </a:xfrm>
           <a:prstGeom prst="bentConnector2">
             <a:avLst/>
@@ -31568,6 +32146,7 @@
             </a:extLst>
           </p:cNvPr>
           <p:cNvCxnSpPr>
+            <a:cxnSpLocks/>
             <a:stCxn id="50" idx="3"/>
             <a:endCxn id="92" idx="3"/>
           </p:cNvCxnSpPr>
@@ -31576,11 +32155,11 @@
         <p:spPr>
           <a:xfrm flipH="1" flipV="1">
             <a:off x="5101341" y="2134725"/>
-            <a:ext cx="259113" cy="1380001"/>
+            <a:ext cx="227074" cy="1397660"/>
           </a:xfrm>
           <a:prstGeom prst="bentConnector3">
             <a:avLst>
-              <a:gd name="adj1" fmla="val -88224"/>
+              <a:gd name="adj1" fmla="val -100672"/>
             </a:avLst>
           </a:prstGeom>
           <a:ln>
@@ -31652,8 +32231,8 @@
         </p:nvSpPr>
         <p:spPr>
           <a:xfrm>
-            <a:off x="1325270" y="2574963"/>
-            <a:ext cx="742960" cy="307777"/>
+            <a:off x="1415921" y="2596253"/>
+            <a:ext cx="760914" cy="307777"/>
           </a:xfrm>
           <a:prstGeom prst="rect">
             <a:avLst/>
@@ -31668,7 +32247,7 @@
           <a:p>
             <a:r>
               <a:rPr lang="en-US" sz="1400" dirty="0"/>
-              <a:t>request</a:t>
+              <a:t>forward</a:t>
             </a:r>
           </a:p>
         </p:txBody>
@@ -31687,7 +32266,7 @@
         </p:nvSpPr>
         <p:spPr>
           <a:xfrm>
-            <a:off x="589625" y="1320527"/>
+            <a:off x="606788" y="1126400"/>
             <a:ext cx="1565276" cy="388620"/>
           </a:xfrm>
           <a:prstGeom prst="roundRect">
@@ -31750,8 +32329,8 @@
         </p:nvCxnSpPr>
         <p:spPr>
           <a:xfrm flipH="1" flipV="1">
-            <a:off x="1372263" y="1709147"/>
-            <a:ext cx="17164" cy="301199"/>
+            <a:off x="1389426" y="1515020"/>
+            <a:ext cx="26495" cy="434846"/>
           </a:xfrm>
           <a:prstGeom prst="straightConnector1">
             <a:avLst/>
@@ -31775,42 +32354,12 @@
           </a:fontRef>
         </p:style>
       </p:cxnSp>
-      <p:pic>
-        <p:nvPicPr>
-          <p:cNvPr id="32" name="Picture 31">
-            <a:extLst>
-              <a:ext uri="{FF2B5EF4-FFF2-40B4-BE49-F238E27FC236}">
-                <a16:creationId xmlns:a16="http://schemas.microsoft.com/office/drawing/2014/main" id="{CE9C59D9-4AC8-4B56-9A12-287D45CD5508}"/>
-              </a:ext>
-            </a:extLst>
-          </p:cNvPr>
-          <p:cNvPicPr>
-            <a:picLocks noChangeAspect="1"/>
-          </p:cNvPicPr>
-          <p:nvPr/>
-        </p:nvPicPr>
-        <p:blipFill>
-          <a:blip r:embed="rId3"/>
-          <a:stretch>
-            <a:fillRect/>
-          </a:stretch>
-        </p:blipFill>
-        <p:spPr>
-          <a:xfrm>
-            <a:off x="9893507" y="4760346"/>
-            <a:ext cx="2306461" cy="2219802"/>
-          </a:xfrm>
-          <a:prstGeom prst="rect">
-            <a:avLst/>
-          </a:prstGeom>
-        </p:spPr>
-      </p:pic>
       <p:sp>
         <p:nvSpPr>
-          <p:cNvPr id="64" name="TextBox 63">
-            <a:extLst>
-              <a:ext uri="{FF2B5EF4-FFF2-40B4-BE49-F238E27FC236}">
-                <a16:creationId xmlns:a16="http://schemas.microsoft.com/office/drawing/2014/main" id="{603536E7-A380-495D-B27E-6648D3874648}"/>
+          <p:cNvPr id="56" name="TextBox 55">
+            <a:extLst>
+              <a:ext uri="{FF2B5EF4-FFF2-40B4-BE49-F238E27FC236}">
+                <a16:creationId xmlns:a16="http://schemas.microsoft.com/office/drawing/2014/main" id="{09A12578-6AFD-46CF-8C33-C22142509EC5}"/>
               </a:ext>
             </a:extLst>
           </p:cNvPr>
@@ -31840,59 +32389,10 @@
           </a:p>
         </p:txBody>
       </p:sp>
-      <p:sp>
-        <p:nvSpPr>
-          <p:cNvPr id="66" name="Diamond 65">
-            <a:extLst>
-              <a:ext uri="{FF2B5EF4-FFF2-40B4-BE49-F238E27FC236}">
-                <a16:creationId xmlns:a16="http://schemas.microsoft.com/office/drawing/2014/main" id="{1D75B8B8-09E6-415C-95C9-96F89E46EE89}"/>
-              </a:ext>
-            </a:extLst>
-          </p:cNvPr>
-          <p:cNvSpPr/>
-          <p:nvPr/>
-        </p:nvSpPr>
-        <p:spPr>
-          <a:xfrm flipV="1">
-            <a:off x="1221560" y="2430898"/>
-            <a:ext cx="328135" cy="160650"/>
-          </a:xfrm>
-          <a:prstGeom prst="diamond">
-            <a:avLst/>
-          </a:prstGeom>
-          <a:solidFill>
-            <a:schemeClr val="tx1"/>
-          </a:solidFill>
-        </p:spPr>
-        <p:style>
-          <a:lnRef idx="2">
-            <a:schemeClr val="accent1">
-              <a:shade val="50%"/>
-            </a:schemeClr>
-          </a:lnRef>
-          <a:fillRef idx="1">
-            <a:schemeClr val="accent1"/>
-          </a:fillRef>
-          <a:effectRef idx="0">
-            <a:schemeClr val="accent1"/>
-          </a:effectRef>
-          <a:fontRef idx="minor">
-            <a:schemeClr val="lt1"/>
-          </a:fontRef>
-        </p:style>
-        <p:txBody>
-          <a:bodyPr rtlCol="0" anchor="ctr"/>
-          <a:lstStyle/>
-          <a:p>
-            <a:pPr algn="ctr"/>
-            <a:endParaRPr lang="en-US"/>
-          </a:p>
-        </p:txBody>
-      </p:sp>
     </p:spTree>
     <p:extLst>
       <p:ext uri="{BB962C8B-B14F-4D97-AF65-F5344CB8AC3E}">
-        <p14:creationId xmlns:p14="http://schemas.microsoft.com/office/powerpoint/2010/main" val="1708624240"/>
+        <p14:creationId xmlns:p14="http://schemas.microsoft.com/office/powerpoint/2010/main" val="184124317"/>
       </p:ext>
     </p:extLst>
   </p:cSld>
@@ -31919,6 +32419,57 @@
           <a:chExt cx="0" cy="0"/>
         </a:xfrm>
       </p:grpSpPr>
+      <p:sp>
+        <p:nvSpPr>
+          <p:cNvPr id="74" name="Ovale 43">
+            <a:extLst>
+              <a:ext uri="{FF2B5EF4-FFF2-40B4-BE49-F238E27FC236}">
+                <a16:creationId xmlns:a16="http://schemas.microsoft.com/office/drawing/2014/main" id="{17C5D07D-A063-459B-ADDB-099D3CDCD68A}"/>
+              </a:ext>
+            </a:extLst>
+          </p:cNvPr>
+          <p:cNvSpPr/>
+          <p:nvPr/>
+        </p:nvSpPr>
+        <p:spPr>
+          <a:xfrm>
+            <a:off x="9561430" y="5119558"/>
+            <a:ext cx="1789826" cy="1585405"/>
+          </a:xfrm>
+          <a:prstGeom prst="ellipse">
+            <a:avLst/>
+          </a:prstGeom>
+          <a:solidFill>
+            <a:srgbClr val="CCECFF"/>
+          </a:solidFill>
+          <a:ln/>
+        </p:spPr>
+        <p:style>
+          <a:lnRef idx="1">
+            <a:schemeClr val="accent5"/>
+          </a:lnRef>
+          <a:fillRef idx="2">
+            <a:schemeClr val="accent5"/>
+          </a:fillRef>
+          <a:effectRef idx="1">
+            <a:schemeClr val="accent5"/>
+          </a:effectRef>
+          <a:fontRef idx="minor">
+            <a:schemeClr val="dk1"/>
+          </a:fontRef>
+        </p:style>
+        <p:txBody>
+          <a:bodyPr rtlCol="0" anchor="ctr"/>
+          <a:lstStyle/>
+          <a:p>
+            <a:pPr algn="ctr"/>
+            <a:r>
+              <a:rPr lang="en-GB" sz="1200" dirty="0"/>
+              <a:t> </a:t>
+            </a:r>
+          </a:p>
+        </p:txBody>
+      </p:sp>
       <p:grpSp>
         <p:nvGrpSpPr>
           <p:cNvPr id="53" name="Gruppo 6">
@@ -31933,7 +32484,7 @@
         </p:nvGrpSpPr>
         <p:grpSpPr>
           <a:xfrm>
-            <a:off x="9049944" y="1320711"/>
+            <a:off x="9961872" y="1868937"/>
             <a:ext cx="1248110" cy="1213095"/>
             <a:chOff x="565700" y="4940367"/>
             <a:chExt cx="805955" cy="772447"/>
@@ -32054,7 +32605,7 @@
         </p:nvSpPr>
         <p:spPr>
           <a:xfrm flipH="1">
-            <a:off x="9398833" y="1738824"/>
+            <a:off x="10310761" y="2287050"/>
             <a:ext cx="1312854" cy="369332"/>
           </a:xfrm>
           <a:prstGeom prst="rect">
@@ -32090,8 +32641,8 @@
         </p:nvSpPr>
         <p:spPr>
           <a:xfrm>
-            <a:off x="-29048" y="363547"/>
-            <a:ext cx="6362693" cy="3713272"/>
+            <a:off x="315256" y="398754"/>
+            <a:ext cx="7056923" cy="3665338"/>
           </a:xfrm>
           <a:prstGeom prst="ellipse">
             <a:avLst/>
@@ -32143,7 +32694,7 @@
         </p:nvCxnSpPr>
         <p:spPr>
           <a:xfrm flipH="1">
-            <a:off x="2599995" y="907003"/>
+            <a:off x="2707323" y="786478"/>
             <a:ext cx="1" cy="758646"/>
           </a:xfrm>
           <a:prstGeom prst="straightConnector1">
@@ -32185,8 +32736,8 @@
         </p:nvSpPr>
         <p:spPr>
           <a:xfrm>
-            <a:off x="1748963" y="3853609"/>
-            <a:ext cx="3314574" cy="307777"/>
+            <a:off x="2770750" y="3720601"/>
+            <a:ext cx="2595716" cy="307777"/>
           </a:xfrm>
           <a:prstGeom prst="rect">
             <a:avLst/>
@@ -32214,7 +32765,7 @@
                 <a:effectLst/>
                 <a:latin typeface="Arial Unicode MS"/>
               </a:rPr>
-              <a:t>ClientBoundaryWebsockArilAsynch</a:t>
+              <a:t>ResumableRobotBoundary</a:t>
             </a:r>
             <a:endParaRPr lang="it-IT" sz="1400" dirty="0"/>
           </a:p>
@@ -32234,8 +32785,8 @@
         </p:nvSpPr>
         <p:spPr>
           <a:xfrm>
-            <a:off x="2496319" y="3338075"/>
-            <a:ext cx="2832096" cy="388620"/>
+            <a:off x="4074443" y="3199891"/>
+            <a:ext cx="1393339" cy="388620"/>
           </a:xfrm>
           <a:prstGeom prst="roundRect">
             <a:avLst/>
@@ -32286,10 +32837,10 @@
       </p:sp>
       <p:sp>
         <p:nvSpPr>
-          <p:cNvPr id="87" name="Rettangolo con angoli arrotondati 109">
-            <a:extLst>
-              <a:ext uri="{FF2B5EF4-FFF2-40B4-BE49-F238E27FC236}">
-                <a16:creationId xmlns:a16="http://schemas.microsoft.com/office/drawing/2014/main" id="{F98FED4D-29A1-431A-B2F4-E675D6313E3A}"/>
+          <p:cNvPr id="52" name="Rettangolo con angoli arrotondati 82">
+            <a:extLst>
+              <a:ext uri="{FF2B5EF4-FFF2-40B4-BE49-F238E27FC236}">
+                <a16:creationId xmlns:a16="http://schemas.microsoft.com/office/drawing/2014/main" id="{BEC32454-D6E3-4897-9F5D-D60C654296B7}"/>
               </a:ext>
             </a:extLst>
           </p:cNvPr>
@@ -32298,130 +32849,8 @@
         </p:nvSpPr>
         <p:spPr>
           <a:xfrm>
-            <a:off x="2513193" y="2777288"/>
-            <a:ext cx="2832097" cy="261610"/>
-          </a:xfrm>
-          <a:prstGeom prst="roundRect">
-            <a:avLst/>
-          </a:prstGeom>
-          <a:solidFill>
-            <a:srgbClr val="CCFF99"/>
-          </a:solidFill>
-        </p:spPr>
-        <p:style>
-          <a:lnRef idx="2">
-            <a:schemeClr val="accent1">
-              <a:shade val="50%"/>
-            </a:schemeClr>
-          </a:lnRef>
-          <a:fillRef idx="1">
-            <a:schemeClr val="accent1"/>
-          </a:fillRef>
-          <a:effectRef idx="0">
-            <a:schemeClr val="accent1"/>
-          </a:effectRef>
-          <a:fontRef idx="minor">
-            <a:schemeClr val="lt1"/>
-          </a:fontRef>
-        </p:style>
-        <p:txBody>
-          <a:bodyPr rtlCol="0" anchor="ctr"/>
-          <a:lstStyle/>
-          <a:p>
-            <a:pPr algn="ctr"/>
-            <a:r>
-              <a:rPr lang="it-IT" sz="1400" dirty="0">
-                <a:solidFill>
-                  <a:schemeClr val="tx1"/>
-                </a:solidFill>
-              </a:rPr>
-              <a:t>IssCommSupport</a:t>
-            </a:r>
-            <a:endParaRPr lang="it-IT" sz="1100" dirty="0">
-              <a:solidFill>
-                <a:schemeClr val="tx1"/>
-              </a:solidFill>
-            </a:endParaRPr>
-          </a:p>
-        </p:txBody>
-      </p:sp>
-      <p:sp>
-        <p:nvSpPr>
-          <p:cNvPr id="90" name="Rettangolo con angoli arrotondati 109">
-            <a:extLst>
-              <a:ext uri="{FF2B5EF4-FFF2-40B4-BE49-F238E27FC236}">
-                <a16:creationId xmlns:a16="http://schemas.microsoft.com/office/drawing/2014/main" id="{58EA1D35-3121-406B-8596-3AECC297D0A9}"/>
-              </a:ext>
-            </a:extLst>
-          </p:cNvPr>
-          <p:cNvSpPr/>
-          <p:nvPr/>
-        </p:nvSpPr>
-        <p:spPr>
-          <a:xfrm>
-            <a:off x="2520793" y="3063339"/>
-            <a:ext cx="2832096" cy="246339"/>
-          </a:xfrm>
-          <a:prstGeom prst="roundRect">
-            <a:avLst/>
-          </a:prstGeom>
-          <a:solidFill>
-            <a:srgbClr val="CCFF99"/>
-          </a:solidFill>
-        </p:spPr>
-        <p:style>
-          <a:lnRef idx="2">
-            <a:schemeClr val="accent1">
-              <a:shade val="50%"/>
-            </a:schemeClr>
-          </a:lnRef>
-          <a:fillRef idx="1">
-            <a:schemeClr val="accent1"/>
-          </a:fillRef>
-          <a:effectRef idx="0">
-            <a:schemeClr val="accent1"/>
-          </a:effectRef>
-          <a:fontRef idx="minor">
-            <a:schemeClr val="lt1"/>
-          </a:fontRef>
-        </p:style>
-        <p:txBody>
-          <a:bodyPr rtlCol="0" anchor="ctr"/>
-          <a:lstStyle/>
-          <a:p>
-            <a:pPr algn="ctr"/>
-            <a:r>
-              <a:rPr lang="it-IT" sz="1400" dirty="0">
-                <a:solidFill>
-                  <a:schemeClr val="tx1"/>
-                </a:solidFill>
-              </a:rPr>
-              <a:t>IssOperations</a:t>
-            </a:r>
-            <a:endParaRPr lang="it-IT" sz="1100" dirty="0">
-              <a:solidFill>
-                <a:schemeClr val="tx1"/>
-              </a:solidFill>
-            </a:endParaRPr>
-          </a:p>
-        </p:txBody>
-      </p:sp>
-      <p:sp>
-        <p:nvSpPr>
-          <p:cNvPr id="92" name="Rettangolo con angoli arrotondati 82">
-            <a:extLst>
-              <a:ext uri="{FF2B5EF4-FFF2-40B4-BE49-F238E27FC236}">
-                <a16:creationId xmlns:a16="http://schemas.microsoft.com/office/drawing/2014/main" id="{1E6B28D2-1372-4A8D-8C42-A653E0173876}"/>
-              </a:ext>
-            </a:extLst>
-          </p:cNvPr>
-          <p:cNvSpPr/>
-          <p:nvPr/>
-        </p:nvSpPr>
-        <p:spPr>
-          <a:xfrm>
-            <a:off x="2773849" y="1940415"/>
-            <a:ext cx="2327492" cy="388620"/>
+            <a:off x="2657558" y="3181940"/>
+            <a:ext cx="1393339" cy="388620"/>
           </a:xfrm>
           <a:prstGeom prst="roundRect">
             <a:avLst/>
@@ -32455,71 +32884,27 @@
           <a:p>
             <a:pPr algn="ctr"/>
             <a:r>
-              <a:rPr lang="it-IT" sz="1400" dirty="0">
+              <a:rPr lang="it-IT" sz="1400" dirty="0" err="1">
                 <a:solidFill>
                   <a:schemeClr val="tx1"/>
                 </a:solidFill>
               </a:rPr>
-              <a:t>RobotInputController</a:t>
-            </a:r>
+              <a:t>IssHttpSupport</a:t>
+            </a:r>
+            <a:endParaRPr lang="it-IT" sz="1400" dirty="0">
+              <a:solidFill>
+                <a:schemeClr val="tx1"/>
+              </a:solidFill>
+            </a:endParaRPr>
           </a:p>
         </p:txBody>
       </p:sp>
       <p:sp>
         <p:nvSpPr>
-          <p:cNvPr id="5" name="Diamond 4">
-            <a:extLst>
-              <a:ext uri="{FF2B5EF4-FFF2-40B4-BE49-F238E27FC236}">
-                <a16:creationId xmlns:a16="http://schemas.microsoft.com/office/drawing/2014/main" id="{4D1A6996-F6C1-47F0-8600-37F29C26B3C7}"/>
-              </a:ext>
-            </a:extLst>
-          </p:cNvPr>
-          <p:cNvSpPr/>
-          <p:nvPr/>
-        </p:nvSpPr>
-        <p:spPr>
-          <a:xfrm flipV="1">
-            <a:off x="3765173" y="2341659"/>
-            <a:ext cx="328135" cy="160650"/>
-          </a:xfrm>
-          <a:prstGeom prst="diamond">
-            <a:avLst/>
-          </a:prstGeom>
-          <a:solidFill>
-            <a:schemeClr val="tx1"/>
-          </a:solidFill>
-        </p:spPr>
-        <p:style>
-          <a:lnRef idx="2">
-            <a:schemeClr val="accent1">
-              <a:shade val="50%"/>
-            </a:schemeClr>
-          </a:lnRef>
-          <a:fillRef idx="1">
-            <a:schemeClr val="accent1"/>
-          </a:fillRef>
-          <a:effectRef idx="0">
-            <a:schemeClr val="accent1"/>
-          </a:effectRef>
-          <a:fontRef idx="minor">
-            <a:schemeClr val="lt1"/>
-          </a:fontRef>
-        </p:style>
-        <p:txBody>
-          <a:bodyPr rtlCol="0" anchor="ctr"/>
-          <a:lstStyle/>
-          <a:p>
-            <a:pPr algn="ctr"/>
-            <a:endParaRPr lang="en-US"/>
-          </a:p>
-        </p:txBody>
-      </p:sp>
-      <p:sp>
-        <p:nvSpPr>
-          <p:cNvPr id="94" name="Rettangolo con angoli arrotondati 109">
-            <a:extLst>
-              <a:ext uri="{FF2B5EF4-FFF2-40B4-BE49-F238E27FC236}">
-                <a16:creationId xmlns:a16="http://schemas.microsoft.com/office/drawing/2014/main" id="{91BE2E78-FAED-4D7F-93D9-F0D373341822}"/>
+          <p:cNvPr id="87" name="Rettangolo con angoli arrotondati 109">
+            <a:extLst>
+              <a:ext uri="{FF2B5EF4-FFF2-40B4-BE49-F238E27FC236}">
+                <a16:creationId xmlns:a16="http://schemas.microsoft.com/office/drawing/2014/main" id="{F98FED4D-29A1-431A-B2F4-E675D6313E3A}"/>
               </a:ext>
             </a:extLst>
           </p:cNvPr>
@@ -32528,8 +32913,8 @@
         </p:nvSpPr>
         <p:spPr>
           <a:xfrm>
-            <a:off x="2773849" y="1665649"/>
-            <a:ext cx="2327492" cy="261610"/>
+            <a:off x="2652561" y="2639104"/>
+            <a:ext cx="2832097" cy="261610"/>
           </a:xfrm>
           <a:prstGeom prst="roundRect">
             <a:avLst/>
@@ -32565,7 +32950,7 @@
                   <a:schemeClr val="tx1"/>
                 </a:solidFill>
               </a:rPr>
-              <a:t>IssObserver</a:t>
+              <a:t>IssCommSupport</a:t>
             </a:r>
             <a:endParaRPr lang="it-IT" sz="1100" dirty="0">
               <a:solidFill>
@@ -32577,89 +32962,10 @@
       </p:sp>
       <p:sp>
         <p:nvSpPr>
-          <p:cNvPr id="16" name="TextBox 15">
-            <a:extLst>
-              <a:ext uri="{FF2B5EF4-FFF2-40B4-BE49-F238E27FC236}">
-                <a16:creationId xmlns:a16="http://schemas.microsoft.com/office/drawing/2014/main" id="{AE4D04E9-D2F2-46B9-BBEE-9267A6B197FD}"/>
-              </a:ext>
-            </a:extLst>
-          </p:cNvPr>
-          <p:cNvSpPr txBox="1"/>
-          <p:nvPr/>
-        </p:nvSpPr>
-        <p:spPr>
-          <a:xfrm>
-            <a:off x="3936841" y="2478402"/>
-            <a:ext cx="256802" cy="261610"/>
-          </a:xfrm>
-          <a:prstGeom prst="rect">
-            <a:avLst/>
-          </a:prstGeom>
-          <a:noFill/>
-        </p:spPr>
-        <p:txBody>
-          <a:bodyPr wrap="none" rtlCol="0">
-            <a:spAutoFit/>
-          </a:bodyPr>
-          <a:lstStyle/>
-          <a:p>
-            <a:r>
-              <a:rPr lang="en-US" sz="1100" dirty="0"/>
-              <a:t>1</a:t>
-            </a:r>
-          </a:p>
-        </p:txBody>
-      </p:sp>
-      <p:cxnSp>
-        <p:nvCxnSpPr>
-          <p:cNvPr id="6" name="Connector: Elbow 5">
-            <a:extLst>
-              <a:ext uri="{FF2B5EF4-FFF2-40B4-BE49-F238E27FC236}">
-                <a16:creationId xmlns:a16="http://schemas.microsoft.com/office/drawing/2014/main" id="{73B87EA3-034D-4C60-B398-E0B5D5DA0897}"/>
-              </a:ext>
-            </a:extLst>
-          </p:cNvPr>
-          <p:cNvCxnSpPr>
-            <a:cxnSpLocks/>
-            <a:endCxn id="87" idx="0"/>
-          </p:cNvCxnSpPr>
-          <p:nvPr/>
-        </p:nvCxnSpPr>
-        <p:spPr>
-          <a:xfrm rot="16200000" flipH="1">
-            <a:off x="3803972" y="2652018"/>
-            <a:ext cx="250538" cy="2"/>
-          </a:xfrm>
-          <a:prstGeom prst="bentConnector3">
-            <a:avLst>
-              <a:gd name="adj1" fmla="val 50000"/>
-            </a:avLst>
-          </a:prstGeom>
-          <a:ln>
-            <a:tailEnd type="triangle"/>
-          </a:ln>
-        </p:spPr>
-        <p:style>
-          <a:lnRef idx="1">
-            <a:schemeClr val="accent1"/>
-          </a:lnRef>
-          <a:fillRef idx="0">
-            <a:schemeClr val="accent1"/>
-          </a:fillRef>
-          <a:effectRef idx="0">
-            <a:schemeClr val="accent1"/>
-          </a:effectRef>
-          <a:fontRef idx="minor">
-            <a:schemeClr val="tx1"/>
-          </a:fontRef>
-        </p:style>
-      </p:cxnSp>
-      <p:sp>
-        <p:nvSpPr>
-          <p:cNvPr id="95" name="Rettangolo con angoli arrotondati 72">
-            <a:extLst>
-              <a:ext uri="{FF2B5EF4-FFF2-40B4-BE49-F238E27FC236}">
-                <a16:creationId xmlns:a16="http://schemas.microsoft.com/office/drawing/2014/main" id="{F0842374-483C-4384-AC9B-08680CAF8470}"/>
+          <p:cNvPr id="90" name="Rettangolo con angoli arrotondati 109">
+            <a:extLst>
+              <a:ext uri="{FF2B5EF4-FFF2-40B4-BE49-F238E27FC236}">
+                <a16:creationId xmlns:a16="http://schemas.microsoft.com/office/drawing/2014/main" id="{58EA1D35-3121-406B-8596-3AECC297D0A9}"/>
               </a:ext>
             </a:extLst>
           </p:cNvPr>
@@ -32668,8 +32974,69 @@
         </p:nvSpPr>
         <p:spPr>
           <a:xfrm>
-            <a:off x="2811652" y="968139"/>
-            <a:ext cx="2251885" cy="401342"/>
+            <a:off x="2660161" y="2925155"/>
+            <a:ext cx="2832096" cy="246339"/>
+          </a:xfrm>
+          <a:prstGeom prst="roundRect">
+            <a:avLst/>
+          </a:prstGeom>
+          <a:solidFill>
+            <a:srgbClr val="CCFF99"/>
+          </a:solidFill>
+        </p:spPr>
+        <p:style>
+          <a:lnRef idx="2">
+            <a:schemeClr val="accent1">
+              <a:shade val="50%"/>
+            </a:schemeClr>
+          </a:lnRef>
+          <a:fillRef idx="1">
+            <a:schemeClr val="accent1"/>
+          </a:fillRef>
+          <a:effectRef idx="0">
+            <a:schemeClr val="accent1"/>
+          </a:effectRef>
+          <a:fontRef idx="minor">
+            <a:schemeClr val="lt1"/>
+          </a:fontRef>
+        </p:style>
+        <p:txBody>
+          <a:bodyPr rtlCol="0" anchor="ctr"/>
+          <a:lstStyle/>
+          <a:p>
+            <a:pPr algn="ctr"/>
+            <a:r>
+              <a:rPr lang="it-IT" sz="1400" dirty="0">
+                <a:solidFill>
+                  <a:schemeClr val="tx1"/>
+                </a:solidFill>
+              </a:rPr>
+              <a:t>IssOperations</a:t>
+            </a:r>
+            <a:endParaRPr lang="it-IT" sz="1100" dirty="0">
+              <a:solidFill>
+                <a:schemeClr val="tx1"/>
+              </a:solidFill>
+            </a:endParaRPr>
+          </a:p>
+        </p:txBody>
+      </p:sp>
+      <p:sp>
+        <p:nvSpPr>
+          <p:cNvPr id="92" name="Rettangolo con angoli arrotondati 82">
+            <a:extLst>
+              <a:ext uri="{FF2B5EF4-FFF2-40B4-BE49-F238E27FC236}">
+                <a16:creationId xmlns:a16="http://schemas.microsoft.com/office/drawing/2014/main" id="{1E6B28D2-1372-4A8D-8C42-A653E0173876}"/>
+              </a:ext>
+            </a:extLst>
+          </p:cNvPr>
+          <p:cNvSpPr/>
+          <p:nvPr/>
+        </p:nvSpPr>
+        <p:spPr>
+          <a:xfrm>
+            <a:off x="2881177" y="1819890"/>
+            <a:ext cx="2327492" cy="388620"/>
           </a:xfrm>
           <a:prstGeom prst="roundRect">
             <a:avLst/>
@@ -32708,6 +33075,254 @@
                   <a:schemeClr val="tx1"/>
                 </a:solidFill>
               </a:rPr>
+              <a:t>RobotApplInputController</a:t>
+            </a:r>
+          </a:p>
+        </p:txBody>
+      </p:sp>
+      <p:sp>
+        <p:nvSpPr>
+          <p:cNvPr id="5" name="Diamond 4">
+            <a:extLst>
+              <a:ext uri="{FF2B5EF4-FFF2-40B4-BE49-F238E27FC236}">
+                <a16:creationId xmlns:a16="http://schemas.microsoft.com/office/drawing/2014/main" id="{4D1A6996-F6C1-47F0-8600-37F29C26B3C7}"/>
+              </a:ext>
+            </a:extLst>
+          </p:cNvPr>
+          <p:cNvSpPr/>
+          <p:nvPr/>
+        </p:nvSpPr>
+        <p:spPr>
+          <a:xfrm flipV="1">
+            <a:off x="3904541" y="2203475"/>
+            <a:ext cx="328135" cy="160650"/>
+          </a:xfrm>
+          <a:prstGeom prst="diamond">
+            <a:avLst/>
+          </a:prstGeom>
+          <a:solidFill>
+            <a:schemeClr val="tx1"/>
+          </a:solidFill>
+        </p:spPr>
+        <p:style>
+          <a:lnRef idx="2">
+            <a:schemeClr val="accent1">
+              <a:shade val="50%"/>
+            </a:schemeClr>
+          </a:lnRef>
+          <a:fillRef idx="1">
+            <a:schemeClr val="accent1"/>
+          </a:fillRef>
+          <a:effectRef idx="0">
+            <a:schemeClr val="accent1"/>
+          </a:effectRef>
+          <a:fontRef idx="minor">
+            <a:schemeClr val="lt1"/>
+          </a:fontRef>
+        </p:style>
+        <p:txBody>
+          <a:bodyPr rtlCol="0" anchor="ctr"/>
+          <a:lstStyle/>
+          <a:p>
+            <a:pPr algn="ctr"/>
+            <a:endParaRPr lang="en-US"/>
+          </a:p>
+        </p:txBody>
+      </p:sp>
+      <p:sp>
+        <p:nvSpPr>
+          <p:cNvPr id="94" name="Rettangolo con angoli arrotondati 109">
+            <a:extLst>
+              <a:ext uri="{FF2B5EF4-FFF2-40B4-BE49-F238E27FC236}">
+                <a16:creationId xmlns:a16="http://schemas.microsoft.com/office/drawing/2014/main" id="{91BE2E78-FAED-4D7F-93D9-F0D373341822}"/>
+              </a:ext>
+            </a:extLst>
+          </p:cNvPr>
+          <p:cNvSpPr/>
+          <p:nvPr/>
+        </p:nvSpPr>
+        <p:spPr>
+          <a:xfrm>
+            <a:off x="2881177" y="1545124"/>
+            <a:ext cx="2327492" cy="261610"/>
+          </a:xfrm>
+          <a:prstGeom prst="roundRect">
+            <a:avLst/>
+          </a:prstGeom>
+          <a:solidFill>
+            <a:srgbClr val="CCFF99"/>
+          </a:solidFill>
+        </p:spPr>
+        <p:style>
+          <a:lnRef idx="2">
+            <a:schemeClr val="accent1">
+              <a:shade val="50%"/>
+            </a:schemeClr>
+          </a:lnRef>
+          <a:fillRef idx="1">
+            <a:schemeClr val="accent1"/>
+          </a:fillRef>
+          <a:effectRef idx="0">
+            <a:schemeClr val="accent1"/>
+          </a:effectRef>
+          <a:fontRef idx="minor">
+            <a:schemeClr val="lt1"/>
+          </a:fontRef>
+        </p:style>
+        <p:txBody>
+          <a:bodyPr rtlCol="0" anchor="ctr"/>
+          <a:lstStyle/>
+          <a:p>
+            <a:pPr algn="ctr"/>
+            <a:r>
+              <a:rPr lang="it-IT" sz="1400" dirty="0">
+                <a:solidFill>
+                  <a:schemeClr val="tx1"/>
+                </a:solidFill>
+              </a:rPr>
+              <a:t>IssObserver</a:t>
+            </a:r>
+            <a:endParaRPr lang="it-IT" sz="1100" dirty="0">
+              <a:solidFill>
+                <a:schemeClr val="tx1"/>
+              </a:solidFill>
+            </a:endParaRPr>
+          </a:p>
+        </p:txBody>
+      </p:sp>
+      <p:sp>
+        <p:nvSpPr>
+          <p:cNvPr id="16" name="TextBox 15">
+            <a:extLst>
+              <a:ext uri="{FF2B5EF4-FFF2-40B4-BE49-F238E27FC236}">
+                <a16:creationId xmlns:a16="http://schemas.microsoft.com/office/drawing/2014/main" id="{AE4D04E9-D2F2-46B9-BBEE-9267A6B197FD}"/>
+              </a:ext>
+            </a:extLst>
+          </p:cNvPr>
+          <p:cNvSpPr txBox="1"/>
+          <p:nvPr/>
+        </p:nvSpPr>
+        <p:spPr>
+          <a:xfrm>
+            <a:off x="4076209" y="2340218"/>
+            <a:ext cx="256802" cy="261610"/>
+          </a:xfrm>
+          <a:prstGeom prst="rect">
+            <a:avLst/>
+          </a:prstGeom>
+          <a:noFill/>
+        </p:spPr>
+        <p:txBody>
+          <a:bodyPr wrap="none" rtlCol="0">
+            <a:spAutoFit/>
+          </a:bodyPr>
+          <a:lstStyle/>
+          <a:p>
+            <a:r>
+              <a:rPr lang="en-US" sz="1100" dirty="0"/>
+              <a:t>1</a:t>
+            </a:r>
+          </a:p>
+        </p:txBody>
+      </p:sp>
+      <p:cxnSp>
+        <p:nvCxnSpPr>
+          <p:cNvPr id="6" name="Connector: Elbow 5">
+            <a:extLst>
+              <a:ext uri="{FF2B5EF4-FFF2-40B4-BE49-F238E27FC236}">
+                <a16:creationId xmlns:a16="http://schemas.microsoft.com/office/drawing/2014/main" id="{73B87EA3-034D-4C60-B398-E0B5D5DA0897}"/>
+              </a:ext>
+            </a:extLst>
+          </p:cNvPr>
+          <p:cNvCxnSpPr>
+            <a:cxnSpLocks/>
+            <a:endCxn id="87" idx="0"/>
+          </p:cNvCxnSpPr>
+          <p:nvPr/>
+        </p:nvCxnSpPr>
+        <p:spPr>
+          <a:xfrm rot="16200000" flipH="1">
+            <a:off x="3943340" y="2513834"/>
+            <a:ext cx="250538" cy="2"/>
+          </a:xfrm>
+          <a:prstGeom prst="bentConnector3">
+            <a:avLst>
+              <a:gd name="adj1" fmla="val 50000"/>
+            </a:avLst>
+          </a:prstGeom>
+          <a:ln>
+            <a:tailEnd type="triangle"/>
+          </a:ln>
+        </p:spPr>
+        <p:style>
+          <a:lnRef idx="1">
+            <a:schemeClr val="accent1"/>
+          </a:lnRef>
+          <a:fillRef idx="0">
+            <a:schemeClr val="accent1"/>
+          </a:fillRef>
+          <a:effectRef idx="0">
+            <a:schemeClr val="accent1"/>
+          </a:effectRef>
+          <a:fontRef idx="minor">
+            <a:schemeClr val="tx1"/>
+          </a:fontRef>
+        </p:style>
+      </p:cxnSp>
+      <p:sp>
+        <p:nvSpPr>
+          <p:cNvPr id="95" name="Rettangolo con angoli arrotondati 72">
+            <a:extLst>
+              <a:ext uri="{FF2B5EF4-FFF2-40B4-BE49-F238E27FC236}">
+                <a16:creationId xmlns:a16="http://schemas.microsoft.com/office/drawing/2014/main" id="{F0842374-483C-4384-AC9B-08680CAF8470}"/>
+              </a:ext>
+            </a:extLst>
+          </p:cNvPr>
+          <p:cNvSpPr/>
+          <p:nvPr/>
+        </p:nvSpPr>
+        <p:spPr>
+          <a:xfrm>
+            <a:off x="2918980" y="847614"/>
+            <a:ext cx="2251885" cy="401342"/>
+          </a:xfrm>
+          <a:prstGeom prst="roundRect">
+            <a:avLst/>
+          </a:prstGeom>
+          <a:solidFill>
+            <a:schemeClr val="accent4">
+              <a:lumMod val="20%"/>
+              <a:lumOff val="80%"/>
+            </a:schemeClr>
+          </a:solidFill>
+        </p:spPr>
+        <p:style>
+          <a:lnRef idx="2">
+            <a:schemeClr val="accent1">
+              <a:shade val="50%"/>
+            </a:schemeClr>
+          </a:lnRef>
+          <a:fillRef idx="1">
+            <a:schemeClr val="accent1"/>
+          </a:fillRef>
+          <a:effectRef idx="0">
+            <a:schemeClr val="accent1"/>
+          </a:effectRef>
+          <a:fontRef idx="minor">
+            <a:schemeClr val="lt1"/>
+          </a:fontRef>
+        </p:style>
+        <p:txBody>
+          <a:bodyPr rtlCol="0" anchor="ctr"/>
+          <a:lstStyle/>
+          <a:p>
+            <a:pPr algn="ctr"/>
+            <a:r>
+              <a:rPr lang="it-IT" sz="1400" dirty="0">
+                <a:solidFill>
+                  <a:schemeClr val="tx1"/>
+                </a:solidFill>
+              </a:rPr>
               <a:t>Application Layer</a:t>
             </a:r>
           </a:p>
@@ -32723,7 +33338,6 @@
             </a:extLst>
           </p:cNvPr>
           <p:cNvCxnSpPr>
-            <a:cxnSpLocks/>
             <a:stCxn id="95" idx="2"/>
             <a:endCxn id="94" idx="0"/>
           </p:cNvCxnSpPr>
@@ -32731,7 +33345,7 @@
         </p:nvCxnSpPr>
         <p:spPr>
           <a:xfrm>
-            <a:off x="3937595" y="1369481"/>
+            <a:off x="4044923" y="1248956"/>
             <a:ext cx="0" cy="296168"/>
           </a:xfrm>
           <a:prstGeom prst="straightConnector1">
@@ -32772,7 +33386,7 @@
         </p:nvCxnSpPr>
         <p:spPr>
           <a:xfrm flipH="1">
-            <a:off x="1588976" y="3049677"/>
+            <a:off x="2093048" y="2945894"/>
             <a:ext cx="1" cy="758646"/>
           </a:xfrm>
           <a:prstGeom prst="straightConnector1">
@@ -32814,7 +33428,7 @@
         </p:nvSpPr>
         <p:spPr>
           <a:xfrm>
-            <a:off x="6516905" y="1289041"/>
+            <a:off x="7428833" y="1837267"/>
             <a:ext cx="2087944" cy="369332"/>
           </a:xfrm>
           <a:prstGeom prst="rect">
@@ -32850,7 +33464,7 @@
         </p:nvGrpSpPr>
         <p:grpSpPr>
           <a:xfrm>
-            <a:off x="8186616" y="1746723"/>
+            <a:off x="9098544" y="2294949"/>
             <a:ext cx="787334" cy="86434"/>
             <a:chOff x="3452446" y="4176616"/>
             <a:chExt cx="787334" cy="86434"/>
@@ -32963,7 +33577,7 @@
         </p:nvCxnSpPr>
         <p:spPr>
           <a:xfrm flipH="1" flipV="1">
-            <a:off x="6633479" y="1780015"/>
+            <a:off x="7545407" y="2328241"/>
             <a:ext cx="1563527" cy="6758"/>
           </a:xfrm>
           <a:prstGeom prst="line">
@@ -33003,7 +33617,7 @@
         </p:nvSpPr>
         <p:spPr>
           <a:xfrm rot="16200000">
-            <a:off x="6692499" y="1832814"/>
+            <a:off x="7604427" y="2381040"/>
             <a:ext cx="128062" cy="190948"/>
           </a:xfrm>
           <a:prstGeom prst="triangle">
@@ -33054,7 +33668,7 @@
         </p:nvCxnSpPr>
         <p:spPr>
           <a:xfrm flipH="1" flipV="1">
-            <a:off x="6852004" y="1928288"/>
+            <a:off x="7763932" y="2476514"/>
             <a:ext cx="1871020" cy="10858"/>
           </a:xfrm>
           <a:prstGeom prst="line">
@@ -33095,7 +33709,7 @@
         </p:nvSpPr>
         <p:spPr>
           <a:xfrm>
-            <a:off x="6776073" y="1975603"/>
+            <a:off x="7688001" y="2523829"/>
             <a:ext cx="1582677" cy="369332"/>
           </a:xfrm>
           <a:prstGeom prst="rect">
@@ -33133,7 +33747,7 @@
         </p:nvCxnSpPr>
         <p:spPr>
           <a:xfrm flipH="1">
-            <a:off x="6450490" y="2386826"/>
+            <a:off x="7362418" y="2935052"/>
             <a:ext cx="2599454" cy="0"/>
           </a:xfrm>
           <a:prstGeom prst="straightConnector1">
@@ -33173,7 +33787,7 @@
         </p:nvSpPr>
         <p:spPr>
           <a:xfrm>
-            <a:off x="7194596" y="2476643"/>
+            <a:off x="8106524" y="3024869"/>
             <a:ext cx="1026115" cy="369332"/>
           </a:xfrm>
           <a:prstGeom prst="rect">
@@ -33209,8 +33823,8 @@
         </p:nvSpPr>
         <p:spPr>
           <a:xfrm>
-            <a:off x="483570" y="1949866"/>
-            <a:ext cx="1864701" cy="388620"/>
+            <a:off x="404577" y="1810368"/>
+            <a:ext cx="2241929" cy="388620"/>
           </a:xfrm>
           <a:prstGeom prst="roundRect">
             <a:avLst/>
@@ -33249,7 +33863,7 @@
                   <a:schemeClr val="tx1"/>
                 </a:solidFill>
               </a:rPr>
-              <a:t>RobotBoundaryLogic</a:t>
+              <a:t>ResumableBoundaryLogic</a:t>
             </a:r>
           </a:p>
         </p:txBody>
@@ -33264,15 +33878,16 @@
             </a:extLst>
           </p:cNvPr>
           <p:cNvCxnSpPr>
+            <a:cxnSpLocks/>
             <a:stCxn id="92" idx="1"/>
             <a:endCxn id="38" idx="3"/>
           </p:cNvCxnSpPr>
           <p:nvPr/>
         </p:nvCxnSpPr>
         <p:spPr>
-          <a:xfrm flipH="1">
-            <a:off x="2348271" y="2134725"/>
-            <a:ext cx="425578" cy="9451"/>
+          <a:xfrm flipH="1" flipV="1">
+            <a:off x="2646506" y="2004678"/>
+            <a:ext cx="234671" cy="9522"/>
           </a:xfrm>
           <a:prstGeom prst="straightConnector1">
             <a:avLst/>
@@ -33314,8 +33929,8 @@
         </p:nvCxnSpPr>
         <p:spPr>
           <a:xfrm rot="16200000" flipH="1">
-            <a:off x="1679754" y="2074653"/>
-            <a:ext cx="569607" cy="1097272"/>
+            <a:off x="1803591" y="1920938"/>
+            <a:ext cx="570921" cy="1127019"/>
           </a:xfrm>
           <a:prstGeom prst="bentConnector2">
             <a:avLst/>
@@ -33357,12 +33972,12 @@
         </p:nvCxnSpPr>
         <p:spPr>
           <a:xfrm flipH="1" flipV="1">
-            <a:off x="5101341" y="2134725"/>
-            <a:ext cx="227074" cy="1397660"/>
+            <a:off x="5208669" y="2014200"/>
+            <a:ext cx="259113" cy="1380001"/>
           </a:xfrm>
           <a:prstGeom prst="bentConnector3">
             <a:avLst>
-              <a:gd name="adj1" fmla="val -100672"/>
+              <a:gd name="adj1" fmla="val -88224"/>
             </a:avLst>
           </a:prstGeom>
           <a:ln>
@@ -33434,8 +34049,8 @@
         </p:nvSpPr>
         <p:spPr>
           <a:xfrm>
-            <a:off x="1415921" y="2596253"/>
-            <a:ext cx="760914" cy="307777"/>
+            <a:off x="1325270" y="2574963"/>
+            <a:ext cx="742960" cy="307777"/>
           </a:xfrm>
           <a:prstGeom prst="rect">
             <a:avLst/>
@@ -33450,7 +34065,7 @@
           <a:p>
             <a:r>
               <a:rPr lang="en-US" sz="1400" dirty="0"/>
-              <a:t>forward</a:t>
+              <a:t>request</a:t>
             </a:r>
           </a:p>
         </p:txBody>
@@ -33469,7 +34084,7 @@
         </p:nvSpPr>
         <p:spPr>
           <a:xfrm>
-            <a:off x="606788" y="1126400"/>
+            <a:off x="815422" y="1240308"/>
             <a:ext cx="1565276" cy="388620"/>
           </a:xfrm>
           <a:prstGeom prst="roundRect">
@@ -33531,9 +34146,9 @@
           <p:nvPr/>
         </p:nvCxnSpPr>
         <p:spPr>
-          <a:xfrm flipH="1" flipV="1">
-            <a:off x="1389426" y="1515020"/>
-            <a:ext cx="26495" cy="434846"/>
+          <a:xfrm flipV="1">
+            <a:off x="1525542" y="1628928"/>
+            <a:ext cx="72518" cy="181440"/>
           </a:xfrm>
           <a:prstGeom prst="straightConnector1">
             <a:avLst/>
@@ -33557,12 +34172,42 @@
           </a:fontRef>
         </p:style>
       </p:cxnSp>
+      <p:pic>
+        <p:nvPicPr>
+          <p:cNvPr id="32" name="Picture 31">
+            <a:extLst>
+              <a:ext uri="{FF2B5EF4-FFF2-40B4-BE49-F238E27FC236}">
+                <a16:creationId xmlns:a16="http://schemas.microsoft.com/office/drawing/2014/main" id="{CE9C59D9-4AC8-4B56-9A12-287D45CD5508}"/>
+              </a:ext>
+            </a:extLst>
+          </p:cNvPr>
+          <p:cNvPicPr>
+            <a:picLocks noChangeAspect="1"/>
+          </p:cNvPicPr>
+          <p:nvPr/>
+        </p:nvPicPr>
+        <p:blipFill>
+          <a:blip r:embed="rId3"/>
+          <a:stretch>
+            <a:fillRect/>
+          </a:stretch>
+        </p:blipFill>
+        <p:spPr>
+          <a:xfrm>
+            <a:off x="6593823" y="398754"/>
+            <a:ext cx="1352498" cy="1301682"/>
+          </a:xfrm>
+          <a:prstGeom prst="rect">
+            <a:avLst/>
+          </a:prstGeom>
+        </p:spPr>
+      </p:pic>
       <p:sp>
         <p:nvSpPr>
-          <p:cNvPr id="56" name="TextBox 55">
-            <a:extLst>
-              <a:ext uri="{FF2B5EF4-FFF2-40B4-BE49-F238E27FC236}">
-                <a16:creationId xmlns:a16="http://schemas.microsoft.com/office/drawing/2014/main" id="{09A12578-6AFD-46CF-8C33-C22142509EC5}"/>
+          <p:cNvPr id="64" name="TextBox 63">
+            <a:extLst>
+              <a:ext uri="{FF2B5EF4-FFF2-40B4-BE49-F238E27FC236}">
+                <a16:creationId xmlns:a16="http://schemas.microsoft.com/office/drawing/2014/main" id="{603536E7-A380-495D-B27E-6648D3874648}"/>
               </a:ext>
             </a:extLst>
           </p:cNvPr>
@@ -33571,7 +34216,7 @@
         </p:nvSpPr>
         <p:spPr>
           <a:xfrm>
-            <a:off x="3951410" y="1366138"/>
+            <a:off x="4058738" y="1245613"/>
             <a:ext cx="714106" cy="307777"/>
           </a:xfrm>
           <a:prstGeom prst="rect">
@@ -33592,10 +34237,206 @@
           </a:p>
         </p:txBody>
       </p:sp>
+      <p:sp>
+        <p:nvSpPr>
+          <p:cNvPr id="66" name="Diamond 65">
+            <a:extLst>
+              <a:ext uri="{FF2B5EF4-FFF2-40B4-BE49-F238E27FC236}">
+                <a16:creationId xmlns:a16="http://schemas.microsoft.com/office/drawing/2014/main" id="{1D75B8B8-09E6-415C-95C9-96F89E46EE89}"/>
+              </a:ext>
+            </a:extLst>
+          </p:cNvPr>
+          <p:cNvSpPr/>
+          <p:nvPr/>
+        </p:nvSpPr>
+        <p:spPr>
+          <a:xfrm flipV="1">
+            <a:off x="1356418" y="2202480"/>
+            <a:ext cx="328135" cy="160650"/>
+          </a:xfrm>
+          <a:prstGeom prst="diamond">
+            <a:avLst/>
+          </a:prstGeom>
+          <a:solidFill>
+            <a:schemeClr val="tx1"/>
+          </a:solidFill>
+        </p:spPr>
+        <p:style>
+          <a:lnRef idx="2">
+            <a:schemeClr val="accent1">
+              <a:shade val="50%"/>
+            </a:schemeClr>
+          </a:lnRef>
+          <a:fillRef idx="1">
+            <a:schemeClr val="accent1"/>
+          </a:fillRef>
+          <a:effectRef idx="0">
+            <a:schemeClr val="accent1"/>
+          </a:effectRef>
+          <a:fontRef idx="minor">
+            <a:schemeClr val="lt1"/>
+          </a:fontRef>
+        </p:style>
+        <p:txBody>
+          <a:bodyPr rtlCol="0" anchor="ctr"/>
+          <a:lstStyle/>
+          <a:p>
+            <a:pPr algn="ctr"/>
+            <a:endParaRPr lang="en-US"/>
+          </a:p>
+        </p:txBody>
+      </p:sp>
+      <p:cxnSp>
+        <p:nvCxnSpPr>
+          <p:cNvPr id="34" name="Connector: Elbow 33">
+            <a:extLst>
+              <a:ext uri="{FF2B5EF4-FFF2-40B4-BE49-F238E27FC236}">
+                <a16:creationId xmlns:a16="http://schemas.microsoft.com/office/drawing/2014/main" id="{1D8EA9B2-519D-43A8-BAE7-1F986F0C2401}"/>
+              </a:ext>
+            </a:extLst>
+          </p:cNvPr>
+          <p:cNvCxnSpPr>
+            <a:cxnSpLocks/>
+          </p:cNvCxnSpPr>
+          <p:nvPr/>
+        </p:nvCxnSpPr>
+        <p:spPr>
+          <a:xfrm rot="5400000">
+            <a:off x="5252810" y="1116128"/>
+            <a:ext cx="737024" cy="779931"/>
+          </a:xfrm>
+          <a:prstGeom prst="bentConnector2">
+            <a:avLst/>
+          </a:prstGeom>
+          <a:ln w="19050">
+            <a:solidFill>
+              <a:srgbClr val="00B0F0"/>
+            </a:solidFill>
+            <a:tailEnd type="triangle"/>
+          </a:ln>
+        </p:spPr>
+        <p:style>
+          <a:lnRef idx="1">
+            <a:schemeClr val="accent1"/>
+          </a:lnRef>
+          <a:fillRef idx="0">
+            <a:schemeClr val="accent1"/>
+          </a:fillRef>
+          <a:effectRef idx="0">
+            <a:schemeClr val="accent1"/>
+          </a:effectRef>
+          <a:fontRef idx="minor">
+            <a:schemeClr val="tx1"/>
+          </a:fontRef>
+        </p:style>
+      </p:cxnSp>
+      <p:sp>
+        <p:nvSpPr>
+          <p:cNvPr id="73" name="Rettangolo con angoli arrotondati 72">
+            <a:extLst>
+              <a:ext uri="{FF2B5EF4-FFF2-40B4-BE49-F238E27FC236}">
+                <a16:creationId xmlns:a16="http://schemas.microsoft.com/office/drawing/2014/main" id="{317D9762-E4A1-41CA-A2C6-C237A3099C9F}"/>
+              </a:ext>
+            </a:extLst>
+          </p:cNvPr>
+          <p:cNvSpPr/>
+          <p:nvPr/>
+        </p:nvSpPr>
+        <p:spPr>
+          <a:xfrm>
+            <a:off x="5227710" y="856764"/>
+            <a:ext cx="1352498" cy="401342"/>
+          </a:xfrm>
+          <a:prstGeom prst="roundRect">
+            <a:avLst/>
+          </a:prstGeom>
+          <a:solidFill>
+            <a:schemeClr val="accent4">
+              <a:lumMod val="20%"/>
+              <a:lumOff val="80%"/>
+            </a:schemeClr>
+          </a:solidFill>
+        </p:spPr>
+        <p:style>
+          <a:lnRef idx="2">
+            <a:schemeClr val="accent1">
+              <a:shade val="50%"/>
+            </a:schemeClr>
+          </a:lnRef>
+          <a:fillRef idx="1">
+            <a:schemeClr val="accent1"/>
+          </a:fillRef>
+          <a:effectRef idx="0">
+            <a:schemeClr val="accent1"/>
+          </a:effectRef>
+          <a:fontRef idx="minor">
+            <a:schemeClr val="lt1"/>
+          </a:fontRef>
+        </p:style>
+        <p:txBody>
+          <a:bodyPr rtlCol="0" anchor="ctr"/>
+          <a:lstStyle/>
+          <a:p>
+            <a:pPr algn="ctr"/>
+            <a:r>
+              <a:rPr lang="it-IT" sz="1400" dirty="0">
+                <a:solidFill>
+                  <a:schemeClr val="tx1"/>
+                </a:solidFill>
+              </a:rPr>
+              <a:t>ConsoleGui</a:t>
+            </a:r>
+          </a:p>
+        </p:txBody>
+      </p:sp>
+      <p:cxnSp>
+        <p:nvCxnSpPr>
+          <p:cNvPr id="75" name="Connettore 2 126">
+            <a:extLst>
+              <a:ext uri="{FF2B5EF4-FFF2-40B4-BE49-F238E27FC236}">
+                <a16:creationId xmlns:a16="http://schemas.microsoft.com/office/drawing/2014/main" id="{A95E89C0-3050-4DF6-8D9B-34452D8ABF0A}"/>
+              </a:ext>
+            </a:extLst>
+          </p:cNvPr>
+          <p:cNvCxnSpPr>
+            <a:cxnSpLocks/>
+          </p:cNvCxnSpPr>
+          <p:nvPr/>
+        </p:nvCxnSpPr>
+        <p:spPr>
+          <a:xfrm flipH="1">
+            <a:off x="6333889" y="1263287"/>
+            <a:ext cx="1" cy="758646"/>
+          </a:xfrm>
+          <a:prstGeom prst="straightConnector1">
+            <a:avLst/>
+          </a:prstGeom>
+          <a:ln w="28575">
+            <a:solidFill>
+              <a:srgbClr val="C00000"/>
+            </a:solidFill>
+            <a:tailEnd type="arrow"/>
+          </a:ln>
+        </p:spPr>
+        <p:style>
+          <a:lnRef idx="1">
+            <a:schemeClr val="accent1"/>
+          </a:lnRef>
+          <a:fillRef idx="0">
+            <a:schemeClr val="accent1"/>
+          </a:fillRef>
+          <a:effectRef idx="0">
+            <a:schemeClr val="accent1"/>
+          </a:effectRef>
+          <a:fontRef idx="minor">
+            <a:schemeClr val="tx1"/>
+          </a:fontRef>
+        </p:style>
+      </p:cxnSp>
     </p:spTree>
     <p:extLst>
       <p:ext uri="{BB962C8B-B14F-4D97-AF65-F5344CB8AC3E}">
-        <p14:creationId xmlns:p14="http://schemas.microsoft.com/office/powerpoint/2010/main" val="184124317"/>
+        <p14:creationId xmlns:p14="http://schemas.microsoft.com/office/powerpoint/2010/main" val="1708624240"/>
       </p:ext>
     </p:extLst>
   </p:cSld>
@@ -33622,120 +34463,29 @@
           <a:chExt cx="0" cy="0"/>
         </a:xfrm>
       </p:grpSpPr>
-      <p:pic>
-        <p:nvPicPr>
-          <p:cNvPr id="5" name="Picture 4">
-            <a:extLst>
-              <a:ext uri="{FF2B5EF4-FFF2-40B4-BE49-F238E27FC236}">
-                <a16:creationId xmlns:a16="http://schemas.microsoft.com/office/drawing/2014/main" id="{AFB81088-0FD8-4C1A-A073-21ECCB654BAC}"/>
-              </a:ext>
-            </a:extLst>
-          </p:cNvPr>
-          <p:cNvPicPr>
-            <a:picLocks noChangeAspect="1"/>
-          </p:cNvPicPr>
-          <p:nvPr/>
-        </p:nvPicPr>
-        <p:blipFill>
-          <a:blip r:embed="rId2"/>
-          <a:stretch>
-            <a:fillRect/>
-          </a:stretch>
-        </p:blipFill>
-        <p:spPr>
-          <a:xfrm>
-            <a:off x="553141" y="1907093"/>
-            <a:ext cx="7334297" cy="4890900"/>
-          </a:xfrm>
-          <a:prstGeom prst="rect">
-            <a:avLst/>
-          </a:prstGeom>
-        </p:spPr>
-      </p:pic>
-      <p:sp>
-        <p:nvSpPr>
-          <p:cNvPr id="6" name="TextBox 5">
-            <a:extLst>
-              <a:ext uri="{FF2B5EF4-FFF2-40B4-BE49-F238E27FC236}">
-                <a16:creationId xmlns:a16="http://schemas.microsoft.com/office/drawing/2014/main" id="{C36357A5-CC17-4235-8378-988782E4CF6F}"/>
-              </a:ext>
-            </a:extLst>
-          </p:cNvPr>
-          <p:cNvSpPr txBox="1"/>
-          <p:nvPr/>
-        </p:nvSpPr>
-        <p:spPr>
-          <a:xfrm>
-            <a:off x="6563881" y="2007244"/>
-            <a:ext cx="2036538" cy="923330"/>
-          </a:xfrm>
-          <a:prstGeom prst="rect">
-            <a:avLst/>
-          </a:prstGeom>
-        </p:spPr>
-        <p:style>
-          <a:lnRef idx="3">
-            <a:schemeClr val="lt1"/>
-          </a:lnRef>
-          <a:fillRef idx="1">
-            <a:schemeClr val="accent5"/>
-          </a:fillRef>
-          <a:effectRef idx="1">
-            <a:schemeClr val="accent5"/>
-          </a:effectRef>
-          <a:fontRef idx="minor">
-            <a:schemeClr val="lt1"/>
-          </a:fontRef>
-        </p:style>
-        <p:txBody>
-          <a:bodyPr wrap="square" rtlCol="0">
-            <a:spAutoFit/>
-          </a:bodyPr>
-          <a:lstStyle/>
-          <a:p>
-            <a:r>
-              <a:rPr lang="en-US" dirty="0"/>
-              <a:t>Console updated </a:t>
-            </a:r>
-          </a:p>
-          <a:p>
-            <a:r>
-              <a:rPr lang="en-US" dirty="0"/>
-              <a:t>by scripts loaded in</a:t>
-            </a:r>
-          </a:p>
-          <a:p>
-            <a:r>
-              <a:rPr lang="en-US" dirty="0"/>
-              <a:t>the HTML file</a:t>
-            </a:r>
-          </a:p>
-        </p:txBody>
-      </p:sp>
       <p:cxnSp>
         <p:nvCxnSpPr>
-          <p:cNvPr id="8" name="Connector: Elbow 7">
-            <a:extLst>
-              <a:ext uri="{FF2B5EF4-FFF2-40B4-BE49-F238E27FC236}">
-                <a16:creationId xmlns:a16="http://schemas.microsoft.com/office/drawing/2014/main" id="{3D11A2D7-9F4E-4D63-B323-940A510164E2}"/>
+          <p:cNvPr id="5" name="Straight Arrow Connector 4">
+            <a:extLst>
+              <a:ext uri="{FF2B5EF4-FFF2-40B4-BE49-F238E27FC236}">
+                <a16:creationId xmlns:a16="http://schemas.microsoft.com/office/drawing/2014/main" id="{12F84012-FABE-4329-B6A1-59B16D0F25AC}"/>
               </a:ext>
             </a:extLst>
           </p:cNvPr>
           <p:cNvCxnSpPr>
             <a:cxnSpLocks/>
-            <a:stCxn id="6" idx="1"/>
           </p:cNvCxnSpPr>
           <p:nvPr/>
         </p:nvCxnSpPr>
         <p:spPr>
-          <a:xfrm rot="10800000" flipV="1">
-            <a:off x="5380033" y="2468909"/>
-            <a:ext cx="1183848" cy="1214288"/>
-          </a:xfrm>
-          <a:prstGeom prst="bentConnector2">
+          <a:xfrm>
+            <a:off x="4699414" y="1429062"/>
+            <a:ext cx="1" cy="602105"/>
+          </a:xfrm>
+          <a:prstGeom prst="straightConnector1">
             <a:avLst/>
           </a:prstGeom>
-          <a:ln w="38100">
+          <a:ln>
             <a:tailEnd type="triangle"/>
           </a:ln>
         </p:spPr>
@@ -33754,295 +34504,128 @@
           </a:fontRef>
         </p:style>
       </p:cxnSp>
-      <p:pic>
-        <p:nvPicPr>
-          <p:cNvPr id="14" name="Picture 13">
-            <a:extLst>
-              <a:ext uri="{FF2B5EF4-FFF2-40B4-BE49-F238E27FC236}">
-                <a16:creationId xmlns:a16="http://schemas.microsoft.com/office/drawing/2014/main" id="{48BED648-CEEF-40FA-870E-F6B366786F13}"/>
-              </a:ext>
-            </a:extLst>
-          </p:cNvPr>
-          <p:cNvPicPr>
-            <a:picLocks noChangeAspect="1"/>
-          </p:cNvPicPr>
+      <p:grpSp>
+        <p:nvGrpSpPr>
+          <p:cNvPr id="11" name="Group 10">
+            <a:extLst>
+              <a:ext uri="{FF2B5EF4-FFF2-40B4-BE49-F238E27FC236}">
+                <a16:creationId xmlns:a16="http://schemas.microsoft.com/office/drawing/2014/main" id="{BFABA152-1661-45A4-BF09-2F9482694B66}"/>
+              </a:ext>
+            </a:extLst>
+          </p:cNvPr>
+          <p:cNvGrpSpPr/>
           <p:nvPr/>
-        </p:nvPicPr>
-        <p:blipFill>
-          <a:blip r:embed="rId3"/>
-          <a:stretch>
-            <a:fillRect/>
-          </a:stretch>
-        </p:blipFill>
-        <p:spPr>
+        </p:nvGrpSpPr>
+        <p:grpSpPr>
           <a:xfrm>
-            <a:off x="553141" y="154447"/>
-            <a:ext cx="8416608" cy="1322610"/>
-          </a:xfrm>
-          <a:prstGeom prst="rect">
-            <a:avLst/>
-          </a:prstGeom>
-        </p:spPr>
-      </p:pic>
+            <a:off x="3627617" y="637082"/>
+            <a:ext cx="1543988" cy="779488"/>
+            <a:chOff x="2158581" y="457200"/>
+            <a:chExt cx="1543988" cy="779488"/>
+          </a:xfrm>
+        </p:grpSpPr>
+        <p:sp>
+          <p:nvSpPr>
+            <p:cNvPr id="3" name="Rectangle: Rounded Corners 2">
+              <a:extLst>
+                <a:ext uri="{FF2B5EF4-FFF2-40B4-BE49-F238E27FC236}">
+                  <a16:creationId xmlns:a16="http://schemas.microsoft.com/office/drawing/2014/main" id="{8761412F-EADE-4F48-8359-E5E09FD23538}"/>
+                </a:ext>
+              </a:extLst>
+            </p:cNvPr>
+            <p:cNvSpPr/>
+            <p:nvPr/>
+          </p:nvSpPr>
+          <p:spPr>
+            <a:xfrm>
+              <a:off x="2158582" y="457200"/>
+              <a:ext cx="1543987" cy="389744"/>
+            </a:xfrm>
+            <a:prstGeom prst="roundRect">
+              <a:avLst/>
+            </a:prstGeom>
+          </p:spPr>
+          <p:style>
+            <a:lnRef idx="1">
+              <a:schemeClr val="accent4"/>
+            </a:lnRef>
+            <a:fillRef idx="2">
+              <a:schemeClr val="accent4"/>
+            </a:fillRef>
+            <a:effectRef idx="1">
+              <a:schemeClr val="accent4"/>
+            </a:effectRef>
+            <a:fontRef idx="minor">
+              <a:schemeClr val="dk1"/>
+            </a:fontRef>
+          </p:style>
+          <p:txBody>
+            <a:bodyPr rtlCol="0" anchor="ctr"/>
+            <a:lstStyle/>
+            <a:p>
+              <a:pPr algn="ctr"/>
+              <a:r>
+                <a:rPr lang="en-US" dirty="0" err="1"/>
+                <a:t>init</a:t>
+              </a:r>
+              <a:endParaRPr lang="en-US" dirty="0"/>
+            </a:p>
+          </p:txBody>
+        </p:sp>
+        <p:sp>
+          <p:nvSpPr>
+            <p:cNvPr id="10" name="Rectangle: Rounded Corners 9">
+              <a:extLst>
+                <a:ext uri="{FF2B5EF4-FFF2-40B4-BE49-F238E27FC236}">
+                  <a16:creationId xmlns:a16="http://schemas.microsoft.com/office/drawing/2014/main" id="{E4C6494C-2572-42B8-9378-0440E8B7E546}"/>
+                </a:ext>
+              </a:extLst>
+            </p:cNvPr>
+            <p:cNvSpPr/>
+            <p:nvPr/>
+          </p:nvSpPr>
+          <p:spPr>
+            <a:xfrm>
+              <a:off x="2158581" y="846944"/>
+              <a:ext cx="1543987" cy="389744"/>
+            </a:xfrm>
+            <a:prstGeom prst="roundRect">
+              <a:avLst/>
+            </a:prstGeom>
+            <a:solidFill>
+              <a:srgbClr val="CCFF99"/>
+            </a:solidFill>
+          </p:spPr>
+          <p:style>
+            <a:lnRef idx="1">
+              <a:schemeClr val="accent6"/>
+            </a:lnRef>
+            <a:fillRef idx="2">
+              <a:schemeClr val="accent6"/>
+            </a:fillRef>
+            <a:effectRef idx="1">
+              <a:schemeClr val="accent6"/>
+            </a:effectRef>
+            <a:fontRef idx="minor">
+              <a:schemeClr val="dk1"/>
+            </a:fontRef>
+          </p:style>
+          <p:txBody>
+            <a:bodyPr rtlCol="0" anchor="ctr"/>
+            <a:lstStyle/>
+            <a:p>
+              <a:pPr algn="ctr"/>
+              <a:endParaRPr lang="en-US" dirty="0"/>
+            </a:p>
+          </p:txBody>
+        </p:sp>
+      </p:grpSp>
       <p:sp>
         <p:nvSpPr>
-          <p:cNvPr id="17" name="TextBox 16">
-            <a:extLst>
-              <a:ext uri="{FF2B5EF4-FFF2-40B4-BE49-F238E27FC236}">
-                <a16:creationId xmlns:a16="http://schemas.microsoft.com/office/drawing/2014/main" id="{5F6502D7-940A-48F7-A00E-FA8C63C2F084}"/>
-              </a:ext>
-            </a:extLst>
-          </p:cNvPr>
-          <p:cNvSpPr txBox="1"/>
-          <p:nvPr/>
-        </p:nvSpPr>
-        <p:spPr>
-          <a:xfrm>
-            <a:off x="6563881" y="1314062"/>
-            <a:ext cx="2036538" cy="646331"/>
-          </a:xfrm>
-          <a:prstGeom prst="rect">
-            <a:avLst/>
-          </a:prstGeom>
-        </p:spPr>
-        <p:style>
-          <a:lnRef idx="3">
-            <a:schemeClr val="lt1"/>
-          </a:lnRef>
-          <a:fillRef idx="1">
-            <a:schemeClr val="accent5"/>
-          </a:fillRef>
-          <a:effectRef idx="1">
-            <a:schemeClr val="accent5"/>
-          </a:effectRef>
-          <a:fontRef idx="minor">
-            <a:schemeClr val="lt1"/>
-          </a:fontRef>
-        </p:style>
-        <p:txBody>
-          <a:bodyPr wrap="square" rtlCol="0">
-            <a:spAutoFit/>
-          </a:bodyPr>
-          <a:lstStyle/>
-          <a:p>
-            <a:r>
-              <a:rPr lang="en-US" dirty="0"/>
-              <a:t>Console updated </a:t>
-            </a:r>
-          </a:p>
-          <a:p>
-            <a:r>
-              <a:rPr lang="en-US" dirty="0"/>
-              <a:t>by </a:t>
-            </a:r>
-            <a:r>
-              <a:rPr lang="en-US" dirty="0" err="1">
-                <a:solidFill>
-                  <a:srgbClr val="FFFF00"/>
-                </a:solidFill>
-              </a:rPr>
-              <a:t>WebpageServer</a:t>
-            </a:r>
-            <a:endParaRPr lang="en-US" dirty="0">
-              <a:solidFill>
-                <a:srgbClr val="FFFF00"/>
-              </a:solidFill>
-            </a:endParaRPr>
-          </a:p>
-        </p:txBody>
-      </p:sp>
-      <p:cxnSp>
-        <p:nvCxnSpPr>
-          <p:cNvPr id="18" name="Connector: Elbow 17">
-            <a:extLst>
-              <a:ext uri="{FF2B5EF4-FFF2-40B4-BE49-F238E27FC236}">
-                <a16:creationId xmlns:a16="http://schemas.microsoft.com/office/drawing/2014/main" id="{0D85D913-17E4-435F-AD46-D093FA5BB6A0}"/>
-              </a:ext>
-            </a:extLst>
-          </p:cNvPr>
-          <p:cNvCxnSpPr>
-            <a:cxnSpLocks/>
-            <a:stCxn id="17" idx="0"/>
-          </p:cNvCxnSpPr>
-          <p:nvPr/>
-        </p:nvCxnSpPr>
-        <p:spPr>
-          <a:xfrm rot="16200000" flipV="1">
-            <a:off x="6998939" y="730851"/>
-            <a:ext cx="412292" cy="754130"/>
-          </a:xfrm>
-          <a:prstGeom prst="bentConnector2">
-            <a:avLst/>
-          </a:prstGeom>
-          <a:ln w="38100">
-            <a:tailEnd type="triangle"/>
-          </a:ln>
-        </p:spPr>
-        <p:style>
-          <a:lnRef idx="1">
-            <a:schemeClr val="accent1"/>
-          </a:lnRef>
-          <a:fillRef idx="0">
-            <a:schemeClr val="accent1"/>
-          </a:fillRef>
-          <a:effectRef idx="0">
-            <a:schemeClr val="accent1"/>
-          </a:effectRef>
-          <a:fontRef idx="minor">
-            <a:schemeClr val="tx1"/>
-          </a:fontRef>
-        </p:style>
-      </p:cxnSp>
-      <p:pic>
-        <p:nvPicPr>
-          <p:cNvPr id="34" name="Picture 33">
-            <a:extLst>
-              <a:ext uri="{FF2B5EF4-FFF2-40B4-BE49-F238E27FC236}">
-                <a16:creationId xmlns:a16="http://schemas.microsoft.com/office/drawing/2014/main" id="{4DD27EC7-1FD0-4591-A83D-5C0A1A2BE236}"/>
-              </a:ext>
-            </a:extLst>
-          </p:cNvPr>
-          <p:cNvPicPr>
-            <a:picLocks noChangeAspect="1"/>
-          </p:cNvPicPr>
-          <p:nvPr/>
-        </p:nvPicPr>
-        <p:blipFill>
-          <a:blip r:embed="rId4"/>
-          <a:stretch>
-            <a:fillRect/>
-          </a:stretch>
-        </p:blipFill>
-        <p:spPr>
-          <a:xfrm>
-            <a:off x="8184262" y="3878486"/>
-            <a:ext cx="4007738" cy="2979514"/>
-          </a:xfrm>
-          <a:prstGeom prst="rect">
-            <a:avLst/>
-          </a:prstGeom>
-        </p:spPr>
-      </p:pic>
-      <p:sp>
-        <p:nvSpPr>
-          <p:cNvPr id="37" name="TextBox 36">
-            <a:extLst>
-              <a:ext uri="{FF2B5EF4-FFF2-40B4-BE49-F238E27FC236}">
-                <a16:creationId xmlns:a16="http://schemas.microsoft.com/office/drawing/2014/main" id="{8FEE04FE-FBC2-40A5-8ADE-B1612D9ABE73}"/>
-              </a:ext>
-            </a:extLst>
-          </p:cNvPr>
-          <p:cNvSpPr txBox="1"/>
-          <p:nvPr/>
-        </p:nvSpPr>
-        <p:spPr>
-          <a:xfrm>
-            <a:off x="8692234" y="2007244"/>
-            <a:ext cx="2036538" cy="1477328"/>
-          </a:xfrm>
-          <a:prstGeom prst="rect">
-            <a:avLst/>
-          </a:prstGeom>
-        </p:spPr>
-        <p:style>
-          <a:lnRef idx="3">
-            <a:schemeClr val="lt1"/>
-          </a:lnRef>
-          <a:fillRef idx="1">
-            <a:schemeClr val="accent5"/>
-          </a:fillRef>
-          <a:effectRef idx="1">
-            <a:schemeClr val="accent5"/>
-          </a:effectRef>
-          <a:fontRef idx="minor">
-            <a:schemeClr val="lt1"/>
-          </a:fontRef>
-        </p:style>
-        <p:txBody>
-          <a:bodyPr wrap="square" rtlCol="0">
-            <a:spAutoFit/>
-          </a:bodyPr>
-          <a:lstStyle/>
-          <a:p>
-            <a:r>
-              <a:rPr lang="en-US" dirty="0"/>
-              <a:t>Console updated </a:t>
-            </a:r>
-          </a:p>
-          <a:p>
-            <a:r>
-              <a:rPr lang="en-US" dirty="0"/>
-              <a:t>by a client (</a:t>
-            </a:r>
-            <a:r>
-              <a:rPr lang="en-US" dirty="0" err="1"/>
-              <a:t>js</a:t>
-            </a:r>
-            <a:r>
-              <a:rPr lang="en-US" dirty="0"/>
-              <a:t>) that handles messages sent by </a:t>
-            </a:r>
-            <a:r>
-              <a:rPr lang="en-US" dirty="0" err="1"/>
-              <a:t>WEnv</a:t>
-            </a:r>
-            <a:r>
-              <a:rPr lang="en-US" dirty="0"/>
-              <a:t> over websocket-8091</a:t>
-            </a:r>
-          </a:p>
-        </p:txBody>
-      </p:sp>
-      <p:cxnSp>
-        <p:nvCxnSpPr>
-          <p:cNvPr id="38" name="Connector: Elbow 37">
-            <a:extLst>
-              <a:ext uri="{FF2B5EF4-FFF2-40B4-BE49-F238E27FC236}">
-                <a16:creationId xmlns:a16="http://schemas.microsoft.com/office/drawing/2014/main" id="{5FCC73B8-2282-4AC2-AE31-52DA6E085D92}"/>
-              </a:ext>
-            </a:extLst>
-          </p:cNvPr>
-          <p:cNvCxnSpPr>
-            <a:cxnSpLocks/>
-            <a:stCxn id="37" idx="2"/>
-          </p:cNvCxnSpPr>
-          <p:nvPr/>
-        </p:nvCxnSpPr>
-        <p:spPr>
-          <a:xfrm rot="16200000" flipH="1">
-            <a:off x="8754631" y="4440443"/>
-            <a:ext cx="1918095" cy="6351"/>
-          </a:xfrm>
-          <a:prstGeom prst="bentConnector3">
-            <a:avLst>
-              <a:gd name="adj1" fmla="val 50000"/>
-            </a:avLst>
-          </a:prstGeom>
-          <a:ln w="38100">
-            <a:tailEnd type="triangle"/>
-          </a:ln>
-        </p:spPr>
-        <p:style>
-          <a:lnRef idx="1">
-            <a:schemeClr val="accent1"/>
-          </a:lnRef>
-          <a:fillRef idx="0">
-            <a:schemeClr val="accent1"/>
-          </a:fillRef>
-          <a:effectRef idx="0">
-            <a:schemeClr val="accent1"/>
-          </a:effectRef>
-          <a:fontRef idx="minor">
-            <a:schemeClr val="tx1"/>
-          </a:fontRef>
-        </p:style>
-      </p:cxnSp>
-      <p:sp>
-        <p:nvSpPr>
-          <p:cNvPr id="47" name="Oval 46">
-            <a:extLst>
-              <a:ext uri="{FF2B5EF4-FFF2-40B4-BE49-F238E27FC236}">
-                <a16:creationId xmlns:a16="http://schemas.microsoft.com/office/drawing/2014/main" id="{AB216C9E-4A20-4717-B1D5-F8E0EAF4F830}"/>
+          <p:cNvPr id="13" name="Rectangle: Rounded Corners 12">
+            <a:extLst>
+              <a:ext uri="{FF2B5EF4-FFF2-40B4-BE49-F238E27FC236}">
+                <a16:creationId xmlns:a16="http://schemas.microsoft.com/office/drawing/2014/main" id="{384D58D7-F895-442F-93D8-E34F5ABAE231}"/>
               </a:ext>
             </a:extLst>
           </p:cNvPr>
@@ -34051,64 +34634,10 @@
         </p:nvSpPr>
         <p:spPr>
           <a:xfrm>
-            <a:off x="2140527" y="2883509"/>
-            <a:ext cx="202367" cy="188774"/>
-          </a:xfrm>
-          <a:prstGeom prst="ellipse">
-            <a:avLst/>
-          </a:prstGeom>
-          <a:solidFill>
-            <a:schemeClr val="tx1"/>
-          </a:solidFill>
-          <a:ln>
-            <a:solidFill>
-              <a:schemeClr val="tx1"/>
-            </a:solidFill>
-          </a:ln>
-        </p:spPr>
-        <p:style>
-          <a:lnRef idx="2">
-            <a:schemeClr val="accent1">
-              <a:shade val="50%"/>
-            </a:schemeClr>
-          </a:lnRef>
-          <a:fillRef idx="1">
-            <a:schemeClr val="accent1"/>
-          </a:fillRef>
-          <a:effectRef idx="0">
-            <a:schemeClr val="accent1"/>
-          </a:effectRef>
-          <a:fontRef idx="minor">
-            <a:schemeClr val="lt1"/>
-          </a:fontRef>
-        </p:style>
-        <p:txBody>
-          <a:bodyPr rtlCol="0" anchor="ctr"/>
-          <a:lstStyle/>
-          <a:p>
-            <a:pPr algn="ctr"/>
-            <a:endParaRPr lang="en-US"/>
-          </a:p>
-        </p:txBody>
-      </p:sp>
-      <p:sp>
-        <p:nvSpPr>
-          <p:cNvPr id="51" name="TextBox 50">
-            <a:extLst>
-              <a:ext uri="{FF2B5EF4-FFF2-40B4-BE49-F238E27FC236}">
-                <a16:creationId xmlns:a16="http://schemas.microsoft.com/office/drawing/2014/main" id="{B632D4FD-96B3-4999-B318-E79DE8A8C866}"/>
-              </a:ext>
-            </a:extLst>
-          </p:cNvPr>
-          <p:cNvSpPr txBox="1"/>
-          <p:nvPr/>
-        </p:nvSpPr>
-        <p:spPr>
-          <a:xfrm>
-            <a:off x="553141" y="1521498"/>
-            <a:ext cx="5827942" cy="369332"/>
-          </a:xfrm>
-          <a:prstGeom prst="rect">
+            <a:off x="3627618" y="2018675"/>
+            <a:ext cx="1543987" cy="389744"/>
+          </a:xfrm>
+          <a:prstGeom prst="roundRect">
             <a:avLst/>
           </a:prstGeom>
         </p:spPr>
@@ -34127,70 +34656,73 @@
           </a:fontRef>
         </p:style>
         <p:txBody>
-          <a:bodyPr wrap="none" rtlCol="0">
-            <a:spAutoFit/>
-          </a:bodyPr>
+          <a:bodyPr rtlCol="0" anchor="ctr"/>
           <a:lstStyle/>
           <a:p>
-            <a:r>
-              <a:rPr lang="en-US" dirty="0" err="1"/>
-              <a:t>WebpageServer</a:t>
-            </a:r>
+            <a:pPr algn="ctr"/>
             <a:r>
               <a:rPr lang="en-US" dirty="0"/>
-              <a:t> updates the scene by using websocket-8090</a:t>
+              <a:t>walk</a:t>
             </a:r>
           </a:p>
         </p:txBody>
       </p:sp>
-      <p:cxnSp>
-        <p:nvCxnSpPr>
-          <p:cNvPr id="41" name="Connector: Elbow 40">
-            <a:extLst>
-              <a:ext uri="{FF2B5EF4-FFF2-40B4-BE49-F238E27FC236}">
-                <a16:creationId xmlns:a16="http://schemas.microsoft.com/office/drawing/2014/main" id="{B321E8DE-0DCD-4789-AFF8-610118BD0D85}"/>
-              </a:ext>
-            </a:extLst>
-          </p:cNvPr>
-          <p:cNvCxnSpPr>
-            <a:cxnSpLocks/>
-            <a:endCxn id="47" idx="0"/>
-          </p:cNvCxnSpPr>
+      <p:sp>
+        <p:nvSpPr>
+          <p:cNvPr id="14" name="Rectangle: Rounded Corners 13">
+            <a:extLst>
+              <a:ext uri="{FF2B5EF4-FFF2-40B4-BE49-F238E27FC236}">
+                <a16:creationId xmlns:a16="http://schemas.microsoft.com/office/drawing/2014/main" id="{00D769F0-F8EA-4D35-B1E2-FD37A3C91603}"/>
+              </a:ext>
+            </a:extLst>
+          </p:cNvPr>
+          <p:cNvSpPr/>
           <p:nvPr/>
-        </p:nvCxnSpPr>
+        </p:nvSpPr>
         <p:spPr>
-          <a:xfrm rot="10800000" flipV="1">
-            <a:off x="2241711" y="1837123"/>
-            <a:ext cx="4330470" cy="1046386"/>
-          </a:xfrm>
-          <a:prstGeom prst="bentConnector2">
+          <a:xfrm>
+            <a:off x="3627617" y="2408419"/>
+            <a:ext cx="1543987" cy="389744"/>
+          </a:xfrm>
+          <a:prstGeom prst="roundRect">
             <a:avLst/>
           </a:prstGeom>
-          <a:ln w="38100">
-            <a:tailEnd type="triangle"/>
-          </a:ln>
+          <a:solidFill>
+            <a:srgbClr val="CCFF99"/>
+          </a:solidFill>
         </p:spPr>
         <p:style>
           <a:lnRef idx="1">
-            <a:schemeClr val="accent1"/>
+            <a:schemeClr val="accent6"/>
           </a:lnRef>
-          <a:fillRef idx="0">
-            <a:schemeClr val="accent1"/>
+          <a:fillRef idx="2">
+            <a:schemeClr val="accent6"/>
           </a:fillRef>
-          <a:effectRef idx="0">
-            <a:schemeClr val="accent1"/>
+          <a:effectRef idx="1">
+            <a:schemeClr val="accent6"/>
           </a:effectRef>
           <a:fontRef idx="minor">
-            <a:schemeClr val="tx1"/>
+            <a:schemeClr val="dk1"/>
           </a:fontRef>
         </p:style>
-      </p:cxnSp>
+        <p:txBody>
+          <a:bodyPr rtlCol="0" anchor="ctr"/>
+          <a:lstStyle/>
+          <a:p>
+            <a:pPr algn="ctr"/>
+            <a:r>
+              <a:rPr lang="en-US" dirty="0"/>
+              <a:t>step</a:t>
+            </a:r>
+          </a:p>
+        </p:txBody>
+      </p:sp>
       <p:sp>
         <p:nvSpPr>
-          <p:cNvPr id="55" name="TextBox 54">
-            <a:extLst>
-              <a:ext uri="{FF2B5EF4-FFF2-40B4-BE49-F238E27FC236}">
-                <a16:creationId xmlns:a16="http://schemas.microsoft.com/office/drawing/2014/main" id="{9DF16D52-05F1-403E-A5B1-4A994618D5F4}"/>
+          <p:cNvPr id="17" name="TextBox 16">
+            <a:extLst>
+              <a:ext uri="{FF2B5EF4-FFF2-40B4-BE49-F238E27FC236}">
+                <a16:creationId xmlns:a16="http://schemas.microsoft.com/office/drawing/2014/main" id="{6C7775D2-D3B3-4363-AA4D-3D63F14F7AEC}"/>
               </a:ext>
             </a:extLst>
           </p:cNvPr>
@@ -34199,10 +34731,59 @@
         </p:nvSpPr>
         <p:spPr>
           <a:xfrm>
-            <a:off x="595557" y="3044424"/>
-            <a:ext cx="1453155" cy="369332"/>
+            <a:off x="1509482" y="1416570"/>
+            <a:ext cx="1369990" cy="523220"/>
           </a:xfrm>
           <a:prstGeom prst="rect">
+            <a:avLst/>
+          </a:prstGeom>
+          <a:noFill/>
+        </p:spPr>
+        <p:txBody>
+          <a:bodyPr wrap="none" rtlCol="0">
+            <a:spAutoFit/>
+          </a:bodyPr>
+          <a:lstStyle/>
+          <a:p>
+            <a:r>
+              <a:rPr lang="en-US" sz="1400" dirty="0" err="1">
+                <a:solidFill>
+                  <a:srgbClr val="FF0000"/>
+                </a:solidFill>
+              </a:rPr>
+              <a:t>endmove</a:t>
+            </a:r>
+            <a:r>
+              <a:rPr lang="en-US" sz="1400" dirty="0"/>
+              <a:t> is true</a:t>
+            </a:r>
+          </a:p>
+          <a:p>
+            <a:r>
+              <a:rPr lang="en-US" sz="1400" dirty="0"/>
+              <a:t>&amp;&amp; step&lt;4</a:t>
+            </a:r>
+          </a:p>
+        </p:txBody>
+      </p:sp>
+      <p:sp>
+        <p:nvSpPr>
+          <p:cNvPr id="19" name="Rectangle: Rounded Corners 18">
+            <a:extLst>
+              <a:ext uri="{FF2B5EF4-FFF2-40B4-BE49-F238E27FC236}">
+                <a16:creationId xmlns:a16="http://schemas.microsoft.com/office/drawing/2014/main" id="{08859244-19C5-4FF1-B379-C2A2BDD652F6}"/>
+              </a:ext>
+            </a:extLst>
+          </p:cNvPr>
+          <p:cNvSpPr/>
+          <p:nvPr/>
+        </p:nvSpPr>
+        <p:spPr>
+          <a:xfrm>
+            <a:off x="3627618" y="3375284"/>
+            <a:ext cx="1543987" cy="389744"/>
+          </a:xfrm>
+          <a:prstGeom prst="roundRect">
             <a:avLst/>
           </a:prstGeom>
         </p:spPr>
@@ -34221,26 +34802,1178 @@
           </a:fontRef>
         </p:style>
         <p:txBody>
+          <a:bodyPr rtlCol="0" anchor="ctr"/>
+          <a:lstStyle/>
+          <a:p>
+            <a:pPr algn="ctr"/>
+            <a:r>
+              <a:rPr lang="en-US" dirty="0"/>
+              <a:t>obstacle</a:t>
+            </a:r>
+          </a:p>
+        </p:txBody>
+      </p:sp>
+      <p:sp>
+        <p:nvSpPr>
+          <p:cNvPr id="20" name="Rectangle: Rounded Corners 19">
+            <a:extLst>
+              <a:ext uri="{FF2B5EF4-FFF2-40B4-BE49-F238E27FC236}">
+                <a16:creationId xmlns:a16="http://schemas.microsoft.com/office/drawing/2014/main" id="{E87809A4-9F7C-4A18-ADC1-E9880E445782}"/>
+              </a:ext>
+            </a:extLst>
+          </p:cNvPr>
+          <p:cNvSpPr/>
+          <p:nvPr/>
+        </p:nvSpPr>
+        <p:spPr>
+          <a:xfrm>
+            <a:off x="3627617" y="3765028"/>
+            <a:ext cx="1543987" cy="389744"/>
+          </a:xfrm>
+          <a:prstGeom prst="roundRect">
+            <a:avLst/>
+          </a:prstGeom>
+          <a:solidFill>
+            <a:srgbClr val="CCFF99"/>
+          </a:solidFill>
+        </p:spPr>
+        <p:style>
+          <a:lnRef idx="1">
+            <a:schemeClr val="accent6"/>
+          </a:lnRef>
+          <a:fillRef idx="2">
+            <a:schemeClr val="accent6"/>
+          </a:fillRef>
+          <a:effectRef idx="1">
+            <a:schemeClr val="accent6"/>
+          </a:effectRef>
+          <a:fontRef idx="minor">
+            <a:schemeClr val="dk1"/>
+          </a:fontRef>
+        </p:style>
+        <p:txBody>
+          <a:bodyPr rtlCol="0" anchor="ctr"/>
+          <a:lstStyle/>
+          <a:p>
+            <a:pPr algn="ctr"/>
+            <a:r>
+              <a:rPr lang="en-US" sz="1400" dirty="0"/>
+              <a:t>step++; </a:t>
+            </a:r>
+            <a:r>
+              <a:rPr lang="en-US" sz="1400" dirty="0" err="1"/>
+              <a:t>turnLeft</a:t>
+            </a:r>
+            <a:endParaRPr lang="en-US" sz="1400" dirty="0"/>
+          </a:p>
+        </p:txBody>
+      </p:sp>
+      <p:cxnSp>
+        <p:nvCxnSpPr>
+          <p:cNvPr id="21" name="Straight Arrow Connector 20">
+            <a:extLst>
+              <a:ext uri="{FF2B5EF4-FFF2-40B4-BE49-F238E27FC236}">
+                <a16:creationId xmlns:a16="http://schemas.microsoft.com/office/drawing/2014/main" id="{0ED93AFE-E708-4A7A-8F08-22EC21F0ACE3}"/>
+              </a:ext>
+            </a:extLst>
+          </p:cNvPr>
+          <p:cNvCxnSpPr>
+            <a:cxnSpLocks/>
+            <a:stCxn id="14" idx="2"/>
+            <a:endCxn id="19" idx="0"/>
+          </p:cNvCxnSpPr>
+          <p:nvPr/>
+        </p:nvCxnSpPr>
+        <p:spPr>
+          <a:xfrm>
+            <a:off x="4399611" y="2798163"/>
+            <a:ext cx="1" cy="577121"/>
+          </a:xfrm>
+          <a:prstGeom prst="straightConnector1">
+            <a:avLst/>
+          </a:prstGeom>
+          <a:ln>
+            <a:tailEnd type="triangle"/>
+          </a:ln>
+        </p:spPr>
+        <p:style>
+          <a:lnRef idx="1">
+            <a:schemeClr val="accent1"/>
+          </a:lnRef>
+          <a:fillRef idx="0">
+            <a:schemeClr val="accent1"/>
+          </a:fillRef>
+          <a:effectRef idx="0">
+            <a:schemeClr val="accent1"/>
+          </a:effectRef>
+          <a:fontRef idx="minor">
+            <a:schemeClr val="tx1"/>
+          </a:fontRef>
+        </p:style>
+      </p:cxnSp>
+      <p:sp>
+        <p:nvSpPr>
+          <p:cNvPr id="24" name="TextBox 23">
+            <a:extLst>
+              <a:ext uri="{FF2B5EF4-FFF2-40B4-BE49-F238E27FC236}">
+                <a16:creationId xmlns:a16="http://schemas.microsoft.com/office/drawing/2014/main" id="{CC94214C-B9F8-4193-9EF5-4F0DDCD1E35B}"/>
+              </a:ext>
+            </a:extLst>
+          </p:cNvPr>
+          <p:cNvSpPr txBox="1"/>
+          <p:nvPr/>
+        </p:nvSpPr>
+        <p:spPr>
+          <a:xfrm>
+            <a:off x="4327390" y="2874357"/>
+            <a:ext cx="1401730" cy="307777"/>
+          </a:xfrm>
+          <a:prstGeom prst="rect">
+            <a:avLst/>
+          </a:prstGeom>
+          <a:noFill/>
+        </p:spPr>
+        <p:txBody>
           <a:bodyPr wrap="none" rtlCol="0">
             <a:spAutoFit/>
           </a:bodyPr>
           <a:lstStyle/>
           <a:p>
             <a:r>
+              <a:rPr lang="en-US" sz="1400" dirty="0" err="1">
+                <a:solidFill>
+                  <a:srgbClr val="FF0000"/>
+                </a:solidFill>
+              </a:rPr>
+              <a:t>endmove</a:t>
+            </a:r>
+            <a:r>
+              <a:rPr lang="en-US" sz="1400" dirty="0"/>
+              <a:t> is false</a:t>
+            </a:r>
+          </a:p>
+        </p:txBody>
+      </p:sp>
+      <p:grpSp>
+        <p:nvGrpSpPr>
+          <p:cNvPr id="29" name="Group 28">
+            <a:extLst>
+              <a:ext uri="{FF2B5EF4-FFF2-40B4-BE49-F238E27FC236}">
+                <a16:creationId xmlns:a16="http://schemas.microsoft.com/office/drawing/2014/main" id="{70CC7573-C547-4803-9C02-1330D75D1973}"/>
+              </a:ext>
+            </a:extLst>
+          </p:cNvPr>
+          <p:cNvGrpSpPr/>
+          <p:nvPr/>
+        </p:nvGrpSpPr>
+        <p:grpSpPr>
+          <a:xfrm>
+            <a:off x="6568187" y="2391965"/>
+            <a:ext cx="1543988" cy="779488"/>
+            <a:chOff x="2158581" y="457200"/>
+            <a:chExt cx="1543988" cy="779488"/>
+          </a:xfrm>
+        </p:grpSpPr>
+        <p:sp>
+          <p:nvSpPr>
+            <p:cNvPr id="30" name="Rectangle: Rounded Corners 29">
+              <a:extLst>
+                <a:ext uri="{FF2B5EF4-FFF2-40B4-BE49-F238E27FC236}">
+                  <a16:creationId xmlns:a16="http://schemas.microsoft.com/office/drawing/2014/main" id="{6730F9BC-97F6-4A8F-868D-84F49280F5C3}"/>
+                </a:ext>
+              </a:extLst>
+            </p:cNvPr>
+            <p:cNvSpPr/>
+            <p:nvPr/>
+          </p:nvSpPr>
+          <p:spPr>
+            <a:xfrm>
+              <a:off x="2158582" y="457200"/>
+              <a:ext cx="1543987" cy="389744"/>
+            </a:xfrm>
+            <a:prstGeom prst="roundRect">
+              <a:avLst/>
+            </a:prstGeom>
+          </p:spPr>
+          <p:style>
+            <a:lnRef idx="1">
+              <a:schemeClr val="accent4"/>
+            </a:lnRef>
+            <a:fillRef idx="2">
+              <a:schemeClr val="accent4"/>
+            </a:fillRef>
+            <a:effectRef idx="1">
+              <a:schemeClr val="accent4"/>
+            </a:effectRef>
+            <a:fontRef idx="minor">
+              <a:schemeClr val="dk1"/>
+            </a:fontRef>
+          </p:style>
+          <p:txBody>
+            <a:bodyPr rtlCol="0" anchor="ctr"/>
+            <a:lstStyle/>
+            <a:p>
+              <a:pPr algn="ctr"/>
+              <a:r>
+                <a:rPr lang="en-US" dirty="0"/>
+                <a:t>stopped</a:t>
+              </a:r>
+            </a:p>
+          </p:txBody>
+        </p:sp>
+        <p:sp>
+          <p:nvSpPr>
+            <p:cNvPr id="31" name="Rectangle: Rounded Corners 30">
+              <a:extLst>
+                <a:ext uri="{FF2B5EF4-FFF2-40B4-BE49-F238E27FC236}">
+                  <a16:creationId xmlns:a16="http://schemas.microsoft.com/office/drawing/2014/main" id="{2331ADA9-0410-4AC0-A561-14C8C950FC7D}"/>
+                </a:ext>
+              </a:extLst>
+            </p:cNvPr>
+            <p:cNvSpPr/>
+            <p:nvPr/>
+          </p:nvSpPr>
+          <p:spPr>
+            <a:xfrm>
+              <a:off x="2158581" y="846944"/>
+              <a:ext cx="1543987" cy="389744"/>
+            </a:xfrm>
+            <a:prstGeom prst="roundRect">
+              <a:avLst/>
+            </a:prstGeom>
+            <a:solidFill>
+              <a:srgbClr val="CCFF99"/>
+            </a:solidFill>
+          </p:spPr>
+          <p:style>
+            <a:lnRef idx="1">
+              <a:schemeClr val="accent6"/>
+            </a:lnRef>
+            <a:fillRef idx="2">
+              <a:schemeClr val="accent6"/>
+            </a:fillRef>
+            <a:effectRef idx="1">
+              <a:schemeClr val="accent6"/>
+            </a:effectRef>
+            <a:fontRef idx="minor">
+              <a:schemeClr val="dk1"/>
+            </a:fontRef>
+          </p:style>
+          <p:txBody>
+            <a:bodyPr rtlCol="0" anchor="ctr"/>
+            <a:lstStyle/>
+            <a:p>
+              <a:pPr algn="ctr"/>
+              <a:endParaRPr lang="en-US" dirty="0"/>
+            </a:p>
+          </p:txBody>
+        </p:sp>
+      </p:grpSp>
+      <p:cxnSp>
+        <p:nvCxnSpPr>
+          <p:cNvPr id="33" name="Connector: Elbow 32">
+            <a:extLst>
+              <a:ext uri="{FF2B5EF4-FFF2-40B4-BE49-F238E27FC236}">
+                <a16:creationId xmlns:a16="http://schemas.microsoft.com/office/drawing/2014/main" id="{DA22291E-14B5-473A-8C5B-A27CF2FC7385}"/>
+              </a:ext>
+            </a:extLst>
+          </p:cNvPr>
+          <p:cNvCxnSpPr>
+            <a:cxnSpLocks/>
+            <a:stCxn id="14" idx="3"/>
+            <a:endCxn id="30" idx="1"/>
+          </p:cNvCxnSpPr>
+          <p:nvPr/>
+        </p:nvCxnSpPr>
+        <p:spPr>
+          <a:xfrm flipV="1">
+            <a:off x="5171604" y="2586837"/>
+            <a:ext cx="1396584" cy="16454"/>
+          </a:xfrm>
+          <a:prstGeom prst="bentConnector3">
+            <a:avLst/>
+          </a:prstGeom>
+          <a:ln>
+            <a:tailEnd type="triangle"/>
+          </a:ln>
+        </p:spPr>
+        <p:style>
+          <a:lnRef idx="1">
+            <a:schemeClr val="accent1"/>
+          </a:lnRef>
+          <a:fillRef idx="0">
+            <a:schemeClr val="accent1"/>
+          </a:fillRef>
+          <a:effectRef idx="0">
+            <a:schemeClr val="accent1"/>
+          </a:effectRef>
+          <a:fontRef idx="minor">
+            <a:schemeClr val="tx1"/>
+          </a:fontRef>
+        </p:style>
+      </p:cxnSp>
+      <p:sp>
+        <p:nvSpPr>
+          <p:cNvPr id="34" name="TextBox 33">
+            <a:extLst>
+              <a:ext uri="{FF2B5EF4-FFF2-40B4-BE49-F238E27FC236}">
+                <a16:creationId xmlns:a16="http://schemas.microsoft.com/office/drawing/2014/main" id="{E8EDBC0A-5964-4598-B391-9F29822D25FA}"/>
+              </a:ext>
+            </a:extLst>
+          </p:cNvPr>
+          <p:cNvSpPr txBox="1"/>
+          <p:nvPr/>
+        </p:nvSpPr>
+        <p:spPr>
+          <a:xfrm>
+            <a:off x="5763619" y="2534513"/>
+            <a:ext cx="590226" cy="369332"/>
+          </a:xfrm>
+          <a:prstGeom prst="rect">
+            <a:avLst/>
+          </a:prstGeom>
+          <a:noFill/>
+        </p:spPr>
+        <p:txBody>
+          <a:bodyPr wrap="none" rtlCol="0">
+            <a:spAutoFit/>
+          </a:bodyPr>
+          <a:lstStyle/>
+          <a:p>
+            <a:r>
+              <a:rPr lang="en-US" dirty="0">
+                <a:solidFill>
+                  <a:srgbClr val="FF0000"/>
+                </a:solidFill>
+              </a:rPr>
+              <a:t>stop</a:t>
+            </a:r>
+          </a:p>
+        </p:txBody>
+      </p:sp>
+      <p:cxnSp>
+        <p:nvCxnSpPr>
+          <p:cNvPr id="38" name="Connector: Elbow 37">
+            <a:extLst>
+              <a:ext uri="{FF2B5EF4-FFF2-40B4-BE49-F238E27FC236}">
+                <a16:creationId xmlns:a16="http://schemas.microsoft.com/office/drawing/2014/main" id="{DA58D2DF-C322-4A24-9DB2-62CE9FAE45C1}"/>
+              </a:ext>
+            </a:extLst>
+          </p:cNvPr>
+          <p:cNvCxnSpPr>
+            <a:stCxn id="31" idx="3"/>
+            <a:endCxn id="13" idx="3"/>
+          </p:cNvCxnSpPr>
+          <p:nvPr/>
+        </p:nvCxnSpPr>
+        <p:spPr>
+          <a:xfrm flipH="1" flipV="1">
+            <a:off x="5171605" y="2213547"/>
+            <a:ext cx="2940569" cy="763034"/>
+          </a:xfrm>
+          <a:prstGeom prst="bentConnector3">
+            <a:avLst>
+              <a:gd name="adj1" fmla="val -7774"/>
+            </a:avLst>
+          </a:prstGeom>
+          <a:ln>
+            <a:tailEnd type="triangle"/>
+          </a:ln>
+        </p:spPr>
+        <p:style>
+          <a:lnRef idx="1">
+            <a:schemeClr val="accent1"/>
+          </a:lnRef>
+          <a:fillRef idx="0">
+            <a:schemeClr val="accent1"/>
+          </a:fillRef>
+          <a:effectRef idx="0">
+            <a:schemeClr val="accent1"/>
+          </a:effectRef>
+          <a:fontRef idx="minor">
+            <a:schemeClr val="tx1"/>
+          </a:fontRef>
+        </p:style>
+      </p:cxnSp>
+      <p:sp>
+        <p:nvSpPr>
+          <p:cNvPr id="39" name="TextBox 38">
+            <a:extLst>
+              <a:ext uri="{FF2B5EF4-FFF2-40B4-BE49-F238E27FC236}">
+                <a16:creationId xmlns:a16="http://schemas.microsoft.com/office/drawing/2014/main" id="{7E124B3F-A50C-4887-AE8F-440201480892}"/>
+              </a:ext>
+            </a:extLst>
+          </p:cNvPr>
+          <p:cNvSpPr txBox="1"/>
+          <p:nvPr/>
+        </p:nvSpPr>
+        <p:spPr>
+          <a:xfrm>
+            <a:off x="6817549" y="1864201"/>
+            <a:ext cx="888577" cy="369332"/>
+          </a:xfrm>
+          <a:prstGeom prst="rect">
+            <a:avLst/>
+          </a:prstGeom>
+          <a:noFill/>
+        </p:spPr>
+        <p:txBody>
+          <a:bodyPr wrap="none" rtlCol="0">
+            <a:spAutoFit/>
+          </a:bodyPr>
+          <a:lstStyle/>
+          <a:p>
+            <a:r>
+              <a:rPr lang="en-US" dirty="0">
+                <a:solidFill>
+                  <a:srgbClr val="FF0000"/>
+                </a:solidFill>
+              </a:rPr>
+              <a:t>resume</a:t>
+            </a:r>
+          </a:p>
+        </p:txBody>
+      </p:sp>
+      <p:cxnSp>
+        <p:nvCxnSpPr>
+          <p:cNvPr id="60" name="Connector: Elbow 59">
+            <a:extLst>
+              <a:ext uri="{FF2B5EF4-FFF2-40B4-BE49-F238E27FC236}">
+                <a16:creationId xmlns:a16="http://schemas.microsoft.com/office/drawing/2014/main" id="{DAB29E9D-650D-4D5B-82ED-4B06CEFA15E1}"/>
+              </a:ext>
+            </a:extLst>
+          </p:cNvPr>
+          <p:cNvCxnSpPr>
+            <a:cxnSpLocks/>
+            <a:stCxn id="14" idx="1"/>
+            <a:endCxn id="13" idx="0"/>
+          </p:cNvCxnSpPr>
+          <p:nvPr/>
+        </p:nvCxnSpPr>
+        <p:spPr>
+          <a:xfrm rot="10800000" flipH="1">
+            <a:off x="3627616" y="2018675"/>
+            <a:ext cx="771995" cy="584616"/>
+          </a:xfrm>
+          <a:prstGeom prst="bentConnector4">
+            <a:avLst>
+              <a:gd name="adj1" fmla="val -93689"/>
+              <a:gd name="adj2" fmla="val 139103"/>
+            </a:avLst>
+          </a:prstGeom>
+          <a:ln>
+            <a:solidFill>
+              <a:srgbClr val="C00000"/>
+            </a:solidFill>
+            <a:tailEnd type="triangle"/>
+          </a:ln>
+        </p:spPr>
+        <p:style>
+          <a:lnRef idx="1">
+            <a:schemeClr val="accent1"/>
+          </a:lnRef>
+          <a:fillRef idx="0">
+            <a:schemeClr val="accent1"/>
+          </a:fillRef>
+          <a:effectRef idx="0">
+            <a:schemeClr val="accent1"/>
+          </a:effectRef>
+          <a:fontRef idx="minor">
+            <a:schemeClr val="tx1"/>
+          </a:fontRef>
+        </p:style>
+      </p:cxnSp>
+      <p:cxnSp>
+        <p:nvCxnSpPr>
+          <p:cNvPr id="70" name="Connector: Elbow 69">
+            <a:extLst>
+              <a:ext uri="{FF2B5EF4-FFF2-40B4-BE49-F238E27FC236}">
+                <a16:creationId xmlns:a16="http://schemas.microsoft.com/office/drawing/2014/main" id="{222A3D57-52D7-4A6D-8178-E3DA62E48AA4}"/>
+              </a:ext>
+            </a:extLst>
+          </p:cNvPr>
+          <p:cNvCxnSpPr>
+            <a:stCxn id="20" idx="1"/>
+            <a:endCxn id="13" idx="1"/>
+          </p:cNvCxnSpPr>
+          <p:nvPr/>
+        </p:nvCxnSpPr>
+        <p:spPr>
+          <a:xfrm rot="10800000" flipH="1">
+            <a:off x="3627616" y="2213548"/>
+            <a:ext cx="1" cy="1746353"/>
+          </a:xfrm>
+          <a:prstGeom prst="bentConnector3">
+            <a:avLst>
+              <a:gd name="adj1" fmla="val -22860000000"/>
+            </a:avLst>
+          </a:prstGeom>
+          <a:ln>
+            <a:tailEnd type="triangle"/>
+          </a:ln>
+        </p:spPr>
+        <p:style>
+          <a:lnRef idx="1">
+            <a:schemeClr val="accent1"/>
+          </a:lnRef>
+          <a:fillRef idx="0">
+            <a:schemeClr val="accent1"/>
+          </a:fillRef>
+          <a:effectRef idx="0">
+            <a:schemeClr val="accent1"/>
+          </a:effectRef>
+          <a:fontRef idx="minor">
+            <a:schemeClr val="tx1"/>
+          </a:fontRef>
+        </p:style>
+      </p:cxnSp>
+      <p:sp>
+        <p:nvSpPr>
+          <p:cNvPr id="71" name="Rectangle: Rounded Corners 70">
+            <a:extLst>
+              <a:ext uri="{FF2B5EF4-FFF2-40B4-BE49-F238E27FC236}">
+                <a16:creationId xmlns:a16="http://schemas.microsoft.com/office/drawing/2014/main" id="{099526F2-C68A-4019-AD78-8558270BFCCC}"/>
+              </a:ext>
+            </a:extLst>
+          </p:cNvPr>
+          <p:cNvSpPr/>
+          <p:nvPr/>
+        </p:nvSpPr>
+        <p:spPr>
+          <a:xfrm>
+            <a:off x="1178394" y="3375286"/>
+            <a:ext cx="1543987" cy="389744"/>
+          </a:xfrm>
+          <a:prstGeom prst="roundRect">
+            <a:avLst/>
+          </a:prstGeom>
+        </p:spPr>
+        <p:style>
+          <a:lnRef idx="1">
+            <a:schemeClr val="accent4"/>
+          </a:lnRef>
+          <a:fillRef idx="2">
+            <a:schemeClr val="accent4"/>
+          </a:fillRef>
+          <a:effectRef idx="1">
+            <a:schemeClr val="accent4"/>
+          </a:effectRef>
+          <a:fontRef idx="minor">
+            <a:schemeClr val="dk1"/>
+          </a:fontRef>
+        </p:style>
+        <p:txBody>
+          <a:bodyPr rtlCol="0" anchor="ctr"/>
+          <a:lstStyle/>
+          <a:p>
+            <a:pPr algn="ctr"/>
+            <a:r>
+              <a:rPr lang="en-US" dirty="0"/>
+              <a:t>end</a:t>
+            </a:r>
+          </a:p>
+        </p:txBody>
+      </p:sp>
+      <p:sp>
+        <p:nvSpPr>
+          <p:cNvPr id="72" name="Rectangle: Rounded Corners 71">
+            <a:extLst>
+              <a:ext uri="{FF2B5EF4-FFF2-40B4-BE49-F238E27FC236}">
+                <a16:creationId xmlns:a16="http://schemas.microsoft.com/office/drawing/2014/main" id="{CE5822E7-C8E7-4A8C-B9D6-BF33BB124F68}"/>
+              </a:ext>
+            </a:extLst>
+          </p:cNvPr>
+          <p:cNvSpPr/>
+          <p:nvPr/>
+        </p:nvSpPr>
+        <p:spPr>
+          <a:xfrm>
+            <a:off x="1178393" y="3765030"/>
+            <a:ext cx="1543987" cy="389744"/>
+          </a:xfrm>
+          <a:prstGeom prst="roundRect">
+            <a:avLst/>
+          </a:prstGeom>
+          <a:solidFill>
+            <a:srgbClr val="CCFF99"/>
+          </a:solidFill>
+        </p:spPr>
+        <p:style>
+          <a:lnRef idx="1">
+            <a:schemeClr val="accent6"/>
+          </a:lnRef>
+          <a:fillRef idx="2">
+            <a:schemeClr val="accent6"/>
+          </a:fillRef>
+          <a:effectRef idx="1">
+            <a:schemeClr val="accent6"/>
+          </a:effectRef>
+          <a:fontRef idx="minor">
+            <a:schemeClr val="dk1"/>
+          </a:fontRef>
+        </p:style>
+        <p:txBody>
+          <a:bodyPr rtlCol="0" anchor="ctr"/>
+          <a:lstStyle/>
+          <a:p>
+            <a:pPr algn="ctr"/>
+            <a:r>
               <a:rPr lang="en-US" dirty="0" err="1"/>
-              <a:t>Wenv</a:t>
-            </a:r>
+              <a:t>turnLeft</a:t>
+            </a:r>
+            <a:endParaRPr lang="en-US" dirty="0"/>
+          </a:p>
+        </p:txBody>
+      </p:sp>
+      <p:cxnSp>
+        <p:nvCxnSpPr>
+          <p:cNvPr id="74" name="Connector: Elbow 73">
+            <a:extLst>
+              <a:ext uri="{FF2B5EF4-FFF2-40B4-BE49-F238E27FC236}">
+                <a16:creationId xmlns:a16="http://schemas.microsoft.com/office/drawing/2014/main" id="{BD83555D-6E21-414A-86F6-6E047653A94C}"/>
+              </a:ext>
+            </a:extLst>
+          </p:cNvPr>
+          <p:cNvCxnSpPr>
+            <a:cxnSpLocks/>
+            <a:endCxn id="71" idx="0"/>
+          </p:cNvCxnSpPr>
+          <p:nvPr/>
+        </p:nvCxnSpPr>
+        <p:spPr>
+          <a:xfrm rot="10800000" flipV="1">
+            <a:off x="1950388" y="2781708"/>
+            <a:ext cx="1699566" cy="593577"/>
+          </a:xfrm>
+          <a:prstGeom prst="bentConnector2">
+            <a:avLst/>
+          </a:prstGeom>
+          <a:ln>
+            <a:tailEnd type="triangle"/>
+          </a:ln>
+        </p:spPr>
+        <p:style>
+          <a:lnRef idx="1">
+            <a:schemeClr val="accent1"/>
+          </a:lnRef>
+          <a:fillRef idx="0">
+            <a:schemeClr val="accent1"/>
+          </a:fillRef>
+          <a:effectRef idx="0">
+            <a:schemeClr val="accent1"/>
+          </a:effectRef>
+          <a:fontRef idx="minor">
+            <a:schemeClr val="tx1"/>
+          </a:fontRef>
+        </p:style>
+      </p:cxnSp>
+      <p:sp>
+        <p:nvSpPr>
+          <p:cNvPr id="75" name="TextBox 74">
+            <a:extLst>
+              <a:ext uri="{FF2B5EF4-FFF2-40B4-BE49-F238E27FC236}">
+                <a16:creationId xmlns:a16="http://schemas.microsoft.com/office/drawing/2014/main" id="{088B5F37-9436-4C33-86DA-99CA232A2D63}"/>
+              </a:ext>
+            </a:extLst>
+          </p:cNvPr>
+          <p:cNvSpPr txBox="1"/>
+          <p:nvPr/>
+        </p:nvSpPr>
+        <p:spPr>
+          <a:xfrm>
+            <a:off x="472970" y="2658914"/>
+            <a:ext cx="1369990" cy="523220"/>
+          </a:xfrm>
+          <a:prstGeom prst="rect">
+            <a:avLst/>
+          </a:prstGeom>
+          <a:noFill/>
+        </p:spPr>
+        <p:txBody>
+          <a:bodyPr wrap="none" rtlCol="0">
+            <a:spAutoFit/>
+          </a:bodyPr>
+          <a:lstStyle/>
+          <a:p>
+            <a:r>
+              <a:rPr lang="en-US" sz="1400" dirty="0" err="1">
+                <a:solidFill>
+                  <a:srgbClr val="FF0000"/>
+                </a:solidFill>
+              </a:rPr>
+              <a:t>endmove</a:t>
+            </a:r>
+            <a:r>
+              <a:rPr lang="en-US" sz="1400" dirty="0"/>
+              <a:t> is true</a:t>
+            </a:r>
+          </a:p>
+          <a:p>
+            <a:r>
+              <a:rPr lang="en-US" sz="1400" dirty="0"/>
+              <a:t>&amp;&amp; step=4</a:t>
+            </a:r>
+          </a:p>
+        </p:txBody>
+      </p:sp>
+      <p:sp>
+        <p:nvSpPr>
+          <p:cNvPr id="76" name="Oval 75">
+            <a:extLst>
+              <a:ext uri="{FF2B5EF4-FFF2-40B4-BE49-F238E27FC236}">
+                <a16:creationId xmlns:a16="http://schemas.microsoft.com/office/drawing/2014/main" id="{BFC6041B-4BBD-4E5F-9267-76D6C13E54F2}"/>
+              </a:ext>
+            </a:extLst>
+          </p:cNvPr>
+          <p:cNvSpPr/>
+          <p:nvPr/>
+        </p:nvSpPr>
+        <p:spPr>
+          <a:xfrm>
+            <a:off x="3387773" y="712402"/>
+            <a:ext cx="239842" cy="239099"/>
+          </a:xfrm>
+          <a:prstGeom prst="ellipse">
+            <a:avLst/>
+          </a:prstGeom>
+          <a:solidFill>
+            <a:schemeClr val="bg2">
+              <a:lumMod val="25%"/>
+            </a:schemeClr>
+          </a:solidFill>
+        </p:spPr>
+        <p:style>
+          <a:lnRef idx="2">
+            <a:schemeClr val="accent1">
+              <a:shade val="50%"/>
+            </a:schemeClr>
+          </a:lnRef>
+          <a:fillRef idx="1">
+            <a:schemeClr val="accent1"/>
+          </a:fillRef>
+          <a:effectRef idx="0">
+            <a:schemeClr val="accent1"/>
+          </a:effectRef>
+          <a:fontRef idx="minor">
+            <a:schemeClr val="lt1"/>
+          </a:fontRef>
+        </p:style>
+        <p:txBody>
+          <a:bodyPr rtlCol="0" anchor="ctr"/>
+          <a:lstStyle/>
+          <a:p>
+            <a:pPr algn="ctr"/>
+            <a:endParaRPr lang="en-US"/>
+          </a:p>
+        </p:txBody>
+      </p:sp>
+      <p:grpSp>
+        <p:nvGrpSpPr>
+          <p:cNvPr id="81" name="Group 80">
+            <a:extLst>
+              <a:ext uri="{FF2B5EF4-FFF2-40B4-BE49-F238E27FC236}">
+                <a16:creationId xmlns:a16="http://schemas.microsoft.com/office/drawing/2014/main" id="{301EAE84-B544-43AC-8A2F-20E86DB26B5C}"/>
+              </a:ext>
+            </a:extLst>
+          </p:cNvPr>
+          <p:cNvGrpSpPr/>
+          <p:nvPr/>
+        </p:nvGrpSpPr>
+        <p:grpSpPr>
+          <a:xfrm>
+            <a:off x="1663909" y="4562006"/>
+            <a:ext cx="509666" cy="465069"/>
+            <a:chOff x="1663908" y="4562006"/>
+            <a:chExt cx="629587" cy="572125"/>
+          </a:xfrm>
+        </p:grpSpPr>
+        <p:sp>
+          <p:nvSpPr>
+            <p:cNvPr id="77" name="Oval 76">
+              <a:extLst>
+                <a:ext uri="{FF2B5EF4-FFF2-40B4-BE49-F238E27FC236}">
+                  <a16:creationId xmlns:a16="http://schemas.microsoft.com/office/drawing/2014/main" id="{8FA26FEB-57C5-48DF-BFF7-436B7248853C}"/>
+                </a:ext>
+              </a:extLst>
+            </p:cNvPr>
+            <p:cNvSpPr/>
+            <p:nvPr/>
+          </p:nvSpPr>
+          <p:spPr>
+            <a:xfrm>
+              <a:off x="1663908" y="4562006"/>
+              <a:ext cx="629587" cy="572125"/>
+            </a:xfrm>
+            <a:prstGeom prst="ellipse">
+              <a:avLst/>
+            </a:prstGeom>
+            <a:solidFill>
+              <a:schemeClr val="bg1"/>
+            </a:solidFill>
+          </p:spPr>
+          <p:style>
+            <a:lnRef idx="2">
+              <a:schemeClr val="accent1">
+                <a:shade val="50%"/>
+              </a:schemeClr>
+            </a:lnRef>
+            <a:fillRef idx="1">
+              <a:schemeClr val="accent1"/>
+            </a:fillRef>
+            <a:effectRef idx="0">
+              <a:schemeClr val="accent1"/>
+            </a:effectRef>
+            <a:fontRef idx="minor">
+              <a:schemeClr val="lt1"/>
+            </a:fontRef>
+          </p:style>
+          <p:txBody>
+            <a:bodyPr rtlCol="0" anchor="ctr"/>
+            <a:lstStyle/>
+            <a:p>
+              <a:pPr algn="ctr"/>
+              <a:endParaRPr lang="en-US"/>
+            </a:p>
+          </p:txBody>
+        </p:sp>
+        <p:sp>
+          <p:nvSpPr>
+            <p:cNvPr id="78" name="Oval 77">
+              <a:extLst>
+                <a:ext uri="{FF2B5EF4-FFF2-40B4-BE49-F238E27FC236}">
+                  <a16:creationId xmlns:a16="http://schemas.microsoft.com/office/drawing/2014/main" id="{4F5F5894-4F32-41C5-B35E-25050349FC2E}"/>
+                </a:ext>
+              </a:extLst>
+            </p:cNvPr>
+            <p:cNvSpPr/>
+            <p:nvPr/>
+          </p:nvSpPr>
+          <p:spPr>
+            <a:xfrm>
+              <a:off x="1858780" y="4728518"/>
+              <a:ext cx="239842" cy="239099"/>
+            </a:xfrm>
+            <a:prstGeom prst="ellipse">
+              <a:avLst/>
+            </a:prstGeom>
+            <a:solidFill>
+              <a:schemeClr val="bg1"/>
+            </a:solidFill>
+          </p:spPr>
+          <p:style>
+            <a:lnRef idx="2">
+              <a:schemeClr val="accent1">
+                <a:shade val="50%"/>
+              </a:schemeClr>
+            </a:lnRef>
+            <a:fillRef idx="1">
+              <a:schemeClr val="accent1"/>
+            </a:fillRef>
+            <a:effectRef idx="0">
+              <a:schemeClr val="accent1"/>
+            </a:effectRef>
+            <a:fontRef idx="minor">
+              <a:schemeClr val="lt1"/>
+            </a:fontRef>
+          </p:style>
+          <p:txBody>
+            <a:bodyPr rtlCol="0" anchor="ctr"/>
+            <a:lstStyle/>
+            <a:p>
+              <a:pPr algn="ctr"/>
+              <a:endParaRPr lang="en-US"/>
+            </a:p>
+          </p:txBody>
+        </p:sp>
+      </p:grpSp>
+      <p:cxnSp>
+        <p:nvCxnSpPr>
+          <p:cNvPr id="80" name="Straight Arrow Connector 79">
+            <a:extLst>
+              <a:ext uri="{FF2B5EF4-FFF2-40B4-BE49-F238E27FC236}">
+                <a16:creationId xmlns:a16="http://schemas.microsoft.com/office/drawing/2014/main" id="{1E29FDCD-1C70-4372-AA52-0BB6A4CA5ED7}"/>
+              </a:ext>
+            </a:extLst>
+          </p:cNvPr>
+          <p:cNvCxnSpPr>
+            <a:stCxn id="72" idx="2"/>
+            <a:endCxn id="77" idx="0"/>
+          </p:cNvCxnSpPr>
+          <p:nvPr/>
+        </p:nvCxnSpPr>
+        <p:spPr>
+          <a:xfrm flipH="1">
+            <a:off x="1918742" y="4154774"/>
+            <a:ext cx="31645" cy="407232"/>
+          </a:xfrm>
+          <a:prstGeom prst="straightConnector1">
+            <a:avLst/>
+          </a:prstGeom>
+          <a:ln>
+            <a:tailEnd type="triangle"/>
+          </a:ln>
+        </p:spPr>
+        <p:style>
+          <a:lnRef idx="1">
+            <a:schemeClr val="accent1"/>
+          </a:lnRef>
+          <a:fillRef idx="0">
+            <a:schemeClr val="accent1"/>
+          </a:fillRef>
+          <a:effectRef idx="0">
+            <a:schemeClr val="accent1"/>
+          </a:effectRef>
+          <a:fontRef idx="minor">
+            <a:schemeClr val="tx1"/>
+          </a:fontRef>
+        </p:style>
+      </p:cxnSp>
+      <p:sp>
+        <p:nvSpPr>
+          <p:cNvPr id="83" name="TextBox 82">
+            <a:extLst>
+              <a:ext uri="{FF2B5EF4-FFF2-40B4-BE49-F238E27FC236}">
+                <a16:creationId xmlns:a16="http://schemas.microsoft.com/office/drawing/2014/main" id="{AB7B98C1-C001-4DEC-9827-8B2607070473}"/>
+              </a:ext>
+            </a:extLst>
+          </p:cNvPr>
+          <p:cNvSpPr txBox="1"/>
+          <p:nvPr/>
+        </p:nvSpPr>
+        <p:spPr>
+          <a:xfrm>
+            <a:off x="4699414" y="1400116"/>
+            <a:ext cx="1071062" cy="307777"/>
+          </a:xfrm>
+          <a:prstGeom prst="rect">
+            <a:avLst/>
+          </a:prstGeom>
+          <a:noFill/>
+        </p:spPr>
+        <p:txBody>
+          <a:bodyPr wrap="none" rtlCol="0">
+            <a:spAutoFit/>
+          </a:bodyPr>
+          <a:lstStyle/>
+          <a:p>
+            <a:r>
+              <a:rPr lang="en-US" sz="1400" dirty="0" err="1"/>
+              <a:t>emptyMove</a:t>
+            </a:r>
+            <a:endParaRPr lang="en-US" sz="1400" dirty="0"/>
+          </a:p>
+        </p:txBody>
+      </p:sp>
+      <p:sp>
+        <p:nvSpPr>
+          <p:cNvPr id="88" name="TextBox 87">
+            <a:extLst>
+              <a:ext uri="{FF2B5EF4-FFF2-40B4-BE49-F238E27FC236}">
+                <a16:creationId xmlns:a16="http://schemas.microsoft.com/office/drawing/2014/main" id="{0BB3F36D-2B23-4EB9-96AA-0E5ED463B711}"/>
+              </a:ext>
+            </a:extLst>
+          </p:cNvPr>
+          <p:cNvSpPr txBox="1"/>
+          <p:nvPr/>
+        </p:nvSpPr>
+        <p:spPr>
+          <a:xfrm>
+            <a:off x="2899205" y="2976579"/>
+            <a:ext cx="1114408" cy="261610"/>
+          </a:xfrm>
+          <a:prstGeom prst="rect">
+            <a:avLst/>
+          </a:prstGeom>
+          <a:noFill/>
+        </p:spPr>
+        <p:txBody>
+          <a:bodyPr wrap="none" rtlCol="0">
+            <a:spAutoFit/>
+          </a:bodyPr>
+          <a:lstStyle/>
+          <a:p>
+            <a:r>
+              <a:rPr lang="en-US" sz="1100" dirty="0" err="1">
+                <a:solidFill>
+                  <a:srgbClr val="FF0000"/>
+                </a:solidFill>
+              </a:rPr>
+              <a:t>endmove</a:t>
+            </a:r>
+            <a:r>
+              <a:rPr lang="en-US" sz="1100" dirty="0"/>
+              <a:t> is true</a:t>
+            </a:r>
+          </a:p>
+        </p:txBody>
+      </p:sp>
+      <p:cxnSp>
+        <p:nvCxnSpPr>
+          <p:cNvPr id="90" name="Connector: Elbow 89">
+            <a:extLst>
+              <a:ext uri="{FF2B5EF4-FFF2-40B4-BE49-F238E27FC236}">
+                <a16:creationId xmlns:a16="http://schemas.microsoft.com/office/drawing/2014/main" id="{7BC74744-8BA5-4E29-9246-3C871B3A8F8A}"/>
+              </a:ext>
+            </a:extLst>
+          </p:cNvPr>
+          <p:cNvCxnSpPr>
+            <a:cxnSpLocks/>
+            <a:stCxn id="20" idx="3"/>
+            <a:endCxn id="30" idx="1"/>
+          </p:cNvCxnSpPr>
+          <p:nvPr/>
+        </p:nvCxnSpPr>
+        <p:spPr>
+          <a:xfrm flipV="1">
+            <a:off x="5171604" y="2586837"/>
+            <a:ext cx="1396584" cy="1373063"/>
+          </a:xfrm>
+          <a:prstGeom prst="bentConnector3">
+            <a:avLst>
+              <a:gd name="adj1" fmla="val 50000"/>
+            </a:avLst>
+          </a:prstGeom>
+          <a:ln>
+            <a:tailEnd type="triangle"/>
+          </a:ln>
+        </p:spPr>
+        <p:style>
+          <a:lnRef idx="1">
+            <a:schemeClr val="accent1"/>
+          </a:lnRef>
+          <a:fillRef idx="0">
+            <a:schemeClr val="accent1"/>
+          </a:fillRef>
+          <a:effectRef idx="0">
+            <a:schemeClr val="accent1"/>
+          </a:effectRef>
+          <a:fontRef idx="minor">
+            <a:schemeClr val="tx1"/>
+          </a:fontRef>
+        </p:style>
+      </p:cxnSp>
+      <p:sp>
+        <p:nvSpPr>
+          <p:cNvPr id="94" name="TextBox 93">
+            <a:extLst>
+              <a:ext uri="{FF2B5EF4-FFF2-40B4-BE49-F238E27FC236}">
+                <a16:creationId xmlns:a16="http://schemas.microsoft.com/office/drawing/2014/main" id="{FFF14C6C-BFE8-4C49-975D-217F3A6FE158}"/>
+              </a:ext>
+            </a:extLst>
+          </p:cNvPr>
+          <p:cNvSpPr txBox="1"/>
+          <p:nvPr/>
+        </p:nvSpPr>
+        <p:spPr>
+          <a:xfrm>
+            <a:off x="6628081" y="5298708"/>
+            <a:ext cx="3030381" cy="1200329"/>
+          </a:xfrm>
+          <a:prstGeom prst="rect">
+            <a:avLst/>
+          </a:prstGeom>
+          <a:noFill/>
+        </p:spPr>
+        <p:txBody>
+          <a:bodyPr wrap="none" rtlCol="0">
+            <a:spAutoFit/>
+          </a:bodyPr>
+          <a:lstStyle/>
+          <a:p>
             <a:r>
               <a:rPr lang="en-US" dirty="0"/>
-              <a:t> (scene)</a:t>
-            </a:r>
+              <a:t>Within a state,  </a:t>
+            </a:r>
+          </a:p>
+          <a:p>
+            <a:r>
+              <a:rPr lang="en-US" dirty="0"/>
+              <a:t>events not shown are ignored</a:t>
+            </a:r>
+          </a:p>
+          <a:p>
+            <a:r>
+              <a:rPr lang="en-US" dirty="0"/>
+              <a:t>The </a:t>
+            </a:r>
+            <a:r>
+              <a:rPr lang="en-US" dirty="0">
+                <a:solidFill>
+                  <a:srgbClr val="FF0000"/>
+                </a:solidFill>
+              </a:rPr>
+              <a:t>stop</a:t>
+            </a:r>
+            <a:r>
+              <a:rPr lang="en-US" dirty="0"/>
+              <a:t> event is handled</a:t>
+            </a:r>
+          </a:p>
+          <a:p>
+            <a:r>
+              <a:rPr lang="en-US" dirty="0"/>
+              <a:t>before </a:t>
+            </a:r>
+            <a:r>
+              <a:rPr lang="en-US" dirty="0" err="1">
+                <a:solidFill>
+                  <a:srgbClr val="FF0000"/>
+                </a:solidFill>
+              </a:rPr>
+              <a:t>endmove</a:t>
+            </a:r>
+            <a:endParaRPr lang="en-US" dirty="0">
+              <a:solidFill>
+                <a:srgbClr val="FF0000"/>
+              </a:solidFill>
+            </a:endParaRPr>
+          </a:p>
+        </p:txBody>
+      </p:sp>
+      <p:sp>
+        <p:nvSpPr>
+          <p:cNvPr id="98" name="TextBox 97">
+            <a:extLst>
+              <a:ext uri="{FF2B5EF4-FFF2-40B4-BE49-F238E27FC236}">
+                <a16:creationId xmlns:a16="http://schemas.microsoft.com/office/drawing/2014/main" id="{702CEF3B-2889-4419-A6E3-330426A2B8E4}"/>
+              </a:ext>
+            </a:extLst>
+          </p:cNvPr>
+          <p:cNvSpPr txBox="1"/>
+          <p:nvPr/>
+        </p:nvSpPr>
+        <p:spPr>
+          <a:xfrm>
+            <a:off x="5560446" y="817219"/>
+            <a:ext cx="2919902" cy="369332"/>
+          </a:xfrm>
+          <a:prstGeom prst="rect">
+            <a:avLst/>
+          </a:prstGeom>
+          <a:noFill/>
+        </p:spPr>
+        <p:txBody>
+          <a:bodyPr wrap="none" rtlCol="0">
+            <a:spAutoFit/>
+          </a:bodyPr>
+          <a:lstStyle/>
+          <a:p>
+            <a:r>
+              <a:rPr lang="en-US" dirty="0"/>
+              <a:t>Transitions fired by messages</a:t>
+            </a:r>
+            <a:endParaRPr lang="en-US" dirty="0">
+              <a:solidFill>
+                <a:srgbClr val="FF0000"/>
+              </a:solidFill>
+            </a:endParaRPr>
           </a:p>
         </p:txBody>
       </p:sp>
     </p:spTree>
     <p:extLst>
       <p:ext uri="{BB962C8B-B14F-4D97-AF65-F5344CB8AC3E}">
-        <p14:creationId xmlns:p14="http://schemas.microsoft.com/office/powerpoint/2010/main" val="2125638574"/>
+        <p14:creationId xmlns:p14="http://schemas.microsoft.com/office/powerpoint/2010/main" val="1694793069"/>
       </p:ext>
     </p:extLst>
   </p:cSld>

--- a/it.unibo.issLabStart/userDocs/BoundaryProblem.pptx
+++ b/it.unibo.issLabStart/userDocs/BoundaryProblem.pptx
@@ -5,7 +5,7 @@
     <p:sldMasterId id="2147483648" r:id="rId1"/>
   </p:sldMasterIdLst>
   <p:notesMasterIdLst>
-    <p:notesMasterId r:id="rId23"/>
+    <p:notesMasterId r:id="rId24"/>
   </p:notesMasterIdLst>
   <p:sldIdLst>
     <p:sldId id="359" r:id="rId2"/>
@@ -23,12 +23,13 @@
     <p:sldId id="370" r:id="rId14"/>
     <p:sldId id="371" r:id="rId15"/>
     <p:sldId id="374" r:id="rId16"/>
-    <p:sldId id="362" r:id="rId17"/>
-    <p:sldId id="363" r:id="rId18"/>
-    <p:sldId id="262" r:id="rId19"/>
-    <p:sldId id="263" r:id="rId20"/>
-    <p:sldId id="265" r:id="rId21"/>
-    <p:sldId id="267" r:id="rId22"/>
+    <p:sldId id="375" r:id="rId17"/>
+    <p:sldId id="362" r:id="rId18"/>
+    <p:sldId id="363" r:id="rId19"/>
+    <p:sldId id="262" r:id="rId20"/>
+    <p:sldId id="263" r:id="rId21"/>
+    <p:sldId id="265" r:id="rId22"/>
+    <p:sldId id="267" r:id="rId23"/>
   </p:sldIdLst>
   <p:sldSz cx="12192000" cy="6858000"/>
   <p:notesSz cx="6858000" cy="9144000"/>
@@ -217,7 +218,7 @@
           <a:p>
             <a:fld id="{942553E1-92AB-4B63-B7B8-8F4E5F5B5F10}" type="datetimeFigureOut">
               <a:rPr lang="en-US" smtClean="0"/>
-              <a:t>3/22/2021</a:t>
+              <a:t>4/7/2021</a:t>
             </a:fld>
             <a:endParaRPr lang="en-US"/>
           </a:p>
@@ -2155,7 +2156,7 @@
             <a:fld id="{E1625027-F480-45BE-98EB-E4ABD50F7C43}" type="datetime1">
               <a:rPr lang="en-US"/>
               <a:pPr lvl="0"/>
-              <a:t>3/22/2021</a:t>
+              <a:t>4/7/2021</a:t>
             </a:fld>
             <a:endParaRPr lang="en-US"/>
           </a:p>
@@ -2360,7 +2361,7 @@
             <a:fld id="{2B127D2E-5ADA-4DDC-9F1A-AD6A016AA88A}" type="datetime1">
               <a:rPr lang="en-US"/>
               <a:pPr lvl="0"/>
-              <a:t>3/22/2021</a:t>
+              <a:t>4/7/2021</a:t>
             </a:fld>
             <a:endParaRPr lang="en-US"/>
           </a:p>
@@ -2610,7 +2611,7 @@
             <a:fld id="{DC8D2D60-A35A-4E29-90AF-F462F3828E68}" type="datetime1">
               <a:rPr lang="en-US"/>
               <a:pPr lvl="0"/>
-              <a:t>3/22/2021</a:t>
+              <a:t>4/7/2021</a:t>
             </a:fld>
             <a:endParaRPr lang="en-US"/>
           </a:p>
@@ -2948,7 +2949,7 @@
             <a:fld id="{28219253-5FC5-4A40-8333-D1B15AC5878A}" type="datetime1">
               <a:rPr lang="en-US"/>
               <a:pPr lvl="0"/>
-              <a:t>3/22/2021</a:t>
+              <a:t>4/7/2021</a:t>
             </a:fld>
             <a:endParaRPr lang="en-US"/>
           </a:p>
@@ -3198,7 +3199,7 @@
             <a:fld id="{33CA4D83-3349-4ABB-88EE-6E4E7B0BB022}" type="datetime1">
               <a:rPr lang="en-US"/>
               <a:pPr lvl="0"/>
-              <a:t>3/22/2021</a:t>
+              <a:t>4/7/2021</a:t>
             </a:fld>
             <a:endParaRPr lang="en-US"/>
           </a:p>
@@ -3578,7 +3579,7 @@
             <a:fld id="{2FB5C852-7CCC-490C-814F-DFECD5F43B20}" type="datetime1">
               <a:rPr lang="en-US"/>
               <a:pPr lvl="0"/>
-              <a:t>3/22/2021</a:t>
+              <a:t>4/7/2021</a:t>
             </a:fld>
             <a:endParaRPr lang="en-US"/>
           </a:p>
@@ -3812,7 +3813,7 @@
             <a:fld id="{7B2A1F4C-93D8-43D7-8339-D733494904AF}" type="datetime1">
               <a:rPr lang="en-US"/>
               <a:pPr lvl="0"/>
-              <a:t>3/22/2021</a:t>
+              <a:t>4/7/2021</a:t>
             </a:fld>
             <a:endParaRPr lang="en-US"/>
           </a:p>
@@ -4056,7 +4057,7 @@
             <a:fld id="{77885217-A614-4057-B794-FF8AEFCE0435}" type="datetime1">
               <a:rPr lang="en-US"/>
               <a:pPr lvl="0"/>
-              <a:t>3/22/2021</a:t>
+              <a:t>4/7/2021</a:t>
             </a:fld>
             <a:endParaRPr lang="en-US"/>
           </a:p>
@@ -4290,7 +4291,7 @@
             <a:fld id="{D0DACD68-29B9-4EF3-AEDA-C2F359F2DD76}" type="datetime1">
               <a:rPr lang="en-US"/>
               <a:pPr lvl="0"/>
-              <a:t>3/22/2021</a:t>
+              <a:t>4/7/2021</a:t>
             </a:fld>
             <a:endParaRPr lang="en-US"/>
           </a:p>
@@ -4499,7 +4500,7 @@
             <a:fld id="{06E0725F-6EB9-4ECD-B0CE-1D38B1127686}" type="datetime1">
               <a:rPr lang="en-US"/>
               <a:pPr lvl="0"/>
-              <a:t>3/22/2021</a:t>
+              <a:t>4/7/2021</a:t>
             </a:fld>
             <a:endParaRPr lang="en-US"/>
           </a:p>
@@ -4816,7 +4817,7 @@
             <a:fld id="{4C942382-4B6B-45E1-9E36-EC8B67CEA045}" type="datetime1">
               <a:rPr lang="en-US"/>
               <a:pPr lvl="0"/>
-              <a:t>3/22/2021</a:t>
+              <a:t>4/7/2021</a:t>
             </a:fld>
             <a:endParaRPr lang="en-US"/>
           </a:p>
@@ -5215,7 +5216,7 @@
             <a:fld id="{7D3D84F2-FEA2-4427-96E5-10B973ED4870}" type="datetime1">
               <a:rPr lang="en-US"/>
               <a:pPr lvl="0"/>
-              <a:t>3/22/2021</a:t>
+              <a:t>4/7/2021</a:t>
             </a:fld>
             <a:endParaRPr lang="en-US"/>
           </a:p>
@@ -5376,7 +5377,7 @@
             <a:fld id="{B7AF3369-AE36-4F4C-A2F2-CD9A19A2C3F5}" type="datetime1">
               <a:rPr lang="en-US"/>
               <a:pPr lvl="0"/>
-              <a:t>3/22/2021</a:t>
+              <a:t>4/7/2021</a:t>
             </a:fld>
             <a:endParaRPr lang="en-US"/>
           </a:p>
@@ -5505,7 +5506,7 @@
             <a:fld id="{1DBFF290-4D61-45AA-9912-220341DCFF82}" type="datetime1">
               <a:rPr lang="en-US"/>
               <a:pPr lvl="0"/>
-              <a:t>3/22/2021</a:t>
+              <a:t>4/7/2021</a:t>
             </a:fld>
             <a:endParaRPr lang="en-US"/>
           </a:p>
@@ -5788,7 +5789,7 @@
             <a:fld id="{394810FF-4C92-4868-8A78-69B7E79AAD23}" type="datetime1">
               <a:rPr lang="en-US"/>
               <a:pPr lvl="0"/>
-              <a:t>3/22/2021</a:t>
+              <a:t>4/7/2021</a:t>
             </a:fld>
             <a:endParaRPr lang="en-US"/>
           </a:p>
@@ -6032,7 +6033,7 @@
             <a:fld id="{5EEF1104-63C8-41E5-ADC2-4624C67A1313}" type="datetime1">
               <a:rPr lang="en-US"/>
               <a:pPr lvl="0"/>
-              <a:t>3/22/2021</a:t>
+              <a:t>4/7/2021</a:t>
             </a:fld>
             <a:endParaRPr lang="en-US"/>
           </a:p>
@@ -7518,7 +7519,7 @@
             <a:fld id="{3431AD46-0528-4BA3-9348-B3C09F91749D}" type="datetime1">
               <a:rPr lang="en-US"/>
               <a:pPr lvl="0"/>
-              <a:t>3/22/2021</a:t>
+              <a:t>4/7/2021</a:t>
             </a:fld>
             <a:endParaRPr lang="en-US"/>
           </a:p>
@@ -18362,443 +18363,149 @@
           <a:chExt cx="0" cy="0"/>
         </a:xfrm>
       </p:grpSpPr>
-      <p:pic>
-        <p:nvPicPr>
-          <p:cNvPr id="5" name="Picture 4">
-            <a:extLst>
-              <a:ext uri="{FF2B5EF4-FFF2-40B4-BE49-F238E27FC236}">
-                <a16:creationId xmlns:a16="http://schemas.microsoft.com/office/drawing/2014/main" id="{AFB81088-0FD8-4C1A-A073-21ECCB654BAC}"/>
-              </a:ext>
-            </a:extLst>
-          </p:cNvPr>
-          <p:cNvPicPr>
-            <a:picLocks noChangeAspect="1"/>
-          </p:cNvPicPr>
-          <p:nvPr/>
-        </p:nvPicPr>
-        <p:blipFill>
-          <a:blip r:embed="rId2"/>
-          <a:stretch>
-            <a:fillRect/>
-          </a:stretch>
-        </p:blipFill>
+      <p:grpSp>
+        <p:nvGrpSpPr>
+          <p:cNvPr id="2" name="Gruppo 6">
+            <a:extLst>
+              <a:ext uri="{FF2B5EF4-FFF2-40B4-BE49-F238E27FC236}">
+                <a16:creationId xmlns:a16="http://schemas.microsoft.com/office/drawing/2014/main" id="{58023ED6-31F3-485D-88A2-A01BDD39DBEA}"/>
+              </a:ext>
+            </a:extLst>
+          </p:cNvPr>
+          <p:cNvGrpSpPr/>
+          <p:nvPr/>
+        </p:nvGrpSpPr>
+        <p:grpSpPr>
+          <a:xfrm>
+            <a:off x="6999000" y="1120965"/>
+            <a:ext cx="1715629" cy="1733553"/>
+            <a:chOff x="565700" y="4940367"/>
+            <a:chExt cx="805955" cy="772447"/>
+          </a:xfrm>
+        </p:grpSpPr>
+        <p:sp>
+          <p:nvSpPr>
+            <p:cNvPr id="3" name="Ovale 31">
+              <a:extLst>
+                <a:ext uri="{FF2B5EF4-FFF2-40B4-BE49-F238E27FC236}">
+                  <a16:creationId xmlns:a16="http://schemas.microsoft.com/office/drawing/2014/main" id="{7E0621A9-D2A6-4394-A419-7E28CE7981D5}"/>
+                </a:ext>
+              </a:extLst>
+            </p:cNvPr>
+            <p:cNvSpPr/>
+            <p:nvPr/>
+          </p:nvSpPr>
+          <p:spPr>
+            <a:xfrm>
+              <a:off x="565700" y="4983583"/>
+              <a:ext cx="805955" cy="729231"/>
+            </a:xfrm>
+            <a:prstGeom prst="ellipse">
+              <a:avLst/>
+            </a:prstGeom>
+            <a:ln/>
+          </p:spPr>
+          <p:style>
+            <a:lnRef idx="1">
+              <a:schemeClr val="accent4"/>
+            </a:lnRef>
+            <a:fillRef idx="2">
+              <a:schemeClr val="accent4"/>
+            </a:fillRef>
+            <a:effectRef idx="1">
+              <a:schemeClr val="accent4"/>
+            </a:effectRef>
+            <a:fontRef idx="minor">
+              <a:schemeClr val="dk1"/>
+            </a:fontRef>
+          </p:style>
+          <p:txBody>
+            <a:bodyPr rtlCol="0" anchor="ctr"/>
+            <a:lstStyle/>
+            <a:p>
+              <a:pPr algn="ctr"/>
+              <a:r>
+                <a:rPr lang="en-GB" sz="1200" dirty="0"/>
+                <a:t> </a:t>
+              </a:r>
+            </a:p>
+          </p:txBody>
+        </p:sp>
+        <p:sp>
+          <p:nvSpPr>
+            <p:cNvPr id="4" name="Triangolo isoscele 34">
+              <a:extLst>
+                <a:ext uri="{FF2B5EF4-FFF2-40B4-BE49-F238E27FC236}">
+                  <a16:creationId xmlns:a16="http://schemas.microsoft.com/office/drawing/2014/main" id="{B3507D6B-2127-4E70-A04E-2A4BA64F07DF}"/>
+                </a:ext>
+              </a:extLst>
+            </p:cNvPr>
+            <p:cNvSpPr/>
+            <p:nvPr/>
+          </p:nvSpPr>
+          <p:spPr>
+            <a:xfrm rot="16200000">
+              <a:off x="905299" y="4913952"/>
+              <a:ext cx="86434" cy="139263"/>
+            </a:xfrm>
+            <a:prstGeom prst="triangle">
+              <a:avLst/>
+            </a:prstGeom>
+            <a:solidFill>
+              <a:srgbClr val="C00000"/>
+            </a:solidFill>
+            <a:ln/>
+          </p:spPr>
+          <p:style>
+            <a:lnRef idx="1">
+              <a:schemeClr val="accent5"/>
+            </a:lnRef>
+            <a:fillRef idx="2">
+              <a:schemeClr val="accent5"/>
+            </a:fillRef>
+            <a:effectRef idx="1">
+              <a:schemeClr val="accent5"/>
+            </a:effectRef>
+            <a:fontRef idx="minor">
+              <a:schemeClr val="dk1"/>
+            </a:fontRef>
+          </p:style>
+          <p:txBody>
+            <a:bodyPr rtlCol="0" anchor="ctr"/>
+            <a:lstStyle/>
+            <a:p>
+              <a:pPr algn="ctr"/>
+              <a:endParaRPr lang="en-GB" sz="1200">
+                <a:solidFill>
+                  <a:schemeClr val="dk1"/>
+                </a:solidFill>
+              </a:endParaRPr>
+            </a:p>
+          </p:txBody>
+        </p:sp>
+      </p:grpSp>
+      <p:sp>
+        <p:nvSpPr>
+          <p:cNvPr id="5" name="Rectangle 4">
+            <a:extLst>
+              <a:ext uri="{FF2B5EF4-FFF2-40B4-BE49-F238E27FC236}">
+                <a16:creationId xmlns:a16="http://schemas.microsoft.com/office/drawing/2014/main" id="{59DEB705-0682-4909-ABD7-A1C0825DFB37}"/>
+              </a:ext>
+            </a:extLst>
+          </p:cNvPr>
+          <p:cNvSpPr/>
+          <p:nvPr/>
+        </p:nvSpPr>
         <p:spPr>
           <a:xfrm>
-            <a:off x="553141" y="1907093"/>
-            <a:ext cx="7334297" cy="4890900"/>
+            <a:off x="6463281" y="1344710"/>
+            <a:ext cx="914400" cy="314793"/>
           </a:xfrm>
           <a:prstGeom prst="rect">
             <a:avLst/>
           </a:prstGeom>
-        </p:spPr>
-      </p:pic>
-      <p:sp>
-        <p:nvSpPr>
-          <p:cNvPr id="6" name="TextBox 5">
-            <a:extLst>
-              <a:ext uri="{FF2B5EF4-FFF2-40B4-BE49-F238E27FC236}">
-                <a16:creationId xmlns:a16="http://schemas.microsoft.com/office/drawing/2014/main" id="{C36357A5-CC17-4235-8378-988782E4CF6F}"/>
-              </a:ext>
-            </a:extLst>
-          </p:cNvPr>
-          <p:cNvSpPr txBox="1"/>
-          <p:nvPr/>
-        </p:nvSpPr>
-        <p:spPr>
-          <a:xfrm>
-            <a:off x="6563881" y="2007244"/>
-            <a:ext cx="2036538" cy="923330"/>
-          </a:xfrm>
-          <a:prstGeom prst="rect">
-            <a:avLst/>
-          </a:prstGeom>
-        </p:spPr>
-        <p:style>
-          <a:lnRef idx="3">
-            <a:schemeClr val="lt1"/>
-          </a:lnRef>
-          <a:fillRef idx="1">
-            <a:schemeClr val="accent5"/>
-          </a:fillRef>
-          <a:effectRef idx="1">
-            <a:schemeClr val="accent5"/>
-          </a:effectRef>
-          <a:fontRef idx="minor">
-            <a:schemeClr val="lt1"/>
-          </a:fontRef>
-        </p:style>
-        <p:txBody>
-          <a:bodyPr wrap="square" rtlCol="0">
-            <a:spAutoFit/>
-          </a:bodyPr>
-          <a:lstStyle/>
-          <a:p>
-            <a:r>
-              <a:rPr lang="en-US" dirty="0"/>
-              <a:t>Console updated </a:t>
-            </a:r>
-          </a:p>
-          <a:p>
-            <a:r>
-              <a:rPr lang="en-US" dirty="0"/>
-              <a:t>by scripts loaded in</a:t>
-            </a:r>
-          </a:p>
-          <a:p>
-            <a:r>
-              <a:rPr lang="en-US" dirty="0"/>
-              <a:t>the HTML file</a:t>
-            </a:r>
-          </a:p>
-        </p:txBody>
-      </p:sp>
-      <p:cxnSp>
-        <p:nvCxnSpPr>
-          <p:cNvPr id="8" name="Connector: Elbow 7">
-            <a:extLst>
-              <a:ext uri="{FF2B5EF4-FFF2-40B4-BE49-F238E27FC236}">
-                <a16:creationId xmlns:a16="http://schemas.microsoft.com/office/drawing/2014/main" id="{3D11A2D7-9F4E-4D63-B323-940A510164E2}"/>
-              </a:ext>
-            </a:extLst>
-          </p:cNvPr>
-          <p:cNvCxnSpPr>
-            <a:cxnSpLocks/>
-            <a:stCxn id="6" idx="1"/>
-          </p:cNvCxnSpPr>
-          <p:nvPr/>
-        </p:nvCxnSpPr>
-        <p:spPr>
-          <a:xfrm rot="10800000" flipV="1">
-            <a:off x="5380033" y="2468909"/>
-            <a:ext cx="1183848" cy="1214288"/>
-          </a:xfrm>
-          <a:prstGeom prst="bentConnector2">
-            <a:avLst/>
-          </a:prstGeom>
-          <a:ln w="38100">
-            <a:tailEnd type="triangle"/>
-          </a:ln>
-        </p:spPr>
-        <p:style>
-          <a:lnRef idx="1">
-            <a:schemeClr val="accent1"/>
-          </a:lnRef>
-          <a:fillRef idx="0">
-            <a:schemeClr val="accent1"/>
-          </a:fillRef>
-          <a:effectRef idx="0">
-            <a:schemeClr val="accent1"/>
-          </a:effectRef>
-          <a:fontRef idx="minor">
-            <a:schemeClr val="tx1"/>
-          </a:fontRef>
-        </p:style>
-      </p:cxnSp>
-      <p:pic>
-        <p:nvPicPr>
-          <p:cNvPr id="14" name="Picture 13">
-            <a:extLst>
-              <a:ext uri="{FF2B5EF4-FFF2-40B4-BE49-F238E27FC236}">
-                <a16:creationId xmlns:a16="http://schemas.microsoft.com/office/drawing/2014/main" id="{48BED648-CEEF-40FA-870E-F6B366786F13}"/>
-              </a:ext>
-            </a:extLst>
-          </p:cNvPr>
-          <p:cNvPicPr>
-            <a:picLocks noChangeAspect="1"/>
-          </p:cNvPicPr>
-          <p:nvPr/>
-        </p:nvPicPr>
-        <p:blipFill>
-          <a:blip r:embed="rId3"/>
-          <a:stretch>
-            <a:fillRect/>
-          </a:stretch>
-        </p:blipFill>
-        <p:spPr>
-          <a:xfrm>
-            <a:off x="553141" y="154447"/>
-            <a:ext cx="8416608" cy="1322610"/>
-          </a:xfrm>
-          <a:prstGeom prst="rect">
-            <a:avLst/>
-          </a:prstGeom>
-        </p:spPr>
-      </p:pic>
-      <p:sp>
-        <p:nvSpPr>
-          <p:cNvPr id="17" name="TextBox 16">
-            <a:extLst>
-              <a:ext uri="{FF2B5EF4-FFF2-40B4-BE49-F238E27FC236}">
-                <a16:creationId xmlns:a16="http://schemas.microsoft.com/office/drawing/2014/main" id="{5F6502D7-940A-48F7-A00E-FA8C63C2F084}"/>
-              </a:ext>
-            </a:extLst>
-          </p:cNvPr>
-          <p:cNvSpPr txBox="1"/>
-          <p:nvPr/>
-        </p:nvSpPr>
-        <p:spPr>
-          <a:xfrm>
-            <a:off x="6563881" y="1314062"/>
-            <a:ext cx="2036538" cy="646331"/>
-          </a:xfrm>
-          <a:prstGeom prst="rect">
-            <a:avLst/>
-          </a:prstGeom>
-        </p:spPr>
-        <p:style>
-          <a:lnRef idx="3">
-            <a:schemeClr val="lt1"/>
-          </a:lnRef>
-          <a:fillRef idx="1">
-            <a:schemeClr val="accent5"/>
-          </a:fillRef>
-          <a:effectRef idx="1">
-            <a:schemeClr val="accent5"/>
-          </a:effectRef>
-          <a:fontRef idx="minor">
-            <a:schemeClr val="lt1"/>
-          </a:fontRef>
-        </p:style>
-        <p:txBody>
-          <a:bodyPr wrap="square" rtlCol="0">
-            <a:spAutoFit/>
-          </a:bodyPr>
-          <a:lstStyle/>
-          <a:p>
-            <a:r>
-              <a:rPr lang="en-US" dirty="0"/>
-              <a:t>Console updated </a:t>
-            </a:r>
-          </a:p>
-          <a:p>
-            <a:r>
-              <a:rPr lang="en-US" dirty="0"/>
-              <a:t>by </a:t>
-            </a:r>
-            <a:r>
-              <a:rPr lang="en-US" dirty="0" err="1">
-                <a:solidFill>
-                  <a:srgbClr val="FFFF00"/>
-                </a:solidFill>
-              </a:rPr>
-              <a:t>WebpageServer</a:t>
-            </a:r>
-            <a:endParaRPr lang="en-US" dirty="0">
-              <a:solidFill>
-                <a:srgbClr val="FFFF00"/>
-              </a:solidFill>
-            </a:endParaRPr>
-          </a:p>
-        </p:txBody>
-      </p:sp>
-      <p:cxnSp>
-        <p:nvCxnSpPr>
-          <p:cNvPr id="18" name="Connector: Elbow 17">
-            <a:extLst>
-              <a:ext uri="{FF2B5EF4-FFF2-40B4-BE49-F238E27FC236}">
-                <a16:creationId xmlns:a16="http://schemas.microsoft.com/office/drawing/2014/main" id="{0D85D913-17E4-435F-AD46-D093FA5BB6A0}"/>
-              </a:ext>
-            </a:extLst>
-          </p:cNvPr>
-          <p:cNvCxnSpPr>
-            <a:cxnSpLocks/>
-            <a:stCxn id="17" idx="0"/>
-          </p:cNvCxnSpPr>
-          <p:nvPr/>
-        </p:nvCxnSpPr>
-        <p:spPr>
-          <a:xfrm rot="16200000" flipV="1">
-            <a:off x="6998939" y="730851"/>
-            <a:ext cx="412292" cy="754130"/>
-          </a:xfrm>
-          <a:prstGeom prst="bentConnector2">
-            <a:avLst/>
-          </a:prstGeom>
-          <a:ln w="38100">
-            <a:tailEnd type="triangle"/>
-          </a:ln>
-        </p:spPr>
-        <p:style>
-          <a:lnRef idx="1">
-            <a:schemeClr val="accent1"/>
-          </a:lnRef>
-          <a:fillRef idx="0">
-            <a:schemeClr val="accent1"/>
-          </a:fillRef>
-          <a:effectRef idx="0">
-            <a:schemeClr val="accent1"/>
-          </a:effectRef>
-          <a:fontRef idx="minor">
-            <a:schemeClr val="tx1"/>
-          </a:fontRef>
-        </p:style>
-      </p:cxnSp>
-      <p:pic>
-        <p:nvPicPr>
-          <p:cNvPr id="34" name="Picture 33">
-            <a:extLst>
-              <a:ext uri="{FF2B5EF4-FFF2-40B4-BE49-F238E27FC236}">
-                <a16:creationId xmlns:a16="http://schemas.microsoft.com/office/drawing/2014/main" id="{4DD27EC7-1FD0-4591-A83D-5C0A1A2BE236}"/>
-              </a:ext>
-            </a:extLst>
-          </p:cNvPr>
-          <p:cNvPicPr>
-            <a:picLocks noChangeAspect="1"/>
-          </p:cNvPicPr>
-          <p:nvPr/>
-        </p:nvPicPr>
-        <p:blipFill>
-          <a:blip r:embed="rId4"/>
-          <a:stretch>
-            <a:fillRect/>
-          </a:stretch>
-        </p:blipFill>
-        <p:spPr>
-          <a:xfrm>
-            <a:off x="8184262" y="3878486"/>
-            <a:ext cx="4007738" cy="2979514"/>
-          </a:xfrm>
-          <a:prstGeom prst="rect">
-            <a:avLst/>
-          </a:prstGeom>
-        </p:spPr>
-      </p:pic>
-      <p:sp>
-        <p:nvSpPr>
-          <p:cNvPr id="37" name="TextBox 36">
-            <a:extLst>
-              <a:ext uri="{FF2B5EF4-FFF2-40B4-BE49-F238E27FC236}">
-                <a16:creationId xmlns:a16="http://schemas.microsoft.com/office/drawing/2014/main" id="{8FEE04FE-FBC2-40A5-8ADE-B1612D9ABE73}"/>
-              </a:ext>
-            </a:extLst>
-          </p:cNvPr>
-          <p:cNvSpPr txBox="1"/>
-          <p:nvPr/>
-        </p:nvSpPr>
-        <p:spPr>
-          <a:xfrm>
-            <a:off x="8692234" y="2007244"/>
-            <a:ext cx="2036538" cy="1477328"/>
-          </a:xfrm>
-          <a:prstGeom prst="rect">
-            <a:avLst/>
-          </a:prstGeom>
-        </p:spPr>
-        <p:style>
-          <a:lnRef idx="3">
-            <a:schemeClr val="lt1"/>
-          </a:lnRef>
-          <a:fillRef idx="1">
-            <a:schemeClr val="accent5"/>
-          </a:fillRef>
-          <a:effectRef idx="1">
-            <a:schemeClr val="accent5"/>
-          </a:effectRef>
-          <a:fontRef idx="minor">
-            <a:schemeClr val="lt1"/>
-          </a:fontRef>
-        </p:style>
-        <p:txBody>
-          <a:bodyPr wrap="square" rtlCol="0">
-            <a:spAutoFit/>
-          </a:bodyPr>
-          <a:lstStyle/>
-          <a:p>
-            <a:r>
-              <a:rPr lang="en-US" dirty="0"/>
-              <a:t>Console updated </a:t>
-            </a:r>
-          </a:p>
-          <a:p>
-            <a:r>
-              <a:rPr lang="en-US" dirty="0"/>
-              <a:t>by a client (</a:t>
-            </a:r>
-            <a:r>
-              <a:rPr lang="en-US" dirty="0" err="1"/>
-              <a:t>js</a:t>
-            </a:r>
-            <a:r>
-              <a:rPr lang="en-US" dirty="0"/>
-              <a:t>) that handles messages sent by </a:t>
-            </a:r>
-            <a:r>
-              <a:rPr lang="en-US" dirty="0" err="1"/>
-              <a:t>WEnv</a:t>
-            </a:r>
-            <a:r>
-              <a:rPr lang="en-US" dirty="0"/>
-              <a:t> over websocket-8091</a:t>
-            </a:r>
-          </a:p>
-        </p:txBody>
-      </p:sp>
-      <p:cxnSp>
-        <p:nvCxnSpPr>
-          <p:cNvPr id="38" name="Connector: Elbow 37">
-            <a:extLst>
-              <a:ext uri="{FF2B5EF4-FFF2-40B4-BE49-F238E27FC236}">
-                <a16:creationId xmlns:a16="http://schemas.microsoft.com/office/drawing/2014/main" id="{5FCC73B8-2282-4AC2-AE31-52DA6E085D92}"/>
-              </a:ext>
-            </a:extLst>
-          </p:cNvPr>
-          <p:cNvCxnSpPr>
-            <a:cxnSpLocks/>
-            <a:stCxn id="37" idx="2"/>
-          </p:cNvCxnSpPr>
-          <p:nvPr/>
-        </p:nvCxnSpPr>
-        <p:spPr>
-          <a:xfrm rot="16200000" flipH="1">
-            <a:off x="8754631" y="4440443"/>
-            <a:ext cx="1918095" cy="6351"/>
-          </a:xfrm>
-          <a:prstGeom prst="bentConnector3">
-            <a:avLst>
-              <a:gd name="adj1" fmla="val 50000"/>
-            </a:avLst>
-          </a:prstGeom>
-          <a:ln w="38100">
-            <a:tailEnd type="triangle"/>
-          </a:ln>
-        </p:spPr>
-        <p:style>
-          <a:lnRef idx="1">
-            <a:schemeClr val="accent1"/>
-          </a:lnRef>
-          <a:fillRef idx="0">
-            <a:schemeClr val="accent1"/>
-          </a:fillRef>
-          <a:effectRef idx="0">
-            <a:schemeClr val="accent1"/>
-          </a:effectRef>
-          <a:fontRef idx="minor">
-            <a:schemeClr val="tx1"/>
-          </a:fontRef>
-        </p:style>
-      </p:cxnSp>
-      <p:sp>
-        <p:nvSpPr>
-          <p:cNvPr id="47" name="Oval 46">
-            <a:extLst>
-              <a:ext uri="{FF2B5EF4-FFF2-40B4-BE49-F238E27FC236}">
-                <a16:creationId xmlns:a16="http://schemas.microsoft.com/office/drawing/2014/main" id="{AB216C9E-4A20-4717-B1D5-F8E0EAF4F830}"/>
-              </a:ext>
-            </a:extLst>
-          </p:cNvPr>
-          <p:cNvSpPr/>
-          <p:nvPr/>
-        </p:nvSpPr>
-        <p:spPr>
-          <a:xfrm>
-            <a:off x="2140527" y="2883509"/>
-            <a:ext cx="202367" cy="188774"/>
-          </a:xfrm>
-          <a:prstGeom prst="ellipse">
-            <a:avLst/>
-          </a:prstGeom>
           <a:solidFill>
-            <a:schemeClr val="tx1"/>
+            <a:srgbClr val="CCFFFF"/>
           </a:solidFill>
           <a:ln>
             <a:solidFill>
@@ -18827,16 +18534,367 @@
           <a:lstStyle/>
           <a:p>
             <a:pPr algn="ctr"/>
-            <a:endParaRPr lang="en-US"/>
+            <a:r>
+              <a:rPr lang="en-US" dirty="0">
+                <a:solidFill>
+                  <a:schemeClr val="tx1"/>
+                </a:solidFill>
+              </a:rPr>
+              <a:t>8010</a:t>
+            </a:r>
           </a:p>
         </p:txBody>
       </p:sp>
+      <p:grpSp>
+        <p:nvGrpSpPr>
+          <p:cNvPr id="6" name="Gruppo 26">
+            <a:extLst>
+              <a:ext uri="{FF2B5EF4-FFF2-40B4-BE49-F238E27FC236}">
+                <a16:creationId xmlns:a16="http://schemas.microsoft.com/office/drawing/2014/main" id="{F819F0F4-AF0E-419D-A5C2-6DC77A55811B}"/>
+              </a:ext>
+            </a:extLst>
+          </p:cNvPr>
+          <p:cNvGrpSpPr/>
+          <p:nvPr/>
+        </p:nvGrpSpPr>
+        <p:grpSpPr>
+          <a:xfrm>
+            <a:off x="7480322" y="1534142"/>
+            <a:ext cx="866156" cy="763297"/>
+            <a:chOff x="1194666" y="2417771"/>
+            <a:chExt cx="866156" cy="763297"/>
+          </a:xfrm>
+        </p:grpSpPr>
+        <p:sp>
+          <p:nvSpPr>
+            <p:cNvPr id="7" name="Ovale 27">
+              <a:extLst>
+                <a:ext uri="{FF2B5EF4-FFF2-40B4-BE49-F238E27FC236}">
+                  <a16:creationId xmlns:a16="http://schemas.microsoft.com/office/drawing/2014/main" id="{13CD421B-CD94-4B56-8D2A-3694508640D0}"/>
+                </a:ext>
+              </a:extLst>
+            </p:cNvPr>
+            <p:cNvSpPr/>
+            <p:nvPr/>
+          </p:nvSpPr>
+          <p:spPr>
+            <a:xfrm>
+              <a:off x="1311101" y="2460988"/>
+              <a:ext cx="749721" cy="720080"/>
+            </a:xfrm>
+            <a:prstGeom prst="ellipse">
+              <a:avLst/>
+            </a:prstGeom>
+            <a:solidFill>
+              <a:srgbClr val="FFCCFF"/>
+            </a:solidFill>
+            <a:ln/>
+          </p:spPr>
+          <p:style>
+            <a:lnRef idx="1">
+              <a:schemeClr val="accent5"/>
+            </a:lnRef>
+            <a:fillRef idx="2">
+              <a:schemeClr val="accent5"/>
+            </a:fillRef>
+            <a:effectRef idx="1">
+              <a:schemeClr val="accent5"/>
+            </a:effectRef>
+            <a:fontRef idx="minor">
+              <a:schemeClr val="dk1"/>
+            </a:fontRef>
+          </p:style>
+          <p:txBody>
+            <a:bodyPr rtlCol="0" anchor="ctr"/>
+            <a:lstStyle/>
+            <a:p>
+              <a:pPr algn="ctr"/>
+              <a:r>
+                <a:rPr lang="en-GB" sz="1200" dirty="0"/>
+                <a:t> </a:t>
+              </a:r>
+            </a:p>
+          </p:txBody>
+        </p:sp>
+        <p:sp>
+          <p:nvSpPr>
+            <p:cNvPr id="8" name="Rettangolo 28">
+              <a:extLst>
+                <a:ext uri="{FF2B5EF4-FFF2-40B4-BE49-F238E27FC236}">
+                  <a16:creationId xmlns:a16="http://schemas.microsoft.com/office/drawing/2014/main" id="{B401DA1B-69D8-41E2-9D98-7A0AC69ADAEA}"/>
+                </a:ext>
+              </a:extLst>
+            </p:cNvPr>
+            <p:cNvSpPr/>
+            <p:nvPr/>
+          </p:nvSpPr>
+          <p:spPr>
+            <a:xfrm>
+              <a:off x="1194666" y="2699711"/>
+              <a:ext cx="281433" cy="211952"/>
+            </a:xfrm>
+            <a:prstGeom prst="rect">
+              <a:avLst/>
+            </a:prstGeom>
+            <a:solidFill>
+              <a:srgbClr val="FFCCFF"/>
+            </a:solidFill>
+            <a:ln/>
+          </p:spPr>
+          <p:style>
+            <a:lnRef idx="1">
+              <a:schemeClr val="accent5"/>
+            </a:lnRef>
+            <a:fillRef idx="2">
+              <a:schemeClr val="accent5"/>
+            </a:fillRef>
+            <a:effectRef idx="1">
+              <a:schemeClr val="accent5"/>
+            </a:effectRef>
+            <a:fontRef idx="minor">
+              <a:schemeClr val="dk1"/>
+            </a:fontRef>
+          </p:style>
+          <p:txBody>
+            <a:bodyPr rtlCol="0" anchor="ctr"/>
+            <a:lstStyle/>
+            <a:p>
+              <a:pPr algn="ctr"/>
+              <a:endParaRPr lang="en-GB" sz="1200"/>
+            </a:p>
+          </p:txBody>
+        </p:sp>
+        <p:sp>
+          <p:nvSpPr>
+            <p:cNvPr id="9" name="Triangolo isoscele 29">
+              <a:extLst>
+                <a:ext uri="{FF2B5EF4-FFF2-40B4-BE49-F238E27FC236}">
+                  <a16:creationId xmlns:a16="http://schemas.microsoft.com/office/drawing/2014/main" id="{B4530605-3BEB-4D30-AEB1-32EF8A329B60}"/>
+                </a:ext>
+              </a:extLst>
+            </p:cNvPr>
+            <p:cNvSpPr/>
+            <p:nvPr/>
+          </p:nvSpPr>
+          <p:spPr>
+            <a:xfrm rot="16200000">
+              <a:off x="1618539" y="2391356"/>
+              <a:ext cx="86434" cy="139263"/>
+            </a:xfrm>
+            <a:prstGeom prst="triangle">
+              <a:avLst/>
+            </a:prstGeom>
+            <a:solidFill>
+              <a:srgbClr val="FF0000"/>
+            </a:solidFill>
+            <a:ln/>
+          </p:spPr>
+          <p:style>
+            <a:lnRef idx="1">
+              <a:schemeClr val="accent5"/>
+            </a:lnRef>
+            <a:fillRef idx="2">
+              <a:schemeClr val="accent5"/>
+            </a:fillRef>
+            <a:effectRef idx="1">
+              <a:schemeClr val="accent5"/>
+            </a:effectRef>
+            <a:fontRef idx="minor">
+              <a:schemeClr val="dk1"/>
+            </a:fontRef>
+          </p:style>
+          <p:txBody>
+            <a:bodyPr rtlCol="0" anchor="ctr"/>
+            <a:lstStyle/>
+            <a:p>
+              <a:pPr algn="ctr"/>
+              <a:endParaRPr lang="en-GB" sz="1200">
+                <a:solidFill>
+                  <a:schemeClr val="dk1"/>
+                </a:solidFill>
+              </a:endParaRPr>
+            </a:p>
+          </p:txBody>
+        </p:sp>
+      </p:grpSp>
+      <p:grpSp>
+        <p:nvGrpSpPr>
+          <p:cNvPr id="10" name="Gruppo 26">
+            <a:extLst>
+              <a:ext uri="{FF2B5EF4-FFF2-40B4-BE49-F238E27FC236}">
+                <a16:creationId xmlns:a16="http://schemas.microsoft.com/office/drawing/2014/main" id="{DC169D7E-384D-4A74-BDE4-6A7E02B0E6FA}"/>
+              </a:ext>
+            </a:extLst>
+          </p:cNvPr>
+          <p:cNvGrpSpPr/>
+          <p:nvPr/>
+        </p:nvGrpSpPr>
+        <p:grpSpPr>
+          <a:xfrm>
+            <a:off x="2591595" y="1362420"/>
+            <a:ext cx="866156" cy="763297"/>
+            <a:chOff x="1194666" y="2417771"/>
+            <a:chExt cx="866156" cy="763297"/>
+          </a:xfrm>
+        </p:grpSpPr>
+        <p:sp>
+          <p:nvSpPr>
+            <p:cNvPr id="11" name="Ovale 27">
+              <a:extLst>
+                <a:ext uri="{FF2B5EF4-FFF2-40B4-BE49-F238E27FC236}">
+                  <a16:creationId xmlns:a16="http://schemas.microsoft.com/office/drawing/2014/main" id="{3BB7298E-ACF6-4161-9FA2-6A08C196A477}"/>
+                </a:ext>
+              </a:extLst>
+            </p:cNvPr>
+            <p:cNvSpPr/>
+            <p:nvPr/>
+          </p:nvSpPr>
+          <p:spPr>
+            <a:xfrm>
+              <a:off x="1311101" y="2460988"/>
+              <a:ext cx="749721" cy="720080"/>
+            </a:xfrm>
+            <a:prstGeom prst="ellipse">
+              <a:avLst/>
+            </a:prstGeom>
+            <a:solidFill>
+              <a:srgbClr val="FFCCFF"/>
+            </a:solidFill>
+            <a:ln/>
+          </p:spPr>
+          <p:style>
+            <a:lnRef idx="1">
+              <a:schemeClr val="accent5"/>
+            </a:lnRef>
+            <a:fillRef idx="2">
+              <a:schemeClr val="accent5"/>
+            </a:fillRef>
+            <a:effectRef idx="1">
+              <a:schemeClr val="accent5"/>
+            </a:effectRef>
+            <a:fontRef idx="minor">
+              <a:schemeClr val="dk1"/>
+            </a:fontRef>
+          </p:style>
+          <p:txBody>
+            <a:bodyPr rtlCol="0" anchor="ctr"/>
+            <a:lstStyle/>
+            <a:p>
+              <a:pPr algn="ctr"/>
+              <a:r>
+                <a:rPr lang="en-GB" sz="1200" dirty="0"/>
+                <a:t> </a:t>
+              </a:r>
+            </a:p>
+          </p:txBody>
+        </p:sp>
+        <p:sp>
+          <p:nvSpPr>
+            <p:cNvPr id="12" name="Rettangolo 28">
+              <a:extLst>
+                <a:ext uri="{FF2B5EF4-FFF2-40B4-BE49-F238E27FC236}">
+                  <a16:creationId xmlns:a16="http://schemas.microsoft.com/office/drawing/2014/main" id="{F020AF04-7163-4BE8-B16C-F909328302F8}"/>
+                </a:ext>
+              </a:extLst>
+            </p:cNvPr>
+            <p:cNvSpPr/>
+            <p:nvPr/>
+          </p:nvSpPr>
+          <p:spPr>
+            <a:xfrm>
+              <a:off x="1194666" y="2699711"/>
+              <a:ext cx="281433" cy="211952"/>
+            </a:xfrm>
+            <a:prstGeom prst="rect">
+              <a:avLst/>
+            </a:prstGeom>
+            <a:solidFill>
+              <a:srgbClr val="FFCCFF"/>
+            </a:solidFill>
+            <a:ln/>
+          </p:spPr>
+          <p:style>
+            <a:lnRef idx="1">
+              <a:schemeClr val="accent5"/>
+            </a:lnRef>
+            <a:fillRef idx="2">
+              <a:schemeClr val="accent5"/>
+            </a:fillRef>
+            <a:effectRef idx="1">
+              <a:schemeClr val="accent5"/>
+            </a:effectRef>
+            <a:fontRef idx="minor">
+              <a:schemeClr val="dk1"/>
+            </a:fontRef>
+          </p:style>
+          <p:txBody>
+            <a:bodyPr rtlCol="0" anchor="ctr"/>
+            <a:lstStyle/>
+            <a:p>
+              <a:pPr algn="ctr"/>
+              <a:endParaRPr lang="en-GB" sz="1200"/>
+            </a:p>
+          </p:txBody>
+        </p:sp>
+        <p:sp>
+          <p:nvSpPr>
+            <p:cNvPr id="13" name="Triangolo isoscele 29">
+              <a:extLst>
+                <a:ext uri="{FF2B5EF4-FFF2-40B4-BE49-F238E27FC236}">
+                  <a16:creationId xmlns:a16="http://schemas.microsoft.com/office/drawing/2014/main" id="{EAE07B6F-E3B9-4DBB-91AE-E423F59307F3}"/>
+                </a:ext>
+              </a:extLst>
+            </p:cNvPr>
+            <p:cNvSpPr/>
+            <p:nvPr/>
+          </p:nvSpPr>
+          <p:spPr>
+            <a:xfrm rot="16200000">
+              <a:off x="1618539" y="2391356"/>
+              <a:ext cx="86434" cy="139263"/>
+            </a:xfrm>
+            <a:prstGeom prst="triangle">
+              <a:avLst/>
+            </a:prstGeom>
+            <a:solidFill>
+              <a:srgbClr val="FF0000"/>
+            </a:solidFill>
+            <a:ln/>
+          </p:spPr>
+          <p:style>
+            <a:lnRef idx="1">
+              <a:schemeClr val="accent5"/>
+            </a:lnRef>
+            <a:fillRef idx="2">
+              <a:schemeClr val="accent5"/>
+            </a:fillRef>
+            <a:effectRef idx="1">
+              <a:schemeClr val="accent5"/>
+            </a:effectRef>
+            <a:fontRef idx="minor">
+              <a:schemeClr val="dk1"/>
+            </a:fontRef>
+          </p:style>
+          <p:txBody>
+            <a:bodyPr rtlCol="0" anchor="ctr"/>
+            <a:lstStyle/>
+            <a:p>
+              <a:pPr algn="ctr"/>
+              <a:endParaRPr lang="en-GB" sz="1200">
+                <a:solidFill>
+                  <a:schemeClr val="dk1"/>
+                </a:solidFill>
+              </a:endParaRPr>
+            </a:p>
+          </p:txBody>
+        </p:sp>
+      </p:grpSp>
       <p:sp>
         <p:nvSpPr>
-          <p:cNvPr id="51" name="TextBox 50">
-            <a:extLst>
-              <a:ext uri="{FF2B5EF4-FFF2-40B4-BE49-F238E27FC236}">
-                <a16:creationId xmlns:a16="http://schemas.microsoft.com/office/drawing/2014/main" id="{B632D4FD-96B3-4999-B318-E79DE8A8C866}"/>
+          <p:cNvPr id="14" name="TextBox 13">
+            <a:extLst>
+              <a:ext uri="{FF2B5EF4-FFF2-40B4-BE49-F238E27FC236}">
+                <a16:creationId xmlns:a16="http://schemas.microsoft.com/office/drawing/2014/main" id="{1585F759-D550-4885-BA12-8953796A91A3}"/>
               </a:ext>
             </a:extLst>
           </p:cNvPr>
@@ -18845,27 +18903,14 @@
         </p:nvSpPr>
         <p:spPr>
           <a:xfrm>
-            <a:off x="553141" y="1521498"/>
-            <a:ext cx="5827942" cy="369332"/>
+            <a:off x="6875984" y="2441498"/>
+            <a:ext cx="1838645" cy="369332"/>
           </a:xfrm>
           <a:prstGeom prst="rect">
             <a:avLst/>
           </a:prstGeom>
-        </p:spPr>
-        <p:style>
-          <a:lnRef idx="1">
-            <a:schemeClr val="accent4"/>
-          </a:lnRef>
-          <a:fillRef idx="2">
-            <a:schemeClr val="accent4"/>
-          </a:fillRef>
-          <a:effectRef idx="1">
-            <a:schemeClr val="accent4"/>
-          </a:effectRef>
-          <a:fontRef idx="minor">
-            <a:schemeClr val="dk1"/>
-          </a:fontRef>
-        </p:style>
+          <a:noFill/>
+        </p:spPr>
         <p:txBody>
           <a:bodyPr wrap="none" rtlCol="0">
             <a:spAutoFit/>
@@ -18874,63 +18919,18 @@
           <a:p>
             <a:r>
               <a:rPr lang="en-US" dirty="0" err="1"/>
-              <a:t>WebpageServer</a:t>
-            </a:r>
-            <a:r>
-              <a:rPr lang="en-US" dirty="0"/>
-              <a:t> updates the scene by using websocket-8090</a:t>
-            </a:r>
+              <a:t>StepRobotService</a:t>
+            </a:r>
+            <a:endParaRPr lang="en-US" dirty="0"/>
           </a:p>
         </p:txBody>
       </p:sp>
-      <p:cxnSp>
-        <p:nvCxnSpPr>
-          <p:cNvPr id="41" name="Connector: Elbow 40">
-            <a:extLst>
-              <a:ext uri="{FF2B5EF4-FFF2-40B4-BE49-F238E27FC236}">
-                <a16:creationId xmlns:a16="http://schemas.microsoft.com/office/drawing/2014/main" id="{B321E8DE-0DCD-4789-AFF8-610118BD0D85}"/>
-              </a:ext>
-            </a:extLst>
-          </p:cNvPr>
-          <p:cNvCxnSpPr>
-            <a:cxnSpLocks/>
-            <a:endCxn id="47" idx="0"/>
-          </p:cNvCxnSpPr>
-          <p:nvPr/>
-        </p:nvCxnSpPr>
-        <p:spPr>
-          <a:xfrm rot="10800000" flipV="1">
-            <a:off x="2241711" y="1837123"/>
-            <a:ext cx="4330470" cy="1046386"/>
-          </a:xfrm>
-          <a:prstGeom prst="bentConnector2">
-            <a:avLst/>
-          </a:prstGeom>
-          <a:ln w="38100">
-            <a:tailEnd type="triangle"/>
-          </a:ln>
-        </p:spPr>
-        <p:style>
-          <a:lnRef idx="1">
-            <a:schemeClr val="accent1"/>
-          </a:lnRef>
-          <a:fillRef idx="0">
-            <a:schemeClr val="accent1"/>
-          </a:fillRef>
-          <a:effectRef idx="0">
-            <a:schemeClr val="accent1"/>
-          </a:effectRef>
-          <a:fontRef idx="minor">
-            <a:schemeClr val="tx1"/>
-          </a:fontRef>
-        </p:style>
-      </p:cxnSp>
       <p:sp>
         <p:nvSpPr>
-          <p:cNvPr id="55" name="TextBox 54">
-            <a:extLst>
-              <a:ext uri="{FF2B5EF4-FFF2-40B4-BE49-F238E27FC236}">
-                <a16:creationId xmlns:a16="http://schemas.microsoft.com/office/drawing/2014/main" id="{9DF16D52-05F1-403E-A5B1-4A994618D5F4}"/>
+          <p:cNvPr id="15" name="TextBox 14">
+            <a:extLst>
+              <a:ext uri="{FF2B5EF4-FFF2-40B4-BE49-F238E27FC236}">
+                <a16:creationId xmlns:a16="http://schemas.microsoft.com/office/drawing/2014/main" id="{47EAF1DE-58BC-4584-809B-45FC831C4ACD}"/>
               </a:ext>
             </a:extLst>
           </p:cNvPr>
@@ -18939,27 +18939,14 @@
         </p:nvSpPr>
         <p:spPr>
           <a:xfrm>
-            <a:off x="595557" y="3044424"/>
-            <a:ext cx="1453155" cy="369332"/>
+            <a:off x="2429378" y="2168935"/>
+            <a:ext cx="1258614" cy="369332"/>
           </a:xfrm>
           <a:prstGeom prst="rect">
             <a:avLst/>
           </a:prstGeom>
-        </p:spPr>
-        <p:style>
-          <a:lnRef idx="1">
-            <a:schemeClr val="accent4"/>
-          </a:lnRef>
-          <a:fillRef idx="2">
-            <a:schemeClr val="accent4"/>
-          </a:fillRef>
-          <a:effectRef idx="1">
-            <a:schemeClr val="accent4"/>
-          </a:effectRef>
-          <a:fontRef idx="minor">
-            <a:schemeClr val="dk1"/>
-          </a:fontRef>
-        </p:style>
+          <a:noFill/>
+        </p:spPr>
         <p:txBody>
           <a:bodyPr wrap="none" rtlCol="0">
             <a:spAutoFit/>
@@ -18968,19 +18955,640 @@
           <a:p>
             <a:r>
               <a:rPr lang="en-US" dirty="0" err="1"/>
-              <a:t>Wenv</a:t>
-            </a:r>
-            <a:r>
-              <a:rPr lang="en-US" dirty="0"/>
-              <a:t> (scene)</a:t>
-            </a:r>
+              <a:t>WalkerPath</a:t>
+            </a:r>
+            <a:endParaRPr lang="en-US" dirty="0"/>
+          </a:p>
+        </p:txBody>
+      </p:sp>
+      <p:grpSp>
+        <p:nvGrpSpPr>
+          <p:cNvPr id="16" name="Gruppo 26">
+            <a:extLst>
+              <a:ext uri="{FF2B5EF4-FFF2-40B4-BE49-F238E27FC236}">
+                <a16:creationId xmlns:a16="http://schemas.microsoft.com/office/drawing/2014/main" id="{8DE12D89-FC0F-4893-B8C8-BC0EF65179E9}"/>
+              </a:ext>
+            </a:extLst>
+          </p:cNvPr>
+          <p:cNvGrpSpPr/>
+          <p:nvPr/>
+        </p:nvGrpSpPr>
+        <p:grpSpPr>
+          <a:xfrm>
+            <a:off x="2124505" y="3328553"/>
+            <a:ext cx="866156" cy="763297"/>
+            <a:chOff x="1194666" y="2417771"/>
+            <a:chExt cx="866156" cy="763297"/>
+          </a:xfrm>
+        </p:grpSpPr>
+        <p:sp>
+          <p:nvSpPr>
+            <p:cNvPr id="17" name="Ovale 27">
+              <a:extLst>
+                <a:ext uri="{FF2B5EF4-FFF2-40B4-BE49-F238E27FC236}">
+                  <a16:creationId xmlns:a16="http://schemas.microsoft.com/office/drawing/2014/main" id="{B63647F2-2157-44F7-9E2A-A485E4AE30AE}"/>
+                </a:ext>
+              </a:extLst>
+            </p:cNvPr>
+            <p:cNvSpPr/>
+            <p:nvPr/>
+          </p:nvSpPr>
+          <p:spPr>
+            <a:xfrm>
+              <a:off x="1311101" y="2460988"/>
+              <a:ext cx="749721" cy="720080"/>
+            </a:xfrm>
+            <a:prstGeom prst="ellipse">
+              <a:avLst/>
+            </a:prstGeom>
+            <a:solidFill>
+              <a:srgbClr val="FFCCFF"/>
+            </a:solidFill>
+            <a:ln/>
+          </p:spPr>
+          <p:style>
+            <a:lnRef idx="1">
+              <a:schemeClr val="accent5"/>
+            </a:lnRef>
+            <a:fillRef idx="2">
+              <a:schemeClr val="accent5"/>
+            </a:fillRef>
+            <a:effectRef idx="1">
+              <a:schemeClr val="accent5"/>
+            </a:effectRef>
+            <a:fontRef idx="minor">
+              <a:schemeClr val="dk1"/>
+            </a:fontRef>
+          </p:style>
+          <p:txBody>
+            <a:bodyPr rtlCol="0" anchor="ctr"/>
+            <a:lstStyle/>
+            <a:p>
+              <a:pPr algn="ctr"/>
+              <a:r>
+                <a:rPr lang="en-GB" sz="1200" dirty="0"/>
+                <a:t> </a:t>
+              </a:r>
+            </a:p>
+          </p:txBody>
+        </p:sp>
+        <p:sp>
+          <p:nvSpPr>
+            <p:cNvPr id="18" name="Rettangolo 28">
+              <a:extLst>
+                <a:ext uri="{FF2B5EF4-FFF2-40B4-BE49-F238E27FC236}">
+                  <a16:creationId xmlns:a16="http://schemas.microsoft.com/office/drawing/2014/main" id="{24EE82A8-05CB-4952-BEB7-F2C6AF706176}"/>
+                </a:ext>
+              </a:extLst>
+            </p:cNvPr>
+            <p:cNvSpPr/>
+            <p:nvPr/>
+          </p:nvSpPr>
+          <p:spPr>
+            <a:xfrm>
+              <a:off x="1194666" y="2699711"/>
+              <a:ext cx="281433" cy="211952"/>
+            </a:xfrm>
+            <a:prstGeom prst="rect">
+              <a:avLst/>
+            </a:prstGeom>
+            <a:solidFill>
+              <a:srgbClr val="FFCCFF"/>
+            </a:solidFill>
+            <a:ln/>
+          </p:spPr>
+          <p:style>
+            <a:lnRef idx="1">
+              <a:schemeClr val="accent5"/>
+            </a:lnRef>
+            <a:fillRef idx="2">
+              <a:schemeClr val="accent5"/>
+            </a:fillRef>
+            <a:effectRef idx="1">
+              <a:schemeClr val="accent5"/>
+            </a:effectRef>
+            <a:fontRef idx="minor">
+              <a:schemeClr val="dk1"/>
+            </a:fontRef>
+          </p:style>
+          <p:txBody>
+            <a:bodyPr rtlCol="0" anchor="ctr"/>
+            <a:lstStyle/>
+            <a:p>
+              <a:pPr algn="ctr"/>
+              <a:endParaRPr lang="en-GB" sz="1200"/>
+            </a:p>
+          </p:txBody>
+        </p:sp>
+        <p:sp>
+          <p:nvSpPr>
+            <p:cNvPr id="19" name="Triangolo isoscele 29">
+              <a:extLst>
+                <a:ext uri="{FF2B5EF4-FFF2-40B4-BE49-F238E27FC236}">
+                  <a16:creationId xmlns:a16="http://schemas.microsoft.com/office/drawing/2014/main" id="{9746397F-ABDF-4277-9331-EEADE08A875F}"/>
+                </a:ext>
+              </a:extLst>
+            </p:cNvPr>
+            <p:cNvSpPr/>
+            <p:nvPr/>
+          </p:nvSpPr>
+          <p:spPr>
+            <a:xfrm rot="16200000">
+              <a:off x="1618539" y="2391356"/>
+              <a:ext cx="86434" cy="139263"/>
+            </a:xfrm>
+            <a:prstGeom prst="triangle">
+              <a:avLst/>
+            </a:prstGeom>
+            <a:solidFill>
+              <a:srgbClr val="FF0000"/>
+            </a:solidFill>
+            <a:ln/>
+          </p:spPr>
+          <p:style>
+            <a:lnRef idx="1">
+              <a:schemeClr val="accent5"/>
+            </a:lnRef>
+            <a:fillRef idx="2">
+              <a:schemeClr val="accent5"/>
+            </a:fillRef>
+            <a:effectRef idx="1">
+              <a:schemeClr val="accent5"/>
+            </a:effectRef>
+            <a:fontRef idx="minor">
+              <a:schemeClr val="dk1"/>
+            </a:fontRef>
+          </p:style>
+          <p:txBody>
+            <a:bodyPr rtlCol="0" anchor="ctr"/>
+            <a:lstStyle/>
+            <a:p>
+              <a:pPr algn="ctr"/>
+              <a:endParaRPr lang="en-GB" sz="1200">
+                <a:solidFill>
+                  <a:schemeClr val="dk1"/>
+                </a:solidFill>
+              </a:endParaRPr>
+            </a:p>
+          </p:txBody>
+        </p:sp>
+      </p:grpSp>
+      <p:sp>
+        <p:nvSpPr>
+          <p:cNvPr id="20" name="TextBox 19">
+            <a:extLst>
+              <a:ext uri="{FF2B5EF4-FFF2-40B4-BE49-F238E27FC236}">
+                <a16:creationId xmlns:a16="http://schemas.microsoft.com/office/drawing/2014/main" id="{DE2444D6-3330-460A-A76C-16B20FBAEB4E}"/>
+              </a:ext>
+            </a:extLst>
+          </p:cNvPr>
+          <p:cNvSpPr txBox="1"/>
+          <p:nvPr/>
+        </p:nvSpPr>
+        <p:spPr>
+          <a:xfrm>
+            <a:off x="1962288" y="4135068"/>
+            <a:ext cx="2114874" cy="369332"/>
+          </a:xfrm>
+          <a:prstGeom prst="rect">
+            <a:avLst/>
+          </a:prstGeom>
+          <a:noFill/>
+        </p:spPr>
+        <p:txBody>
+          <a:bodyPr wrap="none" rtlCol="0">
+            <a:spAutoFit/>
+          </a:bodyPr>
+          <a:lstStyle/>
+          <a:p>
+            <a:r>
+              <a:rPr lang="en-US" dirty="0" err="1"/>
+              <a:t>WalkerStrategyActor</a:t>
+            </a:r>
+            <a:endParaRPr lang="en-US" dirty="0"/>
+          </a:p>
+        </p:txBody>
+      </p:sp>
+      <p:grpSp>
+        <p:nvGrpSpPr>
+          <p:cNvPr id="21" name="Gruppo 26">
+            <a:extLst>
+              <a:ext uri="{FF2B5EF4-FFF2-40B4-BE49-F238E27FC236}">
+                <a16:creationId xmlns:a16="http://schemas.microsoft.com/office/drawing/2014/main" id="{CEF6E0A4-1EC6-43A8-B6CC-C96E32DAE466}"/>
+              </a:ext>
+            </a:extLst>
+          </p:cNvPr>
+          <p:cNvGrpSpPr/>
+          <p:nvPr/>
+        </p:nvGrpSpPr>
+        <p:grpSpPr>
+          <a:xfrm>
+            <a:off x="4614589" y="3647178"/>
+            <a:ext cx="866156" cy="763297"/>
+            <a:chOff x="1194666" y="2417771"/>
+            <a:chExt cx="866156" cy="763297"/>
+          </a:xfrm>
+        </p:grpSpPr>
+        <p:sp>
+          <p:nvSpPr>
+            <p:cNvPr id="22" name="Ovale 27">
+              <a:extLst>
+                <a:ext uri="{FF2B5EF4-FFF2-40B4-BE49-F238E27FC236}">
+                  <a16:creationId xmlns:a16="http://schemas.microsoft.com/office/drawing/2014/main" id="{76672197-6031-4680-A820-CB9A98B45A64}"/>
+                </a:ext>
+              </a:extLst>
+            </p:cNvPr>
+            <p:cNvSpPr/>
+            <p:nvPr/>
+          </p:nvSpPr>
+          <p:spPr>
+            <a:xfrm>
+              <a:off x="1311101" y="2460988"/>
+              <a:ext cx="749721" cy="720080"/>
+            </a:xfrm>
+            <a:prstGeom prst="ellipse">
+              <a:avLst/>
+            </a:prstGeom>
+            <a:solidFill>
+              <a:srgbClr val="FFCCFF"/>
+            </a:solidFill>
+            <a:ln/>
+          </p:spPr>
+          <p:style>
+            <a:lnRef idx="1">
+              <a:schemeClr val="accent5"/>
+            </a:lnRef>
+            <a:fillRef idx="2">
+              <a:schemeClr val="accent5"/>
+            </a:fillRef>
+            <a:effectRef idx="1">
+              <a:schemeClr val="accent5"/>
+            </a:effectRef>
+            <a:fontRef idx="minor">
+              <a:schemeClr val="dk1"/>
+            </a:fontRef>
+          </p:style>
+          <p:txBody>
+            <a:bodyPr rtlCol="0" anchor="ctr"/>
+            <a:lstStyle/>
+            <a:p>
+              <a:pPr algn="ctr"/>
+              <a:r>
+                <a:rPr lang="en-GB" sz="1200" dirty="0"/>
+                <a:t> </a:t>
+              </a:r>
+            </a:p>
+          </p:txBody>
+        </p:sp>
+        <p:sp>
+          <p:nvSpPr>
+            <p:cNvPr id="23" name="Rettangolo 28">
+              <a:extLst>
+                <a:ext uri="{FF2B5EF4-FFF2-40B4-BE49-F238E27FC236}">
+                  <a16:creationId xmlns:a16="http://schemas.microsoft.com/office/drawing/2014/main" id="{056EB50C-8D07-4E44-BACA-351EAB947DF9}"/>
+                </a:ext>
+              </a:extLst>
+            </p:cNvPr>
+            <p:cNvSpPr/>
+            <p:nvPr/>
+          </p:nvSpPr>
+          <p:spPr>
+            <a:xfrm>
+              <a:off x="1194666" y="2699711"/>
+              <a:ext cx="281433" cy="211952"/>
+            </a:xfrm>
+            <a:prstGeom prst="rect">
+              <a:avLst/>
+            </a:prstGeom>
+            <a:solidFill>
+              <a:srgbClr val="FFCCFF"/>
+            </a:solidFill>
+            <a:ln/>
+          </p:spPr>
+          <p:style>
+            <a:lnRef idx="1">
+              <a:schemeClr val="accent5"/>
+            </a:lnRef>
+            <a:fillRef idx="2">
+              <a:schemeClr val="accent5"/>
+            </a:fillRef>
+            <a:effectRef idx="1">
+              <a:schemeClr val="accent5"/>
+            </a:effectRef>
+            <a:fontRef idx="minor">
+              <a:schemeClr val="dk1"/>
+            </a:fontRef>
+          </p:style>
+          <p:txBody>
+            <a:bodyPr rtlCol="0" anchor="ctr"/>
+            <a:lstStyle/>
+            <a:p>
+              <a:pPr algn="ctr"/>
+              <a:endParaRPr lang="en-GB" sz="1200"/>
+            </a:p>
+          </p:txBody>
+        </p:sp>
+        <p:sp>
+          <p:nvSpPr>
+            <p:cNvPr id="24" name="Triangolo isoscele 29">
+              <a:extLst>
+                <a:ext uri="{FF2B5EF4-FFF2-40B4-BE49-F238E27FC236}">
+                  <a16:creationId xmlns:a16="http://schemas.microsoft.com/office/drawing/2014/main" id="{A2D47296-7223-46A9-B7E2-807CD0AF28D2}"/>
+                </a:ext>
+              </a:extLst>
+            </p:cNvPr>
+            <p:cNvSpPr/>
+            <p:nvPr/>
+          </p:nvSpPr>
+          <p:spPr>
+            <a:xfrm rot="16200000">
+              <a:off x="1618539" y="2391356"/>
+              <a:ext cx="86434" cy="139263"/>
+            </a:xfrm>
+            <a:prstGeom prst="triangle">
+              <a:avLst/>
+            </a:prstGeom>
+            <a:solidFill>
+              <a:srgbClr val="FF0000"/>
+            </a:solidFill>
+            <a:ln/>
+          </p:spPr>
+          <p:style>
+            <a:lnRef idx="1">
+              <a:schemeClr val="accent5"/>
+            </a:lnRef>
+            <a:fillRef idx="2">
+              <a:schemeClr val="accent5"/>
+            </a:fillRef>
+            <a:effectRef idx="1">
+              <a:schemeClr val="accent5"/>
+            </a:effectRef>
+            <a:fontRef idx="minor">
+              <a:schemeClr val="dk1"/>
+            </a:fontRef>
+          </p:style>
+          <p:txBody>
+            <a:bodyPr rtlCol="0" anchor="ctr"/>
+            <a:lstStyle/>
+            <a:p>
+              <a:pPr algn="ctr"/>
+              <a:endParaRPr lang="en-GB" sz="1200">
+                <a:solidFill>
+                  <a:schemeClr val="dk1"/>
+                </a:solidFill>
+              </a:endParaRPr>
+            </a:p>
+          </p:txBody>
+        </p:sp>
+      </p:grpSp>
+      <p:sp>
+        <p:nvSpPr>
+          <p:cNvPr id="25" name="TextBox 24">
+            <a:extLst>
+              <a:ext uri="{FF2B5EF4-FFF2-40B4-BE49-F238E27FC236}">
+                <a16:creationId xmlns:a16="http://schemas.microsoft.com/office/drawing/2014/main" id="{F54DB823-EA7D-4D6C-BB88-A1C8D36B96C4}"/>
+              </a:ext>
+            </a:extLst>
+          </p:cNvPr>
+          <p:cNvSpPr txBox="1"/>
+          <p:nvPr/>
+        </p:nvSpPr>
+        <p:spPr>
+          <a:xfrm>
+            <a:off x="4452372" y="4453693"/>
+            <a:ext cx="1930337" cy="369332"/>
+          </a:xfrm>
+          <a:prstGeom prst="rect">
+            <a:avLst/>
+          </a:prstGeom>
+          <a:noFill/>
+        </p:spPr>
+        <p:txBody>
+          <a:bodyPr wrap="none" rtlCol="0">
+            <a:spAutoFit/>
+          </a:bodyPr>
+          <a:lstStyle/>
+          <a:p>
+            <a:r>
+              <a:rPr lang="en-US" dirty="0" err="1"/>
+              <a:t>PathExecutorActor</a:t>
+            </a:r>
+            <a:endParaRPr lang="en-US" dirty="0"/>
+          </a:p>
+        </p:txBody>
+      </p:sp>
+      <p:grpSp>
+        <p:nvGrpSpPr>
+          <p:cNvPr id="26" name="Gruppo 26">
+            <a:extLst>
+              <a:ext uri="{FF2B5EF4-FFF2-40B4-BE49-F238E27FC236}">
+                <a16:creationId xmlns:a16="http://schemas.microsoft.com/office/drawing/2014/main" id="{E594C82D-28D6-4977-98D7-A29F69541A24}"/>
+              </a:ext>
+            </a:extLst>
+          </p:cNvPr>
+          <p:cNvGrpSpPr/>
+          <p:nvPr/>
+        </p:nvGrpSpPr>
+        <p:grpSpPr>
+          <a:xfrm>
+            <a:off x="6808510" y="3822445"/>
+            <a:ext cx="866156" cy="763297"/>
+            <a:chOff x="1194666" y="2417771"/>
+            <a:chExt cx="866156" cy="763297"/>
+          </a:xfrm>
+        </p:grpSpPr>
+        <p:sp>
+          <p:nvSpPr>
+            <p:cNvPr id="27" name="Ovale 27">
+              <a:extLst>
+                <a:ext uri="{FF2B5EF4-FFF2-40B4-BE49-F238E27FC236}">
+                  <a16:creationId xmlns:a16="http://schemas.microsoft.com/office/drawing/2014/main" id="{D4CCF148-93E4-4688-9A8C-69BFA4ABB52D}"/>
+                </a:ext>
+              </a:extLst>
+            </p:cNvPr>
+            <p:cNvSpPr/>
+            <p:nvPr/>
+          </p:nvSpPr>
+          <p:spPr>
+            <a:xfrm>
+              <a:off x="1311101" y="2460988"/>
+              <a:ext cx="749721" cy="720080"/>
+            </a:xfrm>
+            <a:prstGeom prst="ellipse">
+              <a:avLst/>
+            </a:prstGeom>
+            <a:solidFill>
+              <a:srgbClr val="FFCCFF"/>
+            </a:solidFill>
+            <a:ln/>
+          </p:spPr>
+          <p:style>
+            <a:lnRef idx="1">
+              <a:schemeClr val="accent5"/>
+            </a:lnRef>
+            <a:fillRef idx="2">
+              <a:schemeClr val="accent5"/>
+            </a:fillRef>
+            <a:effectRef idx="1">
+              <a:schemeClr val="accent5"/>
+            </a:effectRef>
+            <a:fontRef idx="minor">
+              <a:schemeClr val="dk1"/>
+            </a:fontRef>
+          </p:style>
+          <p:txBody>
+            <a:bodyPr rtlCol="0" anchor="ctr"/>
+            <a:lstStyle/>
+            <a:p>
+              <a:pPr algn="ctr"/>
+              <a:r>
+                <a:rPr lang="en-GB" sz="1200" dirty="0"/>
+                <a:t> </a:t>
+              </a:r>
+            </a:p>
+          </p:txBody>
+        </p:sp>
+        <p:sp>
+          <p:nvSpPr>
+            <p:cNvPr id="28" name="Rettangolo 28">
+              <a:extLst>
+                <a:ext uri="{FF2B5EF4-FFF2-40B4-BE49-F238E27FC236}">
+                  <a16:creationId xmlns:a16="http://schemas.microsoft.com/office/drawing/2014/main" id="{614BDCC8-9CC2-4300-986D-CF26B4207F1A}"/>
+                </a:ext>
+              </a:extLst>
+            </p:cNvPr>
+            <p:cNvSpPr/>
+            <p:nvPr/>
+          </p:nvSpPr>
+          <p:spPr>
+            <a:xfrm>
+              <a:off x="1194666" y="2699711"/>
+              <a:ext cx="281433" cy="211952"/>
+            </a:xfrm>
+            <a:prstGeom prst="rect">
+              <a:avLst/>
+            </a:prstGeom>
+            <a:solidFill>
+              <a:srgbClr val="FFCCFF"/>
+            </a:solidFill>
+            <a:ln/>
+          </p:spPr>
+          <p:style>
+            <a:lnRef idx="1">
+              <a:schemeClr val="accent5"/>
+            </a:lnRef>
+            <a:fillRef idx="2">
+              <a:schemeClr val="accent5"/>
+            </a:fillRef>
+            <a:effectRef idx="1">
+              <a:schemeClr val="accent5"/>
+            </a:effectRef>
+            <a:fontRef idx="minor">
+              <a:schemeClr val="dk1"/>
+            </a:fontRef>
+          </p:style>
+          <p:txBody>
+            <a:bodyPr rtlCol="0" anchor="ctr"/>
+            <a:lstStyle/>
+            <a:p>
+              <a:pPr algn="ctr"/>
+              <a:endParaRPr lang="en-GB" sz="1200"/>
+            </a:p>
+          </p:txBody>
+        </p:sp>
+        <p:sp>
+          <p:nvSpPr>
+            <p:cNvPr id="29" name="Triangolo isoscele 29">
+              <a:extLst>
+                <a:ext uri="{FF2B5EF4-FFF2-40B4-BE49-F238E27FC236}">
+                  <a16:creationId xmlns:a16="http://schemas.microsoft.com/office/drawing/2014/main" id="{BBFF9C4D-034C-47A0-9007-A01A0136B5A6}"/>
+                </a:ext>
+              </a:extLst>
+            </p:cNvPr>
+            <p:cNvSpPr/>
+            <p:nvPr/>
+          </p:nvSpPr>
+          <p:spPr>
+            <a:xfrm rot="16200000">
+              <a:off x="1618539" y="2391356"/>
+              <a:ext cx="86434" cy="139263"/>
+            </a:xfrm>
+            <a:prstGeom prst="triangle">
+              <a:avLst/>
+            </a:prstGeom>
+            <a:solidFill>
+              <a:srgbClr val="FF0000"/>
+            </a:solidFill>
+            <a:ln/>
+          </p:spPr>
+          <p:style>
+            <a:lnRef idx="1">
+              <a:schemeClr val="accent5"/>
+            </a:lnRef>
+            <a:fillRef idx="2">
+              <a:schemeClr val="accent5"/>
+            </a:fillRef>
+            <a:effectRef idx="1">
+              <a:schemeClr val="accent5"/>
+            </a:effectRef>
+            <a:fontRef idx="minor">
+              <a:schemeClr val="dk1"/>
+            </a:fontRef>
+          </p:style>
+          <p:txBody>
+            <a:bodyPr rtlCol="0" anchor="ctr"/>
+            <a:lstStyle/>
+            <a:p>
+              <a:pPr algn="ctr"/>
+              <a:endParaRPr lang="en-GB" sz="1200">
+                <a:solidFill>
+                  <a:schemeClr val="dk1"/>
+                </a:solidFill>
+              </a:endParaRPr>
+            </a:p>
+          </p:txBody>
+        </p:sp>
+      </p:grpSp>
+      <p:sp>
+        <p:nvSpPr>
+          <p:cNvPr id="30" name="TextBox 29">
+            <a:extLst>
+              <a:ext uri="{FF2B5EF4-FFF2-40B4-BE49-F238E27FC236}">
+                <a16:creationId xmlns:a16="http://schemas.microsoft.com/office/drawing/2014/main" id="{859CC78C-840D-44E4-8DFF-8CB39D2EA8B4}"/>
+              </a:ext>
+            </a:extLst>
+          </p:cNvPr>
+          <p:cNvSpPr txBox="1"/>
+          <p:nvPr/>
+        </p:nvSpPr>
+        <p:spPr>
+          <a:xfrm>
+            <a:off x="6646293" y="4628960"/>
+            <a:ext cx="1672381" cy="369332"/>
+          </a:xfrm>
+          <a:prstGeom prst="rect">
+            <a:avLst/>
+          </a:prstGeom>
+          <a:noFill/>
+        </p:spPr>
+        <p:txBody>
+          <a:bodyPr wrap="none" rtlCol="0">
+            <a:spAutoFit/>
+          </a:bodyPr>
+          <a:lstStyle/>
+          <a:p>
+            <a:r>
+              <a:rPr lang="en-US" dirty="0" err="1"/>
+              <a:t>StepRobotActor</a:t>
+            </a:r>
+            <a:endParaRPr lang="en-US" dirty="0"/>
           </a:p>
         </p:txBody>
       </p:sp>
     </p:spTree>
     <p:extLst>
       <p:ext uri="{BB962C8B-B14F-4D97-AF65-F5344CB8AC3E}">
-        <p14:creationId xmlns:p14="http://schemas.microsoft.com/office/powerpoint/2010/main" val="2125638574"/>
+        <p14:creationId xmlns:p14="http://schemas.microsoft.com/office/powerpoint/2010/main" val="1021317263"/>
       </p:ext>
     </p:extLst>
   </p:cSld>
@@ -19029,7 +19637,7 @@
         </p:blipFill>
         <p:spPr>
           <a:xfrm>
-            <a:off x="718033" y="55808"/>
+            <a:off x="553141" y="1907093"/>
             <a:ext cx="7334297" cy="4890900"/>
           </a:xfrm>
           <a:prstGeom prst="rect">
@@ -19051,7 +19659,7 @@
         </p:nvSpPr>
         <p:spPr>
           <a:xfrm>
-            <a:off x="6728773" y="155959"/>
+            <a:off x="6563881" y="2007244"/>
             <a:ext cx="2036538" cy="923330"/>
           </a:xfrm>
           <a:prstGeom prst="rect">
@@ -19114,7 +19722,7 @@
         </p:nvCxnSpPr>
         <p:spPr>
           <a:xfrm rot="10800000" flipV="1">
-            <a:off x="5544925" y="617624"/>
+            <a:off x="5380033" y="2468909"/>
             <a:ext cx="1183848" cy="1214288"/>
           </a:xfrm>
           <a:prstGeom prst="bentConnector2">
@@ -19161,7 +19769,7 @@
         </p:blipFill>
         <p:spPr>
           <a:xfrm>
-            <a:off x="720028" y="5030273"/>
+            <a:off x="553141" y="154447"/>
             <a:ext cx="8416608" cy="1322610"/>
           </a:xfrm>
           <a:prstGeom prst="rect">
@@ -19183,7 +19791,7 @@
         </p:nvSpPr>
         <p:spPr>
           <a:xfrm>
-            <a:off x="7747042" y="4216813"/>
+            <a:off x="6563881" y="1314062"/>
             <a:ext cx="2036538" cy="646331"/>
           </a:xfrm>
           <a:prstGeom prst="rect">
@@ -19221,6 +19829,651 @@
               <a:t>by </a:t>
             </a:r>
             <a:r>
+              <a:rPr lang="en-US" dirty="0" err="1">
+                <a:solidFill>
+                  <a:srgbClr val="FFFF00"/>
+                </a:solidFill>
+              </a:rPr>
+              <a:t>WebpageServer</a:t>
+            </a:r>
+            <a:endParaRPr lang="en-US" dirty="0">
+              <a:solidFill>
+                <a:srgbClr val="FFFF00"/>
+              </a:solidFill>
+            </a:endParaRPr>
+          </a:p>
+        </p:txBody>
+      </p:sp>
+      <p:cxnSp>
+        <p:nvCxnSpPr>
+          <p:cNvPr id="18" name="Connector: Elbow 17">
+            <a:extLst>
+              <a:ext uri="{FF2B5EF4-FFF2-40B4-BE49-F238E27FC236}">
+                <a16:creationId xmlns:a16="http://schemas.microsoft.com/office/drawing/2014/main" id="{0D85D913-17E4-435F-AD46-D093FA5BB6A0}"/>
+              </a:ext>
+            </a:extLst>
+          </p:cNvPr>
+          <p:cNvCxnSpPr>
+            <a:cxnSpLocks/>
+            <a:stCxn id="17" idx="0"/>
+          </p:cNvCxnSpPr>
+          <p:nvPr/>
+        </p:nvCxnSpPr>
+        <p:spPr>
+          <a:xfrm rot="16200000" flipV="1">
+            <a:off x="6998939" y="730851"/>
+            <a:ext cx="412292" cy="754130"/>
+          </a:xfrm>
+          <a:prstGeom prst="bentConnector2">
+            <a:avLst/>
+          </a:prstGeom>
+          <a:ln w="38100">
+            <a:tailEnd type="triangle"/>
+          </a:ln>
+        </p:spPr>
+        <p:style>
+          <a:lnRef idx="1">
+            <a:schemeClr val="accent1"/>
+          </a:lnRef>
+          <a:fillRef idx="0">
+            <a:schemeClr val="accent1"/>
+          </a:fillRef>
+          <a:effectRef idx="0">
+            <a:schemeClr val="accent1"/>
+          </a:effectRef>
+          <a:fontRef idx="minor">
+            <a:schemeClr val="tx1"/>
+          </a:fontRef>
+        </p:style>
+      </p:cxnSp>
+      <p:pic>
+        <p:nvPicPr>
+          <p:cNvPr id="34" name="Picture 33">
+            <a:extLst>
+              <a:ext uri="{FF2B5EF4-FFF2-40B4-BE49-F238E27FC236}">
+                <a16:creationId xmlns:a16="http://schemas.microsoft.com/office/drawing/2014/main" id="{4DD27EC7-1FD0-4591-A83D-5C0A1A2BE236}"/>
+              </a:ext>
+            </a:extLst>
+          </p:cNvPr>
+          <p:cNvPicPr>
+            <a:picLocks noChangeAspect="1"/>
+          </p:cNvPicPr>
+          <p:nvPr/>
+        </p:nvPicPr>
+        <p:blipFill>
+          <a:blip r:embed="rId4"/>
+          <a:stretch>
+            <a:fillRect/>
+          </a:stretch>
+        </p:blipFill>
+        <p:spPr>
+          <a:xfrm>
+            <a:off x="8184262" y="3878486"/>
+            <a:ext cx="4007738" cy="2979514"/>
+          </a:xfrm>
+          <a:prstGeom prst="rect">
+            <a:avLst/>
+          </a:prstGeom>
+        </p:spPr>
+      </p:pic>
+      <p:sp>
+        <p:nvSpPr>
+          <p:cNvPr id="37" name="TextBox 36">
+            <a:extLst>
+              <a:ext uri="{FF2B5EF4-FFF2-40B4-BE49-F238E27FC236}">
+                <a16:creationId xmlns:a16="http://schemas.microsoft.com/office/drawing/2014/main" id="{8FEE04FE-FBC2-40A5-8ADE-B1612D9ABE73}"/>
+              </a:ext>
+            </a:extLst>
+          </p:cNvPr>
+          <p:cNvSpPr txBox="1"/>
+          <p:nvPr/>
+        </p:nvSpPr>
+        <p:spPr>
+          <a:xfrm>
+            <a:off x="8692234" y="2007244"/>
+            <a:ext cx="2036538" cy="1477328"/>
+          </a:xfrm>
+          <a:prstGeom prst="rect">
+            <a:avLst/>
+          </a:prstGeom>
+        </p:spPr>
+        <p:style>
+          <a:lnRef idx="3">
+            <a:schemeClr val="lt1"/>
+          </a:lnRef>
+          <a:fillRef idx="1">
+            <a:schemeClr val="accent5"/>
+          </a:fillRef>
+          <a:effectRef idx="1">
+            <a:schemeClr val="accent5"/>
+          </a:effectRef>
+          <a:fontRef idx="minor">
+            <a:schemeClr val="lt1"/>
+          </a:fontRef>
+        </p:style>
+        <p:txBody>
+          <a:bodyPr wrap="square" rtlCol="0">
+            <a:spAutoFit/>
+          </a:bodyPr>
+          <a:lstStyle/>
+          <a:p>
+            <a:r>
+              <a:rPr lang="en-US" dirty="0"/>
+              <a:t>Console updated </a:t>
+            </a:r>
+          </a:p>
+          <a:p>
+            <a:r>
+              <a:rPr lang="en-US" dirty="0"/>
+              <a:t>by a client (</a:t>
+            </a:r>
+            <a:r>
+              <a:rPr lang="en-US" dirty="0" err="1"/>
+              <a:t>js</a:t>
+            </a:r>
+            <a:r>
+              <a:rPr lang="en-US" dirty="0"/>
+              <a:t>) that handles messages sent by </a:t>
+            </a:r>
+            <a:r>
+              <a:rPr lang="en-US" dirty="0" err="1"/>
+              <a:t>WEnv</a:t>
+            </a:r>
+            <a:r>
+              <a:rPr lang="en-US" dirty="0"/>
+              <a:t> over websocket-8091</a:t>
+            </a:r>
+          </a:p>
+        </p:txBody>
+      </p:sp>
+      <p:cxnSp>
+        <p:nvCxnSpPr>
+          <p:cNvPr id="38" name="Connector: Elbow 37">
+            <a:extLst>
+              <a:ext uri="{FF2B5EF4-FFF2-40B4-BE49-F238E27FC236}">
+                <a16:creationId xmlns:a16="http://schemas.microsoft.com/office/drawing/2014/main" id="{5FCC73B8-2282-4AC2-AE31-52DA6E085D92}"/>
+              </a:ext>
+            </a:extLst>
+          </p:cNvPr>
+          <p:cNvCxnSpPr>
+            <a:cxnSpLocks/>
+            <a:stCxn id="37" idx="2"/>
+          </p:cNvCxnSpPr>
+          <p:nvPr/>
+        </p:nvCxnSpPr>
+        <p:spPr>
+          <a:xfrm rot="16200000" flipH="1">
+            <a:off x="8754631" y="4440443"/>
+            <a:ext cx="1918095" cy="6351"/>
+          </a:xfrm>
+          <a:prstGeom prst="bentConnector3">
+            <a:avLst>
+              <a:gd name="adj1" fmla="val 50000"/>
+            </a:avLst>
+          </a:prstGeom>
+          <a:ln w="38100">
+            <a:tailEnd type="triangle"/>
+          </a:ln>
+        </p:spPr>
+        <p:style>
+          <a:lnRef idx="1">
+            <a:schemeClr val="accent1"/>
+          </a:lnRef>
+          <a:fillRef idx="0">
+            <a:schemeClr val="accent1"/>
+          </a:fillRef>
+          <a:effectRef idx="0">
+            <a:schemeClr val="accent1"/>
+          </a:effectRef>
+          <a:fontRef idx="minor">
+            <a:schemeClr val="tx1"/>
+          </a:fontRef>
+        </p:style>
+      </p:cxnSp>
+      <p:sp>
+        <p:nvSpPr>
+          <p:cNvPr id="47" name="Oval 46">
+            <a:extLst>
+              <a:ext uri="{FF2B5EF4-FFF2-40B4-BE49-F238E27FC236}">
+                <a16:creationId xmlns:a16="http://schemas.microsoft.com/office/drawing/2014/main" id="{AB216C9E-4A20-4717-B1D5-F8E0EAF4F830}"/>
+              </a:ext>
+            </a:extLst>
+          </p:cNvPr>
+          <p:cNvSpPr/>
+          <p:nvPr/>
+        </p:nvSpPr>
+        <p:spPr>
+          <a:xfrm>
+            <a:off x="2140527" y="2883509"/>
+            <a:ext cx="202367" cy="188774"/>
+          </a:xfrm>
+          <a:prstGeom prst="ellipse">
+            <a:avLst/>
+          </a:prstGeom>
+          <a:solidFill>
+            <a:schemeClr val="tx1"/>
+          </a:solidFill>
+          <a:ln>
+            <a:solidFill>
+              <a:schemeClr val="tx1"/>
+            </a:solidFill>
+          </a:ln>
+        </p:spPr>
+        <p:style>
+          <a:lnRef idx="2">
+            <a:schemeClr val="accent1">
+              <a:shade val="50%"/>
+            </a:schemeClr>
+          </a:lnRef>
+          <a:fillRef idx="1">
+            <a:schemeClr val="accent1"/>
+          </a:fillRef>
+          <a:effectRef idx="0">
+            <a:schemeClr val="accent1"/>
+          </a:effectRef>
+          <a:fontRef idx="minor">
+            <a:schemeClr val="lt1"/>
+          </a:fontRef>
+        </p:style>
+        <p:txBody>
+          <a:bodyPr rtlCol="0" anchor="ctr"/>
+          <a:lstStyle/>
+          <a:p>
+            <a:pPr algn="ctr"/>
+            <a:endParaRPr lang="en-US"/>
+          </a:p>
+        </p:txBody>
+      </p:sp>
+      <p:sp>
+        <p:nvSpPr>
+          <p:cNvPr id="51" name="TextBox 50">
+            <a:extLst>
+              <a:ext uri="{FF2B5EF4-FFF2-40B4-BE49-F238E27FC236}">
+                <a16:creationId xmlns:a16="http://schemas.microsoft.com/office/drawing/2014/main" id="{B632D4FD-96B3-4999-B318-E79DE8A8C866}"/>
+              </a:ext>
+            </a:extLst>
+          </p:cNvPr>
+          <p:cNvSpPr txBox="1"/>
+          <p:nvPr/>
+        </p:nvSpPr>
+        <p:spPr>
+          <a:xfrm>
+            <a:off x="553141" y="1521498"/>
+            <a:ext cx="5827942" cy="369332"/>
+          </a:xfrm>
+          <a:prstGeom prst="rect">
+            <a:avLst/>
+          </a:prstGeom>
+        </p:spPr>
+        <p:style>
+          <a:lnRef idx="1">
+            <a:schemeClr val="accent4"/>
+          </a:lnRef>
+          <a:fillRef idx="2">
+            <a:schemeClr val="accent4"/>
+          </a:fillRef>
+          <a:effectRef idx="1">
+            <a:schemeClr val="accent4"/>
+          </a:effectRef>
+          <a:fontRef idx="minor">
+            <a:schemeClr val="dk1"/>
+          </a:fontRef>
+        </p:style>
+        <p:txBody>
+          <a:bodyPr wrap="none" rtlCol="0">
+            <a:spAutoFit/>
+          </a:bodyPr>
+          <a:lstStyle/>
+          <a:p>
+            <a:r>
+              <a:rPr lang="en-US" dirty="0" err="1"/>
+              <a:t>WebpageServer</a:t>
+            </a:r>
+            <a:r>
+              <a:rPr lang="en-US" dirty="0"/>
+              <a:t> updates the scene by using websocket-8090</a:t>
+            </a:r>
+          </a:p>
+        </p:txBody>
+      </p:sp>
+      <p:cxnSp>
+        <p:nvCxnSpPr>
+          <p:cNvPr id="41" name="Connector: Elbow 40">
+            <a:extLst>
+              <a:ext uri="{FF2B5EF4-FFF2-40B4-BE49-F238E27FC236}">
+                <a16:creationId xmlns:a16="http://schemas.microsoft.com/office/drawing/2014/main" id="{B321E8DE-0DCD-4789-AFF8-610118BD0D85}"/>
+              </a:ext>
+            </a:extLst>
+          </p:cNvPr>
+          <p:cNvCxnSpPr>
+            <a:cxnSpLocks/>
+            <a:endCxn id="47" idx="0"/>
+          </p:cNvCxnSpPr>
+          <p:nvPr/>
+        </p:nvCxnSpPr>
+        <p:spPr>
+          <a:xfrm rot="10800000" flipV="1">
+            <a:off x="2241711" y="1837123"/>
+            <a:ext cx="4330470" cy="1046386"/>
+          </a:xfrm>
+          <a:prstGeom prst="bentConnector2">
+            <a:avLst/>
+          </a:prstGeom>
+          <a:ln w="38100">
+            <a:tailEnd type="triangle"/>
+          </a:ln>
+        </p:spPr>
+        <p:style>
+          <a:lnRef idx="1">
+            <a:schemeClr val="accent1"/>
+          </a:lnRef>
+          <a:fillRef idx="0">
+            <a:schemeClr val="accent1"/>
+          </a:fillRef>
+          <a:effectRef idx="0">
+            <a:schemeClr val="accent1"/>
+          </a:effectRef>
+          <a:fontRef idx="minor">
+            <a:schemeClr val="tx1"/>
+          </a:fontRef>
+        </p:style>
+      </p:cxnSp>
+      <p:sp>
+        <p:nvSpPr>
+          <p:cNvPr id="55" name="TextBox 54">
+            <a:extLst>
+              <a:ext uri="{FF2B5EF4-FFF2-40B4-BE49-F238E27FC236}">
+                <a16:creationId xmlns:a16="http://schemas.microsoft.com/office/drawing/2014/main" id="{9DF16D52-05F1-403E-A5B1-4A994618D5F4}"/>
+              </a:ext>
+            </a:extLst>
+          </p:cNvPr>
+          <p:cNvSpPr txBox="1"/>
+          <p:nvPr/>
+        </p:nvSpPr>
+        <p:spPr>
+          <a:xfrm>
+            <a:off x="595557" y="3044424"/>
+            <a:ext cx="1453155" cy="369332"/>
+          </a:xfrm>
+          <a:prstGeom prst="rect">
+            <a:avLst/>
+          </a:prstGeom>
+        </p:spPr>
+        <p:style>
+          <a:lnRef idx="1">
+            <a:schemeClr val="accent4"/>
+          </a:lnRef>
+          <a:fillRef idx="2">
+            <a:schemeClr val="accent4"/>
+          </a:fillRef>
+          <a:effectRef idx="1">
+            <a:schemeClr val="accent4"/>
+          </a:effectRef>
+          <a:fontRef idx="minor">
+            <a:schemeClr val="dk1"/>
+          </a:fontRef>
+        </p:style>
+        <p:txBody>
+          <a:bodyPr wrap="none" rtlCol="0">
+            <a:spAutoFit/>
+          </a:bodyPr>
+          <a:lstStyle/>
+          <a:p>
+            <a:r>
+              <a:rPr lang="en-US" dirty="0" err="1"/>
+              <a:t>Wenv</a:t>
+            </a:r>
+            <a:r>
+              <a:rPr lang="en-US" dirty="0"/>
+              <a:t> (scene)</a:t>
+            </a:r>
+          </a:p>
+        </p:txBody>
+      </p:sp>
+    </p:spTree>
+    <p:extLst>
+      <p:ext uri="{BB962C8B-B14F-4D97-AF65-F5344CB8AC3E}">
+        <p14:creationId xmlns:p14="http://schemas.microsoft.com/office/powerpoint/2010/main" val="2125638574"/>
+      </p:ext>
+    </p:extLst>
+  </p:cSld>
+  <p:clrMapOvr>
+    <a:masterClrMapping/>
+  </p:clrMapOvr>
+</p:sld>
+</file>
+
+<file path=ppt/slides/slide18.xml><?xml version="1.0" encoding="utf-8"?>
+<p:sld xmlns:a="http://purl.oclc.org/ooxml/drawingml/main" xmlns:r="http://purl.oclc.org/ooxml/officeDocument/relationships" xmlns:p="http://purl.oclc.org/ooxml/presentationml/main">
+  <p:cSld>
+    <p:spTree>
+      <p:nvGrpSpPr>
+        <p:cNvPr id="1" name=""/>
+        <p:cNvGrpSpPr/>
+        <p:nvPr/>
+      </p:nvGrpSpPr>
+      <p:grpSpPr>
+        <a:xfrm>
+          <a:off x="0" y="0"/>
+          <a:ext cx="0" cy="0"/>
+          <a:chOff x="0" y="0"/>
+          <a:chExt cx="0" cy="0"/>
+        </a:xfrm>
+      </p:grpSpPr>
+      <p:pic>
+        <p:nvPicPr>
+          <p:cNvPr id="5" name="Picture 4">
+            <a:extLst>
+              <a:ext uri="{FF2B5EF4-FFF2-40B4-BE49-F238E27FC236}">
+                <a16:creationId xmlns:a16="http://schemas.microsoft.com/office/drawing/2014/main" id="{AFB81088-0FD8-4C1A-A073-21ECCB654BAC}"/>
+              </a:ext>
+            </a:extLst>
+          </p:cNvPr>
+          <p:cNvPicPr>
+            <a:picLocks noChangeAspect="1"/>
+          </p:cNvPicPr>
+          <p:nvPr/>
+        </p:nvPicPr>
+        <p:blipFill>
+          <a:blip r:embed="rId2"/>
+          <a:stretch>
+            <a:fillRect/>
+          </a:stretch>
+        </p:blipFill>
+        <p:spPr>
+          <a:xfrm>
+            <a:off x="718033" y="55808"/>
+            <a:ext cx="7334297" cy="4890900"/>
+          </a:xfrm>
+          <a:prstGeom prst="rect">
+            <a:avLst/>
+          </a:prstGeom>
+        </p:spPr>
+      </p:pic>
+      <p:sp>
+        <p:nvSpPr>
+          <p:cNvPr id="6" name="TextBox 5">
+            <a:extLst>
+              <a:ext uri="{FF2B5EF4-FFF2-40B4-BE49-F238E27FC236}">
+                <a16:creationId xmlns:a16="http://schemas.microsoft.com/office/drawing/2014/main" id="{C36357A5-CC17-4235-8378-988782E4CF6F}"/>
+              </a:ext>
+            </a:extLst>
+          </p:cNvPr>
+          <p:cNvSpPr txBox="1"/>
+          <p:nvPr/>
+        </p:nvSpPr>
+        <p:spPr>
+          <a:xfrm>
+            <a:off x="6728773" y="155959"/>
+            <a:ext cx="2036538" cy="923330"/>
+          </a:xfrm>
+          <a:prstGeom prst="rect">
+            <a:avLst/>
+          </a:prstGeom>
+        </p:spPr>
+        <p:style>
+          <a:lnRef idx="3">
+            <a:schemeClr val="lt1"/>
+          </a:lnRef>
+          <a:fillRef idx="1">
+            <a:schemeClr val="accent5"/>
+          </a:fillRef>
+          <a:effectRef idx="1">
+            <a:schemeClr val="accent5"/>
+          </a:effectRef>
+          <a:fontRef idx="minor">
+            <a:schemeClr val="lt1"/>
+          </a:fontRef>
+        </p:style>
+        <p:txBody>
+          <a:bodyPr wrap="square" rtlCol="0">
+            <a:spAutoFit/>
+          </a:bodyPr>
+          <a:lstStyle/>
+          <a:p>
+            <a:r>
+              <a:rPr lang="en-US" dirty="0"/>
+              <a:t>Console updated </a:t>
+            </a:r>
+          </a:p>
+          <a:p>
+            <a:r>
+              <a:rPr lang="en-US" dirty="0"/>
+              <a:t>by scripts loaded in</a:t>
+            </a:r>
+          </a:p>
+          <a:p>
+            <a:r>
+              <a:rPr lang="en-US" dirty="0"/>
+              <a:t>the HTML file</a:t>
+            </a:r>
+          </a:p>
+        </p:txBody>
+      </p:sp>
+      <p:cxnSp>
+        <p:nvCxnSpPr>
+          <p:cNvPr id="8" name="Connector: Elbow 7">
+            <a:extLst>
+              <a:ext uri="{FF2B5EF4-FFF2-40B4-BE49-F238E27FC236}">
+                <a16:creationId xmlns:a16="http://schemas.microsoft.com/office/drawing/2014/main" id="{3D11A2D7-9F4E-4D63-B323-940A510164E2}"/>
+              </a:ext>
+            </a:extLst>
+          </p:cNvPr>
+          <p:cNvCxnSpPr>
+            <a:cxnSpLocks/>
+            <a:stCxn id="6" idx="1"/>
+          </p:cNvCxnSpPr>
+          <p:nvPr/>
+        </p:nvCxnSpPr>
+        <p:spPr>
+          <a:xfrm rot="10800000" flipV="1">
+            <a:off x="5544925" y="617624"/>
+            <a:ext cx="1183848" cy="1214288"/>
+          </a:xfrm>
+          <a:prstGeom prst="bentConnector2">
+            <a:avLst/>
+          </a:prstGeom>
+          <a:ln w="38100">
+            <a:tailEnd type="triangle"/>
+          </a:ln>
+        </p:spPr>
+        <p:style>
+          <a:lnRef idx="1">
+            <a:schemeClr val="accent1"/>
+          </a:lnRef>
+          <a:fillRef idx="0">
+            <a:schemeClr val="accent1"/>
+          </a:fillRef>
+          <a:effectRef idx="0">
+            <a:schemeClr val="accent1"/>
+          </a:effectRef>
+          <a:fontRef idx="minor">
+            <a:schemeClr val="tx1"/>
+          </a:fontRef>
+        </p:style>
+      </p:cxnSp>
+      <p:pic>
+        <p:nvPicPr>
+          <p:cNvPr id="14" name="Picture 13">
+            <a:extLst>
+              <a:ext uri="{FF2B5EF4-FFF2-40B4-BE49-F238E27FC236}">
+                <a16:creationId xmlns:a16="http://schemas.microsoft.com/office/drawing/2014/main" id="{48BED648-CEEF-40FA-870E-F6B366786F13}"/>
+              </a:ext>
+            </a:extLst>
+          </p:cNvPr>
+          <p:cNvPicPr>
+            <a:picLocks noChangeAspect="1"/>
+          </p:cNvPicPr>
+          <p:nvPr/>
+        </p:nvPicPr>
+        <p:blipFill>
+          <a:blip r:embed="rId3"/>
+          <a:stretch>
+            <a:fillRect/>
+          </a:stretch>
+        </p:blipFill>
+        <p:spPr>
+          <a:xfrm>
+            <a:off x="720028" y="5030273"/>
+            <a:ext cx="8416608" cy="1322610"/>
+          </a:xfrm>
+          <a:prstGeom prst="rect">
+            <a:avLst/>
+          </a:prstGeom>
+        </p:spPr>
+      </p:pic>
+      <p:sp>
+        <p:nvSpPr>
+          <p:cNvPr id="17" name="TextBox 16">
+            <a:extLst>
+              <a:ext uri="{FF2B5EF4-FFF2-40B4-BE49-F238E27FC236}">
+                <a16:creationId xmlns:a16="http://schemas.microsoft.com/office/drawing/2014/main" id="{5F6502D7-940A-48F7-A00E-FA8C63C2F084}"/>
+              </a:ext>
+            </a:extLst>
+          </p:cNvPr>
+          <p:cNvSpPr txBox="1"/>
+          <p:nvPr/>
+        </p:nvSpPr>
+        <p:spPr>
+          <a:xfrm>
+            <a:off x="7747042" y="4216813"/>
+            <a:ext cx="2036538" cy="646331"/>
+          </a:xfrm>
+          <a:prstGeom prst="rect">
+            <a:avLst/>
+          </a:prstGeom>
+        </p:spPr>
+        <p:style>
+          <a:lnRef idx="3">
+            <a:schemeClr val="lt1"/>
+          </a:lnRef>
+          <a:fillRef idx="1">
+            <a:schemeClr val="accent5"/>
+          </a:fillRef>
+          <a:effectRef idx="1">
+            <a:schemeClr val="accent5"/>
+          </a:effectRef>
+          <a:fontRef idx="minor">
+            <a:schemeClr val="lt1"/>
+          </a:fontRef>
+        </p:style>
+        <p:txBody>
+          <a:bodyPr wrap="square" rtlCol="0">
+            <a:spAutoFit/>
+          </a:bodyPr>
+          <a:lstStyle/>
+          <a:p>
+            <a:r>
+              <a:rPr lang="en-US" dirty="0"/>
+              <a:t>Console updated </a:t>
+            </a:r>
+          </a:p>
+          <a:p>
+            <a:r>
+              <a:rPr lang="en-US" dirty="0"/>
+              <a:t>by </a:t>
+            </a:r>
+            <a:r>
               <a:rPr lang="en-US" dirty="0" err="1"/>
               <a:t>WebpageServer</a:t>
             </a:r>
@@ -19285,7 +20538,7 @@
 </p:sld>
 </file>
 
-<file path=ppt/slides/slide18.xml><?xml version="1.0" encoding="utf-8"?>
+<file path=ppt/slides/slide19.xml><?xml version="1.0" encoding="utf-8"?>
 <p:sld xmlns:a="http://purl.oclc.org/ooxml/drawingml/main" xmlns:r="http://purl.oclc.org/ooxml/officeDocument/relationships" xmlns:p="http://purl.oclc.org/ooxml/presentationml/main">
   <p:cSld name="Slide7">
     <p:spTree>
@@ -19563,469 +20816,6 @@
           </a:prstGeom>
         </p:spPr>
       </p:pic>
-    </p:spTree>
-  </p:cSld>
-  <p:clrMapOvr>
-    <a:masterClrMapping/>
-  </p:clrMapOvr>
-</p:sld>
-</file>
-
-<file path=ppt/slides/slide19.xml><?xml version="1.0" encoding="utf-8"?>
-<p:sld xmlns:a="http://purl.oclc.org/ooxml/drawingml/main" xmlns:r="http://purl.oclc.org/ooxml/officeDocument/relationships" xmlns:p="http://purl.oclc.org/ooxml/presentationml/main">
-  <p:cSld name="Slide8">
-    <p:spTree>
-      <p:nvGrpSpPr>
-        <p:cNvPr id="1" name=""/>
-        <p:cNvGrpSpPr/>
-        <p:nvPr/>
-      </p:nvGrpSpPr>
-      <p:grpSpPr>
-        <a:xfrm>
-          <a:off x="0" y="0"/>
-          <a:ext cx="0" cy="0"/>
-          <a:chOff x="0" y="0"/>
-          <a:chExt cx="0" cy="0"/>
-        </a:xfrm>
-      </p:grpSpPr>
-      <p:pic>
-        <p:nvPicPr>
-          <p:cNvPr id="6" name="Picture 5">
-            <a:extLst>
-              <a:ext uri="{FF2B5EF4-FFF2-40B4-BE49-F238E27FC236}">
-                <a16:creationId xmlns:a16="http://schemas.microsoft.com/office/drawing/2014/main" id="{9568D3C6-D784-4978-9BCB-5F8DF37AA083}"/>
-              </a:ext>
-            </a:extLst>
-          </p:cNvPr>
-          <p:cNvPicPr>
-            <a:picLocks noChangeAspect="1"/>
-          </p:cNvPicPr>
-          <p:nvPr/>
-        </p:nvPicPr>
-        <p:blipFill>
-          <a:blip r:embed="rId2"/>
-          <a:stretch>
-            <a:fillRect/>
-          </a:stretch>
-        </p:blipFill>
-        <p:spPr>
-          <a:xfrm>
-            <a:off x="0" y="1121546"/>
-            <a:ext cx="8511540" cy="5711457"/>
-          </a:xfrm>
-          <a:prstGeom prst="rect">
-            <a:avLst/>
-          </a:prstGeom>
-        </p:spPr>
-      </p:pic>
-      <p:sp>
-        <p:nvSpPr>
-          <p:cNvPr id="2" name="Title 1">
-            <a:extLst>
-              <a:ext uri="{FF2B5EF4-FFF2-40B4-BE49-F238E27FC236}">
-                <a16:creationId xmlns:a16="http://schemas.microsoft.com/office/drawing/2014/main" id="{01C40EAB-320A-49C4-AE6E-FF3CA546D03D}"/>
-              </a:ext>
-            </a:extLst>
-          </p:cNvPr>
-          <p:cNvSpPr txBox="1">
-            <a:spLocks noGrp="1"/>
-          </p:cNvSpPr>
-          <p:nvPr>
-            <p:ph type="title"/>
-          </p:nvPr>
-        </p:nvSpPr>
-        <p:spPr/>
-        <p:txBody>
-          <a:bodyPr/>
-          <a:lstStyle/>
-          <a:p>
-            <a:pPr lvl="0"/>
-            <a:r>
-              <a:rPr lang="en-US"/>
-              <a:t>The project </a:t>
-            </a:r>
-            <a:r>
-              <a:rPr lang="en-US">
-                <a:latin typeface="Calibri"/>
-                <a:cs typeface="Calibri"/>
-              </a:rPr>
-              <a:t>it.unibo.wenvusage</a:t>
-            </a:r>
-            <a:endParaRPr lang="en-US"/>
-          </a:p>
-          <a:p>
-            <a:pPr lvl="0"/>
-            <a:endParaRPr lang="en-US"/>
-          </a:p>
-        </p:txBody>
-      </p:sp>
-      <p:sp>
-        <p:nvSpPr>
-          <p:cNvPr id="4" name="TextBox 3">
-            <a:extLst>
-              <a:ext uri="{FF2B5EF4-FFF2-40B4-BE49-F238E27FC236}">
-                <a16:creationId xmlns:a16="http://schemas.microsoft.com/office/drawing/2014/main" id="{FA94D20B-C86E-4701-8C41-D4A47647C120}"/>
-              </a:ext>
-            </a:extLst>
-          </p:cNvPr>
-          <p:cNvSpPr txBox="1"/>
-          <p:nvPr/>
-        </p:nvSpPr>
-        <p:spPr>
-          <a:xfrm>
-            <a:off x="7313115" y="2845493"/>
-            <a:ext cx="4872618" cy="2339099"/>
-          </a:xfrm>
-          <a:prstGeom prst="rect">
-            <a:avLst/>
-          </a:prstGeom>
-          <a:solidFill>
-            <a:srgbClr val="FFFF00"/>
-          </a:solidFill>
-          <a:ln w="9528" cap="flat">
-            <a:solidFill>
-              <a:srgbClr val="0070C0"/>
-            </a:solidFill>
-            <a:prstDash val="solid"/>
-            <a:miter/>
-          </a:ln>
-        </p:spPr>
-        <p:txBody>
-          <a:bodyPr vert="horz" wrap="square" lIns="91440" tIns="45720" rIns="91440" bIns="45720" anchor="t" anchorCtr="0" compatLnSpc="1">
-            <a:spAutoFit/>
-          </a:bodyPr>
-          <a:lstStyle/>
-          <a:p>
-            <a:pPr marL="0" marR="0" lvl="0" indent="0" algn="l" defTabSz="914400" rtl="0" fontAlgn="auto" hangingPunct="1">
-              <a:lnSpc>
-                <a:spcPct val="100%"/>
-              </a:lnSpc>
-              <a:spcBef>
-                <a:spcPts val="0"/>
-              </a:spcBef>
-              <a:spcAft>
-                <a:spcPts val="0"/>
-              </a:spcAft>
-              <a:buNone/>
-              <a:tabLst/>
-              <a:defRPr sz="1800" b="0" i="0" u="none" strike="noStrike" kern="0" cap="none" spc="0" baseline="0%">
-                <a:solidFill>
-                  <a:srgbClr val="000000"/>
-                </a:solidFill>
-                <a:uFillTx/>
-              </a:defRPr>
-            </a:pPr>
-            <a:r>
-              <a:rPr lang="en-US" sz="2800" b="1" i="0" u="none" strike="noStrike" kern="1200" cap="none" spc="0" baseline="0%" dirty="0" err="1">
-                <a:solidFill>
-                  <a:srgbClr val="000000"/>
-                </a:solidFill>
-                <a:uFillTx/>
-                <a:latin typeface="Consolas"/>
-                <a:cs typeface="Calibri"/>
-              </a:rPr>
-              <a:t>gradlew</a:t>
-            </a:r>
-            <a:r>
-              <a:rPr lang="en-US" sz="2800" b="1" i="0" u="none" strike="noStrike" kern="1200" cap="none" spc="0" baseline="0%" dirty="0">
-                <a:solidFill>
-                  <a:srgbClr val="000000"/>
-                </a:solidFill>
-                <a:uFillTx/>
-                <a:latin typeface="Consolas"/>
-                <a:cs typeface="Calibri"/>
-              </a:rPr>
-              <a:t> build</a:t>
-            </a:r>
-            <a:r>
-              <a:rPr lang="en-US" sz="2800" b="1" i="0" u="none" strike="noStrike" kern="0" cap="none" spc="0" baseline="0%" dirty="0">
-                <a:solidFill>
-                  <a:srgbClr val="000000"/>
-                </a:solidFill>
-                <a:uFillTx/>
-                <a:latin typeface="Consolas"/>
-                <a:cs typeface="Calibri"/>
-              </a:rPr>
-              <a:t> </a:t>
-            </a:r>
-            <a:endParaRPr lang="en-US" sz="1800" b="0" i="0" u="none" strike="noStrike" kern="0" cap="none" spc="0" baseline="0%" dirty="0">
-              <a:solidFill>
-                <a:srgbClr val="000000"/>
-              </a:solidFill>
-              <a:uFillTx/>
-              <a:latin typeface="Calibri"/>
-              <a:cs typeface="Calibri"/>
-            </a:endParaRPr>
-          </a:p>
-          <a:p>
-            <a:pPr marL="0" marR="0" lvl="0" indent="0" algn="l" defTabSz="914400" rtl="0" fontAlgn="auto" hangingPunct="1">
-              <a:lnSpc>
-                <a:spcPct val="100%"/>
-              </a:lnSpc>
-              <a:spcBef>
-                <a:spcPts val="0"/>
-              </a:spcBef>
-              <a:spcAft>
-                <a:spcPts val="0"/>
-              </a:spcAft>
-              <a:buNone/>
-              <a:tabLst/>
-              <a:defRPr sz="1800" b="0" i="0" u="none" strike="noStrike" kern="0" cap="none" spc="0" baseline="0%">
-                <a:solidFill>
-                  <a:srgbClr val="000000"/>
-                </a:solidFill>
-                <a:uFillTx/>
-              </a:defRPr>
-            </a:pPr>
-            <a:r>
-              <a:rPr lang="en-US" sz="2800" b="1" i="0" u="none" strike="noStrike" kern="1200" cap="none" spc="0" baseline="0%" dirty="0" err="1">
-                <a:solidFill>
-                  <a:srgbClr val="000000"/>
-                </a:solidFill>
-                <a:uFillTx/>
-                <a:latin typeface="Consolas"/>
-                <a:cs typeface="Calibri"/>
-              </a:rPr>
-              <a:t>gradlew</a:t>
-            </a:r>
-            <a:r>
-              <a:rPr lang="en-US" sz="2800" b="1" i="0" u="none" strike="noStrike" kern="1200" cap="none" spc="0" baseline="0%" dirty="0">
-                <a:solidFill>
-                  <a:srgbClr val="000000"/>
-                </a:solidFill>
-                <a:uFillTx/>
-                <a:latin typeface="Consolas"/>
-                <a:cs typeface="Calibri"/>
-              </a:rPr>
-              <a:t> run</a:t>
-            </a:r>
-            <a:r>
-              <a:rPr lang="en-US" sz="2800" b="1" i="0" u="none" strike="noStrike" kern="0" cap="none" spc="0" baseline="0%" dirty="0">
-                <a:solidFill>
-                  <a:srgbClr val="000000"/>
-                </a:solidFill>
-                <a:uFillTx/>
-                <a:latin typeface="Consolas"/>
-                <a:cs typeface="Calibri"/>
-              </a:rPr>
-              <a:t> </a:t>
-            </a:r>
-            <a:endParaRPr lang="en-US" sz="1800" b="0" i="0" u="none" strike="noStrike" kern="0" cap="none" spc="0" baseline="0%" dirty="0">
-              <a:solidFill>
-                <a:srgbClr val="000000"/>
-              </a:solidFill>
-              <a:uFillTx/>
-              <a:latin typeface="Calibri"/>
-              <a:cs typeface="Calibri"/>
-            </a:endParaRPr>
-          </a:p>
-          <a:p>
-            <a:pPr marL="0" marR="0" lvl="0" indent="0" algn="l" defTabSz="914400" rtl="0" fontAlgn="auto" hangingPunct="1">
-              <a:lnSpc>
-                <a:spcPct val="100%"/>
-              </a:lnSpc>
-              <a:spcBef>
-                <a:spcPts val="0"/>
-              </a:spcBef>
-              <a:spcAft>
-                <a:spcPts val="0"/>
-              </a:spcAft>
-              <a:buNone/>
-              <a:tabLst/>
-              <a:defRPr sz="1800" b="0" i="0" u="none" strike="noStrike" kern="0" cap="none" spc="0" baseline="0%">
-                <a:solidFill>
-                  <a:srgbClr val="000000"/>
-                </a:solidFill>
-                <a:uFillTx/>
-              </a:defRPr>
-            </a:pPr>
-            <a:r>
-              <a:rPr lang="en-US" sz="1800" b="0" i="0" u="none" strike="noStrike" kern="1200" cap="none" spc="0" baseline="0%" dirty="0">
-                <a:solidFill>
-                  <a:srgbClr val="000000"/>
-                </a:solidFill>
-                <a:uFillTx/>
-                <a:latin typeface="Calibri"/>
-                <a:ea typeface="Calibri"/>
-                <a:cs typeface="Calibri"/>
-              </a:rPr>
-              <a:t>&gt; Task :</a:t>
-            </a:r>
-            <a:r>
-              <a:rPr lang="en-US" sz="1800" b="0" i="0" u="none" strike="noStrike" kern="1200" cap="none" spc="0" baseline="0%" dirty="0" err="1">
-                <a:solidFill>
-                  <a:srgbClr val="000000"/>
-                </a:solidFill>
-                <a:uFillTx/>
-                <a:latin typeface="Calibri"/>
-                <a:ea typeface="Calibri"/>
-                <a:cs typeface="Calibri"/>
-              </a:rPr>
-              <a:t>app:run</a:t>
-            </a:r>
-            <a:endParaRPr lang="en-US" sz="1800" b="0" i="0" u="none" strike="noStrike" kern="1200" cap="none" spc="0" baseline="0%" dirty="0">
-              <a:solidFill>
-                <a:srgbClr val="000000"/>
-              </a:solidFill>
-              <a:uFillTx/>
-              <a:latin typeface="Calibri"/>
-              <a:cs typeface="Calibri"/>
-            </a:endParaRPr>
-          </a:p>
-          <a:p>
-            <a:pPr marL="0" marR="0" lvl="0" indent="0" algn="l" defTabSz="914400" rtl="0" fontAlgn="auto" hangingPunct="1">
-              <a:lnSpc>
-                <a:spcPct val="100%"/>
-              </a:lnSpc>
-              <a:spcBef>
-                <a:spcPts val="0"/>
-              </a:spcBef>
-              <a:spcAft>
-                <a:spcPts val="0"/>
-              </a:spcAft>
-              <a:buNone/>
-              <a:tabLst/>
-              <a:defRPr sz="1800" b="0" i="0" u="none" strike="noStrike" kern="0" cap="none" spc="0" baseline="0%">
-                <a:solidFill>
-                  <a:srgbClr val="000000"/>
-                </a:solidFill>
-                <a:uFillTx/>
-              </a:defRPr>
-            </a:pPr>
-            <a:r>
-              <a:rPr lang="en-US" sz="1800" b="0" i="0" u="none" strike="noStrike" kern="1200" cap="none" spc="0" baseline="0%" dirty="0">
-                <a:solidFill>
-                  <a:srgbClr val="000000"/>
-                </a:solidFill>
-                <a:uFillTx/>
-                <a:latin typeface="Calibri"/>
-                <a:ea typeface="Calibri"/>
-                <a:cs typeface="Calibri"/>
-              </a:rPr>
-              <a:t>Hello World!</a:t>
-            </a:r>
-            <a:endParaRPr lang="en-US" sz="1800" b="0" i="0" u="none" strike="noStrike" kern="1200" cap="none" spc="0" baseline="0%" dirty="0">
-              <a:solidFill>
-                <a:srgbClr val="000000"/>
-              </a:solidFill>
-              <a:uFillTx/>
-              <a:latin typeface="Calibri"/>
-              <a:cs typeface="Calibri"/>
-            </a:endParaRPr>
-          </a:p>
-          <a:p>
-            <a:pPr marL="0" marR="0" lvl="0" indent="0" algn="l" defTabSz="914400" rtl="0" fontAlgn="auto" hangingPunct="1">
-              <a:lnSpc>
-                <a:spcPct val="100%"/>
-              </a:lnSpc>
-              <a:spcBef>
-                <a:spcPts val="0"/>
-              </a:spcBef>
-              <a:spcAft>
-                <a:spcPts val="0"/>
-              </a:spcAft>
-              <a:buNone/>
-              <a:tabLst/>
-              <a:defRPr sz="1800" b="0" i="0" u="none" strike="noStrike" kern="0" cap="none" spc="0" baseline="0%">
-                <a:solidFill>
-                  <a:srgbClr val="000000"/>
-                </a:solidFill>
-                <a:uFillTx/>
-              </a:defRPr>
-            </a:pPr>
-            <a:endParaRPr lang="en-US" sz="1800" b="0" i="0" u="none" strike="noStrike" kern="1200" cap="none" spc="0" baseline="0%" dirty="0">
-              <a:solidFill>
-                <a:srgbClr val="000000"/>
-              </a:solidFill>
-              <a:uFillTx/>
-              <a:latin typeface="Calibri"/>
-              <a:cs typeface="Calibri"/>
-            </a:endParaRPr>
-          </a:p>
-          <a:p>
-            <a:pPr marL="0" marR="0" lvl="0" indent="0" algn="l" defTabSz="914400" rtl="0" fontAlgn="auto" hangingPunct="1">
-              <a:lnSpc>
-                <a:spcPct val="100%"/>
-              </a:lnSpc>
-              <a:spcBef>
-                <a:spcPts val="0"/>
-              </a:spcBef>
-              <a:spcAft>
-                <a:spcPts val="0"/>
-              </a:spcAft>
-              <a:buNone/>
-              <a:tabLst/>
-              <a:defRPr sz="1800" b="0" i="0" u="none" strike="noStrike" kern="0" cap="none" spc="0" baseline="0%">
-                <a:solidFill>
-                  <a:srgbClr val="000000"/>
-                </a:solidFill>
-                <a:uFillTx/>
-              </a:defRPr>
-            </a:pPr>
-            <a:r>
-              <a:rPr lang="en-US" sz="1800" b="0" i="0" u="none" strike="noStrike" kern="1200" cap="none" spc="0" baseline="0%" dirty="0">
-                <a:solidFill>
-                  <a:srgbClr val="000000"/>
-                </a:solidFill>
-                <a:uFillTx/>
-                <a:latin typeface="Calibri"/>
-                <a:ea typeface="Calibri"/>
-                <a:cs typeface="Calibri"/>
-              </a:rPr>
-              <a:t>BUILD SUCCESSFUL in 2s</a:t>
-            </a:r>
-            <a:endParaRPr lang="en-US" sz="1800" b="0" i="0" u="none" strike="noStrike" kern="1200" cap="none" spc="0" baseline="0%" dirty="0">
-              <a:solidFill>
-                <a:srgbClr val="000000"/>
-              </a:solidFill>
-              <a:uFillTx/>
-              <a:latin typeface="Calibri"/>
-              <a:cs typeface="Calibri"/>
-            </a:endParaRPr>
-          </a:p>
-          <a:p>
-            <a:pPr marL="0" marR="0" lvl="0" indent="0" algn="l" defTabSz="914400" rtl="0" fontAlgn="auto" hangingPunct="1">
-              <a:lnSpc>
-                <a:spcPct val="100%"/>
-              </a:lnSpc>
-              <a:spcBef>
-                <a:spcPts val="0"/>
-              </a:spcBef>
-              <a:spcAft>
-                <a:spcPts val="0"/>
-              </a:spcAft>
-              <a:buNone/>
-              <a:tabLst/>
-              <a:defRPr sz="1800" b="0" i="0" u="none" strike="noStrike" kern="0" cap="none" spc="0" baseline="0%">
-                <a:solidFill>
-                  <a:srgbClr val="000000"/>
-                </a:solidFill>
-                <a:uFillTx/>
-              </a:defRPr>
-            </a:pPr>
-            <a:r>
-              <a:rPr lang="en-US" sz="1800" b="0" i="0" u="none" strike="noStrike" kern="1200" cap="none" spc="0" baseline="0%" dirty="0">
-                <a:solidFill>
-                  <a:srgbClr val="000000"/>
-                </a:solidFill>
-                <a:uFillTx/>
-                <a:latin typeface="Calibri"/>
-                <a:ea typeface="Calibri"/>
-                <a:cs typeface="Calibri"/>
-              </a:rPr>
-              <a:t>2 actionable tasks: 1 executed, 1 up-to-date</a:t>
-            </a:r>
-            <a:endParaRPr lang="en-US" sz="1800" b="0" i="0" u="none" strike="noStrike" kern="1200" cap="none" spc="0" baseline="0%" dirty="0">
-              <a:solidFill>
-                <a:srgbClr val="000000"/>
-              </a:solidFill>
-              <a:uFillTx/>
-              <a:latin typeface="Calibri"/>
-              <a:cs typeface="Calibri"/>
-            </a:endParaRPr>
-          </a:p>
-        </p:txBody>
-      </p:sp>
     </p:spTree>
   </p:cSld>
   <p:clrMapOvr>
@@ -22495,7 +23285,7 @@
 
 <file path=ppt/slides/slide20.xml><?xml version="1.0" encoding="utf-8"?>
 <p:sld xmlns:a="http://purl.oclc.org/ooxml/drawingml/main" xmlns:r="http://purl.oclc.org/ooxml/officeDocument/relationships" xmlns:p="http://purl.oclc.org/ooxml/presentationml/main">
-  <p:cSld name="Slide10">
+  <p:cSld name="Slide8">
     <p:spTree>
       <p:nvGrpSpPr>
         <p:cNvPr id="1" name=""/>
@@ -22510,12 +23300,42 @@
           <a:chExt cx="0" cy="0"/>
         </a:xfrm>
       </p:grpSpPr>
+      <p:pic>
+        <p:nvPicPr>
+          <p:cNvPr id="6" name="Picture 5">
+            <a:extLst>
+              <a:ext uri="{FF2B5EF4-FFF2-40B4-BE49-F238E27FC236}">
+                <a16:creationId xmlns:a16="http://schemas.microsoft.com/office/drawing/2014/main" id="{9568D3C6-D784-4978-9BCB-5F8DF37AA083}"/>
+              </a:ext>
+            </a:extLst>
+          </p:cNvPr>
+          <p:cNvPicPr>
+            <a:picLocks noChangeAspect="1"/>
+          </p:cNvPicPr>
+          <p:nvPr/>
+        </p:nvPicPr>
+        <p:blipFill>
+          <a:blip r:embed="rId2"/>
+          <a:stretch>
+            <a:fillRect/>
+          </a:stretch>
+        </p:blipFill>
+        <p:spPr>
+          <a:xfrm>
+            <a:off x="0" y="1121546"/>
+            <a:ext cx="8511540" cy="5711457"/>
+          </a:xfrm>
+          <a:prstGeom prst="rect">
+            <a:avLst/>
+          </a:prstGeom>
+        </p:spPr>
+      </p:pic>
       <p:sp>
         <p:nvSpPr>
           <p:cNvPr id="2" name="Title 1">
             <a:extLst>
               <a:ext uri="{FF2B5EF4-FFF2-40B4-BE49-F238E27FC236}">
-                <a16:creationId xmlns:a16="http://schemas.microsoft.com/office/drawing/2014/main" id="{492C36A4-1C58-4EFB-B95F-F91FE9068026}"/>
+                <a16:creationId xmlns:a16="http://schemas.microsoft.com/office/drawing/2014/main" id="{01C40EAB-320A-49C4-AE6E-FF3CA546D03D}"/>
               </a:ext>
             </a:extLst>
           </p:cNvPr>
@@ -22526,12 +23346,7 @@
             <p:ph type="title"/>
           </p:nvPr>
         </p:nvSpPr>
-        <p:spPr>
-          <a:xfrm>
-            <a:off x="677332" y="609603"/>
-            <a:ext cx="8596667" cy="757123"/>
-          </a:xfrm>
-        </p:spPr>
+        <p:spPr/>
         <p:txBody>
           <a:bodyPr/>
           <a:lstStyle/>
@@ -22539,17 +23354,29 @@
             <a:pPr lvl="0"/>
             <a:r>
               <a:rPr lang="en-US"/>
-              <a:t>Define our app and modify build</a:t>
-            </a:r>
+              <a:t>The project </a:t>
+            </a:r>
+            <a:r>
+              <a:rPr lang="en-US">
+                <a:latin typeface="Calibri"/>
+                <a:cs typeface="Calibri"/>
+              </a:rPr>
+              <a:t>it.unibo.wenvusage</a:t>
+            </a:r>
+            <a:endParaRPr lang="en-US"/>
+          </a:p>
+          <a:p>
+            <a:pPr lvl="0"/>
+            <a:endParaRPr lang="en-US"/>
           </a:p>
         </p:txBody>
       </p:sp>
       <p:sp>
         <p:nvSpPr>
-          <p:cNvPr id="3" name="TextBox 2">
-            <a:extLst>
-              <a:ext uri="{FF2B5EF4-FFF2-40B4-BE49-F238E27FC236}">
-                <a16:creationId xmlns:a16="http://schemas.microsoft.com/office/drawing/2014/main" id="{0994C0C0-A936-4AE4-A8D5-C0A08E4BA080}"/>
+          <p:cNvPr id="4" name="TextBox 3">
+            <a:extLst>
+              <a:ext uri="{FF2B5EF4-FFF2-40B4-BE49-F238E27FC236}">
+                <a16:creationId xmlns:a16="http://schemas.microsoft.com/office/drawing/2014/main" id="{FA94D20B-C86E-4701-8C41-D4A47647C120}"/>
               </a:ext>
             </a:extLst>
           </p:cNvPr>
@@ -22558,15 +23385,21 @@
         </p:nvSpPr>
         <p:spPr>
           <a:xfrm>
-            <a:off x="194154" y="1582451"/>
-            <a:ext cx="11803687" cy="2000551"/>
+            <a:off x="7313115" y="2845493"/>
+            <a:ext cx="4872618" cy="2339099"/>
           </a:xfrm>
           <a:prstGeom prst="rect">
             <a:avLst/>
           </a:prstGeom>
-          <a:noFill/>
-          <a:ln cap="flat">
-            <a:noFill/>
+          <a:solidFill>
+            <a:srgbClr val="FFFF00"/>
+          </a:solidFill>
+          <a:ln w="9528" cap="flat">
+            <a:solidFill>
+              <a:srgbClr val="0070C0"/>
+            </a:solidFill>
+            <a:prstDash val="solid"/>
+            <a:miter/>
           </a:ln>
         </p:spPr>
         <p:txBody>
@@ -22595,193 +23428,39 @@
               </a:defRPr>
             </a:pPr>
             <a:r>
-              <a:rPr lang="en-US" sz="2400" b="0" i="1" u="none" strike="noStrike" kern="1200" cap="none" spc="0" baseline="0%" dirty="0">
+              <a:rPr lang="en-US" sz="2800" b="1" i="0" u="none" strike="noStrike" kern="1200" cap="none" spc="0" baseline="0%" dirty="0" err="1">
                 <a:solidFill>
                   <a:srgbClr val="000000"/>
                 </a:solidFill>
                 <a:uFillTx/>
                 <a:latin typeface="Consolas"/>
+                <a:cs typeface="Calibri"/>
               </a:rPr>
-              <a:t>application </a:t>
-            </a:r>
-            <a:r>
-              <a:rPr lang="en-US" sz="2400" b="1" i="0" u="none" strike="noStrike" kern="1200" cap="none" spc="0" baseline="0%" dirty="0">
+              <a:t>gradlew</a:t>
+            </a:r>
+            <a:r>
+              <a:rPr lang="en-US" sz="2800" b="1" i="0" u="none" strike="noStrike" kern="1200" cap="none" spc="0" baseline="0%" dirty="0">
                 <a:solidFill>
                   <a:srgbClr val="000000"/>
                 </a:solidFill>
                 <a:uFillTx/>
                 <a:latin typeface="Consolas"/>
+                <a:cs typeface="Calibri"/>
               </a:rPr>
-              <a:t>{</a:t>
-            </a:r>
-            <a:br>
-              <a:rPr lang="en-US" sz="2400" b="1" i="0" u="none" strike="noStrike" kern="1200" cap="none" spc="0" baseline="0%" dirty="0">
+              <a:t> build</a:t>
+            </a:r>
+            <a:r>
+              <a:rPr lang="en-US" sz="2800" b="1" i="0" u="none" strike="noStrike" kern="0" cap="none" spc="0" baseline="0%" dirty="0">
                 <a:solidFill>
                   <a:srgbClr val="000000"/>
                 </a:solidFill>
                 <a:uFillTx/>
                 <a:latin typeface="Consolas"/>
+                <a:cs typeface="Calibri"/>
               </a:rPr>
-            </a:br>
-            <a:r>
-              <a:rPr lang="en-US" sz="2400" b="1" i="0" u="none" strike="noStrike" kern="1200" cap="none" spc="0" baseline="0%" dirty="0">
-                <a:solidFill>
-                  <a:srgbClr val="000000"/>
-                </a:solidFill>
-                <a:uFillTx/>
-                <a:latin typeface="Consolas"/>
-              </a:rPr>
-              <a:t>    </a:t>
-            </a:r>
-            <a:r>
-              <a:rPr lang="en-US" sz="2400" b="0" i="1" u="none" strike="noStrike" kern="1200" cap="none" spc="0" baseline="0%" dirty="0">
-                <a:solidFill>
-                  <a:srgbClr val="000000"/>
-                </a:solidFill>
-                <a:uFillTx/>
-                <a:latin typeface="Consolas"/>
-              </a:rPr>
-              <a:t>// Define the main class for the application.</a:t>
-            </a:r>
-            <a:br>
-              <a:rPr lang="en-US" sz="2400" b="0" i="1" u="none" strike="noStrike" kern="1200" cap="none" spc="0" baseline="0%" dirty="0">
-                <a:solidFill>
-                  <a:srgbClr val="000000"/>
-                </a:solidFill>
-                <a:uFillTx/>
-                <a:latin typeface="Consolas"/>
-              </a:rPr>
-            </a:br>
-            <a:r>
-              <a:rPr lang="en-US" sz="2400" b="0" i="1" u="none" strike="noStrike" kern="1200" cap="none" spc="0" baseline="0%" dirty="0">
-                <a:solidFill>
-                  <a:srgbClr val="000000"/>
-                </a:solidFill>
-                <a:uFillTx/>
-                <a:latin typeface="Consolas"/>
-              </a:rPr>
-              <a:t>    //</a:t>
-            </a:r>
-            <a:r>
-              <a:rPr lang="en-US" sz="2400" b="0" i="1" u="none" strike="noStrike" kern="1200" cap="none" spc="0" baseline="0%" dirty="0" err="1">
-                <a:solidFill>
-                  <a:srgbClr val="000000"/>
-                </a:solidFill>
-                <a:uFillTx/>
-                <a:latin typeface="Consolas"/>
-              </a:rPr>
-              <a:t>mainClass.set</a:t>
-            </a:r>
-            <a:r>
-              <a:rPr lang="en-US" sz="2400" b="0" i="1" u="none" strike="noStrike" kern="1200" cap="none" spc="0" baseline="0%" dirty="0">
-                <a:solidFill>
-                  <a:srgbClr val="000000"/>
-                </a:solidFill>
-                <a:uFillTx/>
-                <a:latin typeface="Consolas"/>
-              </a:rPr>
-              <a:t>("</a:t>
-            </a:r>
-            <a:r>
-              <a:rPr lang="en-US" sz="2400" b="0" i="1" u="none" strike="noStrike" kern="1200" cap="none" spc="0" baseline="0%" dirty="0" err="1">
-                <a:solidFill>
-                  <a:srgbClr val="000000"/>
-                </a:solidFill>
-                <a:uFillTx/>
-                <a:latin typeface="Consolas"/>
-              </a:rPr>
-              <a:t>it.unibo.wenvusage.App</a:t>
-            </a:r>
-            <a:r>
-              <a:rPr lang="en-US" sz="2400" b="0" i="1" u="none" strike="noStrike" kern="1200" cap="none" spc="0" baseline="0%" dirty="0">
-                <a:solidFill>
-                  <a:srgbClr val="000000"/>
-                </a:solidFill>
-                <a:uFillTx/>
-                <a:latin typeface="Consolas"/>
-              </a:rPr>
-              <a:t>")    //ORIGINAL</a:t>
-            </a:r>
-            <a:br>
-              <a:rPr lang="en-US" sz="2400" b="0" i="1" u="none" strike="noStrike" kern="1200" cap="none" spc="0" baseline="0%" dirty="0">
-                <a:solidFill>
-                  <a:srgbClr val="000000"/>
-                </a:solidFill>
-                <a:uFillTx/>
-                <a:latin typeface="Consolas"/>
-              </a:rPr>
-            </a:br>
-            <a:r>
-              <a:rPr lang="en-US" sz="2400" b="0" i="1" u="none" strike="noStrike" kern="1200" cap="none" spc="0" baseline="0%" dirty="0">
-                <a:solidFill>
-                  <a:srgbClr val="000000"/>
-                </a:solidFill>
-                <a:uFillTx/>
-                <a:latin typeface="Consolas"/>
-              </a:rPr>
-              <a:t>    </a:t>
-            </a:r>
-            <a:r>
-              <a:rPr lang="en-US" sz="2800" b="0" i="1" u="none" strike="noStrike" kern="1200" cap="none" spc="0" baseline="0%" dirty="0" err="1">
-                <a:solidFill>
-                  <a:srgbClr val="C00000"/>
-                </a:solidFill>
-                <a:uFillTx/>
-                <a:latin typeface="Consolas"/>
-              </a:rPr>
-              <a:t>mainClass</a:t>
-            </a:r>
-            <a:r>
-              <a:rPr lang="en-US" sz="2800" b="0" i="0" u="none" strike="noStrike" kern="1200" cap="none" spc="0" baseline="0%" dirty="0" err="1">
-                <a:solidFill>
-                  <a:srgbClr val="C00000"/>
-                </a:solidFill>
-                <a:uFillTx/>
-                <a:latin typeface="Consolas"/>
-              </a:rPr>
-              <a:t>.set</a:t>
-            </a:r>
-            <a:r>
-              <a:rPr lang="en-US" sz="2800" b="0" i="0" u="none" strike="noStrike" kern="1200" cap="none" spc="0" baseline="0%" dirty="0">
-                <a:solidFill>
-                  <a:srgbClr val="C00000"/>
-                </a:solidFill>
-                <a:uFillTx/>
-                <a:latin typeface="Consolas"/>
-              </a:rPr>
-              <a:t>("</a:t>
-            </a:r>
-            <a:r>
-              <a:rPr lang="en-US" sz="2800" b="0" i="0" u="none" strike="noStrike" kern="1200" cap="none" spc="0" baseline="0%" dirty="0" err="1">
-                <a:solidFill>
-                  <a:srgbClr val="0070C0"/>
-                </a:solidFill>
-                <a:uFillTx/>
-                <a:latin typeface="Consolas"/>
-              </a:rPr>
-              <a:t>it.unibo.wenvusage.MoveVirtualRobot</a:t>
-            </a:r>
-            <a:r>
-              <a:rPr lang="en-US" sz="2800" b="0" i="0" u="none" strike="noStrike" kern="1200" cap="none" spc="0" baseline="0%" dirty="0">
-                <a:solidFill>
-                  <a:srgbClr val="C00000"/>
-                </a:solidFill>
-                <a:uFillTx/>
-                <a:latin typeface="Consolas"/>
-              </a:rPr>
-              <a:t>") </a:t>
-            </a:r>
-            <a:r>
-              <a:rPr lang="en-US" sz="2400" b="0" i="0" u="none" strike="noStrike" kern="1200" cap="none" spc="0" baseline="0%" dirty="0">
-                <a:solidFill>
-                  <a:srgbClr val="000000"/>
-                </a:solidFill>
-                <a:uFillTx/>
-                <a:latin typeface="Consolas"/>
-              </a:rPr>
-              <a:t>   </a:t>
-            </a:r>
-            <a:endParaRPr lang="en-US" sz="2400" b="0" i="0" u="none" strike="noStrike" kern="1200" cap="none" spc="0" baseline="0%" dirty="0">
+              <a:t> </a:t>
+            </a:r>
+            <a:endParaRPr lang="en-US" sz="1800" b="0" i="0" u="none" strike="noStrike" kern="0" cap="none" spc="0" baseline="0%" dirty="0">
               <a:solidFill>
                 <a:srgbClr val="000000"/>
               </a:solidFill>
@@ -22811,6 +23490,580 @@
               </a:defRPr>
             </a:pPr>
             <a:r>
+              <a:rPr lang="en-US" sz="2800" b="1" i="0" u="none" strike="noStrike" kern="1200" cap="none" spc="0" baseline="0%" dirty="0" err="1">
+                <a:solidFill>
+                  <a:srgbClr val="000000"/>
+                </a:solidFill>
+                <a:uFillTx/>
+                <a:latin typeface="Consolas"/>
+                <a:cs typeface="Calibri"/>
+              </a:rPr>
+              <a:t>gradlew</a:t>
+            </a:r>
+            <a:r>
+              <a:rPr lang="en-US" sz="2800" b="1" i="0" u="none" strike="noStrike" kern="1200" cap="none" spc="0" baseline="0%" dirty="0">
+                <a:solidFill>
+                  <a:srgbClr val="000000"/>
+                </a:solidFill>
+                <a:uFillTx/>
+                <a:latin typeface="Consolas"/>
+                <a:cs typeface="Calibri"/>
+              </a:rPr>
+              <a:t> run</a:t>
+            </a:r>
+            <a:r>
+              <a:rPr lang="en-US" sz="2800" b="1" i="0" u="none" strike="noStrike" kern="0" cap="none" spc="0" baseline="0%" dirty="0">
+                <a:solidFill>
+                  <a:srgbClr val="000000"/>
+                </a:solidFill>
+                <a:uFillTx/>
+                <a:latin typeface="Consolas"/>
+                <a:cs typeface="Calibri"/>
+              </a:rPr>
+              <a:t> </a:t>
+            </a:r>
+            <a:endParaRPr lang="en-US" sz="1800" b="0" i="0" u="none" strike="noStrike" kern="0" cap="none" spc="0" baseline="0%" dirty="0">
+              <a:solidFill>
+                <a:srgbClr val="000000"/>
+              </a:solidFill>
+              <a:uFillTx/>
+              <a:latin typeface="Calibri"/>
+              <a:cs typeface="Calibri"/>
+            </a:endParaRPr>
+          </a:p>
+          <a:p>
+            <a:pPr marL="0" marR="0" lvl="0" indent="0" algn="l" defTabSz="914400" rtl="0" fontAlgn="auto" hangingPunct="1">
+              <a:lnSpc>
+                <a:spcPct val="100%"/>
+              </a:lnSpc>
+              <a:spcBef>
+                <a:spcPts val="0"/>
+              </a:spcBef>
+              <a:spcAft>
+                <a:spcPts val="0"/>
+              </a:spcAft>
+              <a:buNone/>
+              <a:tabLst/>
+              <a:defRPr sz="1800" b="0" i="0" u="none" strike="noStrike" kern="0" cap="none" spc="0" baseline="0%">
+                <a:solidFill>
+                  <a:srgbClr val="000000"/>
+                </a:solidFill>
+                <a:uFillTx/>
+              </a:defRPr>
+            </a:pPr>
+            <a:r>
+              <a:rPr lang="en-US" sz="1800" b="0" i="0" u="none" strike="noStrike" kern="1200" cap="none" spc="0" baseline="0%" dirty="0">
+                <a:solidFill>
+                  <a:srgbClr val="000000"/>
+                </a:solidFill>
+                <a:uFillTx/>
+                <a:latin typeface="Calibri"/>
+                <a:ea typeface="Calibri"/>
+                <a:cs typeface="Calibri"/>
+              </a:rPr>
+              <a:t>&gt; Task :</a:t>
+            </a:r>
+            <a:r>
+              <a:rPr lang="en-US" sz="1800" b="0" i="0" u="none" strike="noStrike" kern="1200" cap="none" spc="0" baseline="0%" dirty="0" err="1">
+                <a:solidFill>
+                  <a:srgbClr val="000000"/>
+                </a:solidFill>
+                <a:uFillTx/>
+                <a:latin typeface="Calibri"/>
+                <a:ea typeface="Calibri"/>
+                <a:cs typeface="Calibri"/>
+              </a:rPr>
+              <a:t>app:run</a:t>
+            </a:r>
+            <a:endParaRPr lang="en-US" sz="1800" b="0" i="0" u="none" strike="noStrike" kern="1200" cap="none" spc="0" baseline="0%" dirty="0">
+              <a:solidFill>
+                <a:srgbClr val="000000"/>
+              </a:solidFill>
+              <a:uFillTx/>
+              <a:latin typeface="Calibri"/>
+              <a:cs typeface="Calibri"/>
+            </a:endParaRPr>
+          </a:p>
+          <a:p>
+            <a:pPr marL="0" marR="0" lvl="0" indent="0" algn="l" defTabSz="914400" rtl="0" fontAlgn="auto" hangingPunct="1">
+              <a:lnSpc>
+                <a:spcPct val="100%"/>
+              </a:lnSpc>
+              <a:spcBef>
+                <a:spcPts val="0"/>
+              </a:spcBef>
+              <a:spcAft>
+                <a:spcPts val="0"/>
+              </a:spcAft>
+              <a:buNone/>
+              <a:tabLst/>
+              <a:defRPr sz="1800" b="0" i="0" u="none" strike="noStrike" kern="0" cap="none" spc="0" baseline="0%">
+                <a:solidFill>
+                  <a:srgbClr val="000000"/>
+                </a:solidFill>
+                <a:uFillTx/>
+              </a:defRPr>
+            </a:pPr>
+            <a:r>
+              <a:rPr lang="en-US" sz="1800" b="0" i="0" u="none" strike="noStrike" kern="1200" cap="none" spc="0" baseline="0%" dirty="0">
+                <a:solidFill>
+                  <a:srgbClr val="000000"/>
+                </a:solidFill>
+                <a:uFillTx/>
+                <a:latin typeface="Calibri"/>
+                <a:ea typeface="Calibri"/>
+                <a:cs typeface="Calibri"/>
+              </a:rPr>
+              <a:t>Hello World!</a:t>
+            </a:r>
+            <a:endParaRPr lang="en-US" sz="1800" b="0" i="0" u="none" strike="noStrike" kern="1200" cap="none" spc="0" baseline="0%" dirty="0">
+              <a:solidFill>
+                <a:srgbClr val="000000"/>
+              </a:solidFill>
+              <a:uFillTx/>
+              <a:latin typeface="Calibri"/>
+              <a:cs typeface="Calibri"/>
+            </a:endParaRPr>
+          </a:p>
+          <a:p>
+            <a:pPr marL="0" marR="0" lvl="0" indent="0" algn="l" defTabSz="914400" rtl="0" fontAlgn="auto" hangingPunct="1">
+              <a:lnSpc>
+                <a:spcPct val="100%"/>
+              </a:lnSpc>
+              <a:spcBef>
+                <a:spcPts val="0"/>
+              </a:spcBef>
+              <a:spcAft>
+                <a:spcPts val="0"/>
+              </a:spcAft>
+              <a:buNone/>
+              <a:tabLst/>
+              <a:defRPr sz="1800" b="0" i="0" u="none" strike="noStrike" kern="0" cap="none" spc="0" baseline="0%">
+                <a:solidFill>
+                  <a:srgbClr val="000000"/>
+                </a:solidFill>
+                <a:uFillTx/>
+              </a:defRPr>
+            </a:pPr>
+            <a:endParaRPr lang="en-US" sz="1800" b="0" i="0" u="none" strike="noStrike" kern="1200" cap="none" spc="0" baseline="0%" dirty="0">
+              <a:solidFill>
+                <a:srgbClr val="000000"/>
+              </a:solidFill>
+              <a:uFillTx/>
+              <a:latin typeface="Calibri"/>
+              <a:cs typeface="Calibri"/>
+            </a:endParaRPr>
+          </a:p>
+          <a:p>
+            <a:pPr marL="0" marR="0" lvl="0" indent="0" algn="l" defTabSz="914400" rtl="0" fontAlgn="auto" hangingPunct="1">
+              <a:lnSpc>
+                <a:spcPct val="100%"/>
+              </a:lnSpc>
+              <a:spcBef>
+                <a:spcPts val="0"/>
+              </a:spcBef>
+              <a:spcAft>
+                <a:spcPts val="0"/>
+              </a:spcAft>
+              <a:buNone/>
+              <a:tabLst/>
+              <a:defRPr sz="1800" b="0" i="0" u="none" strike="noStrike" kern="0" cap="none" spc="0" baseline="0%">
+                <a:solidFill>
+                  <a:srgbClr val="000000"/>
+                </a:solidFill>
+                <a:uFillTx/>
+              </a:defRPr>
+            </a:pPr>
+            <a:r>
+              <a:rPr lang="en-US" sz="1800" b="0" i="0" u="none" strike="noStrike" kern="1200" cap="none" spc="0" baseline="0%" dirty="0">
+                <a:solidFill>
+                  <a:srgbClr val="000000"/>
+                </a:solidFill>
+                <a:uFillTx/>
+                <a:latin typeface="Calibri"/>
+                <a:ea typeface="Calibri"/>
+                <a:cs typeface="Calibri"/>
+              </a:rPr>
+              <a:t>BUILD SUCCESSFUL in 2s</a:t>
+            </a:r>
+            <a:endParaRPr lang="en-US" sz="1800" b="0" i="0" u="none" strike="noStrike" kern="1200" cap="none" spc="0" baseline="0%" dirty="0">
+              <a:solidFill>
+                <a:srgbClr val="000000"/>
+              </a:solidFill>
+              <a:uFillTx/>
+              <a:latin typeface="Calibri"/>
+              <a:cs typeface="Calibri"/>
+            </a:endParaRPr>
+          </a:p>
+          <a:p>
+            <a:pPr marL="0" marR="0" lvl="0" indent="0" algn="l" defTabSz="914400" rtl="0" fontAlgn="auto" hangingPunct="1">
+              <a:lnSpc>
+                <a:spcPct val="100%"/>
+              </a:lnSpc>
+              <a:spcBef>
+                <a:spcPts val="0"/>
+              </a:spcBef>
+              <a:spcAft>
+                <a:spcPts val="0"/>
+              </a:spcAft>
+              <a:buNone/>
+              <a:tabLst/>
+              <a:defRPr sz="1800" b="0" i="0" u="none" strike="noStrike" kern="0" cap="none" spc="0" baseline="0%">
+                <a:solidFill>
+                  <a:srgbClr val="000000"/>
+                </a:solidFill>
+                <a:uFillTx/>
+              </a:defRPr>
+            </a:pPr>
+            <a:r>
+              <a:rPr lang="en-US" sz="1800" b="0" i="0" u="none" strike="noStrike" kern="1200" cap="none" spc="0" baseline="0%" dirty="0">
+                <a:solidFill>
+                  <a:srgbClr val="000000"/>
+                </a:solidFill>
+                <a:uFillTx/>
+                <a:latin typeface="Calibri"/>
+                <a:ea typeface="Calibri"/>
+                <a:cs typeface="Calibri"/>
+              </a:rPr>
+              <a:t>2 actionable tasks: 1 executed, 1 up-to-date</a:t>
+            </a:r>
+            <a:endParaRPr lang="en-US" sz="1800" b="0" i="0" u="none" strike="noStrike" kern="1200" cap="none" spc="0" baseline="0%" dirty="0">
+              <a:solidFill>
+                <a:srgbClr val="000000"/>
+              </a:solidFill>
+              <a:uFillTx/>
+              <a:latin typeface="Calibri"/>
+              <a:cs typeface="Calibri"/>
+            </a:endParaRPr>
+          </a:p>
+        </p:txBody>
+      </p:sp>
+    </p:spTree>
+  </p:cSld>
+  <p:clrMapOvr>
+    <a:masterClrMapping/>
+  </p:clrMapOvr>
+</p:sld>
+</file>
+
+<file path=ppt/slides/slide21.xml><?xml version="1.0" encoding="utf-8"?>
+<p:sld xmlns:a="http://purl.oclc.org/ooxml/drawingml/main" xmlns:r="http://purl.oclc.org/ooxml/officeDocument/relationships" xmlns:p="http://purl.oclc.org/ooxml/presentationml/main">
+  <p:cSld name="Slide10">
+    <p:spTree>
+      <p:nvGrpSpPr>
+        <p:cNvPr id="1" name=""/>
+        <p:cNvGrpSpPr/>
+        <p:nvPr/>
+      </p:nvGrpSpPr>
+      <p:grpSpPr>
+        <a:xfrm>
+          <a:off x="0" y="0"/>
+          <a:ext cx="0" cy="0"/>
+          <a:chOff x="0" y="0"/>
+          <a:chExt cx="0" cy="0"/>
+        </a:xfrm>
+      </p:grpSpPr>
+      <p:sp>
+        <p:nvSpPr>
+          <p:cNvPr id="2" name="Title 1">
+            <a:extLst>
+              <a:ext uri="{FF2B5EF4-FFF2-40B4-BE49-F238E27FC236}">
+                <a16:creationId xmlns:a16="http://schemas.microsoft.com/office/drawing/2014/main" id="{492C36A4-1C58-4EFB-B95F-F91FE9068026}"/>
+              </a:ext>
+            </a:extLst>
+          </p:cNvPr>
+          <p:cNvSpPr txBox="1">
+            <a:spLocks noGrp="1"/>
+          </p:cNvSpPr>
+          <p:nvPr>
+            <p:ph type="title"/>
+          </p:nvPr>
+        </p:nvSpPr>
+        <p:spPr>
+          <a:xfrm>
+            <a:off x="677332" y="609603"/>
+            <a:ext cx="8596667" cy="757123"/>
+          </a:xfrm>
+        </p:spPr>
+        <p:txBody>
+          <a:bodyPr/>
+          <a:lstStyle/>
+          <a:p>
+            <a:pPr lvl="0"/>
+            <a:r>
+              <a:rPr lang="en-US"/>
+              <a:t>Define our app and modify build</a:t>
+            </a:r>
+          </a:p>
+        </p:txBody>
+      </p:sp>
+      <p:sp>
+        <p:nvSpPr>
+          <p:cNvPr id="3" name="TextBox 2">
+            <a:extLst>
+              <a:ext uri="{FF2B5EF4-FFF2-40B4-BE49-F238E27FC236}">
+                <a16:creationId xmlns:a16="http://schemas.microsoft.com/office/drawing/2014/main" id="{0994C0C0-A936-4AE4-A8D5-C0A08E4BA080}"/>
+              </a:ext>
+            </a:extLst>
+          </p:cNvPr>
+          <p:cNvSpPr txBox="1"/>
+          <p:nvPr/>
+        </p:nvSpPr>
+        <p:spPr>
+          <a:xfrm>
+            <a:off x="194154" y="1582451"/>
+            <a:ext cx="11803687" cy="2000551"/>
+          </a:xfrm>
+          <a:prstGeom prst="rect">
+            <a:avLst/>
+          </a:prstGeom>
+          <a:noFill/>
+          <a:ln cap="flat">
+            <a:noFill/>
+          </a:ln>
+        </p:spPr>
+        <p:txBody>
+          <a:bodyPr vert="horz" wrap="square" lIns="91440" tIns="45720" rIns="91440" bIns="45720" anchor="t" anchorCtr="0" compatLnSpc="1">
+            <a:spAutoFit/>
+          </a:bodyPr>
+          <a:lstStyle/>
+          <a:p>
+            <a:pPr marL="0" marR="0" lvl="0" indent="0" algn="l" defTabSz="914400" rtl="0" fontAlgn="auto" hangingPunct="1">
+              <a:lnSpc>
+                <a:spcPct val="100%"/>
+              </a:lnSpc>
+              <a:spcBef>
+                <a:spcPts val="0"/>
+              </a:spcBef>
+              <a:spcAft>
+                <a:spcPts val="0"/>
+              </a:spcAft>
+              <a:buNone/>
+              <a:tabLst/>
+              <a:defRPr sz="1800" b="0" i="0" u="none" strike="noStrike" kern="0" cap="none" spc="0" baseline="0%">
+                <a:solidFill>
+                  <a:srgbClr val="000000"/>
+                </a:solidFill>
+                <a:uFillTx/>
+              </a:defRPr>
+            </a:pPr>
+            <a:r>
+              <a:rPr lang="en-US" sz="2400" b="0" i="1" u="none" strike="noStrike" kern="1200" cap="none" spc="0" baseline="0%" dirty="0">
+                <a:solidFill>
+                  <a:srgbClr val="000000"/>
+                </a:solidFill>
+                <a:uFillTx/>
+                <a:latin typeface="Consolas"/>
+              </a:rPr>
+              <a:t>application </a:t>
+            </a:r>
+            <a:r>
+              <a:rPr lang="en-US" sz="2400" b="1" i="0" u="none" strike="noStrike" kern="1200" cap="none" spc="0" baseline="0%" dirty="0">
+                <a:solidFill>
+                  <a:srgbClr val="000000"/>
+                </a:solidFill>
+                <a:uFillTx/>
+                <a:latin typeface="Consolas"/>
+              </a:rPr>
+              <a:t>{</a:t>
+            </a:r>
+            <a:br>
+              <a:rPr lang="en-US" sz="2400" b="1" i="0" u="none" strike="noStrike" kern="1200" cap="none" spc="0" baseline="0%" dirty="0">
+                <a:solidFill>
+                  <a:srgbClr val="000000"/>
+                </a:solidFill>
+                <a:uFillTx/>
+                <a:latin typeface="Consolas"/>
+              </a:rPr>
+            </a:br>
+            <a:r>
+              <a:rPr lang="en-US" sz="2400" b="1" i="0" u="none" strike="noStrike" kern="1200" cap="none" spc="0" baseline="0%" dirty="0">
+                <a:solidFill>
+                  <a:srgbClr val="000000"/>
+                </a:solidFill>
+                <a:uFillTx/>
+                <a:latin typeface="Consolas"/>
+              </a:rPr>
+              <a:t>    </a:t>
+            </a:r>
+            <a:r>
+              <a:rPr lang="en-US" sz="2400" b="0" i="1" u="none" strike="noStrike" kern="1200" cap="none" spc="0" baseline="0%" dirty="0">
+                <a:solidFill>
+                  <a:srgbClr val="000000"/>
+                </a:solidFill>
+                <a:uFillTx/>
+                <a:latin typeface="Consolas"/>
+              </a:rPr>
+              <a:t>// Define the main class for the application.</a:t>
+            </a:r>
+            <a:br>
+              <a:rPr lang="en-US" sz="2400" b="0" i="1" u="none" strike="noStrike" kern="1200" cap="none" spc="0" baseline="0%" dirty="0">
+                <a:solidFill>
+                  <a:srgbClr val="000000"/>
+                </a:solidFill>
+                <a:uFillTx/>
+                <a:latin typeface="Consolas"/>
+              </a:rPr>
+            </a:br>
+            <a:r>
+              <a:rPr lang="en-US" sz="2400" b="0" i="1" u="none" strike="noStrike" kern="1200" cap="none" spc="0" baseline="0%" dirty="0">
+                <a:solidFill>
+                  <a:srgbClr val="000000"/>
+                </a:solidFill>
+                <a:uFillTx/>
+                <a:latin typeface="Consolas"/>
+              </a:rPr>
+              <a:t>    //</a:t>
+            </a:r>
+            <a:r>
+              <a:rPr lang="en-US" sz="2400" b="0" i="1" u="none" strike="noStrike" kern="1200" cap="none" spc="0" baseline="0%" dirty="0" err="1">
+                <a:solidFill>
+                  <a:srgbClr val="000000"/>
+                </a:solidFill>
+                <a:uFillTx/>
+                <a:latin typeface="Consolas"/>
+              </a:rPr>
+              <a:t>mainClass.set</a:t>
+            </a:r>
+            <a:r>
+              <a:rPr lang="en-US" sz="2400" b="0" i="1" u="none" strike="noStrike" kern="1200" cap="none" spc="0" baseline="0%" dirty="0">
+                <a:solidFill>
+                  <a:srgbClr val="000000"/>
+                </a:solidFill>
+                <a:uFillTx/>
+                <a:latin typeface="Consolas"/>
+              </a:rPr>
+              <a:t>("</a:t>
+            </a:r>
+            <a:r>
+              <a:rPr lang="en-US" sz="2400" b="0" i="1" u="none" strike="noStrike" kern="1200" cap="none" spc="0" baseline="0%" dirty="0" err="1">
+                <a:solidFill>
+                  <a:srgbClr val="000000"/>
+                </a:solidFill>
+                <a:uFillTx/>
+                <a:latin typeface="Consolas"/>
+              </a:rPr>
+              <a:t>it.unibo.wenvusage.App</a:t>
+            </a:r>
+            <a:r>
+              <a:rPr lang="en-US" sz="2400" b="0" i="1" u="none" strike="noStrike" kern="1200" cap="none" spc="0" baseline="0%" dirty="0">
+                <a:solidFill>
+                  <a:srgbClr val="000000"/>
+                </a:solidFill>
+                <a:uFillTx/>
+                <a:latin typeface="Consolas"/>
+              </a:rPr>
+              <a:t>")    //ORIGINAL</a:t>
+            </a:r>
+            <a:br>
+              <a:rPr lang="en-US" sz="2400" b="0" i="1" u="none" strike="noStrike" kern="1200" cap="none" spc="0" baseline="0%" dirty="0">
+                <a:solidFill>
+                  <a:srgbClr val="000000"/>
+                </a:solidFill>
+                <a:uFillTx/>
+                <a:latin typeface="Consolas"/>
+              </a:rPr>
+            </a:br>
+            <a:r>
+              <a:rPr lang="en-US" sz="2400" b="0" i="1" u="none" strike="noStrike" kern="1200" cap="none" spc="0" baseline="0%" dirty="0">
+                <a:solidFill>
+                  <a:srgbClr val="000000"/>
+                </a:solidFill>
+                <a:uFillTx/>
+                <a:latin typeface="Consolas"/>
+              </a:rPr>
+              <a:t>    </a:t>
+            </a:r>
+            <a:r>
+              <a:rPr lang="en-US" sz="2800" b="0" i="1" u="none" strike="noStrike" kern="1200" cap="none" spc="0" baseline="0%" dirty="0" err="1">
+                <a:solidFill>
+                  <a:srgbClr val="C00000"/>
+                </a:solidFill>
+                <a:uFillTx/>
+                <a:latin typeface="Consolas"/>
+              </a:rPr>
+              <a:t>mainClass</a:t>
+            </a:r>
+            <a:r>
+              <a:rPr lang="en-US" sz="2800" b="0" i="0" u="none" strike="noStrike" kern="1200" cap="none" spc="0" baseline="0%" dirty="0" err="1">
+                <a:solidFill>
+                  <a:srgbClr val="C00000"/>
+                </a:solidFill>
+                <a:uFillTx/>
+                <a:latin typeface="Consolas"/>
+              </a:rPr>
+              <a:t>.set</a:t>
+            </a:r>
+            <a:r>
+              <a:rPr lang="en-US" sz="2800" b="0" i="0" u="none" strike="noStrike" kern="1200" cap="none" spc="0" baseline="0%" dirty="0">
+                <a:solidFill>
+                  <a:srgbClr val="C00000"/>
+                </a:solidFill>
+                <a:uFillTx/>
+                <a:latin typeface="Consolas"/>
+              </a:rPr>
+              <a:t>("</a:t>
+            </a:r>
+            <a:r>
+              <a:rPr lang="en-US" sz="2800" b="0" i="0" u="none" strike="noStrike" kern="1200" cap="none" spc="0" baseline="0%" dirty="0" err="1">
+                <a:solidFill>
+                  <a:srgbClr val="0070C0"/>
+                </a:solidFill>
+                <a:uFillTx/>
+                <a:latin typeface="Consolas"/>
+              </a:rPr>
+              <a:t>it.unibo.wenvusage.MoveVirtualRobot</a:t>
+            </a:r>
+            <a:r>
+              <a:rPr lang="en-US" sz="2800" b="0" i="0" u="none" strike="noStrike" kern="1200" cap="none" spc="0" baseline="0%" dirty="0">
+                <a:solidFill>
+                  <a:srgbClr val="C00000"/>
+                </a:solidFill>
+                <a:uFillTx/>
+                <a:latin typeface="Consolas"/>
+              </a:rPr>
+              <a:t>") </a:t>
+            </a:r>
+            <a:r>
+              <a:rPr lang="en-US" sz="2400" b="0" i="0" u="none" strike="noStrike" kern="1200" cap="none" spc="0" baseline="0%" dirty="0">
+                <a:solidFill>
+                  <a:srgbClr val="000000"/>
+                </a:solidFill>
+                <a:uFillTx/>
+                <a:latin typeface="Consolas"/>
+              </a:rPr>
+              <a:t>   </a:t>
+            </a:r>
+            <a:endParaRPr lang="en-US" sz="2400" b="0" i="0" u="none" strike="noStrike" kern="1200" cap="none" spc="0" baseline="0%" dirty="0">
+              <a:solidFill>
+                <a:srgbClr val="000000"/>
+              </a:solidFill>
+              <a:uFillTx/>
+              <a:latin typeface="Calibri"/>
+              <a:cs typeface="Calibri"/>
+            </a:endParaRPr>
+          </a:p>
+          <a:p>
+            <a:pPr marL="0" marR="0" lvl="0" indent="0" algn="l" defTabSz="914400" rtl="0" fontAlgn="auto" hangingPunct="1">
+              <a:lnSpc>
+                <a:spcPct val="100%"/>
+              </a:lnSpc>
+              <a:spcBef>
+                <a:spcPts val="0"/>
+              </a:spcBef>
+              <a:spcAft>
+                <a:spcPts val="0"/>
+              </a:spcAft>
+              <a:buNone/>
+              <a:tabLst/>
+              <a:defRPr sz="1800" b="0" i="0" u="none" strike="noStrike" kern="0" cap="none" spc="0" baseline="0%">
+                <a:solidFill>
+                  <a:srgbClr val="000000"/>
+                </a:solidFill>
+                <a:uFillTx/>
+              </a:defRPr>
+            </a:pPr>
+            <a:r>
               <a:rPr lang="en-US" sz="2400" b="0" i="0" u="none" strike="noStrike" kern="1200" cap="none" spc="0" baseline="0%" dirty="0">
                 <a:solidFill>
                   <a:srgbClr val="000000"/>
@@ -23012,7 +24265,7 @@
 </p:sld>
 </file>
 
-<file path=ppt/slides/slide21.xml><?xml version="1.0" encoding="utf-8"?>
+<file path=ppt/slides/slide22.xml><?xml version="1.0" encoding="utf-8"?>
 <p:sld xmlns:a="http://purl.oclc.org/ooxml/drawingml/main" xmlns:r="http://purl.oclc.org/ooxml/officeDocument/relationships" xmlns:p="http://purl.oclc.org/ooxml/presentationml/main">
   <p:cSld name="Slide12">
     <p:spTree>

--- a/it.unibo.issLabStart/userDocs/BoundaryProblem.pptx
+++ b/it.unibo.issLabStart/userDocs/BoundaryProblem.pptx
@@ -376,7 +376,7 @@
           <a:p>
             <a:fld id="{28CFC100-3D62-4C71-9355-D1406CF01766}" type="slidenum">
               <a:rPr lang="en-US" smtClean="0"/>
-              <a:t>‹#›</a:t>
+              <a:t>‹N›</a:t>
             </a:fld>
             <a:endParaRPr lang="en-US"/>
           </a:p>
@@ -2219,7 +2219,7 @@
           <a:p>
             <a:pPr lvl="0"/>
             <a:fld id="{FEBEED23-3CB0-4314-8E77-F77AE33DDC27}" type="slidenum">
-              <a:t>‹#›</a:t>
+              <a:t>‹N›</a:t>
             </a:fld>
             <a:endParaRPr lang="en-US"/>
           </a:p>
@@ -2424,7 +2424,7 @@
           <a:p>
             <a:pPr lvl="0"/>
             <a:fld id="{C85F89E6-E841-433D-9226-E1980481D595}" type="slidenum">
-              <a:t>‹#›</a:t>
+              <a:t>‹N›</a:t>
             </a:fld>
             <a:endParaRPr lang="en-US"/>
           </a:p>
@@ -2674,7 +2674,7 @@
           <a:p>
             <a:pPr lvl="0"/>
             <a:fld id="{25E8B9DC-1601-4E89-9BF3-67798058929C}" type="slidenum">
-              <a:t>‹#›</a:t>
+              <a:t>‹N›</a:t>
             </a:fld>
             <a:endParaRPr lang="en-US"/>
           </a:p>
@@ -3012,7 +3012,7 @@
           <a:p>
             <a:pPr lvl="0"/>
             <a:fld id="{86011E27-E238-48D1-8B6B-308E3305A798}" type="slidenum">
-              <a:t>‹#›</a:t>
+              <a:t>‹N›</a:t>
             </a:fld>
             <a:endParaRPr lang="en-US"/>
           </a:p>
@@ -3262,7 +3262,7 @@
           <a:p>
             <a:pPr lvl="0"/>
             <a:fld id="{3838CB40-8488-4632-BEE4-1726605F46A2}" type="slidenum">
-              <a:t>‹#›</a:t>
+              <a:t>‹N›</a:t>
             </a:fld>
             <a:endParaRPr lang="en-US"/>
           </a:p>
@@ -3642,7 +3642,7 @@
           <a:p>
             <a:pPr lvl="0"/>
             <a:fld id="{DF155DDB-B265-4385-85EB-9BB6F96920F3}" type="slidenum">
-              <a:t>‹#›</a:t>
+              <a:t>‹N›</a:t>
             </a:fld>
             <a:endParaRPr lang="en-US"/>
           </a:p>
@@ -3876,7 +3876,7 @@
           <a:p>
             <a:pPr lvl="0"/>
             <a:fld id="{AFBA4CC0-DF28-4594-B397-0B69C273FCC7}" type="slidenum">
-              <a:t>‹#›</a:t>
+              <a:t>‹N›</a:t>
             </a:fld>
             <a:endParaRPr lang="en-US"/>
           </a:p>
@@ -4120,7 +4120,7 @@
           <a:p>
             <a:pPr lvl="0"/>
             <a:fld id="{EFAAD9BC-2D0C-483F-8155-9F1E48F77017}" type="slidenum">
-              <a:t>‹#›</a:t>
+              <a:t>‹N›</a:t>
             </a:fld>
             <a:endParaRPr lang="en-US"/>
           </a:p>
@@ -4354,7 +4354,7 @@
           <a:p>
             <a:pPr lvl="0"/>
             <a:fld id="{7548A338-ED36-4B02-8A7A-B62AA2999902}" type="slidenum">
-              <a:t>‹#›</a:t>
+              <a:t>‹N›</a:t>
             </a:fld>
             <a:endParaRPr lang="en-US"/>
           </a:p>
@@ -4563,7 +4563,7 @@
           <a:p>
             <a:pPr lvl="0"/>
             <a:fld id="{864A4FA9-6AAC-4551-B51D-2A8210D0C5CC}" type="slidenum">
-              <a:t>‹#›</a:t>
+              <a:t>‹N›</a:t>
             </a:fld>
             <a:endParaRPr lang="en-US"/>
           </a:p>
@@ -4880,7 +4880,7 @@
           <a:p>
             <a:pPr lvl="0"/>
             <a:fld id="{3B82688E-5447-4477-9F70-BCD59116F07E}" type="slidenum">
-              <a:t>‹#›</a:t>
+              <a:t>‹N›</a:t>
             </a:fld>
             <a:endParaRPr lang="en-US"/>
           </a:p>
@@ -5279,7 +5279,7 @@
           <a:p>
             <a:pPr lvl="0"/>
             <a:fld id="{CB2E60DC-FEE2-4D8E-B96B-62896C0CB29E}" type="slidenum">
-              <a:t>‹#›</a:t>
+              <a:t>‹N›</a:t>
             </a:fld>
             <a:endParaRPr lang="en-US"/>
           </a:p>
@@ -5440,7 +5440,7 @@
           <a:p>
             <a:pPr lvl="0"/>
             <a:fld id="{89A43199-AD0E-4750-B27B-4C1D93A2EA32}" type="slidenum">
-              <a:t>‹#›</a:t>
+              <a:t>‹N›</a:t>
             </a:fld>
             <a:endParaRPr lang="en-US"/>
           </a:p>
@@ -5569,7 +5569,7 @@
           <a:p>
             <a:pPr lvl="0"/>
             <a:fld id="{1770E780-0E85-498B-B658-B69898171ACB}" type="slidenum">
-              <a:t>‹#›</a:t>
+              <a:t>‹N›</a:t>
             </a:fld>
             <a:endParaRPr lang="en-US"/>
           </a:p>
@@ -5852,7 +5852,7 @@
           <a:p>
             <a:pPr lvl="0"/>
             <a:fld id="{7AC017E1-2DD0-4D42-9E09-06ADDE3F63D7}" type="slidenum">
-              <a:t>‹#›</a:t>
+              <a:t>‹N›</a:t>
             </a:fld>
             <a:endParaRPr lang="en-US"/>
           </a:p>
@@ -6096,7 +6096,7 @@
           <a:p>
             <a:pPr lvl="0"/>
             <a:fld id="{3B62C8DE-7929-43A8-9BA2-34E07DFC7D3C}" type="slidenum">
-              <a:t>‹#›</a:t>
+              <a:t>‹N›</a:t>
             </a:fld>
             <a:endParaRPr lang="en-US"/>
           </a:p>
@@ -7644,7 +7644,7 @@
           <a:p>
             <a:pPr lvl="0"/>
             <a:fld id="{5FDB0281-6497-4923-A6A9-684DC7375417}" type="slidenum">
-              <a:t>‹#›</a:t>
+              <a:t>‹N›</a:t>
             </a:fld>
             <a:endParaRPr lang="en-US"/>
           </a:p>
@@ -18377,8 +18377,8 @@
         </p:nvGrpSpPr>
         <p:grpSpPr>
           <a:xfrm>
-            <a:off x="6999000" y="1120965"/>
-            <a:ext cx="1715629" cy="1733553"/>
+            <a:off x="2235320" y="1120462"/>
+            <a:ext cx="2630809" cy="2478014"/>
             <a:chOff x="565700" y="4940367"/>
             <a:chExt cx="805955" cy="772447"/>
           </a:xfrm>
@@ -18403,6 +18403,9 @@
             <a:prstGeom prst="ellipse">
               <a:avLst/>
             </a:prstGeom>
+            <a:solidFill>
+              <a:srgbClr val="CCFF99"/>
+            </a:solidFill>
             <a:ln/>
           </p:spPr>
           <p:style>
@@ -18498,7 +18501,7 @@
         </p:nvSpPr>
         <p:spPr>
           <a:xfrm>
-            <a:off x="6463281" y="1344710"/>
+            <a:off x="1749402" y="2017594"/>
             <a:ext cx="914400" cy="314793"/>
           </a:xfrm>
           <a:prstGeom prst="rect">
@@ -18559,7 +18562,7 @@
         </p:nvGrpSpPr>
         <p:grpSpPr>
           <a:xfrm>
-            <a:off x="7480322" y="1534142"/>
+            <a:off x="2641190" y="1501800"/>
             <a:ext cx="866156" cy="763297"/>
             <a:chOff x="1194666" y="2417771"/>
             <a:chExt cx="866156" cy="763297"/>
@@ -18717,178 +18720,6 @@
           </p:txBody>
         </p:sp>
       </p:grpSp>
-      <p:grpSp>
-        <p:nvGrpSpPr>
-          <p:cNvPr id="10" name="Gruppo 26">
-            <a:extLst>
-              <a:ext uri="{FF2B5EF4-FFF2-40B4-BE49-F238E27FC236}">
-                <a16:creationId xmlns:a16="http://schemas.microsoft.com/office/drawing/2014/main" id="{DC169D7E-384D-4A74-BDE4-6A7E02B0E6FA}"/>
-              </a:ext>
-            </a:extLst>
-          </p:cNvPr>
-          <p:cNvGrpSpPr/>
-          <p:nvPr/>
-        </p:nvGrpSpPr>
-        <p:grpSpPr>
-          <a:xfrm>
-            <a:off x="2591595" y="1362420"/>
-            <a:ext cx="866156" cy="763297"/>
-            <a:chOff x="1194666" y="2417771"/>
-            <a:chExt cx="866156" cy="763297"/>
-          </a:xfrm>
-        </p:grpSpPr>
-        <p:sp>
-          <p:nvSpPr>
-            <p:cNvPr id="11" name="Ovale 27">
-              <a:extLst>
-                <a:ext uri="{FF2B5EF4-FFF2-40B4-BE49-F238E27FC236}">
-                  <a16:creationId xmlns:a16="http://schemas.microsoft.com/office/drawing/2014/main" id="{3BB7298E-ACF6-4161-9FA2-6A08C196A477}"/>
-                </a:ext>
-              </a:extLst>
-            </p:cNvPr>
-            <p:cNvSpPr/>
-            <p:nvPr/>
-          </p:nvSpPr>
-          <p:spPr>
-            <a:xfrm>
-              <a:off x="1311101" y="2460988"/>
-              <a:ext cx="749721" cy="720080"/>
-            </a:xfrm>
-            <a:prstGeom prst="ellipse">
-              <a:avLst/>
-            </a:prstGeom>
-            <a:solidFill>
-              <a:srgbClr val="FFCCFF"/>
-            </a:solidFill>
-            <a:ln/>
-          </p:spPr>
-          <p:style>
-            <a:lnRef idx="1">
-              <a:schemeClr val="accent5"/>
-            </a:lnRef>
-            <a:fillRef idx="2">
-              <a:schemeClr val="accent5"/>
-            </a:fillRef>
-            <a:effectRef idx="1">
-              <a:schemeClr val="accent5"/>
-            </a:effectRef>
-            <a:fontRef idx="minor">
-              <a:schemeClr val="dk1"/>
-            </a:fontRef>
-          </p:style>
-          <p:txBody>
-            <a:bodyPr rtlCol="0" anchor="ctr"/>
-            <a:lstStyle/>
-            <a:p>
-              <a:pPr algn="ctr"/>
-              <a:r>
-                <a:rPr lang="en-GB" sz="1200" dirty="0"/>
-                <a:t> </a:t>
-              </a:r>
-            </a:p>
-          </p:txBody>
-        </p:sp>
-        <p:sp>
-          <p:nvSpPr>
-            <p:cNvPr id="12" name="Rettangolo 28">
-              <a:extLst>
-                <a:ext uri="{FF2B5EF4-FFF2-40B4-BE49-F238E27FC236}">
-                  <a16:creationId xmlns:a16="http://schemas.microsoft.com/office/drawing/2014/main" id="{F020AF04-7163-4BE8-B16C-F909328302F8}"/>
-                </a:ext>
-              </a:extLst>
-            </p:cNvPr>
-            <p:cNvSpPr/>
-            <p:nvPr/>
-          </p:nvSpPr>
-          <p:spPr>
-            <a:xfrm>
-              <a:off x="1194666" y="2699711"/>
-              <a:ext cx="281433" cy="211952"/>
-            </a:xfrm>
-            <a:prstGeom prst="rect">
-              <a:avLst/>
-            </a:prstGeom>
-            <a:solidFill>
-              <a:srgbClr val="FFCCFF"/>
-            </a:solidFill>
-            <a:ln/>
-          </p:spPr>
-          <p:style>
-            <a:lnRef idx="1">
-              <a:schemeClr val="accent5"/>
-            </a:lnRef>
-            <a:fillRef idx="2">
-              <a:schemeClr val="accent5"/>
-            </a:fillRef>
-            <a:effectRef idx="1">
-              <a:schemeClr val="accent5"/>
-            </a:effectRef>
-            <a:fontRef idx="minor">
-              <a:schemeClr val="dk1"/>
-            </a:fontRef>
-          </p:style>
-          <p:txBody>
-            <a:bodyPr rtlCol="0" anchor="ctr"/>
-            <a:lstStyle/>
-            <a:p>
-              <a:pPr algn="ctr"/>
-              <a:endParaRPr lang="en-GB" sz="1200"/>
-            </a:p>
-          </p:txBody>
-        </p:sp>
-        <p:sp>
-          <p:nvSpPr>
-            <p:cNvPr id="13" name="Triangolo isoscele 29">
-              <a:extLst>
-                <a:ext uri="{FF2B5EF4-FFF2-40B4-BE49-F238E27FC236}">
-                  <a16:creationId xmlns:a16="http://schemas.microsoft.com/office/drawing/2014/main" id="{EAE07B6F-E3B9-4DBB-91AE-E423F59307F3}"/>
-                </a:ext>
-              </a:extLst>
-            </p:cNvPr>
-            <p:cNvSpPr/>
-            <p:nvPr/>
-          </p:nvSpPr>
-          <p:spPr>
-            <a:xfrm rot="16200000">
-              <a:off x="1618539" y="2391356"/>
-              <a:ext cx="86434" cy="139263"/>
-            </a:xfrm>
-            <a:prstGeom prst="triangle">
-              <a:avLst/>
-            </a:prstGeom>
-            <a:solidFill>
-              <a:srgbClr val="FF0000"/>
-            </a:solidFill>
-            <a:ln/>
-          </p:spPr>
-          <p:style>
-            <a:lnRef idx="1">
-              <a:schemeClr val="accent5"/>
-            </a:lnRef>
-            <a:fillRef idx="2">
-              <a:schemeClr val="accent5"/>
-            </a:fillRef>
-            <a:effectRef idx="1">
-              <a:schemeClr val="accent5"/>
-            </a:effectRef>
-            <a:fontRef idx="minor">
-              <a:schemeClr val="dk1"/>
-            </a:fontRef>
-          </p:style>
-          <p:txBody>
-            <a:bodyPr rtlCol="0" anchor="ctr"/>
-            <a:lstStyle/>
-            <a:p>
-              <a:pPr algn="ctr"/>
-              <a:endParaRPr lang="en-GB" sz="1200">
-                <a:solidFill>
-                  <a:schemeClr val="dk1"/>
-                </a:solidFill>
-              </a:endParaRPr>
-            </a:p>
-          </p:txBody>
-        </p:sp>
-      </p:grpSp>
       <p:sp>
         <p:nvSpPr>
           <p:cNvPr id="14" name="TextBox 13">
@@ -18903,7 +18734,7 @@
         </p:nvSpPr>
         <p:spPr>
           <a:xfrm>
-            <a:off x="6875984" y="2441498"/>
+            <a:off x="1217570" y="2999129"/>
             <a:ext cx="1838645" cy="369332"/>
           </a:xfrm>
           <a:prstGeom prst="rect">
@@ -18939,7 +18770,7 @@
         </p:nvSpPr>
         <p:spPr>
           <a:xfrm>
-            <a:off x="2429378" y="2168935"/>
+            <a:off x="342201" y="3797888"/>
             <a:ext cx="1258614" cy="369332"/>
           </a:xfrm>
           <a:prstGeom prst="rect">
@@ -18975,7 +18806,7 @@
         </p:nvGrpSpPr>
         <p:grpSpPr>
           <a:xfrm>
-            <a:off x="2124505" y="3328553"/>
+            <a:off x="2032086" y="5693942"/>
             <a:ext cx="866156" cy="763297"/>
             <a:chOff x="1194666" y="2417771"/>
             <a:chExt cx="866156" cy="763297"/>
@@ -19147,7 +18978,7 @@
         </p:nvSpPr>
         <p:spPr>
           <a:xfrm>
-            <a:off x="1962288" y="4135068"/>
+            <a:off x="1840805" y="6356618"/>
             <a:ext cx="2114874" cy="369332"/>
           </a:xfrm>
           <a:prstGeom prst="rect">
@@ -19183,7 +19014,7 @@
         </p:nvGrpSpPr>
         <p:grpSpPr>
           <a:xfrm>
-            <a:off x="4614589" y="3647178"/>
+            <a:off x="4187941" y="5593321"/>
             <a:ext cx="866156" cy="763297"/>
             <a:chOff x="1194666" y="2417771"/>
             <a:chExt cx="866156" cy="763297"/>
@@ -19355,7 +19186,7 @@
         </p:nvSpPr>
         <p:spPr>
           <a:xfrm>
-            <a:off x="4452372" y="4453693"/>
+            <a:off x="4025724" y="6399836"/>
             <a:ext cx="1930337" cy="369332"/>
           </a:xfrm>
           <a:prstGeom prst="rect">
@@ -19391,7 +19222,7 @@
         </p:nvGrpSpPr>
         <p:grpSpPr>
           <a:xfrm>
-            <a:off x="6808510" y="3822445"/>
+            <a:off x="6252328" y="5682153"/>
             <a:ext cx="866156" cy="763297"/>
             <a:chOff x="1194666" y="2417771"/>
             <a:chExt cx="866156" cy="763297"/>
@@ -19563,7 +19394,7 @@
         </p:nvSpPr>
         <p:spPr>
           <a:xfrm>
-            <a:off x="6646293" y="4628960"/>
+            <a:off x="6090111" y="6488668"/>
             <a:ext cx="1672381" cy="369332"/>
           </a:xfrm>
           <a:prstGeom prst="rect">
@@ -19582,6 +19413,2735 @@
               <a:t>StepRobotActor</a:t>
             </a:r>
             <a:endParaRPr lang="en-US" dirty="0"/>
+          </a:p>
+        </p:txBody>
+      </p:sp>
+      <p:sp>
+        <p:nvSpPr>
+          <p:cNvPr id="41" name="TextBox 13">
+            <a:extLst>
+              <a:ext uri="{FF2B5EF4-FFF2-40B4-BE49-F238E27FC236}">
+                <a16:creationId xmlns:a16="http://schemas.microsoft.com/office/drawing/2014/main" id="{BA9A85A1-CCC3-42D8-AA89-8A0F5BDFA20F}"/>
+              </a:ext>
+            </a:extLst>
+          </p:cNvPr>
+          <p:cNvSpPr txBox="1"/>
+          <p:nvPr/>
+        </p:nvSpPr>
+        <p:spPr>
+          <a:xfrm>
+            <a:off x="2989938" y="1728632"/>
+            <a:ext cx="1860766" cy="307777"/>
+          </a:xfrm>
+          <a:prstGeom prst="rect">
+            <a:avLst/>
+          </a:prstGeom>
+          <a:noFill/>
+        </p:spPr>
+        <p:txBody>
+          <a:bodyPr wrap="none" rtlCol="0">
+            <a:spAutoFit/>
+          </a:bodyPr>
+          <a:lstStyle/>
+          <a:p>
+            <a:r>
+              <a:rPr lang="en-US" sz="1400" dirty="0" err="1"/>
+              <a:t>ActorContextTcpServer</a:t>
+            </a:r>
+            <a:endParaRPr lang="en-US" sz="1400" dirty="0"/>
+          </a:p>
+        </p:txBody>
+      </p:sp>
+      <p:grpSp>
+        <p:nvGrpSpPr>
+          <p:cNvPr id="42" name="Gruppo 26">
+            <a:extLst>
+              <a:ext uri="{FF2B5EF4-FFF2-40B4-BE49-F238E27FC236}">
+                <a16:creationId xmlns:a16="http://schemas.microsoft.com/office/drawing/2014/main" id="{9ABB4138-2DBD-4D20-8DC7-270BAD0DB888}"/>
+              </a:ext>
+            </a:extLst>
+          </p:cNvPr>
+          <p:cNvGrpSpPr/>
+          <p:nvPr/>
+        </p:nvGrpSpPr>
+        <p:grpSpPr>
+          <a:xfrm>
+            <a:off x="3489905" y="2527199"/>
+            <a:ext cx="866156" cy="763297"/>
+            <a:chOff x="1194666" y="2417771"/>
+            <a:chExt cx="866156" cy="763297"/>
+          </a:xfrm>
+        </p:grpSpPr>
+        <p:sp>
+          <p:nvSpPr>
+            <p:cNvPr id="43" name="Ovale 27">
+              <a:extLst>
+                <a:ext uri="{FF2B5EF4-FFF2-40B4-BE49-F238E27FC236}">
+                  <a16:creationId xmlns:a16="http://schemas.microsoft.com/office/drawing/2014/main" id="{B88FB485-B9CE-4ADD-8DF7-4E306EF56F13}"/>
+                </a:ext>
+              </a:extLst>
+            </p:cNvPr>
+            <p:cNvSpPr/>
+            <p:nvPr/>
+          </p:nvSpPr>
+          <p:spPr>
+            <a:xfrm>
+              <a:off x="1311101" y="2460988"/>
+              <a:ext cx="749721" cy="720080"/>
+            </a:xfrm>
+            <a:prstGeom prst="ellipse">
+              <a:avLst/>
+            </a:prstGeom>
+            <a:solidFill>
+              <a:srgbClr val="FFCCFF"/>
+            </a:solidFill>
+            <a:ln/>
+          </p:spPr>
+          <p:style>
+            <a:lnRef idx="1">
+              <a:schemeClr val="accent5"/>
+            </a:lnRef>
+            <a:fillRef idx="2">
+              <a:schemeClr val="accent5"/>
+            </a:fillRef>
+            <a:effectRef idx="1">
+              <a:schemeClr val="accent5"/>
+            </a:effectRef>
+            <a:fontRef idx="minor">
+              <a:schemeClr val="dk1"/>
+            </a:fontRef>
+          </p:style>
+          <p:txBody>
+            <a:bodyPr rtlCol="0" anchor="ctr"/>
+            <a:lstStyle/>
+            <a:p>
+              <a:pPr algn="ctr"/>
+              <a:r>
+                <a:rPr lang="en-GB" sz="1200" dirty="0"/>
+                <a:t> </a:t>
+              </a:r>
+            </a:p>
+          </p:txBody>
+        </p:sp>
+        <p:sp>
+          <p:nvSpPr>
+            <p:cNvPr id="44" name="Rettangolo 28">
+              <a:extLst>
+                <a:ext uri="{FF2B5EF4-FFF2-40B4-BE49-F238E27FC236}">
+                  <a16:creationId xmlns:a16="http://schemas.microsoft.com/office/drawing/2014/main" id="{86D58737-230F-41EF-89F2-D3F131F398B6}"/>
+                </a:ext>
+              </a:extLst>
+            </p:cNvPr>
+            <p:cNvSpPr/>
+            <p:nvPr/>
+          </p:nvSpPr>
+          <p:spPr>
+            <a:xfrm>
+              <a:off x="1194666" y="2699711"/>
+              <a:ext cx="281433" cy="211952"/>
+            </a:xfrm>
+            <a:prstGeom prst="rect">
+              <a:avLst/>
+            </a:prstGeom>
+            <a:solidFill>
+              <a:srgbClr val="FFCCFF"/>
+            </a:solidFill>
+            <a:ln/>
+          </p:spPr>
+          <p:style>
+            <a:lnRef idx="1">
+              <a:schemeClr val="accent5"/>
+            </a:lnRef>
+            <a:fillRef idx="2">
+              <a:schemeClr val="accent5"/>
+            </a:fillRef>
+            <a:effectRef idx="1">
+              <a:schemeClr val="accent5"/>
+            </a:effectRef>
+            <a:fontRef idx="minor">
+              <a:schemeClr val="dk1"/>
+            </a:fontRef>
+          </p:style>
+          <p:txBody>
+            <a:bodyPr rtlCol="0" anchor="ctr"/>
+            <a:lstStyle/>
+            <a:p>
+              <a:pPr algn="ctr"/>
+              <a:endParaRPr lang="en-GB" sz="1200"/>
+            </a:p>
+          </p:txBody>
+        </p:sp>
+        <p:sp>
+          <p:nvSpPr>
+            <p:cNvPr id="45" name="Triangolo isoscele 29">
+              <a:extLst>
+                <a:ext uri="{FF2B5EF4-FFF2-40B4-BE49-F238E27FC236}">
+                  <a16:creationId xmlns:a16="http://schemas.microsoft.com/office/drawing/2014/main" id="{7CE2774F-2FDF-49B1-A3E1-82EFE04F3348}"/>
+                </a:ext>
+              </a:extLst>
+            </p:cNvPr>
+            <p:cNvSpPr/>
+            <p:nvPr/>
+          </p:nvSpPr>
+          <p:spPr>
+            <a:xfrm rot="16200000">
+              <a:off x="1618539" y="2391356"/>
+              <a:ext cx="86434" cy="139263"/>
+            </a:xfrm>
+            <a:prstGeom prst="triangle">
+              <a:avLst/>
+            </a:prstGeom>
+            <a:solidFill>
+              <a:srgbClr val="FF0000"/>
+            </a:solidFill>
+            <a:ln/>
+          </p:spPr>
+          <p:style>
+            <a:lnRef idx="1">
+              <a:schemeClr val="accent5"/>
+            </a:lnRef>
+            <a:fillRef idx="2">
+              <a:schemeClr val="accent5"/>
+            </a:fillRef>
+            <a:effectRef idx="1">
+              <a:schemeClr val="accent5"/>
+            </a:effectRef>
+            <a:fontRef idx="minor">
+              <a:schemeClr val="dk1"/>
+            </a:fontRef>
+          </p:style>
+          <p:txBody>
+            <a:bodyPr rtlCol="0" anchor="ctr"/>
+            <a:lstStyle/>
+            <a:p>
+              <a:pPr algn="ctr"/>
+              <a:endParaRPr lang="en-GB" sz="1200">
+                <a:solidFill>
+                  <a:schemeClr val="dk1"/>
+                </a:solidFill>
+              </a:endParaRPr>
+            </a:p>
+          </p:txBody>
+        </p:sp>
+      </p:grpSp>
+      <p:sp>
+        <p:nvSpPr>
+          <p:cNvPr id="47" name="TextBox 13">
+            <a:extLst>
+              <a:ext uri="{FF2B5EF4-FFF2-40B4-BE49-F238E27FC236}">
+                <a16:creationId xmlns:a16="http://schemas.microsoft.com/office/drawing/2014/main" id="{9311584D-6079-4BE5-BD93-C839B5908D00}"/>
+              </a:ext>
+            </a:extLst>
+          </p:cNvPr>
+          <p:cNvSpPr txBox="1"/>
+          <p:nvPr/>
+        </p:nvSpPr>
+        <p:spPr>
+          <a:xfrm>
+            <a:off x="2445108" y="2204367"/>
+            <a:ext cx="947247" cy="307777"/>
+          </a:xfrm>
+          <a:prstGeom prst="rect">
+            <a:avLst/>
+          </a:prstGeom>
+          <a:noFill/>
+        </p:spPr>
+        <p:txBody>
+          <a:bodyPr wrap="none" rtlCol="0">
+            <a:spAutoFit/>
+          </a:bodyPr>
+          <a:lstStyle/>
+          <a:p>
+            <a:r>
+              <a:rPr lang="en-US" sz="1400" dirty="0" err="1"/>
+              <a:t>TCPSupprt</a:t>
+            </a:r>
+            <a:endParaRPr lang="en-US" sz="1400" dirty="0"/>
+          </a:p>
+        </p:txBody>
+      </p:sp>
+      <p:cxnSp>
+        <p:nvCxnSpPr>
+          <p:cNvPr id="49" name="Connettore a gomito 48">
+            <a:extLst>
+              <a:ext uri="{FF2B5EF4-FFF2-40B4-BE49-F238E27FC236}">
+                <a16:creationId xmlns:a16="http://schemas.microsoft.com/office/drawing/2014/main" id="{9C80AE37-AB6A-40D7-AAB8-91549E97C6D0}"/>
+              </a:ext>
+            </a:extLst>
+          </p:cNvPr>
+          <p:cNvCxnSpPr>
+            <a:stCxn id="7" idx="4"/>
+            <a:endCxn id="44" idx="1"/>
+          </p:cNvCxnSpPr>
+          <p:nvPr/>
+        </p:nvCxnSpPr>
+        <p:spPr>
+          <a:xfrm rot="16200000" flipH="1">
+            <a:off x="2986186" y="2411396"/>
+            <a:ext cx="650018" cy="357419"/>
+          </a:xfrm>
+          <a:prstGeom prst="bentConnector2">
+            <a:avLst/>
+          </a:prstGeom>
+          <a:ln>
+            <a:tailEnd type="triangle"/>
+          </a:ln>
+        </p:spPr>
+        <p:style>
+          <a:lnRef idx="1">
+            <a:schemeClr val="accent1"/>
+          </a:lnRef>
+          <a:fillRef idx="0">
+            <a:schemeClr val="accent1"/>
+          </a:fillRef>
+          <a:effectRef idx="0">
+            <a:schemeClr val="accent1"/>
+          </a:effectRef>
+          <a:fontRef idx="minor">
+            <a:schemeClr val="tx1"/>
+          </a:fontRef>
+        </p:style>
+      </p:cxnSp>
+      <p:sp>
+        <p:nvSpPr>
+          <p:cNvPr id="50" name="TextBox 13">
+            <a:extLst>
+              <a:ext uri="{FF2B5EF4-FFF2-40B4-BE49-F238E27FC236}">
+                <a16:creationId xmlns:a16="http://schemas.microsoft.com/office/drawing/2014/main" id="{E65E70D6-33B9-4A1A-ACE1-AA2E5353C84E}"/>
+              </a:ext>
+            </a:extLst>
+          </p:cNvPr>
+          <p:cNvSpPr txBox="1"/>
+          <p:nvPr/>
+        </p:nvSpPr>
+        <p:spPr>
+          <a:xfrm>
+            <a:off x="3336507" y="3013022"/>
+            <a:ext cx="1511568" cy="338554"/>
+          </a:xfrm>
+          <a:prstGeom prst="rect">
+            <a:avLst/>
+          </a:prstGeom>
+          <a:noFill/>
+        </p:spPr>
+        <p:txBody>
+          <a:bodyPr wrap="none" rtlCol="0">
+            <a:spAutoFit/>
+          </a:bodyPr>
+          <a:lstStyle/>
+          <a:p>
+            <a:r>
+              <a:rPr lang="en-US" sz="1600" dirty="0" err="1"/>
+              <a:t>StepRobotActor</a:t>
+            </a:r>
+            <a:endParaRPr lang="en-US" sz="1600" dirty="0"/>
+          </a:p>
+        </p:txBody>
+      </p:sp>
+      <p:sp>
+        <p:nvSpPr>
+          <p:cNvPr id="55" name="Ovale 54">
+            <a:extLst>
+              <a:ext uri="{FF2B5EF4-FFF2-40B4-BE49-F238E27FC236}">
+                <a16:creationId xmlns:a16="http://schemas.microsoft.com/office/drawing/2014/main" id="{A258818B-1AEA-461A-AB7A-24BAE7FF6C96}"/>
+              </a:ext>
+            </a:extLst>
+          </p:cNvPr>
+          <p:cNvSpPr/>
+          <p:nvPr/>
+        </p:nvSpPr>
+        <p:spPr>
+          <a:xfrm>
+            <a:off x="2689311" y="2058841"/>
+            <a:ext cx="248792" cy="235520"/>
+          </a:xfrm>
+          <a:prstGeom prst="ellipse">
+            <a:avLst/>
+          </a:prstGeom>
+          <a:solidFill>
+            <a:srgbClr val="CCECFF"/>
+          </a:solidFill>
+          <a:scene3d>
+            <a:camera prst="orthographicFront"/>
+            <a:lightRig rig="threePt" dir="t"/>
+          </a:scene3d>
+          <a:sp3d>
+            <a:bevelT prst="angle"/>
+          </a:sp3d>
+        </p:spPr>
+        <p:style>
+          <a:lnRef idx="2">
+            <a:schemeClr val="accent1">
+              <a:shade val="50%"/>
+            </a:schemeClr>
+          </a:lnRef>
+          <a:fillRef idx="1">
+            <a:schemeClr val="accent1"/>
+          </a:fillRef>
+          <a:effectRef idx="0">
+            <a:schemeClr val="accent1"/>
+          </a:effectRef>
+          <a:fontRef idx="minor">
+            <a:schemeClr val="lt1"/>
+          </a:fontRef>
+        </p:style>
+        <p:txBody>
+          <a:bodyPr rtlCol="0" anchor="ctr"/>
+          <a:lstStyle/>
+          <a:p>
+            <a:pPr algn="ctr"/>
+            <a:endParaRPr lang="it-IT"/>
+          </a:p>
+        </p:txBody>
+      </p:sp>
+      <p:sp>
+        <p:nvSpPr>
+          <p:cNvPr id="56" name="Ovale 55">
+            <a:extLst>
+              <a:ext uri="{FF2B5EF4-FFF2-40B4-BE49-F238E27FC236}">
+                <a16:creationId xmlns:a16="http://schemas.microsoft.com/office/drawing/2014/main" id="{12063076-0FB2-42A1-838B-1A68A8FC0252}"/>
+              </a:ext>
+            </a:extLst>
+          </p:cNvPr>
+          <p:cNvSpPr/>
+          <p:nvPr/>
+        </p:nvSpPr>
+        <p:spPr>
+          <a:xfrm>
+            <a:off x="1076576" y="5870316"/>
+            <a:ext cx="248792" cy="235520"/>
+          </a:xfrm>
+          <a:prstGeom prst="ellipse">
+            <a:avLst/>
+          </a:prstGeom>
+          <a:solidFill>
+            <a:srgbClr val="CCECFF"/>
+          </a:solidFill>
+          <a:scene3d>
+            <a:camera prst="orthographicFront"/>
+            <a:lightRig rig="threePt" dir="t"/>
+          </a:scene3d>
+          <a:sp3d>
+            <a:bevelT prst="angle"/>
+          </a:sp3d>
+        </p:spPr>
+        <p:style>
+          <a:lnRef idx="2">
+            <a:schemeClr val="accent1">
+              <a:shade val="50%"/>
+            </a:schemeClr>
+          </a:lnRef>
+          <a:fillRef idx="1">
+            <a:schemeClr val="accent1"/>
+          </a:fillRef>
+          <a:effectRef idx="0">
+            <a:schemeClr val="accent1"/>
+          </a:effectRef>
+          <a:fontRef idx="minor">
+            <a:schemeClr val="lt1"/>
+          </a:fontRef>
+        </p:style>
+        <p:txBody>
+          <a:bodyPr rtlCol="0" anchor="ctr"/>
+          <a:lstStyle/>
+          <a:p>
+            <a:pPr algn="ctr"/>
+            <a:endParaRPr lang="it-IT"/>
+          </a:p>
+        </p:txBody>
+      </p:sp>
+      <p:grpSp>
+        <p:nvGrpSpPr>
+          <p:cNvPr id="58" name="Gruppo 6">
+            <a:extLst>
+              <a:ext uri="{FF2B5EF4-FFF2-40B4-BE49-F238E27FC236}">
+                <a16:creationId xmlns:a16="http://schemas.microsoft.com/office/drawing/2014/main" id="{A20F1413-3804-4FBC-836A-A960D543E10F}"/>
+              </a:ext>
+            </a:extLst>
+          </p:cNvPr>
+          <p:cNvGrpSpPr/>
+          <p:nvPr/>
+        </p:nvGrpSpPr>
+        <p:grpSpPr>
+          <a:xfrm>
+            <a:off x="5132790" y="217871"/>
+            <a:ext cx="765958" cy="658580"/>
+            <a:chOff x="565700" y="4940367"/>
+            <a:chExt cx="805955" cy="772447"/>
+          </a:xfrm>
+        </p:grpSpPr>
+        <p:sp>
+          <p:nvSpPr>
+            <p:cNvPr id="59" name="Ovale 31">
+              <a:extLst>
+                <a:ext uri="{FF2B5EF4-FFF2-40B4-BE49-F238E27FC236}">
+                  <a16:creationId xmlns:a16="http://schemas.microsoft.com/office/drawing/2014/main" id="{CC3CF108-389F-4513-BCEC-6F69F67A4296}"/>
+                </a:ext>
+              </a:extLst>
+            </p:cNvPr>
+            <p:cNvSpPr/>
+            <p:nvPr/>
+          </p:nvSpPr>
+          <p:spPr>
+            <a:xfrm>
+              <a:off x="565700" y="4983583"/>
+              <a:ext cx="805955" cy="729231"/>
+            </a:xfrm>
+            <a:prstGeom prst="ellipse">
+              <a:avLst/>
+            </a:prstGeom>
+            <a:solidFill>
+              <a:srgbClr val="CCFF99"/>
+            </a:solidFill>
+            <a:ln/>
+          </p:spPr>
+          <p:style>
+            <a:lnRef idx="1">
+              <a:schemeClr val="accent4"/>
+            </a:lnRef>
+            <a:fillRef idx="2">
+              <a:schemeClr val="accent4"/>
+            </a:fillRef>
+            <a:effectRef idx="1">
+              <a:schemeClr val="accent4"/>
+            </a:effectRef>
+            <a:fontRef idx="minor">
+              <a:schemeClr val="dk1"/>
+            </a:fontRef>
+          </p:style>
+          <p:txBody>
+            <a:bodyPr rtlCol="0" anchor="ctr"/>
+            <a:lstStyle/>
+            <a:p>
+              <a:pPr algn="ctr"/>
+              <a:r>
+                <a:rPr lang="en-GB" sz="1200" dirty="0"/>
+                <a:t> </a:t>
+              </a:r>
+            </a:p>
+          </p:txBody>
+        </p:sp>
+        <p:sp>
+          <p:nvSpPr>
+            <p:cNvPr id="60" name="Triangolo isoscele 34">
+              <a:extLst>
+                <a:ext uri="{FF2B5EF4-FFF2-40B4-BE49-F238E27FC236}">
+                  <a16:creationId xmlns:a16="http://schemas.microsoft.com/office/drawing/2014/main" id="{56D6782A-6C76-45A7-8F8E-C435A269ED7E}"/>
+                </a:ext>
+              </a:extLst>
+            </p:cNvPr>
+            <p:cNvSpPr/>
+            <p:nvPr/>
+          </p:nvSpPr>
+          <p:spPr>
+            <a:xfrm rot="16200000">
+              <a:off x="905299" y="4913952"/>
+              <a:ext cx="86434" cy="139263"/>
+            </a:xfrm>
+            <a:prstGeom prst="triangle">
+              <a:avLst/>
+            </a:prstGeom>
+            <a:solidFill>
+              <a:srgbClr val="C00000"/>
+            </a:solidFill>
+            <a:ln/>
+          </p:spPr>
+          <p:style>
+            <a:lnRef idx="1">
+              <a:schemeClr val="accent5"/>
+            </a:lnRef>
+            <a:fillRef idx="2">
+              <a:schemeClr val="accent5"/>
+            </a:fillRef>
+            <a:effectRef idx="1">
+              <a:schemeClr val="accent5"/>
+            </a:effectRef>
+            <a:fontRef idx="minor">
+              <a:schemeClr val="dk1"/>
+            </a:fontRef>
+          </p:style>
+          <p:txBody>
+            <a:bodyPr rtlCol="0" anchor="ctr"/>
+            <a:lstStyle/>
+            <a:p>
+              <a:pPr algn="ctr"/>
+              <a:endParaRPr lang="en-GB" sz="1200">
+                <a:solidFill>
+                  <a:schemeClr val="dk1"/>
+                </a:solidFill>
+              </a:endParaRPr>
+            </a:p>
+          </p:txBody>
+        </p:sp>
+      </p:grpSp>
+      <p:sp>
+        <p:nvSpPr>
+          <p:cNvPr id="61" name="TextBox 13">
+            <a:extLst>
+              <a:ext uri="{FF2B5EF4-FFF2-40B4-BE49-F238E27FC236}">
+                <a16:creationId xmlns:a16="http://schemas.microsoft.com/office/drawing/2014/main" id="{12E4C6BE-425D-4410-8BBC-F18B62411459}"/>
+              </a:ext>
+            </a:extLst>
+          </p:cNvPr>
+          <p:cNvSpPr txBox="1"/>
+          <p:nvPr/>
+        </p:nvSpPr>
+        <p:spPr>
+          <a:xfrm>
+            <a:off x="4787150" y="688454"/>
+            <a:ext cx="1838645" cy="369332"/>
+          </a:xfrm>
+          <a:prstGeom prst="rect">
+            <a:avLst/>
+          </a:prstGeom>
+          <a:noFill/>
+        </p:spPr>
+        <p:txBody>
+          <a:bodyPr wrap="none" rtlCol="0">
+            <a:spAutoFit/>
+          </a:bodyPr>
+          <a:lstStyle/>
+          <a:p>
+            <a:r>
+              <a:rPr lang="en-US" dirty="0" err="1"/>
+              <a:t>StepRobotService</a:t>
+            </a:r>
+            <a:endParaRPr lang="en-US" dirty="0"/>
+          </a:p>
+        </p:txBody>
+      </p:sp>
+      <p:sp>
+        <p:nvSpPr>
+          <p:cNvPr id="62" name="Rectangle 4">
+            <a:extLst>
+              <a:ext uri="{FF2B5EF4-FFF2-40B4-BE49-F238E27FC236}">
+                <a16:creationId xmlns:a16="http://schemas.microsoft.com/office/drawing/2014/main" id="{620F897A-58B9-498B-901C-E2AE710B859B}"/>
+              </a:ext>
+            </a:extLst>
+          </p:cNvPr>
+          <p:cNvSpPr/>
+          <p:nvPr/>
+        </p:nvSpPr>
+        <p:spPr>
+          <a:xfrm>
+            <a:off x="4339840" y="415016"/>
+            <a:ext cx="914400" cy="314793"/>
+          </a:xfrm>
+          <a:prstGeom prst="rect">
+            <a:avLst/>
+          </a:prstGeom>
+          <a:solidFill>
+            <a:srgbClr val="CCFFFF"/>
+          </a:solidFill>
+          <a:ln>
+            <a:solidFill>
+              <a:schemeClr val="tx1"/>
+            </a:solidFill>
+          </a:ln>
+        </p:spPr>
+        <p:style>
+          <a:lnRef idx="2">
+            <a:schemeClr val="accent1">
+              <a:shade val="50%"/>
+            </a:schemeClr>
+          </a:lnRef>
+          <a:fillRef idx="1">
+            <a:schemeClr val="accent1"/>
+          </a:fillRef>
+          <a:effectRef idx="0">
+            <a:schemeClr val="accent1"/>
+          </a:effectRef>
+          <a:fontRef idx="minor">
+            <a:schemeClr val="lt1"/>
+          </a:fontRef>
+        </p:style>
+        <p:txBody>
+          <a:bodyPr rtlCol="0" anchor="ctr"/>
+          <a:lstStyle/>
+          <a:p>
+            <a:pPr algn="ctr"/>
+            <a:r>
+              <a:rPr lang="en-US" dirty="0">
+                <a:solidFill>
+                  <a:schemeClr val="tx1"/>
+                </a:solidFill>
+              </a:rPr>
+              <a:t>8010</a:t>
+            </a:r>
+          </a:p>
+        </p:txBody>
+      </p:sp>
+      <p:grpSp>
+        <p:nvGrpSpPr>
+          <p:cNvPr id="63" name="Gruppo 26">
+            <a:extLst>
+              <a:ext uri="{FF2B5EF4-FFF2-40B4-BE49-F238E27FC236}">
+                <a16:creationId xmlns:a16="http://schemas.microsoft.com/office/drawing/2014/main" id="{C815D98D-1FD1-4F0E-B0F8-B82C7BD55A53}"/>
+              </a:ext>
+            </a:extLst>
+          </p:cNvPr>
+          <p:cNvGrpSpPr/>
+          <p:nvPr/>
+        </p:nvGrpSpPr>
+        <p:grpSpPr>
+          <a:xfrm>
+            <a:off x="1093253" y="160305"/>
+            <a:ext cx="866156" cy="763297"/>
+            <a:chOff x="1194666" y="2417771"/>
+            <a:chExt cx="866156" cy="763297"/>
+          </a:xfrm>
+        </p:grpSpPr>
+        <p:sp>
+          <p:nvSpPr>
+            <p:cNvPr id="64" name="Ovale 27">
+              <a:extLst>
+                <a:ext uri="{FF2B5EF4-FFF2-40B4-BE49-F238E27FC236}">
+                  <a16:creationId xmlns:a16="http://schemas.microsoft.com/office/drawing/2014/main" id="{43ABC31B-E28F-4E3E-8B4C-936D6D602EFC}"/>
+                </a:ext>
+              </a:extLst>
+            </p:cNvPr>
+            <p:cNvSpPr/>
+            <p:nvPr/>
+          </p:nvSpPr>
+          <p:spPr>
+            <a:xfrm>
+              <a:off x="1311101" y="2460988"/>
+              <a:ext cx="749721" cy="720080"/>
+            </a:xfrm>
+            <a:prstGeom prst="ellipse">
+              <a:avLst/>
+            </a:prstGeom>
+            <a:solidFill>
+              <a:srgbClr val="FFCCFF"/>
+            </a:solidFill>
+            <a:ln/>
+          </p:spPr>
+          <p:style>
+            <a:lnRef idx="1">
+              <a:schemeClr val="accent5"/>
+            </a:lnRef>
+            <a:fillRef idx="2">
+              <a:schemeClr val="accent5"/>
+            </a:fillRef>
+            <a:effectRef idx="1">
+              <a:schemeClr val="accent5"/>
+            </a:effectRef>
+            <a:fontRef idx="minor">
+              <a:schemeClr val="dk1"/>
+            </a:fontRef>
+          </p:style>
+          <p:txBody>
+            <a:bodyPr rtlCol="0" anchor="ctr"/>
+            <a:lstStyle/>
+            <a:p>
+              <a:pPr algn="ctr"/>
+              <a:r>
+                <a:rPr lang="en-GB" sz="1200" dirty="0"/>
+                <a:t> </a:t>
+              </a:r>
+            </a:p>
+          </p:txBody>
+        </p:sp>
+        <p:sp>
+          <p:nvSpPr>
+            <p:cNvPr id="65" name="Rettangolo 28">
+              <a:extLst>
+                <a:ext uri="{FF2B5EF4-FFF2-40B4-BE49-F238E27FC236}">
+                  <a16:creationId xmlns:a16="http://schemas.microsoft.com/office/drawing/2014/main" id="{7712B4F3-9985-4B93-BF78-01555F3B430F}"/>
+                </a:ext>
+              </a:extLst>
+            </p:cNvPr>
+            <p:cNvSpPr/>
+            <p:nvPr/>
+          </p:nvSpPr>
+          <p:spPr>
+            <a:xfrm>
+              <a:off x="1194666" y="2699711"/>
+              <a:ext cx="281433" cy="211952"/>
+            </a:xfrm>
+            <a:prstGeom prst="rect">
+              <a:avLst/>
+            </a:prstGeom>
+            <a:solidFill>
+              <a:srgbClr val="FFCCFF"/>
+            </a:solidFill>
+            <a:ln/>
+          </p:spPr>
+          <p:style>
+            <a:lnRef idx="1">
+              <a:schemeClr val="accent5"/>
+            </a:lnRef>
+            <a:fillRef idx="2">
+              <a:schemeClr val="accent5"/>
+            </a:fillRef>
+            <a:effectRef idx="1">
+              <a:schemeClr val="accent5"/>
+            </a:effectRef>
+            <a:fontRef idx="minor">
+              <a:schemeClr val="dk1"/>
+            </a:fontRef>
+          </p:style>
+          <p:txBody>
+            <a:bodyPr rtlCol="0" anchor="ctr"/>
+            <a:lstStyle/>
+            <a:p>
+              <a:pPr algn="ctr"/>
+              <a:endParaRPr lang="en-GB" sz="1200"/>
+            </a:p>
+          </p:txBody>
+        </p:sp>
+        <p:sp>
+          <p:nvSpPr>
+            <p:cNvPr id="66" name="Triangolo isoscele 29">
+              <a:extLst>
+                <a:ext uri="{FF2B5EF4-FFF2-40B4-BE49-F238E27FC236}">
+                  <a16:creationId xmlns:a16="http://schemas.microsoft.com/office/drawing/2014/main" id="{1D5BFF70-247E-4F8E-A571-57805A8D001A}"/>
+                </a:ext>
+              </a:extLst>
+            </p:cNvPr>
+            <p:cNvSpPr/>
+            <p:nvPr/>
+          </p:nvSpPr>
+          <p:spPr>
+            <a:xfrm rot="16200000">
+              <a:off x="1618539" y="2391356"/>
+              <a:ext cx="86434" cy="139263"/>
+            </a:xfrm>
+            <a:prstGeom prst="triangle">
+              <a:avLst/>
+            </a:prstGeom>
+            <a:solidFill>
+              <a:srgbClr val="FF0000"/>
+            </a:solidFill>
+            <a:ln/>
+          </p:spPr>
+          <p:style>
+            <a:lnRef idx="1">
+              <a:schemeClr val="accent5"/>
+            </a:lnRef>
+            <a:fillRef idx="2">
+              <a:schemeClr val="accent5"/>
+            </a:fillRef>
+            <a:effectRef idx="1">
+              <a:schemeClr val="accent5"/>
+            </a:effectRef>
+            <a:fontRef idx="minor">
+              <a:schemeClr val="dk1"/>
+            </a:fontRef>
+          </p:style>
+          <p:txBody>
+            <a:bodyPr rtlCol="0" anchor="ctr"/>
+            <a:lstStyle/>
+            <a:p>
+              <a:pPr algn="ctr"/>
+              <a:endParaRPr lang="en-GB" sz="1200">
+                <a:solidFill>
+                  <a:schemeClr val="dk1"/>
+                </a:solidFill>
+              </a:endParaRPr>
+            </a:p>
+          </p:txBody>
+        </p:sp>
+      </p:grpSp>
+      <p:sp>
+        <p:nvSpPr>
+          <p:cNvPr id="71" name="TextBox 14">
+            <a:extLst>
+              <a:ext uri="{FF2B5EF4-FFF2-40B4-BE49-F238E27FC236}">
+                <a16:creationId xmlns:a16="http://schemas.microsoft.com/office/drawing/2014/main" id="{1A52F69B-D7C0-402D-9742-4B91720095EB}"/>
+              </a:ext>
+            </a:extLst>
+          </p:cNvPr>
+          <p:cNvSpPr txBox="1"/>
+          <p:nvPr/>
+        </p:nvSpPr>
+        <p:spPr>
+          <a:xfrm>
+            <a:off x="1004880" y="760545"/>
+            <a:ext cx="1245021" cy="369332"/>
+          </a:xfrm>
+          <a:prstGeom prst="rect">
+            <a:avLst/>
+          </a:prstGeom>
+          <a:noFill/>
+        </p:spPr>
+        <p:txBody>
+          <a:bodyPr wrap="none" rtlCol="0">
+            <a:spAutoFit/>
+          </a:bodyPr>
+          <a:lstStyle/>
+          <a:p>
+            <a:r>
+              <a:rPr lang="en-US" dirty="0"/>
+              <a:t>Application</a:t>
+            </a:r>
+          </a:p>
+        </p:txBody>
+      </p:sp>
+      <p:sp>
+        <p:nvSpPr>
+          <p:cNvPr id="73" name="CasellaDiTesto 72">
+            <a:extLst>
+              <a:ext uri="{FF2B5EF4-FFF2-40B4-BE49-F238E27FC236}">
+                <a16:creationId xmlns:a16="http://schemas.microsoft.com/office/drawing/2014/main" id="{2236F429-E5D4-4F29-B1A0-FD3C75BFC171}"/>
+              </a:ext>
+            </a:extLst>
+          </p:cNvPr>
+          <p:cNvSpPr txBox="1"/>
+          <p:nvPr/>
+        </p:nvSpPr>
+        <p:spPr>
+          <a:xfrm>
+            <a:off x="2512425" y="598106"/>
+            <a:ext cx="1513299" cy="369332"/>
+          </a:xfrm>
+          <a:prstGeom prst="rect">
+            <a:avLst/>
+          </a:prstGeom>
+          <a:noFill/>
+        </p:spPr>
+        <p:txBody>
+          <a:bodyPr wrap="none" rtlCol="0">
+            <a:spAutoFit/>
+          </a:bodyPr>
+          <a:lstStyle/>
+          <a:p>
+            <a:r>
+              <a:rPr lang="it-IT" dirty="0"/>
+              <a:t>{"step":"350"}</a:t>
+            </a:r>
+          </a:p>
+        </p:txBody>
+      </p:sp>
+      <p:cxnSp>
+        <p:nvCxnSpPr>
+          <p:cNvPr id="75" name="Connettore 2 74">
+            <a:extLst>
+              <a:ext uri="{FF2B5EF4-FFF2-40B4-BE49-F238E27FC236}">
+                <a16:creationId xmlns:a16="http://schemas.microsoft.com/office/drawing/2014/main" id="{BA2A0769-AF56-4B09-AD5F-00D14FA1E1F8}"/>
+              </a:ext>
+            </a:extLst>
+          </p:cNvPr>
+          <p:cNvCxnSpPr>
+            <a:stCxn id="64" idx="6"/>
+            <a:endCxn id="62" idx="1"/>
+          </p:cNvCxnSpPr>
+          <p:nvPr/>
+        </p:nvCxnSpPr>
+        <p:spPr>
+          <a:xfrm>
+            <a:off x="1959409" y="563562"/>
+            <a:ext cx="2380431" cy="8851"/>
+          </a:xfrm>
+          <a:prstGeom prst="straightConnector1">
+            <a:avLst/>
+          </a:prstGeom>
+          <a:ln w="28575">
+            <a:solidFill>
+              <a:schemeClr val="tx1"/>
+            </a:solidFill>
+            <a:headEnd type="triangle"/>
+            <a:tailEnd type="triangle"/>
+          </a:ln>
+        </p:spPr>
+        <p:style>
+          <a:lnRef idx="1">
+            <a:schemeClr val="accent1"/>
+          </a:lnRef>
+          <a:fillRef idx="0">
+            <a:schemeClr val="accent1"/>
+          </a:fillRef>
+          <a:effectRef idx="0">
+            <a:schemeClr val="accent1"/>
+          </a:effectRef>
+          <a:fontRef idx="minor">
+            <a:schemeClr val="tx1"/>
+          </a:fontRef>
+        </p:style>
+      </p:cxnSp>
+      <p:sp>
+        <p:nvSpPr>
+          <p:cNvPr id="77" name="Ovale 76">
+            <a:extLst>
+              <a:ext uri="{FF2B5EF4-FFF2-40B4-BE49-F238E27FC236}">
+                <a16:creationId xmlns:a16="http://schemas.microsoft.com/office/drawing/2014/main" id="{3F3DBA6D-A3ED-425D-8771-9AB281E96B0C}"/>
+              </a:ext>
+            </a:extLst>
+          </p:cNvPr>
+          <p:cNvSpPr/>
+          <p:nvPr/>
+        </p:nvSpPr>
+        <p:spPr>
+          <a:xfrm>
+            <a:off x="3368708" y="1455844"/>
+            <a:ext cx="248792" cy="235520"/>
+          </a:xfrm>
+          <a:prstGeom prst="ellipse">
+            <a:avLst/>
+          </a:prstGeom>
+          <a:solidFill>
+            <a:srgbClr val="FFFF00"/>
+          </a:solidFill>
+          <a:scene3d>
+            <a:camera prst="orthographicFront"/>
+            <a:lightRig rig="threePt" dir="t"/>
+          </a:scene3d>
+          <a:sp3d>
+            <a:bevelT prst="angle"/>
+          </a:sp3d>
+        </p:spPr>
+        <p:style>
+          <a:lnRef idx="2">
+            <a:schemeClr val="accent1">
+              <a:shade val="50%"/>
+            </a:schemeClr>
+          </a:lnRef>
+          <a:fillRef idx="1">
+            <a:schemeClr val="accent1"/>
+          </a:fillRef>
+          <a:effectRef idx="0">
+            <a:schemeClr val="accent1"/>
+          </a:effectRef>
+          <a:fontRef idx="minor">
+            <a:schemeClr val="lt1"/>
+          </a:fontRef>
+        </p:style>
+        <p:txBody>
+          <a:bodyPr rtlCol="0" anchor="ctr"/>
+          <a:lstStyle/>
+          <a:p>
+            <a:pPr algn="ctr"/>
+            <a:endParaRPr lang="it-IT"/>
+          </a:p>
+        </p:txBody>
+      </p:sp>
+      <p:sp>
+        <p:nvSpPr>
+          <p:cNvPr id="78" name="TextBox 13">
+            <a:extLst>
+              <a:ext uri="{FF2B5EF4-FFF2-40B4-BE49-F238E27FC236}">
+                <a16:creationId xmlns:a16="http://schemas.microsoft.com/office/drawing/2014/main" id="{8C95953C-8C3C-47AB-9551-4BE30C0CBE39}"/>
+              </a:ext>
+            </a:extLst>
+          </p:cNvPr>
+          <p:cNvSpPr txBox="1"/>
+          <p:nvPr/>
+        </p:nvSpPr>
+        <p:spPr>
+          <a:xfrm>
+            <a:off x="3507346" y="1402588"/>
+            <a:ext cx="1489510" cy="276999"/>
+          </a:xfrm>
+          <a:prstGeom prst="rect">
+            <a:avLst/>
+          </a:prstGeom>
+          <a:noFill/>
+        </p:spPr>
+        <p:txBody>
+          <a:bodyPr wrap="none" rtlCol="0">
+            <a:spAutoFit/>
+          </a:bodyPr>
+          <a:lstStyle/>
+          <a:p>
+            <a:r>
+              <a:rPr lang="en-US" sz="1200" dirty="0" err="1"/>
+              <a:t>ActorBasicContextKb</a:t>
+            </a:r>
+            <a:endParaRPr lang="en-US" sz="1200" dirty="0"/>
+          </a:p>
+        </p:txBody>
+      </p:sp>
+      <p:sp>
+        <p:nvSpPr>
+          <p:cNvPr id="81" name="CasellaDiTesto 80">
+            <a:extLst>
+              <a:ext uri="{FF2B5EF4-FFF2-40B4-BE49-F238E27FC236}">
+                <a16:creationId xmlns:a16="http://schemas.microsoft.com/office/drawing/2014/main" id="{B926C41D-2A22-47B5-AF66-58B9EC31F5CF}"/>
+              </a:ext>
+            </a:extLst>
+          </p:cNvPr>
+          <p:cNvSpPr txBox="1"/>
+          <p:nvPr/>
+        </p:nvSpPr>
+        <p:spPr>
+          <a:xfrm>
+            <a:off x="2403932" y="2545379"/>
+            <a:ext cx="1259576" cy="307777"/>
+          </a:xfrm>
+          <a:prstGeom prst="rect">
+            <a:avLst/>
+          </a:prstGeom>
+          <a:noFill/>
+        </p:spPr>
+        <p:txBody>
+          <a:bodyPr wrap="none" rtlCol="0">
+            <a:spAutoFit/>
+          </a:bodyPr>
+          <a:lstStyle/>
+          <a:p>
+            <a:r>
+              <a:rPr lang="en-US" sz="1400" dirty="0"/>
+              <a:t>{"step":"350" }</a:t>
+            </a:r>
+            <a:endParaRPr lang="it-IT" sz="1400" dirty="0"/>
+          </a:p>
+        </p:txBody>
+      </p:sp>
+      <p:sp>
+        <p:nvSpPr>
+          <p:cNvPr id="82" name="Ovale 81">
+            <a:extLst>
+              <a:ext uri="{FF2B5EF4-FFF2-40B4-BE49-F238E27FC236}">
+                <a16:creationId xmlns:a16="http://schemas.microsoft.com/office/drawing/2014/main" id="{BDA88481-35D1-4C7E-940F-728558305A8B}"/>
+              </a:ext>
+            </a:extLst>
+          </p:cNvPr>
+          <p:cNvSpPr/>
+          <p:nvPr/>
+        </p:nvSpPr>
+        <p:spPr>
+          <a:xfrm>
+            <a:off x="4370859" y="2796636"/>
+            <a:ext cx="248792" cy="235520"/>
+          </a:xfrm>
+          <a:prstGeom prst="ellipse">
+            <a:avLst/>
+          </a:prstGeom>
+          <a:solidFill>
+            <a:srgbClr val="00B0F0"/>
+          </a:solidFill>
+          <a:scene3d>
+            <a:camera prst="orthographicFront"/>
+            <a:lightRig rig="threePt" dir="t"/>
+          </a:scene3d>
+          <a:sp3d>
+            <a:bevelT prst="angle"/>
+          </a:sp3d>
+        </p:spPr>
+        <p:style>
+          <a:lnRef idx="2">
+            <a:schemeClr val="accent1">
+              <a:shade val="50%"/>
+            </a:schemeClr>
+          </a:lnRef>
+          <a:fillRef idx="1">
+            <a:schemeClr val="accent1"/>
+          </a:fillRef>
+          <a:effectRef idx="0">
+            <a:schemeClr val="accent1"/>
+          </a:effectRef>
+          <a:fontRef idx="minor">
+            <a:schemeClr val="lt1"/>
+          </a:fontRef>
+        </p:style>
+        <p:txBody>
+          <a:bodyPr rtlCol="0" anchor="ctr"/>
+          <a:lstStyle/>
+          <a:p>
+            <a:pPr algn="ctr"/>
+            <a:endParaRPr lang="it-IT"/>
+          </a:p>
+        </p:txBody>
+      </p:sp>
+      <p:sp>
+        <p:nvSpPr>
+          <p:cNvPr id="83" name="TextBox 13">
+            <a:extLst>
+              <a:ext uri="{FF2B5EF4-FFF2-40B4-BE49-F238E27FC236}">
+                <a16:creationId xmlns:a16="http://schemas.microsoft.com/office/drawing/2014/main" id="{0157D6D3-9550-41C1-AB6D-EBA6B4D62095}"/>
+              </a:ext>
+            </a:extLst>
+          </p:cNvPr>
+          <p:cNvSpPr txBox="1"/>
+          <p:nvPr/>
+        </p:nvSpPr>
+        <p:spPr>
+          <a:xfrm>
+            <a:off x="4285453" y="2548570"/>
+            <a:ext cx="1671420" cy="276999"/>
+          </a:xfrm>
+          <a:prstGeom prst="rect">
+            <a:avLst/>
+          </a:prstGeom>
+          <a:noFill/>
+        </p:spPr>
+        <p:txBody>
+          <a:bodyPr wrap="none" rtlCol="0">
+            <a:spAutoFit/>
+          </a:bodyPr>
+          <a:lstStyle>
+            <a:defPPr>
+              <a:defRPr lang="it-IT"/>
+            </a:defPPr>
+            <a:lvl1pPr>
+              <a:defRPr sz="1200"/>
+            </a:lvl1pPr>
+          </a:lstStyle>
+          <a:p>
+            <a:r>
+              <a:rPr lang="it-IT" altLang="it-IT" dirty="0" err="1"/>
+              <a:t>IssWsHttpKotlinSupport</a:t>
+            </a:r>
+            <a:endParaRPr lang="it-IT" altLang="it-IT" dirty="0"/>
+          </a:p>
+        </p:txBody>
+      </p:sp>
+      <p:grpSp>
+        <p:nvGrpSpPr>
+          <p:cNvPr id="86" name="Group 3">
+            <a:extLst>
+              <a:ext uri="{FF2B5EF4-FFF2-40B4-BE49-F238E27FC236}">
+                <a16:creationId xmlns:a16="http://schemas.microsoft.com/office/drawing/2014/main" id="{AD75FDFA-8017-4796-9AC1-724DF122C87A}"/>
+              </a:ext>
+            </a:extLst>
+          </p:cNvPr>
+          <p:cNvGrpSpPr/>
+          <p:nvPr/>
+        </p:nvGrpSpPr>
+        <p:grpSpPr>
+          <a:xfrm>
+            <a:off x="4848075" y="2813418"/>
+            <a:ext cx="812329" cy="720080"/>
+            <a:chOff x="4196932" y="2026799"/>
+            <a:chExt cx="3798137" cy="2804403"/>
+          </a:xfrm>
+        </p:grpSpPr>
+        <p:pic>
+          <p:nvPicPr>
+            <p:cNvPr id="87" name="Immagine 86">
+              <a:extLst>
+                <a:ext uri="{FF2B5EF4-FFF2-40B4-BE49-F238E27FC236}">
+                  <a16:creationId xmlns:a16="http://schemas.microsoft.com/office/drawing/2014/main" id="{C335E796-90E7-4DC0-8BCD-E51527A1D037}"/>
+                </a:ext>
+              </a:extLst>
+            </p:cNvPr>
+            <p:cNvPicPr>
+              <a:picLocks noChangeAspect="1"/>
+            </p:cNvPicPr>
+            <p:nvPr/>
+          </p:nvPicPr>
+          <p:blipFill>
+            <a:blip r:embed="rId2">
+              <a:extLst>
+                <a:ext uri="{28A0092B-C50C-407E-A947-70E740481C1C}">
+                  <a14:useLocalDpi xmlns:a14="http://schemas.microsoft.com/office/drawing/2010/main" val="0"/>
+                </a:ext>
+              </a:extLst>
+            </a:blip>
+            <a:stretch>
+              <a:fillRect/>
+            </a:stretch>
+          </p:blipFill>
+          <p:spPr>
+            <a:xfrm>
+              <a:off x="4196932" y="2026799"/>
+              <a:ext cx="3798137" cy="2804403"/>
+            </a:xfrm>
+            <a:prstGeom prst="rect">
+              <a:avLst/>
+            </a:prstGeom>
+          </p:spPr>
+        </p:pic>
+        <p:pic>
+          <p:nvPicPr>
+            <p:cNvPr id="88" name="Immagine 87" descr="Immagine che contiene testo, dilegno&#10;&#10;Descrizione generata automaticamente">
+              <a:extLst>
+                <a:ext uri="{FF2B5EF4-FFF2-40B4-BE49-F238E27FC236}">
+                  <a16:creationId xmlns:a16="http://schemas.microsoft.com/office/drawing/2014/main" id="{319DCB56-26AE-4A90-8DEB-A6451D1BFD01}"/>
+                </a:ext>
+              </a:extLst>
+            </p:cNvPr>
+            <p:cNvPicPr>
+              <a:picLocks noChangeAspect="1"/>
+            </p:cNvPicPr>
+            <p:nvPr/>
+          </p:nvPicPr>
+          <p:blipFill>
+            <a:blip r:embed="rId3" cstate="print">
+              <a:extLst>
+                <a:ext uri="{28A0092B-C50C-407E-A947-70E740481C1C}">
+                  <a14:useLocalDpi xmlns:a14="http://schemas.microsoft.com/office/drawing/2010/main" val="0"/>
+                </a:ext>
+              </a:extLst>
+            </a:blip>
+            <a:stretch>
+              <a:fillRect/>
+            </a:stretch>
+          </p:blipFill>
+          <p:spPr>
+            <a:xfrm>
+              <a:off x="4196932" y="2348881"/>
+              <a:ext cx="602925" cy="602925"/>
+            </a:xfrm>
+            <a:prstGeom prst="rect">
+              <a:avLst/>
+            </a:prstGeom>
+          </p:spPr>
+        </p:pic>
+      </p:grpSp>
+      <p:grpSp>
+        <p:nvGrpSpPr>
+          <p:cNvPr id="89" name="Gruppo 26">
+            <a:extLst>
+              <a:ext uri="{FF2B5EF4-FFF2-40B4-BE49-F238E27FC236}">
+                <a16:creationId xmlns:a16="http://schemas.microsoft.com/office/drawing/2014/main" id="{EA5EC829-1EA3-40F5-A39C-C7A4D55842C6}"/>
+              </a:ext>
+            </a:extLst>
+          </p:cNvPr>
+          <p:cNvGrpSpPr/>
+          <p:nvPr/>
+        </p:nvGrpSpPr>
+        <p:grpSpPr>
+          <a:xfrm>
+            <a:off x="9912117" y="45477"/>
+            <a:ext cx="866156" cy="763297"/>
+            <a:chOff x="1194666" y="2417771"/>
+            <a:chExt cx="866156" cy="763297"/>
+          </a:xfrm>
+        </p:grpSpPr>
+        <p:sp>
+          <p:nvSpPr>
+            <p:cNvPr id="90" name="Ovale 27">
+              <a:extLst>
+                <a:ext uri="{FF2B5EF4-FFF2-40B4-BE49-F238E27FC236}">
+                  <a16:creationId xmlns:a16="http://schemas.microsoft.com/office/drawing/2014/main" id="{91A3271C-C112-46F7-AFB1-12707EFD9EC2}"/>
+                </a:ext>
+              </a:extLst>
+            </p:cNvPr>
+            <p:cNvSpPr/>
+            <p:nvPr/>
+          </p:nvSpPr>
+          <p:spPr>
+            <a:xfrm>
+              <a:off x="1311101" y="2460988"/>
+              <a:ext cx="749721" cy="720080"/>
+            </a:xfrm>
+            <a:prstGeom prst="ellipse">
+              <a:avLst/>
+            </a:prstGeom>
+            <a:solidFill>
+              <a:srgbClr val="FFCCFF"/>
+            </a:solidFill>
+            <a:ln/>
+          </p:spPr>
+          <p:style>
+            <a:lnRef idx="1">
+              <a:schemeClr val="accent5"/>
+            </a:lnRef>
+            <a:fillRef idx="2">
+              <a:schemeClr val="accent5"/>
+            </a:fillRef>
+            <a:effectRef idx="1">
+              <a:schemeClr val="accent5"/>
+            </a:effectRef>
+            <a:fontRef idx="minor">
+              <a:schemeClr val="dk1"/>
+            </a:fontRef>
+          </p:style>
+          <p:txBody>
+            <a:bodyPr rtlCol="0" anchor="ctr"/>
+            <a:lstStyle/>
+            <a:p>
+              <a:pPr algn="ctr"/>
+              <a:r>
+                <a:rPr lang="en-GB" sz="1200" dirty="0"/>
+                <a:t> </a:t>
+              </a:r>
+            </a:p>
+          </p:txBody>
+        </p:sp>
+        <p:sp>
+          <p:nvSpPr>
+            <p:cNvPr id="91" name="Rettangolo 28">
+              <a:extLst>
+                <a:ext uri="{FF2B5EF4-FFF2-40B4-BE49-F238E27FC236}">
+                  <a16:creationId xmlns:a16="http://schemas.microsoft.com/office/drawing/2014/main" id="{F1A7C702-7602-4C3D-BD63-5234A38CD247}"/>
+                </a:ext>
+              </a:extLst>
+            </p:cNvPr>
+            <p:cNvSpPr/>
+            <p:nvPr/>
+          </p:nvSpPr>
+          <p:spPr>
+            <a:xfrm>
+              <a:off x="1194666" y="2699711"/>
+              <a:ext cx="281433" cy="211952"/>
+            </a:xfrm>
+            <a:prstGeom prst="rect">
+              <a:avLst/>
+            </a:prstGeom>
+            <a:solidFill>
+              <a:srgbClr val="FFCCFF"/>
+            </a:solidFill>
+            <a:ln/>
+          </p:spPr>
+          <p:style>
+            <a:lnRef idx="1">
+              <a:schemeClr val="accent5"/>
+            </a:lnRef>
+            <a:fillRef idx="2">
+              <a:schemeClr val="accent5"/>
+            </a:fillRef>
+            <a:effectRef idx="1">
+              <a:schemeClr val="accent5"/>
+            </a:effectRef>
+            <a:fontRef idx="minor">
+              <a:schemeClr val="dk1"/>
+            </a:fontRef>
+          </p:style>
+          <p:txBody>
+            <a:bodyPr rtlCol="0" anchor="ctr"/>
+            <a:lstStyle/>
+            <a:p>
+              <a:pPr algn="ctr"/>
+              <a:endParaRPr lang="en-GB" sz="1200"/>
+            </a:p>
+          </p:txBody>
+        </p:sp>
+        <p:sp>
+          <p:nvSpPr>
+            <p:cNvPr id="92" name="Triangolo isoscele 29">
+              <a:extLst>
+                <a:ext uri="{FF2B5EF4-FFF2-40B4-BE49-F238E27FC236}">
+                  <a16:creationId xmlns:a16="http://schemas.microsoft.com/office/drawing/2014/main" id="{56C5E1C4-D7E6-49FD-8468-A58B38EC3C43}"/>
+                </a:ext>
+              </a:extLst>
+            </p:cNvPr>
+            <p:cNvSpPr/>
+            <p:nvPr/>
+          </p:nvSpPr>
+          <p:spPr>
+            <a:xfrm rot="16200000">
+              <a:off x="1618539" y="2391356"/>
+              <a:ext cx="86434" cy="139263"/>
+            </a:xfrm>
+            <a:prstGeom prst="triangle">
+              <a:avLst/>
+            </a:prstGeom>
+            <a:solidFill>
+              <a:srgbClr val="FF0000"/>
+            </a:solidFill>
+            <a:ln/>
+          </p:spPr>
+          <p:style>
+            <a:lnRef idx="1">
+              <a:schemeClr val="accent5"/>
+            </a:lnRef>
+            <a:fillRef idx="2">
+              <a:schemeClr val="accent5"/>
+            </a:fillRef>
+            <a:effectRef idx="1">
+              <a:schemeClr val="accent5"/>
+            </a:effectRef>
+            <a:fontRef idx="minor">
+              <a:schemeClr val="dk1"/>
+            </a:fontRef>
+          </p:style>
+          <p:txBody>
+            <a:bodyPr rtlCol="0" anchor="ctr"/>
+            <a:lstStyle/>
+            <a:p>
+              <a:pPr algn="ctr"/>
+              <a:endParaRPr lang="en-GB" sz="1200">
+                <a:solidFill>
+                  <a:schemeClr val="dk1"/>
+                </a:solidFill>
+              </a:endParaRPr>
+            </a:p>
+          </p:txBody>
+        </p:sp>
+      </p:grpSp>
+      <p:sp>
+        <p:nvSpPr>
+          <p:cNvPr id="93" name="TextBox 13">
+            <a:extLst>
+              <a:ext uri="{FF2B5EF4-FFF2-40B4-BE49-F238E27FC236}">
+                <a16:creationId xmlns:a16="http://schemas.microsoft.com/office/drawing/2014/main" id="{84C639B3-5D2F-4293-8C46-645C0BAECEC2}"/>
+              </a:ext>
+            </a:extLst>
+          </p:cNvPr>
+          <p:cNvSpPr txBox="1"/>
+          <p:nvPr/>
+        </p:nvSpPr>
+        <p:spPr>
+          <a:xfrm>
+            <a:off x="9736003" y="534279"/>
+            <a:ext cx="1511568" cy="338554"/>
+          </a:xfrm>
+          <a:prstGeom prst="rect">
+            <a:avLst/>
+          </a:prstGeom>
+          <a:noFill/>
+        </p:spPr>
+        <p:txBody>
+          <a:bodyPr wrap="none" rtlCol="0">
+            <a:spAutoFit/>
+          </a:bodyPr>
+          <a:lstStyle/>
+          <a:p>
+            <a:r>
+              <a:rPr lang="en-US" sz="1600" dirty="0" err="1"/>
+              <a:t>StepRobotActor</a:t>
+            </a:r>
+            <a:endParaRPr lang="en-US" sz="1600" dirty="0"/>
+          </a:p>
+        </p:txBody>
+      </p:sp>
+      <p:grpSp>
+        <p:nvGrpSpPr>
+          <p:cNvPr id="94" name="Gruppo 26">
+            <a:extLst>
+              <a:ext uri="{FF2B5EF4-FFF2-40B4-BE49-F238E27FC236}">
+                <a16:creationId xmlns:a16="http://schemas.microsoft.com/office/drawing/2014/main" id="{D89B4462-DD47-4CC3-9151-D4862B5EBF9B}"/>
+              </a:ext>
+            </a:extLst>
+          </p:cNvPr>
+          <p:cNvGrpSpPr/>
+          <p:nvPr/>
+        </p:nvGrpSpPr>
+        <p:grpSpPr>
+          <a:xfrm>
+            <a:off x="7295994" y="21418"/>
+            <a:ext cx="866156" cy="763297"/>
+            <a:chOff x="1194666" y="2417771"/>
+            <a:chExt cx="866156" cy="763297"/>
+          </a:xfrm>
+        </p:grpSpPr>
+        <p:sp>
+          <p:nvSpPr>
+            <p:cNvPr id="95" name="Ovale 27">
+              <a:extLst>
+                <a:ext uri="{FF2B5EF4-FFF2-40B4-BE49-F238E27FC236}">
+                  <a16:creationId xmlns:a16="http://schemas.microsoft.com/office/drawing/2014/main" id="{4AFCDB7D-CB8F-430D-8D2B-83DDA8CC2A9A}"/>
+                </a:ext>
+              </a:extLst>
+            </p:cNvPr>
+            <p:cNvSpPr/>
+            <p:nvPr/>
+          </p:nvSpPr>
+          <p:spPr>
+            <a:xfrm>
+              <a:off x="1311101" y="2460988"/>
+              <a:ext cx="749721" cy="720080"/>
+            </a:xfrm>
+            <a:prstGeom prst="ellipse">
+              <a:avLst/>
+            </a:prstGeom>
+            <a:solidFill>
+              <a:srgbClr val="FFCCFF"/>
+            </a:solidFill>
+            <a:ln/>
+          </p:spPr>
+          <p:style>
+            <a:lnRef idx="1">
+              <a:schemeClr val="accent5"/>
+            </a:lnRef>
+            <a:fillRef idx="2">
+              <a:schemeClr val="accent5"/>
+            </a:fillRef>
+            <a:effectRef idx="1">
+              <a:schemeClr val="accent5"/>
+            </a:effectRef>
+            <a:fontRef idx="minor">
+              <a:schemeClr val="dk1"/>
+            </a:fontRef>
+          </p:style>
+          <p:txBody>
+            <a:bodyPr rtlCol="0" anchor="ctr"/>
+            <a:lstStyle/>
+            <a:p>
+              <a:pPr algn="ctr"/>
+              <a:r>
+                <a:rPr lang="en-GB" sz="1200" dirty="0"/>
+                <a:t> </a:t>
+              </a:r>
+            </a:p>
+          </p:txBody>
+        </p:sp>
+        <p:sp>
+          <p:nvSpPr>
+            <p:cNvPr id="96" name="Rettangolo 28">
+              <a:extLst>
+                <a:ext uri="{FF2B5EF4-FFF2-40B4-BE49-F238E27FC236}">
+                  <a16:creationId xmlns:a16="http://schemas.microsoft.com/office/drawing/2014/main" id="{7F8EBA1F-C295-4647-A6C2-EAF2C33C29AB}"/>
+                </a:ext>
+              </a:extLst>
+            </p:cNvPr>
+            <p:cNvSpPr/>
+            <p:nvPr/>
+          </p:nvSpPr>
+          <p:spPr>
+            <a:xfrm>
+              <a:off x="1194666" y="2699711"/>
+              <a:ext cx="281433" cy="211952"/>
+            </a:xfrm>
+            <a:prstGeom prst="rect">
+              <a:avLst/>
+            </a:prstGeom>
+            <a:solidFill>
+              <a:srgbClr val="FFCCFF"/>
+            </a:solidFill>
+            <a:ln/>
+          </p:spPr>
+          <p:style>
+            <a:lnRef idx="1">
+              <a:schemeClr val="accent5"/>
+            </a:lnRef>
+            <a:fillRef idx="2">
+              <a:schemeClr val="accent5"/>
+            </a:fillRef>
+            <a:effectRef idx="1">
+              <a:schemeClr val="accent5"/>
+            </a:effectRef>
+            <a:fontRef idx="minor">
+              <a:schemeClr val="dk1"/>
+            </a:fontRef>
+          </p:style>
+          <p:txBody>
+            <a:bodyPr rtlCol="0" anchor="ctr"/>
+            <a:lstStyle/>
+            <a:p>
+              <a:pPr algn="ctr"/>
+              <a:endParaRPr lang="en-GB" sz="1200"/>
+            </a:p>
+          </p:txBody>
+        </p:sp>
+        <p:sp>
+          <p:nvSpPr>
+            <p:cNvPr id="97" name="Triangolo isoscele 29">
+              <a:extLst>
+                <a:ext uri="{FF2B5EF4-FFF2-40B4-BE49-F238E27FC236}">
+                  <a16:creationId xmlns:a16="http://schemas.microsoft.com/office/drawing/2014/main" id="{B2F4B3B8-B7D9-4D87-A9CC-2C72889D85A1}"/>
+                </a:ext>
+              </a:extLst>
+            </p:cNvPr>
+            <p:cNvSpPr/>
+            <p:nvPr/>
+          </p:nvSpPr>
+          <p:spPr>
+            <a:xfrm rot="16200000">
+              <a:off x="1618539" y="2391356"/>
+              <a:ext cx="86434" cy="139263"/>
+            </a:xfrm>
+            <a:prstGeom prst="triangle">
+              <a:avLst/>
+            </a:prstGeom>
+            <a:solidFill>
+              <a:srgbClr val="FF0000"/>
+            </a:solidFill>
+            <a:ln/>
+          </p:spPr>
+          <p:style>
+            <a:lnRef idx="1">
+              <a:schemeClr val="accent5"/>
+            </a:lnRef>
+            <a:fillRef idx="2">
+              <a:schemeClr val="accent5"/>
+            </a:fillRef>
+            <a:effectRef idx="1">
+              <a:schemeClr val="accent5"/>
+            </a:effectRef>
+            <a:fontRef idx="minor">
+              <a:schemeClr val="dk1"/>
+            </a:fontRef>
+          </p:style>
+          <p:txBody>
+            <a:bodyPr rtlCol="0" anchor="ctr"/>
+            <a:lstStyle/>
+            <a:p>
+              <a:pPr algn="ctr"/>
+              <a:endParaRPr lang="en-GB" sz="1200">
+                <a:solidFill>
+                  <a:schemeClr val="dk1"/>
+                </a:solidFill>
+              </a:endParaRPr>
+            </a:p>
+          </p:txBody>
+        </p:sp>
+      </p:grpSp>
+      <p:sp>
+        <p:nvSpPr>
+          <p:cNvPr id="98" name="TextBox 14">
+            <a:extLst>
+              <a:ext uri="{FF2B5EF4-FFF2-40B4-BE49-F238E27FC236}">
+                <a16:creationId xmlns:a16="http://schemas.microsoft.com/office/drawing/2014/main" id="{22DBA7FD-B890-4DDD-BDD5-A893FC0D763D}"/>
+              </a:ext>
+            </a:extLst>
+          </p:cNvPr>
+          <p:cNvSpPr txBox="1"/>
+          <p:nvPr/>
+        </p:nvSpPr>
+        <p:spPr>
+          <a:xfrm>
+            <a:off x="7207621" y="621658"/>
+            <a:ext cx="1245021" cy="369332"/>
+          </a:xfrm>
+          <a:prstGeom prst="rect">
+            <a:avLst/>
+          </a:prstGeom>
+          <a:noFill/>
+        </p:spPr>
+        <p:txBody>
+          <a:bodyPr wrap="none" rtlCol="0">
+            <a:spAutoFit/>
+          </a:bodyPr>
+          <a:lstStyle/>
+          <a:p>
+            <a:r>
+              <a:rPr lang="en-US" dirty="0"/>
+              <a:t>Application</a:t>
+            </a:r>
+          </a:p>
+        </p:txBody>
+      </p:sp>
+      <p:cxnSp>
+        <p:nvCxnSpPr>
+          <p:cNvPr id="100" name="Connettore 2 99">
+            <a:extLst>
+              <a:ext uri="{FF2B5EF4-FFF2-40B4-BE49-F238E27FC236}">
+                <a16:creationId xmlns:a16="http://schemas.microsoft.com/office/drawing/2014/main" id="{A088197D-EE19-4C49-9242-A80A7BEA4FF6}"/>
+              </a:ext>
+            </a:extLst>
+          </p:cNvPr>
+          <p:cNvCxnSpPr>
+            <a:stCxn id="95" idx="6"/>
+            <a:endCxn id="91" idx="1"/>
+          </p:cNvCxnSpPr>
+          <p:nvPr/>
+        </p:nvCxnSpPr>
+        <p:spPr>
+          <a:xfrm>
+            <a:off x="8162150" y="424675"/>
+            <a:ext cx="1749967" cy="8718"/>
+          </a:xfrm>
+          <a:prstGeom prst="straightConnector1">
+            <a:avLst/>
+          </a:prstGeom>
+          <a:ln>
+            <a:tailEnd type="triangle"/>
+          </a:ln>
+        </p:spPr>
+        <p:style>
+          <a:lnRef idx="1">
+            <a:schemeClr val="accent1"/>
+          </a:lnRef>
+          <a:fillRef idx="0">
+            <a:schemeClr val="accent1"/>
+          </a:fillRef>
+          <a:effectRef idx="0">
+            <a:schemeClr val="accent1"/>
+          </a:effectRef>
+          <a:fontRef idx="minor">
+            <a:schemeClr val="tx1"/>
+          </a:fontRef>
+        </p:style>
+      </p:cxnSp>
+      <p:sp>
+        <p:nvSpPr>
+          <p:cNvPr id="101" name="CasellaDiTesto 100">
+            <a:extLst>
+              <a:ext uri="{FF2B5EF4-FFF2-40B4-BE49-F238E27FC236}">
+                <a16:creationId xmlns:a16="http://schemas.microsoft.com/office/drawing/2014/main" id="{B6AFA010-F8C9-42F2-A435-A7221E307B22}"/>
+              </a:ext>
+            </a:extLst>
+          </p:cNvPr>
+          <p:cNvSpPr txBox="1"/>
+          <p:nvPr/>
+        </p:nvSpPr>
+        <p:spPr>
+          <a:xfrm>
+            <a:off x="8789630" y="180895"/>
+            <a:ext cx="1102994" cy="276999"/>
+          </a:xfrm>
+          <a:prstGeom prst="rect">
+            <a:avLst/>
+          </a:prstGeom>
+          <a:noFill/>
+        </p:spPr>
+        <p:txBody>
+          <a:bodyPr wrap="none" rtlCol="0">
+            <a:spAutoFit/>
+          </a:bodyPr>
+          <a:lstStyle/>
+          <a:p>
+            <a:r>
+              <a:rPr lang="en-US" sz="1200" dirty="0"/>
+              <a:t>{"step":"350" }</a:t>
+            </a:r>
+            <a:endParaRPr lang="it-IT" sz="1200" dirty="0"/>
+          </a:p>
+        </p:txBody>
+      </p:sp>
+      <p:sp>
+        <p:nvSpPr>
+          <p:cNvPr id="102" name="CasellaDiTesto 101">
+            <a:extLst>
+              <a:ext uri="{FF2B5EF4-FFF2-40B4-BE49-F238E27FC236}">
+                <a16:creationId xmlns:a16="http://schemas.microsoft.com/office/drawing/2014/main" id="{81528D8D-67C0-46DF-88A1-0DBC92DB9B69}"/>
+              </a:ext>
+            </a:extLst>
+          </p:cNvPr>
+          <p:cNvSpPr txBox="1"/>
+          <p:nvPr/>
+        </p:nvSpPr>
+        <p:spPr>
+          <a:xfrm>
+            <a:off x="7073105" y="1066632"/>
+            <a:ext cx="3465372" cy="276999"/>
+          </a:xfrm>
+          <a:prstGeom prst="rect">
+            <a:avLst/>
+          </a:prstGeom>
+          <a:noFill/>
+        </p:spPr>
+        <p:txBody>
+          <a:bodyPr wrap="none" rtlCol="0">
+            <a:spAutoFit/>
+          </a:bodyPr>
+          <a:lstStyle/>
+          <a:p>
+            <a:r>
+              <a:rPr lang="it-IT" sz="1200" dirty="0"/>
+              <a:t>{"</a:t>
+            </a:r>
+            <a:r>
+              <a:rPr lang="it-IT" sz="1200" dirty="0" err="1"/>
+              <a:t>stepDone</a:t>
+            </a:r>
+            <a:r>
+              <a:rPr lang="it-IT" sz="1200" dirty="0"/>
+              <a:t>":"ok"</a:t>
+            </a:r>
+            <a:r>
+              <a:rPr lang="en-US" sz="1200" dirty="0"/>
+              <a:t>} or </a:t>
+            </a:r>
+            <a:r>
+              <a:rPr lang="it-IT" sz="1200" dirty="0"/>
+              <a:t>{"</a:t>
+            </a:r>
+            <a:r>
+              <a:rPr lang="it-IT" sz="1200" dirty="0" err="1"/>
+              <a:t>stepFail</a:t>
+            </a:r>
+            <a:r>
+              <a:rPr lang="it-IT" sz="1200" dirty="0"/>
+              <a:t>":DT }  </a:t>
+            </a:r>
+            <a:r>
+              <a:rPr lang="en-US" sz="1200" dirty="0"/>
+              <a:t>since observed</a:t>
+            </a:r>
+            <a:endParaRPr lang="it-IT" sz="1200" dirty="0"/>
+          </a:p>
+        </p:txBody>
+      </p:sp>
+      <p:cxnSp>
+        <p:nvCxnSpPr>
+          <p:cNvPr id="104" name="Connettore a gomito 103">
+            <a:extLst>
+              <a:ext uri="{FF2B5EF4-FFF2-40B4-BE49-F238E27FC236}">
+                <a16:creationId xmlns:a16="http://schemas.microsoft.com/office/drawing/2014/main" id="{EDDD763B-B4EE-42F3-AA6E-33BC337FB996}"/>
+              </a:ext>
+            </a:extLst>
+          </p:cNvPr>
+          <p:cNvCxnSpPr>
+            <a:cxnSpLocks/>
+            <a:stCxn id="90" idx="4"/>
+            <a:endCxn id="96" idx="1"/>
+          </p:cNvCxnSpPr>
+          <p:nvPr/>
+        </p:nvCxnSpPr>
+        <p:spPr>
+          <a:xfrm rot="5400000" flipH="1">
+            <a:off x="8649984" y="-944655"/>
+            <a:ext cx="399440" cy="3107419"/>
+          </a:xfrm>
+          <a:prstGeom prst="bentConnector4">
+            <a:avLst>
+              <a:gd name="adj1" fmla="val -57230"/>
+              <a:gd name="adj2" fmla="val 107357"/>
+            </a:avLst>
+          </a:prstGeom>
+          <a:ln>
+            <a:tailEnd type="triangle"/>
+          </a:ln>
+        </p:spPr>
+        <p:style>
+          <a:lnRef idx="1">
+            <a:schemeClr val="accent1"/>
+          </a:lnRef>
+          <a:fillRef idx="0">
+            <a:schemeClr val="accent1"/>
+          </a:fillRef>
+          <a:effectRef idx="0">
+            <a:schemeClr val="accent1"/>
+          </a:effectRef>
+          <a:fontRef idx="minor">
+            <a:schemeClr val="tx1"/>
+          </a:fontRef>
+        </p:style>
+      </p:cxnSp>
+      <p:grpSp>
+        <p:nvGrpSpPr>
+          <p:cNvPr id="111" name="Gruppo 6">
+            <a:extLst>
+              <a:ext uri="{FF2B5EF4-FFF2-40B4-BE49-F238E27FC236}">
+                <a16:creationId xmlns:a16="http://schemas.microsoft.com/office/drawing/2014/main" id="{C6A16CDB-D0DB-410B-8304-78B9E7C30678}"/>
+              </a:ext>
+            </a:extLst>
+          </p:cNvPr>
+          <p:cNvGrpSpPr/>
+          <p:nvPr/>
+        </p:nvGrpSpPr>
+        <p:grpSpPr>
+          <a:xfrm>
+            <a:off x="8534711" y="3966126"/>
+            <a:ext cx="765958" cy="658580"/>
+            <a:chOff x="565700" y="4940367"/>
+            <a:chExt cx="805955" cy="772447"/>
+          </a:xfrm>
+        </p:grpSpPr>
+        <p:sp>
+          <p:nvSpPr>
+            <p:cNvPr id="112" name="Ovale 31">
+              <a:extLst>
+                <a:ext uri="{FF2B5EF4-FFF2-40B4-BE49-F238E27FC236}">
+                  <a16:creationId xmlns:a16="http://schemas.microsoft.com/office/drawing/2014/main" id="{E855E2B8-AA3B-4686-9BB3-2346348D3243}"/>
+                </a:ext>
+              </a:extLst>
+            </p:cNvPr>
+            <p:cNvSpPr/>
+            <p:nvPr/>
+          </p:nvSpPr>
+          <p:spPr>
+            <a:xfrm>
+              <a:off x="565700" y="4983583"/>
+              <a:ext cx="805955" cy="729231"/>
+            </a:xfrm>
+            <a:prstGeom prst="ellipse">
+              <a:avLst/>
+            </a:prstGeom>
+            <a:solidFill>
+              <a:srgbClr val="CCFF99"/>
+            </a:solidFill>
+            <a:ln/>
+          </p:spPr>
+          <p:style>
+            <a:lnRef idx="1">
+              <a:schemeClr val="accent4"/>
+            </a:lnRef>
+            <a:fillRef idx="2">
+              <a:schemeClr val="accent4"/>
+            </a:fillRef>
+            <a:effectRef idx="1">
+              <a:schemeClr val="accent4"/>
+            </a:effectRef>
+            <a:fontRef idx="minor">
+              <a:schemeClr val="dk1"/>
+            </a:fontRef>
+          </p:style>
+          <p:txBody>
+            <a:bodyPr rtlCol="0" anchor="ctr"/>
+            <a:lstStyle/>
+            <a:p>
+              <a:pPr algn="ctr"/>
+              <a:r>
+                <a:rPr lang="en-GB" sz="1200" dirty="0"/>
+                <a:t> </a:t>
+              </a:r>
+            </a:p>
+          </p:txBody>
+        </p:sp>
+        <p:sp>
+          <p:nvSpPr>
+            <p:cNvPr id="113" name="Triangolo isoscele 34">
+              <a:extLst>
+                <a:ext uri="{FF2B5EF4-FFF2-40B4-BE49-F238E27FC236}">
+                  <a16:creationId xmlns:a16="http://schemas.microsoft.com/office/drawing/2014/main" id="{E3F7BCE6-961B-4BFF-B88D-105D5D085E30}"/>
+                </a:ext>
+              </a:extLst>
+            </p:cNvPr>
+            <p:cNvSpPr/>
+            <p:nvPr/>
+          </p:nvSpPr>
+          <p:spPr>
+            <a:xfrm rot="16200000">
+              <a:off x="905299" y="4913952"/>
+              <a:ext cx="86434" cy="139263"/>
+            </a:xfrm>
+            <a:prstGeom prst="triangle">
+              <a:avLst/>
+            </a:prstGeom>
+            <a:solidFill>
+              <a:srgbClr val="C00000"/>
+            </a:solidFill>
+            <a:ln/>
+          </p:spPr>
+          <p:style>
+            <a:lnRef idx="1">
+              <a:schemeClr val="accent5"/>
+            </a:lnRef>
+            <a:fillRef idx="2">
+              <a:schemeClr val="accent5"/>
+            </a:fillRef>
+            <a:effectRef idx="1">
+              <a:schemeClr val="accent5"/>
+            </a:effectRef>
+            <a:fontRef idx="minor">
+              <a:schemeClr val="dk1"/>
+            </a:fontRef>
+          </p:style>
+          <p:txBody>
+            <a:bodyPr rtlCol="0" anchor="ctr"/>
+            <a:lstStyle/>
+            <a:p>
+              <a:pPr algn="ctr"/>
+              <a:endParaRPr lang="en-GB" sz="1200">
+                <a:solidFill>
+                  <a:schemeClr val="dk1"/>
+                </a:solidFill>
+              </a:endParaRPr>
+            </a:p>
+          </p:txBody>
+        </p:sp>
+      </p:grpSp>
+      <p:sp>
+        <p:nvSpPr>
+          <p:cNvPr id="114" name="TextBox 13">
+            <a:extLst>
+              <a:ext uri="{FF2B5EF4-FFF2-40B4-BE49-F238E27FC236}">
+                <a16:creationId xmlns:a16="http://schemas.microsoft.com/office/drawing/2014/main" id="{F8A33F5D-3FBF-4923-8176-68E81255A127}"/>
+              </a:ext>
+            </a:extLst>
+          </p:cNvPr>
+          <p:cNvSpPr txBox="1"/>
+          <p:nvPr/>
+        </p:nvSpPr>
+        <p:spPr>
+          <a:xfrm>
+            <a:off x="8189071" y="4436709"/>
+            <a:ext cx="1838645" cy="369332"/>
+          </a:xfrm>
+          <a:prstGeom prst="rect">
+            <a:avLst/>
+          </a:prstGeom>
+          <a:noFill/>
+        </p:spPr>
+        <p:txBody>
+          <a:bodyPr wrap="none" rtlCol="0">
+            <a:spAutoFit/>
+          </a:bodyPr>
+          <a:lstStyle/>
+          <a:p>
+            <a:r>
+              <a:rPr lang="en-US" dirty="0" err="1"/>
+              <a:t>StepRobotService</a:t>
+            </a:r>
+            <a:endParaRPr lang="en-US" dirty="0"/>
+          </a:p>
+        </p:txBody>
+      </p:sp>
+      <p:sp>
+        <p:nvSpPr>
+          <p:cNvPr id="115" name="Rectangle 4">
+            <a:extLst>
+              <a:ext uri="{FF2B5EF4-FFF2-40B4-BE49-F238E27FC236}">
+                <a16:creationId xmlns:a16="http://schemas.microsoft.com/office/drawing/2014/main" id="{AEC2852E-7108-4396-BECD-2DD6C7D76718}"/>
+              </a:ext>
+            </a:extLst>
+          </p:cNvPr>
+          <p:cNvSpPr/>
+          <p:nvPr/>
+        </p:nvSpPr>
+        <p:spPr>
+          <a:xfrm>
+            <a:off x="7741761" y="4163271"/>
+            <a:ext cx="914400" cy="314793"/>
+          </a:xfrm>
+          <a:prstGeom prst="rect">
+            <a:avLst/>
+          </a:prstGeom>
+          <a:solidFill>
+            <a:srgbClr val="CCFFFF"/>
+          </a:solidFill>
+          <a:ln>
+            <a:solidFill>
+              <a:schemeClr val="tx1"/>
+            </a:solidFill>
+          </a:ln>
+        </p:spPr>
+        <p:style>
+          <a:lnRef idx="2">
+            <a:schemeClr val="accent1">
+              <a:shade val="50%"/>
+            </a:schemeClr>
+          </a:lnRef>
+          <a:fillRef idx="1">
+            <a:schemeClr val="accent1"/>
+          </a:fillRef>
+          <a:effectRef idx="0">
+            <a:schemeClr val="accent1"/>
+          </a:effectRef>
+          <a:fontRef idx="minor">
+            <a:schemeClr val="lt1"/>
+          </a:fontRef>
+        </p:style>
+        <p:txBody>
+          <a:bodyPr rtlCol="0" anchor="ctr"/>
+          <a:lstStyle/>
+          <a:p>
+            <a:pPr algn="ctr"/>
+            <a:r>
+              <a:rPr lang="en-US" dirty="0">
+                <a:solidFill>
+                  <a:schemeClr val="tx1"/>
+                </a:solidFill>
+              </a:rPr>
+              <a:t>8010</a:t>
+            </a:r>
+          </a:p>
+        </p:txBody>
+      </p:sp>
+      <p:grpSp>
+        <p:nvGrpSpPr>
+          <p:cNvPr id="116" name="Gruppo 26">
+            <a:extLst>
+              <a:ext uri="{FF2B5EF4-FFF2-40B4-BE49-F238E27FC236}">
+                <a16:creationId xmlns:a16="http://schemas.microsoft.com/office/drawing/2014/main" id="{31FAA95F-CF14-4E5A-85D3-3776EE4A6230}"/>
+              </a:ext>
+            </a:extLst>
+          </p:cNvPr>
+          <p:cNvGrpSpPr/>
+          <p:nvPr/>
+        </p:nvGrpSpPr>
+        <p:grpSpPr>
+          <a:xfrm rot="16200000">
+            <a:off x="841173" y="4260166"/>
+            <a:ext cx="866156" cy="763297"/>
+            <a:chOff x="1194666" y="2417771"/>
+            <a:chExt cx="866156" cy="763297"/>
+          </a:xfrm>
+        </p:grpSpPr>
+        <p:sp>
+          <p:nvSpPr>
+            <p:cNvPr id="117" name="Ovale 27">
+              <a:extLst>
+                <a:ext uri="{FF2B5EF4-FFF2-40B4-BE49-F238E27FC236}">
+                  <a16:creationId xmlns:a16="http://schemas.microsoft.com/office/drawing/2014/main" id="{ADB3D9CB-3090-4B56-B5FA-8BB6141A7AEA}"/>
+                </a:ext>
+              </a:extLst>
+            </p:cNvPr>
+            <p:cNvSpPr/>
+            <p:nvPr/>
+          </p:nvSpPr>
+          <p:spPr>
+            <a:xfrm>
+              <a:off x="1311101" y="2460988"/>
+              <a:ext cx="749721" cy="720080"/>
+            </a:xfrm>
+            <a:prstGeom prst="ellipse">
+              <a:avLst/>
+            </a:prstGeom>
+            <a:solidFill>
+              <a:srgbClr val="FFCCFF"/>
+            </a:solidFill>
+            <a:ln/>
+          </p:spPr>
+          <p:style>
+            <a:lnRef idx="1">
+              <a:schemeClr val="accent5"/>
+            </a:lnRef>
+            <a:fillRef idx="2">
+              <a:schemeClr val="accent5"/>
+            </a:fillRef>
+            <a:effectRef idx="1">
+              <a:schemeClr val="accent5"/>
+            </a:effectRef>
+            <a:fontRef idx="minor">
+              <a:schemeClr val="dk1"/>
+            </a:fontRef>
+          </p:style>
+          <p:txBody>
+            <a:bodyPr rtlCol="0" anchor="ctr"/>
+            <a:lstStyle/>
+            <a:p>
+              <a:pPr algn="ctr"/>
+              <a:r>
+                <a:rPr lang="en-GB" sz="1200" dirty="0"/>
+                <a:t> </a:t>
+              </a:r>
+            </a:p>
+          </p:txBody>
+        </p:sp>
+        <p:sp>
+          <p:nvSpPr>
+            <p:cNvPr id="118" name="Rettangolo 28">
+              <a:extLst>
+                <a:ext uri="{FF2B5EF4-FFF2-40B4-BE49-F238E27FC236}">
+                  <a16:creationId xmlns:a16="http://schemas.microsoft.com/office/drawing/2014/main" id="{9C153EE7-AA41-4C58-B714-DD5025A601B8}"/>
+                </a:ext>
+              </a:extLst>
+            </p:cNvPr>
+            <p:cNvSpPr/>
+            <p:nvPr/>
+          </p:nvSpPr>
+          <p:spPr>
+            <a:xfrm>
+              <a:off x="1194666" y="2699711"/>
+              <a:ext cx="281433" cy="211952"/>
+            </a:xfrm>
+            <a:prstGeom prst="rect">
+              <a:avLst/>
+            </a:prstGeom>
+            <a:solidFill>
+              <a:srgbClr val="FFCCFF"/>
+            </a:solidFill>
+            <a:ln/>
+          </p:spPr>
+          <p:style>
+            <a:lnRef idx="1">
+              <a:schemeClr val="accent5"/>
+            </a:lnRef>
+            <a:fillRef idx="2">
+              <a:schemeClr val="accent5"/>
+            </a:fillRef>
+            <a:effectRef idx="1">
+              <a:schemeClr val="accent5"/>
+            </a:effectRef>
+            <a:fontRef idx="minor">
+              <a:schemeClr val="dk1"/>
+            </a:fontRef>
+          </p:style>
+          <p:txBody>
+            <a:bodyPr rtlCol="0" anchor="ctr"/>
+            <a:lstStyle/>
+            <a:p>
+              <a:pPr algn="ctr"/>
+              <a:endParaRPr lang="en-GB" sz="1200"/>
+            </a:p>
+          </p:txBody>
+        </p:sp>
+        <p:sp>
+          <p:nvSpPr>
+            <p:cNvPr id="119" name="Triangolo isoscele 29">
+              <a:extLst>
+                <a:ext uri="{FF2B5EF4-FFF2-40B4-BE49-F238E27FC236}">
+                  <a16:creationId xmlns:a16="http://schemas.microsoft.com/office/drawing/2014/main" id="{DFCBA48E-8132-42B8-9A70-C2E0A47BC192}"/>
+                </a:ext>
+              </a:extLst>
+            </p:cNvPr>
+            <p:cNvSpPr/>
+            <p:nvPr/>
+          </p:nvSpPr>
+          <p:spPr>
+            <a:xfrm rot="16200000">
+              <a:off x="1618539" y="2391356"/>
+              <a:ext cx="86434" cy="139263"/>
+            </a:xfrm>
+            <a:prstGeom prst="triangle">
+              <a:avLst/>
+            </a:prstGeom>
+            <a:solidFill>
+              <a:srgbClr val="FF0000"/>
+            </a:solidFill>
+            <a:ln/>
+          </p:spPr>
+          <p:style>
+            <a:lnRef idx="1">
+              <a:schemeClr val="accent5"/>
+            </a:lnRef>
+            <a:fillRef idx="2">
+              <a:schemeClr val="accent5"/>
+            </a:fillRef>
+            <a:effectRef idx="1">
+              <a:schemeClr val="accent5"/>
+            </a:effectRef>
+            <a:fontRef idx="minor">
+              <a:schemeClr val="dk1"/>
+            </a:fontRef>
+          </p:style>
+          <p:txBody>
+            <a:bodyPr rtlCol="0" anchor="ctr"/>
+            <a:lstStyle/>
+            <a:p>
+              <a:pPr algn="ctr"/>
+              <a:endParaRPr lang="en-GB" sz="1200">
+                <a:solidFill>
+                  <a:schemeClr val="dk1"/>
+                </a:solidFill>
+              </a:endParaRPr>
+            </a:p>
+          </p:txBody>
+        </p:sp>
+      </p:grpSp>
+      <p:grpSp>
+        <p:nvGrpSpPr>
+          <p:cNvPr id="120" name="Gruppo 26">
+            <a:extLst>
+              <a:ext uri="{FF2B5EF4-FFF2-40B4-BE49-F238E27FC236}">
+                <a16:creationId xmlns:a16="http://schemas.microsoft.com/office/drawing/2014/main" id="{998455AD-9B41-4A68-8B32-D762777E0CA9}"/>
+              </a:ext>
+            </a:extLst>
+          </p:cNvPr>
+          <p:cNvGrpSpPr/>
+          <p:nvPr/>
+        </p:nvGrpSpPr>
+        <p:grpSpPr>
+          <a:xfrm>
+            <a:off x="531960" y="3966127"/>
+            <a:ext cx="866156" cy="763297"/>
+            <a:chOff x="1194666" y="2417771"/>
+            <a:chExt cx="866156" cy="763297"/>
+          </a:xfrm>
+        </p:grpSpPr>
+        <p:sp>
+          <p:nvSpPr>
+            <p:cNvPr id="121" name="Ovale 27">
+              <a:extLst>
+                <a:ext uri="{FF2B5EF4-FFF2-40B4-BE49-F238E27FC236}">
+                  <a16:creationId xmlns:a16="http://schemas.microsoft.com/office/drawing/2014/main" id="{1516630F-E464-4566-99C3-D99065BFF6C5}"/>
+                </a:ext>
+              </a:extLst>
+            </p:cNvPr>
+            <p:cNvSpPr/>
+            <p:nvPr/>
+          </p:nvSpPr>
+          <p:spPr>
+            <a:xfrm>
+              <a:off x="1311101" y="2460988"/>
+              <a:ext cx="749721" cy="720080"/>
+            </a:xfrm>
+            <a:prstGeom prst="ellipse">
+              <a:avLst/>
+            </a:prstGeom>
+            <a:solidFill>
+              <a:srgbClr val="FFCCFF"/>
+            </a:solidFill>
+            <a:ln/>
+          </p:spPr>
+          <p:style>
+            <a:lnRef idx="1">
+              <a:schemeClr val="accent5"/>
+            </a:lnRef>
+            <a:fillRef idx="2">
+              <a:schemeClr val="accent5"/>
+            </a:fillRef>
+            <a:effectRef idx="1">
+              <a:schemeClr val="accent5"/>
+            </a:effectRef>
+            <a:fontRef idx="minor">
+              <a:schemeClr val="dk1"/>
+            </a:fontRef>
+          </p:style>
+          <p:txBody>
+            <a:bodyPr rtlCol="0" anchor="ctr"/>
+            <a:lstStyle/>
+            <a:p>
+              <a:pPr algn="ctr"/>
+              <a:r>
+                <a:rPr lang="en-GB" sz="1200" dirty="0"/>
+                <a:t> </a:t>
+              </a:r>
+            </a:p>
+          </p:txBody>
+        </p:sp>
+        <p:sp>
+          <p:nvSpPr>
+            <p:cNvPr id="122" name="Rettangolo 28">
+              <a:extLst>
+                <a:ext uri="{FF2B5EF4-FFF2-40B4-BE49-F238E27FC236}">
+                  <a16:creationId xmlns:a16="http://schemas.microsoft.com/office/drawing/2014/main" id="{46DE2A97-A31F-4324-A6F0-28ABD61D2FB2}"/>
+                </a:ext>
+              </a:extLst>
+            </p:cNvPr>
+            <p:cNvSpPr/>
+            <p:nvPr/>
+          </p:nvSpPr>
+          <p:spPr>
+            <a:xfrm>
+              <a:off x="1194666" y="2699711"/>
+              <a:ext cx="281433" cy="211952"/>
+            </a:xfrm>
+            <a:prstGeom prst="rect">
+              <a:avLst/>
+            </a:prstGeom>
+            <a:solidFill>
+              <a:srgbClr val="FFCCFF"/>
+            </a:solidFill>
+            <a:ln/>
+          </p:spPr>
+          <p:style>
+            <a:lnRef idx="1">
+              <a:schemeClr val="accent5"/>
+            </a:lnRef>
+            <a:fillRef idx="2">
+              <a:schemeClr val="accent5"/>
+            </a:fillRef>
+            <a:effectRef idx="1">
+              <a:schemeClr val="accent5"/>
+            </a:effectRef>
+            <a:fontRef idx="minor">
+              <a:schemeClr val="dk1"/>
+            </a:fontRef>
+          </p:style>
+          <p:txBody>
+            <a:bodyPr rtlCol="0" anchor="ctr"/>
+            <a:lstStyle/>
+            <a:p>
+              <a:pPr algn="ctr"/>
+              <a:endParaRPr lang="en-GB" sz="1200"/>
+            </a:p>
+          </p:txBody>
+        </p:sp>
+        <p:sp>
+          <p:nvSpPr>
+            <p:cNvPr id="123" name="Triangolo isoscele 29">
+              <a:extLst>
+                <a:ext uri="{FF2B5EF4-FFF2-40B4-BE49-F238E27FC236}">
+                  <a16:creationId xmlns:a16="http://schemas.microsoft.com/office/drawing/2014/main" id="{6E00E9FC-235C-4AA0-A897-ECA7882D0AAE}"/>
+                </a:ext>
+              </a:extLst>
+            </p:cNvPr>
+            <p:cNvSpPr/>
+            <p:nvPr/>
+          </p:nvSpPr>
+          <p:spPr>
+            <a:xfrm rot="16200000">
+              <a:off x="1618539" y="2391356"/>
+              <a:ext cx="86434" cy="139263"/>
+            </a:xfrm>
+            <a:prstGeom prst="triangle">
+              <a:avLst/>
+            </a:prstGeom>
+            <a:solidFill>
+              <a:srgbClr val="FF0000"/>
+            </a:solidFill>
+            <a:ln/>
+          </p:spPr>
+          <p:style>
+            <a:lnRef idx="1">
+              <a:schemeClr val="accent5"/>
+            </a:lnRef>
+            <a:fillRef idx="2">
+              <a:schemeClr val="accent5"/>
+            </a:fillRef>
+            <a:effectRef idx="1">
+              <a:schemeClr val="accent5"/>
+            </a:effectRef>
+            <a:fontRef idx="minor">
+              <a:schemeClr val="dk1"/>
+            </a:fontRef>
+          </p:style>
+          <p:txBody>
+            <a:bodyPr rtlCol="0" anchor="ctr"/>
+            <a:lstStyle/>
+            <a:p>
+              <a:pPr algn="ctr"/>
+              <a:endParaRPr lang="en-GB" sz="1200">
+                <a:solidFill>
+                  <a:schemeClr val="dk1"/>
+                </a:solidFill>
+              </a:endParaRPr>
+            </a:p>
+          </p:txBody>
+        </p:sp>
+      </p:grpSp>
+      <p:sp>
+        <p:nvSpPr>
+          <p:cNvPr id="124" name="TextBox 14">
+            <a:extLst>
+              <a:ext uri="{FF2B5EF4-FFF2-40B4-BE49-F238E27FC236}">
+                <a16:creationId xmlns:a16="http://schemas.microsoft.com/office/drawing/2014/main" id="{38E8C9A1-5EC7-4529-8336-FE035DB68128}"/>
+              </a:ext>
+            </a:extLst>
+          </p:cNvPr>
+          <p:cNvSpPr txBox="1"/>
+          <p:nvPr/>
+        </p:nvSpPr>
+        <p:spPr>
+          <a:xfrm>
+            <a:off x="435093" y="5022493"/>
+            <a:ext cx="1539268" cy="523220"/>
+          </a:xfrm>
+          <a:prstGeom prst="rect">
+            <a:avLst/>
+          </a:prstGeom>
+          <a:noFill/>
+        </p:spPr>
+        <p:txBody>
+          <a:bodyPr wrap="none" rtlCol="0">
+            <a:spAutoFit/>
+          </a:bodyPr>
+          <a:lstStyle/>
+          <a:p>
+            <a:r>
+              <a:rPr lang="en-US" sz="1400" dirty="0" err="1"/>
+              <a:t>ConnectionReader</a:t>
+            </a:r>
+            <a:endParaRPr lang="en-US" sz="1400" dirty="0"/>
+          </a:p>
+          <a:p>
+            <a:r>
+              <a:rPr lang="en-US" sz="1400" dirty="0"/>
+              <a:t>(observer)</a:t>
+            </a:r>
+          </a:p>
+        </p:txBody>
+      </p:sp>
+      <p:cxnSp>
+        <p:nvCxnSpPr>
+          <p:cNvPr id="125" name="Connettore a gomito 124">
+            <a:extLst>
+              <a:ext uri="{FF2B5EF4-FFF2-40B4-BE49-F238E27FC236}">
+                <a16:creationId xmlns:a16="http://schemas.microsoft.com/office/drawing/2014/main" id="{17C10336-D0C2-4D46-8A70-C1E7135FBF89}"/>
+              </a:ext>
+            </a:extLst>
+          </p:cNvPr>
+          <p:cNvCxnSpPr>
+            <a:cxnSpLocks/>
+            <a:stCxn id="117" idx="1"/>
+            <a:endCxn id="122" idx="1"/>
+          </p:cNvCxnSpPr>
+          <p:nvPr/>
+        </p:nvCxnSpPr>
+        <p:spPr>
+          <a:xfrm rot="10800000">
+            <a:off x="531961" y="4354044"/>
+            <a:ext cx="509313" cy="494621"/>
+          </a:xfrm>
+          <a:prstGeom prst="bentConnector3">
+            <a:avLst>
+              <a:gd name="adj1" fmla="val 144884"/>
+            </a:avLst>
+          </a:prstGeom>
+          <a:ln>
+            <a:tailEnd type="triangle"/>
+          </a:ln>
+        </p:spPr>
+        <p:style>
+          <a:lnRef idx="1">
+            <a:schemeClr val="accent1"/>
+          </a:lnRef>
+          <a:fillRef idx="0">
+            <a:schemeClr val="accent1"/>
+          </a:fillRef>
+          <a:effectRef idx="0">
+            <a:schemeClr val="accent1"/>
+          </a:effectRef>
+          <a:fontRef idx="minor">
+            <a:schemeClr val="tx1"/>
+          </a:fontRef>
+        </p:style>
+      </p:cxnSp>
+      <p:cxnSp>
+        <p:nvCxnSpPr>
+          <p:cNvPr id="126" name="Connettore a gomito 125">
+            <a:extLst>
+              <a:ext uri="{FF2B5EF4-FFF2-40B4-BE49-F238E27FC236}">
+                <a16:creationId xmlns:a16="http://schemas.microsoft.com/office/drawing/2014/main" id="{6E81CA86-85B5-4228-9BE7-A3F2A46005A8}"/>
+              </a:ext>
+            </a:extLst>
+          </p:cNvPr>
+          <p:cNvCxnSpPr>
+            <a:cxnSpLocks/>
+            <a:stCxn id="121" idx="6"/>
+          </p:cNvCxnSpPr>
+          <p:nvPr/>
+        </p:nvCxnSpPr>
+        <p:spPr>
+          <a:xfrm>
+            <a:off x="1398116" y="4369384"/>
+            <a:ext cx="6295336" cy="9292"/>
+          </a:xfrm>
+          <a:prstGeom prst="bentConnector3">
+            <a:avLst/>
+          </a:prstGeom>
+          <a:ln w="28575">
+            <a:solidFill>
+              <a:schemeClr val="tx1"/>
+            </a:solidFill>
+            <a:headEnd type="triangle"/>
+            <a:tailEnd type="triangle"/>
+          </a:ln>
+        </p:spPr>
+        <p:style>
+          <a:lnRef idx="1">
+            <a:schemeClr val="accent1"/>
+          </a:lnRef>
+          <a:fillRef idx="0">
+            <a:schemeClr val="accent1"/>
+          </a:fillRef>
+          <a:effectRef idx="0">
+            <a:schemeClr val="accent1"/>
+          </a:effectRef>
+          <a:fontRef idx="minor">
+            <a:schemeClr val="tx1"/>
+          </a:fontRef>
+        </p:style>
+      </p:cxnSp>
+      <p:sp>
+        <p:nvSpPr>
+          <p:cNvPr id="127" name="Ovale 126">
+            <a:extLst>
+              <a:ext uri="{FF2B5EF4-FFF2-40B4-BE49-F238E27FC236}">
+                <a16:creationId xmlns:a16="http://schemas.microsoft.com/office/drawing/2014/main" id="{9B4D0E2F-7EDF-4CCA-9783-1F1C3D1ABCF1}"/>
+              </a:ext>
+            </a:extLst>
+          </p:cNvPr>
+          <p:cNvSpPr/>
+          <p:nvPr/>
+        </p:nvSpPr>
+        <p:spPr>
+          <a:xfrm>
+            <a:off x="1116683" y="4245810"/>
+            <a:ext cx="248792" cy="235520"/>
+          </a:xfrm>
+          <a:prstGeom prst="ellipse">
+            <a:avLst/>
+          </a:prstGeom>
+          <a:solidFill>
+            <a:srgbClr val="CCECFF"/>
+          </a:solidFill>
+          <a:scene3d>
+            <a:camera prst="orthographicFront"/>
+            <a:lightRig rig="threePt" dir="t"/>
+          </a:scene3d>
+          <a:sp3d>
+            <a:bevelT prst="angle"/>
+          </a:sp3d>
+        </p:spPr>
+        <p:style>
+          <a:lnRef idx="2">
+            <a:schemeClr val="accent1">
+              <a:shade val="50%"/>
+            </a:schemeClr>
+          </a:lnRef>
+          <a:fillRef idx="1">
+            <a:schemeClr val="accent1"/>
+          </a:fillRef>
+          <a:effectRef idx="0">
+            <a:schemeClr val="accent1"/>
+          </a:effectRef>
+          <a:fontRef idx="minor">
+            <a:schemeClr val="lt1"/>
+          </a:fontRef>
+        </p:style>
+        <p:txBody>
+          <a:bodyPr rtlCol="0" anchor="ctr"/>
+          <a:lstStyle/>
+          <a:p>
+            <a:pPr algn="ctr"/>
+            <a:endParaRPr lang="it-IT"/>
+          </a:p>
+        </p:txBody>
+      </p:sp>
+      <p:sp>
+        <p:nvSpPr>
+          <p:cNvPr id="128" name="CasellaDiTesto 127">
+            <a:extLst>
+              <a:ext uri="{FF2B5EF4-FFF2-40B4-BE49-F238E27FC236}">
+                <a16:creationId xmlns:a16="http://schemas.microsoft.com/office/drawing/2014/main" id="{C01FC69E-2066-424C-8A5E-62937AE67BCD}"/>
+              </a:ext>
+            </a:extLst>
+          </p:cNvPr>
+          <p:cNvSpPr txBox="1"/>
+          <p:nvPr/>
+        </p:nvSpPr>
+        <p:spPr>
+          <a:xfrm>
+            <a:off x="2738997" y="3988510"/>
+            <a:ext cx="4127284" cy="307777"/>
+          </a:xfrm>
+          <a:prstGeom prst="rect">
+            <a:avLst/>
+          </a:prstGeom>
+          <a:noFill/>
+        </p:spPr>
+        <p:txBody>
+          <a:bodyPr wrap="none" rtlCol="0">
+            <a:spAutoFit/>
+          </a:bodyPr>
+          <a:lstStyle/>
+          <a:p>
+            <a:r>
+              <a:rPr lang="en-US" sz="1400" dirty="0"/>
+              <a:t>msg(</a:t>
+            </a:r>
+            <a:r>
+              <a:rPr lang="en-US" sz="1400" dirty="0" err="1"/>
+              <a:t>step,dispatch,walker,stepRobot</a:t>
+            </a:r>
+            <a:r>
+              <a:rPr lang="en-US" sz="1400" dirty="0"/>
+              <a:t>,{"step":"350" },1)</a:t>
+            </a:r>
+            <a:endParaRPr lang="it-IT" sz="1400" dirty="0"/>
+          </a:p>
+        </p:txBody>
+      </p:sp>
+      <p:sp>
+        <p:nvSpPr>
+          <p:cNvPr id="129" name="CasellaDiTesto 128">
+            <a:extLst>
+              <a:ext uri="{FF2B5EF4-FFF2-40B4-BE49-F238E27FC236}">
+                <a16:creationId xmlns:a16="http://schemas.microsoft.com/office/drawing/2014/main" id="{4B0CA1B3-D997-4390-99CB-B074636938EB}"/>
+              </a:ext>
+            </a:extLst>
+          </p:cNvPr>
+          <p:cNvSpPr txBox="1"/>
+          <p:nvPr/>
+        </p:nvSpPr>
+        <p:spPr>
+          <a:xfrm>
+            <a:off x="1664775" y="4467256"/>
+            <a:ext cx="5279202" cy="523220"/>
+          </a:xfrm>
+          <a:prstGeom prst="rect">
+            <a:avLst/>
+          </a:prstGeom>
+          <a:noFill/>
+        </p:spPr>
+        <p:txBody>
+          <a:bodyPr wrap="none" rtlCol="0">
+            <a:spAutoFit/>
+          </a:bodyPr>
+          <a:lstStyle/>
+          <a:p>
+            <a:r>
+              <a:rPr lang="it-IT" sz="1400" dirty="0"/>
+              <a:t>msg(</a:t>
+            </a:r>
+            <a:r>
+              <a:rPr lang="it-IT" sz="1400" dirty="0" err="1"/>
+              <a:t>stepAnswer,dispatch,stepRobot,ctxServer</a:t>
+            </a:r>
+            <a:r>
+              <a:rPr lang="it-IT" sz="1400" dirty="0"/>
+              <a:t>,{"</a:t>
+            </a:r>
+            <a:r>
+              <a:rPr lang="it-IT" sz="1400" dirty="0" err="1"/>
+              <a:t>stepDone</a:t>
+            </a:r>
+            <a:r>
+              <a:rPr lang="it-IT" sz="1400" dirty="0"/>
+              <a:t>":"ok" },5)</a:t>
+            </a:r>
+          </a:p>
+          <a:p>
+            <a:r>
+              <a:rPr lang="it-IT" sz="1400" dirty="0"/>
+              <a:t>msg(</a:t>
+            </a:r>
+            <a:r>
+              <a:rPr lang="it-IT" sz="1400" dirty="0" err="1"/>
+              <a:t>stepAnswer,dispatch,stepRobot,ctxServer</a:t>
+            </a:r>
+            <a:r>
+              <a:rPr lang="it-IT" sz="1400" dirty="0"/>
+              <a:t>,{"stepFail":"115" },13) l</a:t>
+            </a:r>
           </a:p>
         </p:txBody>
       </p:sp>

--- a/it.unibo.issLabStart/userDocs/BoundaryProblem.pptx
+++ b/it.unibo.issLabStart/userDocs/BoundaryProblem.pptx
@@ -5,7 +5,7 @@
     <p:sldMasterId id="2147483648" r:id="rId1"/>
   </p:sldMasterIdLst>
   <p:notesMasterIdLst>
-    <p:notesMasterId r:id="rId24"/>
+    <p:notesMasterId r:id="rId25"/>
   </p:notesMasterIdLst>
   <p:sldIdLst>
     <p:sldId id="359" r:id="rId2"/>
@@ -24,12 +24,13 @@
     <p:sldId id="371" r:id="rId15"/>
     <p:sldId id="374" r:id="rId16"/>
     <p:sldId id="375" r:id="rId17"/>
-    <p:sldId id="362" r:id="rId18"/>
-    <p:sldId id="363" r:id="rId19"/>
-    <p:sldId id="262" r:id="rId20"/>
-    <p:sldId id="263" r:id="rId21"/>
-    <p:sldId id="265" r:id="rId22"/>
-    <p:sldId id="267" r:id="rId23"/>
+    <p:sldId id="376" r:id="rId18"/>
+    <p:sldId id="362" r:id="rId19"/>
+    <p:sldId id="363" r:id="rId20"/>
+    <p:sldId id="262" r:id="rId21"/>
+    <p:sldId id="263" r:id="rId22"/>
+    <p:sldId id="265" r:id="rId23"/>
+    <p:sldId id="267" r:id="rId24"/>
   </p:sldIdLst>
   <p:sldSz cx="12192000" cy="6858000"/>
   <p:notesSz cx="6858000" cy="9144000"/>
@@ -376,7 +377,7 @@
           <a:p>
             <a:fld id="{28CFC100-3D62-4C71-9355-D1406CF01766}" type="slidenum">
               <a:rPr lang="en-US" smtClean="0"/>
-              <a:t>‹N›</a:t>
+              <a:t>‹#›</a:t>
             </a:fld>
             <a:endParaRPr lang="en-US"/>
           </a:p>
@@ -2219,7 +2220,7 @@
           <a:p>
             <a:pPr lvl="0"/>
             <a:fld id="{FEBEED23-3CB0-4314-8E77-F77AE33DDC27}" type="slidenum">
-              <a:t>‹N›</a:t>
+              <a:t>‹#›</a:t>
             </a:fld>
             <a:endParaRPr lang="en-US"/>
           </a:p>
@@ -2424,7 +2425,7 @@
           <a:p>
             <a:pPr lvl="0"/>
             <a:fld id="{C85F89E6-E841-433D-9226-E1980481D595}" type="slidenum">
-              <a:t>‹N›</a:t>
+              <a:t>‹#›</a:t>
             </a:fld>
             <a:endParaRPr lang="en-US"/>
           </a:p>
@@ -2674,7 +2675,7 @@
           <a:p>
             <a:pPr lvl="0"/>
             <a:fld id="{25E8B9DC-1601-4E89-9BF3-67798058929C}" type="slidenum">
-              <a:t>‹N›</a:t>
+              <a:t>‹#›</a:t>
             </a:fld>
             <a:endParaRPr lang="en-US"/>
           </a:p>
@@ -3012,7 +3013,7 @@
           <a:p>
             <a:pPr lvl="0"/>
             <a:fld id="{86011E27-E238-48D1-8B6B-308E3305A798}" type="slidenum">
-              <a:t>‹N›</a:t>
+              <a:t>‹#›</a:t>
             </a:fld>
             <a:endParaRPr lang="en-US"/>
           </a:p>
@@ -3262,7 +3263,7 @@
           <a:p>
             <a:pPr lvl="0"/>
             <a:fld id="{3838CB40-8488-4632-BEE4-1726605F46A2}" type="slidenum">
-              <a:t>‹N›</a:t>
+              <a:t>‹#›</a:t>
             </a:fld>
             <a:endParaRPr lang="en-US"/>
           </a:p>
@@ -3642,7 +3643,7 @@
           <a:p>
             <a:pPr lvl="0"/>
             <a:fld id="{DF155DDB-B265-4385-85EB-9BB6F96920F3}" type="slidenum">
-              <a:t>‹N›</a:t>
+              <a:t>‹#›</a:t>
             </a:fld>
             <a:endParaRPr lang="en-US"/>
           </a:p>
@@ -3876,7 +3877,7 @@
           <a:p>
             <a:pPr lvl="0"/>
             <a:fld id="{AFBA4CC0-DF28-4594-B397-0B69C273FCC7}" type="slidenum">
-              <a:t>‹N›</a:t>
+              <a:t>‹#›</a:t>
             </a:fld>
             <a:endParaRPr lang="en-US"/>
           </a:p>
@@ -4120,7 +4121,7 @@
           <a:p>
             <a:pPr lvl="0"/>
             <a:fld id="{EFAAD9BC-2D0C-483F-8155-9F1E48F77017}" type="slidenum">
-              <a:t>‹N›</a:t>
+              <a:t>‹#›</a:t>
             </a:fld>
             <a:endParaRPr lang="en-US"/>
           </a:p>
@@ -4354,7 +4355,7 @@
           <a:p>
             <a:pPr lvl="0"/>
             <a:fld id="{7548A338-ED36-4B02-8A7A-B62AA2999902}" type="slidenum">
-              <a:t>‹N›</a:t>
+              <a:t>‹#›</a:t>
             </a:fld>
             <a:endParaRPr lang="en-US"/>
           </a:p>
@@ -4563,7 +4564,7 @@
           <a:p>
             <a:pPr lvl="0"/>
             <a:fld id="{864A4FA9-6AAC-4551-B51D-2A8210D0C5CC}" type="slidenum">
-              <a:t>‹N›</a:t>
+              <a:t>‹#›</a:t>
             </a:fld>
             <a:endParaRPr lang="en-US"/>
           </a:p>
@@ -4880,7 +4881,7 @@
           <a:p>
             <a:pPr lvl="0"/>
             <a:fld id="{3B82688E-5447-4477-9F70-BCD59116F07E}" type="slidenum">
-              <a:t>‹N›</a:t>
+              <a:t>‹#›</a:t>
             </a:fld>
             <a:endParaRPr lang="en-US"/>
           </a:p>
@@ -5279,7 +5280,7 @@
           <a:p>
             <a:pPr lvl="0"/>
             <a:fld id="{CB2E60DC-FEE2-4D8E-B96B-62896C0CB29E}" type="slidenum">
-              <a:t>‹N›</a:t>
+              <a:t>‹#›</a:t>
             </a:fld>
             <a:endParaRPr lang="en-US"/>
           </a:p>
@@ -5440,7 +5441,7 @@
           <a:p>
             <a:pPr lvl="0"/>
             <a:fld id="{89A43199-AD0E-4750-B27B-4C1D93A2EA32}" type="slidenum">
-              <a:t>‹N›</a:t>
+              <a:t>‹#›</a:t>
             </a:fld>
             <a:endParaRPr lang="en-US"/>
           </a:p>
@@ -5569,7 +5570,7 @@
           <a:p>
             <a:pPr lvl="0"/>
             <a:fld id="{1770E780-0E85-498B-B658-B69898171ACB}" type="slidenum">
-              <a:t>‹N›</a:t>
+              <a:t>‹#›</a:t>
             </a:fld>
             <a:endParaRPr lang="en-US"/>
           </a:p>
@@ -5852,7 +5853,7 @@
           <a:p>
             <a:pPr lvl="0"/>
             <a:fld id="{7AC017E1-2DD0-4D42-9E09-06ADDE3F63D7}" type="slidenum">
-              <a:t>‹N›</a:t>
+              <a:t>‹#›</a:t>
             </a:fld>
             <a:endParaRPr lang="en-US"/>
           </a:p>
@@ -6096,7 +6097,7 @@
           <a:p>
             <a:pPr lvl="0"/>
             <a:fld id="{3B62C8DE-7929-43A8-9BA2-34E07DFC7D3C}" type="slidenum">
-              <a:t>‹N›</a:t>
+              <a:t>‹#›</a:t>
             </a:fld>
             <a:endParaRPr lang="en-US"/>
           </a:p>
@@ -7644,7 +7645,7 @@
           <a:p>
             <a:pPr lvl="0"/>
             <a:fld id="{5FDB0281-6497-4923-A6A9-684DC7375417}" type="slidenum">
-              <a:t>‹N›</a:t>
+              <a:t>‹#›</a:t>
             </a:fld>
             <a:endParaRPr lang="en-US"/>
           </a:p>
@@ -18377,7 +18378,7 @@
         </p:nvGrpSpPr>
         <p:grpSpPr>
           <a:xfrm>
-            <a:off x="2235320" y="1120462"/>
+            <a:off x="2849916" y="355964"/>
             <a:ext cx="2630809" cy="2478014"/>
             <a:chOff x="565700" y="4940367"/>
             <a:chExt cx="805955" cy="772447"/>
@@ -18501,7 +18502,7 @@
         </p:nvSpPr>
         <p:spPr>
           <a:xfrm>
-            <a:off x="1749402" y="2017594"/>
+            <a:off x="2363998" y="1253096"/>
             <a:ext cx="914400" cy="314793"/>
           </a:xfrm>
           <a:prstGeom prst="rect">
@@ -18562,7 +18563,7 @@
         </p:nvGrpSpPr>
         <p:grpSpPr>
           <a:xfrm>
-            <a:off x="2641190" y="1501800"/>
+            <a:off x="3255786" y="737302"/>
             <a:ext cx="866156" cy="763297"/>
             <a:chOff x="1194666" y="2417771"/>
             <a:chExt cx="866156" cy="763297"/>
@@ -18734,6 +18735,1527 @@
         </p:nvSpPr>
         <p:spPr>
           <a:xfrm>
+            <a:off x="1832166" y="2234631"/>
+            <a:ext cx="1838645" cy="369332"/>
+          </a:xfrm>
+          <a:prstGeom prst="rect">
+            <a:avLst/>
+          </a:prstGeom>
+          <a:noFill/>
+        </p:spPr>
+        <p:txBody>
+          <a:bodyPr wrap="none" rtlCol="0">
+            <a:spAutoFit/>
+          </a:bodyPr>
+          <a:lstStyle/>
+          <a:p>
+            <a:r>
+              <a:rPr lang="en-US" dirty="0" err="1"/>
+              <a:t>StepRobotService</a:t>
+            </a:r>
+            <a:endParaRPr lang="en-US" dirty="0"/>
+          </a:p>
+        </p:txBody>
+      </p:sp>
+      <p:sp>
+        <p:nvSpPr>
+          <p:cNvPr id="41" name="TextBox 13">
+            <a:extLst>
+              <a:ext uri="{FF2B5EF4-FFF2-40B4-BE49-F238E27FC236}">
+                <a16:creationId xmlns:a16="http://schemas.microsoft.com/office/drawing/2014/main" id="{BA9A85A1-CCC3-42D8-AA89-8A0F5BDFA20F}"/>
+              </a:ext>
+            </a:extLst>
+          </p:cNvPr>
+          <p:cNvSpPr txBox="1"/>
+          <p:nvPr/>
+        </p:nvSpPr>
+        <p:spPr>
+          <a:xfrm>
+            <a:off x="3604534" y="964134"/>
+            <a:ext cx="1860766" cy="307777"/>
+          </a:xfrm>
+          <a:prstGeom prst="rect">
+            <a:avLst/>
+          </a:prstGeom>
+          <a:noFill/>
+        </p:spPr>
+        <p:txBody>
+          <a:bodyPr wrap="none" rtlCol="0">
+            <a:spAutoFit/>
+          </a:bodyPr>
+          <a:lstStyle/>
+          <a:p>
+            <a:r>
+              <a:rPr lang="en-US" sz="1400" dirty="0" err="1"/>
+              <a:t>ActorContextTcpServer</a:t>
+            </a:r>
+            <a:endParaRPr lang="en-US" sz="1400" dirty="0"/>
+          </a:p>
+        </p:txBody>
+      </p:sp>
+      <p:grpSp>
+        <p:nvGrpSpPr>
+          <p:cNvPr id="42" name="Gruppo 26">
+            <a:extLst>
+              <a:ext uri="{FF2B5EF4-FFF2-40B4-BE49-F238E27FC236}">
+                <a16:creationId xmlns:a16="http://schemas.microsoft.com/office/drawing/2014/main" id="{9ABB4138-2DBD-4D20-8DC7-270BAD0DB888}"/>
+              </a:ext>
+            </a:extLst>
+          </p:cNvPr>
+          <p:cNvGrpSpPr/>
+          <p:nvPr/>
+        </p:nvGrpSpPr>
+        <p:grpSpPr>
+          <a:xfrm>
+            <a:off x="4104501" y="1762701"/>
+            <a:ext cx="866156" cy="763297"/>
+            <a:chOff x="1194666" y="2417771"/>
+            <a:chExt cx="866156" cy="763297"/>
+          </a:xfrm>
+        </p:grpSpPr>
+        <p:sp>
+          <p:nvSpPr>
+            <p:cNvPr id="43" name="Ovale 27">
+              <a:extLst>
+                <a:ext uri="{FF2B5EF4-FFF2-40B4-BE49-F238E27FC236}">
+                  <a16:creationId xmlns:a16="http://schemas.microsoft.com/office/drawing/2014/main" id="{B88FB485-B9CE-4ADD-8DF7-4E306EF56F13}"/>
+                </a:ext>
+              </a:extLst>
+            </p:cNvPr>
+            <p:cNvSpPr/>
+            <p:nvPr/>
+          </p:nvSpPr>
+          <p:spPr>
+            <a:xfrm>
+              <a:off x="1311101" y="2460988"/>
+              <a:ext cx="749721" cy="720080"/>
+            </a:xfrm>
+            <a:prstGeom prst="ellipse">
+              <a:avLst/>
+            </a:prstGeom>
+            <a:solidFill>
+              <a:srgbClr val="FFCCFF"/>
+            </a:solidFill>
+            <a:ln/>
+          </p:spPr>
+          <p:style>
+            <a:lnRef idx="1">
+              <a:schemeClr val="accent5"/>
+            </a:lnRef>
+            <a:fillRef idx="2">
+              <a:schemeClr val="accent5"/>
+            </a:fillRef>
+            <a:effectRef idx="1">
+              <a:schemeClr val="accent5"/>
+            </a:effectRef>
+            <a:fontRef idx="minor">
+              <a:schemeClr val="dk1"/>
+            </a:fontRef>
+          </p:style>
+          <p:txBody>
+            <a:bodyPr rtlCol="0" anchor="ctr"/>
+            <a:lstStyle/>
+            <a:p>
+              <a:pPr algn="ctr"/>
+              <a:r>
+                <a:rPr lang="en-GB" sz="1200" dirty="0"/>
+                <a:t> </a:t>
+              </a:r>
+            </a:p>
+          </p:txBody>
+        </p:sp>
+        <p:sp>
+          <p:nvSpPr>
+            <p:cNvPr id="44" name="Rettangolo 28">
+              <a:extLst>
+                <a:ext uri="{FF2B5EF4-FFF2-40B4-BE49-F238E27FC236}">
+                  <a16:creationId xmlns:a16="http://schemas.microsoft.com/office/drawing/2014/main" id="{86D58737-230F-41EF-89F2-D3F131F398B6}"/>
+                </a:ext>
+              </a:extLst>
+            </p:cNvPr>
+            <p:cNvSpPr/>
+            <p:nvPr/>
+          </p:nvSpPr>
+          <p:spPr>
+            <a:xfrm>
+              <a:off x="1194666" y="2699711"/>
+              <a:ext cx="281433" cy="211952"/>
+            </a:xfrm>
+            <a:prstGeom prst="rect">
+              <a:avLst/>
+            </a:prstGeom>
+            <a:solidFill>
+              <a:srgbClr val="FFCCFF"/>
+            </a:solidFill>
+            <a:ln/>
+          </p:spPr>
+          <p:style>
+            <a:lnRef idx="1">
+              <a:schemeClr val="accent5"/>
+            </a:lnRef>
+            <a:fillRef idx="2">
+              <a:schemeClr val="accent5"/>
+            </a:fillRef>
+            <a:effectRef idx="1">
+              <a:schemeClr val="accent5"/>
+            </a:effectRef>
+            <a:fontRef idx="minor">
+              <a:schemeClr val="dk1"/>
+            </a:fontRef>
+          </p:style>
+          <p:txBody>
+            <a:bodyPr rtlCol="0" anchor="ctr"/>
+            <a:lstStyle/>
+            <a:p>
+              <a:pPr algn="ctr"/>
+              <a:endParaRPr lang="en-GB" sz="1200"/>
+            </a:p>
+          </p:txBody>
+        </p:sp>
+        <p:sp>
+          <p:nvSpPr>
+            <p:cNvPr id="45" name="Triangolo isoscele 29">
+              <a:extLst>
+                <a:ext uri="{FF2B5EF4-FFF2-40B4-BE49-F238E27FC236}">
+                  <a16:creationId xmlns:a16="http://schemas.microsoft.com/office/drawing/2014/main" id="{7CE2774F-2FDF-49B1-A3E1-82EFE04F3348}"/>
+                </a:ext>
+              </a:extLst>
+            </p:cNvPr>
+            <p:cNvSpPr/>
+            <p:nvPr/>
+          </p:nvSpPr>
+          <p:spPr>
+            <a:xfrm rot="16200000">
+              <a:off x="1618539" y="2391356"/>
+              <a:ext cx="86434" cy="139263"/>
+            </a:xfrm>
+            <a:prstGeom prst="triangle">
+              <a:avLst/>
+            </a:prstGeom>
+            <a:solidFill>
+              <a:srgbClr val="FF0000"/>
+            </a:solidFill>
+            <a:ln/>
+          </p:spPr>
+          <p:style>
+            <a:lnRef idx="1">
+              <a:schemeClr val="accent5"/>
+            </a:lnRef>
+            <a:fillRef idx="2">
+              <a:schemeClr val="accent5"/>
+            </a:fillRef>
+            <a:effectRef idx="1">
+              <a:schemeClr val="accent5"/>
+            </a:effectRef>
+            <a:fontRef idx="minor">
+              <a:schemeClr val="dk1"/>
+            </a:fontRef>
+          </p:style>
+          <p:txBody>
+            <a:bodyPr rtlCol="0" anchor="ctr"/>
+            <a:lstStyle/>
+            <a:p>
+              <a:pPr algn="ctr"/>
+              <a:endParaRPr lang="en-GB" sz="1200">
+                <a:solidFill>
+                  <a:schemeClr val="dk1"/>
+                </a:solidFill>
+              </a:endParaRPr>
+            </a:p>
+          </p:txBody>
+        </p:sp>
+      </p:grpSp>
+      <p:sp>
+        <p:nvSpPr>
+          <p:cNvPr id="47" name="TextBox 13">
+            <a:extLst>
+              <a:ext uri="{FF2B5EF4-FFF2-40B4-BE49-F238E27FC236}">
+                <a16:creationId xmlns:a16="http://schemas.microsoft.com/office/drawing/2014/main" id="{9311584D-6079-4BE5-BD93-C839B5908D00}"/>
+              </a:ext>
+            </a:extLst>
+          </p:cNvPr>
+          <p:cNvSpPr txBox="1"/>
+          <p:nvPr/>
+        </p:nvSpPr>
+        <p:spPr>
+          <a:xfrm>
+            <a:off x="3059704" y="1439869"/>
+            <a:ext cx="947247" cy="307777"/>
+          </a:xfrm>
+          <a:prstGeom prst="rect">
+            <a:avLst/>
+          </a:prstGeom>
+          <a:noFill/>
+        </p:spPr>
+        <p:txBody>
+          <a:bodyPr wrap="none" rtlCol="0">
+            <a:spAutoFit/>
+          </a:bodyPr>
+          <a:lstStyle/>
+          <a:p>
+            <a:r>
+              <a:rPr lang="en-US" sz="1400" dirty="0" err="1"/>
+              <a:t>TCPSupprt</a:t>
+            </a:r>
+            <a:endParaRPr lang="en-US" sz="1400" dirty="0"/>
+          </a:p>
+        </p:txBody>
+      </p:sp>
+      <p:cxnSp>
+        <p:nvCxnSpPr>
+          <p:cNvPr id="49" name="Connettore a gomito 48">
+            <a:extLst>
+              <a:ext uri="{FF2B5EF4-FFF2-40B4-BE49-F238E27FC236}">
+                <a16:creationId xmlns:a16="http://schemas.microsoft.com/office/drawing/2014/main" id="{9C80AE37-AB6A-40D7-AAB8-91549E97C6D0}"/>
+              </a:ext>
+            </a:extLst>
+          </p:cNvPr>
+          <p:cNvCxnSpPr>
+            <a:stCxn id="7" idx="4"/>
+            <a:endCxn id="44" idx="1"/>
+          </p:cNvCxnSpPr>
+          <p:nvPr/>
+        </p:nvCxnSpPr>
+        <p:spPr>
+          <a:xfrm rot="16200000" flipH="1">
+            <a:off x="3600782" y="1646898"/>
+            <a:ext cx="650018" cy="357419"/>
+          </a:xfrm>
+          <a:prstGeom prst="bentConnector2">
+            <a:avLst/>
+          </a:prstGeom>
+          <a:ln>
+            <a:tailEnd type="triangle"/>
+          </a:ln>
+        </p:spPr>
+        <p:style>
+          <a:lnRef idx="1">
+            <a:schemeClr val="accent1"/>
+          </a:lnRef>
+          <a:fillRef idx="0">
+            <a:schemeClr val="accent1"/>
+          </a:fillRef>
+          <a:effectRef idx="0">
+            <a:schemeClr val="accent1"/>
+          </a:effectRef>
+          <a:fontRef idx="minor">
+            <a:schemeClr val="tx1"/>
+          </a:fontRef>
+        </p:style>
+      </p:cxnSp>
+      <p:sp>
+        <p:nvSpPr>
+          <p:cNvPr id="50" name="TextBox 13">
+            <a:extLst>
+              <a:ext uri="{FF2B5EF4-FFF2-40B4-BE49-F238E27FC236}">
+                <a16:creationId xmlns:a16="http://schemas.microsoft.com/office/drawing/2014/main" id="{E65E70D6-33B9-4A1A-ACE1-AA2E5353C84E}"/>
+              </a:ext>
+            </a:extLst>
+          </p:cNvPr>
+          <p:cNvSpPr txBox="1"/>
+          <p:nvPr/>
+        </p:nvSpPr>
+        <p:spPr>
+          <a:xfrm>
+            <a:off x="3951103" y="2248524"/>
+            <a:ext cx="1511568" cy="338554"/>
+          </a:xfrm>
+          <a:prstGeom prst="rect">
+            <a:avLst/>
+          </a:prstGeom>
+          <a:noFill/>
+        </p:spPr>
+        <p:txBody>
+          <a:bodyPr wrap="none" rtlCol="0">
+            <a:spAutoFit/>
+          </a:bodyPr>
+          <a:lstStyle/>
+          <a:p>
+            <a:r>
+              <a:rPr lang="en-US" sz="1600" dirty="0" err="1"/>
+              <a:t>StepRobotActor</a:t>
+            </a:r>
+            <a:endParaRPr lang="en-US" sz="1600" dirty="0"/>
+          </a:p>
+        </p:txBody>
+      </p:sp>
+      <p:sp>
+        <p:nvSpPr>
+          <p:cNvPr id="55" name="Ovale 54">
+            <a:extLst>
+              <a:ext uri="{FF2B5EF4-FFF2-40B4-BE49-F238E27FC236}">
+                <a16:creationId xmlns:a16="http://schemas.microsoft.com/office/drawing/2014/main" id="{A258818B-1AEA-461A-AB7A-24BAE7FF6C96}"/>
+              </a:ext>
+            </a:extLst>
+          </p:cNvPr>
+          <p:cNvSpPr/>
+          <p:nvPr/>
+        </p:nvSpPr>
+        <p:spPr>
+          <a:xfrm>
+            <a:off x="3303907" y="1294343"/>
+            <a:ext cx="248792" cy="235520"/>
+          </a:xfrm>
+          <a:prstGeom prst="ellipse">
+            <a:avLst/>
+          </a:prstGeom>
+          <a:solidFill>
+            <a:srgbClr val="CCECFF"/>
+          </a:solidFill>
+          <a:scene3d>
+            <a:camera prst="orthographicFront"/>
+            <a:lightRig rig="threePt" dir="t"/>
+          </a:scene3d>
+          <a:sp3d>
+            <a:bevelT prst="angle"/>
+          </a:sp3d>
+        </p:spPr>
+        <p:style>
+          <a:lnRef idx="2">
+            <a:schemeClr val="accent1">
+              <a:shade val="50%"/>
+            </a:schemeClr>
+          </a:lnRef>
+          <a:fillRef idx="1">
+            <a:schemeClr val="accent1"/>
+          </a:fillRef>
+          <a:effectRef idx="0">
+            <a:schemeClr val="accent1"/>
+          </a:effectRef>
+          <a:fontRef idx="minor">
+            <a:schemeClr val="lt1"/>
+          </a:fontRef>
+        </p:style>
+        <p:txBody>
+          <a:bodyPr rtlCol="0" anchor="ctr"/>
+          <a:lstStyle/>
+          <a:p>
+            <a:pPr algn="ctr"/>
+            <a:endParaRPr lang="it-IT"/>
+          </a:p>
+        </p:txBody>
+      </p:sp>
+      <p:sp>
+        <p:nvSpPr>
+          <p:cNvPr id="77" name="Ovale 76">
+            <a:extLst>
+              <a:ext uri="{FF2B5EF4-FFF2-40B4-BE49-F238E27FC236}">
+                <a16:creationId xmlns:a16="http://schemas.microsoft.com/office/drawing/2014/main" id="{3F3DBA6D-A3ED-425D-8771-9AB281E96B0C}"/>
+              </a:ext>
+            </a:extLst>
+          </p:cNvPr>
+          <p:cNvSpPr/>
+          <p:nvPr/>
+        </p:nvSpPr>
+        <p:spPr>
+          <a:xfrm>
+            <a:off x="3983304" y="691346"/>
+            <a:ext cx="248792" cy="235520"/>
+          </a:xfrm>
+          <a:prstGeom prst="ellipse">
+            <a:avLst/>
+          </a:prstGeom>
+          <a:solidFill>
+            <a:srgbClr val="FFFF00"/>
+          </a:solidFill>
+          <a:scene3d>
+            <a:camera prst="orthographicFront"/>
+            <a:lightRig rig="threePt" dir="t"/>
+          </a:scene3d>
+          <a:sp3d>
+            <a:bevelT prst="angle"/>
+          </a:sp3d>
+        </p:spPr>
+        <p:style>
+          <a:lnRef idx="2">
+            <a:schemeClr val="accent1">
+              <a:shade val="50%"/>
+            </a:schemeClr>
+          </a:lnRef>
+          <a:fillRef idx="1">
+            <a:schemeClr val="accent1"/>
+          </a:fillRef>
+          <a:effectRef idx="0">
+            <a:schemeClr val="accent1"/>
+          </a:effectRef>
+          <a:fontRef idx="minor">
+            <a:schemeClr val="lt1"/>
+          </a:fontRef>
+        </p:style>
+        <p:txBody>
+          <a:bodyPr rtlCol="0" anchor="ctr"/>
+          <a:lstStyle/>
+          <a:p>
+            <a:pPr algn="ctr"/>
+            <a:endParaRPr lang="it-IT"/>
+          </a:p>
+        </p:txBody>
+      </p:sp>
+      <p:sp>
+        <p:nvSpPr>
+          <p:cNvPr id="78" name="TextBox 13">
+            <a:extLst>
+              <a:ext uri="{FF2B5EF4-FFF2-40B4-BE49-F238E27FC236}">
+                <a16:creationId xmlns:a16="http://schemas.microsoft.com/office/drawing/2014/main" id="{8C95953C-8C3C-47AB-9551-4BE30C0CBE39}"/>
+              </a:ext>
+            </a:extLst>
+          </p:cNvPr>
+          <p:cNvSpPr txBox="1"/>
+          <p:nvPr/>
+        </p:nvSpPr>
+        <p:spPr>
+          <a:xfrm>
+            <a:off x="4121942" y="638090"/>
+            <a:ext cx="1489510" cy="276999"/>
+          </a:xfrm>
+          <a:prstGeom prst="rect">
+            <a:avLst/>
+          </a:prstGeom>
+          <a:noFill/>
+        </p:spPr>
+        <p:txBody>
+          <a:bodyPr wrap="none" rtlCol="0">
+            <a:spAutoFit/>
+          </a:bodyPr>
+          <a:lstStyle/>
+          <a:p>
+            <a:r>
+              <a:rPr lang="en-US" sz="1200" dirty="0" err="1"/>
+              <a:t>ActorBasicContextKb</a:t>
+            </a:r>
+            <a:endParaRPr lang="en-US" sz="1200" dirty="0"/>
+          </a:p>
+        </p:txBody>
+      </p:sp>
+      <p:sp>
+        <p:nvSpPr>
+          <p:cNvPr id="81" name="CasellaDiTesto 80">
+            <a:extLst>
+              <a:ext uri="{FF2B5EF4-FFF2-40B4-BE49-F238E27FC236}">
+                <a16:creationId xmlns:a16="http://schemas.microsoft.com/office/drawing/2014/main" id="{B926C41D-2A22-47B5-AF66-58B9EC31F5CF}"/>
+              </a:ext>
+            </a:extLst>
+          </p:cNvPr>
+          <p:cNvSpPr txBox="1"/>
+          <p:nvPr/>
+        </p:nvSpPr>
+        <p:spPr>
+          <a:xfrm>
+            <a:off x="3018528" y="1780881"/>
+            <a:ext cx="1259576" cy="307777"/>
+          </a:xfrm>
+          <a:prstGeom prst="rect">
+            <a:avLst/>
+          </a:prstGeom>
+          <a:noFill/>
+        </p:spPr>
+        <p:txBody>
+          <a:bodyPr wrap="none" rtlCol="0">
+            <a:spAutoFit/>
+          </a:bodyPr>
+          <a:lstStyle/>
+          <a:p>
+            <a:r>
+              <a:rPr lang="en-US" sz="1400" dirty="0"/>
+              <a:t>{"step":"350" }</a:t>
+            </a:r>
+            <a:endParaRPr lang="it-IT" sz="1400" dirty="0"/>
+          </a:p>
+        </p:txBody>
+      </p:sp>
+      <p:sp>
+        <p:nvSpPr>
+          <p:cNvPr id="82" name="Ovale 81">
+            <a:extLst>
+              <a:ext uri="{FF2B5EF4-FFF2-40B4-BE49-F238E27FC236}">
+                <a16:creationId xmlns:a16="http://schemas.microsoft.com/office/drawing/2014/main" id="{BDA88481-35D1-4C7E-940F-728558305A8B}"/>
+              </a:ext>
+            </a:extLst>
+          </p:cNvPr>
+          <p:cNvSpPr/>
+          <p:nvPr/>
+        </p:nvSpPr>
+        <p:spPr>
+          <a:xfrm>
+            <a:off x="4985455" y="2032138"/>
+            <a:ext cx="248792" cy="235520"/>
+          </a:xfrm>
+          <a:prstGeom prst="ellipse">
+            <a:avLst/>
+          </a:prstGeom>
+          <a:solidFill>
+            <a:srgbClr val="00B0F0"/>
+          </a:solidFill>
+          <a:scene3d>
+            <a:camera prst="orthographicFront"/>
+            <a:lightRig rig="threePt" dir="t"/>
+          </a:scene3d>
+          <a:sp3d>
+            <a:bevelT prst="angle"/>
+          </a:sp3d>
+        </p:spPr>
+        <p:style>
+          <a:lnRef idx="2">
+            <a:schemeClr val="accent1">
+              <a:shade val="50%"/>
+            </a:schemeClr>
+          </a:lnRef>
+          <a:fillRef idx="1">
+            <a:schemeClr val="accent1"/>
+          </a:fillRef>
+          <a:effectRef idx="0">
+            <a:schemeClr val="accent1"/>
+          </a:effectRef>
+          <a:fontRef idx="minor">
+            <a:schemeClr val="lt1"/>
+          </a:fontRef>
+        </p:style>
+        <p:txBody>
+          <a:bodyPr rtlCol="0" anchor="ctr"/>
+          <a:lstStyle/>
+          <a:p>
+            <a:pPr algn="ctr"/>
+            <a:endParaRPr lang="it-IT"/>
+          </a:p>
+        </p:txBody>
+      </p:sp>
+      <p:sp>
+        <p:nvSpPr>
+          <p:cNvPr id="83" name="TextBox 13">
+            <a:extLst>
+              <a:ext uri="{FF2B5EF4-FFF2-40B4-BE49-F238E27FC236}">
+                <a16:creationId xmlns:a16="http://schemas.microsoft.com/office/drawing/2014/main" id="{0157D6D3-9550-41C1-AB6D-EBA6B4D62095}"/>
+              </a:ext>
+            </a:extLst>
+          </p:cNvPr>
+          <p:cNvSpPr txBox="1"/>
+          <p:nvPr/>
+        </p:nvSpPr>
+        <p:spPr>
+          <a:xfrm>
+            <a:off x="4900049" y="1784072"/>
+            <a:ext cx="1671420" cy="276999"/>
+          </a:xfrm>
+          <a:prstGeom prst="rect">
+            <a:avLst/>
+          </a:prstGeom>
+          <a:noFill/>
+        </p:spPr>
+        <p:txBody>
+          <a:bodyPr wrap="none" rtlCol="0">
+            <a:spAutoFit/>
+          </a:bodyPr>
+          <a:lstStyle>
+            <a:defPPr>
+              <a:defRPr lang="it-IT"/>
+            </a:defPPr>
+            <a:lvl1pPr>
+              <a:defRPr sz="1200"/>
+            </a:lvl1pPr>
+          </a:lstStyle>
+          <a:p>
+            <a:r>
+              <a:rPr lang="it-IT" altLang="it-IT" dirty="0" err="1"/>
+              <a:t>IssWsHttpKotlinSupport</a:t>
+            </a:r>
+            <a:endParaRPr lang="it-IT" altLang="it-IT" dirty="0"/>
+          </a:p>
+        </p:txBody>
+      </p:sp>
+      <p:grpSp>
+        <p:nvGrpSpPr>
+          <p:cNvPr id="86" name="Group 3">
+            <a:extLst>
+              <a:ext uri="{FF2B5EF4-FFF2-40B4-BE49-F238E27FC236}">
+                <a16:creationId xmlns:a16="http://schemas.microsoft.com/office/drawing/2014/main" id="{AD75FDFA-8017-4796-9AC1-724DF122C87A}"/>
+              </a:ext>
+            </a:extLst>
+          </p:cNvPr>
+          <p:cNvGrpSpPr/>
+          <p:nvPr/>
+        </p:nvGrpSpPr>
+        <p:grpSpPr>
+          <a:xfrm>
+            <a:off x="5462671" y="2048920"/>
+            <a:ext cx="812329" cy="720080"/>
+            <a:chOff x="4196932" y="2026799"/>
+            <a:chExt cx="3798137" cy="2804403"/>
+          </a:xfrm>
+        </p:grpSpPr>
+        <p:pic>
+          <p:nvPicPr>
+            <p:cNvPr id="87" name="Immagine 86">
+              <a:extLst>
+                <a:ext uri="{FF2B5EF4-FFF2-40B4-BE49-F238E27FC236}">
+                  <a16:creationId xmlns:a16="http://schemas.microsoft.com/office/drawing/2014/main" id="{C335E796-90E7-4DC0-8BCD-E51527A1D037}"/>
+                </a:ext>
+              </a:extLst>
+            </p:cNvPr>
+            <p:cNvPicPr>
+              <a:picLocks noChangeAspect="1"/>
+            </p:cNvPicPr>
+            <p:nvPr/>
+          </p:nvPicPr>
+          <p:blipFill>
+            <a:blip r:embed="rId2">
+              <a:extLst>
+                <a:ext uri="{28A0092B-C50C-407E-A947-70E740481C1C}">
+                  <a14:useLocalDpi xmlns:a14="http://schemas.microsoft.com/office/drawing/2010/main" val="0"/>
+                </a:ext>
+              </a:extLst>
+            </a:blip>
+            <a:stretch>
+              <a:fillRect/>
+            </a:stretch>
+          </p:blipFill>
+          <p:spPr>
+            <a:xfrm>
+              <a:off x="4196932" y="2026799"/>
+              <a:ext cx="3798137" cy="2804403"/>
+            </a:xfrm>
+            <a:prstGeom prst="rect">
+              <a:avLst/>
+            </a:prstGeom>
+          </p:spPr>
+        </p:pic>
+        <p:pic>
+          <p:nvPicPr>
+            <p:cNvPr id="88" name="Immagine 87" descr="Immagine che contiene testo, dilegno&#10;&#10;Descrizione generata automaticamente">
+              <a:extLst>
+                <a:ext uri="{FF2B5EF4-FFF2-40B4-BE49-F238E27FC236}">
+                  <a16:creationId xmlns:a16="http://schemas.microsoft.com/office/drawing/2014/main" id="{319DCB56-26AE-4A90-8DEB-A6451D1BFD01}"/>
+                </a:ext>
+              </a:extLst>
+            </p:cNvPr>
+            <p:cNvPicPr>
+              <a:picLocks noChangeAspect="1"/>
+            </p:cNvPicPr>
+            <p:nvPr/>
+          </p:nvPicPr>
+          <p:blipFill>
+            <a:blip r:embed="rId3" cstate="print">
+              <a:extLst>
+                <a:ext uri="{28A0092B-C50C-407E-A947-70E740481C1C}">
+                  <a14:useLocalDpi xmlns:a14="http://schemas.microsoft.com/office/drawing/2010/main" val="0"/>
+                </a:ext>
+              </a:extLst>
+            </a:blip>
+            <a:stretch>
+              <a:fillRect/>
+            </a:stretch>
+          </p:blipFill>
+          <p:spPr>
+            <a:xfrm>
+              <a:off x="4196932" y="2348881"/>
+              <a:ext cx="602925" cy="602925"/>
+            </a:xfrm>
+            <a:prstGeom prst="rect">
+              <a:avLst/>
+            </a:prstGeom>
+          </p:spPr>
+        </p:pic>
+      </p:grpSp>
+      <p:grpSp>
+        <p:nvGrpSpPr>
+          <p:cNvPr id="99" name="Gruppo 26">
+            <a:extLst>
+              <a:ext uri="{FF2B5EF4-FFF2-40B4-BE49-F238E27FC236}">
+                <a16:creationId xmlns:a16="http://schemas.microsoft.com/office/drawing/2014/main" id="{003C3D10-4086-4D6F-B97E-418ECEDDBA37}"/>
+              </a:ext>
+            </a:extLst>
+          </p:cNvPr>
+          <p:cNvGrpSpPr/>
+          <p:nvPr/>
+        </p:nvGrpSpPr>
+        <p:grpSpPr>
+          <a:xfrm>
+            <a:off x="3006061" y="3763412"/>
+            <a:ext cx="866156" cy="763297"/>
+            <a:chOff x="1194666" y="2417771"/>
+            <a:chExt cx="866156" cy="763297"/>
+          </a:xfrm>
+        </p:grpSpPr>
+        <p:sp>
+          <p:nvSpPr>
+            <p:cNvPr id="103" name="Ovale 27">
+              <a:extLst>
+                <a:ext uri="{FF2B5EF4-FFF2-40B4-BE49-F238E27FC236}">
+                  <a16:creationId xmlns:a16="http://schemas.microsoft.com/office/drawing/2014/main" id="{BBF13E41-43AF-4578-AAB2-48AFC78FC6F6}"/>
+                </a:ext>
+              </a:extLst>
+            </p:cNvPr>
+            <p:cNvSpPr/>
+            <p:nvPr/>
+          </p:nvSpPr>
+          <p:spPr>
+            <a:xfrm>
+              <a:off x="1311101" y="2460988"/>
+              <a:ext cx="749721" cy="720080"/>
+            </a:xfrm>
+            <a:prstGeom prst="ellipse">
+              <a:avLst/>
+            </a:prstGeom>
+            <a:solidFill>
+              <a:srgbClr val="FFCCFF"/>
+            </a:solidFill>
+            <a:ln/>
+          </p:spPr>
+          <p:style>
+            <a:lnRef idx="1">
+              <a:schemeClr val="accent5"/>
+            </a:lnRef>
+            <a:fillRef idx="2">
+              <a:schemeClr val="accent5"/>
+            </a:fillRef>
+            <a:effectRef idx="1">
+              <a:schemeClr val="accent5"/>
+            </a:effectRef>
+            <a:fontRef idx="minor">
+              <a:schemeClr val="dk1"/>
+            </a:fontRef>
+          </p:style>
+          <p:txBody>
+            <a:bodyPr rtlCol="0" anchor="ctr"/>
+            <a:lstStyle/>
+            <a:p>
+              <a:pPr algn="ctr"/>
+              <a:r>
+                <a:rPr lang="en-GB" sz="1200" dirty="0"/>
+                <a:t> </a:t>
+              </a:r>
+            </a:p>
+          </p:txBody>
+        </p:sp>
+        <p:sp>
+          <p:nvSpPr>
+            <p:cNvPr id="105" name="Rettangolo 28">
+              <a:extLst>
+                <a:ext uri="{FF2B5EF4-FFF2-40B4-BE49-F238E27FC236}">
+                  <a16:creationId xmlns:a16="http://schemas.microsoft.com/office/drawing/2014/main" id="{435A430D-CF85-4C0B-B6B5-B42BF39D55A2}"/>
+                </a:ext>
+              </a:extLst>
+            </p:cNvPr>
+            <p:cNvSpPr/>
+            <p:nvPr/>
+          </p:nvSpPr>
+          <p:spPr>
+            <a:xfrm>
+              <a:off x="1194666" y="2699711"/>
+              <a:ext cx="281433" cy="211952"/>
+            </a:xfrm>
+            <a:prstGeom prst="rect">
+              <a:avLst/>
+            </a:prstGeom>
+            <a:solidFill>
+              <a:srgbClr val="FFCCFF"/>
+            </a:solidFill>
+            <a:ln/>
+          </p:spPr>
+          <p:style>
+            <a:lnRef idx="1">
+              <a:schemeClr val="accent5"/>
+            </a:lnRef>
+            <a:fillRef idx="2">
+              <a:schemeClr val="accent5"/>
+            </a:fillRef>
+            <a:effectRef idx="1">
+              <a:schemeClr val="accent5"/>
+            </a:effectRef>
+            <a:fontRef idx="minor">
+              <a:schemeClr val="dk1"/>
+            </a:fontRef>
+          </p:style>
+          <p:txBody>
+            <a:bodyPr rtlCol="0" anchor="ctr"/>
+            <a:lstStyle/>
+            <a:p>
+              <a:pPr algn="ctr"/>
+              <a:endParaRPr lang="en-GB" sz="1200"/>
+            </a:p>
+          </p:txBody>
+        </p:sp>
+        <p:sp>
+          <p:nvSpPr>
+            <p:cNvPr id="106" name="Triangolo isoscele 29">
+              <a:extLst>
+                <a:ext uri="{FF2B5EF4-FFF2-40B4-BE49-F238E27FC236}">
+                  <a16:creationId xmlns:a16="http://schemas.microsoft.com/office/drawing/2014/main" id="{545AFD76-2FF0-4C57-895D-FB07AAF32F16}"/>
+                </a:ext>
+              </a:extLst>
+            </p:cNvPr>
+            <p:cNvSpPr/>
+            <p:nvPr/>
+          </p:nvSpPr>
+          <p:spPr>
+            <a:xfrm rot="16200000">
+              <a:off x="1618539" y="2391356"/>
+              <a:ext cx="86434" cy="139263"/>
+            </a:xfrm>
+            <a:prstGeom prst="triangle">
+              <a:avLst/>
+            </a:prstGeom>
+            <a:solidFill>
+              <a:srgbClr val="FF0000"/>
+            </a:solidFill>
+            <a:ln/>
+          </p:spPr>
+          <p:style>
+            <a:lnRef idx="1">
+              <a:schemeClr val="accent5"/>
+            </a:lnRef>
+            <a:fillRef idx="2">
+              <a:schemeClr val="accent5"/>
+            </a:fillRef>
+            <a:effectRef idx="1">
+              <a:schemeClr val="accent5"/>
+            </a:effectRef>
+            <a:fontRef idx="minor">
+              <a:schemeClr val="dk1"/>
+            </a:fontRef>
+          </p:style>
+          <p:txBody>
+            <a:bodyPr rtlCol="0" anchor="ctr"/>
+            <a:lstStyle/>
+            <a:p>
+              <a:pPr algn="ctr"/>
+              <a:endParaRPr lang="en-GB" sz="1200">
+                <a:solidFill>
+                  <a:schemeClr val="dk1"/>
+                </a:solidFill>
+              </a:endParaRPr>
+            </a:p>
+          </p:txBody>
+        </p:sp>
+      </p:grpSp>
+      <p:sp>
+        <p:nvSpPr>
+          <p:cNvPr id="107" name="TextBox 106">
+            <a:extLst>
+              <a:ext uri="{FF2B5EF4-FFF2-40B4-BE49-F238E27FC236}">
+                <a16:creationId xmlns:a16="http://schemas.microsoft.com/office/drawing/2014/main" id="{F1A81AED-7CA0-4BC3-8F03-A9AF9706FBE0}"/>
+              </a:ext>
+            </a:extLst>
+          </p:cNvPr>
+          <p:cNvSpPr txBox="1"/>
+          <p:nvPr/>
+        </p:nvSpPr>
+        <p:spPr>
+          <a:xfrm>
+            <a:off x="2528760" y="4385261"/>
+            <a:ext cx="1730987" cy="369332"/>
+          </a:xfrm>
+          <a:prstGeom prst="rect">
+            <a:avLst/>
+          </a:prstGeom>
+          <a:noFill/>
+        </p:spPr>
+        <p:txBody>
+          <a:bodyPr wrap="none" rtlCol="0">
+            <a:spAutoFit/>
+          </a:bodyPr>
+          <a:lstStyle/>
+          <a:p>
+            <a:r>
+              <a:rPr lang="en-US" dirty="0" err="1"/>
+              <a:t>BasicRobotActor</a:t>
+            </a:r>
+            <a:endParaRPr lang="en-US" dirty="0"/>
+          </a:p>
+        </p:txBody>
+      </p:sp>
+      <p:sp>
+        <p:nvSpPr>
+          <p:cNvPr id="108" name="Ovale 81">
+            <a:extLst>
+              <a:ext uri="{FF2B5EF4-FFF2-40B4-BE49-F238E27FC236}">
+                <a16:creationId xmlns:a16="http://schemas.microsoft.com/office/drawing/2014/main" id="{0884C14D-3B86-41D9-86C0-42A31B1E9637}"/>
+              </a:ext>
+            </a:extLst>
+          </p:cNvPr>
+          <p:cNvSpPr/>
+          <p:nvPr/>
+        </p:nvSpPr>
+        <p:spPr>
+          <a:xfrm>
+            <a:off x="3866394" y="4045352"/>
+            <a:ext cx="248792" cy="235520"/>
+          </a:xfrm>
+          <a:prstGeom prst="ellipse">
+            <a:avLst/>
+          </a:prstGeom>
+          <a:solidFill>
+            <a:srgbClr val="00B0F0"/>
+          </a:solidFill>
+          <a:scene3d>
+            <a:camera prst="orthographicFront"/>
+            <a:lightRig rig="threePt" dir="t"/>
+          </a:scene3d>
+          <a:sp3d>
+            <a:bevelT prst="angle"/>
+          </a:sp3d>
+        </p:spPr>
+        <p:style>
+          <a:lnRef idx="2">
+            <a:schemeClr val="accent1">
+              <a:shade val="50%"/>
+            </a:schemeClr>
+          </a:lnRef>
+          <a:fillRef idx="1">
+            <a:schemeClr val="accent1"/>
+          </a:fillRef>
+          <a:effectRef idx="0">
+            <a:schemeClr val="accent1"/>
+          </a:effectRef>
+          <a:fontRef idx="minor">
+            <a:schemeClr val="lt1"/>
+          </a:fontRef>
+        </p:style>
+        <p:txBody>
+          <a:bodyPr rtlCol="0" anchor="ctr"/>
+          <a:lstStyle/>
+          <a:p>
+            <a:pPr algn="ctr"/>
+            <a:endParaRPr lang="it-IT"/>
+          </a:p>
+        </p:txBody>
+      </p:sp>
+      <p:sp>
+        <p:nvSpPr>
+          <p:cNvPr id="109" name="TextBox 13">
+            <a:extLst>
+              <a:ext uri="{FF2B5EF4-FFF2-40B4-BE49-F238E27FC236}">
+                <a16:creationId xmlns:a16="http://schemas.microsoft.com/office/drawing/2014/main" id="{3C1A870E-BFD8-42AC-B777-784658117EB1}"/>
+              </a:ext>
+            </a:extLst>
+          </p:cNvPr>
+          <p:cNvSpPr txBox="1"/>
+          <p:nvPr/>
+        </p:nvSpPr>
+        <p:spPr>
+          <a:xfrm>
+            <a:off x="3895016" y="3798654"/>
+            <a:ext cx="1671420" cy="276999"/>
+          </a:xfrm>
+          <a:prstGeom prst="rect">
+            <a:avLst/>
+          </a:prstGeom>
+          <a:noFill/>
+        </p:spPr>
+        <p:txBody>
+          <a:bodyPr wrap="none" rtlCol="0">
+            <a:spAutoFit/>
+          </a:bodyPr>
+          <a:lstStyle>
+            <a:defPPr>
+              <a:defRPr lang="it-IT"/>
+            </a:defPPr>
+            <a:lvl1pPr>
+              <a:defRPr sz="1200"/>
+            </a:lvl1pPr>
+          </a:lstStyle>
+          <a:p>
+            <a:r>
+              <a:rPr lang="it-IT" altLang="it-IT" dirty="0" err="1"/>
+              <a:t>IssWsHttpKotlinSupport</a:t>
+            </a:r>
+            <a:endParaRPr lang="it-IT" altLang="it-IT" dirty="0"/>
+          </a:p>
+        </p:txBody>
+      </p:sp>
+      <p:grpSp>
+        <p:nvGrpSpPr>
+          <p:cNvPr id="110" name="Group 3">
+            <a:extLst>
+              <a:ext uri="{FF2B5EF4-FFF2-40B4-BE49-F238E27FC236}">
+                <a16:creationId xmlns:a16="http://schemas.microsoft.com/office/drawing/2014/main" id="{8FAE64C2-8132-4CDF-AB20-6DE5986899D8}"/>
+              </a:ext>
+            </a:extLst>
+          </p:cNvPr>
+          <p:cNvGrpSpPr/>
+          <p:nvPr/>
+        </p:nvGrpSpPr>
+        <p:grpSpPr>
+          <a:xfrm>
+            <a:off x="4457638" y="4063502"/>
+            <a:ext cx="812329" cy="720080"/>
+            <a:chOff x="4196932" y="2026799"/>
+            <a:chExt cx="3798137" cy="2804403"/>
+          </a:xfrm>
+        </p:grpSpPr>
+        <p:pic>
+          <p:nvPicPr>
+            <p:cNvPr id="130" name="Immagine 86">
+              <a:extLst>
+                <a:ext uri="{FF2B5EF4-FFF2-40B4-BE49-F238E27FC236}">
+                  <a16:creationId xmlns:a16="http://schemas.microsoft.com/office/drawing/2014/main" id="{51375CF0-B4BE-4803-8785-D8E61ABA6EA4}"/>
+                </a:ext>
+              </a:extLst>
+            </p:cNvPr>
+            <p:cNvPicPr>
+              <a:picLocks noChangeAspect="1"/>
+            </p:cNvPicPr>
+            <p:nvPr/>
+          </p:nvPicPr>
+          <p:blipFill>
+            <a:blip r:embed="rId2">
+              <a:extLst>
+                <a:ext uri="{28A0092B-C50C-407E-A947-70E740481C1C}">
+                  <a14:useLocalDpi xmlns:a14="http://schemas.microsoft.com/office/drawing/2010/main" val="0"/>
+                </a:ext>
+              </a:extLst>
+            </a:blip>
+            <a:stretch>
+              <a:fillRect/>
+            </a:stretch>
+          </p:blipFill>
+          <p:spPr>
+            <a:xfrm>
+              <a:off x="4196932" y="2026799"/>
+              <a:ext cx="3798137" cy="2804403"/>
+            </a:xfrm>
+            <a:prstGeom prst="rect">
+              <a:avLst/>
+            </a:prstGeom>
+          </p:spPr>
+        </p:pic>
+        <p:pic>
+          <p:nvPicPr>
+            <p:cNvPr id="131" name="Immagine 87" descr="Immagine che contiene testo, dilegno&#10;&#10;Descrizione generata automaticamente">
+              <a:extLst>
+                <a:ext uri="{FF2B5EF4-FFF2-40B4-BE49-F238E27FC236}">
+                  <a16:creationId xmlns:a16="http://schemas.microsoft.com/office/drawing/2014/main" id="{3AD7647D-255B-421C-BDD1-DFCEAF4C1A4D}"/>
+                </a:ext>
+              </a:extLst>
+            </p:cNvPr>
+            <p:cNvPicPr>
+              <a:picLocks noChangeAspect="1"/>
+            </p:cNvPicPr>
+            <p:nvPr/>
+          </p:nvPicPr>
+          <p:blipFill>
+            <a:blip r:embed="rId3" cstate="print">
+              <a:extLst>
+                <a:ext uri="{28A0092B-C50C-407E-A947-70E740481C1C}">
+                  <a14:useLocalDpi xmlns:a14="http://schemas.microsoft.com/office/drawing/2010/main" val="0"/>
+                </a:ext>
+              </a:extLst>
+            </a:blip>
+            <a:stretch>
+              <a:fillRect/>
+            </a:stretch>
+          </p:blipFill>
+          <p:spPr>
+            <a:xfrm>
+              <a:off x="4196932" y="2348881"/>
+              <a:ext cx="602925" cy="602925"/>
+            </a:xfrm>
+            <a:prstGeom prst="rect">
+              <a:avLst/>
+            </a:prstGeom>
+          </p:spPr>
+        </p:pic>
+      </p:grpSp>
+    </p:spTree>
+    <p:extLst>
+      <p:ext uri="{BB962C8B-B14F-4D97-AF65-F5344CB8AC3E}">
+        <p14:creationId xmlns:p14="http://schemas.microsoft.com/office/powerpoint/2010/main" val="1021317263"/>
+      </p:ext>
+    </p:extLst>
+  </p:cSld>
+  <p:clrMapOvr>
+    <a:masterClrMapping/>
+  </p:clrMapOvr>
+</p:sld>
+</file>
+
+<file path=ppt/slides/slide17.xml><?xml version="1.0" encoding="utf-8"?>
+<p:sld xmlns:a="http://purl.oclc.org/ooxml/drawingml/main" xmlns:r="http://purl.oclc.org/ooxml/officeDocument/relationships" xmlns:p="http://purl.oclc.org/ooxml/presentationml/main">
+  <p:cSld>
+    <p:spTree>
+      <p:nvGrpSpPr>
+        <p:cNvPr id="1" name=""/>
+        <p:cNvGrpSpPr/>
+        <p:nvPr/>
+      </p:nvGrpSpPr>
+      <p:grpSpPr>
+        <a:xfrm>
+          <a:off x="0" y="0"/>
+          <a:ext cx="0" cy="0"/>
+          <a:chOff x="0" y="0"/>
+          <a:chExt cx="0" cy="0"/>
+        </a:xfrm>
+      </p:grpSpPr>
+      <p:grpSp>
+        <p:nvGrpSpPr>
+          <p:cNvPr id="2" name="Gruppo 6">
+            <a:extLst>
+              <a:ext uri="{FF2B5EF4-FFF2-40B4-BE49-F238E27FC236}">
+                <a16:creationId xmlns:a16="http://schemas.microsoft.com/office/drawing/2014/main" id="{58023ED6-31F3-485D-88A2-A01BDD39DBEA}"/>
+              </a:ext>
+            </a:extLst>
+          </p:cNvPr>
+          <p:cNvGrpSpPr/>
+          <p:nvPr/>
+        </p:nvGrpSpPr>
+        <p:grpSpPr>
+          <a:xfrm>
+            <a:off x="2235320" y="1120462"/>
+            <a:ext cx="2630809" cy="2478014"/>
+            <a:chOff x="565700" y="4940367"/>
+            <a:chExt cx="805955" cy="772447"/>
+          </a:xfrm>
+        </p:grpSpPr>
+        <p:sp>
+          <p:nvSpPr>
+            <p:cNvPr id="3" name="Ovale 31">
+              <a:extLst>
+                <a:ext uri="{FF2B5EF4-FFF2-40B4-BE49-F238E27FC236}">
+                  <a16:creationId xmlns:a16="http://schemas.microsoft.com/office/drawing/2014/main" id="{7E0621A9-D2A6-4394-A419-7E28CE7981D5}"/>
+                </a:ext>
+              </a:extLst>
+            </p:cNvPr>
+            <p:cNvSpPr/>
+            <p:nvPr/>
+          </p:nvSpPr>
+          <p:spPr>
+            <a:xfrm>
+              <a:off x="565700" y="4983583"/>
+              <a:ext cx="805955" cy="729231"/>
+            </a:xfrm>
+            <a:prstGeom prst="ellipse">
+              <a:avLst/>
+            </a:prstGeom>
+            <a:solidFill>
+              <a:srgbClr val="CCFF99"/>
+            </a:solidFill>
+            <a:ln/>
+          </p:spPr>
+          <p:style>
+            <a:lnRef idx="1">
+              <a:schemeClr val="accent4"/>
+            </a:lnRef>
+            <a:fillRef idx="2">
+              <a:schemeClr val="accent4"/>
+            </a:fillRef>
+            <a:effectRef idx="1">
+              <a:schemeClr val="accent4"/>
+            </a:effectRef>
+            <a:fontRef idx="minor">
+              <a:schemeClr val="dk1"/>
+            </a:fontRef>
+          </p:style>
+          <p:txBody>
+            <a:bodyPr rtlCol="0" anchor="ctr"/>
+            <a:lstStyle/>
+            <a:p>
+              <a:pPr algn="ctr"/>
+              <a:r>
+                <a:rPr lang="en-GB" sz="1200" dirty="0"/>
+                <a:t> </a:t>
+              </a:r>
+            </a:p>
+          </p:txBody>
+        </p:sp>
+        <p:sp>
+          <p:nvSpPr>
+            <p:cNvPr id="4" name="Triangolo isoscele 34">
+              <a:extLst>
+                <a:ext uri="{FF2B5EF4-FFF2-40B4-BE49-F238E27FC236}">
+                  <a16:creationId xmlns:a16="http://schemas.microsoft.com/office/drawing/2014/main" id="{B3507D6B-2127-4E70-A04E-2A4BA64F07DF}"/>
+                </a:ext>
+              </a:extLst>
+            </p:cNvPr>
+            <p:cNvSpPr/>
+            <p:nvPr/>
+          </p:nvSpPr>
+          <p:spPr>
+            <a:xfrm rot="16200000">
+              <a:off x="905299" y="4913952"/>
+              <a:ext cx="86434" cy="139263"/>
+            </a:xfrm>
+            <a:prstGeom prst="triangle">
+              <a:avLst/>
+            </a:prstGeom>
+            <a:solidFill>
+              <a:srgbClr val="C00000"/>
+            </a:solidFill>
+            <a:ln/>
+          </p:spPr>
+          <p:style>
+            <a:lnRef idx="1">
+              <a:schemeClr val="accent5"/>
+            </a:lnRef>
+            <a:fillRef idx="2">
+              <a:schemeClr val="accent5"/>
+            </a:fillRef>
+            <a:effectRef idx="1">
+              <a:schemeClr val="accent5"/>
+            </a:effectRef>
+            <a:fontRef idx="minor">
+              <a:schemeClr val="dk1"/>
+            </a:fontRef>
+          </p:style>
+          <p:txBody>
+            <a:bodyPr rtlCol="0" anchor="ctr"/>
+            <a:lstStyle/>
+            <a:p>
+              <a:pPr algn="ctr"/>
+              <a:endParaRPr lang="en-GB" sz="1200">
+                <a:solidFill>
+                  <a:schemeClr val="dk1"/>
+                </a:solidFill>
+              </a:endParaRPr>
+            </a:p>
+          </p:txBody>
+        </p:sp>
+      </p:grpSp>
+      <p:sp>
+        <p:nvSpPr>
+          <p:cNvPr id="5" name="Rectangle 4">
+            <a:extLst>
+              <a:ext uri="{FF2B5EF4-FFF2-40B4-BE49-F238E27FC236}">
+                <a16:creationId xmlns:a16="http://schemas.microsoft.com/office/drawing/2014/main" id="{59DEB705-0682-4909-ABD7-A1C0825DFB37}"/>
+              </a:ext>
+            </a:extLst>
+          </p:cNvPr>
+          <p:cNvSpPr/>
+          <p:nvPr/>
+        </p:nvSpPr>
+        <p:spPr>
+          <a:xfrm>
+            <a:off x="1749402" y="2017594"/>
+            <a:ext cx="914400" cy="314793"/>
+          </a:xfrm>
+          <a:prstGeom prst="rect">
+            <a:avLst/>
+          </a:prstGeom>
+          <a:solidFill>
+            <a:srgbClr val="CCFFFF"/>
+          </a:solidFill>
+          <a:ln>
+            <a:solidFill>
+              <a:schemeClr val="tx1"/>
+            </a:solidFill>
+          </a:ln>
+        </p:spPr>
+        <p:style>
+          <a:lnRef idx="2">
+            <a:schemeClr val="accent1">
+              <a:shade val="50%"/>
+            </a:schemeClr>
+          </a:lnRef>
+          <a:fillRef idx="1">
+            <a:schemeClr val="accent1"/>
+          </a:fillRef>
+          <a:effectRef idx="0">
+            <a:schemeClr val="accent1"/>
+          </a:effectRef>
+          <a:fontRef idx="minor">
+            <a:schemeClr val="lt1"/>
+          </a:fontRef>
+        </p:style>
+        <p:txBody>
+          <a:bodyPr rtlCol="0" anchor="ctr"/>
+          <a:lstStyle/>
+          <a:p>
+            <a:pPr algn="ctr"/>
+            <a:r>
+              <a:rPr lang="en-US" dirty="0">
+                <a:solidFill>
+                  <a:schemeClr val="tx1"/>
+                </a:solidFill>
+              </a:rPr>
+              <a:t>8010</a:t>
+            </a:r>
+          </a:p>
+        </p:txBody>
+      </p:sp>
+      <p:grpSp>
+        <p:nvGrpSpPr>
+          <p:cNvPr id="6" name="Gruppo 26">
+            <a:extLst>
+              <a:ext uri="{FF2B5EF4-FFF2-40B4-BE49-F238E27FC236}">
+                <a16:creationId xmlns:a16="http://schemas.microsoft.com/office/drawing/2014/main" id="{F819F0F4-AF0E-419D-A5C2-6DC77A55811B}"/>
+              </a:ext>
+            </a:extLst>
+          </p:cNvPr>
+          <p:cNvGrpSpPr/>
+          <p:nvPr/>
+        </p:nvGrpSpPr>
+        <p:grpSpPr>
+          <a:xfrm>
+            <a:off x="2641190" y="1501800"/>
+            <a:ext cx="866156" cy="763297"/>
+            <a:chOff x="1194666" y="2417771"/>
+            <a:chExt cx="866156" cy="763297"/>
+          </a:xfrm>
+        </p:grpSpPr>
+        <p:sp>
+          <p:nvSpPr>
+            <p:cNvPr id="7" name="Ovale 27">
+              <a:extLst>
+                <a:ext uri="{FF2B5EF4-FFF2-40B4-BE49-F238E27FC236}">
+                  <a16:creationId xmlns:a16="http://schemas.microsoft.com/office/drawing/2014/main" id="{13CD421B-CD94-4B56-8D2A-3694508640D0}"/>
+                </a:ext>
+              </a:extLst>
+            </p:cNvPr>
+            <p:cNvSpPr/>
+            <p:nvPr/>
+          </p:nvSpPr>
+          <p:spPr>
+            <a:xfrm>
+              <a:off x="1311101" y="2460988"/>
+              <a:ext cx="749721" cy="720080"/>
+            </a:xfrm>
+            <a:prstGeom prst="ellipse">
+              <a:avLst/>
+            </a:prstGeom>
+            <a:solidFill>
+              <a:srgbClr val="FFCCFF"/>
+            </a:solidFill>
+            <a:ln/>
+          </p:spPr>
+          <p:style>
+            <a:lnRef idx="1">
+              <a:schemeClr val="accent5"/>
+            </a:lnRef>
+            <a:fillRef idx="2">
+              <a:schemeClr val="accent5"/>
+            </a:fillRef>
+            <a:effectRef idx="1">
+              <a:schemeClr val="accent5"/>
+            </a:effectRef>
+            <a:fontRef idx="minor">
+              <a:schemeClr val="dk1"/>
+            </a:fontRef>
+          </p:style>
+          <p:txBody>
+            <a:bodyPr rtlCol="0" anchor="ctr"/>
+            <a:lstStyle/>
+            <a:p>
+              <a:pPr algn="ctr"/>
+              <a:r>
+                <a:rPr lang="en-GB" sz="1200" dirty="0"/>
+                <a:t> </a:t>
+              </a:r>
+            </a:p>
+          </p:txBody>
+        </p:sp>
+        <p:sp>
+          <p:nvSpPr>
+            <p:cNvPr id="8" name="Rettangolo 28">
+              <a:extLst>
+                <a:ext uri="{FF2B5EF4-FFF2-40B4-BE49-F238E27FC236}">
+                  <a16:creationId xmlns:a16="http://schemas.microsoft.com/office/drawing/2014/main" id="{B401DA1B-69D8-41E2-9D98-7A0AC69ADAEA}"/>
+                </a:ext>
+              </a:extLst>
+            </p:cNvPr>
+            <p:cNvSpPr/>
+            <p:nvPr/>
+          </p:nvSpPr>
+          <p:spPr>
+            <a:xfrm>
+              <a:off x="1194666" y="2699711"/>
+              <a:ext cx="281433" cy="211952"/>
+            </a:xfrm>
+            <a:prstGeom prst="rect">
+              <a:avLst/>
+            </a:prstGeom>
+            <a:solidFill>
+              <a:srgbClr val="FFCCFF"/>
+            </a:solidFill>
+            <a:ln/>
+          </p:spPr>
+          <p:style>
+            <a:lnRef idx="1">
+              <a:schemeClr val="accent5"/>
+            </a:lnRef>
+            <a:fillRef idx="2">
+              <a:schemeClr val="accent5"/>
+            </a:fillRef>
+            <a:effectRef idx="1">
+              <a:schemeClr val="accent5"/>
+            </a:effectRef>
+            <a:fontRef idx="minor">
+              <a:schemeClr val="dk1"/>
+            </a:fontRef>
+          </p:style>
+          <p:txBody>
+            <a:bodyPr rtlCol="0" anchor="ctr"/>
+            <a:lstStyle/>
+            <a:p>
+              <a:pPr algn="ctr"/>
+              <a:endParaRPr lang="en-GB" sz="1200"/>
+            </a:p>
+          </p:txBody>
+        </p:sp>
+        <p:sp>
+          <p:nvSpPr>
+            <p:cNvPr id="9" name="Triangolo isoscele 29">
+              <a:extLst>
+                <a:ext uri="{FF2B5EF4-FFF2-40B4-BE49-F238E27FC236}">
+                  <a16:creationId xmlns:a16="http://schemas.microsoft.com/office/drawing/2014/main" id="{B4530605-3BEB-4D30-AEB1-32EF8A329B60}"/>
+                </a:ext>
+              </a:extLst>
+            </p:cNvPr>
+            <p:cNvSpPr/>
+            <p:nvPr/>
+          </p:nvSpPr>
+          <p:spPr>
+            <a:xfrm rot="16200000">
+              <a:off x="1618539" y="2391356"/>
+              <a:ext cx="86434" cy="139263"/>
+            </a:xfrm>
+            <a:prstGeom prst="triangle">
+              <a:avLst/>
+            </a:prstGeom>
+            <a:solidFill>
+              <a:srgbClr val="FF0000"/>
+            </a:solidFill>
+            <a:ln/>
+          </p:spPr>
+          <p:style>
+            <a:lnRef idx="1">
+              <a:schemeClr val="accent5"/>
+            </a:lnRef>
+            <a:fillRef idx="2">
+              <a:schemeClr val="accent5"/>
+            </a:fillRef>
+            <a:effectRef idx="1">
+              <a:schemeClr val="accent5"/>
+            </a:effectRef>
+            <a:fontRef idx="minor">
+              <a:schemeClr val="dk1"/>
+            </a:fontRef>
+          </p:style>
+          <p:txBody>
+            <a:bodyPr rtlCol="0" anchor="ctr"/>
+            <a:lstStyle/>
+            <a:p>
+              <a:pPr algn="ctr"/>
+              <a:endParaRPr lang="en-GB" sz="1200">
+                <a:solidFill>
+                  <a:schemeClr val="dk1"/>
+                </a:solidFill>
+              </a:endParaRPr>
+            </a:p>
+          </p:txBody>
+        </p:sp>
+      </p:grpSp>
+      <p:sp>
+        <p:nvSpPr>
+          <p:cNvPr id="14" name="TextBox 13">
+            <a:extLst>
+              <a:ext uri="{FF2B5EF4-FFF2-40B4-BE49-F238E27FC236}">
+                <a16:creationId xmlns:a16="http://schemas.microsoft.com/office/drawing/2014/main" id="{1585F759-D550-4885-BA12-8953796A91A3}"/>
+              </a:ext>
+            </a:extLst>
+          </p:cNvPr>
+          <p:cNvSpPr txBox="1"/>
+          <p:nvPr/>
+        </p:nvSpPr>
+        <p:spPr>
+          <a:xfrm>
             <a:off x="1217570" y="2999129"/>
             <a:ext cx="1838645" cy="369332"/>
           </a:xfrm>
@@ -22148,652 +23670,7 @@
     </p:spTree>
     <p:extLst>
       <p:ext uri="{BB962C8B-B14F-4D97-AF65-F5344CB8AC3E}">
-        <p14:creationId xmlns:p14="http://schemas.microsoft.com/office/powerpoint/2010/main" val="1021317263"/>
-      </p:ext>
-    </p:extLst>
-  </p:cSld>
-  <p:clrMapOvr>
-    <a:masterClrMapping/>
-  </p:clrMapOvr>
-</p:sld>
-</file>
-
-<file path=ppt/slides/slide17.xml><?xml version="1.0" encoding="utf-8"?>
-<p:sld xmlns:a="http://purl.oclc.org/ooxml/drawingml/main" xmlns:r="http://purl.oclc.org/ooxml/officeDocument/relationships" xmlns:p="http://purl.oclc.org/ooxml/presentationml/main">
-  <p:cSld>
-    <p:spTree>
-      <p:nvGrpSpPr>
-        <p:cNvPr id="1" name=""/>
-        <p:cNvGrpSpPr/>
-        <p:nvPr/>
-      </p:nvGrpSpPr>
-      <p:grpSpPr>
-        <a:xfrm>
-          <a:off x="0" y="0"/>
-          <a:ext cx="0" cy="0"/>
-          <a:chOff x="0" y="0"/>
-          <a:chExt cx="0" cy="0"/>
-        </a:xfrm>
-      </p:grpSpPr>
-      <p:pic>
-        <p:nvPicPr>
-          <p:cNvPr id="5" name="Picture 4">
-            <a:extLst>
-              <a:ext uri="{FF2B5EF4-FFF2-40B4-BE49-F238E27FC236}">
-                <a16:creationId xmlns:a16="http://schemas.microsoft.com/office/drawing/2014/main" id="{AFB81088-0FD8-4C1A-A073-21ECCB654BAC}"/>
-              </a:ext>
-            </a:extLst>
-          </p:cNvPr>
-          <p:cNvPicPr>
-            <a:picLocks noChangeAspect="1"/>
-          </p:cNvPicPr>
-          <p:nvPr/>
-        </p:nvPicPr>
-        <p:blipFill>
-          <a:blip r:embed="rId2"/>
-          <a:stretch>
-            <a:fillRect/>
-          </a:stretch>
-        </p:blipFill>
-        <p:spPr>
-          <a:xfrm>
-            <a:off x="553141" y="1907093"/>
-            <a:ext cx="7334297" cy="4890900"/>
-          </a:xfrm>
-          <a:prstGeom prst="rect">
-            <a:avLst/>
-          </a:prstGeom>
-        </p:spPr>
-      </p:pic>
-      <p:sp>
-        <p:nvSpPr>
-          <p:cNvPr id="6" name="TextBox 5">
-            <a:extLst>
-              <a:ext uri="{FF2B5EF4-FFF2-40B4-BE49-F238E27FC236}">
-                <a16:creationId xmlns:a16="http://schemas.microsoft.com/office/drawing/2014/main" id="{C36357A5-CC17-4235-8378-988782E4CF6F}"/>
-              </a:ext>
-            </a:extLst>
-          </p:cNvPr>
-          <p:cNvSpPr txBox="1"/>
-          <p:nvPr/>
-        </p:nvSpPr>
-        <p:spPr>
-          <a:xfrm>
-            <a:off x="6563881" y="2007244"/>
-            <a:ext cx="2036538" cy="923330"/>
-          </a:xfrm>
-          <a:prstGeom prst="rect">
-            <a:avLst/>
-          </a:prstGeom>
-        </p:spPr>
-        <p:style>
-          <a:lnRef idx="3">
-            <a:schemeClr val="lt1"/>
-          </a:lnRef>
-          <a:fillRef idx="1">
-            <a:schemeClr val="accent5"/>
-          </a:fillRef>
-          <a:effectRef idx="1">
-            <a:schemeClr val="accent5"/>
-          </a:effectRef>
-          <a:fontRef idx="minor">
-            <a:schemeClr val="lt1"/>
-          </a:fontRef>
-        </p:style>
-        <p:txBody>
-          <a:bodyPr wrap="square" rtlCol="0">
-            <a:spAutoFit/>
-          </a:bodyPr>
-          <a:lstStyle/>
-          <a:p>
-            <a:r>
-              <a:rPr lang="en-US" dirty="0"/>
-              <a:t>Console updated </a:t>
-            </a:r>
-          </a:p>
-          <a:p>
-            <a:r>
-              <a:rPr lang="en-US" dirty="0"/>
-              <a:t>by scripts loaded in</a:t>
-            </a:r>
-          </a:p>
-          <a:p>
-            <a:r>
-              <a:rPr lang="en-US" dirty="0"/>
-              <a:t>the HTML file</a:t>
-            </a:r>
-          </a:p>
-        </p:txBody>
-      </p:sp>
-      <p:cxnSp>
-        <p:nvCxnSpPr>
-          <p:cNvPr id="8" name="Connector: Elbow 7">
-            <a:extLst>
-              <a:ext uri="{FF2B5EF4-FFF2-40B4-BE49-F238E27FC236}">
-                <a16:creationId xmlns:a16="http://schemas.microsoft.com/office/drawing/2014/main" id="{3D11A2D7-9F4E-4D63-B323-940A510164E2}"/>
-              </a:ext>
-            </a:extLst>
-          </p:cNvPr>
-          <p:cNvCxnSpPr>
-            <a:cxnSpLocks/>
-            <a:stCxn id="6" idx="1"/>
-          </p:cNvCxnSpPr>
-          <p:nvPr/>
-        </p:nvCxnSpPr>
-        <p:spPr>
-          <a:xfrm rot="10800000" flipV="1">
-            <a:off x="5380033" y="2468909"/>
-            <a:ext cx="1183848" cy="1214288"/>
-          </a:xfrm>
-          <a:prstGeom prst="bentConnector2">
-            <a:avLst/>
-          </a:prstGeom>
-          <a:ln w="38100">
-            <a:tailEnd type="triangle"/>
-          </a:ln>
-        </p:spPr>
-        <p:style>
-          <a:lnRef idx="1">
-            <a:schemeClr val="accent1"/>
-          </a:lnRef>
-          <a:fillRef idx="0">
-            <a:schemeClr val="accent1"/>
-          </a:fillRef>
-          <a:effectRef idx="0">
-            <a:schemeClr val="accent1"/>
-          </a:effectRef>
-          <a:fontRef idx="minor">
-            <a:schemeClr val="tx1"/>
-          </a:fontRef>
-        </p:style>
-      </p:cxnSp>
-      <p:pic>
-        <p:nvPicPr>
-          <p:cNvPr id="14" name="Picture 13">
-            <a:extLst>
-              <a:ext uri="{FF2B5EF4-FFF2-40B4-BE49-F238E27FC236}">
-                <a16:creationId xmlns:a16="http://schemas.microsoft.com/office/drawing/2014/main" id="{48BED648-CEEF-40FA-870E-F6B366786F13}"/>
-              </a:ext>
-            </a:extLst>
-          </p:cNvPr>
-          <p:cNvPicPr>
-            <a:picLocks noChangeAspect="1"/>
-          </p:cNvPicPr>
-          <p:nvPr/>
-        </p:nvPicPr>
-        <p:blipFill>
-          <a:blip r:embed="rId3"/>
-          <a:stretch>
-            <a:fillRect/>
-          </a:stretch>
-        </p:blipFill>
-        <p:spPr>
-          <a:xfrm>
-            <a:off x="553141" y="154447"/>
-            <a:ext cx="8416608" cy="1322610"/>
-          </a:xfrm>
-          <a:prstGeom prst="rect">
-            <a:avLst/>
-          </a:prstGeom>
-        </p:spPr>
-      </p:pic>
-      <p:sp>
-        <p:nvSpPr>
-          <p:cNvPr id="17" name="TextBox 16">
-            <a:extLst>
-              <a:ext uri="{FF2B5EF4-FFF2-40B4-BE49-F238E27FC236}">
-                <a16:creationId xmlns:a16="http://schemas.microsoft.com/office/drawing/2014/main" id="{5F6502D7-940A-48F7-A00E-FA8C63C2F084}"/>
-              </a:ext>
-            </a:extLst>
-          </p:cNvPr>
-          <p:cNvSpPr txBox="1"/>
-          <p:nvPr/>
-        </p:nvSpPr>
-        <p:spPr>
-          <a:xfrm>
-            <a:off x="6563881" y="1314062"/>
-            <a:ext cx="2036538" cy="646331"/>
-          </a:xfrm>
-          <a:prstGeom prst="rect">
-            <a:avLst/>
-          </a:prstGeom>
-        </p:spPr>
-        <p:style>
-          <a:lnRef idx="3">
-            <a:schemeClr val="lt1"/>
-          </a:lnRef>
-          <a:fillRef idx="1">
-            <a:schemeClr val="accent5"/>
-          </a:fillRef>
-          <a:effectRef idx="1">
-            <a:schemeClr val="accent5"/>
-          </a:effectRef>
-          <a:fontRef idx="minor">
-            <a:schemeClr val="lt1"/>
-          </a:fontRef>
-        </p:style>
-        <p:txBody>
-          <a:bodyPr wrap="square" rtlCol="0">
-            <a:spAutoFit/>
-          </a:bodyPr>
-          <a:lstStyle/>
-          <a:p>
-            <a:r>
-              <a:rPr lang="en-US" dirty="0"/>
-              <a:t>Console updated </a:t>
-            </a:r>
-          </a:p>
-          <a:p>
-            <a:r>
-              <a:rPr lang="en-US" dirty="0"/>
-              <a:t>by </a:t>
-            </a:r>
-            <a:r>
-              <a:rPr lang="en-US" dirty="0" err="1">
-                <a:solidFill>
-                  <a:srgbClr val="FFFF00"/>
-                </a:solidFill>
-              </a:rPr>
-              <a:t>WebpageServer</a:t>
-            </a:r>
-            <a:endParaRPr lang="en-US" dirty="0">
-              <a:solidFill>
-                <a:srgbClr val="FFFF00"/>
-              </a:solidFill>
-            </a:endParaRPr>
-          </a:p>
-        </p:txBody>
-      </p:sp>
-      <p:cxnSp>
-        <p:nvCxnSpPr>
-          <p:cNvPr id="18" name="Connector: Elbow 17">
-            <a:extLst>
-              <a:ext uri="{FF2B5EF4-FFF2-40B4-BE49-F238E27FC236}">
-                <a16:creationId xmlns:a16="http://schemas.microsoft.com/office/drawing/2014/main" id="{0D85D913-17E4-435F-AD46-D093FA5BB6A0}"/>
-              </a:ext>
-            </a:extLst>
-          </p:cNvPr>
-          <p:cNvCxnSpPr>
-            <a:cxnSpLocks/>
-            <a:stCxn id="17" idx="0"/>
-          </p:cNvCxnSpPr>
-          <p:nvPr/>
-        </p:nvCxnSpPr>
-        <p:spPr>
-          <a:xfrm rot="16200000" flipV="1">
-            <a:off x="6998939" y="730851"/>
-            <a:ext cx="412292" cy="754130"/>
-          </a:xfrm>
-          <a:prstGeom prst="bentConnector2">
-            <a:avLst/>
-          </a:prstGeom>
-          <a:ln w="38100">
-            <a:tailEnd type="triangle"/>
-          </a:ln>
-        </p:spPr>
-        <p:style>
-          <a:lnRef idx="1">
-            <a:schemeClr val="accent1"/>
-          </a:lnRef>
-          <a:fillRef idx="0">
-            <a:schemeClr val="accent1"/>
-          </a:fillRef>
-          <a:effectRef idx="0">
-            <a:schemeClr val="accent1"/>
-          </a:effectRef>
-          <a:fontRef idx="minor">
-            <a:schemeClr val="tx1"/>
-          </a:fontRef>
-        </p:style>
-      </p:cxnSp>
-      <p:pic>
-        <p:nvPicPr>
-          <p:cNvPr id="34" name="Picture 33">
-            <a:extLst>
-              <a:ext uri="{FF2B5EF4-FFF2-40B4-BE49-F238E27FC236}">
-                <a16:creationId xmlns:a16="http://schemas.microsoft.com/office/drawing/2014/main" id="{4DD27EC7-1FD0-4591-A83D-5C0A1A2BE236}"/>
-              </a:ext>
-            </a:extLst>
-          </p:cNvPr>
-          <p:cNvPicPr>
-            <a:picLocks noChangeAspect="1"/>
-          </p:cNvPicPr>
-          <p:nvPr/>
-        </p:nvPicPr>
-        <p:blipFill>
-          <a:blip r:embed="rId4"/>
-          <a:stretch>
-            <a:fillRect/>
-          </a:stretch>
-        </p:blipFill>
-        <p:spPr>
-          <a:xfrm>
-            <a:off x="8184262" y="3878486"/>
-            <a:ext cx="4007738" cy="2979514"/>
-          </a:xfrm>
-          <a:prstGeom prst="rect">
-            <a:avLst/>
-          </a:prstGeom>
-        </p:spPr>
-      </p:pic>
-      <p:sp>
-        <p:nvSpPr>
-          <p:cNvPr id="37" name="TextBox 36">
-            <a:extLst>
-              <a:ext uri="{FF2B5EF4-FFF2-40B4-BE49-F238E27FC236}">
-                <a16:creationId xmlns:a16="http://schemas.microsoft.com/office/drawing/2014/main" id="{8FEE04FE-FBC2-40A5-8ADE-B1612D9ABE73}"/>
-              </a:ext>
-            </a:extLst>
-          </p:cNvPr>
-          <p:cNvSpPr txBox="1"/>
-          <p:nvPr/>
-        </p:nvSpPr>
-        <p:spPr>
-          <a:xfrm>
-            <a:off x="8692234" y="2007244"/>
-            <a:ext cx="2036538" cy="1477328"/>
-          </a:xfrm>
-          <a:prstGeom prst="rect">
-            <a:avLst/>
-          </a:prstGeom>
-        </p:spPr>
-        <p:style>
-          <a:lnRef idx="3">
-            <a:schemeClr val="lt1"/>
-          </a:lnRef>
-          <a:fillRef idx="1">
-            <a:schemeClr val="accent5"/>
-          </a:fillRef>
-          <a:effectRef idx="1">
-            <a:schemeClr val="accent5"/>
-          </a:effectRef>
-          <a:fontRef idx="minor">
-            <a:schemeClr val="lt1"/>
-          </a:fontRef>
-        </p:style>
-        <p:txBody>
-          <a:bodyPr wrap="square" rtlCol="0">
-            <a:spAutoFit/>
-          </a:bodyPr>
-          <a:lstStyle/>
-          <a:p>
-            <a:r>
-              <a:rPr lang="en-US" dirty="0"/>
-              <a:t>Console updated </a:t>
-            </a:r>
-          </a:p>
-          <a:p>
-            <a:r>
-              <a:rPr lang="en-US" dirty="0"/>
-              <a:t>by a client (</a:t>
-            </a:r>
-            <a:r>
-              <a:rPr lang="en-US" dirty="0" err="1"/>
-              <a:t>js</a:t>
-            </a:r>
-            <a:r>
-              <a:rPr lang="en-US" dirty="0"/>
-              <a:t>) that handles messages sent by </a:t>
-            </a:r>
-            <a:r>
-              <a:rPr lang="en-US" dirty="0" err="1"/>
-              <a:t>WEnv</a:t>
-            </a:r>
-            <a:r>
-              <a:rPr lang="en-US" dirty="0"/>
-              <a:t> over websocket-8091</a:t>
-            </a:r>
-          </a:p>
-        </p:txBody>
-      </p:sp>
-      <p:cxnSp>
-        <p:nvCxnSpPr>
-          <p:cNvPr id="38" name="Connector: Elbow 37">
-            <a:extLst>
-              <a:ext uri="{FF2B5EF4-FFF2-40B4-BE49-F238E27FC236}">
-                <a16:creationId xmlns:a16="http://schemas.microsoft.com/office/drawing/2014/main" id="{5FCC73B8-2282-4AC2-AE31-52DA6E085D92}"/>
-              </a:ext>
-            </a:extLst>
-          </p:cNvPr>
-          <p:cNvCxnSpPr>
-            <a:cxnSpLocks/>
-            <a:stCxn id="37" idx="2"/>
-          </p:cNvCxnSpPr>
-          <p:nvPr/>
-        </p:nvCxnSpPr>
-        <p:spPr>
-          <a:xfrm rot="16200000" flipH="1">
-            <a:off x="8754631" y="4440443"/>
-            <a:ext cx="1918095" cy="6351"/>
-          </a:xfrm>
-          <a:prstGeom prst="bentConnector3">
-            <a:avLst>
-              <a:gd name="adj1" fmla="val 50000"/>
-            </a:avLst>
-          </a:prstGeom>
-          <a:ln w="38100">
-            <a:tailEnd type="triangle"/>
-          </a:ln>
-        </p:spPr>
-        <p:style>
-          <a:lnRef idx="1">
-            <a:schemeClr val="accent1"/>
-          </a:lnRef>
-          <a:fillRef idx="0">
-            <a:schemeClr val="accent1"/>
-          </a:fillRef>
-          <a:effectRef idx="0">
-            <a:schemeClr val="accent1"/>
-          </a:effectRef>
-          <a:fontRef idx="minor">
-            <a:schemeClr val="tx1"/>
-          </a:fontRef>
-        </p:style>
-      </p:cxnSp>
-      <p:sp>
-        <p:nvSpPr>
-          <p:cNvPr id="47" name="Oval 46">
-            <a:extLst>
-              <a:ext uri="{FF2B5EF4-FFF2-40B4-BE49-F238E27FC236}">
-                <a16:creationId xmlns:a16="http://schemas.microsoft.com/office/drawing/2014/main" id="{AB216C9E-4A20-4717-B1D5-F8E0EAF4F830}"/>
-              </a:ext>
-            </a:extLst>
-          </p:cNvPr>
-          <p:cNvSpPr/>
-          <p:nvPr/>
-        </p:nvSpPr>
-        <p:spPr>
-          <a:xfrm>
-            <a:off x="2140527" y="2883509"/>
-            <a:ext cx="202367" cy="188774"/>
-          </a:xfrm>
-          <a:prstGeom prst="ellipse">
-            <a:avLst/>
-          </a:prstGeom>
-          <a:solidFill>
-            <a:schemeClr val="tx1"/>
-          </a:solidFill>
-          <a:ln>
-            <a:solidFill>
-              <a:schemeClr val="tx1"/>
-            </a:solidFill>
-          </a:ln>
-        </p:spPr>
-        <p:style>
-          <a:lnRef idx="2">
-            <a:schemeClr val="accent1">
-              <a:shade val="50%"/>
-            </a:schemeClr>
-          </a:lnRef>
-          <a:fillRef idx="1">
-            <a:schemeClr val="accent1"/>
-          </a:fillRef>
-          <a:effectRef idx="0">
-            <a:schemeClr val="accent1"/>
-          </a:effectRef>
-          <a:fontRef idx="minor">
-            <a:schemeClr val="lt1"/>
-          </a:fontRef>
-        </p:style>
-        <p:txBody>
-          <a:bodyPr rtlCol="0" anchor="ctr"/>
-          <a:lstStyle/>
-          <a:p>
-            <a:pPr algn="ctr"/>
-            <a:endParaRPr lang="en-US"/>
-          </a:p>
-        </p:txBody>
-      </p:sp>
-      <p:sp>
-        <p:nvSpPr>
-          <p:cNvPr id="51" name="TextBox 50">
-            <a:extLst>
-              <a:ext uri="{FF2B5EF4-FFF2-40B4-BE49-F238E27FC236}">
-                <a16:creationId xmlns:a16="http://schemas.microsoft.com/office/drawing/2014/main" id="{B632D4FD-96B3-4999-B318-E79DE8A8C866}"/>
-              </a:ext>
-            </a:extLst>
-          </p:cNvPr>
-          <p:cNvSpPr txBox="1"/>
-          <p:nvPr/>
-        </p:nvSpPr>
-        <p:spPr>
-          <a:xfrm>
-            <a:off x="553141" y="1521498"/>
-            <a:ext cx="5827942" cy="369332"/>
-          </a:xfrm>
-          <a:prstGeom prst="rect">
-            <a:avLst/>
-          </a:prstGeom>
-        </p:spPr>
-        <p:style>
-          <a:lnRef idx="1">
-            <a:schemeClr val="accent4"/>
-          </a:lnRef>
-          <a:fillRef idx="2">
-            <a:schemeClr val="accent4"/>
-          </a:fillRef>
-          <a:effectRef idx="1">
-            <a:schemeClr val="accent4"/>
-          </a:effectRef>
-          <a:fontRef idx="minor">
-            <a:schemeClr val="dk1"/>
-          </a:fontRef>
-        </p:style>
-        <p:txBody>
-          <a:bodyPr wrap="none" rtlCol="0">
-            <a:spAutoFit/>
-          </a:bodyPr>
-          <a:lstStyle/>
-          <a:p>
-            <a:r>
-              <a:rPr lang="en-US" dirty="0" err="1"/>
-              <a:t>WebpageServer</a:t>
-            </a:r>
-            <a:r>
-              <a:rPr lang="en-US" dirty="0"/>
-              <a:t> updates the scene by using websocket-8090</a:t>
-            </a:r>
-          </a:p>
-        </p:txBody>
-      </p:sp>
-      <p:cxnSp>
-        <p:nvCxnSpPr>
-          <p:cNvPr id="41" name="Connector: Elbow 40">
-            <a:extLst>
-              <a:ext uri="{FF2B5EF4-FFF2-40B4-BE49-F238E27FC236}">
-                <a16:creationId xmlns:a16="http://schemas.microsoft.com/office/drawing/2014/main" id="{B321E8DE-0DCD-4789-AFF8-610118BD0D85}"/>
-              </a:ext>
-            </a:extLst>
-          </p:cNvPr>
-          <p:cNvCxnSpPr>
-            <a:cxnSpLocks/>
-            <a:endCxn id="47" idx="0"/>
-          </p:cNvCxnSpPr>
-          <p:nvPr/>
-        </p:nvCxnSpPr>
-        <p:spPr>
-          <a:xfrm rot="10800000" flipV="1">
-            <a:off x="2241711" y="1837123"/>
-            <a:ext cx="4330470" cy="1046386"/>
-          </a:xfrm>
-          <a:prstGeom prst="bentConnector2">
-            <a:avLst/>
-          </a:prstGeom>
-          <a:ln w="38100">
-            <a:tailEnd type="triangle"/>
-          </a:ln>
-        </p:spPr>
-        <p:style>
-          <a:lnRef idx="1">
-            <a:schemeClr val="accent1"/>
-          </a:lnRef>
-          <a:fillRef idx="0">
-            <a:schemeClr val="accent1"/>
-          </a:fillRef>
-          <a:effectRef idx="0">
-            <a:schemeClr val="accent1"/>
-          </a:effectRef>
-          <a:fontRef idx="minor">
-            <a:schemeClr val="tx1"/>
-          </a:fontRef>
-        </p:style>
-      </p:cxnSp>
-      <p:sp>
-        <p:nvSpPr>
-          <p:cNvPr id="55" name="TextBox 54">
-            <a:extLst>
-              <a:ext uri="{FF2B5EF4-FFF2-40B4-BE49-F238E27FC236}">
-                <a16:creationId xmlns:a16="http://schemas.microsoft.com/office/drawing/2014/main" id="{9DF16D52-05F1-403E-A5B1-4A994618D5F4}"/>
-              </a:ext>
-            </a:extLst>
-          </p:cNvPr>
-          <p:cNvSpPr txBox="1"/>
-          <p:nvPr/>
-        </p:nvSpPr>
-        <p:spPr>
-          <a:xfrm>
-            <a:off x="595557" y="3044424"/>
-            <a:ext cx="1453155" cy="369332"/>
-          </a:xfrm>
-          <a:prstGeom prst="rect">
-            <a:avLst/>
-          </a:prstGeom>
-        </p:spPr>
-        <p:style>
-          <a:lnRef idx="1">
-            <a:schemeClr val="accent4"/>
-          </a:lnRef>
-          <a:fillRef idx="2">
-            <a:schemeClr val="accent4"/>
-          </a:fillRef>
-          <a:effectRef idx="1">
-            <a:schemeClr val="accent4"/>
-          </a:effectRef>
-          <a:fontRef idx="minor">
-            <a:schemeClr val="dk1"/>
-          </a:fontRef>
-        </p:style>
-        <p:txBody>
-          <a:bodyPr wrap="none" rtlCol="0">
-            <a:spAutoFit/>
-          </a:bodyPr>
-          <a:lstStyle/>
-          <a:p>
-            <a:r>
-              <a:rPr lang="en-US" dirty="0" err="1"/>
-              <a:t>Wenv</a:t>
-            </a:r>
-            <a:r>
-              <a:rPr lang="en-US" dirty="0"/>
-              <a:t> (scene)</a:t>
-            </a:r>
-          </a:p>
-        </p:txBody>
-      </p:sp>
-    </p:spTree>
-    <p:extLst>
-      <p:ext uri="{BB962C8B-B14F-4D97-AF65-F5344CB8AC3E}">
-        <p14:creationId xmlns:p14="http://schemas.microsoft.com/office/powerpoint/2010/main" val="2125638574"/>
+        <p14:creationId xmlns:p14="http://schemas.microsoft.com/office/powerpoint/2010/main" val="552622049"/>
       </p:ext>
     </p:extLst>
   </p:cSld>
@@ -22842,7 +23719,7 @@
         </p:blipFill>
         <p:spPr>
           <a:xfrm>
-            <a:off x="718033" y="55808"/>
+            <a:off x="553141" y="1907093"/>
             <a:ext cx="7334297" cy="4890900"/>
           </a:xfrm>
           <a:prstGeom prst="rect">
@@ -22864,7 +23741,7 @@
         </p:nvSpPr>
         <p:spPr>
           <a:xfrm>
-            <a:off x="6728773" y="155959"/>
+            <a:off x="6563881" y="2007244"/>
             <a:ext cx="2036538" cy="923330"/>
           </a:xfrm>
           <a:prstGeom prst="rect">
@@ -22927,7 +23804,7 @@
         </p:nvCxnSpPr>
         <p:spPr>
           <a:xfrm rot="10800000" flipV="1">
-            <a:off x="5544925" y="617624"/>
+            <a:off x="5380033" y="2468909"/>
             <a:ext cx="1183848" cy="1214288"/>
           </a:xfrm>
           <a:prstGeom prst="bentConnector2">
@@ -22974,7 +23851,7 @@
         </p:blipFill>
         <p:spPr>
           <a:xfrm>
-            <a:off x="720028" y="5030273"/>
+            <a:off x="553141" y="154447"/>
             <a:ext cx="8416608" cy="1322610"/>
           </a:xfrm>
           <a:prstGeom prst="rect">
@@ -22996,7 +23873,7 @@
         </p:nvSpPr>
         <p:spPr>
           <a:xfrm>
-            <a:off x="7747042" y="4216813"/>
+            <a:off x="6563881" y="1314062"/>
             <a:ext cx="2036538" cy="646331"/>
           </a:xfrm>
           <a:prstGeom prst="rect">
@@ -23034,10 +23911,18 @@
               <a:t>by </a:t>
             </a:r>
             <a:r>
-              <a:rPr lang="en-US" dirty="0" err="1"/>
+              <a:rPr lang="en-US" dirty="0" err="1">
+                <a:solidFill>
+                  <a:srgbClr val="FFFF00"/>
+                </a:solidFill>
+              </a:rPr>
               <a:t>WebpageServer</a:t>
             </a:r>
-            <a:endParaRPr lang="en-US" dirty="0"/>
+            <a:endParaRPr lang="en-US" dirty="0">
+              <a:solidFill>
+                <a:srgbClr val="FFFF00"/>
+              </a:solidFill>
+            </a:endParaRPr>
           </a:p>
         </p:txBody>
       </p:sp>
@@ -23052,14 +23937,156 @@
           </p:cNvPr>
           <p:cNvCxnSpPr>
             <a:cxnSpLocks/>
-            <a:stCxn id="17" idx="2"/>
+            <a:stCxn id="17" idx="0"/>
           </p:cNvCxnSpPr>
           <p:nvPr/>
         </p:nvCxnSpPr>
         <p:spPr>
-          <a:xfrm rot="5400000">
-            <a:off x="8305748" y="5319147"/>
-            <a:ext cx="915567" cy="3560"/>
+          <a:xfrm rot="16200000" flipV="1">
+            <a:off x="6998939" y="730851"/>
+            <a:ext cx="412292" cy="754130"/>
+          </a:xfrm>
+          <a:prstGeom prst="bentConnector2">
+            <a:avLst/>
+          </a:prstGeom>
+          <a:ln w="38100">
+            <a:tailEnd type="triangle"/>
+          </a:ln>
+        </p:spPr>
+        <p:style>
+          <a:lnRef idx="1">
+            <a:schemeClr val="accent1"/>
+          </a:lnRef>
+          <a:fillRef idx="0">
+            <a:schemeClr val="accent1"/>
+          </a:fillRef>
+          <a:effectRef idx="0">
+            <a:schemeClr val="accent1"/>
+          </a:effectRef>
+          <a:fontRef idx="minor">
+            <a:schemeClr val="tx1"/>
+          </a:fontRef>
+        </p:style>
+      </p:cxnSp>
+      <p:pic>
+        <p:nvPicPr>
+          <p:cNvPr id="34" name="Picture 33">
+            <a:extLst>
+              <a:ext uri="{FF2B5EF4-FFF2-40B4-BE49-F238E27FC236}">
+                <a16:creationId xmlns:a16="http://schemas.microsoft.com/office/drawing/2014/main" id="{4DD27EC7-1FD0-4591-A83D-5C0A1A2BE236}"/>
+              </a:ext>
+            </a:extLst>
+          </p:cNvPr>
+          <p:cNvPicPr>
+            <a:picLocks noChangeAspect="1"/>
+          </p:cNvPicPr>
+          <p:nvPr/>
+        </p:nvPicPr>
+        <p:blipFill>
+          <a:blip r:embed="rId4"/>
+          <a:stretch>
+            <a:fillRect/>
+          </a:stretch>
+        </p:blipFill>
+        <p:spPr>
+          <a:xfrm>
+            <a:off x="8184262" y="3878486"/>
+            <a:ext cx="4007738" cy="2979514"/>
+          </a:xfrm>
+          <a:prstGeom prst="rect">
+            <a:avLst/>
+          </a:prstGeom>
+        </p:spPr>
+      </p:pic>
+      <p:sp>
+        <p:nvSpPr>
+          <p:cNvPr id="37" name="TextBox 36">
+            <a:extLst>
+              <a:ext uri="{FF2B5EF4-FFF2-40B4-BE49-F238E27FC236}">
+                <a16:creationId xmlns:a16="http://schemas.microsoft.com/office/drawing/2014/main" id="{8FEE04FE-FBC2-40A5-8ADE-B1612D9ABE73}"/>
+              </a:ext>
+            </a:extLst>
+          </p:cNvPr>
+          <p:cNvSpPr txBox="1"/>
+          <p:nvPr/>
+        </p:nvSpPr>
+        <p:spPr>
+          <a:xfrm>
+            <a:off x="8692234" y="2007244"/>
+            <a:ext cx="2036538" cy="1477328"/>
+          </a:xfrm>
+          <a:prstGeom prst="rect">
+            <a:avLst/>
+          </a:prstGeom>
+        </p:spPr>
+        <p:style>
+          <a:lnRef idx="3">
+            <a:schemeClr val="lt1"/>
+          </a:lnRef>
+          <a:fillRef idx="1">
+            <a:schemeClr val="accent5"/>
+          </a:fillRef>
+          <a:effectRef idx="1">
+            <a:schemeClr val="accent5"/>
+          </a:effectRef>
+          <a:fontRef idx="minor">
+            <a:schemeClr val="lt1"/>
+          </a:fontRef>
+        </p:style>
+        <p:txBody>
+          <a:bodyPr wrap="square" rtlCol="0">
+            <a:spAutoFit/>
+          </a:bodyPr>
+          <a:lstStyle/>
+          <a:p>
+            <a:r>
+              <a:rPr lang="en-US" dirty="0"/>
+              <a:t>Console updated </a:t>
+            </a:r>
+          </a:p>
+          <a:p>
+            <a:r>
+              <a:rPr lang="en-US" dirty="0"/>
+              <a:t>by a client (</a:t>
+            </a:r>
+            <a:r>
+              <a:rPr lang="en-US" dirty="0" err="1"/>
+              <a:t>js</a:t>
+            </a:r>
+            <a:r>
+              <a:rPr lang="en-US" dirty="0"/>
+              <a:t>) that handles messages sent by </a:t>
+            </a:r>
+            <a:r>
+              <a:rPr lang="en-US" dirty="0" err="1"/>
+              <a:t>WEnv</a:t>
+            </a:r>
+            <a:r>
+              <a:rPr lang="en-US" dirty="0"/>
+              <a:t> over websocket-8091</a:t>
+            </a:r>
+          </a:p>
+        </p:txBody>
+      </p:sp>
+      <p:cxnSp>
+        <p:nvCxnSpPr>
+          <p:cNvPr id="38" name="Connector: Elbow 37">
+            <a:extLst>
+              <a:ext uri="{FF2B5EF4-FFF2-40B4-BE49-F238E27FC236}">
+                <a16:creationId xmlns:a16="http://schemas.microsoft.com/office/drawing/2014/main" id="{5FCC73B8-2282-4AC2-AE31-52DA6E085D92}"/>
+              </a:ext>
+            </a:extLst>
+          </p:cNvPr>
+          <p:cNvCxnSpPr>
+            <a:cxnSpLocks/>
+            <a:stCxn id="37" idx="2"/>
+          </p:cNvCxnSpPr>
+          <p:nvPr/>
+        </p:nvCxnSpPr>
+        <p:spPr>
+          <a:xfrm rot="16200000" flipH="1">
+            <a:off x="8754631" y="4440443"/>
+            <a:ext cx="1918095" cy="6351"/>
           </a:xfrm>
           <a:prstGeom prst="bentConnector3">
             <a:avLst>
@@ -23085,10 +24112,210 @@
           </a:fontRef>
         </p:style>
       </p:cxnSp>
+      <p:sp>
+        <p:nvSpPr>
+          <p:cNvPr id="47" name="Oval 46">
+            <a:extLst>
+              <a:ext uri="{FF2B5EF4-FFF2-40B4-BE49-F238E27FC236}">
+                <a16:creationId xmlns:a16="http://schemas.microsoft.com/office/drawing/2014/main" id="{AB216C9E-4A20-4717-B1D5-F8E0EAF4F830}"/>
+              </a:ext>
+            </a:extLst>
+          </p:cNvPr>
+          <p:cNvSpPr/>
+          <p:nvPr/>
+        </p:nvSpPr>
+        <p:spPr>
+          <a:xfrm>
+            <a:off x="2140527" y="2883509"/>
+            <a:ext cx="202367" cy="188774"/>
+          </a:xfrm>
+          <a:prstGeom prst="ellipse">
+            <a:avLst/>
+          </a:prstGeom>
+          <a:solidFill>
+            <a:schemeClr val="tx1"/>
+          </a:solidFill>
+          <a:ln>
+            <a:solidFill>
+              <a:schemeClr val="tx1"/>
+            </a:solidFill>
+          </a:ln>
+        </p:spPr>
+        <p:style>
+          <a:lnRef idx="2">
+            <a:schemeClr val="accent1">
+              <a:shade val="50%"/>
+            </a:schemeClr>
+          </a:lnRef>
+          <a:fillRef idx="1">
+            <a:schemeClr val="accent1"/>
+          </a:fillRef>
+          <a:effectRef idx="0">
+            <a:schemeClr val="accent1"/>
+          </a:effectRef>
+          <a:fontRef idx="minor">
+            <a:schemeClr val="lt1"/>
+          </a:fontRef>
+        </p:style>
+        <p:txBody>
+          <a:bodyPr rtlCol="0" anchor="ctr"/>
+          <a:lstStyle/>
+          <a:p>
+            <a:pPr algn="ctr"/>
+            <a:endParaRPr lang="en-US"/>
+          </a:p>
+        </p:txBody>
+      </p:sp>
+      <p:sp>
+        <p:nvSpPr>
+          <p:cNvPr id="51" name="TextBox 50">
+            <a:extLst>
+              <a:ext uri="{FF2B5EF4-FFF2-40B4-BE49-F238E27FC236}">
+                <a16:creationId xmlns:a16="http://schemas.microsoft.com/office/drawing/2014/main" id="{B632D4FD-96B3-4999-B318-E79DE8A8C866}"/>
+              </a:ext>
+            </a:extLst>
+          </p:cNvPr>
+          <p:cNvSpPr txBox="1"/>
+          <p:nvPr/>
+        </p:nvSpPr>
+        <p:spPr>
+          <a:xfrm>
+            <a:off x="553141" y="1521498"/>
+            <a:ext cx="5827942" cy="369332"/>
+          </a:xfrm>
+          <a:prstGeom prst="rect">
+            <a:avLst/>
+          </a:prstGeom>
+        </p:spPr>
+        <p:style>
+          <a:lnRef idx="1">
+            <a:schemeClr val="accent4"/>
+          </a:lnRef>
+          <a:fillRef idx="2">
+            <a:schemeClr val="accent4"/>
+          </a:fillRef>
+          <a:effectRef idx="1">
+            <a:schemeClr val="accent4"/>
+          </a:effectRef>
+          <a:fontRef idx="minor">
+            <a:schemeClr val="dk1"/>
+          </a:fontRef>
+        </p:style>
+        <p:txBody>
+          <a:bodyPr wrap="none" rtlCol="0">
+            <a:spAutoFit/>
+          </a:bodyPr>
+          <a:lstStyle/>
+          <a:p>
+            <a:r>
+              <a:rPr lang="en-US" dirty="0" err="1"/>
+              <a:t>WebpageServer</a:t>
+            </a:r>
+            <a:r>
+              <a:rPr lang="en-US" dirty="0"/>
+              <a:t> updates the scene by using websocket-8090</a:t>
+            </a:r>
+          </a:p>
+        </p:txBody>
+      </p:sp>
+      <p:cxnSp>
+        <p:nvCxnSpPr>
+          <p:cNvPr id="41" name="Connector: Elbow 40">
+            <a:extLst>
+              <a:ext uri="{FF2B5EF4-FFF2-40B4-BE49-F238E27FC236}">
+                <a16:creationId xmlns:a16="http://schemas.microsoft.com/office/drawing/2014/main" id="{B321E8DE-0DCD-4789-AFF8-610118BD0D85}"/>
+              </a:ext>
+            </a:extLst>
+          </p:cNvPr>
+          <p:cNvCxnSpPr>
+            <a:cxnSpLocks/>
+            <a:endCxn id="47" idx="0"/>
+          </p:cNvCxnSpPr>
+          <p:nvPr/>
+        </p:nvCxnSpPr>
+        <p:spPr>
+          <a:xfrm rot="10800000" flipV="1">
+            <a:off x="2241711" y="1837123"/>
+            <a:ext cx="4330470" cy="1046386"/>
+          </a:xfrm>
+          <a:prstGeom prst="bentConnector2">
+            <a:avLst/>
+          </a:prstGeom>
+          <a:ln w="38100">
+            <a:tailEnd type="triangle"/>
+          </a:ln>
+        </p:spPr>
+        <p:style>
+          <a:lnRef idx="1">
+            <a:schemeClr val="accent1"/>
+          </a:lnRef>
+          <a:fillRef idx="0">
+            <a:schemeClr val="accent1"/>
+          </a:fillRef>
+          <a:effectRef idx="0">
+            <a:schemeClr val="accent1"/>
+          </a:effectRef>
+          <a:fontRef idx="minor">
+            <a:schemeClr val="tx1"/>
+          </a:fontRef>
+        </p:style>
+      </p:cxnSp>
+      <p:sp>
+        <p:nvSpPr>
+          <p:cNvPr id="55" name="TextBox 54">
+            <a:extLst>
+              <a:ext uri="{FF2B5EF4-FFF2-40B4-BE49-F238E27FC236}">
+                <a16:creationId xmlns:a16="http://schemas.microsoft.com/office/drawing/2014/main" id="{9DF16D52-05F1-403E-A5B1-4A994618D5F4}"/>
+              </a:ext>
+            </a:extLst>
+          </p:cNvPr>
+          <p:cNvSpPr txBox="1"/>
+          <p:nvPr/>
+        </p:nvSpPr>
+        <p:spPr>
+          <a:xfrm>
+            <a:off x="595557" y="3044424"/>
+            <a:ext cx="1453155" cy="369332"/>
+          </a:xfrm>
+          <a:prstGeom prst="rect">
+            <a:avLst/>
+          </a:prstGeom>
+        </p:spPr>
+        <p:style>
+          <a:lnRef idx="1">
+            <a:schemeClr val="accent4"/>
+          </a:lnRef>
+          <a:fillRef idx="2">
+            <a:schemeClr val="accent4"/>
+          </a:fillRef>
+          <a:effectRef idx="1">
+            <a:schemeClr val="accent4"/>
+          </a:effectRef>
+          <a:fontRef idx="minor">
+            <a:schemeClr val="dk1"/>
+          </a:fontRef>
+        </p:style>
+        <p:txBody>
+          <a:bodyPr wrap="none" rtlCol="0">
+            <a:spAutoFit/>
+          </a:bodyPr>
+          <a:lstStyle/>
+          <a:p>
+            <a:r>
+              <a:rPr lang="en-US" dirty="0" err="1"/>
+              <a:t>Wenv</a:t>
+            </a:r>
+            <a:r>
+              <a:rPr lang="en-US" dirty="0"/>
+              <a:t> (scene)</a:t>
+            </a:r>
+          </a:p>
+        </p:txBody>
+      </p:sp>
     </p:spTree>
     <p:extLst>
       <p:ext uri="{BB962C8B-B14F-4D97-AF65-F5344CB8AC3E}">
-        <p14:creationId xmlns:p14="http://schemas.microsoft.com/office/powerpoint/2010/main" val="2403224497"/>
+        <p14:creationId xmlns:p14="http://schemas.microsoft.com/office/powerpoint/2010/main" val="2125638574"/>
       </p:ext>
     </p:extLst>
   </p:cSld>
@@ -23100,7 +24327,7 @@
 
 <file path=ppt/slides/slide19.xml><?xml version="1.0" encoding="utf-8"?>
 <p:sld xmlns:a="http://purl.oclc.org/ooxml/drawingml/main" xmlns:r="http://purl.oclc.org/ooxml/officeDocument/relationships" xmlns:p="http://purl.oclc.org/ooxml/presentationml/main">
-  <p:cSld name="Slide7">
+  <p:cSld>
     <p:spTree>
       <p:nvGrpSpPr>
         <p:cNvPr id="1" name=""/>
@@ -23115,243 +24342,12 @@
           <a:chExt cx="0" cy="0"/>
         </a:xfrm>
       </p:grpSpPr>
-      <p:sp>
-        <p:nvSpPr>
-          <p:cNvPr id="2" name="Title 1">
-            <a:extLst>
-              <a:ext uri="{FF2B5EF4-FFF2-40B4-BE49-F238E27FC236}">
-                <a16:creationId xmlns:a16="http://schemas.microsoft.com/office/drawing/2014/main" id="{AB752C09-7529-442D-8E75-8A4F1BD2DAAB}"/>
-              </a:ext>
-            </a:extLst>
-          </p:cNvPr>
-          <p:cNvSpPr txBox="1">
-            <a:spLocks noGrp="1"/>
-          </p:cNvSpPr>
-          <p:nvPr>
-            <p:ph type="title"/>
-          </p:nvPr>
-        </p:nvSpPr>
-        <p:spPr/>
-        <p:txBody>
-          <a:bodyPr/>
-          <a:lstStyle/>
-          <a:p>
-            <a:pPr lvl="0"/>
-            <a:r>
-              <a:rPr lang="en-US" dirty="0"/>
-              <a:t>Create a project with </a:t>
-            </a:r>
-            <a:r>
-              <a:rPr lang="en-US" dirty="0" err="1"/>
-              <a:t>gradle</a:t>
-            </a:r>
-            <a:endParaRPr lang="en-US" dirty="0"/>
-          </a:p>
-        </p:txBody>
-      </p:sp>
-      <p:sp>
-        <p:nvSpPr>
-          <p:cNvPr id="3" name="TextBox 3">
-            <a:extLst>
-              <a:ext uri="{FF2B5EF4-FFF2-40B4-BE49-F238E27FC236}">
-                <a16:creationId xmlns:a16="http://schemas.microsoft.com/office/drawing/2014/main" id="{55486B56-455F-4FBD-BE90-E8DD6C52B310}"/>
-              </a:ext>
-            </a:extLst>
-          </p:cNvPr>
-          <p:cNvSpPr txBox="1"/>
-          <p:nvPr/>
-        </p:nvSpPr>
-        <p:spPr>
-          <a:xfrm>
-            <a:off x="681493" y="1401738"/>
-            <a:ext cx="11281775" cy="1077218"/>
-          </a:xfrm>
-          <a:prstGeom prst="rect">
-            <a:avLst/>
-          </a:prstGeom>
-          <a:solidFill>
-            <a:srgbClr val="FFFFFF"/>
-          </a:solidFill>
-          <a:ln w="12701" cap="flat">
-            <a:solidFill>
-              <a:srgbClr val="ED7D31"/>
-            </a:solidFill>
-            <a:prstDash val="solid"/>
-            <a:miter/>
-          </a:ln>
-        </p:spPr>
-        <p:txBody>
-          <a:bodyPr vert="horz" wrap="square" lIns="91440" tIns="45720" rIns="91440" bIns="45720" anchor="t" anchorCtr="0" compatLnSpc="1">
-            <a:spAutoFit/>
-          </a:bodyPr>
-          <a:lstStyle/>
-          <a:p>
-            <a:pPr marL="0" marR="0" lvl="0" indent="0" algn="l" defTabSz="914400" rtl="0" fontAlgn="auto" hangingPunct="1">
-              <a:lnSpc>
-                <a:spcPct val="100%"/>
-              </a:lnSpc>
-              <a:spcBef>
-                <a:spcPts val="0"/>
-              </a:spcBef>
-              <a:spcAft>
-                <a:spcPts val="0"/>
-              </a:spcAft>
-              <a:buNone/>
-              <a:tabLst/>
-              <a:defRPr sz="1800" b="0" i="0" u="none" strike="noStrike" kern="0" cap="none" spc="0" baseline="0%">
-                <a:solidFill>
-                  <a:srgbClr val="000000"/>
-                </a:solidFill>
-                <a:uFillTx/>
-              </a:defRPr>
-            </a:pPr>
-            <a:r>
-              <a:rPr lang="en-US" sz="3200" b="0" i="0" u="none" strike="noStrike" kern="1200" cap="none" spc="0" baseline="0%" dirty="0">
-                <a:solidFill>
-                  <a:srgbClr val="00B050"/>
-                </a:solidFill>
-                <a:uFillTx/>
-                <a:latin typeface="Calibri"/>
-                <a:ea typeface="Calibri"/>
-                <a:cs typeface="Calibri"/>
-              </a:rPr>
-              <a:t>C:\...\issLab2021</a:t>
-            </a:r>
-            <a:r>
-              <a:rPr lang="en-US" sz="3200" b="0" i="0" u="none" strike="noStrike" kern="1200" cap="none" spc="0" baseline="0%" dirty="0">
-                <a:solidFill>
-                  <a:srgbClr val="000000"/>
-                </a:solidFill>
-                <a:uFillTx/>
-                <a:latin typeface="Calibri"/>
-                <a:ea typeface="Calibri"/>
-                <a:cs typeface="Calibri"/>
-              </a:rPr>
-              <a:t>&gt;</a:t>
-            </a:r>
-            <a:r>
-              <a:rPr lang="en-US" sz="3200" b="0" i="0" u="none" strike="noStrike" kern="1200" cap="none" spc="0" baseline="0%" dirty="0">
-                <a:solidFill>
-                  <a:srgbClr val="C00000"/>
-                </a:solidFill>
-                <a:uFillTx/>
-                <a:latin typeface="Calibri"/>
-                <a:ea typeface="Calibri"/>
-                <a:cs typeface="Calibri"/>
-              </a:rPr>
-              <a:t>mkdir</a:t>
-            </a:r>
-            <a:r>
-              <a:rPr lang="en-US" sz="3200" b="0" i="0" u="none" strike="noStrike" kern="1200" cap="none" spc="0" baseline="0%" dirty="0">
-                <a:solidFill>
-                  <a:srgbClr val="000000"/>
-                </a:solidFill>
-                <a:uFillTx/>
-                <a:latin typeface="Calibri"/>
-                <a:ea typeface="Calibri"/>
-                <a:cs typeface="Calibri"/>
-              </a:rPr>
-              <a:t> </a:t>
-            </a:r>
-            <a:r>
-              <a:rPr lang="en-US" sz="3200" b="0" i="0" u="none" strike="noStrike" kern="1200" cap="none" spc="0" baseline="0%" dirty="0" err="1">
-                <a:solidFill>
-                  <a:srgbClr val="000000"/>
-                </a:solidFill>
-                <a:uFillTx/>
-                <a:latin typeface="Calibri"/>
-                <a:ea typeface="Calibri"/>
-                <a:cs typeface="Calibri"/>
-              </a:rPr>
-              <a:t>it.unibo.wenvusage</a:t>
-            </a:r>
-            <a:endParaRPr lang="en-US" sz="3200" b="0" i="0" u="none" strike="noStrike" kern="1200" cap="none" spc="0" baseline="0%" dirty="0">
-              <a:solidFill>
-                <a:srgbClr val="000000"/>
-              </a:solidFill>
-              <a:uFillTx/>
-              <a:latin typeface="Calibri"/>
-            </a:endParaRPr>
-          </a:p>
-          <a:p>
-            <a:pPr marL="0" marR="0" lvl="0" indent="0" algn="l" defTabSz="914400" rtl="0" fontAlgn="auto" hangingPunct="1">
-              <a:lnSpc>
-                <a:spcPct val="100%"/>
-              </a:lnSpc>
-              <a:spcBef>
-                <a:spcPts val="0"/>
-              </a:spcBef>
-              <a:spcAft>
-                <a:spcPts val="0"/>
-              </a:spcAft>
-              <a:buNone/>
-              <a:tabLst/>
-              <a:defRPr sz="1800" b="0" i="0" u="none" strike="noStrike" kern="0" cap="none" spc="0" baseline="0%">
-                <a:solidFill>
-                  <a:srgbClr val="000000"/>
-                </a:solidFill>
-                <a:uFillTx/>
-              </a:defRPr>
-            </a:pPr>
-            <a:r>
-              <a:rPr lang="en-US" sz="3200" b="0" i="0" u="none" strike="noStrike" kern="1200" cap="none" spc="0" baseline="0%" dirty="0">
-                <a:solidFill>
-                  <a:srgbClr val="00B050"/>
-                </a:solidFill>
-                <a:uFillTx/>
-                <a:latin typeface="Calibri"/>
-              </a:rPr>
-              <a:t>C:\...\issLab2021</a:t>
-            </a:r>
-            <a:r>
-              <a:rPr lang="en-US" sz="3200" b="0" i="0" u="none" strike="noStrike" kern="1200" cap="none" spc="0" baseline="0%" dirty="0">
-                <a:solidFill>
-                  <a:srgbClr val="000000"/>
-                </a:solidFill>
-                <a:uFillTx/>
-                <a:latin typeface="Calibri"/>
-              </a:rPr>
-              <a:t>&gt;</a:t>
-            </a:r>
-            <a:r>
-              <a:rPr lang="en-US" sz="3200" b="0" i="0" u="none" strike="noStrike" kern="1200" cap="none" spc="0" baseline="0%" dirty="0">
-                <a:solidFill>
-                  <a:srgbClr val="C00000"/>
-                </a:solidFill>
-                <a:uFillTx/>
-                <a:latin typeface="Calibri"/>
-              </a:rPr>
-              <a:t>gradle </a:t>
-            </a:r>
-            <a:r>
-              <a:rPr lang="en-US" sz="3200" b="0" i="0" u="none" strike="noStrike" kern="1200" cap="none" spc="0" baseline="0%" dirty="0" err="1">
-                <a:solidFill>
-                  <a:srgbClr val="C00000"/>
-                </a:solidFill>
-                <a:uFillTx/>
-                <a:latin typeface="Calibri"/>
-              </a:rPr>
-              <a:t>init</a:t>
-            </a:r>
-            <a:r>
-              <a:rPr lang="en-US" sz="3200" b="0" i="0" u="none" strike="noStrike" kern="1200" cap="none" spc="0" baseline="0%" dirty="0">
-                <a:solidFill>
-                  <a:srgbClr val="000000"/>
-                </a:solidFill>
-                <a:uFillTx/>
-                <a:latin typeface="Calibri"/>
-              </a:rPr>
-              <a:t> (select 2, 3, 1, 2, 1, -, -)</a:t>
-            </a:r>
-          </a:p>
-        </p:txBody>
-      </p:sp>
       <p:pic>
         <p:nvPicPr>
-          <p:cNvPr id="6" name="Picture 5">
-            <a:extLst>
-              <a:ext uri="{FF2B5EF4-FFF2-40B4-BE49-F238E27FC236}">
-                <a16:creationId xmlns:a16="http://schemas.microsoft.com/office/drawing/2014/main" id="{C381F887-AE65-4634-A20A-88FBDCEF06B8}"/>
+          <p:cNvPr id="5" name="Picture 4">
+            <a:extLst>
+              <a:ext uri="{FF2B5EF4-FFF2-40B4-BE49-F238E27FC236}">
+                <a16:creationId xmlns:a16="http://schemas.microsoft.com/office/drawing/2014/main" id="{AFB81088-0FD8-4C1A-A073-21ECCB654BAC}"/>
               </a:ext>
             </a:extLst>
           </p:cNvPr>
@@ -23368,15 +24364,255 @@
         </p:blipFill>
         <p:spPr>
           <a:xfrm>
-            <a:off x="677332" y="2478956"/>
-            <a:ext cx="7473816" cy="4403178"/>
+            <a:off x="718033" y="55808"/>
+            <a:ext cx="7334297" cy="4890900"/>
           </a:xfrm>
           <a:prstGeom prst="rect">
             <a:avLst/>
           </a:prstGeom>
         </p:spPr>
       </p:pic>
+      <p:sp>
+        <p:nvSpPr>
+          <p:cNvPr id="6" name="TextBox 5">
+            <a:extLst>
+              <a:ext uri="{FF2B5EF4-FFF2-40B4-BE49-F238E27FC236}">
+                <a16:creationId xmlns:a16="http://schemas.microsoft.com/office/drawing/2014/main" id="{C36357A5-CC17-4235-8378-988782E4CF6F}"/>
+              </a:ext>
+            </a:extLst>
+          </p:cNvPr>
+          <p:cNvSpPr txBox="1"/>
+          <p:nvPr/>
+        </p:nvSpPr>
+        <p:spPr>
+          <a:xfrm>
+            <a:off x="6728773" y="155959"/>
+            <a:ext cx="2036538" cy="923330"/>
+          </a:xfrm>
+          <a:prstGeom prst="rect">
+            <a:avLst/>
+          </a:prstGeom>
+        </p:spPr>
+        <p:style>
+          <a:lnRef idx="3">
+            <a:schemeClr val="lt1"/>
+          </a:lnRef>
+          <a:fillRef idx="1">
+            <a:schemeClr val="accent5"/>
+          </a:fillRef>
+          <a:effectRef idx="1">
+            <a:schemeClr val="accent5"/>
+          </a:effectRef>
+          <a:fontRef idx="minor">
+            <a:schemeClr val="lt1"/>
+          </a:fontRef>
+        </p:style>
+        <p:txBody>
+          <a:bodyPr wrap="square" rtlCol="0">
+            <a:spAutoFit/>
+          </a:bodyPr>
+          <a:lstStyle/>
+          <a:p>
+            <a:r>
+              <a:rPr lang="en-US" dirty="0"/>
+              <a:t>Console updated </a:t>
+            </a:r>
+          </a:p>
+          <a:p>
+            <a:r>
+              <a:rPr lang="en-US" dirty="0"/>
+              <a:t>by scripts loaded in</a:t>
+            </a:r>
+          </a:p>
+          <a:p>
+            <a:r>
+              <a:rPr lang="en-US" dirty="0"/>
+              <a:t>the HTML file</a:t>
+            </a:r>
+          </a:p>
+        </p:txBody>
+      </p:sp>
+      <p:cxnSp>
+        <p:nvCxnSpPr>
+          <p:cNvPr id="8" name="Connector: Elbow 7">
+            <a:extLst>
+              <a:ext uri="{FF2B5EF4-FFF2-40B4-BE49-F238E27FC236}">
+                <a16:creationId xmlns:a16="http://schemas.microsoft.com/office/drawing/2014/main" id="{3D11A2D7-9F4E-4D63-B323-940A510164E2}"/>
+              </a:ext>
+            </a:extLst>
+          </p:cNvPr>
+          <p:cNvCxnSpPr>
+            <a:cxnSpLocks/>
+            <a:stCxn id="6" idx="1"/>
+          </p:cNvCxnSpPr>
+          <p:nvPr/>
+        </p:nvCxnSpPr>
+        <p:spPr>
+          <a:xfrm rot="10800000" flipV="1">
+            <a:off x="5544925" y="617624"/>
+            <a:ext cx="1183848" cy="1214288"/>
+          </a:xfrm>
+          <a:prstGeom prst="bentConnector2">
+            <a:avLst/>
+          </a:prstGeom>
+          <a:ln w="38100">
+            <a:tailEnd type="triangle"/>
+          </a:ln>
+        </p:spPr>
+        <p:style>
+          <a:lnRef idx="1">
+            <a:schemeClr val="accent1"/>
+          </a:lnRef>
+          <a:fillRef idx="0">
+            <a:schemeClr val="accent1"/>
+          </a:fillRef>
+          <a:effectRef idx="0">
+            <a:schemeClr val="accent1"/>
+          </a:effectRef>
+          <a:fontRef idx="minor">
+            <a:schemeClr val="tx1"/>
+          </a:fontRef>
+        </p:style>
+      </p:cxnSp>
+      <p:pic>
+        <p:nvPicPr>
+          <p:cNvPr id="14" name="Picture 13">
+            <a:extLst>
+              <a:ext uri="{FF2B5EF4-FFF2-40B4-BE49-F238E27FC236}">
+                <a16:creationId xmlns:a16="http://schemas.microsoft.com/office/drawing/2014/main" id="{48BED648-CEEF-40FA-870E-F6B366786F13}"/>
+              </a:ext>
+            </a:extLst>
+          </p:cNvPr>
+          <p:cNvPicPr>
+            <a:picLocks noChangeAspect="1"/>
+          </p:cNvPicPr>
+          <p:nvPr/>
+        </p:nvPicPr>
+        <p:blipFill>
+          <a:blip r:embed="rId3"/>
+          <a:stretch>
+            <a:fillRect/>
+          </a:stretch>
+        </p:blipFill>
+        <p:spPr>
+          <a:xfrm>
+            <a:off x="720028" y="5030273"/>
+            <a:ext cx="8416608" cy="1322610"/>
+          </a:xfrm>
+          <a:prstGeom prst="rect">
+            <a:avLst/>
+          </a:prstGeom>
+        </p:spPr>
+      </p:pic>
+      <p:sp>
+        <p:nvSpPr>
+          <p:cNvPr id="17" name="TextBox 16">
+            <a:extLst>
+              <a:ext uri="{FF2B5EF4-FFF2-40B4-BE49-F238E27FC236}">
+                <a16:creationId xmlns:a16="http://schemas.microsoft.com/office/drawing/2014/main" id="{5F6502D7-940A-48F7-A00E-FA8C63C2F084}"/>
+              </a:ext>
+            </a:extLst>
+          </p:cNvPr>
+          <p:cNvSpPr txBox="1"/>
+          <p:nvPr/>
+        </p:nvSpPr>
+        <p:spPr>
+          <a:xfrm>
+            <a:off x="7747042" y="4216813"/>
+            <a:ext cx="2036538" cy="646331"/>
+          </a:xfrm>
+          <a:prstGeom prst="rect">
+            <a:avLst/>
+          </a:prstGeom>
+        </p:spPr>
+        <p:style>
+          <a:lnRef idx="3">
+            <a:schemeClr val="lt1"/>
+          </a:lnRef>
+          <a:fillRef idx="1">
+            <a:schemeClr val="accent5"/>
+          </a:fillRef>
+          <a:effectRef idx="1">
+            <a:schemeClr val="accent5"/>
+          </a:effectRef>
+          <a:fontRef idx="minor">
+            <a:schemeClr val="lt1"/>
+          </a:fontRef>
+        </p:style>
+        <p:txBody>
+          <a:bodyPr wrap="square" rtlCol="0">
+            <a:spAutoFit/>
+          </a:bodyPr>
+          <a:lstStyle/>
+          <a:p>
+            <a:r>
+              <a:rPr lang="en-US" dirty="0"/>
+              <a:t>Console updated </a:t>
+            </a:r>
+          </a:p>
+          <a:p>
+            <a:r>
+              <a:rPr lang="en-US" dirty="0"/>
+              <a:t>by </a:t>
+            </a:r>
+            <a:r>
+              <a:rPr lang="en-US" dirty="0" err="1"/>
+              <a:t>WebpageServer</a:t>
+            </a:r>
+            <a:endParaRPr lang="en-US" dirty="0"/>
+          </a:p>
+        </p:txBody>
+      </p:sp>
+      <p:cxnSp>
+        <p:nvCxnSpPr>
+          <p:cNvPr id="18" name="Connector: Elbow 17">
+            <a:extLst>
+              <a:ext uri="{FF2B5EF4-FFF2-40B4-BE49-F238E27FC236}">
+                <a16:creationId xmlns:a16="http://schemas.microsoft.com/office/drawing/2014/main" id="{0D85D913-17E4-435F-AD46-D093FA5BB6A0}"/>
+              </a:ext>
+            </a:extLst>
+          </p:cNvPr>
+          <p:cNvCxnSpPr>
+            <a:cxnSpLocks/>
+            <a:stCxn id="17" idx="2"/>
+          </p:cNvCxnSpPr>
+          <p:nvPr/>
+        </p:nvCxnSpPr>
+        <p:spPr>
+          <a:xfrm rot="5400000">
+            <a:off x="8305748" y="5319147"/>
+            <a:ext cx="915567" cy="3560"/>
+          </a:xfrm>
+          <a:prstGeom prst="bentConnector3">
+            <a:avLst>
+              <a:gd name="adj1" fmla="val 50000"/>
+            </a:avLst>
+          </a:prstGeom>
+          <a:ln w="38100">
+            <a:tailEnd type="triangle"/>
+          </a:ln>
+        </p:spPr>
+        <p:style>
+          <a:lnRef idx="1">
+            <a:schemeClr val="accent1"/>
+          </a:lnRef>
+          <a:fillRef idx="0">
+            <a:schemeClr val="accent1"/>
+          </a:fillRef>
+          <a:effectRef idx="0">
+            <a:schemeClr val="accent1"/>
+          </a:effectRef>
+          <a:fontRef idx="minor">
+            <a:schemeClr val="tx1"/>
+          </a:fontRef>
+        </p:style>
+      </p:cxnSp>
     </p:spTree>
+    <p:extLst>
+      <p:ext uri="{BB962C8B-B14F-4D97-AF65-F5344CB8AC3E}">
+        <p14:creationId xmlns:p14="http://schemas.microsoft.com/office/powerpoint/2010/main" val="2403224497"/>
+      </p:ext>
+    </p:extLst>
   </p:cSld>
   <p:clrMapOvr>
     <a:masterClrMapping/>
@@ -25845,6 +27081,292 @@
 
 <file path=ppt/slides/slide20.xml><?xml version="1.0" encoding="utf-8"?>
 <p:sld xmlns:a="http://purl.oclc.org/ooxml/drawingml/main" xmlns:r="http://purl.oclc.org/ooxml/officeDocument/relationships" xmlns:p="http://purl.oclc.org/ooxml/presentationml/main">
+  <p:cSld name="Slide7">
+    <p:spTree>
+      <p:nvGrpSpPr>
+        <p:cNvPr id="1" name=""/>
+        <p:cNvGrpSpPr/>
+        <p:nvPr/>
+      </p:nvGrpSpPr>
+      <p:grpSpPr>
+        <a:xfrm>
+          <a:off x="0" y="0"/>
+          <a:ext cx="0" cy="0"/>
+          <a:chOff x="0" y="0"/>
+          <a:chExt cx="0" cy="0"/>
+        </a:xfrm>
+      </p:grpSpPr>
+      <p:sp>
+        <p:nvSpPr>
+          <p:cNvPr id="2" name="Title 1">
+            <a:extLst>
+              <a:ext uri="{FF2B5EF4-FFF2-40B4-BE49-F238E27FC236}">
+                <a16:creationId xmlns:a16="http://schemas.microsoft.com/office/drawing/2014/main" id="{AB752C09-7529-442D-8E75-8A4F1BD2DAAB}"/>
+              </a:ext>
+            </a:extLst>
+          </p:cNvPr>
+          <p:cNvSpPr txBox="1">
+            <a:spLocks noGrp="1"/>
+          </p:cNvSpPr>
+          <p:nvPr>
+            <p:ph type="title"/>
+          </p:nvPr>
+        </p:nvSpPr>
+        <p:spPr/>
+        <p:txBody>
+          <a:bodyPr/>
+          <a:lstStyle/>
+          <a:p>
+            <a:pPr lvl="0"/>
+            <a:r>
+              <a:rPr lang="en-US" dirty="0"/>
+              <a:t>Create a project with </a:t>
+            </a:r>
+            <a:r>
+              <a:rPr lang="en-US" dirty="0" err="1"/>
+              <a:t>gradle</a:t>
+            </a:r>
+            <a:endParaRPr lang="en-US" dirty="0"/>
+          </a:p>
+        </p:txBody>
+      </p:sp>
+      <p:sp>
+        <p:nvSpPr>
+          <p:cNvPr id="3" name="TextBox 3">
+            <a:extLst>
+              <a:ext uri="{FF2B5EF4-FFF2-40B4-BE49-F238E27FC236}">
+                <a16:creationId xmlns:a16="http://schemas.microsoft.com/office/drawing/2014/main" id="{55486B56-455F-4FBD-BE90-E8DD6C52B310}"/>
+              </a:ext>
+            </a:extLst>
+          </p:cNvPr>
+          <p:cNvSpPr txBox="1"/>
+          <p:nvPr/>
+        </p:nvSpPr>
+        <p:spPr>
+          <a:xfrm>
+            <a:off x="681493" y="1401738"/>
+            <a:ext cx="11281775" cy="1077218"/>
+          </a:xfrm>
+          <a:prstGeom prst="rect">
+            <a:avLst/>
+          </a:prstGeom>
+          <a:solidFill>
+            <a:srgbClr val="FFFFFF"/>
+          </a:solidFill>
+          <a:ln w="12701" cap="flat">
+            <a:solidFill>
+              <a:srgbClr val="ED7D31"/>
+            </a:solidFill>
+            <a:prstDash val="solid"/>
+            <a:miter/>
+          </a:ln>
+        </p:spPr>
+        <p:txBody>
+          <a:bodyPr vert="horz" wrap="square" lIns="91440" tIns="45720" rIns="91440" bIns="45720" anchor="t" anchorCtr="0" compatLnSpc="1">
+            <a:spAutoFit/>
+          </a:bodyPr>
+          <a:lstStyle/>
+          <a:p>
+            <a:pPr marL="0" marR="0" lvl="0" indent="0" algn="l" defTabSz="914400" rtl="0" fontAlgn="auto" hangingPunct="1">
+              <a:lnSpc>
+                <a:spcPct val="100%"/>
+              </a:lnSpc>
+              <a:spcBef>
+                <a:spcPts val="0"/>
+              </a:spcBef>
+              <a:spcAft>
+                <a:spcPts val="0"/>
+              </a:spcAft>
+              <a:buNone/>
+              <a:tabLst/>
+              <a:defRPr sz="1800" b="0" i="0" u="none" strike="noStrike" kern="0" cap="none" spc="0" baseline="0%">
+                <a:solidFill>
+                  <a:srgbClr val="000000"/>
+                </a:solidFill>
+                <a:uFillTx/>
+              </a:defRPr>
+            </a:pPr>
+            <a:r>
+              <a:rPr lang="en-US" sz="3200" b="0" i="0" u="none" strike="noStrike" kern="1200" cap="none" spc="0" baseline="0%" dirty="0">
+                <a:solidFill>
+                  <a:srgbClr val="00B050"/>
+                </a:solidFill>
+                <a:uFillTx/>
+                <a:latin typeface="Calibri"/>
+                <a:ea typeface="Calibri"/>
+                <a:cs typeface="Calibri"/>
+              </a:rPr>
+              <a:t>C:\...\issLab2021</a:t>
+            </a:r>
+            <a:r>
+              <a:rPr lang="en-US" sz="3200" b="0" i="0" u="none" strike="noStrike" kern="1200" cap="none" spc="0" baseline="0%" dirty="0">
+                <a:solidFill>
+                  <a:srgbClr val="000000"/>
+                </a:solidFill>
+                <a:uFillTx/>
+                <a:latin typeface="Calibri"/>
+                <a:ea typeface="Calibri"/>
+                <a:cs typeface="Calibri"/>
+              </a:rPr>
+              <a:t>&gt;</a:t>
+            </a:r>
+            <a:r>
+              <a:rPr lang="en-US" sz="3200" b="0" i="0" u="none" strike="noStrike" kern="1200" cap="none" spc="0" baseline="0%" dirty="0">
+                <a:solidFill>
+                  <a:srgbClr val="C00000"/>
+                </a:solidFill>
+                <a:uFillTx/>
+                <a:latin typeface="Calibri"/>
+                <a:ea typeface="Calibri"/>
+                <a:cs typeface="Calibri"/>
+              </a:rPr>
+              <a:t>mkdir</a:t>
+            </a:r>
+            <a:r>
+              <a:rPr lang="en-US" sz="3200" b="0" i="0" u="none" strike="noStrike" kern="1200" cap="none" spc="0" baseline="0%" dirty="0">
+                <a:solidFill>
+                  <a:srgbClr val="000000"/>
+                </a:solidFill>
+                <a:uFillTx/>
+                <a:latin typeface="Calibri"/>
+                <a:ea typeface="Calibri"/>
+                <a:cs typeface="Calibri"/>
+              </a:rPr>
+              <a:t> </a:t>
+            </a:r>
+            <a:r>
+              <a:rPr lang="en-US" sz="3200" b="0" i="0" u="none" strike="noStrike" kern="1200" cap="none" spc="0" baseline="0%" dirty="0" err="1">
+                <a:solidFill>
+                  <a:srgbClr val="000000"/>
+                </a:solidFill>
+                <a:uFillTx/>
+                <a:latin typeface="Calibri"/>
+                <a:ea typeface="Calibri"/>
+                <a:cs typeface="Calibri"/>
+              </a:rPr>
+              <a:t>it.unibo.wenvusage</a:t>
+            </a:r>
+            <a:endParaRPr lang="en-US" sz="3200" b="0" i="0" u="none" strike="noStrike" kern="1200" cap="none" spc="0" baseline="0%" dirty="0">
+              <a:solidFill>
+                <a:srgbClr val="000000"/>
+              </a:solidFill>
+              <a:uFillTx/>
+              <a:latin typeface="Calibri"/>
+            </a:endParaRPr>
+          </a:p>
+          <a:p>
+            <a:pPr marL="0" marR="0" lvl="0" indent="0" algn="l" defTabSz="914400" rtl="0" fontAlgn="auto" hangingPunct="1">
+              <a:lnSpc>
+                <a:spcPct val="100%"/>
+              </a:lnSpc>
+              <a:spcBef>
+                <a:spcPts val="0"/>
+              </a:spcBef>
+              <a:spcAft>
+                <a:spcPts val="0"/>
+              </a:spcAft>
+              <a:buNone/>
+              <a:tabLst/>
+              <a:defRPr sz="1800" b="0" i="0" u="none" strike="noStrike" kern="0" cap="none" spc="0" baseline="0%">
+                <a:solidFill>
+                  <a:srgbClr val="000000"/>
+                </a:solidFill>
+                <a:uFillTx/>
+              </a:defRPr>
+            </a:pPr>
+            <a:r>
+              <a:rPr lang="en-US" sz="3200" b="0" i="0" u="none" strike="noStrike" kern="1200" cap="none" spc="0" baseline="0%" dirty="0">
+                <a:solidFill>
+                  <a:srgbClr val="00B050"/>
+                </a:solidFill>
+                <a:uFillTx/>
+                <a:latin typeface="Calibri"/>
+              </a:rPr>
+              <a:t>C:\...\issLab2021</a:t>
+            </a:r>
+            <a:r>
+              <a:rPr lang="en-US" sz="3200" b="0" i="0" u="none" strike="noStrike" kern="1200" cap="none" spc="0" baseline="0%" dirty="0">
+                <a:solidFill>
+                  <a:srgbClr val="000000"/>
+                </a:solidFill>
+                <a:uFillTx/>
+                <a:latin typeface="Calibri"/>
+              </a:rPr>
+              <a:t>&gt;</a:t>
+            </a:r>
+            <a:r>
+              <a:rPr lang="en-US" sz="3200" b="0" i="0" u="none" strike="noStrike" kern="1200" cap="none" spc="0" baseline="0%" dirty="0">
+                <a:solidFill>
+                  <a:srgbClr val="C00000"/>
+                </a:solidFill>
+                <a:uFillTx/>
+                <a:latin typeface="Calibri"/>
+              </a:rPr>
+              <a:t>gradle </a:t>
+            </a:r>
+            <a:r>
+              <a:rPr lang="en-US" sz="3200" b="0" i="0" u="none" strike="noStrike" kern="1200" cap="none" spc="0" baseline="0%" dirty="0" err="1">
+                <a:solidFill>
+                  <a:srgbClr val="C00000"/>
+                </a:solidFill>
+                <a:uFillTx/>
+                <a:latin typeface="Calibri"/>
+              </a:rPr>
+              <a:t>init</a:t>
+            </a:r>
+            <a:r>
+              <a:rPr lang="en-US" sz="3200" b="0" i="0" u="none" strike="noStrike" kern="1200" cap="none" spc="0" baseline="0%" dirty="0">
+                <a:solidFill>
+                  <a:srgbClr val="000000"/>
+                </a:solidFill>
+                <a:uFillTx/>
+                <a:latin typeface="Calibri"/>
+              </a:rPr>
+              <a:t> (select 2, 3, 1, 2, 1, -, -)</a:t>
+            </a:r>
+          </a:p>
+        </p:txBody>
+      </p:sp>
+      <p:pic>
+        <p:nvPicPr>
+          <p:cNvPr id="6" name="Picture 5">
+            <a:extLst>
+              <a:ext uri="{FF2B5EF4-FFF2-40B4-BE49-F238E27FC236}">
+                <a16:creationId xmlns:a16="http://schemas.microsoft.com/office/drawing/2014/main" id="{C381F887-AE65-4634-A20A-88FBDCEF06B8}"/>
+              </a:ext>
+            </a:extLst>
+          </p:cNvPr>
+          <p:cNvPicPr>
+            <a:picLocks noChangeAspect="1"/>
+          </p:cNvPicPr>
+          <p:nvPr/>
+        </p:nvPicPr>
+        <p:blipFill>
+          <a:blip r:embed="rId2"/>
+          <a:stretch>
+            <a:fillRect/>
+          </a:stretch>
+        </p:blipFill>
+        <p:spPr>
+          <a:xfrm>
+            <a:off x="677332" y="2478956"/>
+            <a:ext cx="7473816" cy="4403178"/>
+          </a:xfrm>
+          <a:prstGeom prst="rect">
+            <a:avLst/>
+          </a:prstGeom>
+        </p:spPr>
+      </p:pic>
+    </p:spTree>
+  </p:cSld>
+  <p:clrMapOvr>
+    <a:masterClrMapping/>
+  </p:clrMapOvr>
+</p:sld>
+</file>
+
+<file path=ppt/slides/slide21.xml><?xml version="1.0" encoding="utf-8"?>
+<p:sld xmlns:a="http://purl.oclc.org/ooxml/drawingml/main" xmlns:r="http://purl.oclc.org/ooxml/officeDocument/relationships" xmlns:p="http://purl.oclc.org/ooxml/presentationml/main">
   <p:cSld name="Slide8">
     <p:spTree>
       <p:nvGrpSpPr>
@@ -26306,7 +27828,7 @@
 </p:sld>
 </file>
 
-<file path=ppt/slides/slide21.xml><?xml version="1.0" encoding="utf-8"?>
+<file path=ppt/slides/slide22.xml><?xml version="1.0" encoding="utf-8"?>
 <p:sld xmlns:a="http://purl.oclc.org/ooxml/drawingml/main" xmlns:r="http://purl.oclc.org/ooxml/officeDocument/relationships" xmlns:p="http://purl.oclc.org/ooxml/presentationml/main">
   <p:cSld name="Slide10">
     <p:spTree>
@@ -26825,7 +28347,7 @@
 </p:sld>
 </file>
 
-<file path=ppt/slides/slide22.xml><?xml version="1.0" encoding="utf-8"?>
+<file path=ppt/slides/slide23.xml><?xml version="1.0" encoding="utf-8"?>
 <p:sld xmlns:a="http://purl.oclc.org/ooxml/drawingml/main" xmlns:r="http://purl.oclc.org/ooxml/officeDocument/relationships" xmlns:p="http://purl.oclc.org/ooxml/presentationml/main">
   <p:cSld name="Slide12">
     <p:spTree>
